--- a/doc/presentation/revenue-prediction.pptx
+++ b/doc/presentation/revenue-prediction.pptx
@@ -206,7 +206,7 @@
           <a:p>
             <a:fld id="{748AB8CE-FDAE-4CE5-A199-BD7C66646063}" type="datetimeFigureOut">
               <a:rPr lang="en-US" smtClean="0"/>
-              <a:t>5/1/2015</a:t>
+              <a:t>5/3/2015</a:t>
             </a:fld>
             <a:endParaRPr lang="en-US"/>
           </a:p>
@@ -607,12 +607,8 @@
           <a:lstStyle/>
           <a:p>
             <a:r>
-              <a:rPr lang="en-US" dirty="0" smtClean="0"/>
-              <a:t>Unit</a:t>
-            </a:r>
-            <a:r>
               <a:rPr lang="en-US" baseline="0" dirty="0" smtClean="0"/>
-              <a:t> variance? Zero mean?</a:t>
+              <a:t>Feature scaling: measuring distance between records</a:t>
             </a:r>
             <a:endParaRPr lang="en-US" dirty="0"/>
           </a:p>
@@ -920,7 +916,7 @@
             <a:fld id="{1D8BD707-D9CF-40AE-B4C6-C98DA3205C09}" type="datetimeFigureOut">
               <a:rPr lang="en-US" smtClean="0"/>
               <a:pPr/>
-              <a:t>5/1/2015</a:t>
+              <a:t>5/3/2015</a:t>
             </a:fld>
             <a:endParaRPr lang="en-US"/>
           </a:p>
@@ -1087,7 +1083,7 @@
             <a:fld id="{1D8BD707-D9CF-40AE-B4C6-C98DA3205C09}" type="datetimeFigureOut">
               <a:rPr lang="en-US" smtClean="0"/>
               <a:pPr/>
-              <a:t>5/1/2015</a:t>
+              <a:t>5/3/2015</a:t>
             </a:fld>
             <a:endParaRPr lang="en-US"/>
           </a:p>
@@ -1264,7 +1260,7 @@
             <a:fld id="{1D8BD707-D9CF-40AE-B4C6-C98DA3205C09}" type="datetimeFigureOut">
               <a:rPr lang="en-US" smtClean="0"/>
               <a:pPr/>
-              <a:t>5/1/2015</a:t>
+              <a:t>5/3/2015</a:t>
             </a:fld>
             <a:endParaRPr lang="en-US"/>
           </a:p>
@@ -1431,7 +1427,7 @@
             <a:fld id="{1D8BD707-D9CF-40AE-B4C6-C98DA3205C09}" type="datetimeFigureOut">
               <a:rPr lang="en-US" smtClean="0"/>
               <a:pPr/>
-              <a:t>5/1/2015</a:t>
+              <a:t>5/3/2015</a:t>
             </a:fld>
             <a:endParaRPr lang="en-US"/>
           </a:p>
@@ -1674,7 +1670,7 @@
             <a:fld id="{1D8BD707-D9CF-40AE-B4C6-C98DA3205C09}" type="datetimeFigureOut">
               <a:rPr lang="en-US" smtClean="0"/>
               <a:pPr/>
-              <a:t>5/1/2015</a:t>
+              <a:t>5/3/2015</a:t>
             </a:fld>
             <a:endParaRPr lang="en-US"/>
           </a:p>
@@ -1959,7 +1955,7 @@
             <a:fld id="{1D8BD707-D9CF-40AE-B4C6-C98DA3205C09}" type="datetimeFigureOut">
               <a:rPr lang="en-US" smtClean="0"/>
               <a:pPr/>
-              <a:t>5/1/2015</a:t>
+              <a:t>5/3/2015</a:t>
             </a:fld>
             <a:endParaRPr lang="en-US"/>
           </a:p>
@@ -2378,7 +2374,7 @@
             <a:fld id="{1D8BD707-D9CF-40AE-B4C6-C98DA3205C09}" type="datetimeFigureOut">
               <a:rPr lang="en-US" smtClean="0"/>
               <a:pPr/>
-              <a:t>5/1/2015</a:t>
+              <a:t>5/3/2015</a:t>
             </a:fld>
             <a:endParaRPr lang="en-US"/>
           </a:p>
@@ -2493,7 +2489,7 @@
             <a:fld id="{1D8BD707-D9CF-40AE-B4C6-C98DA3205C09}" type="datetimeFigureOut">
               <a:rPr lang="en-US" smtClean="0"/>
               <a:pPr/>
-              <a:t>5/1/2015</a:t>
+              <a:t>5/3/2015</a:t>
             </a:fld>
             <a:endParaRPr lang="en-US"/>
           </a:p>
@@ -2585,7 +2581,7 @@
             <a:fld id="{1D8BD707-D9CF-40AE-B4C6-C98DA3205C09}" type="datetimeFigureOut">
               <a:rPr lang="en-US" smtClean="0"/>
               <a:pPr/>
-              <a:t>5/1/2015</a:t>
+              <a:t>5/3/2015</a:t>
             </a:fld>
             <a:endParaRPr lang="en-US"/>
           </a:p>
@@ -2859,7 +2855,7 @@
             <a:fld id="{1D8BD707-D9CF-40AE-B4C6-C98DA3205C09}" type="datetimeFigureOut">
               <a:rPr lang="en-US" smtClean="0"/>
               <a:pPr/>
-              <a:t>5/1/2015</a:t>
+              <a:t>5/3/2015</a:t>
             </a:fld>
             <a:endParaRPr lang="en-US"/>
           </a:p>
@@ -3109,7 +3105,7 @@
             <a:fld id="{1D8BD707-D9CF-40AE-B4C6-C98DA3205C09}" type="datetimeFigureOut">
               <a:rPr lang="en-US" smtClean="0"/>
               <a:pPr/>
-              <a:t>5/1/2015</a:t>
+              <a:t>5/3/2015</a:t>
             </a:fld>
             <a:endParaRPr lang="en-US"/>
           </a:p>
@@ -3319,7 +3315,7 @@
             <a:fld id="{1D8BD707-D9CF-40AE-B4C6-C98DA3205C09}" type="datetimeFigureOut">
               <a:rPr lang="en-US" smtClean="0"/>
               <a:pPr/>
-              <a:t>5/1/2015</a:t>
+              <a:t>5/3/2015</a:t>
             </a:fld>
             <a:endParaRPr lang="en-US"/>
           </a:p>
@@ -5606,7 +5602,7 @@
             </a:r>
             <a:r>
               <a:rPr lang="en-US" dirty="0" smtClean="0"/>
-              <a:t>1000</a:t>
+              <a:t>100,00</a:t>
             </a:r>
             <a:r>
               <a:rPr lang="en-US" altLang="zh-CN" dirty="0" smtClean="0"/>
@@ -5614,7 +5610,11 @@
             </a:r>
             <a:r>
               <a:rPr lang="en-US" dirty="0" smtClean="0"/>
-              <a:t> records</a:t>
+              <a:t> </a:t>
+            </a:r>
+            <a:r>
+              <a:rPr lang="en-US" dirty="0" smtClean="0"/>
+              <a:t>records</a:t>
             </a:r>
           </a:p>
           <a:p>
@@ -5829,6 +5829,150 @@
           </a:p>
         </p:txBody>
       </p:sp>
+      <p:sp>
+        <p:nvSpPr>
+          <p:cNvPr id="5" name="Rectangle 4"/>
+          <p:cNvSpPr/>
+          <p:nvPr/>
+        </p:nvSpPr>
+        <p:spPr>
+          <a:xfrm>
+            <a:off x="3276600" y="2734962"/>
+            <a:ext cx="5257800" cy="304800"/>
+          </a:xfrm>
+          <a:prstGeom prst="rect">
+            <a:avLst/>
+          </a:prstGeom>
+          <a:solidFill>
+            <a:schemeClr val="accent6">
+              <a:lumMod val="20000"/>
+              <a:lumOff val="80000"/>
+            </a:schemeClr>
+          </a:solidFill>
+          <a:ln>
+            <a:solidFill>
+              <a:schemeClr val="accent6">
+                <a:lumMod val="50000"/>
+              </a:schemeClr>
+            </a:solidFill>
+          </a:ln>
+        </p:spPr>
+        <p:style>
+          <a:lnRef idx="2">
+            <a:schemeClr val="accent1">
+              <a:shade val="50000"/>
+            </a:schemeClr>
+          </a:lnRef>
+          <a:fillRef idx="1">
+            <a:schemeClr val="accent1"/>
+          </a:fillRef>
+          <a:effectRef idx="0">
+            <a:schemeClr val="accent1"/>
+          </a:effectRef>
+          <a:fontRef idx="minor">
+            <a:schemeClr val="lt1"/>
+          </a:fontRef>
+        </p:style>
+        <p:txBody>
+          <a:bodyPr rtlCol="0" anchor="ctr"/>
+          <a:lstStyle/>
+          <a:p>
+            <a:pPr algn="ctr"/>
+            <a:r>
+              <a:rPr lang="en-US" sz="1400" dirty="0" smtClean="0">
+                <a:solidFill>
+                  <a:schemeClr val="tx1"/>
+                </a:solidFill>
+              </a:rPr>
+              <a:t>TYPE: FC</a:t>
+            </a:r>
+            <a:r>
+              <a:rPr lang="en-US" sz="1400" dirty="0">
+                <a:solidFill>
+                  <a:schemeClr val="tx1"/>
+                </a:solidFill>
+              </a:rPr>
+              <a:t>: Food Court, IL: Inline, DT: Drive Thru, MB: Mobile</a:t>
+            </a:r>
+          </a:p>
+        </p:txBody>
+      </p:sp>
+      <p:cxnSp>
+        <p:nvCxnSpPr>
+          <p:cNvPr id="9" name="Straight Arrow Connector 8"/>
+          <p:cNvCxnSpPr/>
+          <p:nvPr/>
+        </p:nvCxnSpPr>
+        <p:spPr>
+          <a:xfrm flipV="1">
+            <a:off x="2819400" y="2887362"/>
+            <a:ext cx="457200" cy="313038"/>
+          </a:xfrm>
+          <a:prstGeom prst="straightConnector1">
+            <a:avLst/>
+          </a:prstGeom>
+          <a:ln w="28575">
+            <a:solidFill>
+              <a:schemeClr val="accent6">
+                <a:lumMod val="50000"/>
+              </a:schemeClr>
+            </a:solidFill>
+            <a:tailEnd type="arrow"/>
+          </a:ln>
+        </p:spPr>
+        <p:style>
+          <a:lnRef idx="1">
+            <a:schemeClr val="accent1"/>
+          </a:lnRef>
+          <a:fillRef idx="0">
+            <a:schemeClr val="accent1"/>
+          </a:fillRef>
+          <a:effectRef idx="0">
+            <a:schemeClr val="accent1"/>
+          </a:effectRef>
+          <a:fontRef idx="minor">
+            <a:schemeClr val="tx1"/>
+          </a:fontRef>
+        </p:style>
+      </p:cxnSp>
+      <p:cxnSp>
+        <p:nvCxnSpPr>
+          <p:cNvPr id="10" name="Straight Arrow Connector 9"/>
+          <p:cNvCxnSpPr/>
+          <p:nvPr/>
+        </p:nvCxnSpPr>
+        <p:spPr>
+          <a:xfrm flipV="1">
+            <a:off x="8382000" y="5539264"/>
+            <a:ext cx="381000" cy="550558"/>
+          </a:xfrm>
+          <a:prstGeom prst="straightConnector1">
+            <a:avLst/>
+          </a:prstGeom>
+          <a:ln w="28575">
+            <a:solidFill>
+              <a:schemeClr val="accent6">
+                <a:lumMod val="50000"/>
+              </a:schemeClr>
+            </a:solidFill>
+            <a:tailEnd type="arrow"/>
+          </a:ln>
+        </p:spPr>
+        <p:style>
+          <a:lnRef idx="1">
+            <a:schemeClr val="accent1"/>
+          </a:lnRef>
+          <a:fillRef idx="0">
+            <a:schemeClr val="accent1"/>
+          </a:fillRef>
+          <a:effectRef idx="0">
+            <a:schemeClr val="accent1"/>
+          </a:effectRef>
+          <a:fontRef idx="minor">
+            <a:schemeClr val="tx1"/>
+          </a:fontRef>
+        </p:style>
+      </p:cxnSp>
     </p:spTree>
     <p:extLst>
       <p:ext uri="{BB962C8B-B14F-4D97-AF65-F5344CB8AC3E}">
@@ -5917,7 +6061,15 @@
             </a:pPr>
             <a:r>
               <a:rPr lang="en-US" sz="2800" dirty="0" smtClean="0"/>
-              <a:t>Missing values in categorical attributes</a:t>
+              <a:t>Missing </a:t>
+            </a:r>
+            <a:r>
+              <a:rPr lang="en-US" sz="2800" dirty="0" smtClean="0"/>
+              <a:t>categorical </a:t>
+            </a:r>
+            <a:r>
+              <a:rPr lang="en-US" sz="2800" dirty="0" smtClean="0"/>
+              <a:t>attributes</a:t>
             </a:r>
           </a:p>
           <a:p>
@@ -6191,22 +6343,9 @@
             <a:pPr lvl="1"/>
             <a:r>
               <a:rPr lang="en-US" dirty="0" smtClean="0"/>
-              <a:t>Standardize</a:t>
-            </a:r>
-          </a:p>
-          <a:p>
-            <a:pPr lvl="1"/>
-            <a:r>
-              <a:rPr lang="en-US" dirty="0" smtClean="0"/>
-              <a:t>zero mean</a:t>
-            </a:r>
-          </a:p>
-          <a:p>
-            <a:pPr lvl="1"/>
-            <a:r>
-              <a:rPr lang="en-US" dirty="0" smtClean="0"/>
-              <a:t>unit variance</a:t>
-            </a:r>
+              <a:t>Standardize: zero mean, unit variance</a:t>
+            </a:r>
+            <a:endParaRPr lang="en-US" dirty="0" smtClean="0"/>
           </a:p>
         </p:txBody>
       </p:sp>
@@ -6498,11 +6637,7 @@
           <a:p>
             <a:r>
               <a:rPr lang="en-US" dirty="0" smtClean="0"/>
-              <a:t>Feature </a:t>
-            </a:r>
-            <a:r>
-              <a:rPr lang="en-US" dirty="0" smtClean="0"/>
-              <a:t>Rank</a:t>
+              <a:t>Feature Rank</a:t>
             </a:r>
           </a:p>
           <a:p>

--- a/doc/presentation/revenue-prediction.pptx
+++ b/doc/presentation/revenue-prediction.pptx
@@ -5,24 +5,25 @@
     <p:sldMasterId id="2147483648" r:id="rId1"/>
   </p:sldMasterIdLst>
   <p:notesMasterIdLst>
-    <p:notesMasterId r:id="rId17"/>
+    <p:notesMasterId r:id="rId18"/>
   </p:notesMasterIdLst>
   <p:sldIdLst>
     <p:sldId id="256" r:id="rId2"/>
     <p:sldId id="257" r:id="rId3"/>
-    <p:sldId id="266" r:id="rId4"/>
+    <p:sldId id="273" r:id="rId4"/>
     <p:sldId id="258" r:id="rId5"/>
     <p:sldId id="259" r:id="rId6"/>
     <p:sldId id="261" r:id="rId7"/>
     <p:sldId id="267" r:id="rId8"/>
     <p:sldId id="269" r:id="rId9"/>
-    <p:sldId id="260" r:id="rId10"/>
-    <p:sldId id="270" r:id="rId11"/>
-    <p:sldId id="263" r:id="rId12"/>
-    <p:sldId id="264" r:id="rId13"/>
-    <p:sldId id="265" r:id="rId14"/>
-    <p:sldId id="271" r:id="rId15"/>
-    <p:sldId id="272" r:id="rId16"/>
+    <p:sldId id="274" r:id="rId10"/>
+    <p:sldId id="260" r:id="rId11"/>
+    <p:sldId id="270" r:id="rId12"/>
+    <p:sldId id="263" r:id="rId13"/>
+    <p:sldId id="264" r:id="rId14"/>
+    <p:sldId id="265" r:id="rId15"/>
+    <p:sldId id="271" r:id="rId16"/>
+    <p:sldId id="272" r:id="rId17"/>
   </p:sldIdLst>
   <p:sldSz cx="9144000" cy="6858000" type="screen4x3"/>
   <p:notesSz cx="6858000" cy="9144000"/>
@@ -715,7 +716,7 @@
           <a:p>
             <a:fld id="{E0542D34-12F8-4BA5-8DE9-FE2BC539FB18}" type="slidenum">
               <a:rPr lang="en-US" smtClean="0"/>
-              <a:t>14</a:t>
+              <a:t>15</a:t>
             </a:fld>
             <a:endParaRPr lang="en-US"/>
           </a:p>
@@ -3818,6 +3819,153 @@
           <a:p>
             <a:r>
               <a:rPr lang="en-US" dirty="0" smtClean="0"/>
+              <a:t>Training</a:t>
+            </a:r>
+            <a:endParaRPr lang="en-US" dirty="0"/>
+          </a:p>
+        </p:txBody>
+      </p:sp>
+      <p:sp>
+        <p:nvSpPr>
+          <p:cNvPr id="3" name="Content Placeholder 2"/>
+          <p:cNvSpPr>
+            <a:spLocks noGrp="1"/>
+          </p:cNvSpPr>
+          <p:nvPr>
+            <p:ph idx="1"/>
+          </p:nvPr>
+        </p:nvSpPr>
+        <p:spPr/>
+        <p:txBody>
+          <a:bodyPr>
+            <a:normAutofit/>
+          </a:bodyPr>
+          <a:lstStyle/>
+          <a:p>
+            <a:r>
+              <a:rPr lang="en-US" dirty="0" smtClean="0"/>
+              <a:t>Train single model</a:t>
+            </a:r>
+          </a:p>
+          <a:p>
+            <a:pPr lvl="1"/>
+            <a:r>
+              <a:rPr lang="en-US" dirty="0" err="1" smtClean="0"/>
+              <a:t>NuSVR</a:t>
+            </a:r>
+            <a:endParaRPr lang="en-US" dirty="0" smtClean="0"/>
+          </a:p>
+          <a:p>
+            <a:pPr lvl="1"/>
+            <a:r>
+              <a:rPr lang="en-US" dirty="0" smtClean="0"/>
+              <a:t>K Nearest Neighbor</a:t>
+            </a:r>
+          </a:p>
+          <a:p>
+            <a:pPr lvl="1"/>
+            <a:r>
+              <a:rPr lang="en-US" altLang="zh-CN" dirty="0" smtClean="0"/>
+              <a:t>Gradient Boosting </a:t>
+            </a:r>
+            <a:r>
+              <a:rPr lang="en-US" altLang="zh-CN" dirty="0" err="1" smtClean="0"/>
+              <a:t>Regressor</a:t>
+            </a:r>
+            <a:endParaRPr lang="en-US" altLang="zh-CN" dirty="0" smtClean="0"/>
+          </a:p>
+          <a:p>
+            <a:r>
+              <a:rPr lang="en-US" altLang="zh-CN" dirty="0" smtClean="0"/>
+              <a:t>Parameters turned based on 5-folds cross validation</a:t>
+            </a:r>
+            <a:endParaRPr lang="en-US" altLang="zh-CN" dirty="0"/>
+          </a:p>
+          <a:p>
+            <a:r>
+              <a:rPr lang="en-US" dirty="0" smtClean="0"/>
+              <a:t>Average the prediction results</a:t>
+            </a:r>
+          </a:p>
+          <a:p>
+            <a:r>
+              <a:rPr lang="en-US" dirty="0" smtClean="0"/>
+              <a:t>Python + </a:t>
+            </a:r>
+            <a:r>
+              <a:rPr lang="en-US" altLang="zh-CN" dirty="0" err="1"/>
+              <a:t>scikit</a:t>
+            </a:r>
+            <a:r>
+              <a:rPr lang="en-US" altLang="zh-CN" dirty="0"/>
+              <a:t>-</a:t>
+            </a:r>
+            <a:r>
+              <a:rPr lang="en-US" altLang="zh-CN" dirty="0" smtClean="0"/>
+              <a:t>learn </a:t>
+            </a:r>
+            <a:r>
+              <a:rPr lang="en-US" dirty="0" smtClean="0"/>
+              <a:t>library</a:t>
+            </a:r>
+            <a:endParaRPr lang="en-US" dirty="0"/>
+          </a:p>
+        </p:txBody>
+      </p:sp>
+    </p:spTree>
+    <p:extLst>
+      <p:ext uri="{BB962C8B-B14F-4D97-AF65-F5344CB8AC3E}">
+        <p14:creationId xmlns:p14="http://schemas.microsoft.com/office/powerpoint/2010/main" val="1917558454"/>
+      </p:ext>
+    </p:extLst>
+  </p:cSld>
+  <p:clrMapOvr>
+    <a:masterClrMapping/>
+  </p:clrMapOvr>
+  <p:timing>
+    <p:tnLst>
+      <p:par>
+        <p:cTn id="1" dur="indefinite" restart="never" nodeType="tmRoot"/>
+      </p:par>
+    </p:tnLst>
+  </p:timing>
+</p:sld>
+</file>
+
+<file path=ppt/slides/slide11.xml><?xml version="1.0" encoding="utf-8"?>
+<p:sld xmlns:a="http://schemas.openxmlformats.org/drawingml/2006/main" xmlns:r="http://schemas.openxmlformats.org/officeDocument/2006/relationships" xmlns:p="http://schemas.openxmlformats.org/presentationml/2006/main">
+  <p:cSld>
+    <p:spTree>
+      <p:nvGrpSpPr>
+        <p:cNvPr id="1" name=""/>
+        <p:cNvGrpSpPr/>
+        <p:nvPr/>
+      </p:nvGrpSpPr>
+      <p:grpSpPr>
+        <a:xfrm>
+          <a:off x="0" y="0"/>
+          <a:ext cx="0" cy="0"/>
+          <a:chOff x="0" y="0"/>
+          <a:chExt cx="0" cy="0"/>
+        </a:xfrm>
+      </p:grpSpPr>
+      <p:sp>
+        <p:nvSpPr>
+          <p:cNvPr id="2" name="Title 1"/>
+          <p:cNvSpPr>
+            <a:spLocks noGrp="1"/>
+          </p:cNvSpPr>
+          <p:nvPr>
+            <p:ph type="title"/>
+          </p:nvPr>
+        </p:nvSpPr>
+        <p:spPr/>
+        <p:txBody>
+          <a:bodyPr/>
+          <a:lstStyle/>
+          <a:p>
+            <a:r>
+              <a:rPr lang="en-US" dirty="0" smtClean="0"/>
               <a:t>Visualize Validation</a:t>
             </a:r>
             <a:endParaRPr lang="en-US" dirty="0"/>
@@ -3856,7 +4004,7 @@
 </p:sld>
 </file>
 
-<file path=ppt/slides/slide11.xml><?xml version="1.0" encoding="utf-8"?>
+<file path=ppt/slides/slide12.xml><?xml version="1.0" encoding="utf-8"?>
 <p:sld xmlns:a="http://schemas.openxmlformats.org/drawingml/2006/main" xmlns:r="http://schemas.openxmlformats.org/officeDocument/2006/relationships" xmlns:p="http://schemas.openxmlformats.org/presentationml/2006/main">
   <p:cSld>
     <p:spTree>
@@ -4112,166 +4260,6 @@
     <p:extLst>
       <p:ext uri="{BB962C8B-B14F-4D97-AF65-F5344CB8AC3E}">
         <p14:creationId xmlns:p14="http://schemas.microsoft.com/office/powerpoint/2010/main" val="4262006165"/>
-      </p:ext>
-    </p:extLst>
-  </p:cSld>
-  <p:clrMapOvr>
-    <a:masterClrMapping/>
-  </p:clrMapOvr>
-  <p:timing>
-    <p:tnLst>
-      <p:par>
-        <p:cTn id="1" dur="indefinite" restart="never" nodeType="tmRoot"/>
-      </p:par>
-    </p:tnLst>
-  </p:timing>
-</p:sld>
-</file>
-
-<file path=ppt/slides/slide12.xml><?xml version="1.0" encoding="utf-8"?>
-<p:sld xmlns:a="http://schemas.openxmlformats.org/drawingml/2006/main" xmlns:r="http://schemas.openxmlformats.org/officeDocument/2006/relationships" xmlns:p="http://schemas.openxmlformats.org/presentationml/2006/main">
-  <p:cSld>
-    <p:spTree>
-      <p:nvGrpSpPr>
-        <p:cNvPr id="1" name=""/>
-        <p:cNvGrpSpPr/>
-        <p:nvPr/>
-      </p:nvGrpSpPr>
-      <p:grpSpPr>
-        <a:xfrm>
-          <a:off x="0" y="0"/>
-          <a:ext cx="0" cy="0"/>
-          <a:chOff x="0" y="0"/>
-          <a:chExt cx="0" cy="0"/>
-        </a:xfrm>
-      </p:grpSpPr>
-      <p:sp>
-        <p:nvSpPr>
-          <p:cNvPr id="2" name="标题 1"/>
-          <p:cNvSpPr>
-            <a:spLocks noGrp="1"/>
-          </p:cNvSpPr>
-          <p:nvPr>
-            <p:ph type="title"/>
-          </p:nvPr>
-        </p:nvSpPr>
-        <p:spPr/>
-        <p:txBody>
-          <a:bodyPr/>
-          <a:lstStyle/>
-          <a:p>
-            <a:r>
-              <a:rPr kumimoji="1" lang="en-US" altLang="zh-CN" dirty="0" smtClean="0"/>
-              <a:t>Results on Public Board</a:t>
-            </a:r>
-            <a:endParaRPr kumimoji="1" lang="zh-CN" altLang="en-US" dirty="0"/>
-          </a:p>
-        </p:txBody>
-      </p:sp>
-      <p:sp>
-        <p:nvSpPr>
-          <p:cNvPr id="3" name="内容占位符 2"/>
-          <p:cNvSpPr>
-            <a:spLocks noGrp="1"/>
-          </p:cNvSpPr>
-          <p:nvPr>
-            <p:ph idx="1"/>
-          </p:nvPr>
-        </p:nvSpPr>
-        <p:spPr/>
-        <p:txBody>
-          <a:bodyPr/>
-          <a:lstStyle/>
-          <a:p>
-            <a:r>
-              <a:rPr kumimoji="1" lang="en-US" altLang="zh-CN" dirty="0" smtClean="0"/>
-              <a:t>Rank 1xx / 22xx teams</a:t>
-            </a:r>
-            <a:endParaRPr kumimoji="1" lang="zh-CN" altLang="en-US" dirty="0"/>
-          </a:p>
-        </p:txBody>
-      </p:sp>
-      <p:pic>
-        <p:nvPicPr>
-          <p:cNvPr id="4" name="图片 3"/>
-          <p:cNvPicPr>
-            <a:picLocks noChangeAspect="1"/>
-          </p:cNvPicPr>
-          <p:nvPr/>
-        </p:nvPicPr>
-        <p:blipFill>
-          <a:blip r:embed="rId2">
-            <a:extLst>
-              <a:ext uri="{28A0092B-C50C-407E-A947-70E740481C1C}">
-                <a14:useLocalDpi xmlns:a14="http://schemas.microsoft.com/office/drawing/2010/main" val="0"/>
-              </a:ext>
-            </a:extLst>
-          </a:blip>
-          <a:stretch>
-            <a:fillRect/>
-          </a:stretch>
-        </p:blipFill>
-        <p:spPr>
-          <a:xfrm>
-            <a:off x="1295400" y="2057400"/>
-            <a:ext cx="6400800" cy="4800600"/>
-          </a:xfrm>
-          <a:prstGeom prst="rect">
-            <a:avLst/>
-          </a:prstGeom>
-        </p:spPr>
-      </p:pic>
-      <p:sp>
-        <p:nvSpPr>
-          <p:cNvPr id="5" name="线形标注 1 4"/>
-          <p:cNvSpPr/>
-          <p:nvPr/>
-        </p:nvSpPr>
-        <p:spPr>
-          <a:xfrm>
-            <a:off x="3048000" y="3962400"/>
-            <a:ext cx="1905000" cy="609600"/>
-          </a:xfrm>
-          <a:prstGeom prst="borderCallout1">
-            <a:avLst>
-              <a:gd name="adj1" fmla="val 18750"/>
-              <a:gd name="adj2" fmla="val -8333"/>
-              <a:gd name="adj3" fmla="val 280426"/>
-              <a:gd name="adj4" fmla="val -40374"/>
-            </a:avLst>
-          </a:prstGeom>
-        </p:spPr>
-        <p:style>
-          <a:lnRef idx="2">
-            <a:schemeClr val="accent2"/>
-          </a:lnRef>
-          <a:fillRef idx="1">
-            <a:schemeClr val="lt1"/>
-          </a:fillRef>
-          <a:effectRef idx="0">
-            <a:schemeClr val="accent2"/>
-          </a:effectRef>
-          <a:fontRef idx="minor">
-            <a:schemeClr val="dk1"/>
-          </a:fontRef>
-        </p:style>
-        <p:txBody>
-          <a:bodyPr rtlCol="0" anchor="ctr"/>
-          <a:lstStyle/>
-          <a:p>
-            <a:pPr algn="ctr"/>
-            <a:r>
-              <a:rPr kumimoji="1" lang="en-US" altLang="zh-CN" dirty="0" smtClean="0"/>
-              <a:t>We are here</a:t>
-            </a:r>
-            <a:endParaRPr kumimoji="1" lang="zh-CN" altLang="en-US" dirty="0"/>
-          </a:p>
-        </p:txBody>
-      </p:sp>
-    </p:spTree>
-    <p:extLst>
-      <p:ext uri="{BB962C8B-B14F-4D97-AF65-F5344CB8AC3E}">
-        <p14:creationId xmlns:p14="http://schemas.microsoft.com/office/powerpoint/2010/main" val="4030098551"/>
       </p:ext>
     </p:extLst>
   </p:cSld>
@@ -4322,6 +4310,166 @@
           <a:p>
             <a:r>
               <a:rPr kumimoji="1" lang="en-US" altLang="zh-CN" dirty="0" smtClean="0"/>
+              <a:t>Results on Public Board</a:t>
+            </a:r>
+            <a:endParaRPr kumimoji="1" lang="zh-CN" altLang="en-US" dirty="0"/>
+          </a:p>
+        </p:txBody>
+      </p:sp>
+      <p:sp>
+        <p:nvSpPr>
+          <p:cNvPr id="3" name="内容占位符 2"/>
+          <p:cNvSpPr>
+            <a:spLocks noGrp="1"/>
+          </p:cNvSpPr>
+          <p:nvPr>
+            <p:ph idx="1"/>
+          </p:nvPr>
+        </p:nvSpPr>
+        <p:spPr/>
+        <p:txBody>
+          <a:bodyPr/>
+          <a:lstStyle/>
+          <a:p>
+            <a:r>
+              <a:rPr kumimoji="1" lang="en-US" altLang="zh-CN" dirty="0" smtClean="0"/>
+              <a:t>Rank 1xx / 22xx teams</a:t>
+            </a:r>
+            <a:endParaRPr kumimoji="1" lang="zh-CN" altLang="en-US" dirty="0"/>
+          </a:p>
+        </p:txBody>
+      </p:sp>
+      <p:pic>
+        <p:nvPicPr>
+          <p:cNvPr id="4" name="图片 3"/>
+          <p:cNvPicPr>
+            <a:picLocks noChangeAspect="1"/>
+          </p:cNvPicPr>
+          <p:nvPr/>
+        </p:nvPicPr>
+        <p:blipFill>
+          <a:blip r:embed="rId2">
+            <a:extLst>
+              <a:ext uri="{28A0092B-C50C-407E-A947-70E740481C1C}">
+                <a14:useLocalDpi xmlns:a14="http://schemas.microsoft.com/office/drawing/2010/main" val="0"/>
+              </a:ext>
+            </a:extLst>
+          </a:blip>
+          <a:stretch>
+            <a:fillRect/>
+          </a:stretch>
+        </p:blipFill>
+        <p:spPr>
+          <a:xfrm>
+            <a:off x="1295400" y="2057400"/>
+            <a:ext cx="6400800" cy="4800600"/>
+          </a:xfrm>
+          <a:prstGeom prst="rect">
+            <a:avLst/>
+          </a:prstGeom>
+        </p:spPr>
+      </p:pic>
+      <p:sp>
+        <p:nvSpPr>
+          <p:cNvPr id="5" name="线形标注 1 4"/>
+          <p:cNvSpPr/>
+          <p:nvPr/>
+        </p:nvSpPr>
+        <p:spPr>
+          <a:xfrm>
+            <a:off x="3048000" y="3962400"/>
+            <a:ext cx="1905000" cy="609600"/>
+          </a:xfrm>
+          <a:prstGeom prst="borderCallout1">
+            <a:avLst>
+              <a:gd name="adj1" fmla="val 18750"/>
+              <a:gd name="adj2" fmla="val -8333"/>
+              <a:gd name="adj3" fmla="val 280426"/>
+              <a:gd name="adj4" fmla="val -40374"/>
+            </a:avLst>
+          </a:prstGeom>
+        </p:spPr>
+        <p:style>
+          <a:lnRef idx="2">
+            <a:schemeClr val="accent2"/>
+          </a:lnRef>
+          <a:fillRef idx="1">
+            <a:schemeClr val="lt1"/>
+          </a:fillRef>
+          <a:effectRef idx="0">
+            <a:schemeClr val="accent2"/>
+          </a:effectRef>
+          <a:fontRef idx="minor">
+            <a:schemeClr val="dk1"/>
+          </a:fontRef>
+        </p:style>
+        <p:txBody>
+          <a:bodyPr rtlCol="0" anchor="ctr"/>
+          <a:lstStyle/>
+          <a:p>
+            <a:pPr algn="ctr"/>
+            <a:r>
+              <a:rPr kumimoji="1" lang="en-US" altLang="zh-CN" dirty="0" smtClean="0"/>
+              <a:t>We are here</a:t>
+            </a:r>
+            <a:endParaRPr kumimoji="1" lang="zh-CN" altLang="en-US" dirty="0"/>
+          </a:p>
+        </p:txBody>
+      </p:sp>
+    </p:spTree>
+    <p:extLst>
+      <p:ext uri="{BB962C8B-B14F-4D97-AF65-F5344CB8AC3E}">
+        <p14:creationId xmlns:p14="http://schemas.microsoft.com/office/powerpoint/2010/main" val="4030098551"/>
+      </p:ext>
+    </p:extLst>
+  </p:cSld>
+  <p:clrMapOvr>
+    <a:masterClrMapping/>
+  </p:clrMapOvr>
+  <p:timing>
+    <p:tnLst>
+      <p:par>
+        <p:cTn id="1" dur="indefinite" restart="never" nodeType="tmRoot"/>
+      </p:par>
+    </p:tnLst>
+  </p:timing>
+</p:sld>
+</file>
+
+<file path=ppt/slides/slide14.xml><?xml version="1.0" encoding="utf-8"?>
+<p:sld xmlns:a="http://schemas.openxmlformats.org/drawingml/2006/main" xmlns:r="http://schemas.openxmlformats.org/officeDocument/2006/relationships" xmlns:p="http://schemas.openxmlformats.org/presentationml/2006/main">
+  <p:cSld>
+    <p:spTree>
+      <p:nvGrpSpPr>
+        <p:cNvPr id="1" name=""/>
+        <p:cNvGrpSpPr/>
+        <p:nvPr/>
+      </p:nvGrpSpPr>
+      <p:grpSpPr>
+        <a:xfrm>
+          <a:off x="0" y="0"/>
+          <a:ext cx="0" cy="0"/>
+          <a:chOff x="0" y="0"/>
+          <a:chExt cx="0" cy="0"/>
+        </a:xfrm>
+      </p:grpSpPr>
+      <p:sp>
+        <p:nvSpPr>
+          <p:cNvPr id="2" name="标题 1"/>
+          <p:cNvSpPr>
+            <a:spLocks noGrp="1"/>
+          </p:cNvSpPr>
+          <p:nvPr>
+            <p:ph type="title"/>
+          </p:nvPr>
+        </p:nvSpPr>
+        <p:spPr/>
+        <p:txBody>
+          <a:bodyPr/>
+          <a:lstStyle/>
+          <a:p>
+            <a:r>
+              <a:rPr kumimoji="1" lang="en-US" altLang="zh-CN" dirty="0" smtClean="0"/>
               <a:t>Conclusion</a:t>
             </a:r>
             <a:endParaRPr kumimoji="1" lang="zh-CN" altLang="en-US" dirty="0"/>
@@ -4364,7 +4512,7 @@
 </p:sld>
 </file>
 
-<file path=ppt/slides/slide14.xml><?xml version="1.0" encoding="utf-8"?>
+<file path=ppt/slides/slide15.xml><?xml version="1.0" encoding="utf-8"?>
 <p:sld xmlns:a="http://schemas.openxmlformats.org/drawingml/2006/main" xmlns:r="http://schemas.openxmlformats.org/officeDocument/2006/relationships" xmlns:p="http://schemas.openxmlformats.org/presentationml/2006/main">
   <p:cSld>
     <p:spTree>
@@ -4535,7 +4683,7 @@
 </p:sld>
 </file>
 
-<file path=ppt/slides/slide15.xml><?xml version="1.0" encoding="utf-8"?>
+<file path=ppt/slides/slide16.xml><?xml version="1.0" encoding="utf-8"?>
 <p:sld xmlns:a="http://schemas.openxmlformats.org/drawingml/2006/main" xmlns:r="http://schemas.openxmlformats.org/officeDocument/2006/relationships" xmlns:p="http://schemas.openxmlformats.org/presentationml/2006/main">
   <p:cSld>
     <p:spTree>
@@ -5391,36 +5539,241 @@
           <a:lstStyle/>
           <a:p>
             <a:r>
+              <a:rPr lang="en-US" dirty="0"/>
+              <a:t>Dataset</a:t>
+            </a:r>
+          </a:p>
+        </p:txBody>
+      </p:sp>
+      <p:sp>
+        <p:nvSpPr>
+          <p:cNvPr id="7" name="Content Placeholder 2"/>
+          <p:cNvSpPr txBox="1">
+            <a:spLocks/>
+          </p:cNvSpPr>
+          <p:nvPr/>
+        </p:nvSpPr>
+        <p:spPr>
+          <a:xfrm>
+            <a:off x="457200" y="1295400"/>
+            <a:ext cx="8458200" cy="5410200"/>
+          </a:xfrm>
+          <a:prstGeom prst="rect">
+            <a:avLst/>
+          </a:prstGeom>
+        </p:spPr>
+        <p:txBody>
+          <a:bodyPr vert="horz" lIns="91440" tIns="45720" rIns="91440" bIns="45720" rtlCol="0">
+            <a:normAutofit/>
+          </a:bodyPr>
+          <a:lstStyle>
+            <a:lvl1pPr marL="342900" indent="-342900" algn="l" defTabSz="914400" rtl="0" eaLnBrk="1" latinLnBrk="0" hangingPunct="1">
+              <a:spcBef>
+                <a:spcPct val="20000"/>
+              </a:spcBef>
+              <a:buFont typeface="Arial" pitchFamily="34" charset="0"/>
+              <a:buChar char="•"/>
+              <a:defRPr sz="3200" kern="1200">
+                <a:solidFill>
+                  <a:schemeClr val="tx1"/>
+                </a:solidFill>
+                <a:latin typeface="+mn-lt"/>
+                <a:ea typeface="+mn-ea"/>
+                <a:cs typeface="+mn-cs"/>
+              </a:defRPr>
+            </a:lvl1pPr>
+            <a:lvl2pPr marL="742950" indent="-285750" algn="l" defTabSz="914400" rtl="0" eaLnBrk="1" latinLnBrk="0" hangingPunct="1">
+              <a:spcBef>
+                <a:spcPct val="20000"/>
+              </a:spcBef>
+              <a:buFont typeface="Arial" pitchFamily="34" charset="0"/>
+              <a:buChar char="–"/>
+              <a:defRPr sz="2800" kern="1200">
+                <a:solidFill>
+                  <a:schemeClr val="tx1"/>
+                </a:solidFill>
+                <a:latin typeface="+mn-lt"/>
+                <a:ea typeface="+mn-ea"/>
+                <a:cs typeface="+mn-cs"/>
+              </a:defRPr>
+            </a:lvl2pPr>
+            <a:lvl3pPr marL="1143000" indent="-228600" algn="l" defTabSz="914400" rtl="0" eaLnBrk="1" latinLnBrk="0" hangingPunct="1">
+              <a:spcBef>
+                <a:spcPct val="20000"/>
+              </a:spcBef>
+              <a:buFont typeface="Arial" pitchFamily="34" charset="0"/>
+              <a:buChar char="•"/>
+              <a:defRPr sz="2400" kern="1200">
+                <a:solidFill>
+                  <a:schemeClr val="tx1"/>
+                </a:solidFill>
+                <a:latin typeface="+mn-lt"/>
+                <a:ea typeface="+mn-ea"/>
+                <a:cs typeface="+mn-cs"/>
+              </a:defRPr>
+            </a:lvl3pPr>
+            <a:lvl4pPr marL="1600200" indent="-228600" algn="l" defTabSz="914400" rtl="0" eaLnBrk="1" latinLnBrk="0" hangingPunct="1">
+              <a:spcBef>
+                <a:spcPct val="20000"/>
+              </a:spcBef>
+              <a:buFont typeface="Arial" pitchFamily="34" charset="0"/>
+              <a:buChar char="–"/>
+              <a:defRPr sz="2000" kern="1200">
+                <a:solidFill>
+                  <a:schemeClr val="tx1"/>
+                </a:solidFill>
+                <a:latin typeface="+mn-lt"/>
+                <a:ea typeface="+mn-ea"/>
+                <a:cs typeface="+mn-cs"/>
+              </a:defRPr>
+            </a:lvl4pPr>
+            <a:lvl5pPr marL="2057400" indent="-228600" algn="l" defTabSz="914400" rtl="0" eaLnBrk="1" latinLnBrk="0" hangingPunct="1">
+              <a:spcBef>
+                <a:spcPct val="20000"/>
+              </a:spcBef>
+              <a:buFont typeface="Arial" pitchFamily="34" charset="0"/>
+              <a:buChar char="»"/>
+              <a:defRPr sz="2000" kern="1200">
+                <a:solidFill>
+                  <a:schemeClr val="tx1"/>
+                </a:solidFill>
+                <a:latin typeface="+mn-lt"/>
+                <a:ea typeface="+mn-ea"/>
+                <a:cs typeface="+mn-cs"/>
+              </a:defRPr>
+            </a:lvl5pPr>
+            <a:lvl6pPr marL="2514600" indent="-228600" algn="l" defTabSz="914400" rtl="0" eaLnBrk="1" latinLnBrk="0" hangingPunct="1">
+              <a:spcBef>
+                <a:spcPct val="20000"/>
+              </a:spcBef>
+              <a:buFont typeface="Arial" pitchFamily="34" charset="0"/>
+              <a:buChar char="•"/>
+              <a:defRPr sz="2000" kern="1200">
+                <a:solidFill>
+                  <a:schemeClr val="tx1"/>
+                </a:solidFill>
+                <a:latin typeface="+mn-lt"/>
+                <a:ea typeface="+mn-ea"/>
+                <a:cs typeface="+mn-cs"/>
+              </a:defRPr>
+            </a:lvl6pPr>
+            <a:lvl7pPr marL="2971800" indent="-228600" algn="l" defTabSz="914400" rtl="0" eaLnBrk="1" latinLnBrk="0" hangingPunct="1">
+              <a:spcBef>
+                <a:spcPct val="20000"/>
+              </a:spcBef>
+              <a:buFont typeface="Arial" pitchFamily="34" charset="0"/>
+              <a:buChar char="•"/>
+              <a:defRPr sz="2000" kern="1200">
+                <a:solidFill>
+                  <a:schemeClr val="tx1"/>
+                </a:solidFill>
+                <a:latin typeface="+mn-lt"/>
+                <a:ea typeface="+mn-ea"/>
+                <a:cs typeface="+mn-cs"/>
+              </a:defRPr>
+            </a:lvl7pPr>
+            <a:lvl8pPr marL="3429000" indent="-228600" algn="l" defTabSz="914400" rtl="0" eaLnBrk="1" latinLnBrk="0" hangingPunct="1">
+              <a:spcBef>
+                <a:spcPct val="20000"/>
+              </a:spcBef>
+              <a:buFont typeface="Arial" pitchFamily="34" charset="0"/>
+              <a:buChar char="•"/>
+              <a:defRPr sz="2000" kern="1200">
+                <a:solidFill>
+                  <a:schemeClr val="tx1"/>
+                </a:solidFill>
+                <a:latin typeface="+mn-lt"/>
+                <a:ea typeface="+mn-ea"/>
+                <a:cs typeface="+mn-cs"/>
+              </a:defRPr>
+            </a:lvl8pPr>
+            <a:lvl9pPr marL="3886200" indent="-228600" algn="l" defTabSz="914400" rtl="0" eaLnBrk="1" latinLnBrk="0" hangingPunct="1">
+              <a:spcBef>
+                <a:spcPct val="20000"/>
+              </a:spcBef>
+              <a:buFont typeface="Arial" pitchFamily="34" charset="0"/>
+              <a:buChar char="•"/>
+              <a:defRPr sz="2000" kern="1200">
+                <a:solidFill>
+                  <a:schemeClr val="tx1"/>
+                </a:solidFill>
+                <a:latin typeface="+mn-lt"/>
+                <a:ea typeface="+mn-ea"/>
+                <a:cs typeface="+mn-cs"/>
+              </a:defRPr>
+            </a:lvl9pPr>
+          </a:lstStyle>
+          <a:p>
+            <a:r>
               <a:rPr lang="en-US" dirty="0" smtClean="0"/>
-              <a:t>Evaluation</a:t>
-            </a:r>
-            <a:endParaRPr lang="en-US" dirty="0"/>
-          </a:p>
-        </p:txBody>
-      </p:sp>
-      <p:sp>
-        <p:nvSpPr>
-          <p:cNvPr id="3" name="Content Placeholder 2"/>
-          <p:cNvSpPr>
-            <a:spLocks noGrp="1"/>
-          </p:cNvSpPr>
-          <p:nvPr>
-            <p:ph idx="1"/>
-          </p:nvPr>
-        </p:nvSpPr>
-        <p:spPr/>
-        <p:txBody>
-          <a:bodyPr/>
-          <a:lstStyle/>
-          <a:p>
-            <a:r>
-              <a:rPr lang="en-US" dirty="0"/>
-              <a:t>Root Mean Squared Error (RMSE)</a:t>
+              <a:t>Data set</a:t>
             </a:r>
           </a:p>
           <a:p>
             <a:pPr lvl="1"/>
-            <a:endParaRPr lang="en-US" dirty="0"/>
+            <a:r>
+              <a:rPr lang="en-US" altLang="zh-CN" dirty="0" smtClean="0"/>
+              <a:t>T</a:t>
+            </a:r>
+            <a:r>
+              <a:rPr lang="en-US" dirty="0" smtClean="0"/>
+              <a:t>raining</a:t>
+            </a:r>
+            <a:r>
+              <a:rPr lang="zh-CN" altLang="en-US" dirty="0" smtClean="0"/>
+              <a:t> </a:t>
+            </a:r>
+            <a:r>
+              <a:rPr lang="en-US" altLang="zh-CN" dirty="0" smtClean="0"/>
+              <a:t>/</a:t>
+            </a:r>
+            <a:r>
+              <a:rPr lang="en-US" dirty="0" smtClean="0"/>
+              <a:t> </a:t>
+            </a:r>
+            <a:r>
+              <a:rPr lang="en-US" altLang="zh-CN" dirty="0" smtClean="0"/>
+              <a:t>Test</a:t>
+            </a:r>
+            <a:r>
+              <a:rPr lang="zh-CN" altLang="en-US" dirty="0" smtClean="0"/>
+              <a:t> </a:t>
+            </a:r>
+            <a:r>
+              <a:rPr lang="en-US" dirty="0" smtClean="0"/>
+              <a:t>: 137 </a:t>
+            </a:r>
+            <a:r>
+              <a:rPr lang="en-US" altLang="zh-CN" dirty="0" smtClean="0"/>
+              <a:t>/</a:t>
+            </a:r>
+            <a:r>
+              <a:rPr lang="zh-CN" altLang="en-US" dirty="0" smtClean="0"/>
+              <a:t> </a:t>
+            </a:r>
+            <a:r>
+              <a:rPr lang="en-US" dirty="0" smtClean="0"/>
+              <a:t>100,00</a:t>
+            </a:r>
+            <a:r>
+              <a:rPr lang="en-US" altLang="zh-CN" dirty="0" smtClean="0"/>
+              <a:t>0</a:t>
+            </a:r>
+            <a:r>
+              <a:rPr lang="en-US" dirty="0" smtClean="0"/>
+              <a:t> records</a:t>
+            </a:r>
+          </a:p>
+          <a:p>
+            <a:r>
+              <a:rPr lang="en-US" altLang="zh-CN" dirty="0" smtClean="0"/>
+              <a:t>Attributes</a:t>
+            </a:r>
+            <a:endParaRPr lang="en-US" dirty="0" smtClean="0"/>
+          </a:p>
+          <a:p>
+            <a:pPr lvl="1"/>
+            <a:endParaRPr lang="en-US" dirty="0" smtClean="0"/>
           </a:p>
         </p:txBody>
       </p:sp>
@@ -5447,8 +5800,8 @@
         </p:blipFill>
         <p:spPr bwMode="auto">
           <a:xfrm>
-            <a:off x="2362200" y="2438400"/>
-            <a:ext cx="3114675" cy="857250"/>
+            <a:off x="1828800" y="2894165"/>
+            <a:ext cx="5562600" cy="3573603"/>
           </a:xfrm>
           <a:prstGeom prst="rect">
             <a:avLst/>
@@ -5481,13 +5834,20 @@
     </p:spTree>
     <p:extLst>
       <p:ext uri="{BB962C8B-B14F-4D97-AF65-F5344CB8AC3E}">
-        <p14:creationId xmlns:p14="http://schemas.microsoft.com/office/powerpoint/2010/main" val="2705854559"/>
+        <p14:creationId xmlns:p14="http://schemas.microsoft.com/office/powerpoint/2010/main" val="4103193385"/>
       </p:ext>
     </p:extLst>
   </p:cSld>
   <p:clrMapOvr>
     <a:masterClrMapping/>
   </p:clrMapOvr>
+  <p:timing>
+    <p:tnLst>
+      <p:par>
+        <p:cTn id="1" dur="indefinite" restart="never" nodeType="tmRoot"/>
+      </p:par>
+    </p:tnLst>
+  </p:timing>
 </p:sld>
 </file>
 
@@ -5554,71 +5914,6 @@
           <a:lstStyle/>
           <a:p>
             <a:r>
-              <a:rPr lang="en-US" dirty="0" smtClean="0"/>
-              <a:t>Data set</a:t>
-            </a:r>
-          </a:p>
-          <a:p>
-            <a:pPr lvl="1"/>
-            <a:r>
-              <a:rPr lang="en-US" altLang="zh-CN" dirty="0" smtClean="0"/>
-              <a:t>T</a:t>
-            </a:r>
-            <a:r>
-              <a:rPr lang="en-US" dirty="0" smtClean="0"/>
-              <a:t>raining</a:t>
-            </a:r>
-            <a:r>
-              <a:rPr lang="zh-CN" altLang="en-US" dirty="0" smtClean="0"/>
-              <a:t> </a:t>
-            </a:r>
-            <a:r>
-              <a:rPr lang="en-US" altLang="zh-CN" dirty="0" smtClean="0"/>
-              <a:t>/</a:t>
-            </a:r>
-            <a:r>
-              <a:rPr lang="en-US" dirty="0" smtClean="0"/>
-              <a:t> </a:t>
-            </a:r>
-            <a:r>
-              <a:rPr lang="en-US" altLang="zh-CN" dirty="0" smtClean="0"/>
-              <a:t>Test</a:t>
-            </a:r>
-            <a:r>
-              <a:rPr lang="zh-CN" altLang="en-US" dirty="0" smtClean="0"/>
-              <a:t> </a:t>
-            </a:r>
-            <a:r>
-              <a:rPr lang="en-US" dirty="0" smtClean="0"/>
-              <a:t>: 137 </a:t>
-            </a:r>
-            <a:r>
-              <a:rPr lang="en-US" altLang="zh-CN" dirty="0" smtClean="0"/>
-              <a:t>/</a:t>
-            </a:r>
-            <a:r>
-              <a:rPr lang="zh-CN" altLang="en-US" dirty="0" smtClean="0"/>
-              <a:t> </a:t>
-            </a:r>
-            <a:r>
-              <a:rPr lang="en-US" dirty="0" smtClean="0"/>
-              <a:t>100,00</a:t>
-            </a:r>
-            <a:r>
-              <a:rPr lang="en-US" altLang="zh-CN" dirty="0" smtClean="0"/>
-              <a:t>0</a:t>
-            </a:r>
-            <a:r>
-              <a:rPr lang="en-US" dirty="0" smtClean="0"/>
-              <a:t> </a:t>
-            </a:r>
-            <a:r>
-              <a:rPr lang="en-US" dirty="0" smtClean="0"/>
-              <a:t>records</a:t>
-            </a:r>
-          </a:p>
-          <a:p>
-            <a:r>
               <a:rPr lang="en-US" altLang="zh-CN" dirty="0" smtClean="0"/>
               <a:t>Attributes</a:t>
             </a:r>
@@ -5630,349 +5925,445 @@
           </a:p>
         </p:txBody>
       </p:sp>
-      <p:pic>
-        <p:nvPicPr>
-          <p:cNvPr id="4" name="Picture 2"/>
-          <p:cNvPicPr>
-            <a:picLocks noChangeAspect="1" noChangeArrowheads="1"/>
-          </p:cNvPicPr>
+      <p:grpSp>
+        <p:nvGrpSpPr>
+          <p:cNvPr id="13" name="Group 12"/>
+          <p:cNvGrpSpPr/>
           <p:nvPr/>
-        </p:nvPicPr>
-        <p:blipFill>
-          <a:blip r:embed="rId2">
-            <a:extLst>
-              <a:ext uri="{28A0092B-C50C-407E-A947-70E740481C1C}">
-                <a14:useLocalDpi xmlns:a14="http://schemas.microsoft.com/office/drawing/2010/main" val="0"/>
-              </a:ext>
-            </a:extLst>
-          </a:blip>
-          <a:srcRect/>
-          <a:stretch>
-            <a:fillRect/>
-          </a:stretch>
-        </p:blipFill>
-        <p:spPr bwMode="auto">
+        </p:nvGrpSpPr>
+        <p:grpSpPr>
           <a:xfrm>
-            <a:off x="279217" y="3200400"/>
-            <a:ext cx="8773094" cy="2286000"/>
+            <a:off x="315076" y="1371600"/>
+            <a:ext cx="8773094" cy="5315129"/>
+            <a:chOff x="315076" y="1371600"/>
+            <a:chExt cx="8773094" cy="5315129"/>
           </a:xfrm>
-          <a:prstGeom prst="rect">
-            <a:avLst/>
-          </a:prstGeom>
-          <a:noFill/>
-          <a:ln>
-            <a:noFill/>
-          </a:ln>
-          <a:extLst>
-            <a:ext uri="{909E8E84-426E-40DD-AFC4-6F175D3DCCD1}">
-              <a14:hiddenFill xmlns:a14="http://schemas.microsoft.com/office/drawing/2010/main">
+        </p:grpSpPr>
+        <p:grpSp>
+          <p:nvGrpSpPr>
+            <p:cNvPr id="11" name="Group 10"/>
+            <p:cNvGrpSpPr/>
+            <p:nvPr/>
+          </p:nvGrpSpPr>
+          <p:grpSpPr>
+            <a:xfrm>
+              <a:off x="315076" y="1371600"/>
+              <a:ext cx="8773094" cy="5315129"/>
+              <a:chOff x="279217" y="1972962"/>
+              <a:chExt cx="8773094" cy="5315129"/>
+            </a:xfrm>
+          </p:grpSpPr>
+          <p:pic>
+            <p:nvPicPr>
+              <p:cNvPr id="4" name="Picture 2"/>
+              <p:cNvPicPr>
+                <a:picLocks noChangeAspect="1" noChangeArrowheads="1"/>
+              </p:cNvPicPr>
+              <p:nvPr/>
+            </p:nvPicPr>
+            <p:blipFill>
+              <a:blip r:embed="rId2">
+                <a:extLst>
+                  <a:ext uri="{28A0092B-C50C-407E-A947-70E740481C1C}">
+                    <a14:useLocalDpi xmlns:a14="http://schemas.microsoft.com/office/drawing/2010/main" val="0"/>
+                  </a:ext>
+                </a:extLst>
+              </a:blip>
+              <a:srcRect/>
+              <a:stretch>
+                <a:fillRect/>
+              </a:stretch>
+            </p:blipFill>
+            <p:spPr bwMode="auto">
+              <a:xfrm>
+                <a:off x="279217" y="3200400"/>
+                <a:ext cx="8773094" cy="2286000"/>
+              </a:xfrm>
+              <a:prstGeom prst="rect">
+                <a:avLst/>
+              </a:prstGeom>
+              <a:noFill/>
+              <a:ln>
+                <a:noFill/>
+              </a:ln>
+              <a:extLst>
+                <a:ext uri="{909E8E84-426E-40DD-AFC4-6F175D3DCCD1}">
+                  <a14:hiddenFill xmlns:a14="http://schemas.microsoft.com/office/drawing/2010/main">
+                    <a:solidFill>
+                      <a:schemeClr val="accent1"/>
+                    </a:solidFill>
+                  </a14:hiddenFill>
+                </a:ext>
+                <a:ext uri="{91240B29-F687-4F45-9708-019B960494DF}">
+                  <a14:hiddenLine xmlns:a14="http://schemas.microsoft.com/office/drawing/2010/main" w="9525">
+                    <a:solidFill>
+                      <a:schemeClr val="tx1"/>
+                    </a:solidFill>
+                    <a:miter lim="800000"/>
+                    <a:headEnd/>
+                    <a:tailEnd/>
+                  </a14:hiddenLine>
+                </a:ext>
+              </a:extLst>
+            </p:spPr>
+          </p:pic>
+          <p:grpSp>
+            <p:nvGrpSpPr>
+              <p:cNvPr id="8" name="Group 7"/>
+              <p:cNvGrpSpPr/>
+              <p:nvPr/>
+            </p:nvGrpSpPr>
+            <p:grpSpPr>
+              <a:xfrm>
+                <a:off x="2819400" y="1972962"/>
+                <a:ext cx="6201535" cy="5315129"/>
+                <a:chOff x="2819400" y="1972962"/>
+                <a:chExt cx="6201535" cy="5315129"/>
+              </a:xfrm>
+            </p:grpSpPr>
+            <p:sp>
+              <p:nvSpPr>
+                <p:cNvPr id="6" name="TextBox 5"/>
+                <p:cNvSpPr txBox="1"/>
+                <p:nvPr/>
+              </p:nvSpPr>
+              <p:spPr>
+                <a:xfrm>
+                  <a:off x="3621741" y="6087762"/>
+                  <a:ext cx="4038600" cy="1200329"/>
+                </a:xfrm>
+                <a:prstGeom prst="rect">
+                  <a:avLst/>
+                </a:prstGeom>
                 <a:solidFill>
+                  <a:schemeClr val="accent6">
+                    <a:lumMod val="20000"/>
+                    <a:lumOff val="80000"/>
+                  </a:schemeClr>
+                </a:solidFill>
+                <a:ln w="38100">
+                  <a:solidFill>
+                    <a:schemeClr val="accent6">
+                      <a:lumMod val="50000"/>
+                    </a:schemeClr>
+                  </a:solidFill>
+                </a:ln>
+              </p:spPr>
+              <p:txBody>
+                <a:bodyPr wrap="square" rtlCol="0">
+                  <a:spAutoFit/>
+                </a:bodyPr>
+                <a:lstStyle/>
+                <a:p>
+                  <a:pPr lvl="1"/>
+                  <a:r>
+                    <a:rPr lang="en-US" altLang="zh-CN" dirty="0"/>
+                    <a:t>37</a:t>
+                  </a:r>
+                  <a:r>
+                    <a:rPr lang="zh-CN" altLang="en-US" dirty="0"/>
+                    <a:t> </a:t>
+                  </a:r>
+                  <a:r>
+                    <a:rPr lang="en-US" altLang="zh-CN" dirty="0"/>
+                    <a:t>obfuscated numeric</a:t>
+                  </a:r>
+                  <a:r>
+                    <a:rPr lang="zh-CN" altLang="en-US" dirty="0"/>
+                    <a:t> </a:t>
+                  </a:r>
+                  <a:r>
+                    <a:rPr lang="en-US" altLang="zh-CN" dirty="0"/>
+                    <a:t>attributes</a:t>
+                  </a:r>
+                </a:p>
+                <a:p>
+                  <a:pPr marL="742950" lvl="1" indent="-285750">
+                    <a:buFont typeface="Arial" panose="020B0604020202020204" pitchFamily="34" charset="0"/>
+                    <a:buChar char="•"/>
+                  </a:pPr>
+                  <a:r>
+                    <a:rPr lang="en-US" altLang="zh-CN" dirty="0"/>
+                    <a:t>Demographic</a:t>
+                  </a:r>
+                  <a:r>
+                    <a:rPr lang="zh-CN" altLang="en-US" dirty="0"/>
+                    <a:t> </a:t>
+                  </a:r>
+                  <a:r>
+                    <a:rPr lang="en-US" altLang="zh-CN" dirty="0"/>
+                    <a:t>data</a:t>
+                  </a:r>
+                </a:p>
+                <a:p>
+                  <a:pPr marL="742950" lvl="1" indent="-285750">
+                    <a:buFont typeface="Arial" panose="020B0604020202020204" pitchFamily="34" charset="0"/>
+                    <a:buChar char="•"/>
+                  </a:pPr>
+                  <a:r>
+                    <a:rPr lang="en-US" altLang="zh-CN" dirty="0"/>
+                    <a:t>Real estate data</a:t>
+                  </a:r>
+                </a:p>
+                <a:p>
+                  <a:pPr marL="742950" lvl="1" indent="-285750">
+                    <a:buFont typeface="Arial" panose="020B0604020202020204" pitchFamily="34" charset="0"/>
+                    <a:buChar char="•"/>
+                  </a:pPr>
+                  <a:r>
+                    <a:rPr lang="en-US" altLang="zh-CN" dirty="0"/>
+                    <a:t>Commercial </a:t>
+                  </a:r>
+                  <a:r>
+                    <a:rPr lang="en-US" altLang="zh-CN" dirty="0" smtClean="0"/>
+                    <a:t>data</a:t>
+                  </a:r>
+                  <a:endParaRPr lang="en-US" altLang="zh-CN" dirty="0"/>
+                </a:p>
+              </p:txBody>
+            </p:sp>
+            <p:sp>
+              <p:nvSpPr>
+                <p:cNvPr id="7" name="TextBox 6"/>
+                <p:cNvSpPr txBox="1"/>
+                <p:nvPr/>
+              </p:nvSpPr>
+              <p:spPr>
+                <a:xfrm>
+                  <a:off x="5210935" y="1972962"/>
+                  <a:ext cx="3810000" cy="369332"/>
+                </a:xfrm>
+                <a:prstGeom prst="rect">
+                  <a:avLst/>
+                </a:prstGeom>
+                <a:solidFill>
+                  <a:schemeClr val="accent6">
+                    <a:lumMod val="20000"/>
+                    <a:lumOff val="80000"/>
+                  </a:schemeClr>
+                </a:solidFill>
+                <a:ln w="28575">
+                  <a:solidFill>
+                    <a:schemeClr val="accent6">
+                      <a:lumMod val="50000"/>
+                    </a:schemeClr>
+                  </a:solidFill>
+                </a:ln>
+              </p:spPr>
+              <p:txBody>
+                <a:bodyPr wrap="square" rtlCol="0">
+                  <a:spAutoFit/>
+                </a:bodyPr>
+                <a:lstStyle/>
+                <a:p>
+                  <a:pPr marL="0" lvl="1"/>
+                  <a:r>
+                    <a:rPr lang="en-US" altLang="zh-CN" dirty="0"/>
+                    <a:t>Revenue (only available in training set</a:t>
+                  </a:r>
+                  <a:r>
+                    <a:rPr lang="en-US" altLang="zh-CN" dirty="0" smtClean="0"/>
+                    <a:t>)</a:t>
+                  </a:r>
+                  <a:endParaRPr lang="zh-CN" altLang="en-US" dirty="0"/>
+                </a:p>
+              </p:txBody>
+            </p:sp>
+            <p:sp>
+              <p:nvSpPr>
+                <p:cNvPr id="5" name="Rectangle 4"/>
+                <p:cNvSpPr/>
+                <p:nvPr/>
+              </p:nvSpPr>
+              <p:spPr>
+                <a:xfrm>
+                  <a:off x="3276600" y="2734962"/>
+                  <a:ext cx="5257800" cy="304800"/>
+                </a:xfrm>
+                <a:prstGeom prst="rect">
+                  <a:avLst/>
+                </a:prstGeom>
+                <a:solidFill>
+                  <a:schemeClr val="accent6">
+                    <a:lumMod val="20000"/>
+                    <a:lumOff val="80000"/>
+                  </a:schemeClr>
+                </a:solidFill>
+                <a:ln>
+                  <a:solidFill>
+                    <a:schemeClr val="accent6">
+                      <a:lumMod val="50000"/>
+                    </a:schemeClr>
+                  </a:solidFill>
+                </a:ln>
+              </p:spPr>
+              <p:style>
+                <a:lnRef idx="2">
+                  <a:schemeClr val="accent1">
+                    <a:shade val="50000"/>
+                  </a:schemeClr>
+                </a:lnRef>
+                <a:fillRef idx="1">
                   <a:schemeClr val="accent1"/>
+                </a:fillRef>
+                <a:effectRef idx="0">
+                  <a:schemeClr val="accent1"/>
+                </a:effectRef>
+                <a:fontRef idx="minor">
+                  <a:schemeClr val="lt1"/>
+                </a:fontRef>
+              </p:style>
+              <p:txBody>
+                <a:bodyPr rtlCol="0" anchor="ctr"/>
+                <a:lstStyle/>
+                <a:p>
+                  <a:pPr algn="ctr"/>
+                  <a:r>
+                    <a:rPr lang="en-US" sz="1400" dirty="0" smtClean="0">
+                      <a:solidFill>
+                        <a:schemeClr val="tx1"/>
+                      </a:solidFill>
+                    </a:rPr>
+                    <a:t>TYPE: FC</a:t>
+                  </a:r>
+                  <a:r>
+                    <a:rPr lang="en-US" sz="1400" dirty="0">
+                      <a:solidFill>
+                        <a:schemeClr val="tx1"/>
+                      </a:solidFill>
+                    </a:rPr>
+                    <a:t>: Food Court, IL: Inline, DT: Drive Thru, MB: Mobile</a:t>
+                  </a:r>
+                </a:p>
+              </p:txBody>
+            </p:sp>
+            <p:cxnSp>
+              <p:nvCxnSpPr>
+                <p:cNvPr id="9" name="Straight Arrow Connector 8"/>
+                <p:cNvCxnSpPr/>
+                <p:nvPr/>
+              </p:nvCxnSpPr>
+              <p:spPr>
+                <a:xfrm flipV="1">
+                  <a:off x="2819400" y="2887362"/>
+                  <a:ext cx="457200" cy="313038"/>
+                </a:xfrm>
+                <a:prstGeom prst="straightConnector1">
+                  <a:avLst/>
+                </a:prstGeom>
+                <a:ln w="28575">
+                  <a:solidFill>
+                    <a:schemeClr val="accent6">
+                      <a:lumMod val="50000"/>
+                    </a:schemeClr>
+                  </a:solidFill>
+                  <a:tailEnd type="arrow"/>
+                </a:ln>
+              </p:spPr>
+              <p:style>
+                <a:lnRef idx="1">
+                  <a:schemeClr val="accent1"/>
+                </a:lnRef>
+                <a:fillRef idx="0">
+                  <a:schemeClr val="accent1"/>
+                </a:fillRef>
+                <a:effectRef idx="0">
+                  <a:schemeClr val="accent1"/>
+                </a:effectRef>
+                <a:fontRef idx="minor">
+                  <a:schemeClr val="tx1"/>
+                </a:fontRef>
+              </p:style>
+            </p:cxnSp>
+          </p:grpSp>
+          <p:cxnSp>
+            <p:nvCxnSpPr>
+              <p:cNvPr id="10" name="Straight Arrow Connector 9"/>
+              <p:cNvCxnSpPr/>
+              <p:nvPr/>
+            </p:nvCxnSpPr>
+            <p:spPr>
+              <a:xfrm flipH="1">
+                <a:off x="8803341" y="2342294"/>
+                <a:ext cx="1" cy="858106"/>
+              </a:xfrm>
+              <a:prstGeom prst="straightConnector1">
+                <a:avLst/>
+              </a:prstGeom>
+              <a:ln w="28575">
+                <a:solidFill>
+                  <a:schemeClr val="accent6">
+                    <a:lumMod val="50000"/>
+                  </a:schemeClr>
                 </a:solidFill>
-              </a14:hiddenFill>
-            </a:ext>
-            <a:ext uri="{91240B29-F687-4F45-9708-019B960494DF}">
-              <a14:hiddenLine xmlns:a14="http://schemas.microsoft.com/office/drawing/2010/main" w="9525">
-                <a:solidFill>
-                  <a:schemeClr val="tx1"/>
-                </a:solidFill>
-                <a:miter lim="800000"/>
-                <a:headEnd/>
-                <a:tailEnd/>
-              </a14:hiddenLine>
-            </a:ext>
-          </a:extLst>
-        </p:spPr>
-      </p:pic>
-      <p:sp>
-        <p:nvSpPr>
-          <p:cNvPr id="6" name="TextBox 5"/>
-          <p:cNvSpPr txBox="1"/>
-          <p:nvPr/>
-        </p:nvSpPr>
-        <p:spPr>
-          <a:xfrm>
-            <a:off x="3276600" y="4800600"/>
-            <a:ext cx="4038600" cy="1477328"/>
-          </a:xfrm>
-          <a:prstGeom prst="rect">
-            <a:avLst/>
-          </a:prstGeom>
-          <a:solidFill>
-            <a:schemeClr val="accent6">
-              <a:lumMod val="20000"/>
-              <a:lumOff val="80000"/>
-            </a:schemeClr>
-          </a:solidFill>
-          <a:ln w="38100">
-            <a:solidFill>
-              <a:schemeClr val="accent6">
-                <a:lumMod val="50000"/>
-              </a:schemeClr>
-            </a:solidFill>
-          </a:ln>
-        </p:spPr>
-        <p:txBody>
-          <a:bodyPr wrap="square" rtlCol="0">
-            <a:spAutoFit/>
-          </a:bodyPr>
-          <a:lstStyle/>
-          <a:p>
-            <a:pPr lvl="1"/>
-            <a:r>
-              <a:rPr lang="en-US" altLang="zh-CN" dirty="0"/>
-              <a:t>37</a:t>
-            </a:r>
-            <a:r>
-              <a:rPr lang="zh-CN" altLang="en-US" dirty="0"/>
-              <a:t> </a:t>
-            </a:r>
-            <a:r>
-              <a:rPr lang="en-US" altLang="zh-CN" dirty="0"/>
-              <a:t>obfuscated numeric</a:t>
-            </a:r>
-            <a:r>
-              <a:rPr lang="zh-CN" altLang="en-US" dirty="0"/>
-              <a:t> </a:t>
-            </a:r>
-            <a:r>
-              <a:rPr lang="en-US" altLang="zh-CN" dirty="0"/>
-              <a:t>attributes</a:t>
-            </a:r>
-          </a:p>
-          <a:p>
-            <a:pPr marL="742950" lvl="1" indent="-285750">
-              <a:buFont typeface="Arial" panose="020B0604020202020204" pitchFamily="34" charset="0"/>
-              <a:buChar char="•"/>
-            </a:pPr>
-            <a:r>
-              <a:rPr lang="en-US" altLang="zh-CN" dirty="0"/>
-              <a:t>Demographic</a:t>
-            </a:r>
-            <a:r>
-              <a:rPr lang="zh-CN" altLang="en-US" dirty="0"/>
-              <a:t> </a:t>
-            </a:r>
-            <a:r>
-              <a:rPr lang="en-US" altLang="zh-CN" dirty="0"/>
-              <a:t>data</a:t>
-            </a:r>
-          </a:p>
-          <a:p>
-            <a:pPr marL="742950" lvl="1" indent="-285750">
-              <a:buFont typeface="Arial" panose="020B0604020202020204" pitchFamily="34" charset="0"/>
-              <a:buChar char="•"/>
-            </a:pPr>
-            <a:r>
-              <a:rPr lang="en-US" altLang="zh-CN" dirty="0"/>
-              <a:t>Real estate data</a:t>
-            </a:r>
-          </a:p>
-          <a:p>
-            <a:pPr marL="742950" lvl="1" indent="-285750">
-              <a:buFont typeface="Arial" panose="020B0604020202020204" pitchFamily="34" charset="0"/>
-              <a:buChar char="•"/>
-            </a:pPr>
-            <a:r>
-              <a:rPr lang="en-US" altLang="zh-CN" dirty="0"/>
-              <a:t>Commercial data</a:t>
-            </a:r>
-          </a:p>
-          <a:p>
-            <a:endParaRPr lang="en-US" dirty="0"/>
-          </a:p>
-        </p:txBody>
-      </p:sp>
-      <p:sp>
-        <p:nvSpPr>
-          <p:cNvPr id="7" name="TextBox 6"/>
-          <p:cNvSpPr txBox="1"/>
-          <p:nvPr/>
-        </p:nvSpPr>
-        <p:spPr>
-          <a:xfrm>
-            <a:off x="5205241" y="6096000"/>
-            <a:ext cx="3810000" cy="646331"/>
-          </a:xfrm>
-          <a:prstGeom prst="rect">
-            <a:avLst/>
-          </a:prstGeom>
-          <a:solidFill>
-            <a:schemeClr val="accent6">
-              <a:lumMod val="20000"/>
-              <a:lumOff val="80000"/>
-            </a:schemeClr>
-          </a:solidFill>
-          <a:ln w="28575">
-            <a:solidFill>
-              <a:schemeClr val="accent6">
-                <a:lumMod val="50000"/>
-              </a:schemeClr>
-            </a:solidFill>
-          </a:ln>
-        </p:spPr>
-        <p:txBody>
-          <a:bodyPr wrap="square" rtlCol="0">
-            <a:spAutoFit/>
-          </a:bodyPr>
-          <a:lstStyle/>
-          <a:p>
-            <a:pPr marL="0" lvl="1"/>
-            <a:r>
-              <a:rPr lang="en-US" altLang="zh-CN" dirty="0"/>
-              <a:t>Revenue (only available in training set)</a:t>
-            </a:r>
-            <a:endParaRPr lang="zh-CN" altLang="en-US" dirty="0"/>
-          </a:p>
-          <a:p>
-            <a:endParaRPr lang="en-US" dirty="0"/>
-          </a:p>
-        </p:txBody>
-      </p:sp>
-      <p:sp>
-        <p:nvSpPr>
-          <p:cNvPr id="5" name="Rectangle 4"/>
-          <p:cNvSpPr/>
-          <p:nvPr/>
-        </p:nvSpPr>
-        <p:spPr>
-          <a:xfrm>
-            <a:off x="3276600" y="2734962"/>
-            <a:ext cx="5257800" cy="304800"/>
-          </a:xfrm>
-          <a:prstGeom prst="rect">
-            <a:avLst/>
-          </a:prstGeom>
-          <a:solidFill>
-            <a:schemeClr val="accent6">
-              <a:lumMod val="20000"/>
-              <a:lumOff val="80000"/>
-            </a:schemeClr>
-          </a:solidFill>
-          <a:ln>
-            <a:solidFill>
-              <a:schemeClr val="accent6">
-                <a:lumMod val="50000"/>
-              </a:schemeClr>
-            </a:solidFill>
-          </a:ln>
-        </p:spPr>
-        <p:style>
-          <a:lnRef idx="2">
-            <a:schemeClr val="accent1">
-              <a:shade val="50000"/>
-            </a:schemeClr>
-          </a:lnRef>
-          <a:fillRef idx="1">
-            <a:schemeClr val="accent1"/>
-          </a:fillRef>
-          <a:effectRef idx="0">
-            <a:schemeClr val="accent1"/>
-          </a:effectRef>
-          <a:fontRef idx="minor">
-            <a:schemeClr val="lt1"/>
-          </a:fontRef>
-        </p:style>
-        <p:txBody>
-          <a:bodyPr rtlCol="0" anchor="ctr"/>
-          <a:lstStyle/>
-          <a:p>
-            <a:pPr algn="ctr"/>
-            <a:r>
-              <a:rPr lang="en-US" sz="1400" dirty="0" smtClean="0">
-                <a:solidFill>
-                  <a:schemeClr val="tx1"/>
-                </a:solidFill>
-              </a:rPr>
-              <a:t>TYPE: FC</a:t>
-            </a:r>
-            <a:r>
-              <a:rPr lang="en-US" sz="1400" dirty="0">
-                <a:solidFill>
-                  <a:schemeClr val="tx1"/>
-                </a:solidFill>
-              </a:rPr>
-              <a:t>: Food Court, IL: Inline, DT: Drive Thru, MB: Mobile</a:t>
-            </a:r>
-          </a:p>
-        </p:txBody>
-      </p:sp>
-      <p:cxnSp>
-        <p:nvCxnSpPr>
-          <p:cNvPr id="9" name="Straight Arrow Connector 8"/>
-          <p:cNvCxnSpPr/>
-          <p:nvPr/>
-        </p:nvCxnSpPr>
-        <p:spPr>
-          <a:xfrm flipV="1">
-            <a:off x="2819400" y="2887362"/>
-            <a:ext cx="457200" cy="313038"/>
-          </a:xfrm>
-          <a:prstGeom prst="straightConnector1">
-            <a:avLst/>
-          </a:prstGeom>
-          <a:ln w="28575">
-            <a:solidFill>
-              <a:schemeClr val="accent6">
-                <a:lumMod val="50000"/>
-              </a:schemeClr>
-            </a:solidFill>
-            <a:tailEnd type="arrow"/>
-          </a:ln>
-        </p:spPr>
-        <p:style>
-          <a:lnRef idx="1">
-            <a:schemeClr val="accent1"/>
-          </a:lnRef>
-          <a:fillRef idx="0">
-            <a:schemeClr val="accent1"/>
-          </a:fillRef>
-          <a:effectRef idx="0">
-            <a:schemeClr val="accent1"/>
-          </a:effectRef>
-          <a:fontRef idx="minor">
-            <a:schemeClr val="tx1"/>
-          </a:fontRef>
-        </p:style>
-      </p:cxnSp>
-      <p:cxnSp>
-        <p:nvCxnSpPr>
-          <p:cNvPr id="10" name="Straight Arrow Connector 9"/>
-          <p:cNvCxnSpPr/>
-          <p:nvPr/>
-        </p:nvCxnSpPr>
-        <p:spPr>
-          <a:xfrm flipV="1">
-            <a:off x="8382000" y="5539264"/>
-            <a:ext cx="381000" cy="550558"/>
-          </a:xfrm>
-          <a:prstGeom prst="straightConnector1">
-            <a:avLst/>
-          </a:prstGeom>
-          <a:ln w="28575">
-            <a:solidFill>
-              <a:schemeClr val="accent6">
-                <a:lumMod val="50000"/>
-              </a:schemeClr>
-            </a:solidFill>
-            <a:tailEnd type="arrow"/>
-          </a:ln>
-        </p:spPr>
-        <p:style>
-          <a:lnRef idx="1">
-            <a:schemeClr val="accent1"/>
-          </a:lnRef>
-          <a:fillRef idx="0">
-            <a:schemeClr val="accent1"/>
-          </a:fillRef>
-          <a:effectRef idx="0">
-            <a:schemeClr val="accent1"/>
-          </a:effectRef>
-          <a:fontRef idx="minor">
-            <a:schemeClr val="tx1"/>
-          </a:fontRef>
-        </p:style>
-      </p:cxnSp>
+                <a:tailEnd type="arrow"/>
+              </a:ln>
+            </p:spPr>
+            <p:style>
+              <a:lnRef idx="1">
+                <a:schemeClr val="accent1"/>
+              </a:lnRef>
+              <a:fillRef idx="0">
+                <a:schemeClr val="accent1"/>
+              </a:fillRef>
+              <a:effectRef idx="0">
+                <a:schemeClr val="accent1"/>
+              </a:effectRef>
+              <a:fontRef idx="minor">
+                <a:schemeClr val="tx1"/>
+              </a:fontRef>
+            </p:style>
+          </p:cxnSp>
+        </p:grpSp>
+        <p:sp>
+          <p:nvSpPr>
+            <p:cNvPr id="12" name="Left Brace 11"/>
+            <p:cNvSpPr/>
+            <p:nvPr/>
+          </p:nvSpPr>
+          <p:spPr>
+            <a:xfrm rot="16200000">
+              <a:off x="5667110" y="2507051"/>
+              <a:ext cx="472298" cy="5334000"/>
+            </a:xfrm>
+            <a:prstGeom prst="leftBrace">
+              <a:avLst>
+                <a:gd name="adj1" fmla="val 8333"/>
+                <a:gd name="adj2" fmla="val 47143"/>
+              </a:avLst>
+            </a:prstGeom>
+            <a:ln w="28575">
+              <a:solidFill>
+                <a:schemeClr val="accent6">
+                  <a:lumMod val="50000"/>
+                </a:schemeClr>
+              </a:solidFill>
+            </a:ln>
+          </p:spPr>
+          <p:style>
+            <a:lnRef idx="1">
+              <a:schemeClr val="accent1"/>
+            </a:lnRef>
+            <a:fillRef idx="0">
+              <a:schemeClr val="accent1"/>
+            </a:fillRef>
+            <a:effectRef idx="0">
+              <a:schemeClr val="accent1"/>
+            </a:effectRef>
+            <a:fontRef idx="minor">
+              <a:schemeClr val="tx1"/>
+            </a:fontRef>
+          </p:style>
+          <p:txBody>
+            <a:bodyPr rtlCol="0" anchor="ctr"/>
+            <a:lstStyle/>
+            <a:p>
+              <a:pPr algn="ctr"/>
+              <a:endParaRPr lang="en-US"/>
+            </a:p>
+          </p:txBody>
+        </p:sp>
+      </p:grpSp>
     </p:spTree>
     <p:extLst>
       <p:ext uri="{BB962C8B-B14F-4D97-AF65-F5344CB8AC3E}">
@@ -6061,15 +6452,7 @@
             </a:pPr>
             <a:r>
               <a:rPr lang="en-US" sz="2800" dirty="0" smtClean="0"/>
-              <a:t>Missing </a:t>
-            </a:r>
-            <a:r>
-              <a:rPr lang="en-US" sz="2800" dirty="0" smtClean="0"/>
-              <a:t>categorical </a:t>
-            </a:r>
-            <a:r>
-              <a:rPr lang="en-US" sz="2800" dirty="0" smtClean="0"/>
-              <a:t>attributes</a:t>
+              <a:t>Missing categorical attributes</a:t>
             </a:r>
           </a:p>
           <a:p>
@@ -6330,8 +6713,30 @@
             <a:pPr lvl="1"/>
             <a:r>
               <a:rPr lang="en-US" dirty="0" smtClean="0"/>
-              <a:t>Days opened till 2/1/2014</a:t>
-            </a:r>
+              <a:t>Days opened till </a:t>
+            </a:r>
+            <a:r>
+              <a:rPr lang="en-US" dirty="0" smtClean="0"/>
+              <a:t>2/1/2014</a:t>
+            </a:r>
+          </a:p>
+          <a:p>
+            <a:r>
+              <a:rPr lang="en-US" dirty="0"/>
+              <a:t>Categorical </a:t>
+            </a:r>
+            <a:r>
+              <a:rPr lang="en-US" dirty="0" smtClean="0"/>
+              <a:t>data</a:t>
+            </a:r>
+          </a:p>
+          <a:p>
+            <a:pPr lvl="1"/>
+            <a:r>
+              <a:rPr lang="en-US" dirty="0" smtClean="0"/>
+              <a:t>Convert to numerical data, assign distinct value</a:t>
+            </a:r>
+            <a:endParaRPr lang="en-US" dirty="0"/>
           </a:p>
           <a:p>
             <a:r>
@@ -6345,7 +6750,6 @@
               <a:rPr lang="en-US" dirty="0" smtClean="0"/>
               <a:t>Standardize: zero mean, unit variance</a:t>
             </a:r>
-            <a:endParaRPr lang="en-US" dirty="0" smtClean="0"/>
           </a:p>
         </p:txBody>
       </p:sp>
@@ -6577,6 +6981,13 @@
   <p:clrMapOvr>
     <a:masterClrMapping/>
   </p:clrMapOvr>
+  <p:timing>
+    <p:tnLst>
+      <p:par>
+        <p:cTn id="1" dur="indefinite" restart="never" nodeType="tmRoot"/>
+      </p:par>
+    </p:tnLst>
+  </p:timing>
 </p:sld>
 </file>
 
@@ -6662,6 +7073,13 @@
   <p:clrMapOvr>
     <a:masterClrMapping/>
   </p:clrMapOvr>
+  <p:timing>
+    <p:tnLst>
+      <p:par>
+        <p:cTn id="1" dur="indefinite" restart="never" nodeType="tmRoot"/>
+      </p:par>
+    </p:tnLst>
+  </p:timing>
 </p:sld>
 </file>
 
@@ -6699,7 +7117,7 @@
           <a:p>
             <a:r>
               <a:rPr lang="en-US" dirty="0" smtClean="0"/>
-              <a:t>Training</a:t>
+              <a:t>Evaluation</a:t>
             </a:r>
             <a:endParaRPr lang="en-US" dirty="0"/>
           </a:p>
@@ -6717,85 +7135,78 @@
         </p:nvSpPr>
         <p:spPr/>
         <p:txBody>
-          <a:bodyPr>
-            <a:normAutofit/>
-          </a:bodyPr>
-          <a:lstStyle/>
-          <a:p>
-            <a:r>
-              <a:rPr lang="en-US" dirty="0" smtClean="0"/>
-              <a:t>Train single model</a:t>
+          <a:bodyPr/>
+          <a:lstStyle/>
+          <a:p>
+            <a:r>
+              <a:rPr lang="en-US" dirty="0"/>
+              <a:t>Root Mean Squared Error (RMSE)</a:t>
             </a:r>
           </a:p>
           <a:p>
             <a:pPr lvl="1"/>
-            <a:r>
-              <a:rPr lang="en-US" dirty="0" err="1" smtClean="0"/>
-              <a:t>NuSVR</a:t>
-            </a:r>
-            <a:endParaRPr lang="en-US" dirty="0" smtClean="0"/>
-          </a:p>
-          <a:p>
-            <a:pPr lvl="1"/>
-            <a:r>
-              <a:rPr lang="en-US" dirty="0" smtClean="0"/>
-              <a:t>K Nearest Neighbor</a:t>
-            </a:r>
-          </a:p>
-          <a:p>
-            <a:pPr lvl="1"/>
-            <a:r>
-              <a:rPr lang="en-US" altLang="zh-CN" dirty="0" smtClean="0"/>
-              <a:t>Gradient Boosting </a:t>
-            </a:r>
-            <a:r>
-              <a:rPr lang="en-US" altLang="zh-CN" dirty="0" err="1" smtClean="0"/>
-              <a:t>Regressor</a:t>
-            </a:r>
-            <a:endParaRPr lang="en-US" altLang="zh-CN" dirty="0" smtClean="0"/>
-          </a:p>
-          <a:p>
-            <a:r>
-              <a:rPr lang="en-US" altLang="zh-CN" dirty="0" smtClean="0"/>
-              <a:t>Parameters turned based on 5-folds cross validation</a:t>
-            </a:r>
-            <a:endParaRPr lang="en-US" altLang="zh-CN" dirty="0"/>
-          </a:p>
-          <a:p>
-            <a:r>
-              <a:rPr lang="en-US" dirty="0" smtClean="0"/>
-              <a:t>Average the prediction results</a:t>
-            </a:r>
-          </a:p>
-          <a:p>
-            <a:r>
-              <a:rPr lang="en-US" dirty="0" smtClean="0"/>
-              <a:t>Python + </a:t>
-            </a:r>
-            <a:r>
-              <a:rPr lang="en-US" altLang="zh-CN" dirty="0" err="1"/>
-              <a:t>scikit</a:t>
-            </a:r>
-            <a:r>
-              <a:rPr lang="en-US" altLang="zh-CN" dirty="0"/>
-              <a:t>-</a:t>
-            </a:r>
-            <a:r>
-              <a:rPr lang="en-US" altLang="zh-CN" dirty="0" smtClean="0"/>
-              <a:t>learn </a:t>
-            </a:r>
-            <a:r>
-              <a:rPr lang="en-US" dirty="0" smtClean="0"/>
-              <a:t>library</a:t>
-            </a:r>
             <a:endParaRPr lang="en-US" dirty="0"/>
           </a:p>
         </p:txBody>
       </p:sp>
+      <p:pic>
+        <p:nvPicPr>
+          <p:cNvPr id="1027" name="Picture 3"/>
+          <p:cNvPicPr>
+            <a:picLocks noChangeAspect="1" noChangeArrowheads="1"/>
+          </p:cNvPicPr>
+          <p:nvPr/>
+        </p:nvPicPr>
+        <p:blipFill>
+          <a:blip r:embed="rId2">
+            <a:extLst>
+              <a:ext uri="{28A0092B-C50C-407E-A947-70E740481C1C}">
+                <a14:useLocalDpi xmlns:a14="http://schemas.microsoft.com/office/drawing/2010/main" val="0"/>
+              </a:ext>
+            </a:extLst>
+          </a:blip>
+          <a:srcRect/>
+          <a:stretch>
+            <a:fillRect/>
+          </a:stretch>
+        </p:blipFill>
+        <p:spPr bwMode="auto">
+          <a:xfrm>
+            <a:off x="2362200" y="2438400"/>
+            <a:ext cx="3114675" cy="857250"/>
+          </a:xfrm>
+          <a:prstGeom prst="rect">
+            <a:avLst/>
+          </a:prstGeom>
+          <a:noFill/>
+          <a:ln>
+            <a:noFill/>
+          </a:ln>
+          <a:extLst>
+            <a:ext uri="{909E8E84-426E-40DD-AFC4-6F175D3DCCD1}">
+              <a14:hiddenFill xmlns:a14="http://schemas.microsoft.com/office/drawing/2010/main">
+                <a:solidFill>
+                  <a:schemeClr val="accent1"/>
+                </a:solidFill>
+              </a14:hiddenFill>
+            </a:ext>
+            <a:ext uri="{91240B29-F687-4F45-9708-019B960494DF}">
+              <a14:hiddenLine xmlns:a14="http://schemas.microsoft.com/office/drawing/2010/main" w="9525">
+                <a:solidFill>
+                  <a:schemeClr val="tx1"/>
+                </a:solidFill>
+                <a:miter lim="800000"/>
+                <a:headEnd/>
+                <a:tailEnd/>
+              </a14:hiddenLine>
+            </a:ext>
+          </a:extLst>
+        </p:spPr>
+      </p:pic>
     </p:spTree>
     <p:extLst>
       <p:ext uri="{BB962C8B-B14F-4D97-AF65-F5344CB8AC3E}">
-        <p14:creationId xmlns:p14="http://schemas.microsoft.com/office/powerpoint/2010/main" val="1917558454"/>
+        <p14:creationId xmlns:p14="http://schemas.microsoft.com/office/powerpoint/2010/main" val="4240490474"/>
       </p:ext>
     </p:extLst>
   </p:cSld>

--- a/doc/presentation/revenue-prediction.pptx
+++ b/doc/presentation/revenue-prediction.pptx
@@ -5,7 +5,7 @@
     <p:sldMasterId id="2147483648" r:id="rId1"/>
   </p:sldMasterIdLst>
   <p:notesMasterIdLst>
-    <p:notesMasterId r:id="rId18"/>
+    <p:notesMasterId r:id="rId20"/>
   </p:notesMasterIdLst>
   <p:sldIdLst>
     <p:sldId id="256" r:id="rId2"/>
@@ -16,14 +16,16 @@
     <p:sldId id="261" r:id="rId7"/>
     <p:sldId id="267" r:id="rId8"/>
     <p:sldId id="269" r:id="rId9"/>
-    <p:sldId id="274" r:id="rId10"/>
-    <p:sldId id="260" r:id="rId11"/>
-    <p:sldId id="270" r:id="rId12"/>
-    <p:sldId id="263" r:id="rId13"/>
-    <p:sldId id="264" r:id="rId14"/>
-    <p:sldId id="265" r:id="rId15"/>
-    <p:sldId id="271" r:id="rId16"/>
-    <p:sldId id="272" r:id="rId17"/>
+    <p:sldId id="275" r:id="rId10"/>
+    <p:sldId id="274" r:id="rId11"/>
+    <p:sldId id="260" r:id="rId12"/>
+    <p:sldId id="270" r:id="rId13"/>
+    <p:sldId id="263" r:id="rId14"/>
+    <p:sldId id="264" r:id="rId15"/>
+    <p:sldId id="265" r:id="rId16"/>
+    <p:sldId id="271" r:id="rId17"/>
+    <p:sldId id="272" r:id="rId18"/>
+    <p:sldId id="276" r:id="rId19"/>
   </p:sldIdLst>
   <p:sldSz cx="9144000" cy="6858000" type="screen4x3"/>
   <p:notesSz cx="6858000" cy="9144000"/>
@@ -695,6 +697,29 @@
           <a:bodyPr/>
           <a:lstStyle/>
           <a:p>
+            <a:r>
+              <a:rPr lang="en-US" dirty="0" smtClean="0"/>
+              <a:t>Evaluates the worth of an attribute by repeatedly sampling an instance and considering the value of the given attribute for the nearest instance of the same and different class.</a:t>
+            </a:r>
+          </a:p>
+          <a:p>
+            <a:r>
+              <a:rPr lang="en-US" dirty="0" err="1" smtClean="0"/>
+              <a:t>CfsSubsetEval</a:t>
+            </a:r>
+            <a:r>
+              <a:rPr lang="en-US" dirty="0" smtClean="0"/>
+              <a:t> :</a:t>
+            </a:r>
+          </a:p>
+          <a:p>
+            <a:endParaRPr lang="en-US" dirty="0" smtClean="0"/>
+          </a:p>
+          <a:p>
+            <a:r>
+              <a:rPr lang="en-US" smtClean="0"/>
+              <a:t>Evaluates the worth of a subset of attributes by considering the individual predictive ability of each feature along with the degree of redundancy between them</a:t>
+            </a:r>
             <a:endParaRPr lang="en-US" dirty="0"/>
           </a:p>
         </p:txBody>
@@ -716,7 +741,91 @@
           <a:p>
             <a:fld id="{E0542D34-12F8-4BA5-8DE9-FE2BC539FB18}" type="slidenum">
               <a:rPr lang="en-US" smtClean="0"/>
-              <a:t>15</a:t>
+              <a:t>8</a:t>
+            </a:fld>
+            <a:endParaRPr lang="en-US"/>
+          </a:p>
+        </p:txBody>
+      </p:sp>
+    </p:spTree>
+    <p:extLst>
+      <p:ext uri="{BB962C8B-B14F-4D97-AF65-F5344CB8AC3E}">
+        <p14:creationId xmlns:p14="http://schemas.microsoft.com/office/powerpoint/2010/main" val="884163538"/>
+      </p:ext>
+    </p:extLst>
+  </p:cSld>
+  <p:clrMapOvr>
+    <a:masterClrMapping/>
+  </p:clrMapOvr>
+</p:notes>
+</file>
+
+<file path=ppt/notesSlides/notesSlide4.xml><?xml version="1.0" encoding="utf-8"?>
+<p:notes xmlns:a="http://schemas.openxmlformats.org/drawingml/2006/main" xmlns:r="http://schemas.openxmlformats.org/officeDocument/2006/relationships" xmlns:p="http://schemas.openxmlformats.org/presentationml/2006/main">
+  <p:cSld>
+    <p:spTree>
+      <p:nvGrpSpPr>
+        <p:cNvPr id="1" name=""/>
+        <p:cNvGrpSpPr/>
+        <p:nvPr/>
+      </p:nvGrpSpPr>
+      <p:grpSpPr>
+        <a:xfrm>
+          <a:off x="0" y="0"/>
+          <a:ext cx="0" cy="0"/>
+          <a:chOff x="0" y="0"/>
+          <a:chExt cx="0" cy="0"/>
+        </a:xfrm>
+      </p:grpSpPr>
+      <p:sp>
+        <p:nvSpPr>
+          <p:cNvPr id="2" name="Slide Image Placeholder 1"/>
+          <p:cNvSpPr>
+            <a:spLocks noGrp="1" noRot="1" noChangeAspect="1"/>
+          </p:cNvSpPr>
+          <p:nvPr>
+            <p:ph type="sldImg"/>
+          </p:nvPr>
+        </p:nvSpPr>
+        <p:spPr/>
+      </p:sp>
+      <p:sp>
+        <p:nvSpPr>
+          <p:cNvPr id="3" name="Notes Placeholder 2"/>
+          <p:cNvSpPr>
+            <a:spLocks noGrp="1"/>
+          </p:cNvSpPr>
+          <p:nvPr>
+            <p:ph type="body" idx="1"/>
+          </p:nvPr>
+        </p:nvSpPr>
+        <p:spPr/>
+        <p:txBody>
+          <a:bodyPr/>
+          <a:lstStyle/>
+          <a:p>
+            <a:endParaRPr lang="en-US" dirty="0"/>
+          </a:p>
+        </p:txBody>
+      </p:sp>
+      <p:sp>
+        <p:nvSpPr>
+          <p:cNvPr id="4" name="Slide Number Placeholder 3"/>
+          <p:cNvSpPr>
+            <a:spLocks noGrp="1"/>
+          </p:cNvSpPr>
+          <p:nvPr>
+            <p:ph type="sldNum" sz="quarter" idx="10"/>
+          </p:nvPr>
+        </p:nvSpPr>
+        <p:spPr/>
+        <p:txBody>
+          <a:bodyPr/>
+          <a:lstStyle/>
+          <a:p>
+            <a:fld id="{E0542D34-12F8-4BA5-8DE9-FE2BC539FB18}" type="slidenum">
+              <a:rPr lang="en-US" smtClean="0"/>
+              <a:t>16</a:t>
             </a:fld>
             <a:endParaRPr lang="en-US"/>
           </a:p>
@@ -3819,103 +3928,251 @@
           <a:p>
             <a:r>
               <a:rPr lang="en-US" dirty="0" smtClean="0"/>
-              <a:t>Training</a:t>
+              <a:t>Evaluation</a:t>
             </a:r>
             <a:endParaRPr lang="en-US" dirty="0"/>
           </a:p>
         </p:txBody>
       </p:sp>
-      <p:sp>
-        <p:nvSpPr>
-          <p:cNvPr id="3" name="Content Placeholder 2"/>
-          <p:cNvSpPr>
-            <a:spLocks noGrp="1"/>
-          </p:cNvSpPr>
-          <p:nvPr>
-            <p:ph idx="1"/>
-          </p:nvPr>
-        </p:nvSpPr>
-        <p:spPr/>
-        <p:txBody>
-          <a:bodyPr>
-            <a:normAutofit/>
-          </a:bodyPr>
-          <a:lstStyle/>
-          <a:p>
-            <a:r>
-              <a:rPr lang="en-US" dirty="0" smtClean="0"/>
-              <a:t>Train single model</a:t>
-            </a:r>
-          </a:p>
-          <a:p>
-            <a:pPr lvl="1"/>
-            <a:r>
-              <a:rPr lang="en-US" dirty="0" err="1" smtClean="0"/>
-              <a:t>NuSVR</a:t>
-            </a:r>
-            <a:endParaRPr lang="en-US" dirty="0" smtClean="0"/>
-          </a:p>
-          <a:p>
-            <a:pPr lvl="1"/>
-            <a:r>
-              <a:rPr lang="en-US" dirty="0" smtClean="0"/>
-              <a:t>K Nearest Neighbor</a:t>
-            </a:r>
-          </a:p>
-          <a:p>
-            <a:pPr lvl="1"/>
-            <a:r>
-              <a:rPr lang="en-US" altLang="zh-CN" dirty="0" smtClean="0"/>
-              <a:t>Gradient Boosting </a:t>
-            </a:r>
-            <a:r>
-              <a:rPr lang="en-US" altLang="zh-CN" dirty="0" err="1" smtClean="0"/>
-              <a:t>Regressor</a:t>
-            </a:r>
-            <a:endParaRPr lang="en-US" altLang="zh-CN" dirty="0" smtClean="0"/>
-          </a:p>
-          <a:p>
-            <a:r>
-              <a:rPr lang="en-US" altLang="zh-CN" dirty="0" smtClean="0"/>
-              <a:t>Parameters turned based on 5-folds cross validation</a:t>
-            </a:r>
-            <a:endParaRPr lang="en-US" altLang="zh-CN" dirty="0"/>
-          </a:p>
-          <a:p>
-            <a:r>
-              <a:rPr lang="en-US" dirty="0" smtClean="0"/>
-              <a:t>Average the prediction results</a:t>
-            </a:r>
-          </a:p>
-          <a:p>
-            <a:r>
-              <a:rPr lang="en-US" dirty="0" smtClean="0"/>
-              <a:t>Python + </a:t>
-            </a:r>
-            <a:r>
-              <a:rPr lang="en-US" altLang="zh-CN" dirty="0" err="1"/>
-              <a:t>scikit</a:t>
-            </a:r>
-            <a:r>
-              <a:rPr lang="en-US" altLang="zh-CN" dirty="0"/>
-              <a:t>-</a:t>
-            </a:r>
-            <a:r>
-              <a:rPr lang="en-US" altLang="zh-CN" dirty="0" smtClean="0"/>
-              <a:t>learn </a:t>
-            </a:r>
-            <a:r>
-              <a:rPr lang="en-US" dirty="0" smtClean="0"/>
-              <a:t>library</a:t>
-            </a:r>
-            <a:endParaRPr lang="en-US" dirty="0"/>
-          </a:p>
-        </p:txBody>
-      </p:sp>
+      <mc:AlternateContent xmlns:mc="http://schemas.openxmlformats.org/markup-compatibility/2006">
+        <mc:Choice xmlns:a14="http://schemas.microsoft.com/office/drawing/2010/main" Requires="a14">
+          <p:sp>
+            <p:nvSpPr>
+              <p:cNvPr id="3" name="Content Placeholder 2"/>
+              <p:cNvSpPr>
+                <a:spLocks noGrp="1"/>
+              </p:cNvSpPr>
+              <p:nvPr>
+                <p:ph idx="1"/>
+              </p:nvPr>
+            </p:nvSpPr>
+            <p:spPr/>
+            <p:txBody>
+              <a:bodyPr/>
+              <a:lstStyle/>
+              <a:p>
+                <a:r>
+                  <a:rPr lang="en-US" dirty="0" smtClean="0"/>
+                  <a:t>Root Mean Squared Error (RMSE)</a:t>
+                </a:r>
+              </a:p>
+              <a:p>
+                <a:pPr lvl="1"/>
+                <a:endParaRPr lang="en-US" dirty="0" smtClean="0"/>
+              </a:p>
+              <a:p>
+                <a:pPr lvl="1"/>
+                <a:endParaRPr lang="en-US" dirty="0"/>
+              </a:p>
+              <a:p>
+                <a:pPr lvl="1"/>
+                <a:endParaRPr lang="en-US" dirty="0" smtClean="0"/>
+              </a:p>
+              <a:p>
+                <a:pPr lvl="5"/>
+                <a14:m>
+                  <m:oMath xmlns:m="http://schemas.openxmlformats.org/officeDocument/2006/math">
+                    <m:acc>
+                      <m:accPr>
+                        <m:chr m:val="̂"/>
+                        <m:ctrlPr>
+                          <a:rPr lang="en-US" b="0" i="1" dirty="0" smtClean="0">
+                            <a:latin typeface="Cambria Math"/>
+                          </a:rPr>
+                        </m:ctrlPr>
+                      </m:accPr>
+                      <m:e>
+                        <m:sSub>
+                          <m:sSubPr>
+                            <m:ctrlPr>
+                              <a:rPr lang="en-US" i="1" dirty="0">
+                                <a:latin typeface="Cambria Math"/>
+                              </a:rPr>
+                            </m:ctrlPr>
+                          </m:sSubPr>
+                          <m:e>
+                            <m:r>
+                              <a:rPr lang="en-US" i="1" dirty="0">
+                                <a:latin typeface="Cambria Math"/>
+                              </a:rPr>
+                              <m:t>𝑦</m:t>
+                            </m:r>
+                          </m:e>
+                          <m:sub>
+                            <m:r>
+                              <a:rPr lang="en-US" i="1" dirty="0">
+                                <a:latin typeface="Cambria Math"/>
+                              </a:rPr>
+                              <m:t>𝑖</m:t>
+                            </m:r>
+                          </m:sub>
+                        </m:sSub>
+                      </m:e>
+                    </m:acc>
+                    <m:r>
+                      <a:rPr lang="en-US" b="0" i="1" dirty="0" smtClean="0">
+                        <a:latin typeface="Cambria Math"/>
+                      </a:rPr>
+                      <m:t> </m:t>
+                    </m:r>
+                  </m:oMath>
+                </a14:m>
+                <a:r>
+                  <a:rPr lang="en-US" dirty="0"/>
+                  <a:t>the predicted revenue </a:t>
+                </a:r>
+                <a:endParaRPr lang="en-US" dirty="0" smtClean="0"/>
+              </a:p>
+              <a:p>
+                <a:pPr lvl="5"/>
+                <a14:m>
+                  <m:oMath xmlns:m="http://schemas.openxmlformats.org/officeDocument/2006/math">
+                    <m:sSub>
+                      <m:sSubPr>
+                        <m:ctrlPr>
+                          <a:rPr lang="en-US" b="0" i="1" smtClean="0">
+                            <a:latin typeface="Cambria Math"/>
+                          </a:rPr>
+                        </m:ctrlPr>
+                      </m:sSubPr>
+                      <m:e>
+                        <m:r>
+                          <a:rPr lang="en-US" b="0" i="1" smtClean="0">
+                            <a:latin typeface="Cambria Math"/>
+                          </a:rPr>
+                          <m:t>𝑦</m:t>
+                        </m:r>
+                      </m:e>
+                      <m:sub>
+                        <m:r>
+                          <a:rPr lang="en-US" b="0" i="1" smtClean="0">
+                            <a:latin typeface="Cambria Math"/>
+                          </a:rPr>
+                          <m:t>𝑖</m:t>
+                        </m:r>
+                      </m:sub>
+                    </m:sSub>
+                    <m:r>
+                      <a:rPr lang="en-US" b="0" i="1" smtClean="0">
+                        <a:latin typeface="Cambria Math"/>
+                      </a:rPr>
+                      <m:t> </m:t>
+                    </m:r>
+                  </m:oMath>
+                </a14:m>
+                <a:r>
+                  <a:rPr lang="en-US" dirty="0" smtClean="0"/>
+                  <a:t>is </a:t>
+                </a:r>
+                <a:r>
+                  <a:rPr lang="en-US" dirty="0"/>
+                  <a:t>the ground truth.</a:t>
+                </a:r>
+                <a:endParaRPr lang="en-US" dirty="0" smtClean="0"/>
+              </a:p>
+              <a:p>
+                <a:pPr lvl="1"/>
+                <a:r>
+                  <a:rPr lang="en-US" dirty="0" smtClean="0"/>
+                  <a:t>RMSE punish large errors</a:t>
+                </a:r>
+                <a:endParaRPr lang="en-US" dirty="0"/>
+              </a:p>
+            </p:txBody>
+          </p:sp>
+        </mc:Choice>
+        <mc:Fallback>
+          <p:sp>
+            <p:nvSpPr>
+              <p:cNvPr id="3" name="Content Placeholder 2"/>
+              <p:cNvSpPr>
+                <a:spLocks noGrp="1" noRot="1" noChangeAspect="1" noMove="1" noResize="1" noEditPoints="1" noAdjustHandles="1" noChangeArrowheads="1" noChangeShapeType="1" noTextEdit="1"/>
+              </p:cNvSpPr>
+              <p:nvPr>
+                <p:ph idx="1"/>
+              </p:nvPr>
+            </p:nvSpPr>
+            <p:spPr>
+              <a:blipFill rotWithShape="1">
+                <a:blip r:embed="rId2"/>
+                <a:stretch>
+                  <a:fillRect l="-1630" t="-1752"/>
+                </a:stretch>
+              </a:blipFill>
+            </p:spPr>
+            <p:txBody>
+              <a:bodyPr/>
+              <a:lstStyle/>
+              <a:p>
+                <a:r>
+                  <a:rPr lang="en-US">
+                    <a:noFill/>
+                  </a:rPr>
+                  <a:t> </a:t>
+                </a:r>
+              </a:p>
+            </p:txBody>
+          </p:sp>
+        </mc:Fallback>
+      </mc:AlternateContent>
+      <p:pic>
+        <p:nvPicPr>
+          <p:cNvPr id="1026" name="Picture 2"/>
+          <p:cNvPicPr>
+            <a:picLocks noChangeAspect="1" noChangeArrowheads="1"/>
+          </p:cNvPicPr>
+          <p:nvPr/>
+        </p:nvPicPr>
+        <p:blipFill>
+          <a:blip r:embed="rId3">
+            <a:extLst>
+              <a:ext uri="{28A0092B-C50C-407E-A947-70E740481C1C}">
+                <a14:useLocalDpi xmlns:a14="http://schemas.microsoft.com/office/drawing/2010/main" val="0"/>
+              </a:ext>
+            </a:extLst>
+          </a:blip>
+          <a:srcRect/>
+          <a:stretch>
+            <a:fillRect/>
+          </a:stretch>
+        </p:blipFill>
+        <p:spPr bwMode="auto">
+          <a:xfrm>
+            <a:off x="2286000" y="2212759"/>
+            <a:ext cx="3733800" cy="1437385"/>
+          </a:xfrm>
+          <a:prstGeom prst="rect">
+            <a:avLst/>
+          </a:prstGeom>
+          <a:noFill/>
+          <a:ln>
+            <a:noFill/>
+          </a:ln>
+          <a:extLst>
+            <a:ext uri="{909E8E84-426E-40DD-AFC4-6F175D3DCCD1}">
+              <a14:hiddenFill xmlns:a14="http://schemas.microsoft.com/office/drawing/2010/main">
+                <a:solidFill>
+                  <a:schemeClr val="accent1"/>
+                </a:solidFill>
+              </a14:hiddenFill>
+            </a:ext>
+            <a:ext uri="{91240B29-F687-4F45-9708-019B960494DF}">
+              <a14:hiddenLine xmlns:a14="http://schemas.microsoft.com/office/drawing/2010/main" w="9525">
+                <a:solidFill>
+                  <a:schemeClr val="tx1"/>
+                </a:solidFill>
+                <a:miter lim="800000"/>
+                <a:headEnd/>
+                <a:tailEnd/>
+              </a14:hiddenLine>
+            </a:ext>
+          </a:extLst>
+        </p:spPr>
+      </p:pic>
     </p:spTree>
     <p:extLst>
       <p:ext uri="{BB962C8B-B14F-4D97-AF65-F5344CB8AC3E}">
-        <p14:creationId xmlns:p14="http://schemas.microsoft.com/office/powerpoint/2010/main" val="1917558454"/>
+        <p14:creationId xmlns:p14="http://schemas.microsoft.com/office/powerpoint/2010/main" val="4240490474"/>
       </p:ext>
     </p:extLst>
   </p:cSld>
@@ -3966,6 +4223,153 @@
           <a:p>
             <a:r>
               <a:rPr lang="en-US" dirty="0" smtClean="0"/>
+              <a:t>Training</a:t>
+            </a:r>
+            <a:endParaRPr lang="en-US" dirty="0"/>
+          </a:p>
+        </p:txBody>
+      </p:sp>
+      <p:sp>
+        <p:nvSpPr>
+          <p:cNvPr id="3" name="Content Placeholder 2"/>
+          <p:cNvSpPr>
+            <a:spLocks noGrp="1"/>
+          </p:cNvSpPr>
+          <p:nvPr>
+            <p:ph idx="1"/>
+          </p:nvPr>
+        </p:nvSpPr>
+        <p:spPr/>
+        <p:txBody>
+          <a:bodyPr>
+            <a:normAutofit/>
+          </a:bodyPr>
+          <a:lstStyle/>
+          <a:p>
+            <a:r>
+              <a:rPr lang="en-US" dirty="0" smtClean="0"/>
+              <a:t>Train single model</a:t>
+            </a:r>
+          </a:p>
+          <a:p>
+            <a:pPr lvl="1"/>
+            <a:r>
+              <a:rPr lang="en-US" dirty="0" err="1" smtClean="0"/>
+              <a:t>NuSVR</a:t>
+            </a:r>
+            <a:endParaRPr lang="en-US" dirty="0" smtClean="0"/>
+          </a:p>
+          <a:p>
+            <a:pPr lvl="1"/>
+            <a:r>
+              <a:rPr lang="en-US" dirty="0" smtClean="0"/>
+              <a:t>K Nearest Neighbor</a:t>
+            </a:r>
+          </a:p>
+          <a:p>
+            <a:pPr lvl="1"/>
+            <a:r>
+              <a:rPr lang="en-US" altLang="zh-CN" dirty="0" smtClean="0"/>
+              <a:t>Gradient Boosting </a:t>
+            </a:r>
+            <a:r>
+              <a:rPr lang="en-US" altLang="zh-CN" dirty="0" err="1" smtClean="0"/>
+              <a:t>Regressor</a:t>
+            </a:r>
+            <a:endParaRPr lang="en-US" altLang="zh-CN" dirty="0" smtClean="0"/>
+          </a:p>
+          <a:p>
+            <a:r>
+              <a:rPr lang="en-US" altLang="zh-CN" dirty="0" smtClean="0"/>
+              <a:t>Parameters turned based on 5-folds cross validation</a:t>
+            </a:r>
+            <a:endParaRPr lang="en-US" altLang="zh-CN" dirty="0"/>
+          </a:p>
+          <a:p>
+            <a:r>
+              <a:rPr lang="en-US" dirty="0" smtClean="0"/>
+              <a:t>Average the prediction results</a:t>
+            </a:r>
+          </a:p>
+          <a:p>
+            <a:r>
+              <a:rPr lang="en-US" dirty="0" smtClean="0"/>
+              <a:t>Python + </a:t>
+            </a:r>
+            <a:r>
+              <a:rPr lang="en-US" altLang="zh-CN" dirty="0" err="1"/>
+              <a:t>scikit</a:t>
+            </a:r>
+            <a:r>
+              <a:rPr lang="en-US" altLang="zh-CN" dirty="0"/>
+              <a:t>-</a:t>
+            </a:r>
+            <a:r>
+              <a:rPr lang="en-US" altLang="zh-CN" dirty="0" smtClean="0"/>
+              <a:t>learn </a:t>
+            </a:r>
+            <a:r>
+              <a:rPr lang="en-US" dirty="0" smtClean="0"/>
+              <a:t>library</a:t>
+            </a:r>
+            <a:endParaRPr lang="en-US" dirty="0"/>
+          </a:p>
+        </p:txBody>
+      </p:sp>
+    </p:spTree>
+    <p:extLst>
+      <p:ext uri="{BB962C8B-B14F-4D97-AF65-F5344CB8AC3E}">
+        <p14:creationId xmlns:p14="http://schemas.microsoft.com/office/powerpoint/2010/main" val="1917558454"/>
+      </p:ext>
+    </p:extLst>
+  </p:cSld>
+  <p:clrMapOvr>
+    <a:masterClrMapping/>
+  </p:clrMapOvr>
+  <p:timing>
+    <p:tnLst>
+      <p:par>
+        <p:cTn id="1" dur="indefinite" restart="never" nodeType="tmRoot"/>
+      </p:par>
+    </p:tnLst>
+  </p:timing>
+</p:sld>
+</file>
+
+<file path=ppt/slides/slide12.xml><?xml version="1.0" encoding="utf-8"?>
+<p:sld xmlns:a="http://schemas.openxmlformats.org/drawingml/2006/main" xmlns:r="http://schemas.openxmlformats.org/officeDocument/2006/relationships" xmlns:p="http://schemas.openxmlformats.org/presentationml/2006/main">
+  <p:cSld>
+    <p:spTree>
+      <p:nvGrpSpPr>
+        <p:cNvPr id="1" name=""/>
+        <p:cNvGrpSpPr/>
+        <p:nvPr/>
+      </p:nvGrpSpPr>
+      <p:grpSpPr>
+        <a:xfrm>
+          <a:off x="0" y="0"/>
+          <a:ext cx="0" cy="0"/>
+          <a:chOff x="0" y="0"/>
+          <a:chExt cx="0" cy="0"/>
+        </a:xfrm>
+      </p:grpSpPr>
+      <p:sp>
+        <p:nvSpPr>
+          <p:cNvPr id="2" name="Title 1"/>
+          <p:cNvSpPr>
+            <a:spLocks noGrp="1"/>
+          </p:cNvSpPr>
+          <p:nvPr>
+            <p:ph type="title"/>
+          </p:nvPr>
+        </p:nvSpPr>
+        <p:spPr/>
+        <p:txBody>
+          <a:bodyPr/>
+          <a:lstStyle/>
+          <a:p>
+            <a:r>
+              <a:rPr lang="en-US" dirty="0" smtClean="0"/>
               <a:t>Visualize Validation</a:t>
             </a:r>
             <a:endParaRPr lang="en-US" dirty="0"/>
@@ -4004,7 +4408,7 @@
 </p:sld>
 </file>
 
-<file path=ppt/slides/slide12.xml><?xml version="1.0" encoding="utf-8"?>
+<file path=ppt/slides/slide13.xml><?xml version="1.0" encoding="utf-8"?>
 <p:sld xmlns:a="http://schemas.openxmlformats.org/drawingml/2006/main" xmlns:r="http://schemas.openxmlformats.org/officeDocument/2006/relationships" xmlns:p="http://schemas.openxmlformats.org/presentationml/2006/main">
   <p:cSld>
     <p:spTree>
@@ -4260,166 +4664,6 @@
     <p:extLst>
       <p:ext uri="{BB962C8B-B14F-4D97-AF65-F5344CB8AC3E}">
         <p14:creationId xmlns:p14="http://schemas.microsoft.com/office/powerpoint/2010/main" val="4262006165"/>
-      </p:ext>
-    </p:extLst>
-  </p:cSld>
-  <p:clrMapOvr>
-    <a:masterClrMapping/>
-  </p:clrMapOvr>
-  <p:timing>
-    <p:tnLst>
-      <p:par>
-        <p:cTn id="1" dur="indefinite" restart="never" nodeType="tmRoot"/>
-      </p:par>
-    </p:tnLst>
-  </p:timing>
-</p:sld>
-</file>
-
-<file path=ppt/slides/slide13.xml><?xml version="1.0" encoding="utf-8"?>
-<p:sld xmlns:a="http://schemas.openxmlformats.org/drawingml/2006/main" xmlns:r="http://schemas.openxmlformats.org/officeDocument/2006/relationships" xmlns:p="http://schemas.openxmlformats.org/presentationml/2006/main">
-  <p:cSld>
-    <p:spTree>
-      <p:nvGrpSpPr>
-        <p:cNvPr id="1" name=""/>
-        <p:cNvGrpSpPr/>
-        <p:nvPr/>
-      </p:nvGrpSpPr>
-      <p:grpSpPr>
-        <a:xfrm>
-          <a:off x="0" y="0"/>
-          <a:ext cx="0" cy="0"/>
-          <a:chOff x="0" y="0"/>
-          <a:chExt cx="0" cy="0"/>
-        </a:xfrm>
-      </p:grpSpPr>
-      <p:sp>
-        <p:nvSpPr>
-          <p:cNvPr id="2" name="标题 1"/>
-          <p:cNvSpPr>
-            <a:spLocks noGrp="1"/>
-          </p:cNvSpPr>
-          <p:nvPr>
-            <p:ph type="title"/>
-          </p:nvPr>
-        </p:nvSpPr>
-        <p:spPr/>
-        <p:txBody>
-          <a:bodyPr/>
-          <a:lstStyle/>
-          <a:p>
-            <a:r>
-              <a:rPr kumimoji="1" lang="en-US" altLang="zh-CN" dirty="0" smtClean="0"/>
-              <a:t>Results on Public Board</a:t>
-            </a:r>
-            <a:endParaRPr kumimoji="1" lang="zh-CN" altLang="en-US" dirty="0"/>
-          </a:p>
-        </p:txBody>
-      </p:sp>
-      <p:sp>
-        <p:nvSpPr>
-          <p:cNvPr id="3" name="内容占位符 2"/>
-          <p:cNvSpPr>
-            <a:spLocks noGrp="1"/>
-          </p:cNvSpPr>
-          <p:nvPr>
-            <p:ph idx="1"/>
-          </p:nvPr>
-        </p:nvSpPr>
-        <p:spPr/>
-        <p:txBody>
-          <a:bodyPr/>
-          <a:lstStyle/>
-          <a:p>
-            <a:r>
-              <a:rPr kumimoji="1" lang="en-US" altLang="zh-CN" dirty="0" smtClean="0"/>
-              <a:t>Rank 1xx / 22xx teams</a:t>
-            </a:r>
-            <a:endParaRPr kumimoji="1" lang="zh-CN" altLang="en-US" dirty="0"/>
-          </a:p>
-        </p:txBody>
-      </p:sp>
-      <p:pic>
-        <p:nvPicPr>
-          <p:cNvPr id="4" name="图片 3"/>
-          <p:cNvPicPr>
-            <a:picLocks noChangeAspect="1"/>
-          </p:cNvPicPr>
-          <p:nvPr/>
-        </p:nvPicPr>
-        <p:blipFill>
-          <a:blip r:embed="rId2">
-            <a:extLst>
-              <a:ext uri="{28A0092B-C50C-407E-A947-70E740481C1C}">
-                <a14:useLocalDpi xmlns:a14="http://schemas.microsoft.com/office/drawing/2010/main" val="0"/>
-              </a:ext>
-            </a:extLst>
-          </a:blip>
-          <a:stretch>
-            <a:fillRect/>
-          </a:stretch>
-        </p:blipFill>
-        <p:spPr>
-          <a:xfrm>
-            <a:off x="1295400" y="2057400"/>
-            <a:ext cx="6400800" cy="4800600"/>
-          </a:xfrm>
-          <a:prstGeom prst="rect">
-            <a:avLst/>
-          </a:prstGeom>
-        </p:spPr>
-      </p:pic>
-      <p:sp>
-        <p:nvSpPr>
-          <p:cNvPr id="5" name="线形标注 1 4"/>
-          <p:cNvSpPr/>
-          <p:nvPr/>
-        </p:nvSpPr>
-        <p:spPr>
-          <a:xfrm>
-            <a:off x="3048000" y="3962400"/>
-            <a:ext cx="1905000" cy="609600"/>
-          </a:xfrm>
-          <a:prstGeom prst="borderCallout1">
-            <a:avLst>
-              <a:gd name="adj1" fmla="val 18750"/>
-              <a:gd name="adj2" fmla="val -8333"/>
-              <a:gd name="adj3" fmla="val 280426"/>
-              <a:gd name="adj4" fmla="val -40374"/>
-            </a:avLst>
-          </a:prstGeom>
-        </p:spPr>
-        <p:style>
-          <a:lnRef idx="2">
-            <a:schemeClr val="accent2"/>
-          </a:lnRef>
-          <a:fillRef idx="1">
-            <a:schemeClr val="lt1"/>
-          </a:fillRef>
-          <a:effectRef idx="0">
-            <a:schemeClr val="accent2"/>
-          </a:effectRef>
-          <a:fontRef idx="minor">
-            <a:schemeClr val="dk1"/>
-          </a:fontRef>
-        </p:style>
-        <p:txBody>
-          <a:bodyPr rtlCol="0" anchor="ctr"/>
-          <a:lstStyle/>
-          <a:p>
-            <a:pPr algn="ctr"/>
-            <a:r>
-              <a:rPr kumimoji="1" lang="en-US" altLang="zh-CN" dirty="0" smtClean="0"/>
-              <a:t>We are here</a:t>
-            </a:r>
-            <a:endParaRPr kumimoji="1" lang="zh-CN" altLang="en-US" dirty="0"/>
-          </a:p>
-        </p:txBody>
-      </p:sp>
-    </p:spTree>
-    <p:extLst>
-      <p:ext uri="{BB962C8B-B14F-4D97-AF65-F5344CB8AC3E}">
-        <p14:creationId xmlns:p14="http://schemas.microsoft.com/office/powerpoint/2010/main" val="4030098551"/>
       </p:ext>
     </p:extLst>
   </p:cSld>
@@ -4470,6 +4714,166 @@
           <a:p>
             <a:r>
               <a:rPr kumimoji="1" lang="en-US" altLang="zh-CN" dirty="0" smtClean="0"/>
+              <a:t>Results on Public Board</a:t>
+            </a:r>
+            <a:endParaRPr kumimoji="1" lang="zh-CN" altLang="en-US" dirty="0"/>
+          </a:p>
+        </p:txBody>
+      </p:sp>
+      <p:sp>
+        <p:nvSpPr>
+          <p:cNvPr id="3" name="内容占位符 2"/>
+          <p:cNvSpPr>
+            <a:spLocks noGrp="1"/>
+          </p:cNvSpPr>
+          <p:nvPr>
+            <p:ph idx="1"/>
+          </p:nvPr>
+        </p:nvSpPr>
+        <p:spPr/>
+        <p:txBody>
+          <a:bodyPr/>
+          <a:lstStyle/>
+          <a:p>
+            <a:r>
+              <a:rPr kumimoji="1" lang="en-US" altLang="zh-CN" dirty="0" smtClean="0"/>
+              <a:t>Rank 1xx / 22xx teams</a:t>
+            </a:r>
+            <a:endParaRPr kumimoji="1" lang="zh-CN" altLang="en-US" dirty="0"/>
+          </a:p>
+        </p:txBody>
+      </p:sp>
+      <p:pic>
+        <p:nvPicPr>
+          <p:cNvPr id="4" name="图片 3"/>
+          <p:cNvPicPr>
+            <a:picLocks noChangeAspect="1"/>
+          </p:cNvPicPr>
+          <p:nvPr/>
+        </p:nvPicPr>
+        <p:blipFill>
+          <a:blip r:embed="rId2">
+            <a:extLst>
+              <a:ext uri="{28A0092B-C50C-407E-A947-70E740481C1C}">
+                <a14:useLocalDpi xmlns:a14="http://schemas.microsoft.com/office/drawing/2010/main" val="0"/>
+              </a:ext>
+            </a:extLst>
+          </a:blip>
+          <a:stretch>
+            <a:fillRect/>
+          </a:stretch>
+        </p:blipFill>
+        <p:spPr>
+          <a:xfrm>
+            <a:off x="1295400" y="2057400"/>
+            <a:ext cx="6400800" cy="4800600"/>
+          </a:xfrm>
+          <a:prstGeom prst="rect">
+            <a:avLst/>
+          </a:prstGeom>
+        </p:spPr>
+      </p:pic>
+      <p:sp>
+        <p:nvSpPr>
+          <p:cNvPr id="5" name="线形标注 1 4"/>
+          <p:cNvSpPr/>
+          <p:nvPr/>
+        </p:nvSpPr>
+        <p:spPr>
+          <a:xfrm>
+            <a:off x="3048000" y="3962400"/>
+            <a:ext cx="1905000" cy="609600"/>
+          </a:xfrm>
+          <a:prstGeom prst="borderCallout1">
+            <a:avLst>
+              <a:gd name="adj1" fmla="val 18750"/>
+              <a:gd name="adj2" fmla="val -8333"/>
+              <a:gd name="adj3" fmla="val 280426"/>
+              <a:gd name="adj4" fmla="val -40374"/>
+            </a:avLst>
+          </a:prstGeom>
+        </p:spPr>
+        <p:style>
+          <a:lnRef idx="2">
+            <a:schemeClr val="accent2"/>
+          </a:lnRef>
+          <a:fillRef idx="1">
+            <a:schemeClr val="lt1"/>
+          </a:fillRef>
+          <a:effectRef idx="0">
+            <a:schemeClr val="accent2"/>
+          </a:effectRef>
+          <a:fontRef idx="minor">
+            <a:schemeClr val="dk1"/>
+          </a:fontRef>
+        </p:style>
+        <p:txBody>
+          <a:bodyPr rtlCol="0" anchor="ctr"/>
+          <a:lstStyle/>
+          <a:p>
+            <a:pPr algn="ctr"/>
+            <a:r>
+              <a:rPr kumimoji="1" lang="en-US" altLang="zh-CN" dirty="0" smtClean="0"/>
+              <a:t>We are here</a:t>
+            </a:r>
+            <a:endParaRPr kumimoji="1" lang="zh-CN" altLang="en-US" dirty="0"/>
+          </a:p>
+        </p:txBody>
+      </p:sp>
+    </p:spTree>
+    <p:extLst>
+      <p:ext uri="{BB962C8B-B14F-4D97-AF65-F5344CB8AC3E}">
+        <p14:creationId xmlns:p14="http://schemas.microsoft.com/office/powerpoint/2010/main" val="4030098551"/>
+      </p:ext>
+    </p:extLst>
+  </p:cSld>
+  <p:clrMapOvr>
+    <a:masterClrMapping/>
+  </p:clrMapOvr>
+  <p:timing>
+    <p:tnLst>
+      <p:par>
+        <p:cTn id="1" dur="indefinite" restart="never" nodeType="tmRoot"/>
+      </p:par>
+    </p:tnLst>
+  </p:timing>
+</p:sld>
+</file>
+
+<file path=ppt/slides/slide15.xml><?xml version="1.0" encoding="utf-8"?>
+<p:sld xmlns:a="http://schemas.openxmlformats.org/drawingml/2006/main" xmlns:r="http://schemas.openxmlformats.org/officeDocument/2006/relationships" xmlns:p="http://schemas.openxmlformats.org/presentationml/2006/main">
+  <p:cSld>
+    <p:spTree>
+      <p:nvGrpSpPr>
+        <p:cNvPr id="1" name=""/>
+        <p:cNvGrpSpPr/>
+        <p:nvPr/>
+      </p:nvGrpSpPr>
+      <p:grpSpPr>
+        <a:xfrm>
+          <a:off x="0" y="0"/>
+          <a:ext cx="0" cy="0"/>
+          <a:chOff x="0" y="0"/>
+          <a:chExt cx="0" cy="0"/>
+        </a:xfrm>
+      </p:grpSpPr>
+      <p:sp>
+        <p:nvSpPr>
+          <p:cNvPr id="2" name="标题 1"/>
+          <p:cNvSpPr>
+            <a:spLocks noGrp="1"/>
+          </p:cNvSpPr>
+          <p:nvPr>
+            <p:ph type="title"/>
+          </p:nvPr>
+        </p:nvSpPr>
+        <p:spPr/>
+        <p:txBody>
+          <a:bodyPr/>
+          <a:lstStyle/>
+          <a:p>
+            <a:r>
+              <a:rPr kumimoji="1" lang="en-US" altLang="zh-CN" dirty="0" smtClean="0"/>
               <a:t>Conclusion</a:t>
             </a:r>
             <a:endParaRPr kumimoji="1" lang="zh-CN" altLang="en-US" dirty="0"/>
@@ -4512,7 +4916,7 @@
 </p:sld>
 </file>
 
-<file path=ppt/slides/slide15.xml><?xml version="1.0" encoding="utf-8"?>
+<file path=ppt/slides/slide16.xml><?xml version="1.0" encoding="utf-8"?>
 <p:sld xmlns:a="http://schemas.openxmlformats.org/drawingml/2006/main" xmlns:r="http://schemas.openxmlformats.org/officeDocument/2006/relationships" xmlns:p="http://schemas.openxmlformats.org/presentationml/2006/main">
   <p:cSld>
     <p:spTree>
@@ -4683,7 +5087,7 @@
 </p:sld>
 </file>
 
-<file path=ppt/slides/slide16.xml><?xml version="1.0" encoding="utf-8"?>
+<file path=ppt/slides/slide17.xml><?xml version="1.0" encoding="utf-8"?>
 <p:sld xmlns:a="http://schemas.openxmlformats.org/drawingml/2006/main" xmlns:r="http://schemas.openxmlformats.org/officeDocument/2006/relationships" xmlns:p="http://schemas.openxmlformats.org/presentationml/2006/main">
   <p:cSld>
     <p:spTree>
@@ -5287,6 +5691,115 @@
     <p:extLst>
       <p:ext uri="{BB962C8B-B14F-4D97-AF65-F5344CB8AC3E}">
         <p14:creationId xmlns:p14="http://schemas.microsoft.com/office/powerpoint/2010/main" val="2558064567"/>
+      </p:ext>
+    </p:extLst>
+  </p:cSld>
+  <p:clrMapOvr>
+    <a:masterClrMapping/>
+  </p:clrMapOvr>
+</p:sld>
+</file>
+
+<file path=ppt/slides/slide18.xml><?xml version="1.0" encoding="utf-8"?>
+<p:sld xmlns:a="http://schemas.openxmlformats.org/drawingml/2006/main" xmlns:r="http://schemas.openxmlformats.org/officeDocument/2006/relationships" xmlns:p="http://schemas.openxmlformats.org/presentationml/2006/main">
+  <p:cSld>
+    <p:spTree>
+      <p:nvGrpSpPr>
+        <p:cNvPr id="1" name=""/>
+        <p:cNvGrpSpPr/>
+        <p:nvPr/>
+      </p:nvGrpSpPr>
+      <p:grpSpPr>
+        <a:xfrm>
+          <a:off x="0" y="0"/>
+          <a:ext cx="0" cy="0"/>
+          <a:chOff x="0" y="0"/>
+          <a:chExt cx="0" cy="0"/>
+        </a:xfrm>
+      </p:grpSpPr>
+      <p:sp>
+        <p:nvSpPr>
+          <p:cNvPr id="2" name="Title 1"/>
+          <p:cNvSpPr>
+            <a:spLocks noGrp="1"/>
+          </p:cNvSpPr>
+          <p:nvPr>
+            <p:ph type="title"/>
+          </p:nvPr>
+        </p:nvSpPr>
+        <p:spPr/>
+        <p:txBody>
+          <a:bodyPr/>
+          <a:lstStyle/>
+          <a:p>
+            <a:r>
+              <a:rPr lang="en-US" dirty="0" smtClean="0"/>
+              <a:t>Histogram of revenues</a:t>
+            </a:r>
+            <a:endParaRPr lang="en-US" dirty="0"/>
+          </a:p>
+        </p:txBody>
+      </p:sp>
+      <p:pic>
+        <p:nvPicPr>
+          <p:cNvPr id="3074" name="Picture 2"/>
+          <p:cNvPicPr>
+            <a:picLocks noGrp="1" noChangeAspect="1" noChangeArrowheads="1"/>
+          </p:cNvPicPr>
+          <p:nvPr>
+            <p:ph idx="1"/>
+          </p:nvPr>
+        </p:nvPicPr>
+        <p:blipFill>
+          <a:blip r:embed="rId2">
+            <a:extLst>
+              <a:ext uri="{28A0092B-C50C-407E-A947-70E740481C1C}">
+                <a14:useLocalDpi xmlns:a14="http://schemas.microsoft.com/office/drawing/2010/main" val="0"/>
+              </a:ext>
+            </a:extLst>
+          </a:blip>
+          <a:srcRect/>
+          <a:stretch>
+            <a:fillRect/>
+          </a:stretch>
+        </p:blipFill>
+        <p:spPr bwMode="auto">
+          <a:xfrm>
+            <a:off x="457200" y="1981200"/>
+            <a:ext cx="8229600" cy="3588739"/>
+          </a:xfrm>
+          <a:prstGeom prst="rect">
+            <a:avLst/>
+          </a:prstGeom>
+          <a:noFill/>
+          <a:ln>
+            <a:noFill/>
+          </a:ln>
+          <a:extLst>
+            <a:ext uri="{909E8E84-426E-40DD-AFC4-6F175D3DCCD1}">
+              <a14:hiddenFill xmlns:a14="http://schemas.microsoft.com/office/drawing/2010/main">
+                <a:solidFill>
+                  <a:schemeClr val="accent1"/>
+                </a:solidFill>
+              </a14:hiddenFill>
+            </a:ext>
+            <a:ext uri="{91240B29-F687-4F45-9708-019B960494DF}">
+              <a14:hiddenLine xmlns:a14="http://schemas.microsoft.com/office/drawing/2010/main" w="9525">
+                <a:solidFill>
+                  <a:schemeClr val="tx1"/>
+                </a:solidFill>
+                <a:miter lim="800000"/>
+                <a:headEnd/>
+                <a:tailEnd/>
+              </a14:hiddenLine>
+            </a:ext>
+          </a:extLst>
+        </p:spPr>
+      </p:pic>
+    </p:spTree>
+    <p:extLst>
+      <p:ext uri="{BB962C8B-B14F-4D97-AF65-F5344CB8AC3E}">
+        <p14:creationId xmlns:p14="http://schemas.microsoft.com/office/powerpoint/2010/main" val="212278650"/>
       </p:ext>
     </p:extLst>
   </p:cSld>
@@ -6713,11 +7226,7 @@
             <a:pPr lvl="1"/>
             <a:r>
               <a:rPr lang="en-US" dirty="0" smtClean="0"/>
-              <a:t>Days opened till </a:t>
-            </a:r>
-            <a:r>
-              <a:rPr lang="en-US" dirty="0" smtClean="0"/>
-              <a:t>2/1/2014</a:t>
+              <a:t>Days opened till 2/1/2014</a:t>
             </a:r>
           </a:p>
           <a:p>
@@ -7048,21 +7557,88 @@
           <a:p>
             <a:r>
               <a:rPr lang="en-US" dirty="0" smtClean="0"/>
-              <a:t>Feature Rank</a:t>
-            </a:r>
-          </a:p>
-          <a:p>
-            <a:endParaRPr lang="en-US" dirty="0"/>
-          </a:p>
-          <a:p>
+              <a:t>Feature </a:t>
+            </a:r>
             <a:r>
               <a:rPr lang="en-US" dirty="0" smtClean="0"/>
-              <a:t>PCA</a:t>
-            </a:r>
-            <a:endParaRPr lang="en-US" dirty="0"/>
-          </a:p>
-        </p:txBody>
-      </p:sp>
+              <a:t>Rank</a:t>
+            </a:r>
+          </a:p>
+          <a:p>
+            <a:pPr lvl="1"/>
+            <a:r>
+              <a:rPr lang="en-US" dirty="0" smtClean="0"/>
+              <a:t>Attribute evaluator: </a:t>
+            </a:r>
+            <a:r>
+              <a:rPr lang="en-US" dirty="0" err="1" smtClean="0"/>
+              <a:t>ReliefAttributeEval</a:t>
+            </a:r>
+            <a:endParaRPr lang="en-US" dirty="0" smtClean="0"/>
+          </a:p>
+          <a:p>
+            <a:pPr lvl="1"/>
+            <a:r>
+              <a:rPr lang="en-US" dirty="0" smtClean="0"/>
+              <a:t>Search method: Ranker</a:t>
+            </a:r>
+          </a:p>
+        </p:txBody>
+      </p:sp>
+      <p:pic>
+        <p:nvPicPr>
+          <p:cNvPr id="2050" name="Picture 2"/>
+          <p:cNvPicPr>
+            <a:picLocks noChangeAspect="1" noChangeArrowheads="1"/>
+          </p:cNvPicPr>
+          <p:nvPr/>
+        </p:nvPicPr>
+        <p:blipFill>
+          <a:blip r:embed="rId3">
+            <a:extLst>
+              <a:ext uri="{28A0092B-C50C-407E-A947-70E740481C1C}">
+                <a14:useLocalDpi xmlns:a14="http://schemas.microsoft.com/office/drawing/2010/main" val="0"/>
+              </a:ext>
+            </a:extLst>
+          </a:blip>
+          <a:srcRect/>
+          <a:stretch>
+            <a:fillRect/>
+          </a:stretch>
+        </p:blipFill>
+        <p:spPr bwMode="auto">
+          <a:xfrm>
+            <a:off x="730928" y="3352800"/>
+            <a:ext cx="6200775" cy="2543175"/>
+          </a:xfrm>
+          <a:prstGeom prst="rect">
+            <a:avLst/>
+          </a:prstGeom>
+          <a:noFill/>
+          <a:ln>
+            <a:noFill/>
+          </a:ln>
+          <a:extLst>
+            <a:ext uri="{909E8E84-426E-40DD-AFC4-6F175D3DCCD1}">
+              <a14:hiddenFill xmlns:a14="http://schemas.microsoft.com/office/drawing/2010/main">
+                <a:solidFill>
+                  <a:schemeClr val="accent1"/>
+                </a:solidFill>
+              </a14:hiddenFill>
+            </a:ext>
+            <a:ext uri="{91240B29-F687-4F45-9708-019B960494DF}">
+              <a14:hiddenLine xmlns:a14="http://schemas.microsoft.com/office/drawing/2010/main" w="9525">
+                <a:solidFill>
+                  <a:schemeClr val="tx1"/>
+                </a:solidFill>
+                <a:miter lim="800000"/>
+                <a:headEnd/>
+                <a:tailEnd/>
+              </a14:hiddenLine>
+            </a:ext>
+          </a:extLst>
+        </p:spPr>
+      </p:pic>
     </p:spTree>
     <p:extLst>
       <p:ext uri="{BB962C8B-B14F-4D97-AF65-F5344CB8AC3E}">
@@ -7116,110 +7692,46 @@
           <a:lstStyle/>
           <a:p>
             <a:r>
+              <a:rPr kumimoji="1" lang="en-US" altLang="zh-CN" dirty="0"/>
+              <a:t>Exploring the Data</a:t>
+            </a:r>
+            <a:endParaRPr lang="en-US" dirty="0"/>
+          </a:p>
+        </p:txBody>
+      </p:sp>
+      <p:sp>
+        <p:nvSpPr>
+          <p:cNvPr id="3" name="Content Placeholder 2"/>
+          <p:cNvSpPr>
+            <a:spLocks noGrp="1"/>
+          </p:cNvSpPr>
+          <p:nvPr>
+            <p:ph idx="1"/>
+          </p:nvPr>
+        </p:nvSpPr>
+        <p:spPr/>
+        <p:txBody>
+          <a:bodyPr/>
+          <a:lstStyle/>
+          <a:p>
+            <a:r>
               <a:rPr lang="en-US" dirty="0" smtClean="0"/>
-              <a:t>Evaluation</a:t>
+              <a:t>PCA</a:t>
             </a:r>
             <a:endParaRPr lang="en-US" dirty="0"/>
           </a:p>
         </p:txBody>
       </p:sp>
-      <p:sp>
-        <p:nvSpPr>
-          <p:cNvPr id="3" name="Content Placeholder 2"/>
-          <p:cNvSpPr>
-            <a:spLocks noGrp="1"/>
-          </p:cNvSpPr>
-          <p:nvPr>
-            <p:ph idx="1"/>
-          </p:nvPr>
-        </p:nvSpPr>
-        <p:spPr/>
-        <p:txBody>
-          <a:bodyPr/>
-          <a:lstStyle/>
-          <a:p>
-            <a:r>
-              <a:rPr lang="en-US" dirty="0"/>
-              <a:t>Root Mean Squared Error (RMSE)</a:t>
-            </a:r>
-          </a:p>
-          <a:p>
-            <a:pPr lvl="1"/>
-            <a:endParaRPr lang="en-US" dirty="0"/>
-          </a:p>
-        </p:txBody>
-      </p:sp>
-      <p:pic>
-        <p:nvPicPr>
-          <p:cNvPr id="1027" name="Picture 3"/>
-          <p:cNvPicPr>
-            <a:picLocks noChangeAspect="1" noChangeArrowheads="1"/>
-          </p:cNvPicPr>
-          <p:nvPr/>
-        </p:nvPicPr>
-        <p:blipFill>
-          <a:blip r:embed="rId2">
-            <a:extLst>
-              <a:ext uri="{28A0092B-C50C-407E-A947-70E740481C1C}">
-                <a14:useLocalDpi xmlns:a14="http://schemas.microsoft.com/office/drawing/2010/main" val="0"/>
-              </a:ext>
-            </a:extLst>
-          </a:blip>
-          <a:srcRect/>
-          <a:stretch>
-            <a:fillRect/>
-          </a:stretch>
-        </p:blipFill>
-        <p:spPr bwMode="auto">
-          <a:xfrm>
-            <a:off x="2362200" y="2438400"/>
-            <a:ext cx="3114675" cy="857250"/>
-          </a:xfrm>
-          <a:prstGeom prst="rect">
-            <a:avLst/>
-          </a:prstGeom>
-          <a:noFill/>
-          <a:ln>
-            <a:noFill/>
-          </a:ln>
-          <a:extLst>
-            <a:ext uri="{909E8E84-426E-40DD-AFC4-6F175D3DCCD1}">
-              <a14:hiddenFill xmlns:a14="http://schemas.microsoft.com/office/drawing/2010/main">
-                <a:solidFill>
-                  <a:schemeClr val="accent1"/>
-                </a:solidFill>
-              </a14:hiddenFill>
-            </a:ext>
-            <a:ext uri="{91240B29-F687-4F45-9708-019B960494DF}">
-              <a14:hiddenLine xmlns:a14="http://schemas.microsoft.com/office/drawing/2010/main" w="9525">
-                <a:solidFill>
-                  <a:schemeClr val="tx1"/>
-                </a:solidFill>
-                <a:miter lim="800000"/>
-                <a:headEnd/>
-                <a:tailEnd/>
-              </a14:hiddenLine>
-            </a:ext>
-          </a:extLst>
-        </p:spPr>
-      </p:pic>
     </p:spTree>
     <p:extLst>
       <p:ext uri="{BB962C8B-B14F-4D97-AF65-F5344CB8AC3E}">
-        <p14:creationId xmlns:p14="http://schemas.microsoft.com/office/powerpoint/2010/main" val="4240490474"/>
+        <p14:creationId xmlns:p14="http://schemas.microsoft.com/office/powerpoint/2010/main" val="1367064085"/>
       </p:ext>
     </p:extLst>
   </p:cSld>
   <p:clrMapOvr>
     <a:masterClrMapping/>
   </p:clrMapOvr>
-  <p:timing>
-    <p:tnLst>
-      <p:par>
-        <p:cTn id="1" dur="indefinite" restart="never" nodeType="tmRoot"/>
-      </p:par>
-    </p:tnLst>
-  </p:timing>
 </p:sld>
 </file>
 

--- a/doc/presentation/revenue-prediction.pptx
+++ b/doc/presentation/revenue-prediction.pptx
@@ -3934,8 +3934,8 @@
           </a:p>
         </p:txBody>
       </p:sp>
-      <mc:AlternateContent xmlns:mc="http://schemas.openxmlformats.org/markup-compatibility/2006">
-        <mc:Choice xmlns:a14="http://schemas.microsoft.com/office/drawing/2010/main" Requires="a14">
+      <mc:AlternateContent xmlns:mc="http://schemas.openxmlformats.org/markup-compatibility/2006" xmlns:a14="http://schemas.microsoft.com/office/drawing/2010/main">
+        <mc:Choice Requires="a14">
           <p:sp>
             <p:nvSpPr>
               <p:cNvPr id="3" name="Content Placeholder 2"/>
@@ -4081,7 +4081,7 @@
             </p:txBody>
           </p:sp>
         </mc:Choice>
-        <mc:Fallback>
+        <mc:Fallback xmlns="">
           <p:sp>
             <p:nvSpPr>
               <p:cNvPr id="3" name="Content Placeholder 2"/>
@@ -4376,25 +4376,62 @@
           </a:p>
         </p:txBody>
       </p:sp>
-      <p:sp>
-        <p:nvSpPr>
-          <p:cNvPr id="3" name="Content Placeholder 2"/>
-          <p:cNvSpPr>
-            <a:spLocks noGrp="1"/>
-          </p:cNvSpPr>
+      <p:pic>
+        <p:nvPicPr>
+          <p:cNvPr id="1027" name="Picture 3"/>
+          <p:cNvPicPr>
+            <a:picLocks noGrp="1" noChangeAspect="1" noChangeArrowheads="1"/>
+          </p:cNvPicPr>
           <p:nvPr>
             <p:ph idx="1"/>
           </p:nvPr>
-        </p:nvSpPr>
-        <p:spPr/>
-        <p:txBody>
-          <a:bodyPr/>
-          <a:lstStyle/>
-          <a:p>
-            <a:endParaRPr lang="en-US"/>
-          </a:p>
-        </p:txBody>
-      </p:sp>
+        </p:nvPicPr>
+        <p:blipFill>
+          <a:blip r:embed="rId2">
+            <a:extLst>
+              <a:ext uri="{28A0092B-C50C-407E-A947-70E740481C1C}">
+                <a14:useLocalDpi xmlns:a14="http://schemas.microsoft.com/office/drawing/2010/main" val="0"/>
+              </a:ext>
+            </a:extLst>
+          </a:blip>
+          <a:srcRect/>
+          <a:stretch>
+            <a:fillRect/>
+          </a:stretch>
+        </p:blipFill>
+        <p:spPr bwMode="auto">
+          <a:xfrm>
+            <a:off x="749265" y="1600200"/>
+            <a:ext cx="7645470" cy="4525963"/>
+          </a:xfrm>
+          <a:prstGeom prst="rect">
+            <a:avLst/>
+          </a:prstGeom>
+          <a:noFill/>
+          <a:ln>
+            <a:noFill/>
+          </a:ln>
+          <a:extLst>
+            <a:ext uri="{909E8E84-426E-40DD-AFC4-6F175D3DCCD1}">
+              <a14:hiddenFill xmlns:a14="http://schemas.microsoft.com/office/drawing/2010/main">
+                <a:solidFill>
+                  <a:schemeClr val="accent1"/>
+                </a:solidFill>
+              </a14:hiddenFill>
+            </a:ext>
+            <a:ext uri="{91240B29-F687-4F45-9708-019B960494DF}">
+              <a14:hiddenLine xmlns:a14="http://schemas.microsoft.com/office/drawing/2010/main" w="9525">
+                <a:solidFill>
+                  <a:schemeClr val="tx1"/>
+                </a:solidFill>
+                <a:miter lim="800000"/>
+                <a:headEnd/>
+                <a:tailEnd/>
+              </a14:hiddenLine>
+            </a:ext>
+          </a:extLst>
+        </p:spPr>
+      </p:pic>
     </p:spTree>
     <p:extLst>
       <p:ext uri="{BB962C8B-B14F-4D97-AF65-F5344CB8AC3E}">
@@ -6313,7 +6350,7 @@
         </p:blipFill>
         <p:spPr bwMode="auto">
           <a:xfrm>
-            <a:off x="1828800" y="2894165"/>
+            <a:off x="2057400" y="2895600"/>
             <a:ext cx="5562600" cy="3573603"/>
           </a:xfrm>
           <a:prstGeom prst="rect">
@@ -6931,7 +6968,7 @@
           <a:p>
             <a:r>
               <a:rPr lang="en-US" dirty="0" smtClean="0"/>
-              <a:t>Pre-processing</a:t>
+              <a:t>Data analysis</a:t>
             </a:r>
             <a:endParaRPr lang="en-US" dirty="0"/>
           </a:p>
@@ -7184,12 +7221,8 @@
           <a:lstStyle/>
           <a:p>
             <a:r>
-              <a:rPr lang="en-US" altLang="zh-CN" dirty="0"/>
-              <a:t>Pre-</a:t>
-            </a:r>
-            <a:r>
               <a:rPr lang="en-US" altLang="zh-CN" dirty="0" smtClean="0"/>
-              <a:t>processing (Cont.)</a:t>
+              <a:t>Data Pre-processing</a:t>
             </a:r>
             <a:endParaRPr lang="en-US" dirty="0"/>
           </a:p>
@@ -7557,11 +7590,7 @@
           <a:p>
             <a:r>
               <a:rPr lang="en-US" dirty="0" smtClean="0"/>
-              <a:t>Feature </a:t>
-            </a:r>
-            <a:r>
-              <a:rPr lang="en-US" dirty="0" smtClean="0"/>
-              <a:t>Rank</a:t>
+              <a:t>Feature Rank</a:t>
             </a:r>
           </a:p>
           <a:p>

--- a/doc/presentation/revenue-prediction.pptx
+++ b/doc/presentation/revenue-prediction.pptx
@@ -5,7 +5,7 @@
     <p:sldMasterId id="2147483648" r:id="rId1"/>
   </p:sldMasterIdLst>
   <p:notesMasterIdLst>
-    <p:notesMasterId r:id="rId20"/>
+    <p:notesMasterId r:id="rId21"/>
   </p:notesMasterIdLst>
   <p:sldIdLst>
     <p:sldId id="256" r:id="rId2"/>
@@ -20,12 +20,13 @@
     <p:sldId id="274" r:id="rId11"/>
     <p:sldId id="260" r:id="rId12"/>
     <p:sldId id="270" r:id="rId13"/>
-    <p:sldId id="263" r:id="rId14"/>
-    <p:sldId id="264" r:id="rId15"/>
-    <p:sldId id="265" r:id="rId16"/>
-    <p:sldId id="271" r:id="rId17"/>
-    <p:sldId id="272" r:id="rId18"/>
-    <p:sldId id="276" r:id="rId19"/>
+    <p:sldId id="277" r:id="rId14"/>
+    <p:sldId id="263" r:id="rId15"/>
+    <p:sldId id="264" r:id="rId16"/>
+    <p:sldId id="265" r:id="rId17"/>
+    <p:sldId id="271" r:id="rId18"/>
+    <p:sldId id="272" r:id="rId19"/>
+    <p:sldId id="276" r:id="rId20"/>
   </p:sldIdLst>
   <p:sldSz cx="9144000" cy="6858000" type="screen4x3"/>
   <p:notesSz cx="6858000" cy="9144000"/>
@@ -825,7 +826,7 @@
           <a:p>
             <a:fld id="{E0542D34-12F8-4BA5-8DE9-FE2BC539FB18}" type="slidenum">
               <a:rPr lang="en-US" smtClean="0"/>
-              <a:t>16</a:t>
+              <a:t>17</a:t>
             </a:fld>
             <a:endParaRPr lang="en-US"/>
           </a:p>
@@ -4376,15 +4377,43 @@
           </a:p>
         </p:txBody>
       </p:sp>
+      <p:sp>
+        <p:nvSpPr>
+          <p:cNvPr id="4" name="TextBox 3"/>
+          <p:cNvSpPr txBox="1"/>
+          <p:nvPr/>
+        </p:nvSpPr>
+        <p:spPr>
+          <a:xfrm>
+            <a:off x="2388093" y="5949091"/>
+            <a:ext cx="5410199" cy="369332"/>
+          </a:xfrm>
+          <a:prstGeom prst="rect">
+            <a:avLst/>
+          </a:prstGeom>
+          <a:noFill/>
+        </p:spPr>
+        <p:txBody>
+          <a:bodyPr wrap="square" rtlCol="0">
+            <a:spAutoFit/>
+          </a:bodyPr>
+          <a:lstStyle/>
+          <a:p>
+            <a:r>
+              <a:rPr lang="en-US" dirty="0" smtClean="0"/>
+              <a:t>Example of prediction results: Ensemble Approach</a:t>
+            </a:r>
+            <a:endParaRPr lang="en-US" dirty="0"/>
+          </a:p>
+        </p:txBody>
+      </p:sp>
       <p:pic>
         <p:nvPicPr>
-          <p:cNvPr id="1027" name="Picture 3"/>
+          <p:cNvPr id="1028" name="Picture 4"/>
           <p:cNvPicPr>
-            <a:picLocks noGrp="1" noChangeAspect="1" noChangeArrowheads="1"/>
+            <a:picLocks noChangeAspect="1" noChangeArrowheads="1"/>
           </p:cNvPicPr>
-          <p:nvPr>
-            <p:ph idx="1"/>
-          </p:nvPr>
+          <p:nvPr/>
         </p:nvPicPr>
         <p:blipFill>
           <a:blip r:embed="rId2">
@@ -4401,8 +4430,8 @@
         </p:blipFill>
         <p:spPr bwMode="auto">
           <a:xfrm>
-            <a:off x="749265" y="1600200"/>
-            <a:ext cx="7645470" cy="4525963"/>
+            <a:off x="762000" y="1512903"/>
+            <a:ext cx="8153400" cy="4343400"/>
           </a:xfrm>
           <a:prstGeom prst="rect">
             <a:avLst/>
@@ -4464,6 +4493,74 @@
       </p:grpSpPr>
       <p:sp>
         <p:nvSpPr>
+          <p:cNvPr id="2" name="Title 1"/>
+          <p:cNvSpPr>
+            <a:spLocks noGrp="1"/>
+          </p:cNvSpPr>
+          <p:nvPr>
+            <p:ph type="title"/>
+          </p:nvPr>
+        </p:nvSpPr>
+        <p:spPr/>
+        <p:txBody>
+          <a:bodyPr/>
+          <a:lstStyle/>
+          <a:p>
+            <a:endParaRPr lang="en-US"/>
+          </a:p>
+        </p:txBody>
+      </p:sp>
+      <p:sp>
+        <p:nvSpPr>
+          <p:cNvPr id="3" name="Content Placeholder 2"/>
+          <p:cNvSpPr>
+            <a:spLocks noGrp="1"/>
+          </p:cNvSpPr>
+          <p:nvPr>
+            <p:ph idx="1"/>
+          </p:nvPr>
+        </p:nvSpPr>
+        <p:spPr/>
+        <p:txBody>
+          <a:bodyPr/>
+          <a:lstStyle/>
+          <a:p>
+            <a:endParaRPr lang="en-US"/>
+          </a:p>
+        </p:txBody>
+      </p:sp>
+    </p:spTree>
+    <p:extLst>
+      <p:ext uri="{BB962C8B-B14F-4D97-AF65-F5344CB8AC3E}">
+        <p14:creationId xmlns:p14="http://schemas.microsoft.com/office/powerpoint/2010/main" val="1822590231"/>
+      </p:ext>
+    </p:extLst>
+  </p:cSld>
+  <p:clrMapOvr>
+    <a:masterClrMapping/>
+  </p:clrMapOvr>
+</p:sld>
+</file>
+
+<file path=ppt/slides/slide14.xml><?xml version="1.0" encoding="utf-8"?>
+<p:sld xmlns:a="http://schemas.openxmlformats.org/drawingml/2006/main" xmlns:r="http://schemas.openxmlformats.org/officeDocument/2006/relationships" xmlns:p="http://schemas.openxmlformats.org/presentationml/2006/main">
+  <p:cSld>
+    <p:spTree>
+      <p:nvGrpSpPr>
+        <p:cNvPr id="1" name=""/>
+        <p:cNvGrpSpPr/>
+        <p:nvPr/>
+      </p:nvGrpSpPr>
+      <p:grpSpPr>
+        <a:xfrm>
+          <a:off x="0" y="0"/>
+          <a:ext cx="0" cy="0"/>
+          <a:chOff x="0" y="0"/>
+          <a:chExt cx="0" cy="0"/>
+        </a:xfrm>
+      </p:grpSpPr>
+      <p:sp>
+        <p:nvSpPr>
           <p:cNvPr id="2" name="标题 1"/>
           <p:cNvSpPr>
             <a:spLocks noGrp="1"/>
@@ -4701,166 +4798,6 @@
     <p:extLst>
       <p:ext uri="{BB962C8B-B14F-4D97-AF65-F5344CB8AC3E}">
         <p14:creationId xmlns:p14="http://schemas.microsoft.com/office/powerpoint/2010/main" val="4262006165"/>
-      </p:ext>
-    </p:extLst>
-  </p:cSld>
-  <p:clrMapOvr>
-    <a:masterClrMapping/>
-  </p:clrMapOvr>
-  <p:timing>
-    <p:tnLst>
-      <p:par>
-        <p:cTn id="1" dur="indefinite" restart="never" nodeType="tmRoot"/>
-      </p:par>
-    </p:tnLst>
-  </p:timing>
-</p:sld>
-</file>
-
-<file path=ppt/slides/slide14.xml><?xml version="1.0" encoding="utf-8"?>
-<p:sld xmlns:a="http://schemas.openxmlformats.org/drawingml/2006/main" xmlns:r="http://schemas.openxmlformats.org/officeDocument/2006/relationships" xmlns:p="http://schemas.openxmlformats.org/presentationml/2006/main">
-  <p:cSld>
-    <p:spTree>
-      <p:nvGrpSpPr>
-        <p:cNvPr id="1" name=""/>
-        <p:cNvGrpSpPr/>
-        <p:nvPr/>
-      </p:nvGrpSpPr>
-      <p:grpSpPr>
-        <a:xfrm>
-          <a:off x="0" y="0"/>
-          <a:ext cx="0" cy="0"/>
-          <a:chOff x="0" y="0"/>
-          <a:chExt cx="0" cy="0"/>
-        </a:xfrm>
-      </p:grpSpPr>
-      <p:sp>
-        <p:nvSpPr>
-          <p:cNvPr id="2" name="标题 1"/>
-          <p:cNvSpPr>
-            <a:spLocks noGrp="1"/>
-          </p:cNvSpPr>
-          <p:nvPr>
-            <p:ph type="title"/>
-          </p:nvPr>
-        </p:nvSpPr>
-        <p:spPr/>
-        <p:txBody>
-          <a:bodyPr/>
-          <a:lstStyle/>
-          <a:p>
-            <a:r>
-              <a:rPr kumimoji="1" lang="en-US" altLang="zh-CN" dirty="0" smtClean="0"/>
-              <a:t>Results on Public Board</a:t>
-            </a:r>
-            <a:endParaRPr kumimoji="1" lang="zh-CN" altLang="en-US" dirty="0"/>
-          </a:p>
-        </p:txBody>
-      </p:sp>
-      <p:sp>
-        <p:nvSpPr>
-          <p:cNvPr id="3" name="内容占位符 2"/>
-          <p:cNvSpPr>
-            <a:spLocks noGrp="1"/>
-          </p:cNvSpPr>
-          <p:nvPr>
-            <p:ph idx="1"/>
-          </p:nvPr>
-        </p:nvSpPr>
-        <p:spPr/>
-        <p:txBody>
-          <a:bodyPr/>
-          <a:lstStyle/>
-          <a:p>
-            <a:r>
-              <a:rPr kumimoji="1" lang="en-US" altLang="zh-CN" dirty="0" smtClean="0"/>
-              <a:t>Rank 1xx / 22xx teams</a:t>
-            </a:r>
-            <a:endParaRPr kumimoji="1" lang="zh-CN" altLang="en-US" dirty="0"/>
-          </a:p>
-        </p:txBody>
-      </p:sp>
-      <p:pic>
-        <p:nvPicPr>
-          <p:cNvPr id="4" name="图片 3"/>
-          <p:cNvPicPr>
-            <a:picLocks noChangeAspect="1"/>
-          </p:cNvPicPr>
-          <p:nvPr/>
-        </p:nvPicPr>
-        <p:blipFill>
-          <a:blip r:embed="rId2">
-            <a:extLst>
-              <a:ext uri="{28A0092B-C50C-407E-A947-70E740481C1C}">
-                <a14:useLocalDpi xmlns:a14="http://schemas.microsoft.com/office/drawing/2010/main" val="0"/>
-              </a:ext>
-            </a:extLst>
-          </a:blip>
-          <a:stretch>
-            <a:fillRect/>
-          </a:stretch>
-        </p:blipFill>
-        <p:spPr>
-          <a:xfrm>
-            <a:off x="1295400" y="2057400"/>
-            <a:ext cx="6400800" cy="4800600"/>
-          </a:xfrm>
-          <a:prstGeom prst="rect">
-            <a:avLst/>
-          </a:prstGeom>
-        </p:spPr>
-      </p:pic>
-      <p:sp>
-        <p:nvSpPr>
-          <p:cNvPr id="5" name="线形标注 1 4"/>
-          <p:cNvSpPr/>
-          <p:nvPr/>
-        </p:nvSpPr>
-        <p:spPr>
-          <a:xfrm>
-            <a:off x="3048000" y="3962400"/>
-            <a:ext cx="1905000" cy="609600"/>
-          </a:xfrm>
-          <a:prstGeom prst="borderCallout1">
-            <a:avLst>
-              <a:gd name="adj1" fmla="val 18750"/>
-              <a:gd name="adj2" fmla="val -8333"/>
-              <a:gd name="adj3" fmla="val 280426"/>
-              <a:gd name="adj4" fmla="val -40374"/>
-            </a:avLst>
-          </a:prstGeom>
-        </p:spPr>
-        <p:style>
-          <a:lnRef idx="2">
-            <a:schemeClr val="accent2"/>
-          </a:lnRef>
-          <a:fillRef idx="1">
-            <a:schemeClr val="lt1"/>
-          </a:fillRef>
-          <a:effectRef idx="0">
-            <a:schemeClr val="accent2"/>
-          </a:effectRef>
-          <a:fontRef idx="minor">
-            <a:schemeClr val="dk1"/>
-          </a:fontRef>
-        </p:style>
-        <p:txBody>
-          <a:bodyPr rtlCol="0" anchor="ctr"/>
-          <a:lstStyle/>
-          <a:p>
-            <a:pPr algn="ctr"/>
-            <a:r>
-              <a:rPr kumimoji="1" lang="en-US" altLang="zh-CN" dirty="0" smtClean="0"/>
-              <a:t>We are here</a:t>
-            </a:r>
-            <a:endParaRPr kumimoji="1" lang="zh-CN" altLang="en-US" dirty="0"/>
-          </a:p>
-        </p:txBody>
-      </p:sp>
-    </p:spTree>
-    <p:extLst>
-      <p:ext uri="{BB962C8B-B14F-4D97-AF65-F5344CB8AC3E}">
-        <p14:creationId xmlns:p14="http://schemas.microsoft.com/office/powerpoint/2010/main" val="4030098551"/>
       </p:ext>
     </p:extLst>
   </p:cSld>
@@ -4911,6 +4848,166 @@
           <a:p>
             <a:r>
               <a:rPr kumimoji="1" lang="en-US" altLang="zh-CN" dirty="0" smtClean="0"/>
+              <a:t>Results on Public Board</a:t>
+            </a:r>
+            <a:endParaRPr kumimoji="1" lang="zh-CN" altLang="en-US" dirty="0"/>
+          </a:p>
+        </p:txBody>
+      </p:sp>
+      <p:sp>
+        <p:nvSpPr>
+          <p:cNvPr id="3" name="内容占位符 2"/>
+          <p:cNvSpPr>
+            <a:spLocks noGrp="1"/>
+          </p:cNvSpPr>
+          <p:nvPr>
+            <p:ph idx="1"/>
+          </p:nvPr>
+        </p:nvSpPr>
+        <p:spPr/>
+        <p:txBody>
+          <a:bodyPr/>
+          <a:lstStyle/>
+          <a:p>
+            <a:r>
+              <a:rPr kumimoji="1" lang="en-US" altLang="zh-CN" dirty="0" smtClean="0"/>
+              <a:t>Rank 1xx / 22xx teams</a:t>
+            </a:r>
+            <a:endParaRPr kumimoji="1" lang="zh-CN" altLang="en-US" dirty="0"/>
+          </a:p>
+        </p:txBody>
+      </p:sp>
+      <p:pic>
+        <p:nvPicPr>
+          <p:cNvPr id="4" name="图片 3"/>
+          <p:cNvPicPr>
+            <a:picLocks noChangeAspect="1"/>
+          </p:cNvPicPr>
+          <p:nvPr/>
+        </p:nvPicPr>
+        <p:blipFill>
+          <a:blip r:embed="rId2">
+            <a:extLst>
+              <a:ext uri="{28A0092B-C50C-407E-A947-70E740481C1C}">
+                <a14:useLocalDpi xmlns:a14="http://schemas.microsoft.com/office/drawing/2010/main" val="0"/>
+              </a:ext>
+            </a:extLst>
+          </a:blip>
+          <a:stretch>
+            <a:fillRect/>
+          </a:stretch>
+        </p:blipFill>
+        <p:spPr>
+          <a:xfrm>
+            <a:off x="1295400" y="2057400"/>
+            <a:ext cx="6400800" cy="4800600"/>
+          </a:xfrm>
+          <a:prstGeom prst="rect">
+            <a:avLst/>
+          </a:prstGeom>
+        </p:spPr>
+      </p:pic>
+      <p:sp>
+        <p:nvSpPr>
+          <p:cNvPr id="5" name="线形标注 1 4"/>
+          <p:cNvSpPr/>
+          <p:nvPr/>
+        </p:nvSpPr>
+        <p:spPr>
+          <a:xfrm>
+            <a:off x="3048000" y="3962400"/>
+            <a:ext cx="1905000" cy="609600"/>
+          </a:xfrm>
+          <a:prstGeom prst="borderCallout1">
+            <a:avLst>
+              <a:gd name="adj1" fmla="val 18750"/>
+              <a:gd name="adj2" fmla="val -8333"/>
+              <a:gd name="adj3" fmla="val 280426"/>
+              <a:gd name="adj4" fmla="val -40374"/>
+            </a:avLst>
+          </a:prstGeom>
+        </p:spPr>
+        <p:style>
+          <a:lnRef idx="2">
+            <a:schemeClr val="accent2"/>
+          </a:lnRef>
+          <a:fillRef idx="1">
+            <a:schemeClr val="lt1"/>
+          </a:fillRef>
+          <a:effectRef idx="0">
+            <a:schemeClr val="accent2"/>
+          </a:effectRef>
+          <a:fontRef idx="minor">
+            <a:schemeClr val="dk1"/>
+          </a:fontRef>
+        </p:style>
+        <p:txBody>
+          <a:bodyPr rtlCol="0" anchor="ctr"/>
+          <a:lstStyle/>
+          <a:p>
+            <a:pPr algn="ctr"/>
+            <a:r>
+              <a:rPr kumimoji="1" lang="en-US" altLang="zh-CN" dirty="0" smtClean="0"/>
+              <a:t>We are here</a:t>
+            </a:r>
+            <a:endParaRPr kumimoji="1" lang="zh-CN" altLang="en-US" dirty="0"/>
+          </a:p>
+        </p:txBody>
+      </p:sp>
+    </p:spTree>
+    <p:extLst>
+      <p:ext uri="{BB962C8B-B14F-4D97-AF65-F5344CB8AC3E}">
+        <p14:creationId xmlns:p14="http://schemas.microsoft.com/office/powerpoint/2010/main" val="4030098551"/>
+      </p:ext>
+    </p:extLst>
+  </p:cSld>
+  <p:clrMapOvr>
+    <a:masterClrMapping/>
+  </p:clrMapOvr>
+  <p:timing>
+    <p:tnLst>
+      <p:par>
+        <p:cTn id="1" dur="indefinite" restart="never" nodeType="tmRoot"/>
+      </p:par>
+    </p:tnLst>
+  </p:timing>
+</p:sld>
+</file>
+
+<file path=ppt/slides/slide16.xml><?xml version="1.0" encoding="utf-8"?>
+<p:sld xmlns:a="http://schemas.openxmlformats.org/drawingml/2006/main" xmlns:r="http://schemas.openxmlformats.org/officeDocument/2006/relationships" xmlns:p="http://schemas.openxmlformats.org/presentationml/2006/main">
+  <p:cSld>
+    <p:spTree>
+      <p:nvGrpSpPr>
+        <p:cNvPr id="1" name=""/>
+        <p:cNvGrpSpPr/>
+        <p:nvPr/>
+      </p:nvGrpSpPr>
+      <p:grpSpPr>
+        <a:xfrm>
+          <a:off x="0" y="0"/>
+          <a:ext cx="0" cy="0"/>
+          <a:chOff x="0" y="0"/>
+          <a:chExt cx="0" cy="0"/>
+        </a:xfrm>
+      </p:grpSpPr>
+      <p:sp>
+        <p:nvSpPr>
+          <p:cNvPr id="2" name="标题 1"/>
+          <p:cNvSpPr>
+            <a:spLocks noGrp="1"/>
+          </p:cNvSpPr>
+          <p:nvPr>
+            <p:ph type="title"/>
+          </p:nvPr>
+        </p:nvSpPr>
+        <p:spPr/>
+        <p:txBody>
+          <a:bodyPr/>
+          <a:lstStyle/>
+          <a:p>
+            <a:r>
+              <a:rPr kumimoji="1" lang="en-US" altLang="zh-CN" dirty="0" smtClean="0"/>
               <a:t>Conclusion</a:t>
             </a:r>
             <a:endParaRPr kumimoji="1" lang="zh-CN" altLang="en-US" dirty="0"/>
@@ -4953,7 +5050,7 @@
 </p:sld>
 </file>
 
-<file path=ppt/slides/slide16.xml><?xml version="1.0" encoding="utf-8"?>
+<file path=ppt/slides/slide17.xml><?xml version="1.0" encoding="utf-8"?>
 <p:sld xmlns:a="http://schemas.openxmlformats.org/drawingml/2006/main" xmlns:r="http://schemas.openxmlformats.org/officeDocument/2006/relationships" xmlns:p="http://schemas.openxmlformats.org/presentationml/2006/main">
   <p:cSld>
     <p:spTree>
@@ -5124,7 +5221,7 @@
 </p:sld>
 </file>
 
-<file path=ppt/slides/slide17.xml><?xml version="1.0" encoding="utf-8"?>
+<file path=ppt/slides/slide18.xml><?xml version="1.0" encoding="utf-8"?>
 <p:sld xmlns:a="http://schemas.openxmlformats.org/drawingml/2006/main" xmlns:r="http://schemas.openxmlformats.org/officeDocument/2006/relationships" xmlns:p="http://schemas.openxmlformats.org/presentationml/2006/main">
   <p:cSld>
     <p:spTree>
@@ -5737,7 +5834,7 @@
 </p:sld>
 </file>
 
-<file path=ppt/slides/slide18.xml><?xml version="1.0" encoding="utf-8"?>
+<file path=ppt/slides/slide19.xml><?xml version="1.0" encoding="utf-8"?>
 <p:sld xmlns:a="http://schemas.openxmlformats.org/drawingml/2006/main" xmlns:r="http://schemas.openxmlformats.org/officeDocument/2006/relationships" xmlns:p="http://schemas.openxmlformats.org/presentationml/2006/main">
   <p:cSld>
     <p:spTree>

--- a/doc/presentation/revenue-prediction.pptx
+++ b/doc/presentation/revenue-prediction.pptx
@@ -5,7 +5,7 @@
     <p:sldMasterId id="2147483648" r:id="rId1"/>
   </p:sldMasterIdLst>
   <p:notesMasterIdLst>
-    <p:notesMasterId r:id="rId21"/>
+    <p:notesMasterId r:id="rId22"/>
   </p:notesMasterIdLst>
   <p:sldIdLst>
     <p:sldId id="256" r:id="rId2"/>
@@ -27,6 +27,7 @@
     <p:sldId id="271" r:id="rId18"/>
     <p:sldId id="272" r:id="rId19"/>
     <p:sldId id="276" r:id="rId20"/>
+    <p:sldId id="278" r:id="rId21"/>
   </p:sldIdLst>
   <p:sldSz cx="9144000" cy="6858000" type="screen4x3"/>
   <p:notesSz cx="6858000" cy="9144000"/>
@@ -6150,6 +6151,115 @@
       </p:par>
     </p:tnLst>
   </p:timing>
+</p:sld>
+</file>
+
+<file path=ppt/slides/slide20.xml><?xml version="1.0" encoding="utf-8"?>
+<p:sld xmlns:a="http://schemas.openxmlformats.org/drawingml/2006/main" xmlns:r="http://schemas.openxmlformats.org/officeDocument/2006/relationships" xmlns:p="http://schemas.openxmlformats.org/presentationml/2006/main">
+  <p:cSld>
+    <p:spTree>
+      <p:nvGrpSpPr>
+        <p:cNvPr id="1" name=""/>
+        <p:cNvGrpSpPr/>
+        <p:nvPr/>
+      </p:nvGrpSpPr>
+      <p:grpSpPr>
+        <a:xfrm>
+          <a:off x="0" y="0"/>
+          <a:ext cx="0" cy="0"/>
+          <a:chOff x="0" y="0"/>
+          <a:chExt cx="0" cy="0"/>
+        </a:xfrm>
+      </p:grpSpPr>
+      <p:sp>
+        <p:nvSpPr>
+          <p:cNvPr id="2" name="Title 1"/>
+          <p:cNvSpPr>
+            <a:spLocks noGrp="1"/>
+          </p:cNvSpPr>
+          <p:nvPr>
+            <p:ph type="title"/>
+          </p:nvPr>
+        </p:nvSpPr>
+        <p:spPr/>
+        <p:txBody>
+          <a:bodyPr/>
+          <a:lstStyle/>
+          <a:p>
+            <a:r>
+              <a:rPr lang="en-US" dirty="0" smtClean="0"/>
+              <a:t>PCA-test</a:t>
+            </a:r>
+            <a:endParaRPr lang="en-US" dirty="0"/>
+          </a:p>
+        </p:txBody>
+      </p:sp>
+      <p:pic>
+        <p:nvPicPr>
+          <p:cNvPr id="2050" name="Picture 2"/>
+          <p:cNvPicPr>
+            <a:picLocks noGrp="1" noChangeAspect="1" noChangeArrowheads="1"/>
+          </p:cNvPicPr>
+          <p:nvPr>
+            <p:ph idx="1"/>
+          </p:nvPr>
+        </p:nvPicPr>
+        <p:blipFill>
+          <a:blip r:embed="rId2">
+            <a:extLst>
+              <a:ext uri="{28A0092B-C50C-407E-A947-70E740481C1C}">
+                <a14:useLocalDpi xmlns:a14="http://schemas.microsoft.com/office/drawing/2010/main" val="0"/>
+              </a:ext>
+            </a:extLst>
+          </a:blip>
+          <a:srcRect/>
+          <a:stretch>
+            <a:fillRect/>
+          </a:stretch>
+        </p:blipFill>
+        <p:spPr bwMode="auto">
+          <a:xfrm>
+            <a:off x="2237950" y="1600200"/>
+            <a:ext cx="4668100" cy="4525963"/>
+          </a:xfrm>
+          <a:prstGeom prst="rect">
+            <a:avLst/>
+          </a:prstGeom>
+          <a:noFill/>
+          <a:ln>
+            <a:noFill/>
+          </a:ln>
+          <a:extLst>
+            <a:ext uri="{909E8E84-426E-40DD-AFC4-6F175D3DCCD1}">
+              <a14:hiddenFill xmlns:a14="http://schemas.microsoft.com/office/drawing/2010/main">
+                <a:solidFill>
+                  <a:schemeClr val="accent1"/>
+                </a:solidFill>
+              </a14:hiddenFill>
+            </a:ext>
+            <a:ext uri="{91240B29-F687-4F45-9708-019B960494DF}">
+              <a14:hiddenLine xmlns:a14="http://schemas.microsoft.com/office/drawing/2010/main" w="9525">
+                <a:solidFill>
+                  <a:schemeClr val="tx1"/>
+                </a:solidFill>
+                <a:miter lim="800000"/>
+                <a:headEnd/>
+                <a:tailEnd/>
+              </a14:hiddenLine>
+            </a:ext>
+          </a:extLst>
+        </p:spPr>
+      </p:pic>
+    </p:spTree>
+    <p:extLst>
+      <p:ext uri="{BB962C8B-B14F-4D97-AF65-F5344CB8AC3E}">
+        <p14:creationId xmlns:p14="http://schemas.microsoft.com/office/powerpoint/2010/main" val="228644201"/>
+      </p:ext>
+    </p:extLst>
+  </p:cSld>
+  <p:clrMapOvr>
+    <a:masterClrMapping/>
+  </p:clrMapOvr>
 </p:sld>
 </file>
 
@@ -7814,40 +7924,342 @@
         </p:nvSpPr>
         <p:spPr/>
         <p:txBody>
+          <a:bodyPr>
+            <a:normAutofit fontScale="90000"/>
+          </a:bodyPr>
+          <a:lstStyle/>
+          <a:p>
+            <a:r>
+              <a:rPr kumimoji="1" lang="en-US" altLang="zh-CN" dirty="0" smtClean="0"/>
+              <a:t/>
+            </a:r>
+            <a:br>
+              <a:rPr kumimoji="1" lang="en-US" altLang="zh-CN" dirty="0" smtClean="0"/>
+            </a:br>
+            <a:r>
+              <a:rPr kumimoji="1" lang="en-US" altLang="zh-CN" dirty="0" smtClean="0"/>
+              <a:t>Exploring </a:t>
+            </a:r>
+            <a:r>
+              <a:rPr kumimoji="1" lang="en-US" altLang="zh-CN" dirty="0"/>
+              <a:t>the </a:t>
+            </a:r>
+            <a:r>
+              <a:rPr kumimoji="1" lang="en-US" altLang="zh-CN" dirty="0" smtClean="0"/>
+              <a:t>Data-</a:t>
+            </a:r>
+            <a:r>
+              <a:rPr lang="en-US" dirty="0"/>
+              <a:t>PCA</a:t>
+            </a:r>
+            <a:br>
+              <a:rPr lang="en-US" dirty="0"/>
+            </a:br>
+            <a:endParaRPr lang="en-US" dirty="0"/>
+          </a:p>
+        </p:txBody>
+      </p:sp>
+      <p:sp>
+        <p:nvSpPr>
+          <p:cNvPr id="3" name="Content Placeholder 2"/>
+          <p:cNvSpPr>
+            <a:spLocks noGrp="1"/>
+          </p:cNvSpPr>
+          <p:nvPr>
+            <p:ph idx="1"/>
+          </p:nvPr>
+        </p:nvSpPr>
+        <p:spPr/>
+        <p:txBody>
           <a:bodyPr/>
           <a:lstStyle/>
           <a:p>
-            <a:r>
-              <a:rPr kumimoji="1" lang="en-US" altLang="zh-CN" dirty="0"/>
-              <a:t>Exploring the Data</a:t>
-            </a:r>
             <a:endParaRPr lang="en-US" dirty="0"/>
           </a:p>
         </p:txBody>
       </p:sp>
-      <p:sp>
-        <p:nvSpPr>
-          <p:cNvPr id="3" name="Content Placeholder 2"/>
-          <p:cNvSpPr>
-            <a:spLocks noGrp="1"/>
-          </p:cNvSpPr>
-          <p:nvPr>
-            <p:ph idx="1"/>
-          </p:nvPr>
-        </p:nvSpPr>
-        <p:spPr/>
-        <p:txBody>
-          <a:bodyPr/>
+      <p:pic>
+        <p:nvPicPr>
+          <p:cNvPr id="1026" name="Picture 2"/>
+          <p:cNvPicPr>
+            <a:picLocks noChangeAspect="1" noChangeArrowheads="1"/>
+          </p:cNvPicPr>
+          <p:nvPr/>
+        </p:nvPicPr>
+        <p:blipFill>
+          <a:blip r:embed="rId2">
+            <a:extLst>
+              <a:ext uri="{28A0092B-C50C-407E-A947-70E740481C1C}">
+                <a14:useLocalDpi xmlns:a14="http://schemas.microsoft.com/office/drawing/2010/main" val="0"/>
+              </a:ext>
+            </a:extLst>
+          </a:blip>
+          <a:srcRect/>
+          <a:stretch>
+            <a:fillRect/>
+          </a:stretch>
+        </p:blipFill>
+        <p:spPr bwMode="auto">
+          <a:xfrm>
+            <a:off x="304800" y="1524000"/>
+            <a:ext cx="4953000" cy="2705100"/>
+          </a:xfrm>
+          <a:prstGeom prst="rect">
+            <a:avLst/>
+          </a:prstGeom>
+          <a:noFill/>
+          <a:ln>
+            <a:noFill/>
+          </a:ln>
+          <a:extLst>
+            <a:ext uri="{909E8E84-426E-40DD-AFC4-6F175D3DCCD1}">
+              <a14:hiddenFill xmlns:a14="http://schemas.microsoft.com/office/drawing/2010/main">
+                <a:solidFill>
+                  <a:schemeClr val="accent1"/>
+                </a:solidFill>
+              </a14:hiddenFill>
+            </a:ext>
+            <a:ext uri="{91240B29-F687-4F45-9708-019B960494DF}">
+              <a14:hiddenLine xmlns:a14="http://schemas.microsoft.com/office/drawing/2010/main" w="9525">
+                <a:solidFill>
+                  <a:schemeClr val="tx1"/>
+                </a:solidFill>
+                <a:miter lim="800000"/>
+                <a:headEnd/>
+                <a:tailEnd/>
+              </a14:hiddenLine>
+            </a:ext>
+          </a:extLst>
+        </p:spPr>
+      </p:pic>
+      <p:pic>
+        <p:nvPicPr>
+          <p:cNvPr id="1027" name="Picture 3"/>
+          <p:cNvPicPr>
+            <a:picLocks noChangeAspect="1" noChangeArrowheads="1"/>
+          </p:cNvPicPr>
+          <p:nvPr/>
+        </p:nvPicPr>
+        <p:blipFill>
+          <a:blip r:embed="rId3">
+            <a:extLst>
+              <a:ext uri="{28A0092B-C50C-407E-A947-70E740481C1C}">
+                <a14:useLocalDpi xmlns:a14="http://schemas.microsoft.com/office/drawing/2010/main" val="0"/>
+              </a:ext>
+            </a:extLst>
+          </a:blip>
+          <a:srcRect/>
+          <a:stretch>
+            <a:fillRect/>
+          </a:stretch>
+        </p:blipFill>
+        <p:spPr bwMode="auto">
+          <a:xfrm>
+            <a:off x="4465250" y="1555376"/>
+            <a:ext cx="4649143" cy="4486275"/>
+          </a:xfrm>
+          <a:prstGeom prst="rect">
+            <a:avLst/>
+          </a:prstGeom>
+          <a:noFill/>
+          <a:ln>
+            <a:noFill/>
+          </a:ln>
+          <a:extLst>
+            <a:ext uri="{909E8E84-426E-40DD-AFC4-6F175D3DCCD1}">
+              <a14:hiddenFill xmlns:a14="http://schemas.microsoft.com/office/drawing/2010/main">
+                <a:solidFill>
+                  <a:schemeClr val="accent1"/>
+                </a:solidFill>
+              </a14:hiddenFill>
+            </a:ext>
+            <a:ext uri="{91240B29-F687-4F45-9708-019B960494DF}">
+              <a14:hiddenLine xmlns:a14="http://schemas.microsoft.com/office/drawing/2010/main" w="9525">
+                <a:solidFill>
+                  <a:schemeClr val="tx1"/>
+                </a:solidFill>
+                <a:miter lim="800000"/>
+                <a:headEnd/>
+                <a:tailEnd/>
+              </a14:hiddenLine>
+            </a:ext>
+          </a:extLst>
+        </p:spPr>
+      </p:pic>
+      <p:sp>
+        <p:nvSpPr>
+          <p:cNvPr id="4" name="TextBox 3"/>
+          <p:cNvSpPr txBox="1"/>
+          <p:nvPr/>
+        </p:nvSpPr>
+        <p:spPr>
+          <a:xfrm>
+            <a:off x="609600" y="4495800"/>
+            <a:ext cx="2683876" cy="646331"/>
+          </a:xfrm>
+          <a:prstGeom prst="rect">
+            <a:avLst/>
+          </a:prstGeom>
+          <a:solidFill>
+            <a:schemeClr val="accent6">
+              <a:lumMod val="20000"/>
+              <a:lumOff val="80000"/>
+            </a:schemeClr>
+          </a:solidFill>
+          <a:ln w="19050">
+            <a:solidFill>
+              <a:schemeClr val="accent6">
+                <a:lumMod val="50000"/>
+              </a:schemeClr>
+            </a:solidFill>
+          </a:ln>
+        </p:spPr>
+        <p:txBody>
+          <a:bodyPr wrap="none" rtlCol="0">
+            <a:spAutoFit/>
+          </a:bodyPr>
           <a:lstStyle/>
           <a:p>
             <a:r>
               <a:rPr lang="en-US" dirty="0" smtClean="0"/>
-              <a:t>PCA</a:t>
+              <a:t>PCA of training set: </a:t>
+            </a:r>
+          </a:p>
+          <a:p>
+            <a:r>
+              <a:rPr lang="en-US" dirty="0" smtClean="0"/>
+              <a:t>15 features, 95% variances</a:t>
             </a:r>
             <a:endParaRPr lang="en-US" dirty="0"/>
           </a:p>
         </p:txBody>
       </p:sp>
+      <p:sp>
+        <p:nvSpPr>
+          <p:cNvPr id="8" name="TextBox 7"/>
+          <p:cNvSpPr txBox="1"/>
+          <p:nvPr/>
+        </p:nvSpPr>
+        <p:spPr>
+          <a:xfrm>
+            <a:off x="609600" y="5335745"/>
+            <a:ext cx="3126369" cy="646331"/>
+          </a:xfrm>
+          <a:prstGeom prst="rect">
+            <a:avLst/>
+          </a:prstGeom>
+          <a:solidFill>
+            <a:schemeClr val="accent6">
+              <a:lumMod val="20000"/>
+              <a:lumOff val="80000"/>
+            </a:schemeClr>
+          </a:solidFill>
+          <a:ln>
+            <a:solidFill>
+              <a:schemeClr val="accent6">
+                <a:lumMod val="50000"/>
+              </a:schemeClr>
+            </a:solidFill>
+          </a:ln>
+        </p:spPr>
+        <p:txBody>
+          <a:bodyPr wrap="none" rtlCol="0">
+            <a:spAutoFit/>
+          </a:bodyPr>
+          <a:lstStyle/>
+          <a:p>
+            <a:r>
+              <a:rPr lang="en-US" dirty="0" smtClean="0"/>
+              <a:t>PCA of training and testing set: </a:t>
+            </a:r>
+          </a:p>
+          <a:p>
+            <a:r>
+              <a:rPr lang="en-US" dirty="0" smtClean="0"/>
+              <a:t>35 features, 95% variances</a:t>
+            </a:r>
+            <a:endParaRPr lang="en-US" dirty="0"/>
+          </a:p>
+        </p:txBody>
+      </p:sp>
+      <p:cxnSp>
+        <p:nvCxnSpPr>
+          <p:cNvPr id="6" name="Straight Arrow Connector 5"/>
+          <p:cNvCxnSpPr/>
+          <p:nvPr/>
+        </p:nvCxnSpPr>
+        <p:spPr>
+          <a:xfrm flipV="1">
+            <a:off x="2057400" y="4234703"/>
+            <a:ext cx="0" cy="266700"/>
+          </a:xfrm>
+          <a:prstGeom prst="straightConnector1">
+            <a:avLst/>
+          </a:prstGeom>
+          <a:ln w="28575">
+            <a:solidFill>
+              <a:schemeClr val="accent6">
+                <a:lumMod val="50000"/>
+              </a:schemeClr>
+            </a:solidFill>
+            <a:tailEnd type="arrow"/>
+          </a:ln>
+        </p:spPr>
+        <p:style>
+          <a:lnRef idx="1">
+            <a:schemeClr val="accent1"/>
+          </a:lnRef>
+          <a:fillRef idx="0">
+            <a:schemeClr val="accent1"/>
+          </a:fillRef>
+          <a:effectRef idx="0">
+            <a:schemeClr val="accent1"/>
+          </a:effectRef>
+          <a:fontRef idx="minor">
+            <a:schemeClr val="tx1"/>
+          </a:fontRef>
+        </p:style>
+      </p:cxnSp>
+      <p:cxnSp>
+        <p:nvCxnSpPr>
+          <p:cNvPr id="13" name="Straight Arrow Connector 12"/>
+          <p:cNvCxnSpPr>
+            <a:stCxn id="8" idx="3"/>
+          </p:cNvCxnSpPr>
+          <p:nvPr/>
+        </p:nvCxnSpPr>
+        <p:spPr>
+          <a:xfrm flipV="1">
+            <a:off x="3735969" y="5658910"/>
+            <a:ext cx="729281" cy="1"/>
+          </a:xfrm>
+          <a:prstGeom prst="straightConnector1">
+            <a:avLst/>
+          </a:prstGeom>
+          <a:ln w="28575">
+            <a:solidFill>
+              <a:schemeClr val="accent6">
+                <a:lumMod val="50000"/>
+              </a:schemeClr>
+            </a:solidFill>
+            <a:tailEnd type="arrow"/>
+          </a:ln>
+        </p:spPr>
+        <p:style>
+          <a:lnRef idx="1">
+            <a:schemeClr val="accent1"/>
+          </a:lnRef>
+          <a:fillRef idx="0">
+            <a:schemeClr val="accent1"/>
+          </a:fillRef>
+          <a:effectRef idx="0">
+            <a:schemeClr val="accent1"/>
+          </a:effectRef>
+          <a:fontRef idx="minor">
+            <a:schemeClr val="tx1"/>
+          </a:fontRef>
+        </p:style>
+      </p:cxnSp>
     </p:spTree>
     <p:extLst>
       <p:ext uri="{BB962C8B-B14F-4D97-AF65-F5344CB8AC3E}">

--- a/doc/presentation/revenue-prediction.pptx
+++ b/doc/presentation/revenue-prediction.pptx
@@ -5,7 +5,7 @@
     <p:sldMasterId id="2147483648" r:id="rId1"/>
   </p:sldMasterIdLst>
   <p:notesMasterIdLst>
-    <p:notesMasterId r:id="rId22"/>
+    <p:notesMasterId r:id="rId21"/>
   </p:notesMasterIdLst>
   <p:sldIdLst>
     <p:sldId id="256" r:id="rId2"/>
@@ -20,14 +20,13 @@
     <p:sldId id="274" r:id="rId11"/>
     <p:sldId id="260" r:id="rId12"/>
     <p:sldId id="270" r:id="rId13"/>
-    <p:sldId id="277" r:id="rId14"/>
-    <p:sldId id="263" r:id="rId15"/>
-    <p:sldId id="264" r:id="rId16"/>
-    <p:sldId id="265" r:id="rId17"/>
-    <p:sldId id="271" r:id="rId18"/>
-    <p:sldId id="272" r:id="rId19"/>
-    <p:sldId id="276" r:id="rId20"/>
-    <p:sldId id="278" r:id="rId21"/>
+    <p:sldId id="263" r:id="rId14"/>
+    <p:sldId id="264" r:id="rId15"/>
+    <p:sldId id="265" r:id="rId16"/>
+    <p:sldId id="271" r:id="rId17"/>
+    <p:sldId id="272" r:id="rId18"/>
+    <p:sldId id="276" r:id="rId19"/>
+    <p:sldId id="278" r:id="rId20"/>
   </p:sldIdLst>
   <p:sldSz cx="9144000" cy="6858000" type="screen4x3"/>
   <p:notesSz cx="6858000" cy="9144000"/>
@@ -827,7 +826,7 @@
           <a:p>
             <a:fld id="{E0542D34-12F8-4BA5-8DE9-FE2BC539FB18}" type="slidenum">
               <a:rPr lang="en-US" smtClean="0"/>
-              <a:t>17</a:t>
+              <a:t>16</a:t>
             </a:fld>
             <a:endParaRPr lang="en-US"/>
           </a:p>
@@ -4386,8 +4385,8 @@
         </p:nvSpPr>
         <p:spPr>
           <a:xfrm>
-            <a:off x="2388093" y="5949091"/>
-            <a:ext cx="5410199" cy="369332"/>
+            <a:off x="76200" y="5949091"/>
+            <a:ext cx="8915400" cy="369332"/>
           </a:xfrm>
           <a:prstGeom prst="rect">
             <a:avLst/>
@@ -4400,6 +4399,7 @@
           </a:bodyPr>
           <a:lstStyle/>
           <a:p>
+            <a:pPr algn="ctr"/>
             <a:r>
               <a:rPr lang="en-US" dirty="0" smtClean="0"/>
               <a:t>Example of prediction results: Ensemble Approach</a:t>
@@ -4410,13 +4410,13 @@
       </p:sp>
       <p:pic>
         <p:nvPicPr>
-          <p:cNvPr id="1028" name="Picture 4"/>
+          <p:cNvPr id="1026" name="Picture 2"/>
           <p:cNvPicPr>
             <a:picLocks noChangeAspect="1" noChangeArrowheads="1"/>
           </p:cNvPicPr>
           <p:nvPr/>
         </p:nvPicPr>
-        <p:blipFill>
+        <p:blipFill rotWithShape="1">
           <a:blip r:embed="rId2">
             <a:extLst>
               <a:ext uri="{28A0092B-C50C-407E-A947-70E740481C1C}">
@@ -4424,15 +4424,13 @@
               </a:ext>
             </a:extLst>
           </a:blip>
-          <a:srcRect/>
-          <a:stretch>
-            <a:fillRect/>
-          </a:stretch>
+          <a:srcRect b="10233"/>
+          <a:stretch/>
         </p:blipFill>
         <p:spPr bwMode="auto">
           <a:xfrm>
-            <a:off x="762000" y="1512903"/>
-            <a:ext cx="8153400" cy="4343400"/>
+            <a:off x="990600" y="1397891"/>
+            <a:ext cx="7162800" cy="4416983"/>
           </a:xfrm>
           <a:prstGeom prst="rect">
             <a:avLst/>
@@ -4494,74 +4492,6 @@
       </p:grpSpPr>
       <p:sp>
         <p:nvSpPr>
-          <p:cNvPr id="2" name="Title 1"/>
-          <p:cNvSpPr>
-            <a:spLocks noGrp="1"/>
-          </p:cNvSpPr>
-          <p:nvPr>
-            <p:ph type="title"/>
-          </p:nvPr>
-        </p:nvSpPr>
-        <p:spPr/>
-        <p:txBody>
-          <a:bodyPr/>
-          <a:lstStyle/>
-          <a:p>
-            <a:endParaRPr lang="en-US"/>
-          </a:p>
-        </p:txBody>
-      </p:sp>
-      <p:sp>
-        <p:nvSpPr>
-          <p:cNvPr id="3" name="Content Placeholder 2"/>
-          <p:cNvSpPr>
-            <a:spLocks noGrp="1"/>
-          </p:cNvSpPr>
-          <p:nvPr>
-            <p:ph idx="1"/>
-          </p:nvPr>
-        </p:nvSpPr>
-        <p:spPr/>
-        <p:txBody>
-          <a:bodyPr/>
-          <a:lstStyle/>
-          <a:p>
-            <a:endParaRPr lang="en-US"/>
-          </a:p>
-        </p:txBody>
-      </p:sp>
-    </p:spTree>
-    <p:extLst>
-      <p:ext uri="{BB962C8B-B14F-4D97-AF65-F5344CB8AC3E}">
-        <p14:creationId xmlns:p14="http://schemas.microsoft.com/office/powerpoint/2010/main" val="1822590231"/>
-      </p:ext>
-    </p:extLst>
-  </p:cSld>
-  <p:clrMapOvr>
-    <a:masterClrMapping/>
-  </p:clrMapOvr>
-</p:sld>
-</file>
-
-<file path=ppt/slides/slide14.xml><?xml version="1.0" encoding="utf-8"?>
-<p:sld xmlns:a="http://schemas.openxmlformats.org/drawingml/2006/main" xmlns:r="http://schemas.openxmlformats.org/officeDocument/2006/relationships" xmlns:p="http://schemas.openxmlformats.org/presentationml/2006/main">
-  <p:cSld>
-    <p:spTree>
-      <p:nvGrpSpPr>
-        <p:cNvPr id="1" name=""/>
-        <p:cNvGrpSpPr/>
-        <p:nvPr/>
-      </p:nvGrpSpPr>
-      <p:grpSpPr>
-        <a:xfrm>
-          <a:off x="0" y="0"/>
-          <a:ext cx="0" cy="0"/>
-          <a:chOff x="0" y="0"/>
-          <a:chExt cx="0" cy="0"/>
-        </a:xfrm>
-      </p:grpSpPr>
-      <p:sp>
-        <p:nvSpPr>
           <p:cNvPr id="2" name="标题 1"/>
           <p:cNvSpPr>
             <a:spLocks noGrp="1"/>
@@ -4799,6 +4729,166 @@
     <p:extLst>
       <p:ext uri="{BB962C8B-B14F-4D97-AF65-F5344CB8AC3E}">
         <p14:creationId xmlns:p14="http://schemas.microsoft.com/office/powerpoint/2010/main" val="4262006165"/>
+      </p:ext>
+    </p:extLst>
+  </p:cSld>
+  <p:clrMapOvr>
+    <a:masterClrMapping/>
+  </p:clrMapOvr>
+  <p:timing>
+    <p:tnLst>
+      <p:par>
+        <p:cTn id="1" dur="indefinite" restart="never" nodeType="tmRoot"/>
+      </p:par>
+    </p:tnLst>
+  </p:timing>
+</p:sld>
+</file>
+
+<file path=ppt/slides/slide14.xml><?xml version="1.0" encoding="utf-8"?>
+<p:sld xmlns:a="http://schemas.openxmlformats.org/drawingml/2006/main" xmlns:r="http://schemas.openxmlformats.org/officeDocument/2006/relationships" xmlns:p="http://schemas.openxmlformats.org/presentationml/2006/main">
+  <p:cSld>
+    <p:spTree>
+      <p:nvGrpSpPr>
+        <p:cNvPr id="1" name=""/>
+        <p:cNvGrpSpPr/>
+        <p:nvPr/>
+      </p:nvGrpSpPr>
+      <p:grpSpPr>
+        <a:xfrm>
+          <a:off x="0" y="0"/>
+          <a:ext cx="0" cy="0"/>
+          <a:chOff x="0" y="0"/>
+          <a:chExt cx="0" cy="0"/>
+        </a:xfrm>
+      </p:grpSpPr>
+      <p:sp>
+        <p:nvSpPr>
+          <p:cNvPr id="2" name="标题 1"/>
+          <p:cNvSpPr>
+            <a:spLocks noGrp="1"/>
+          </p:cNvSpPr>
+          <p:nvPr>
+            <p:ph type="title"/>
+          </p:nvPr>
+        </p:nvSpPr>
+        <p:spPr/>
+        <p:txBody>
+          <a:bodyPr/>
+          <a:lstStyle/>
+          <a:p>
+            <a:r>
+              <a:rPr kumimoji="1" lang="en-US" altLang="zh-CN" dirty="0" smtClean="0"/>
+              <a:t>Results on Public Board</a:t>
+            </a:r>
+            <a:endParaRPr kumimoji="1" lang="zh-CN" altLang="en-US" dirty="0"/>
+          </a:p>
+        </p:txBody>
+      </p:sp>
+      <p:sp>
+        <p:nvSpPr>
+          <p:cNvPr id="3" name="内容占位符 2"/>
+          <p:cNvSpPr>
+            <a:spLocks noGrp="1"/>
+          </p:cNvSpPr>
+          <p:nvPr>
+            <p:ph idx="1"/>
+          </p:nvPr>
+        </p:nvSpPr>
+        <p:spPr/>
+        <p:txBody>
+          <a:bodyPr/>
+          <a:lstStyle/>
+          <a:p>
+            <a:r>
+              <a:rPr kumimoji="1" lang="en-US" altLang="zh-CN" dirty="0" smtClean="0"/>
+              <a:t>Rank 1xx / 22xx teams</a:t>
+            </a:r>
+            <a:endParaRPr kumimoji="1" lang="zh-CN" altLang="en-US" dirty="0"/>
+          </a:p>
+        </p:txBody>
+      </p:sp>
+      <p:pic>
+        <p:nvPicPr>
+          <p:cNvPr id="4" name="图片 3"/>
+          <p:cNvPicPr>
+            <a:picLocks noChangeAspect="1"/>
+          </p:cNvPicPr>
+          <p:nvPr/>
+        </p:nvPicPr>
+        <p:blipFill>
+          <a:blip r:embed="rId2">
+            <a:extLst>
+              <a:ext uri="{28A0092B-C50C-407E-A947-70E740481C1C}">
+                <a14:useLocalDpi xmlns:a14="http://schemas.microsoft.com/office/drawing/2010/main" val="0"/>
+              </a:ext>
+            </a:extLst>
+          </a:blip>
+          <a:stretch>
+            <a:fillRect/>
+          </a:stretch>
+        </p:blipFill>
+        <p:spPr>
+          <a:xfrm>
+            <a:off x="1295400" y="2057400"/>
+            <a:ext cx="6400800" cy="4800600"/>
+          </a:xfrm>
+          <a:prstGeom prst="rect">
+            <a:avLst/>
+          </a:prstGeom>
+        </p:spPr>
+      </p:pic>
+      <p:sp>
+        <p:nvSpPr>
+          <p:cNvPr id="5" name="线形标注 1 4"/>
+          <p:cNvSpPr/>
+          <p:nvPr/>
+        </p:nvSpPr>
+        <p:spPr>
+          <a:xfrm>
+            <a:off x="3048000" y="3962400"/>
+            <a:ext cx="1905000" cy="609600"/>
+          </a:xfrm>
+          <a:prstGeom prst="borderCallout1">
+            <a:avLst>
+              <a:gd name="adj1" fmla="val 18750"/>
+              <a:gd name="adj2" fmla="val -8333"/>
+              <a:gd name="adj3" fmla="val 280426"/>
+              <a:gd name="adj4" fmla="val -40374"/>
+            </a:avLst>
+          </a:prstGeom>
+        </p:spPr>
+        <p:style>
+          <a:lnRef idx="2">
+            <a:schemeClr val="accent2"/>
+          </a:lnRef>
+          <a:fillRef idx="1">
+            <a:schemeClr val="lt1"/>
+          </a:fillRef>
+          <a:effectRef idx="0">
+            <a:schemeClr val="accent2"/>
+          </a:effectRef>
+          <a:fontRef idx="minor">
+            <a:schemeClr val="dk1"/>
+          </a:fontRef>
+        </p:style>
+        <p:txBody>
+          <a:bodyPr rtlCol="0" anchor="ctr"/>
+          <a:lstStyle/>
+          <a:p>
+            <a:pPr algn="ctr"/>
+            <a:r>
+              <a:rPr kumimoji="1" lang="en-US" altLang="zh-CN" dirty="0" smtClean="0"/>
+              <a:t>We are here</a:t>
+            </a:r>
+            <a:endParaRPr kumimoji="1" lang="zh-CN" altLang="en-US" dirty="0"/>
+          </a:p>
+        </p:txBody>
+      </p:sp>
+    </p:spTree>
+    <p:extLst>
+      <p:ext uri="{BB962C8B-B14F-4D97-AF65-F5344CB8AC3E}">
+        <p14:creationId xmlns:p14="http://schemas.microsoft.com/office/powerpoint/2010/main" val="4030098551"/>
       </p:ext>
     </p:extLst>
   </p:cSld>
@@ -4849,166 +4939,6 @@
           <a:p>
             <a:r>
               <a:rPr kumimoji="1" lang="en-US" altLang="zh-CN" dirty="0" smtClean="0"/>
-              <a:t>Results on Public Board</a:t>
-            </a:r>
-            <a:endParaRPr kumimoji="1" lang="zh-CN" altLang="en-US" dirty="0"/>
-          </a:p>
-        </p:txBody>
-      </p:sp>
-      <p:sp>
-        <p:nvSpPr>
-          <p:cNvPr id="3" name="内容占位符 2"/>
-          <p:cNvSpPr>
-            <a:spLocks noGrp="1"/>
-          </p:cNvSpPr>
-          <p:nvPr>
-            <p:ph idx="1"/>
-          </p:nvPr>
-        </p:nvSpPr>
-        <p:spPr/>
-        <p:txBody>
-          <a:bodyPr/>
-          <a:lstStyle/>
-          <a:p>
-            <a:r>
-              <a:rPr kumimoji="1" lang="en-US" altLang="zh-CN" dirty="0" smtClean="0"/>
-              <a:t>Rank 1xx / 22xx teams</a:t>
-            </a:r>
-            <a:endParaRPr kumimoji="1" lang="zh-CN" altLang="en-US" dirty="0"/>
-          </a:p>
-        </p:txBody>
-      </p:sp>
-      <p:pic>
-        <p:nvPicPr>
-          <p:cNvPr id="4" name="图片 3"/>
-          <p:cNvPicPr>
-            <a:picLocks noChangeAspect="1"/>
-          </p:cNvPicPr>
-          <p:nvPr/>
-        </p:nvPicPr>
-        <p:blipFill>
-          <a:blip r:embed="rId2">
-            <a:extLst>
-              <a:ext uri="{28A0092B-C50C-407E-A947-70E740481C1C}">
-                <a14:useLocalDpi xmlns:a14="http://schemas.microsoft.com/office/drawing/2010/main" val="0"/>
-              </a:ext>
-            </a:extLst>
-          </a:blip>
-          <a:stretch>
-            <a:fillRect/>
-          </a:stretch>
-        </p:blipFill>
-        <p:spPr>
-          <a:xfrm>
-            <a:off x="1295400" y="2057400"/>
-            <a:ext cx="6400800" cy="4800600"/>
-          </a:xfrm>
-          <a:prstGeom prst="rect">
-            <a:avLst/>
-          </a:prstGeom>
-        </p:spPr>
-      </p:pic>
-      <p:sp>
-        <p:nvSpPr>
-          <p:cNvPr id="5" name="线形标注 1 4"/>
-          <p:cNvSpPr/>
-          <p:nvPr/>
-        </p:nvSpPr>
-        <p:spPr>
-          <a:xfrm>
-            <a:off x="3048000" y="3962400"/>
-            <a:ext cx="1905000" cy="609600"/>
-          </a:xfrm>
-          <a:prstGeom prst="borderCallout1">
-            <a:avLst>
-              <a:gd name="adj1" fmla="val 18750"/>
-              <a:gd name="adj2" fmla="val -8333"/>
-              <a:gd name="adj3" fmla="val 280426"/>
-              <a:gd name="adj4" fmla="val -40374"/>
-            </a:avLst>
-          </a:prstGeom>
-        </p:spPr>
-        <p:style>
-          <a:lnRef idx="2">
-            <a:schemeClr val="accent2"/>
-          </a:lnRef>
-          <a:fillRef idx="1">
-            <a:schemeClr val="lt1"/>
-          </a:fillRef>
-          <a:effectRef idx="0">
-            <a:schemeClr val="accent2"/>
-          </a:effectRef>
-          <a:fontRef idx="minor">
-            <a:schemeClr val="dk1"/>
-          </a:fontRef>
-        </p:style>
-        <p:txBody>
-          <a:bodyPr rtlCol="0" anchor="ctr"/>
-          <a:lstStyle/>
-          <a:p>
-            <a:pPr algn="ctr"/>
-            <a:r>
-              <a:rPr kumimoji="1" lang="en-US" altLang="zh-CN" dirty="0" smtClean="0"/>
-              <a:t>We are here</a:t>
-            </a:r>
-            <a:endParaRPr kumimoji="1" lang="zh-CN" altLang="en-US" dirty="0"/>
-          </a:p>
-        </p:txBody>
-      </p:sp>
-    </p:spTree>
-    <p:extLst>
-      <p:ext uri="{BB962C8B-B14F-4D97-AF65-F5344CB8AC3E}">
-        <p14:creationId xmlns:p14="http://schemas.microsoft.com/office/powerpoint/2010/main" val="4030098551"/>
-      </p:ext>
-    </p:extLst>
-  </p:cSld>
-  <p:clrMapOvr>
-    <a:masterClrMapping/>
-  </p:clrMapOvr>
-  <p:timing>
-    <p:tnLst>
-      <p:par>
-        <p:cTn id="1" dur="indefinite" restart="never" nodeType="tmRoot"/>
-      </p:par>
-    </p:tnLst>
-  </p:timing>
-</p:sld>
-</file>
-
-<file path=ppt/slides/slide16.xml><?xml version="1.0" encoding="utf-8"?>
-<p:sld xmlns:a="http://schemas.openxmlformats.org/drawingml/2006/main" xmlns:r="http://schemas.openxmlformats.org/officeDocument/2006/relationships" xmlns:p="http://schemas.openxmlformats.org/presentationml/2006/main">
-  <p:cSld>
-    <p:spTree>
-      <p:nvGrpSpPr>
-        <p:cNvPr id="1" name=""/>
-        <p:cNvGrpSpPr/>
-        <p:nvPr/>
-      </p:nvGrpSpPr>
-      <p:grpSpPr>
-        <a:xfrm>
-          <a:off x="0" y="0"/>
-          <a:ext cx="0" cy="0"/>
-          <a:chOff x="0" y="0"/>
-          <a:chExt cx="0" cy="0"/>
-        </a:xfrm>
-      </p:grpSpPr>
-      <p:sp>
-        <p:nvSpPr>
-          <p:cNvPr id="2" name="标题 1"/>
-          <p:cNvSpPr>
-            <a:spLocks noGrp="1"/>
-          </p:cNvSpPr>
-          <p:nvPr>
-            <p:ph type="title"/>
-          </p:nvPr>
-        </p:nvSpPr>
-        <p:spPr/>
-        <p:txBody>
-          <a:bodyPr/>
-          <a:lstStyle/>
-          <a:p>
-            <a:r>
-              <a:rPr kumimoji="1" lang="en-US" altLang="zh-CN" dirty="0" smtClean="0"/>
               <a:t>Conclusion</a:t>
             </a:r>
             <a:endParaRPr kumimoji="1" lang="zh-CN" altLang="en-US" dirty="0"/>
@@ -5051,7 +4981,7 @@
 </p:sld>
 </file>
 
-<file path=ppt/slides/slide17.xml><?xml version="1.0" encoding="utf-8"?>
+<file path=ppt/slides/slide16.xml><?xml version="1.0" encoding="utf-8"?>
 <p:sld xmlns:a="http://schemas.openxmlformats.org/drawingml/2006/main" xmlns:r="http://schemas.openxmlformats.org/officeDocument/2006/relationships" xmlns:p="http://schemas.openxmlformats.org/presentationml/2006/main">
   <p:cSld>
     <p:spTree>
@@ -5222,7 +5152,7 @@
 </p:sld>
 </file>
 
-<file path=ppt/slides/slide18.xml><?xml version="1.0" encoding="utf-8"?>
+<file path=ppt/slides/slide17.xml><?xml version="1.0" encoding="utf-8"?>
 <p:sld xmlns:a="http://schemas.openxmlformats.org/drawingml/2006/main" xmlns:r="http://schemas.openxmlformats.org/officeDocument/2006/relationships" xmlns:p="http://schemas.openxmlformats.org/presentationml/2006/main">
   <p:cSld>
     <p:spTree>
@@ -5835,7 +5765,7 @@
 </p:sld>
 </file>
 
-<file path=ppt/slides/slide19.xml><?xml version="1.0" encoding="utf-8"?>
+<file path=ppt/slides/slide18.xml><?xml version="1.0" encoding="utf-8"?>
 <p:sld xmlns:a="http://schemas.openxmlformats.org/drawingml/2006/main" xmlns:r="http://schemas.openxmlformats.org/officeDocument/2006/relationships" xmlns:p="http://schemas.openxmlformats.org/presentationml/2006/main">
   <p:cSld>
     <p:spTree>
@@ -5935,6 +5865,115 @@
     <p:extLst>
       <p:ext uri="{BB962C8B-B14F-4D97-AF65-F5344CB8AC3E}">
         <p14:creationId xmlns:p14="http://schemas.microsoft.com/office/powerpoint/2010/main" val="212278650"/>
+      </p:ext>
+    </p:extLst>
+  </p:cSld>
+  <p:clrMapOvr>
+    <a:masterClrMapping/>
+  </p:clrMapOvr>
+</p:sld>
+</file>
+
+<file path=ppt/slides/slide19.xml><?xml version="1.0" encoding="utf-8"?>
+<p:sld xmlns:a="http://schemas.openxmlformats.org/drawingml/2006/main" xmlns:r="http://schemas.openxmlformats.org/officeDocument/2006/relationships" xmlns:p="http://schemas.openxmlformats.org/presentationml/2006/main">
+  <p:cSld>
+    <p:spTree>
+      <p:nvGrpSpPr>
+        <p:cNvPr id="1" name=""/>
+        <p:cNvGrpSpPr/>
+        <p:nvPr/>
+      </p:nvGrpSpPr>
+      <p:grpSpPr>
+        <a:xfrm>
+          <a:off x="0" y="0"/>
+          <a:ext cx="0" cy="0"/>
+          <a:chOff x="0" y="0"/>
+          <a:chExt cx="0" cy="0"/>
+        </a:xfrm>
+      </p:grpSpPr>
+      <p:sp>
+        <p:nvSpPr>
+          <p:cNvPr id="2" name="Title 1"/>
+          <p:cNvSpPr>
+            <a:spLocks noGrp="1"/>
+          </p:cNvSpPr>
+          <p:nvPr>
+            <p:ph type="title"/>
+          </p:nvPr>
+        </p:nvSpPr>
+        <p:spPr/>
+        <p:txBody>
+          <a:bodyPr/>
+          <a:lstStyle/>
+          <a:p>
+            <a:r>
+              <a:rPr lang="en-US" dirty="0" smtClean="0"/>
+              <a:t>PCA-test</a:t>
+            </a:r>
+            <a:endParaRPr lang="en-US" dirty="0"/>
+          </a:p>
+        </p:txBody>
+      </p:sp>
+      <p:pic>
+        <p:nvPicPr>
+          <p:cNvPr id="2050" name="Picture 2"/>
+          <p:cNvPicPr>
+            <a:picLocks noGrp="1" noChangeAspect="1" noChangeArrowheads="1"/>
+          </p:cNvPicPr>
+          <p:nvPr>
+            <p:ph idx="1"/>
+          </p:nvPr>
+        </p:nvPicPr>
+        <p:blipFill>
+          <a:blip r:embed="rId2">
+            <a:extLst>
+              <a:ext uri="{28A0092B-C50C-407E-A947-70E740481C1C}">
+                <a14:useLocalDpi xmlns:a14="http://schemas.microsoft.com/office/drawing/2010/main" val="0"/>
+              </a:ext>
+            </a:extLst>
+          </a:blip>
+          <a:srcRect/>
+          <a:stretch>
+            <a:fillRect/>
+          </a:stretch>
+        </p:blipFill>
+        <p:spPr bwMode="auto">
+          <a:xfrm>
+            <a:off x="2237950" y="1600200"/>
+            <a:ext cx="4668100" cy="4525963"/>
+          </a:xfrm>
+          <a:prstGeom prst="rect">
+            <a:avLst/>
+          </a:prstGeom>
+          <a:noFill/>
+          <a:ln>
+            <a:noFill/>
+          </a:ln>
+          <a:extLst>
+            <a:ext uri="{909E8E84-426E-40DD-AFC4-6F175D3DCCD1}">
+              <a14:hiddenFill xmlns:a14="http://schemas.microsoft.com/office/drawing/2010/main">
+                <a:solidFill>
+                  <a:schemeClr val="accent1"/>
+                </a:solidFill>
+              </a14:hiddenFill>
+            </a:ext>
+            <a:ext uri="{91240B29-F687-4F45-9708-019B960494DF}">
+              <a14:hiddenLine xmlns:a14="http://schemas.microsoft.com/office/drawing/2010/main" w="9525">
+                <a:solidFill>
+                  <a:schemeClr val="tx1"/>
+                </a:solidFill>
+                <a:miter lim="800000"/>
+                <a:headEnd/>
+                <a:tailEnd/>
+              </a14:hiddenLine>
+            </a:ext>
+          </a:extLst>
+        </p:spPr>
+      </p:pic>
+    </p:spTree>
+    <p:extLst>
+      <p:ext uri="{BB962C8B-B14F-4D97-AF65-F5344CB8AC3E}">
+        <p14:creationId xmlns:p14="http://schemas.microsoft.com/office/powerpoint/2010/main" val="228644201"/>
       </p:ext>
     </p:extLst>
   </p:cSld>
@@ -6151,115 +6190,6 @@
       </p:par>
     </p:tnLst>
   </p:timing>
-</p:sld>
-</file>
-
-<file path=ppt/slides/slide20.xml><?xml version="1.0" encoding="utf-8"?>
-<p:sld xmlns:a="http://schemas.openxmlformats.org/drawingml/2006/main" xmlns:r="http://schemas.openxmlformats.org/officeDocument/2006/relationships" xmlns:p="http://schemas.openxmlformats.org/presentationml/2006/main">
-  <p:cSld>
-    <p:spTree>
-      <p:nvGrpSpPr>
-        <p:cNvPr id="1" name=""/>
-        <p:cNvGrpSpPr/>
-        <p:nvPr/>
-      </p:nvGrpSpPr>
-      <p:grpSpPr>
-        <a:xfrm>
-          <a:off x="0" y="0"/>
-          <a:ext cx="0" cy="0"/>
-          <a:chOff x="0" y="0"/>
-          <a:chExt cx="0" cy="0"/>
-        </a:xfrm>
-      </p:grpSpPr>
-      <p:sp>
-        <p:nvSpPr>
-          <p:cNvPr id="2" name="Title 1"/>
-          <p:cNvSpPr>
-            <a:spLocks noGrp="1"/>
-          </p:cNvSpPr>
-          <p:nvPr>
-            <p:ph type="title"/>
-          </p:nvPr>
-        </p:nvSpPr>
-        <p:spPr/>
-        <p:txBody>
-          <a:bodyPr/>
-          <a:lstStyle/>
-          <a:p>
-            <a:r>
-              <a:rPr lang="en-US" dirty="0" smtClean="0"/>
-              <a:t>PCA-test</a:t>
-            </a:r>
-            <a:endParaRPr lang="en-US" dirty="0"/>
-          </a:p>
-        </p:txBody>
-      </p:sp>
-      <p:pic>
-        <p:nvPicPr>
-          <p:cNvPr id="2050" name="Picture 2"/>
-          <p:cNvPicPr>
-            <a:picLocks noGrp="1" noChangeAspect="1" noChangeArrowheads="1"/>
-          </p:cNvPicPr>
-          <p:nvPr>
-            <p:ph idx="1"/>
-          </p:nvPr>
-        </p:nvPicPr>
-        <p:blipFill>
-          <a:blip r:embed="rId2">
-            <a:extLst>
-              <a:ext uri="{28A0092B-C50C-407E-A947-70E740481C1C}">
-                <a14:useLocalDpi xmlns:a14="http://schemas.microsoft.com/office/drawing/2010/main" val="0"/>
-              </a:ext>
-            </a:extLst>
-          </a:blip>
-          <a:srcRect/>
-          <a:stretch>
-            <a:fillRect/>
-          </a:stretch>
-        </p:blipFill>
-        <p:spPr bwMode="auto">
-          <a:xfrm>
-            <a:off x="2237950" y="1600200"/>
-            <a:ext cx="4668100" cy="4525963"/>
-          </a:xfrm>
-          <a:prstGeom prst="rect">
-            <a:avLst/>
-          </a:prstGeom>
-          <a:noFill/>
-          <a:ln>
-            <a:noFill/>
-          </a:ln>
-          <a:extLst>
-            <a:ext uri="{909E8E84-426E-40DD-AFC4-6F175D3DCCD1}">
-              <a14:hiddenFill xmlns:a14="http://schemas.microsoft.com/office/drawing/2010/main">
-                <a:solidFill>
-                  <a:schemeClr val="accent1"/>
-                </a:solidFill>
-              </a14:hiddenFill>
-            </a:ext>
-            <a:ext uri="{91240B29-F687-4F45-9708-019B960494DF}">
-              <a14:hiddenLine xmlns:a14="http://schemas.microsoft.com/office/drawing/2010/main" w="9525">
-                <a:solidFill>
-                  <a:schemeClr val="tx1"/>
-                </a:solidFill>
-                <a:miter lim="800000"/>
-                <a:headEnd/>
-                <a:tailEnd/>
-              </a14:hiddenLine>
-            </a:ext>
-          </a:extLst>
-        </p:spPr>
-      </p:pic>
-    </p:spTree>
-    <p:extLst>
-      <p:ext uri="{BB962C8B-B14F-4D97-AF65-F5344CB8AC3E}">
-        <p14:creationId xmlns:p14="http://schemas.microsoft.com/office/powerpoint/2010/main" val="228644201"/>
-      </p:ext>
-    </p:extLst>
-  </p:cSld>
-  <p:clrMapOvr>
-    <a:masterClrMapping/>
-  </p:clrMapOvr>
 </p:sld>
 </file>
 

--- a/doc/presentation/revenue-prediction.pptx
+++ b/doc/presentation/revenue-prediction.pptx
@@ -5,7 +5,7 @@
     <p:sldMasterId id="2147483648" r:id="rId1"/>
   </p:sldMasterIdLst>
   <p:notesMasterIdLst>
-    <p:notesMasterId r:id="rId21"/>
+    <p:notesMasterId r:id="rId23"/>
   </p:notesMasterIdLst>
   <p:sldIdLst>
     <p:sldId id="256" r:id="rId2"/>
@@ -15,18 +15,20 @@
     <p:sldId id="259" r:id="rId6"/>
     <p:sldId id="261" r:id="rId7"/>
     <p:sldId id="267" r:id="rId8"/>
-    <p:sldId id="269" r:id="rId9"/>
+    <p:sldId id="280" r:id="rId9"/>
     <p:sldId id="275" r:id="rId10"/>
-    <p:sldId id="274" r:id="rId11"/>
-    <p:sldId id="260" r:id="rId12"/>
-    <p:sldId id="270" r:id="rId13"/>
-    <p:sldId id="263" r:id="rId14"/>
-    <p:sldId id="264" r:id="rId15"/>
-    <p:sldId id="265" r:id="rId16"/>
-    <p:sldId id="271" r:id="rId17"/>
-    <p:sldId id="272" r:id="rId18"/>
-    <p:sldId id="276" r:id="rId19"/>
-    <p:sldId id="278" r:id="rId20"/>
+    <p:sldId id="269" r:id="rId11"/>
+    <p:sldId id="274" r:id="rId12"/>
+    <p:sldId id="260" r:id="rId13"/>
+    <p:sldId id="270" r:id="rId14"/>
+    <p:sldId id="263" r:id="rId15"/>
+    <p:sldId id="264" r:id="rId16"/>
+    <p:sldId id="265" r:id="rId17"/>
+    <p:sldId id="271" r:id="rId18"/>
+    <p:sldId id="272" r:id="rId19"/>
+    <p:sldId id="276" r:id="rId20"/>
+    <p:sldId id="278" r:id="rId21"/>
+    <p:sldId id="279" r:id="rId22"/>
   </p:sldIdLst>
   <p:sldSz cx="9144000" cy="6858000" type="screen4x3"/>
   <p:notesSz cx="6858000" cy="9144000"/>
@@ -742,7 +744,7 @@
           <a:p>
             <a:fld id="{E0542D34-12F8-4BA5-8DE9-FE2BC539FB18}" type="slidenum">
               <a:rPr lang="en-US" smtClean="0"/>
-              <a:t>8</a:t>
+              <a:t>10</a:t>
             </a:fld>
             <a:endParaRPr lang="en-US"/>
           </a:p>
@@ -826,7 +828,7 @@
           <a:p>
             <a:fld id="{E0542D34-12F8-4BA5-8DE9-FE2BC539FB18}" type="slidenum">
               <a:rPr lang="en-US" smtClean="0"/>
-              <a:t>16</a:t>
+              <a:t>17</a:t>
             </a:fld>
             <a:endParaRPr lang="en-US"/>
           </a:p>
@@ -3928,6 +3930,161 @@
           <a:lstStyle/>
           <a:p>
             <a:r>
+              <a:rPr kumimoji="1" lang="en-US" altLang="zh-CN" dirty="0"/>
+              <a:t>Exploring the Data</a:t>
+            </a:r>
+            <a:endParaRPr lang="en-US" dirty="0"/>
+          </a:p>
+        </p:txBody>
+      </p:sp>
+      <p:sp>
+        <p:nvSpPr>
+          <p:cNvPr id="3" name="Content Placeholder 2"/>
+          <p:cNvSpPr>
+            <a:spLocks noGrp="1"/>
+          </p:cNvSpPr>
+          <p:nvPr>
+            <p:ph idx="1"/>
+          </p:nvPr>
+        </p:nvSpPr>
+        <p:spPr/>
+        <p:txBody>
+          <a:bodyPr/>
+          <a:lstStyle/>
+          <a:p>
+            <a:r>
+              <a:rPr lang="en-US" dirty="0" smtClean="0"/>
+              <a:t>Feature Rank</a:t>
+            </a:r>
+          </a:p>
+          <a:p>
+            <a:pPr lvl="1"/>
+            <a:r>
+              <a:rPr lang="en-US" dirty="0" smtClean="0"/>
+              <a:t>Attribute evaluator: </a:t>
+            </a:r>
+            <a:r>
+              <a:rPr lang="en-US" dirty="0" err="1" smtClean="0"/>
+              <a:t>ReliefAttributeEval</a:t>
+            </a:r>
+            <a:endParaRPr lang="en-US" dirty="0" smtClean="0"/>
+          </a:p>
+          <a:p>
+            <a:pPr lvl="1"/>
+            <a:r>
+              <a:rPr lang="en-US" dirty="0" smtClean="0"/>
+              <a:t>Search method: Ranker</a:t>
+            </a:r>
+          </a:p>
+        </p:txBody>
+      </p:sp>
+      <p:pic>
+        <p:nvPicPr>
+          <p:cNvPr id="2050" name="Picture 2"/>
+          <p:cNvPicPr>
+            <a:picLocks noChangeAspect="1" noChangeArrowheads="1"/>
+          </p:cNvPicPr>
+          <p:nvPr/>
+        </p:nvPicPr>
+        <p:blipFill>
+          <a:blip r:embed="rId3">
+            <a:extLst>
+              <a:ext uri="{28A0092B-C50C-407E-A947-70E740481C1C}">
+                <a14:useLocalDpi xmlns:a14="http://schemas.microsoft.com/office/drawing/2010/main" val="0"/>
+              </a:ext>
+            </a:extLst>
+          </a:blip>
+          <a:srcRect/>
+          <a:stretch>
+            <a:fillRect/>
+          </a:stretch>
+        </p:blipFill>
+        <p:spPr bwMode="auto">
+          <a:xfrm>
+            <a:off x="730928" y="3352800"/>
+            <a:ext cx="6200775" cy="2543175"/>
+          </a:xfrm>
+          <a:prstGeom prst="rect">
+            <a:avLst/>
+          </a:prstGeom>
+          <a:noFill/>
+          <a:ln>
+            <a:noFill/>
+          </a:ln>
+          <a:extLst>
+            <a:ext uri="{909E8E84-426E-40DD-AFC4-6F175D3DCCD1}">
+              <a14:hiddenFill xmlns:a14="http://schemas.microsoft.com/office/drawing/2010/main">
+                <a:solidFill>
+                  <a:schemeClr val="accent1"/>
+                </a:solidFill>
+              </a14:hiddenFill>
+            </a:ext>
+            <a:ext uri="{91240B29-F687-4F45-9708-019B960494DF}">
+              <a14:hiddenLine xmlns:a14="http://schemas.microsoft.com/office/drawing/2010/main" w="9525">
+                <a:solidFill>
+                  <a:schemeClr val="tx1"/>
+                </a:solidFill>
+                <a:miter lim="800000"/>
+                <a:headEnd/>
+                <a:tailEnd/>
+              </a14:hiddenLine>
+            </a:ext>
+          </a:extLst>
+        </p:spPr>
+      </p:pic>
+    </p:spTree>
+    <p:extLst>
+      <p:ext uri="{BB962C8B-B14F-4D97-AF65-F5344CB8AC3E}">
+        <p14:creationId xmlns:p14="http://schemas.microsoft.com/office/powerpoint/2010/main" val="299007785"/>
+      </p:ext>
+    </p:extLst>
+  </p:cSld>
+  <p:clrMapOvr>
+    <a:masterClrMapping/>
+  </p:clrMapOvr>
+  <p:timing>
+    <p:tnLst>
+      <p:par>
+        <p:cTn id="1" dur="indefinite" restart="never" nodeType="tmRoot"/>
+      </p:par>
+    </p:tnLst>
+  </p:timing>
+</p:sld>
+</file>
+
+<file path=ppt/slides/slide11.xml><?xml version="1.0" encoding="utf-8"?>
+<p:sld xmlns:a="http://schemas.openxmlformats.org/drawingml/2006/main" xmlns:r="http://schemas.openxmlformats.org/officeDocument/2006/relationships" xmlns:p="http://schemas.openxmlformats.org/presentationml/2006/main">
+  <p:cSld>
+    <p:spTree>
+      <p:nvGrpSpPr>
+        <p:cNvPr id="1" name=""/>
+        <p:cNvGrpSpPr/>
+        <p:nvPr/>
+      </p:nvGrpSpPr>
+      <p:grpSpPr>
+        <a:xfrm>
+          <a:off x="0" y="0"/>
+          <a:ext cx="0" cy="0"/>
+          <a:chOff x="0" y="0"/>
+          <a:chExt cx="0" cy="0"/>
+        </a:xfrm>
+      </p:grpSpPr>
+      <p:sp>
+        <p:nvSpPr>
+          <p:cNvPr id="2" name="Title 1"/>
+          <p:cNvSpPr>
+            <a:spLocks noGrp="1"/>
+          </p:cNvSpPr>
+          <p:nvPr>
+            <p:ph type="title"/>
+          </p:nvPr>
+        </p:nvSpPr>
+        <p:spPr/>
+        <p:txBody>
+          <a:bodyPr/>
+          <a:lstStyle/>
+          <a:p>
+            <a:r>
               <a:rPr lang="en-US" dirty="0" smtClean="0"/>
               <a:t>Evaluation</a:t>
             </a:r>
@@ -4190,7 +4347,7 @@
 </p:sld>
 </file>
 
-<file path=ppt/slides/slide11.xml><?xml version="1.0" encoding="utf-8"?>
+<file path=ppt/slides/slide12.xml><?xml version="1.0" encoding="utf-8"?>
 <p:sld xmlns:a="http://schemas.openxmlformats.org/drawingml/2006/main" xmlns:r="http://schemas.openxmlformats.org/officeDocument/2006/relationships" xmlns:p="http://schemas.openxmlformats.org/presentationml/2006/main">
   <p:cSld>
     <p:spTree>
@@ -4337,7 +4494,7 @@
 </p:sld>
 </file>
 
-<file path=ppt/slides/slide12.xml><?xml version="1.0" encoding="utf-8"?>
+<file path=ppt/slides/slide13.xml><?xml version="1.0" encoding="utf-8"?>
 <p:sld xmlns:a="http://schemas.openxmlformats.org/drawingml/2006/main" xmlns:r="http://schemas.openxmlformats.org/officeDocument/2006/relationships" xmlns:p="http://schemas.openxmlformats.org/presentationml/2006/main">
   <p:cSld>
     <p:spTree>
@@ -4470,10 +4627,17 @@
   <p:clrMapOvr>
     <a:masterClrMapping/>
   </p:clrMapOvr>
+  <p:timing>
+    <p:tnLst>
+      <p:par>
+        <p:cTn id="1" dur="indefinite" restart="never" nodeType="tmRoot"/>
+      </p:par>
+    </p:tnLst>
+  </p:timing>
 </p:sld>
 </file>
 
-<file path=ppt/slides/slide13.xml><?xml version="1.0" encoding="utf-8"?>
+<file path=ppt/slides/slide14.xml><?xml version="1.0" encoding="utf-8"?>
 <p:sld xmlns:a="http://schemas.openxmlformats.org/drawingml/2006/main" xmlns:r="http://schemas.openxmlformats.org/officeDocument/2006/relationships" xmlns:p="http://schemas.openxmlformats.org/presentationml/2006/main">
   <p:cSld>
     <p:spTree>
@@ -4729,166 +4893,6 @@
     <p:extLst>
       <p:ext uri="{BB962C8B-B14F-4D97-AF65-F5344CB8AC3E}">
         <p14:creationId xmlns:p14="http://schemas.microsoft.com/office/powerpoint/2010/main" val="4262006165"/>
-      </p:ext>
-    </p:extLst>
-  </p:cSld>
-  <p:clrMapOvr>
-    <a:masterClrMapping/>
-  </p:clrMapOvr>
-  <p:timing>
-    <p:tnLst>
-      <p:par>
-        <p:cTn id="1" dur="indefinite" restart="never" nodeType="tmRoot"/>
-      </p:par>
-    </p:tnLst>
-  </p:timing>
-</p:sld>
-</file>
-
-<file path=ppt/slides/slide14.xml><?xml version="1.0" encoding="utf-8"?>
-<p:sld xmlns:a="http://schemas.openxmlformats.org/drawingml/2006/main" xmlns:r="http://schemas.openxmlformats.org/officeDocument/2006/relationships" xmlns:p="http://schemas.openxmlformats.org/presentationml/2006/main">
-  <p:cSld>
-    <p:spTree>
-      <p:nvGrpSpPr>
-        <p:cNvPr id="1" name=""/>
-        <p:cNvGrpSpPr/>
-        <p:nvPr/>
-      </p:nvGrpSpPr>
-      <p:grpSpPr>
-        <a:xfrm>
-          <a:off x="0" y="0"/>
-          <a:ext cx="0" cy="0"/>
-          <a:chOff x="0" y="0"/>
-          <a:chExt cx="0" cy="0"/>
-        </a:xfrm>
-      </p:grpSpPr>
-      <p:sp>
-        <p:nvSpPr>
-          <p:cNvPr id="2" name="标题 1"/>
-          <p:cNvSpPr>
-            <a:spLocks noGrp="1"/>
-          </p:cNvSpPr>
-          <p:nvPr>
-            <p:ph type="title"/>
-          </p:nvPr>
-        </p:nvSpPr>
-        <p:spPr/>
-        <p:txBody>
-          <a:bodyPr/>
-          <a:lstStyle/>
-          <a:p>
-            <a:r>
-              <a:rPr kumimoji="1" lang="en-US" altLang="zh-CN" dirty="0" smtClean="0"/>
-              <a:t>Results on Public Board</a:t>
-            </a:r>
-            <a:endParaRPr kumimoji="1" lang="zh-CN" altLang="en-US" dirty="0"/>
-          </a:p>
-        </p:txBody>
-      </p:sp>
-      <p:sp>
-        <p:nvSpPr>
-          <p:cNvPr id="3" name="内容占位符 2"/>
-          <p:cNvSpPr>
-            <a:spLocks noGrp="1"/>
-          </p:cNvSpPr>
-          <p:nvPr>
-            <p:ph idx="1"/>
-          </p:nvPr>
-        </p:nvSpPr>
-        <p:spPr/>
-        <p:txBody>
-          <a:bodyPr/>
-          <a:lstStyle/>
-          <a:p>
-            <a:r>
-              <a:rPr kumimoji="1" lang="en-US" altLang="zh-CN" dirty="0" smtClean="0"/>
-              <a:t>Rank 1xx / 22xx teams</a:t>
-            </a:r>
-            <a:endParaRPr kumimoji="1" lang="zh-CN" altLang="en-US" dirty="0"/>
-          </a:p>
-        </p:txBody>
-      </p:sp>
-      <p:pic>
-        <p:nvPicPr>
-          <p:cNvPr id="4" name="图片 3"/>
-          <p:cNvPicPr>
-            <a:picLocks noChangeAspect="1"/>
-          </p:cNvPicPr>
-          <p:nvPr/>
-        </p:nvPicPr>
-        <p:blipFill>
-          <a:blip r:embed="rId2">
-            <a:extLst>
-              <a:ext uri="{28A0092B-C50C-407E-A947-70E740481C1C}">
-                <a14:useLocalDpi xmlns:a14="http://schemas.microsoft.com/office/drawing/2010/main" val="0"/>
-              </a:ext>
-            </a:extLst>
-          </a:blip>
-          <a:stretch>
-            <a:fillRect/>
-          </a:stretch>
-        </p:blipFill>
-        <p:spPr>
-          <a:xfrm>
-            <a:off x="1295400" y="2057400"/>
-            <a:ext cx="6400800" cy="4800600"/>
-          </a:xfrm>
-          <a:prstGeom prst="rect">
-            <a:avLst/>
-          </a:prstGeom>
-        </p:spPr>
-      </p:pic>
-      <p:sp>
-        <p:nvSpPr>
-          <p:cNvPr id="5" name="线形标注 1 4"/>
-          <p:cNvSpPr/>
-          <p:nvPr/>
-        </p:nvSpPr>
-        <p:spPr>
-          <a:xfrm>
-            <a:off x="3048000" y="3962400"/>
-            <a:ext cx="1905000" cy="609600"/>
-          </a:xfrm>
-          <a:prstGeom prst="borderCallout1">
-            <a:avLst>
-              <a:gd name="adj1" fmla="val 18750"/>
-              <a:gd name="adj2" fmla="val -8333"/>
-              <a:gd name="adj3" fmla="val 280426"/>
-              <a:gd name="adj4" fmla="val -40374"/>
-            </a:avLst>
-          </a:prstGeom>
-        </p:spPr>
-        <p:style>
-          <a:lnRef idx="2">
-            <a:schemeClr val="accent2"/>
-          </a:lnRef>
-          <a:fillRef idx="1">
-            <a:schemeClr val="lt1"/>
-          </a:fillRef>
-          <a:effectRef idx="0">
-            <a:schemeClr val="accent2"/>
-          </a:effectRef>
-          <a:fontRef idx="minor">
-            <a:schemeClr val="dk1"/>
-          </a:fontRef>
-        </p:style>
-        <p:txBody>
-          <a:bodyPr rtlCol="0" anchor="ctr"/>
-          <a:lstStyle/>
-          <a:p>
-            <a:pPr algn="ctr"/>
-            <a:r>
-              <a:rPr kumimoji="1" lang="en-US" altLang="zh-CN" dirty="0" smtClean="0"/>
-              <a:t>We are here</a:t>
-            </a:r>
-            <a:endParaRPr kumimoji="1" lang="zh-CN" altLang="en-US" dirty="0"/>
-          </a:p>
-        </p:txBody>
-      </p:sp>
-    </p:spTree>
-    <p:extLst>
-      <p:ext uri="{BB962C8B-B14F-4D97-AF65-F5344CB8AC3E}">
-        <p14:creationId xmlns:p14="http://schemas.microsoft.com/office/powerpoint/2010/main" val="4030098551"/>
       </p:ext>
     </p:extLst>
   </p:cSld>
@@ -4939,6 +4943,166 @@
           <a:p>
             <a:r>
               <a:rPr kumimoji="1" lang="en-US" altLang="zh-CN" dirty="0" smtClean="0"/>
+              <a:t>Results on Public Board</a:t>
+            </a:r>
+            <a:endParaRPr kumimoji="1" lang="zh-CN" altLang="en-US" dirty="0"/>
+          </a:p>
+        </p:txBody>
+      </p:sp>
+      <p:sp>
+        <p:nvSpPr>
+          <p:cNvPr id="3" name="内容占位符 2"/>
+          <p:cNvSpPr>
+            <a:spLocks noGrp="1"/>
+          </p:cNvSpPr>
+          <p:nvPr>
+            <p:ph idx="1"/>
+          </p:nvPr>
+        </p:nvSpPr>
+        <p:spPr/>
+        <p:txBody>
+          <a:bodyPr/>
+          <a:lstStyle/>
+          <a:p>
+            <a:r>
+              <a:rPr kumimoji="1" lang="en-US" altLang="zh-CN" dirty="0" smtClean="0"/>
+              <a:t>Rank 1xx / 22xx teams</a:t>
+            </a:r>
+            <a:endParaRPr kumimoji="1" lang="zh-CN" altLang="en-US" dirty="0"/>
+          </a:p>
+        </p:txBody>
+      </p:sp>
+      <p:pic>
+        <p:nvPicPr>
+          <p:cNvPr id="4" name="图片 3"/>
+          <p:cNvPicPr>
+            <a:picLocks noChangeAspect="1"/>
+          </p:cNvPicPr>
+          <p:nvPr/>
+        </p:nvPicPr>
+        <p:blipFill>
+          <a:blip r:embed="rId2">
+            <a:extLst>
+              <a:ext uri="{28A0092B-C50C-407E-A947-70E740481C1C}">
+                <a14:useLocalDpi xmlns:a14="http://schemas.microsoft.com/office/drawing/2010/main" val="0"/>
+              </a:ext>
+            </a:extLst>
+          </a:blip>
+          <a:stretch>
+            <a:fillRect/>
+          </a:stretch>
+        </p:blipFill>
+        <p:spPr>
+          <a:xfrm>
+            <a:off x="1295400" y="2057400"/>
+            <a:ext cx="6400800" cy="4800600"/>
+          </a:xfrm>
+          <a:prstGeom prst="rect">
+            <a:avLst/>
+          </a:prstGeom>
+        </p:spPr>
+      </p:pic>
+      <p:sp>
+        <p:nvSpPr>
+          <p:cNvPr id="5" name="线形标注 1 4"/>
+          <p:cNvSpPr/>
+          <p:nvPr/>
+        </p:nvSpPr>
+        <p:spPr>
+          <a:xfrm>
+            <a:off x="3048000" y="3962400"/>
+            <a:ext cx="1905000" cy="609600"/>
+          </a:xfrm>
+          <a:prstGeom prst="borderCallout1">
+            <a:avLst>
+              <a:gd name="adj1" fmla="val 18750"/>
+              <a:gd name="adj2" fmla="val -8333"/>
+              <a:gd name="adj3" fmla="val 280426"/>
+              <a:gd name="adj4" fmla="val -40374"/>
+            </a:avLst>
+          </a:prstGeom>
+        </p:spPr>
+        <p:style>
+          <a:lnRef idx="2">
+            <a:schemeClr val="accent2"/>
+          </a:lnRef>
+          <a:fillRef idx="1">
+            <a:schemeClr val="lt1"/>
+          </a:fillRef>
+          <a:effectRef idx="0">
+            <a:schemeClr val="accent2"/>
+          </a:effectRef>
+          <a:fontRef idx="minor">
+            <a:schemeClr val="dk1"/>
+          </a:fontRef>
+        </p:style>
+        <p:txBody>
+          <a:bodyPr rtlCol="0" anchor="ctr"/>
+          <a:lstStyle/>
+          <a:p>
+            <a:pPr algn="ctr"/>
+            <a:r>
+              <a:rPr kumimoji="1" lang="en-US" altLang="zh-CN" dirty="0" smtClean="0"/>
+              <a:t>We are here</a:t>
+            </a:r>
+            <a:endParaRPr kumimoji="1" lang="zh-CN" altLang="en-US" dirty="0"/>
+          </a:p>
+        </p:txBody>
+      </p:sp>
+    </p:spTree>
+    <p:extLst>
+      <p:ext uri="{BB962C8B-B14F-4D97-AF65-F5344CB8AC3E}">
+        <p14:creationId xmlns:p14="http://schemas.microsoft.com/office/powerpoint/2010/main" val="4030098551"/>
+      </p:ext>
+    </p:extLst>
+  </p:cSld>
+  <p:clrMapOvr>
+    <a:masterClrMapping/>
+  </p:clrMapOvr>
+  <p:timing>
+    <p:tnLst>
+      <p:par>
+        <p:cTn id="1" dur="indefinite" restart="never" nodeType="tmRoot"/>
+      </p:par>
+    </p:tnLst>
+  </p:timing>
+</p:sld>
+</file>
+
+<file path=ppt/slides/slide16.xml><?xml version="1.0" encoding="utf-8"?>
+<p:sld xmlns:a="http://schemas.openxmlformats.org/drawingml/2006/main" xmlns:r="http://schemas.openxmlformats.org/officeDocument/2006/relationships" xmlns:p="http://schemas.openxmlformats.org/presentationml/2006/main">
+  <p:cSld>
+    <p:spTree>
+      <p:nvGrpSpPr>
+        <p:cNvPr id="1" name=""/>
+        <p:cNvGrpSpPr/>
+        <p:nvPr/>
+      </p:nvGrpSpPr>
+      <p:grpSpPr>
+        <a:xfrm>
+          <a:off x="0" y="0"/>
+          <a:ext cx="0" cy="0"/>
+          <a:chOff x="0" y="0"/>
+          <a:chExt cx="0" cy="0"/>
+        </a:xfrm>
+      </p:grpSpPr>
+      <p:sp>
+        <p:nvSpPr>
+          <p:cNvPr id="2" name="标题 1"/>
+          <p:cNvSpPr>
+            <a:spLocks noGrp="1"/>
+          </p:cNvSpPr>
+          <p:nvPr>
+            <p:ph type="title"/>
+          </p:nvPr>
+        </p:nvSpPr>
+        <p:spPr/>
+        <p:txBody>
+          <a:bodyPr/>
+          <a:lstStyle/>
+          <a:p>
+            <a:r>
+              <a:rPr kumimoji="1" lang="en-US" altLang="zh-CN" dirty="0" smtClean="0"/>
               <a:t>Conclusion</a:t>
             </a:r>
             <a:endParaRPr kumimoji="1" lang="zh-CN" altLang="en-US" dirty="0"/>
@@ -4978,10 +5142,17 @@
   <p:clrMapOvr>
     <a:masterClrMapping/>
   </p:clrMapOvr>
+  <p:timing>
+    <p:tnLst>
+      <p:par>
+        <p:cTn id="1" dur="indefinite" restart="never" nodeType="tmRoot"/>
+      </p:par>
+    </p:tnLst>
+  </p:timing>
 </p:sld>
 </file>
 
-<file path=ppt/slides/slide16.xml><?xml version="1.0" encoding="utf-8"?>
+<file path=ppt/slides/slide17.xml><?xml version="1.0" encoding="utf-8"?>
 <p:sld xmlns:a="http://schemas.openxmlformats.org/drawingml/2006/main" xmlns:r="http://schemas.openxmlformats.org/officeDocument/2006/relationships" xmlns:p="http://schemas.openxmlformats.org/presentationml/2006/main">
   <p:cSld>
     <p:spTree>
@@ -5149,10 +5320,17 @@
   <p:clrMapOvr>
     <a:masterClrMapping/>
   </p:clrMapOvr>
+  <p:timing>
+    <p:tnLst>
+      <p:par>
+        <p:cTn id="1" dur="indefinite" restart="never" nodeType="tmRoot"/>
+      </p:par>
+    </p:tnLst>
+  </p:timing>
 </p:sld>
 </file>
 
-<file path=ppt/slides/slide17.xml><?xml version="1.0" encoding="utf-8"?>
+<file path=ppt/slides/slide18.xml><?xml version="1.0" encoding="utf-8"?>
 <p:sld xmlns:a="http://schemas.openxmlformats.org/drawingml/2006/main" xmlns:r="http://schemas.openxmlformats.org/officeDocument/2006/relationships" xmlns:p="http://schemas.openxmlformats.org/presentationml/2006/main">
   <p:cSld>
     <p:spTree>
@@ -5762,10 +5940,17 @@
   <p:clrMapOvr>
     <a:masterClrMapping/>
   </p:clrMapOvr>
+  <p:timing>
+    <p:tnLst>
+      <p:par>
+        <p:cTn id="1" dur="indefinite" restart="never" nodeType="tmRoot"/>
+      </p:par>
+    </p:tnLst>
+  </p:timing>
 </p:sld>
 </file>
 
-<file path=ppt/slides/slide18.xml><?xml version="1.0" encoding="utf-8"?>
+<file path=ppt/slides/slide19.xml><?xml version="1.0" encoding="utf-8"?>
 <p:sld xmlns:a="http://schemas.openxmlformats.org/drawingml/2006/main" xmlns:r="http://schemas.openxmlformats.org/officeDocument/2006/relationships" xmlns:p="http://schemas.openxmlformats.org/presentationml/2006/main">
   <p:cSld>
     <p:spTree>
@@ -5871,115 +6056,13 @@
   <p:clrMapOvr>
     <a:masterClrMapping/>
   </p:clrMapOvr>
-</p:sld>
-</file>
-
-<file path=ppt/slides/slide19.xml><?xml version="1.0" encoding="utf-8"?>
-<p:sld xmlns:a="http://schemas.openxmlformats.org/drawingml/2006/main" xmlns:r="http://schemas.openxmlformats.org/officeDocument/2006/relationships" xmlns:p="http://schemas.openxmlformats.org/presentationml/2006/main">
-  <p:cSld>
-    <p:spTree>
-      <p:nvGrpSpPr>
-        <p:cNvPr id="1" name=""/>
-        <p:cNvGrpSpPr/>
-        <p:nvPr/>
-      </p:nvGrpSpPr>
-      <p:grpSpPr>
-        <a:xfrm>
-          <a:off x="0" y="0"/>
-          <a:ext cx="0" cy="0"/>
-          <a:chOff x="0" y="0"/>
-          <a:chExt cx="0" cy="0"/>
-        </a:xfrm>
-      </p:grpSpPr>
-      <p:sp>
-        <p:nvSpPr>
-          <p:cNvPr id="2" name="Title 1"/>
-          <p:cNvSpPr>
-            <a:spLocks noGrp="1"/>
-          </p:cNvSpPr>
-          <p:nvPr>
-            <p:ph type="title"/>
-          </p:nvPr>
-        </p:nvSpPr>
-        <p:spPr/>
-        <p:txBody>
-          <a:bodyPr/>
-          <a:lstStyle/>
-          <a:p>
-            <a:r>
-              <a:rPr lang="en-US" dirty="0" smtClean="0"/>
-              <a:t>PCA-test</a:t>
-            </a:r>
-            <a:endParaRPr lang="en-US" dirty="0"/>
-          </a:p>
-        </p:txBody>
-      </p:sp>
-      <p:pic>
-        <p:nvPicPr>
-          <p:cNvPr id="2050" name="Picture 2"/>
-          <p:cNvPicPr>
-            <a:picLocks noGrp="1" noChangeAspect="1" noChangeArrowheads="1"/>
-          </p:cNvPicPr>
-          <p:nvPr>
-            <p:ph idx="1"/>
-          </p:nvPr>
-        </p:nvPicPr>
-        <p:blipFill>
-          <a:blip r:embed="rId2">
-            <a:extLst>
-              <a:ext uri="{28A0092B-C50C-407E-A947-70E740481C1C}">
-                <a14:useLocalDpi xmlns:a14="http://schemas.microsoft.com/office/drawing/2010/main" val="0"/>
-              </a:ext>
-            </a:extLst>
-          </a:blip>
-          <a:srcRect/>
-          <a:stretch>
-            <a:fillRect/>
-          </a:stretch>
-        </p:blipFill>
-        <p:spPr bwMode="auto">
-          <a:xfrm>
-            <a:off x="2237950" y="1600200"/>
-            <a:ext cx="4668100" cy="4525963"/>
-          </a:xfrm>
-          <a:prstGeom prst="rect">
-            <a:avLst/>
-          </a:prstGeom>
-          <a:noFill/>
-          <a:ln>
-            <a:noFill/>
-          </a:ln>
-          <a:extLst>
-            <a:ext uri="{909E8E84-426E-40DD-AFC4-6F175D3DCCD1}">
-              <a14:hiddenFill xmlns:a14="http://schemas.microsoft.com/office/drawing/2010/main">
-                <a:solidFill>
-                  <a:schemeClr val="accent1"/>
-                </a:solidFill>
-              </a14:hiddenFill>
-            </a:ext>
-            <a:ext uri="{91240B29-F687-4F45-9708-019B960494DF}">
-              <a14:hiddenLine xmlns:a14="http://schemas.microsoft.com/office/drawing/2010/main" w="9525">
-                <a:solidFill>
-                  <a:schemeClr val="tx1"/>
-                </a:solidFill>
-                <a:miter lim="800000"/>
-                <a:headEnd/>
-                <a:tailEnd/>
-              </a14:hiddenLine>
-            </a:ext>
-          </a:extLst>
-        </p:spPr>
-      </p:pic>
-    </p:spTree>
-    <p:extLst>
-      <p:ext uri="{BB962C8B-B14F-4D97-AF65-F5344CB8AC3E}">
-        <p14:creationId xmlns:p14="http://schemas.microsoft.com/office/powerpoint/2010/main" val="228644201"/>
-      </p:ext>
-    </p:extLst>
-  </p:cSld>
-  <p:clrMapOvr>
-    <a:masterClrMapping/>
-  </p:clrMapOvr>
+  <p:timing>
+    <p:tnLst>
+      <p:par>
+        <p:cTn id="1" dur="indefinite" restart="never" nodeType="tmRoot"/>
+      </p:par>
+    </p:tnLst>
+  </p:timing>
 </p:sld>
 </file>
 
@@ -6190,6 +6273,252 @@
       </p:par>
     </p:tnLst>
   </p:timing>
+</p:sld>
+</file>
+
+<file path=ppt/slides/slide20.xml><?xml version="1.0" encoding="utf-8"?>
+<p:sld xmlns:a="http://schemas.openxmlformats.org/drawingml/2006/main" xmlns:r="http://schemas.openxmlformats.org/officeDocument/2006/relationships" xmlns:p="http://schemas.openxmlformats.org/presentationml/2006/main">
+  <p:cSld>
+    <p:spTree>
+      <p:nvGrpSpPr>
+        <p:cNvPr id="1" name=""/>
+        <p:cNvGrpSpPr/>
+        <p:nvPr/>
+      </p:nvGrpSpPr>
+      <p:grpSpPr>
+        <a:xfrm>
+          <a:off x="0" y="0"/>
+          <a:ext cx="0" cy="0"/>
+          <a:chOff x="0" y="0"/>
+          <a:chExt cx="0" cy="0"/>
+        </a:xfrm>
+      </p:grpSpPr>
+      <p:sp>
+        <p:nvSpPr>
+          <p:cNvPr id="2" name="Title 1"/>
+          <p:cNvSpPr>
+            <a:spLocks noGrp="1"/>
+          </p:cNvSpPr>
+          <p:nvPr>
+            <p:ph type="title"/>
+          </p:nvPr>
+        </p:nvSpPr>
+        <p:spPr/>
+        <p:txBody>
+          <a:bodyPr/>
+          <a:lstStyle/>
+          <a:p>
+            <a:r>
+              <a:rPr lang="en-US" dirty="0" smtClean="0"/>
+              <a:t>PCA-test</a:t>
+            </a:r>
+            <a:endParaRPr lang="en-US" dirty="0"/>
+          </a:p>
+        </p:txBody>
+      </p:sp>
+      <p:pic>
+        <p:nvPicPr>
+          <p:cNvPr id="2050" name="Picture 2"/>
+          <p:cNvPicPr>
+            <a:picLocks noGrp="1" noChangeAspect="1" noChangeArrowheads="1"/>
+          </p:cNvPicPr>
+          <p:nvPr>
+            <p:ph idx="1"/>
+          </p:nvPr>
+        </p:nvPicPr>
+        <p:blipFill>
+          <a:blip r:embed="rId2">
+            <a:extLst>
+              <a:ext uri="{28A0092B-C50C-407E-A947-70E740481C1C}">
+                <a14:useLocalDpi xmlns:a14="http://schemas.microsoft.com/office/drawing/2010/main" val="0"/>
+              </a:ext>
+            </a:extLst>
+          </a:blip>
+          <a:srcRect/>
+          <a:stretch>
+            <a:fillRect/>
+          </a:stretch>
+        </p:blipFill>
+        <p:spPr bwMode="auto">
+          <a:xfrm>
+            <a:off x="2237950" y="1600200"/>
+            <a:ext cx="4668100" cy="4525963"/>
+          </a:xfrm>
+          <a:prstGeom prst="rect">
+            <a:avLst/>
+          </a:prstGeom>
+          <a:noFill/>
+          <a:ln>
+            <a:noFill/>
+          </a:ln>
+          <a:extLst>
+            <a:ext uri="{909E8E84-426E-40DD-AFC4-6F175D3DCCD1}">
+              <a14:hiddenFill xmlns:a14="http://schemas.microsoft.com/office/drawing/2010/main">
+                <a:solidFill>
+                  <a:schemeClr val="accent1"/>
+                </a:solidFill>
+              </a14:hiddenFill>
+            </a:ext>
+            <a:ext uri="{91240B29-F687-4F45-9708-019B960494DF}">
+              <a14:hiddenLine xmlns:a14="http://schemas.microsoft.com/office/drawing/2010/main" w="9525">
+                <a:solidFill>
+                  <a:schemeClr val="tx1"/>
+                </a:solidFill>
+                <a:miter lim="800000"/>
+                <a:headEnd/>
+                <a:tailEnd/>
+              </a14:hiddenLine>
+            </a:ext>
+          </a:extLst>
+        </p:spPr>
+      </p:pic>
+    </p:spTree>
+    <p:extLst>
+      <p:ext uri="{BB962C8B-B14F-4D97-AF65-F5344CB8AC3E}">
+        <p14:creationId xmlns:p14="http://schemas.microsoft.com/office/powerpoint/2010/main" val="228644201"/>
+      </p:ext>
+    </p:extLst>
+  </p:cSld>
+  <p:clrMapOvr>
+    <a:masterClrMapping/>
+  </p:clrMapOvr>
+  <p:timing>
+    <p:tnLst>
+      <p:par>
+        <p:cTn id="1" dur="indefinite" restart="never" nodeType="tmRoot"/>
+      </p:par>
+    </p:tnLst>
+  </p:timing>
+</p:sld>
+</file>
+
+<file path=ppt/slides/slide21.xml><?xml version="1.0" encoding="utf-8"?>
+<p:sld xmlns:a="http://schemas.openxmlformats.org/drawingml/2006/main" xmlns:r="http://schemas.openxmlformats.org/officeDocument/2006/relationships" xmlns:p="http://schemas.openxmlformats.org/presentationml/2006/main">
+  <p:cSld>
+    <p:spTree>
+      <p:nvGrpSpPr>
+        <p:cNvPr id="1" name=""/>
+        <p:cNvGrpSpPr/>
+        <p:nvPr/>
+      </p:nvGrpSpPr>
+      <p:grpSpPr>
+        <a:xfrm>
+          <a:off x="0" y="0"/>
+          <a:ext cx="0" cy="0"/>
+          <a:chOff x="0" y="0"/>
+          <a:chExt cx="0" cy="0"/>
+        </a:xfrm>
+      </p:grpSpPr>
+      <p:sp>
+        <p:nvSpPr>
+          <p:cNvPr id="2" name="Title 1"/>
+          <p:cNvSpPr>
+            <a:spLocks noGrp="1"/>
+          </p:cNvSpPr>
+          <p:nvPr>
+            <p:ph type="title"/>
+          </p:nvPr>
+        </p:nvSpPr>
+        <p:spPr/>
+        <p:txBody>
+          <a:bodyPr/>
+          <a:lstStyle/>
+          <a:p>
+            <a:r>
+              <a:rPr lang="en-US" dirty="0" smtClean="0"/>
+              <a:t>Correlation among </a:t>
+            </a:r>
+            <a:r>
+              <a:rPr lang="en-US" dirty="0" err="1" smtClean="0"/>
+              <a:t>testset</a:t>
+            </a:r>
+            <a:endParaRPr lang="en-US" dirty="0"/>
+          </a:p>
+        </p:txBody>
+      </p:sp>
+      <p:sp>
+        <p:nvSpPr>
+          <p:cNvPr id="3" name="Content Placeholder 2"/>
+          <p:cNvSpPr>
+            <a:spLocks noGrp="1"/>
+          </p:cNvSpPr>
+          <p:nvPr>
+            <p:ph idx="1"/>
+          </p:nvPr>
+        </p:nvSpPr>
+        <p:spPr/>
+        <p:txBody>
+          <a:bodyPr/>
+          <a:lstStyle/>
+          <a:p>
+            <a:endParaRPr lang="en-US" dirty="0"/>
+          </a:p>
+        </p:txBody>
+      </p:sp>
+      <p:pic>
+        <p:nvPicPr>
+          <p:cNvPr id="1026" name="Picture 2"/>
+          <p:cNvPicPr>
+            <a:picLocks noChangeAspect="1" noChangeArrowheads="1"/>
+          </p:cNvPicPr>
+          <p:nvPr/>
+        </p:nvPicPr>
+        <p:blipFill>
+          <a:blip r:embed="rId2">
+            <a:extLst>
+              <a:ext uri="{28A0092B-C50C-407E-A947-70E740481C1C}">
+                <a14:useLocalDpi xmlns:a14="http://schemas.microsoft.com/office/drawing/2010/main" val="0"/>
+              </a:ext>
+            </a:extLst>
+          </a:blip>
+          <a:srcRect/>
+          <a:stretch>
+            <a:fillRect/>
+          </a:stretch>
+        </p:blipFill>
+        <p:spPr bwMode="auto">
+          <a:xfrm>
+            <a:off x="1524001" y="1600200"/>
+            <a:ext cx="5410200" cy="4724400"/>
+          </a:xfrm>
+          <a:prstGeom prst="rect">
+            <a:avLst/>
+          </a:prstGeom>
+          <a:noFill/>
+          <a:ln>
+            <a:noFill/>
+          </a:ln>
+          <a:extLst>
+            <a:ext uri="{909E8E84-426E-40DD-AFC4-6F175D3DCCD1}">
+              <a14:hiddenFill xmlns:a14="http://schemas.microsoft.com/office/drawing/2010/main">
+                <a:solidFill>
+                  <a:schemeClr val="accent1"/>
+                </a:solidFill>
+              </a14:hiddenFill>
+            </a:ext>
+            <a:ext uri="{91240B29-F687-4F45-9708-019B960494DF}">
+              <a14:hiddenLine xmlns:a14="http://schemas.microsoft.com/office/drawing/2010/main" w="9525">
+                <a:solidFill>
+                  <a:schemeClr val="tx1"/>
+                </a:solidFill>
+                <a:miter lim="800000"/>
+                <a:headEnd/>
+                <a:tailEnd/>
+              </a14:hiddenLine>
+            </a:ext>
+          </a:extLst>
+        </p:spPr>
+      </p:pic>
+    </p:spTree>
+    <p:extLst>
+      <p:ext uri="{BB962C8B-B14F-4D97-AF65-F5344CB8AC3E}">
+        <p14:creationId xmlns:p14="http://schemas.microsoft.com/office/powerpoint/2010/main" val="1224675246"/>
+      </p:ext>
+    </p:extLst>
+  </p:cSld>
+  <p:clrMapOvr>
+    <a:masterClrMapping/>
+  </p:clrMapOvr>
 </p:sld>
 </file>
 
@@ -7545,7 +7874,7 @@
         </p:blipFill>
         <p:spPr bwMode="auto">
           <a:xfrm>
-            <a:off x="228600" y="1779374"/>
+            <a:off x="185321" y="1997456"/>
             <a:ext cx="4800600" cy="4422058"/>
           </a:xfrm>
           <a:prstGeom prst="rect">
@@ -7578,78 +7907,34 @@
       </p:pic>
       <p:pic>
         <p:nvPicPr>
-          <p:cNvPr id="5" name="图片 4"/>
+          <p:cNvPr id="7" name="Content Placeholder 5"/>
           <p:cNvPicPr>
             <a:picLocks noChangeAspect="1"/>
           </p:cNvPicPr>
           <p:nvPr/>
         </p:nvPicPr>
         <p:blipFill>
-          <a:blip r:embed="rId3"/>
+          <a:blip r:embed="rId3">
+            <a:extLst>
+              <a:ext uri="{28A0092B-C50C-407E-A947-70E740481C1C}">
+                <a14:useLocalDpi xmlns:a14="http://schemas.microsoft.com/office/drawing/2010/main" val="0"/>
+              </a:ext>
+            </a:extLst>
+          </a:blip>
           <a:stretch>
             <a:fillRect/>
           </a:stretch>
         </p:blipFill>
         <p:spPr>
           <a:xfrm>
-            <a:off x="5334000" y="2590800"/>
-            <a:ext cx="3526897" cy="2971800"/>
+            <a:off x="4724400" y="2194424"/>
+            <a:ext cx="4315845" cy="4028123"/>
           </a:xfrm>
           <a:prstGeom prst="rect">
             <a:avLst/>
           </a:prstGeom>
         </p:spPr>
       </p:pic>
-      <p:sp>
-        <p:nvSpPr>
-          <p:cNvPr id="4" name="TextBox 3"/>
-          <p:cNvSpPr txBox="1"/>
-          <p:nvPr/>
-        </p:nvSpPr>
-        <p:spPr>
-          <a:xfrm>
-            <a:off x="5173585" y="1784866"/>
-            <a:ext cx="3880678" cy="369332"/>
-          </a:xfrm>
-          <a:prstGeom prst="rect">
-            <a:avLst/>
-          </a:prstGeom>
-          <a:solidFill>
-            <a:schemeClr val="accent6">
-              <a:lumMod val="20000"/>
-              <a:lumOff val="80000"/>
-            </a:schemeClr>
-          </a:solidFill>
-          <a:ln w="28575">
-            <a:solidFill>
-              <a:schemeClr val="accent6">
-                <a:lumMod val="50000"/>
-              </a:schemeClr>
-            </a:solidFill>
-          </a:ln>
-        </p:spPr>
-        <p:txBody>
-          <a:bodyPr wrap="square" rtlCol="0">
-            <a:spAutoFit/>
-          </a:bodyPr>
-          <a:lstStyle/>
-          <a:p>
-            <a:r>
-              <a:rPr kumimoji="1" lang="en-US" altLang="zh-CN" dirty="0" smtClean="0"/>
-              <a:t>Open-Date: the </a:t>
-            </a:r>
-            <a:r>
-              <a:rPr kumimoji="1" lang="en-US" altLang="zh-CN" dirty="0"/>
-              <a:t>most </a:t>
-            </a:r>
-            <a:r>
-              <a:rPr kumimoji="1" lang="en-US" altLang="zh-CN" dirty="0" smtClean="0"/>
-              <a:t>correlated one!</a:t>
-            </a:r>
-            <a:endParaRPr kumimoji="1" lang="en-US" dirty="0"/>
-          </a:p>
-        </p:txBody>
-      </p:sp>
     </p:spTree>
     <p:extLst>
       <p:ext uri="{BB962C8B-B14F-4D97-AF65-F5344CB8AC3E}">
@@ -7712,116 +7997,169 @@
       </p:sp>
       <p:sp>
         <p:nvSpPr>
-          <p:cNvPr id="3" name="Content Placeholder 2"/>
-          <p:cNvSpPr>
-            <a:spLocks noGrp="1"/>
-          </p:cNvSpPr>
-          <p:nvPr>
-            <p:ph idx="1"/>
-          </p:nvPr>
-        </p:nvSpPr>
-        <p:spPr/>
-        <p:txBody>
-          <a:bodyPr/>
-          <a:lstStyle/>
-          <a:p>
-            <a:r>
-              <a:rPr lang="en-US" dirty="0" smtClean="0"/>
-              <a:t>Feature Rank</a:t>
-            </a:r>
-          </a:p>
-          <a:p>
-            <a:pPr lvl="1"/>
-            <a:r>
-              <a:rPr lang="en-US" dirty="0" smtClean="0"/>
-              <a:t>Attribute evaluator: </a:t>
-            </a:r>
-            <a:r>
-              <a:rPr lang="en-US" dirty="0" err="1" smtClean="0"/>
-              <a:t>ReliefAttributeEval</a:t>
-            </a:r>
-            <a:endParaRPr lang="en-US" dirty="0" smtClean="0"/>
-          </a:p>
-          <a:p>
-            <a:pPr lvl="1"/>
-            <a:r>
-              <a:rPr lang="en-US" dirty="0" smtClean="0"/>
-              <a:t>Search method: Ranker</a:t>
-            </a:r>
-          </a:p>
-        </p:txBody>
-      </p:sp>
-      <p:pic>
-        <p:nvPicPr>
-          <p:cNvPr id="2050" name="Picture 2"/>
-          <p:cNvPicPr>
-            <a:picLocks noChangeAspect="1" noChangeArrowheads="1"/>
-          </p:cNvPicPr>
+          <p:cNvPr id="4" name="AutoShape 2" descr="data:image/png;base64,iVBORw0KGgoAAAANSUhEUgAAAhwAAAH4CAYAAAABwzR1AAAABHNCSVQICAgIfAhkiAAAAAlwSFlzAAALEgAACxIB0t1+/AAAIABJREFUeJzs3Xl4FeX5xvFvEkFCWMUdFZXAA4qIC4qAuNaK1Wr9YV26oFVr1WpdWnfrUm2tdavWre61i4p1qftuBRTFFVF4IKhorSsqS0jYkt8fM7HHmJx3Es8yJ9yf68rVJPPwzjsnsefJOzP3lDU2NiIiIiKST+XFnoCIiIh0fGo4REREJO/UcIiIiEjeqeEQERGRvFPDISIiInmnhkNERETyTg2HFISZVZjZCWY21cxeMbM3zOwCM+ucx33uaGavJ6j7tZl9N/78HDP7UY72f7CZ3ZeLsQrJzHYzs7lm9ryZdWnnGNeZ2Za5nlsb57CRmd35Df59TzN7MmHt/WY2PlfjtZWZDTezq/MxtkiuqOGQQrka2BbY2d23AIYDBlxf1FlFdgY6Abj7We5+a5HnU2wHAH92923dvb6dY+wKlOVwTu3Rj+h3rL16E/2eJtEYf+RqvLbaFFgvT2OL5MQqxZ6AdHxmthFwELC2uy8CcPfFZvYzYLu4pidwJbA50f9xPwSc5u4rzGwJcE+87QfAsxlfHwTUAZcBfYAK4HJ3v6nZHAbG41cB6wKvAvsDhwFbARea2QpgH+B1d7/YzLYHLgS6AkuBM9z9ETM7GPgesAIYEG/7sbu/0cLhr2NmD8X7nAsc7u4fxcf7R2AIUbPzBPAr4CJgkbufaWZrA/8FdnH3p8zsB8B33X1/MzsUOJLoj4Z5wM/d3eMVo98DY+LX4hXgWHdfaGbvADcBuwAbALe7+8nNXqdfAXsDdWbWw91PNrPTgX3jfb0DHOXuH5jZiHhfqwLrAI+5+2Fmdn58vH+N/+q/ELjC3f8Z7+Pp+Gd0V7Ofbas/SzPrFs+9GmgAXgKOcPdGM3sAuNrd7884jgqiZnZdM3vI3cea2Ujggvh3oAE4290fiF/nv8T7BHjA3X8d76/SzF4Gtnb3hozx1wVuiY97LrBmxrafAD8FOgOrARe4+zXNxwMObqkuy3xo6ecOLAbOBXqY2Q3ufigiKaQVDimELYE3mpqNJu7+kbvfE395OfCJu29G9H/GmwO/jLd1Av7l7oPc/aXMr4FpwJ3AKe6+NbAj8Esz27bZHA4DbnL3kURvWhsBe7j7lcCLwK/iuTQCjWbWB5hA9Ga9OTCe6A10w3i8MURv8psBk4mahZYMBI6Ox3idqMkAuBR4MZ7zlsAawAnAXcDucc3uwIdEqwUQNQITzGwH4MfA9u6+JfCH+N8BnAIsc/et3H0Y8AHRmyzxsVW5+xhgJHCMmfXLnKy7/wH4F3BJ3Gz8mKgp2iZemXqI/61KHQuc6e4jiP7C/q6ZbeHupxM1Sj9w9xf4+l//mZ8n/Vl+D+iWsToG0c8Qd/9OZrMRf28FcCgwJ242egM3Aj90963i1/JqM1sfODyu2wrYHhhgZt2JGoI6d98ys9mIXQk86+5D4tdhEICZVRH9ro2NfzYHEDVcZI5H1MS2VtfSfHq09nN39/eAM4GJajYkzbTCIYWwgnBzuzvRmyDuvtTMrgGOI/oLGmBis/qmrwcCGwM3mn25et4FGAbMzKg/Gdgt/gveiP4C79bKXMqITv/UuPvUeE5vmtlkojfBRuAld/9vXP8y0QpASx5z97fiz28EXog/3xMYHv/FClBJ9Ff3RcB6ZrZG/JqcBxxsZmcTNTkHA2cTNU3PZhxz7/hNdU+gp5l9K/5+Z+CjjPncGx/Pf83sY6K/rOe2Mvcv5wm8GO+rIp4rRE3Yd8zsVGAw0Ztoa69pNkl+lo8A55vZU8BjwGUZr2trMk/pbEe0GnFvxtgNwGZETdSDZrYB8DhRw7MwbjpbswtRg4i7z2m6NsPda81sT2AvM6uO517VfD7uvihLXUvzWWBm36H1n3uxT1+JBKnhkEKYCgw2s26Zqxxm1he4FhhH1JBk/p9mBV/9/fzK6kjG1xXAF/Ffvk3jrgnMJz5dE7strr0deABYn+z/J93StqY5LSNa+g/VQ/SmllmzLP68HBjn7h7PuSfQGJ8iuI/ojX5b4EfAqcB+RH9RLzazcuBWdz8l/rdlwLru/nm87Vh3fyTeVkX0pt0kc96NWebdpJxoqf/aeLzORNciAEwiOmXzMHAHsE0r4zXy1Yaz+YXCwZ+luy+J35h3JLrm5nEzO6bpNE0CFcCMeDWmaex1iFbVlsen/XaNx37BzPYhWh1qTfNjWh6PuR7wHHANUSN1J9HP8iuy1bn7i63MJ9vPPeHLIFI8OqUieefu7wN/I/rLtTuAmfUArgI+jS9MfAQ4Ot62KtG57ceSDA/Ux9c3EP9VOJ3oNEWm3YBz3X1C/PW2RG9CEL1ZNL0JlhG9mUyJhrPh8bibEi1vP03b/prcKV62h+jc+4Px548Q/4UcH+99xMcP3A2cBExz92XAk8DviN6UAB4FDozP9TeN+0TGuMeYWae4+bge+G0b5tuk6RgfAQ5v+rkBvwFuNbNeRNe+nBKfilqP6K/vll7TT4hOk2Fm/YGhreyztZ/lVvH1Pje5+6PxG+4jRKdxsllOfDEw0c9zQHxdDma2BTCb6BqPC4hODd1LtKr2BtG1Ocszjqe5h4l+R5vmuVP8/a2Aj939fHd/DNgrrilrNt7WrdSVZ5lPtp975rGKpJIaDimUo4A3iZaDXyF6A5hOdB4bovPga1p0G+s0YAZwfryt+dX/X37t7kuJzscfZmavEb0RnOHuzzWrPQ2428ymEt0x8zTRGyREb/YXxdcrNMbjziNaVbjCzKYRNUwHu3sNLV+T0NIdCo3xsdwYH9d6xE1GfLxV8fdfiz+azuE/SXTKp6nheoToosT74rk9SnSq6bH4mA8gusYBoobgHaKVhzfiOZzYwtxCmo7neuB+YIqZTSe6nmO8u39B1AS9HL+mpxCteDS9pvcAt5vZrkSnhXaLj/UC4N8t7Cfbz/JZoosoK8zszXh/3YmvhzGzB+LTE81NB1aY2RR3/wT4P+APZvYq0QWfP3T3d4mupxkWz28q8BbwD6LrUF6O99m72dhHA5uY2Zvxa/RK/P1Hgf+YmccXh64PfBy/Ll+OR3RqraW6/q3NJ/BzfxYYZGZJV3xECq5Mj6cXERGRfNMKh4iIiOSdGg4RERHJOzUcIiIikndqOERERCTv1HCIiIhI3qnhEBERkbxTwyEiIiJ5p4ZDRERE8k4Nh4iIiOSdGg4RERHJOzUcIiIikndqOERERCTv1HCIiIhI3qnhEBERkbxTwyEiIiJ5p4ZDRERE8k4Nh4iIiOSdGg4RERHJOzUcIiIikndqOERERCTv1HCIiIhI3qnhEBERkbxTwyEiIiJ5p4ZDRERE8m6VYk+giBqLPQERESlpZcWeQCnRCoeIiIjknRoOERERyTs1HCIiIpJ3ajhEREQk79RwiIiISN6p4RAREZG8U8MhIiIieaeGQ0RERPJuZQ7+YnrNB1m3D6lep0AzERER6djKGhvTG7hpZpsCvwe6At2AB4F7gL3c/Tdm9j1girtn7xxalt4DFxGRUqCk0TZI7QqHmfUC/gF8z93nmFk5MAH4wN1/E5cdC7wJtKfh0AqHiIhIgaR2hcPMxgPD3P34jO9VASOBnwC3An8DZgHXAwPc/SQzqwBeAbZ296VZdtGohkNERL4BrXC0QWpXOIB1gLczv+HutWa2LP78QTN7FTgC+C/wspmdAuwOPBloNkRERFLvgU6Wk1WB7yzzojdHab5LZS6wfuY3zGwjYAzNrr9w90XAv4FvAwcTrXiIiIhISqR5heN+4DQzu9rd3zKzTsDFwGPA4LimAaiIP78OOAVYzd2nF3y2IiIiOVbWKf8LE/E1klcBQ4ElwGHuPidj+w+AE4AVwI3ufk179pPaFQ53XwiMB64zs6eA54BXgRn8b4XjWeAvZtbL3V8A+hNd1yEiIlLyylcpy8lHwD5AZ3cfSfSH+8XNtv8B2AUYBZxoZj3bcyxpXuHA3V8mOsjmno63nwmcCV92aLVEd7aIiIhIMqOAhwHc/Xkz27rZ9mlAL6KzCmW0M1Yi1Q1HUvG1HXcRLfUsKvZ8REREcqGsU0FORPQAFmR8vcLMyt29If76DeAloj/q/+nuC5oPkESHaDjc/W1gi7b+uwoagjVTx2wXrBn+zHNt3bWIiEhQgtMhubAA6J6526Zmw8yGAnsA/YDFwF/NbJy739nWnQQbjpbSPt39bDPbHPhuWxM/zWxj4EKgbzz5OuAkd3+zrZP/pgZX9w3WqJkQEZEObjKwFzDBzEYQnUJpMp/ofXqJuzeY2cdEp1faLGvD0Vrap5kd4e7XAq/FpYkSP82sK3Av0RWwz8ffGw5cCezUngP4JmbUvJ91++DqvlrhEBGRoinEXSrA3cC3zGxy/PUhZnYg0M3drzOza4FJZrYUqAFubs9OsiaNZkn7XEp0kckRtCHx08z2B7Zz9+Na2d/NwGrxx55EF4SOijf/3d0vj2v+4e6PmNnuwP7ufoiZvQVMIbpTZTpRU5PtwpZGNRwiIvIN5L0beHLDoTkJ/tr5nWmpD/5qMe3T3ZdlfP0g0e2qPyJaDdknXglpKfFzQyDz3t57zOwpM5tpZn2Jrnx9wt1HA6OBDd19RPz5QWY2JK5p6QfQFzjD3bclOvWzT/DoRUREpCBCDUeLaZ9mtj0tvOknSPx8D9goo34fd98J+Jz/nd7x+H8HARPjuuVEqxebNBsvs2N7193fij9/FrDAsYmIiKRaWaeynHykQajhuB/YPb7Qkzjt8xJg02Z1zRM/DwfWaCHx815gVzPbtukbZlYNrMf/Gpim/51BtLLRtN+RwGygHlg3rtkyY+y+ZrZW/PkootMqIiIiJatAwV8FkbXhaCXt85WMWNM2JX66ey3RlbDHmdnTZjYJuAE4zt3fzRzT3R8A3jazZ+P9TnD3V4hWTY43s8eIGo+mOSwB/mRmU4D33f3+tr4YIiIiaVJWUZaTjzTI+ePp4+s3JgG7FTKEy8w+cPe2PE9eF42KiMg3kfd38meGbJGTN+kx018peteR0+CvIid+5rZzEhERKbLylKxO5EJOG472Jn7maN/rhqu+qmvjwmDNmjfclGisd2fPCNZsMGBwsEZERKRJWbkajpwzs4uArYC1iVJN3wI+dvf987XPfgMG5aQG1EyIiIhkk5qGw91/CV+GjZm7n5bvfc6dPTPr9n4DBgVrmuq0wiEiIrlWVlGQh7cVRGoajmbKzKwHUVJptbs3mtnvgReBo4lumR1EdMHO/u7+kZn9jug22grgkvY8WEZERCRNOtI1HKltneLH304kygGpIEouvYfo4tDJcWDY7cBpccT5hu6+PbAzcLqZ9SzS1EVERKSZtK5wNLmO6MFw5cBj7r7MzACejLc/B+wN/AfYKs4Kgei4+vHVJ96JiIiUlI500WhqVzgA3H0yUYjYoUQBYU22jv+3KVF0JvBUvOqxCzCB6KJTERGRklVeUZaTjzRIa8ORmanxN2Atd8+8KvNgM3saGAuc7+73AYvM7Bmi6zwaipADIiIiIq1I3SkVd7+l2bdWITq1kukUd5/V7N+dmNeJiYiIFFhaYslzIXUNRyYzu5kol2OvfIy/pLwyWLOAXonGWlSW7BrV6TUfBGuGVLcloV1ERDqqsvK0nohou5w/S6WErLQHLiIiOZH35YeXdhqVk/eqrZ6aXPSlklSvcLTGzHYE7gDeIGocKoG/ufuf4u2XAjPd/dps48yaMzfrfgb278frsz8MzmezAWvzZs1/g3WbVK+rFQ4REUmsI92lUpINB1GT8bi7HwRgZp0BN7PbgFuBAUThYCIiIiUrLXeY5EKpNhxlfHUpqwewAlgLOIvo7pWO81MSEREpcaXacADsHAd9NQDLgJ+7+xsAZja2qDMTERHJAZ1SSYcn3f3AYk9CREQkXzrSXSod50hEREQktUp1haOR8G2tuu1VRERKmk6pFJm7/xv4d5bt5xRwOiIiInmhu1Q6iKrl84M1tcvDaaQAtSuS1SU1/5LjgjU9T7gsp/sUERHJFyWNioiItE/elx/e/N4uOXmv2uTuJ4q+VFJyKxytpYwCk4DLifI4lgA/dvePs431vk/Luq++NpQpM8KrICMG92Sqfx6sG269EyeNaoVDREQ60l0qJddw0HLK6CzgUGC8u08zs58CJwN6gqyIiJQsXTRaXC2ljC4H9nT39+PvdQLqCj0xERERaVkpNhzQcsro+wBmNhI4Gti+iPMTERH5xrTCUXwtpoya2f7AacAe7j6v8NMSERHJHTUcKWRmPwR+CuzonuAKThERESmYUmw4vpYyamYVwB+BucBdZgbwb3c/u+CzExERyRHdpVJELaWMuvsKoE9xZiQiIpIfShrtIJaXdw7W9Oy0KMFIPelekaSuNw2NybrVVfv3T1S3+Om/Z93edceDEo0jIiKSTyWXNJol+OtJ4M9x2WzgsHjlozWldeAiIpI2eV9+eOvgPXPyXrXxzfcXfamkFFc4Wgv+2hk4xd0nmdlNwF7APdkGmjt7ZtYd9RswiBk172etARhc3ZeZNe8F6wZVr8+02R8F64YOWIv6e68I1nXZ+xitcIiIdGC6hqO4Wgv+Gu/uC+MGZG3gi2JMTkREpJSYWTlwFTCU6NEgh7n7nIztw4GLid57PwR+6O5L2rqfUmw4oOXgr4Vm1g94jKjZyP6gFBERkZQrUA7HPkBndx9pZtsSNRf7AJhZGdHlCv/n7m+Z2aFAP6IzC21Sqg1Hi8Ff7j4XGBi/IJcABxd6YiIiIrlSoIZjFPAwgLs/b2ZbZ2wbCMwDTjCzIcAD7t7mZgOgw5wcMrN7zaw6/nIR0VNjRUREJLsewIKMr1fEp1kAVgdGAlcAuwK7mNlO7dlJKa5wfC34K3YBcLOZLQVqgcMKOisREZEcK9BFowuA7hlfl7t7Q/z5PKDG3R3AzB4GtgaeautOSq7haCn4K/7+c8Dows9IREQkPwp0SmUy0Z2dE8xsBF+9BvItoJuZ9Y8vJN0euL49Oym5hkNERERy6m7gW2Y2Of76EDM7EOjm7tfF10X+Pb6AdLK7P9SenazUDUd9WdeC77O8rCFcBDTMT3ZXb/miBcGa2okTgjVV2++XaH8iIlI4hTil4u6NwJHNvj0rY/tTwLbfdD8dJmnU3f8Ubz+I6DbZkYGhSuvARUQkbfJ+vuM/x3w/J+9V611xh5JG26GlpFE3s78A/YGfJB3Ia97Nut2qN8h50uj0mg+CdUOq12HxX34TrOv64zOpv/+arDVd9vyZVjhERKToSvG22NaSRnsB5wPHUYCuU0REJN/Kysty8pEGpbjCAV9PGv0FcDlwAlBfzImJiIjkip6lUnxfSRqNc96rgauBLsAmZnaJu59QrAmKiIjI/5Rqw/EV7j4VGAIQP0/lNjUbIiJS6tJyOiQXSrHhaC1ptElZYLuIiEhJ0CmVImotaTRj+ztEue8iIiIlrSOtcHSc1klERERSq+RWOHKpgYpgTSW1icbqQl2iuvKEZ3vKe/dJVLds9b5Zt3cBGlatSjRW7fVnBmuqDgvng4iISG50pBWODpM0SvTwmfv5Xxzr1e5+R5ahSuvARUQkbfLeDXx8+sE5ea9a8/ybi965lOIKR0tJo7OAVYGL3f2SpAOFUkQHV/flnZpZWWsANqwemLjuzZr/Bus2qV6X+vuuCtZ12esoFk65L2tN9xF7sfCFB4Njdd9mD61wiIhI3pRiw9Fa0uimQD8z2xuYDRzn7ouKMD8REZGcKCsr+sJEzpRiwwFfTxr9ObA28Jq7v2JmpwFnAb8q4hxFRES+Ed0WW3xfSRoFMLOe7j4//vIeoqhzERERSYGO0zrBI3HEOcAuwIvFnIyIiMg3pYe3FVdrSaNHAleY2TLgA+CnBZ2ViIhIrumUSvG0ljTq7q8Aows/IxEREQkpuYYjl1avfy9Q0ZfPG1YLjrMhMG/F6onqVilblmBm0LhKp0R1nT4L32bb6cO3E41VVj04Ud2n058L1qw+ZLtEY4mISOvScjokF0ou+CuHVtoDFxGRnMh7N/D5+Ufm5L2q9+lXF71zKbkVjixJo3cA1wG9gArgx+7+VraxPpk+Jeu+1hgygldmfRqc0xYDV+cl/yxYt5Wtxqw5c4N1A/v3o+6h64J1lWMPp/7Ba7PWdNnjCOr/dWVwrC7fPZrFT/89WNd1x4O0wiEiIm1Wcg0HrSeN7gLc6u53xk3JICBrwyEiIpJqHeiUSik2HK0ljW4OPGNmjwHvAL8o/NRERERypyMFf5XqkexsZk+Z2RPArcAxwHrAZ+7+LeBd4ORiTlBERET+pxRXOKDlpNF5wL/iL+8Dzi/4rERERHKoI92lUqorHC2ZBHwn/nwHYHoR5yIiIvLNlZXn5iMFSnGFo7Wk0ROB683sSOAL4KCCzkpERERaVXINR5ak0XeB3Qo/IxERkfzoSKdUSq7hyKVFXfpk3b4G0KV8SaKxulbUJapb2tg5Ud2ymW8GayrHwrK35mSt6QI0LqlPtM+y98MZIQDd3nktXDRkO+rvuixY1mXf4xLtU0RkpdSB7lJR0qiIiEj75H35YcFlJ+TkvarHcZcUfamk5FY4siSNjgLWjss2Ap5tCgdrzds1s7Pua6PqAcyoeT84p8HVfRPXTa/5IFg3pHodFlx6fLCux/GXsvBPJ2Wt6f7zC6mbcHFwrMr9TqTub78L1/3gVOrvvyZY12XPn2mFQ0TkGyorK3qfkDMl13DQctKoA5u7+wIz6wU8BYTfsUVERNKsA51SKcWGo6Wk0RVEaaMA5wKXu/tHhZ6YiIhILumi0eLb2cyeAhqAZcDP3X2xma0J7IxizUVERFKlVBuOryWNxsYBf3N3XRAqIiKlLyWhXbnQcY4ksgvwULEnISIikhPlZbn5SIFSbDhaSxoFMPRIehERkdQpuVMqrSWNxtuGFHg6IiIieVNWgFMqZlYOXAUMBZYAh7n711IlzezPwDx3P7U9+ym5hiOXVpSFD3+VsmWJxupcljCRtKw2UV2n9dZLVFe++fBgTVlVt0RjlVVWJqqjsSFZWbceierq7vhD1u2V3/9VonFERDqcwpwO2Qfo7O4jzWxb4OL4e18ysyOAIcDT7d1JySWNZgn+mgRcQ3TXyiyiDi3bwZXWgYuISNrkvRuove6MnLxXVR1+XqtzNbOLgefd/Y746/+4+3oZ20cChwLPAINWphWOloK/ZgH7Ame7+8Nm9leiR9Xfn22gmjlvZ91Rdf+NmD3nneCEBvTfkDlzwpeO9O+/MW/NqQnWbdy/OnE6aO3ECVlrqrbfj/oHrw2O1WWPIxIng9bfd1W4bq+jqHv0xmBd5W4/0QqHiEgrygoT/NUDWJDx9QozK3f3BjNbB/g18D1g/2+yk1JsOFoK/loOPAn0MbMyoDuwtAhzExERyZ3CRJsvIHrfbFLu7k3nzscBqwMPEj0+pKuZzXD3v7R1J6XYcEALwV9Ab+BPwBnAF7RyYamIiIh8xWRgL2CCmY0ApjVtcPcrgCsAzGw80SmVNjcbULoNx9eCv8zsY2C0u88ws6OILnr5eVFmJyIikguFOaVyN/AtM5scf32ImR0IdHP365rVtvuaklJtOFoyD1gYf/4BMLKIcxEREfnmCnBKJb7B4shm357VQt0t32Q/pdhwtBb8dRhwm5ktJ7qP+PCCzkpERERaVXINR2vBX+4+GRhd+BmJiIjkR4HuUimIkms4REREVhod6OFtK3XDsaKxIlhTlvD6mDKSpW8ua+ycqK5h4YJwEVBeH04ubVwwP6f7bKxdlKiubHmylNaG+eH5fX7B0cGa3qdcmWh/IiJSeB0pafRZoqTReuBV4BdKGhURkTzK+xWddX//XU7eqyoPOrXoj4wtxRWO1pJGlwE/cvcpZvYb4CCiRqRVXvNu1h1Z9QbBNFKIEkmTJoiG9tm039obzwrWVf3kHOoeuzlrTeW3DqbutguDY1UecBKLbzk3WNd1/K8Tj5c04bT2ujOy1lQdfp5WOERkpVSIh7cVSikeSWtJoz3dfUr8vWfRBaQiIiKpUYorHPD1pNFjgDPMbIy7P0OUmFZVzAmKiIh8Y4V5WmxBlGrD0VLS6Bzgj2b2a2Ai0bUcIiIipUunVFLpO8AP3H1XoA/waJHnIyIiIrFSXOFoLWl0NvCEmS0mWgF5uLDTEhERybHCPC22IEqu4ciSNHo/cH/hZyQiIpInHShptOMciYiIiKRWya1w5FJjgsyWxEmjCQPUGginmwKwYkWyuiRpno3JUlAbly7N3T6Bxhxe7FTeuVOiuk/OOCRYs8Z5N33T6YiIFEYHumg0tUmjrSWKuvuf4u2XAjPd/dr468OBnxJlcpzn7g8EdpHOAxcRkVKR9wss6u+5PCfvVV32ObboF4OkeYWjpURRN7PbgFuBAcCMeNvaRFkcWxE1JpPM7DF3z/on+8ya97JOYFD1+syZ81Zwov37b8zbNbODdRtVD2BGzfvBusHVfYPpmxAlcNY9dF3Wmsqxh1P3jwuCY1UeeEryff71/PB4Pzw9OLem+SVJGp1/yXHBsXqecJlWOESkY+lAKxxpPpKWEkVXAGsBZxE1HU3btwEmu/syd18A1ABDCzhXERERySLNKxzw9UTRn7v7GwBmNjajrjuQ+cjRhUDPgs1SREQkH3RbbMF8LVG0FQuImo4m3YHP8zMlERGRAulAt8WmveFIaipwvpmtCnQBBgPTizslERERaZLm1qm1RNHmNbj7h8DlRM9QeQI4LXTBqIiISOqVleXmIwVSu8LRWqJoxvZzmn19PXB9vuclIiJSMLpLRURERCS51AZ/FcBKe+AiIpIT+Q/+evj63AR/7X5Y0c+rpPaUSpN2JI5WALcD17n7I9nGrpnzdtZ9V/ffKFjTVPfWnJpg3cb9q3l11ifBumED16D+rsuCdV32PY66R2/MWlO520+onTghOFbV9vtR/68rw/v87tHUPX5LsK5y1/HMmzYpWNdn6OiglkONAAAgAElEQVRE4WUfzHw1ONY6g4ZRO+nOYF3V6HHB1w2i105EpKhScv1FLqS+4aBtiaP9gb8AfYE/F2e6IiIi0lwpNByhxNGxGdurgEOBkynAUpeIiEhedaCLRkuh4YCEiaPuPi3+XlEmKSIiklM6pVJwSRNHRUREJIVKpeEQERFZ+SjavKASJ44m+J6IiEjJaNQplcJpa+Jo/L1D8jopERERaZPUNxz5VN/YJVhT0bg80VjljQ2J6rpXLExQtQaNS+oTjdfQtUewpuKLcPYHACtWJCorq6tNVNf14zkJqkbDF/OCVav+85rwUKdfw+JHHwyWVY0eR93UF4J1lbv9hHmvTw7W9dlsVHhuIiLt0YHuUlHSqIiISPvk/XxH3dP/yMl7VeWOBxb93ExqVzjakTB6PLB//M8fdPdzQ/uYXvNB1u1Dqtfh7ZrZwbluVD2Ad2pmBes2rB7InDlvBev699+Yun9cEKyrPPCUYLJm1ehx1N93VXCsLnsdRf3dl4frvnds4vGSJpKGjrXywFP47PyfBcda7fRr+OTX4XTQNc69MfF4WuEQEcmN1DYctC1hdGPgIGAbd280s0lmdre7v16kuYuIiHxjumi0MNqSMPou8G13b1p66gTUFWieIiIi+dGBruFIc8MByRNGlwOfmVkZ8AfgZXcPP01NRERkJWdm5cBVwFBgCXCYu8/J2H4g8AtgOfA6cFTGH/iJpb3hSJwwamZdgBuB+cBReZ2ViIhIIRTmlMo+QGd3H2lm2wIXx9/DzCqB3wBD3L3ezP4O7Anc19adpL3hSCRe2bgXeMLdLyz2fERERHKiMEmjo4CHAdz9eTPbOmNbPbCduzdlNaxCOy9ZSHPD0ZaE0X2AMUCnjFMtp7r7lHxNTkREJN8KdNFoD2BBxtcrzKzc3RviUyefAJjZMUCVuz/enp2ktuFoS8Kou99NdNusiIiItM0CoHvG1+Xu/mWaZXyNx4VANfB/7d1JahuOtMh1d7mCimSFFcnqyhoSpIMuT5aW2li/OFldwhRUyhP+ejWErz3q3Ltnsl126pSobnltshXBLgs+SlT3+QVHZ93e+5QrE40jIvIVhblLZTKwFzDBzEYA05ptv5bo1Mr32nOxaJPUJo22I/jraGB8XHuRu08I7CKdBy4iIqUi7+c7Fk35V07eq7qN+G6rc42vg2y6SwXgEGAroBvwYvzxTMY/+aO739PWOaR5haMtwV+rAz8DhhE1Jm8CoYYjUdLoW3PCd9du3L86cdLorDlzg3UD+/ej7o4/BOsqv/8rFj9ze9aarmP2T5wgmjTdtO7OS8J1406g7sm/het2/gF1f/td9pofnMqiq04OjtXtqN8z7zdHBOv6nHktH582Pli35m9voXbyXcG6qlH7aoVDREpWvGpxZLNvZ76pJVyazy7NiSKh4K9bm7a7+6fA5u6+AliHaOlHRESktJWV5eYjBdK8wgEJg78A3L3BzH4OnA38sdATFRERybVGJY0WTOLgLwB3/5OZXQs8ZGYT3f3p/E1NREREkuoQrZNF/hl/uZwomjXB7RsiIiIp1oFOqaS54Ugc/OXuDrxmZs8R3d7znLtPzPP8RERE8qusPDcfKZDaUyptCf6Kvz4XODff8xIREZG2S23DISIisrIrULR5QazUDUfPhs8CFeuwnGTJlUvokqjulY/WD9YM7A8N626UaLzlXXuFa9baINFYy6o3D9ZUAnUDtk5W1yd8rJXAio03CdYt2mn/YE03oNPYfYN1AF32PShRHUmSXIHle/4oWPP5q08Fa3oP2ynR/kRkJZGS0yG50GGSRuPvlQMPAPdkfr8V6TxwEREpFXlffljw8mM5ea/qseW3ir5UkuYVjsRJoxnOA3qRsJl4b9YbWbevP3DTxMmgXvNusM6qN+D2ZxuCdfuPLKd20p3BuqrR41jw4iNZa3ps/W0WPRtOoO02ch8WTH0oWNdj+Fg+e+2ZYN1qm49JXLfouXuzz227vflwxsvBsdYevGXw9YDoNUlaVzsxGFhL1fb78cn07A8mXmPICK1wiEibNea/pymYNDccoaTRsZnbzWxcvP1hCtB1ioiI5JuCvwonUdKomQ0BDgTGETUjIiIikiJpbziSJo3+COgLPAlsCCw1s7fd/dF8Tk5ERCSvtMKRLu7+5aNEzews4AM1GyIiUuo60m2xaW6dEieNioiISLqldoWjrUmjoe+LiIiUGl00KiIiIvnXgU6prNQNR6cVS3I2VtJ7peuXJqtbliBBFKChIvwjbFylc6KxVnRKlpbaUJEsfZWEoXLLV60K1ixZpWuisZat2i3ZPjtVJqprTHisdav2DO9zlWT7/Px3RwVrep96VaKxRETSosMkjZrZH4FRwMK4fh93X5BlF+k8cBERKRV5X36YN/3ZnLxX9RkysuhLJWle4Whr0uiWwG7uHnpAypdC6ZVrD94ycdLozJr3gnWDqtfnlqfDvzvjdyzji5cfD9b12nJXvnjliew1W+zCwhceDI7VfZs9Eidhfjr9uWDd6kO247NXW70E50urDdsheKy9ttyVubNnBsfqN2AQ816fHKzrs9mo5CmoCVNa353dPPT2qzYYMDiYRgpxIqlWOEQkpqTRwkicNBo/Q2UAcJ2ZrQXc4O43FXa6IiIiuaWLRgsnUdIo0BW4HLiE6JieMrMX3f31Qk9YREREvi7tDUfSpNHFwOXuXg9gZk8CmwNqOEREpHTpLpXUMeA2M9sCqABGAzcXdUYiIiLfUGOq8znbJs1Hkjhp1N1nEF1IOgV4Grgl/p6IiIikQGpXONqaNOruFwEX5XteIiIihdKRnqWS2oZDRERkZdeR7lJJbfBXAay0By4iIjmR9+WHD2e+kpP3qrUHbVH0pZLUrnC0I2l0LPBrol+Al9z96NA+/jNretbt6w0cgte8G55r9QaJg7/++kz4d+eHY8pY/MztwbquY/Zn4ZT7stZ0H7EXtRMnBMeq2n6/xCFX8196NFjXc6vdEoeXhY6165j9E4dmLXz+/mBd9233ZNFz9wbrum23N4v/fVuwrusOBwTD0FYfsh0Lpj4UHKvH8LGJg78+O/9nwbrVTr8mWCMi6dWRgr/SvFbTlDS6k7vvDOwAnGhmq5vZQ8BecQ1m1h24EPiOu48A3jGz1Ys1cRERkVxoLCvPyUcapGMWLQsljd6asX0kUebGJWb2DPCRu39awLmKiIhIFqk9pRJLmjS6OrATUdhXLTDRzJ5z99mFnrCIiEiu6C6VwkmaNPopMNXdPwaIVzmGAWo4RESkZHWkazjS3nAk9QowxMz6APOBEcCfizslERERaZLmhqMtSaMfm9mpwCPx92939zfzOTkREZF8S8sFn7mQ2oajHUmjtwPhe0lFRERKREc6pdJxWicRERFJLSWNioiItE/elx/m1nhO3qv6VVvRl0pSe0qlLUmjZjYMuDTjn48A9nb3rJGYc2fPzDqHfgMGMWvO3OBcB/bvlzhp9O4XVgTrvrdNBbWT7wrWVY3al4UvPJi1pvs2ewTTSCFKJE2aIDrv9cnBuj6bjeKz154J1q22+ZhEaakfzHw1ONY6g4bxxStPBOt6bbFL4hTUpMmlH705NWvNWpsM57NXWz1D+KXVhu2QOEH0iwuPCdb1OukK5l90bLCu5y8vD9aISOEV4pSKmZUDVwFDgSXAYe4+J2P7XsCZwHLgRne/vj37SW3Dwf+SRg8CMLPOgJvZbUShXwOAGQDu/ipRDgdmth/wn1CzISIiIgDsA3R295Fmti1wcfw9zKwTcAmwNbAYmGxm/2qKoWiLNF/D0ZakUQDMrAo4G/hFYaYoIiKSPwWKNh8FPAzg7s8TNRdNBgM17j7f3ZcBk4Ax7TmWNK9wQPKk0SaHAne4+2cFnKOIiEheFOgulR7AgoyvV5hZubs3xNvmZ2xbCPRsz07S3nAkTRptchDwf/majIiISAe0AOie8XVTswFRs5G5rTvweXt2kvaGIzEz6wms6u7vF3suIiIiuVCgZ6lMJnoC+wQzGwFMy9g2ExhgZr2JnlU2BvhDe3aS5oYjcdJobCDwdv6mIyIiUliNjQVpOO4GvmVmTbcgHmJmBwLd3P06MzuBKMm7HLjB3T9oz05S23C0I2l0KrBvvuclIiJSKI0FuLfD3RuBI5t9e1bG9vuBcEZAQGobjkLovKI+WJO0u0z6S7F4SbK6xPn5jQ3BkvJl4eMEKF++NFFdpyWLEtVVLE+63yXBms7LapPtc1l4LIBVliQbL+lrssqKcN0qyxYn22enTonqGpYtS1S3bFGy/S7444lZt/f4xcWJxhERaUlqk0bbEvwVf30icCDRHS2/dfd7ArtI54GLiEipyPv5jllz3s3Je9XA/hsoaTSLxMFfZtYLOBboD3QDXgVCDUcwvXKdQcPwmneDE7XqDZhRE75WdXB1X/42Mfy784Pty1j0bHD6dBu5TzAJs/u2e1I7cUJwrKrt90ucqrngxUeCdT22/nbi5NLaSXdmn9vocYnTTUPJqxClry567t5gXbft9k6c+BqaX5/NRrFg6kPBsXoMH5s4QTRpIumnZx8WrFv97Ou1wiGSQh3p4W1pbjhCwV9jM7bXAnOJmo3ucZ2IiIikRJobDmhb8Nd/gDeBCuC3BZ2liIhIHmiFo3CSBn+NBdYGNiRa9XjEzJ6N71wREREpSWo40uczoM7dlwKY2Re0M3pVREREci/NDUfi4C93n2RmU81sCtHpl4nuHn7+uIiISIoVKPirIFLbcLQj+OtsoifFioiIdAgd6ZRKmh9PLyIiIh1Ealc4CmHeKmtl3b4OUFGW7A7bVcvqEtVttvbHCarWouH5Vhd3/mfkPnR6vyZYVvFJsufZVcx8OVy07Z50mvliuG7rb7PK4vnhOqDxjcB+R4+j6u3smSkAbDaK8teeDddtswe8OiVct93elL87K1w3CrrOCOx3s1F08gSv7/CxrLr1iHAd0GnXPRPVVY3ZKVHdKltsE6xJmksiIrnRkVY4OlLS6MnAAUSP2b3Q3R8I7CKdBy4iIqUi793A6zUf5eS9arPqtYreuaR5haMtSaObEcWab0P0C/CsmT3p7lmXHabXZH/g3ZDqdaiZE34AbXX/jXhrTnilYeP+1Uyb/VGwbuiAtVhw6fHBuh7HX0r9XZdlremy73HBmqa6xbecG6zrOv7X1P31/GBd5Q9PT5xwuuja07LWdDvit9T/68rgWF2+ezS1150R3ufh57Ho6lODdd2O/B11/7ggWFd54CnU3ZH9ac2V3/9V4tet7sm/het2/kHiZNik4y1+5vasNV3H7K8VDhFptzQ3HG1JGh0EPJ1xW+xsYCjwfMFmKyIikmO6S6VwkiaNvg6cambdgFWBkcC1hZ6siIhILjV0oGs40t5wJEoadfeZZvYn4GHgXaKVjU/zPTkRERFJpkPcFmtmqwPd3X00cCSwPjC9uLMSERH5Zhopy8lHGqR5haMtSaOfmtlgM3sBWAr80t11F4qIiJQ0XcNRAO1IGv1Z3iclIiIi7ZLahkNERGRll5bTIbmwUjcclQnSQZc1dk401tLGVRPV1S6vTFRXVlGRqK5xcW24pqEh0Vjl3XskqmOtvsnGW7Y0UV1Zp07BmoZeqyfbZ6/eieoqeiV7mPCKBQsS1bHamsGSsp7J5sbS+kRlqyz6PFFdWW2yxNey+vDvUnntF4nGWvink4I13X9+YaKxRFZmHemUSskljQKTgMuJMjmWAD9294/N7HDgp8By4DwljYqISJ7lvRt40T/PyXvV1ta76J1LmhuOHYAjmiWNzgI+B8a7+zQz+ylgwIXAY8BWRI3JJGDrpiCwVjTOmfNW1jn0778xM2rCzyEZXN2XmTXvBesGVa/PczPCfzFvN7gHCy//ZbCu+7EXBdMrK394OnV3XhIcq3LcCYkTSeseuzk83rcOTpxwWXvjWVlrqn5yTjAFE6IkzLoJF4f3ud+JiRNEQymoECWh1j1+S/axdh1P/X1XBcfqstdR1D18Q3huux9K3RO3hut2+VHy/T56Y/axdvtJsKapTiscspLI+5v4VP8iJ2/Sw61X0RuONJ9SaSlpdDmwp7s3dQGdgDqiSPPJ7r4MWGZmNURJowmeMiYiIpJOHemUSpobDmg5afR9ADMbCRwNbA/sDmSeqF4IJDtJLyIiklLJrsArDWlvOFpMGjWz/YHTgD3cfZ6ZLQC6Z5R0Jzr1IiIiIimQ9obja8zsh0QXh+7o7k1NxQvA+Wa2KtAFGIySRkVEpMTplEphfC1p1MwqgD8Cc4G7zAyip8SeY2aXAxOJ4tpPC1wwKiIiknrK4SiAlpJG3X0F0KeV+uuB6wswNREREWmj1DYcIiIiK7uOdEoltTkcBbDSHriIiORE3ruBSW/W5uS9avQmVUXvXFK9wtHWtNH436wBTAaGhK7jSBL85TXvhudZvQGz57wTrBvQf0Omzf4oWDd0wFrU3RYORao84KRgqFOXvY6i/v5rgmN12fNnyQOiEgZOJQ3rqr/78uz7/N6xfP7qU8Gxeg/bKXEwVdJjrb3+zGBd1WG/YeHz92et6b7tnokD0xY9e0+wrtvIfVg45b5gXfcRe7HouXvD4223d7Cu23Z7s+DFR4Jj9dj628EwN4gC3WqvOyNcd/h5wRoRSb/yYk8goBF43N13cvedgR2AXwI3EWVy7ATcBZwMYGbfBh4Fwg+2EBERSbmGxtx8pEGqVzhoW9ooRCseuwAvFWyGIiIieaK7VAoradoo7v54/P0iTVVERERaUgoNR6K00cJPS0REJL860l0qpdBwfE0raaMiIiIdSke6kTTtDUfStNF/u/vZzf6diIiItIOZVQJ/BdYgeiDqeHf/tFnN8cD+8ZcPuvu52cZMdcPR1rTRjJqN8zkvERGRQmgo3kWjRwKvufu58SUMZwDHNW00s42Bg4Bt3L3RzCaZ2d3u/nprA6b9tlgREZGVVmNjWU4+2mEU8HD8+cPArs22vwt8292bzihk3jHaIiWNioiItE/elx8en7YkJ+9Vuw5dtdW5mtmhZKxexD4iuit0ppmVA3Pdff0W/m0Z8Aegyt2PzDaH1J5SaWvKaFvPJQG879Oybu9rQ3l11ifBuQ4buEbiutdmfxys23zAmix84cFgXfdt9mDx03/PWtN1x4P4dPpzwbFWH7Jd8PWA6DVJegyfvfZMsG61zccwb9qkrDV9ho5mRs37WWsABlf3ZdacucG6gf37BVNmIUqanff65GBdn81GBRNprXqDxKm1SV+3pOmrSY8hNF7vYTsl/l36+I0XgnVrbroNtZPvCtZVjdqXL15+PFjXa8vmf4CJlL5CrAm4+w3ADZnfM7N/At3jL7sDXzT/d2bWBbgRmA8cFdpPmk+pJE4ZNbONiM4lbefuI4DdzGyzYk1cREQkFxopy8lHO0wG9og/Hwt85S+heGXjXuBVdz8y49RKq1K7wkHbUkbfA3Zvy7kkERERadXVwC1mNpHobMJB8OWdKTVABTAG6GRmY+N/c6q7T2ltwDQ3HJAwZdTdlwPzMs4lvezuNcWatIiISC4U6zko7l4HfL+F71+a8WVlW8ZMe8OROGW0reeSRERE0k5Jo0XUUspoxrmkJ9w9/Fx3ERERKag0NxyJU0aBV2njuSQREZG060jJFaltONqRMtqmc0kiIiJpV8Sk0ZxL822xIiIi0kGkNmm0HcFfRwPj49qL3H1CYBfpPHARESkVeV9+uO+l5Tl5r9prq1WKvlSS2lMq/C/4q+ne387ALOBQoqfWTTOznxIFf/0W+BkwjKgxeRMINRzBVMqB/ftRM+ft4ESr+2/EOzWzgnUbVg9kanSda1bDrTeLrj41WNftyN9R/68rs9Z0+e7RwZq21tU9cWuwrnKXH7Fwyn3Buu4j9mLxX36Ttabrj8+k7qHrwvscezh1fz0/XPfD01l809nBuq6HnE3dnZeExxt3AnUTLs5es9+J1N0Wvp658oCTqHv4hnDd7odSO+nOYF3V6HHUPX5LeLxdxwfrKncdz+J/3xYcq+sOB7DgjycG63r84mIWXHp8uO74SxO/dvNfejRrTc+tdguOI5ImHekulTSfUskW/NWUwd0JqItvjR0WX+OxDlBf0JmKiIjkQUNjbj7SIM0rHJAw+AuiC0rN7OfA2UR3soiIiEhKpL3hSBz8BeDufzKza4GHzGyiuz9duKmKiIjkVkovs2yXNJ9SaVEc/HU0UfDXO/H3LH6yHUSnXZYQXVQqIiJSsor48LacS/MKR9Lgr6fd/Rwze83Mnov/zYPuPrHQExYREZGWpbbhaGvwl7ufC5xbgKmJiIgURFou+MyF1DYcIiIiK7uOdA3HSt1wdF8WysTox4rGikRj1VGVqG7mh72CNcMNlm+7S7L9brBJ1u1dgKXrbBwcpwuwoP/wRHXz1t8iWLcesLxLt2AdQP3QMVm3dwU+rt4+OE4/YNGw8OtWCdQO3z1Y1xVYutGQRON9unn28dYH5m+ebG5Lpr0artsdlk56KlhXNXocy15PMN6u41k67ZVgzfKXnw+OxQ4H0LD92HAdULH1yER1SwcMC9ZUAg0VnYJ1C5+/P1jTfds9k0xLRNqgwySNxv+mHHgAuMfdrw3sIp0HLiIipSLvV2Pe8VxuTqp8f7vyol85muYVjsRJo0BTrOF5QC8SNhMfzMz+l986g4bhNe8Gx7HqDZhR836wbnB1X279d3hqP9qhjC9efjxY12vLXfn81ex/5fYethMLpj4UHKvH8LF8/MYLwbo1N92G/8yaHqxbb+CQ4Nya5vfZq//OWrPasB2YO3tmcKx+AwbxyfTwA4LXGDIicV0ouRKi9Mr3Zr2RtWb9gZvy4YyXgmOtPXgrvrjwmGBdr5Ou4PMLjg7W9T7lysRpnvMvOS5rTc8TLks8VtLf39qJwUBgqrbfL/HPIcl/D1rhkFLS0IGSRtPccGRLGm16d+8E1AGY2TiiVY+HKUDXKSIiIsmlueGAhEmjZjYEOBAYB5xVrMmKiIjkUkqvemiXtDcciZJGzewkoC/wJLAhsNTM3nb38DqsiIhISqnhKKI4afSnREmjnwO4+8kZ288CPlCzISIikh5pbjiSJo3+293PLvjsRERE8kzBXwXQ1qTRjJpz8jkvERGRQmnsQHeplNzD20RERKT0pHaFoxDKG5YFa8rKkq1nldGQrC5hs9pYnizhtLEsXJckfbEtyhuTPYi3oTx3+21IcJzRPpO+bsl67bKGhMeaYH5JflYAZaskq0t8NVl5wmOtSLjfRIMl/EVPWJf0v4ckv3ONCf97mHfO4cGaPmddl2gskfbqSBeNdpikUTP7IzAKWBjX7+PuC7LsIp0HLiIipSLv5ztufjo371UH71j8fKo0r3C0NWl0S2A3d/8s6Q4+enNq1u1rbTKcWXPmBscZ2L8fM2veC9YNql6fvz4T/t354Ziy5Cmdrz2TtWa1zcckTn1MmjT6X38tWLeubc68aZOCdX2Gjk6UNPp2zezgWBtVDwj+TCH6uSY91qQpraEk1H4DBgWTbSFKtw0lfkKU+vn5744K1vU+9SoW/PHEYF2PX1wcrOvxi4uTJ42+8kSwrtcWu1A76c5gXdXocYnHC/3O9Rk6mgUvPhIcq8fW39YKh0iOpfkajmxJo9Pi73UC6sysDBgAXGdmk8zskMJOVUREJPcaG3PzkQZpXuGAhEmjQBXRaZZLiI7pKTN70d1fL860RUREvrm0NAu5kPaGI2nSaDlwubvXx9ufBDYH1HCIiIikQNobjq9pKWkUMOA2M9sCqABGAzcXZ4YiIiK5oeCvwkiaNPq0u59jZrcCU4hOvdzi7jMKPF8REZGc0imVAmhr0qi7XwRcVICpiYiIFERDsoinkpDmu1RERESkg0ht8FcBrLQHLiIiOZH3MK1rHsnNe9XPvq3gr1a1I2l0LPBrol+Al9z96NA+QgFW69rmiQO9ZtS8H6wbXN2Xf0wKr48dOLqchVPuC9Z1H7FXMJiqx/CxLHru3uBY3bbbOxjABVEI14czXgrWrT14K+a/9GiwrudWu7HwhQez1nTfZo/EoVlJjyFpsFrSn0PoNVl78FbBkDaIg9ouPCZY1+ukKxLXfX5B8D8Fep9yZTDUq8fxlybe58Ln7w/Wdd92T+qeuDVYV7nLjxIHsCUJwqudfFdwrKpR+/Lp2YcF61Y/+3oFhEledaQ1gTSfUmlKGt3J3XcGdgB+CdxElMexE3AXcLKZdQMuBL7j7iOAd8xs9WJNXERERL4qtSscZE8abVpO6ATUASOJMjcuMbONgevd/dNCTlZERCTXinVbrJlVAn8F1iB6Rtn4lt5X4xysB4B73P3abGOmueGA5EmjuwM7EYV91QITzew5dw8/gENERCSlcnedZZsv4TgSeM3dz43DNs8AWnrQ03lALxJcF5n2hiNp0uinwFR3/zje/gwwDFDDISIi0najgN/Hnz8MnNm8wMzGEV1P+TAJOpq0Nxxf00rS6CvAEDPrA8wHRgB/LtIURUREcqIQF42a2aF8ffXiI2BB/PlCoGezfzMEOBAYB5yVZD9pbjjamjR6KtD03Onb3f3NQk5WREQk1woR/OXuNwA3ZH7PzP4JdI+/7A580eyf/QjoCzwJbAgsNbO33b3V2xNT23C0I2n0duD2AkxNRESko5sM7AFMBcYCX7nn3N1PbvrczM4CPsjWbECKGw4REZGVXRFzOK4GbjGziUSZVwcBmNnxQI27h0OKmlHSqIiISPvkPb3zkntz8yZ9wt5lShptTVuSRoF1gMsy/vkIYO/Q8s77Pi3rHPra0MRJo0nr7pyyIlg3bkRF4sTMedMmZa3pM3Q0816fHByrz2aj+OjNqcG6tTYZHnzdIHrtQnNrml+SdMiP33ghONaam27Dp9OfC9atPmS7xHWfTJ8SrFtjyIjga7fWJsMTH0P9XZcF67rsexx1/7ggWONL8bMAACAASURBVFd54CksvunsYF3XQ86m/r6rsu9zr6OovTF8bVjVT85J/LuUNI32vVlvBOvWH7hpsG79gZsm/pku/stvgnVdf3xm4tc3aZ1IR5XahoP/JY02LeN0BmYBhxIFkEwzs58CJ7v7iUQ5HJjZfsB/Qs2GiIhI2nWkkxBpbjjakjQKgJlVAWcThYGJiIiUtMacRY0W/YxKqhsOSJ402uRQ4A53/6zgMxUREZFWpb3hSJQ0mrHpIOD/CjU5ERGRfCrWs1TyIe0Nx9e0kjSKmfUEVs043SIiIlLSOtI1HGl/PH1rSaPdiJJGn4oDRwAGAm8XdooiIiKSRGpXONqRNDoV2LcAUxMRESmIhg50TiW1DYeIiMjKriOdUklt0mhbgr/c/WMzO5HoyXUNwG/d/Z7ALtJ54CIiUiryfq/pb29fkZP3qtP2ryj6fbFpXuFIHPxlZucCxwL9ia7veBUINRyJUglfnfVJcKLDBq6RuO712R8G6zYbsDaLrj0tWNftiN8G0wu7HnI29XdfHhyry/eOpf5fV4brvns0i567Nzy37fZOPN7iW87NWtN1/K9Z/PTfg2N13fGgxPusv/eKcN3exyRP/Xzyb1lrKnf+AXWP3Rwcq/JbB7Po2eCvLt1G7sPC5+8P1nXfdk9qJ98VrKsatW+wrmrUvol/9nW3XRisqzzgJBb+6aRgXfefX5g4VbXu0Ruz1+z2k8RjJX19F77wYLhumz0S/xxCycB9NhsVHEc6jpSuCbRLmhuOtgR/1RI9sr4b0WN0w/nhIiIiKdfQgTqONDcckDz4qwz4D/AmUAH8tjjTFRERyZ3GhmLPIHfS3nAkCv4ys+8CawMbEjUfj5jZs/GdKyIiIlJkaW84vqaV4K/PgDp3XxrXfAH0LNIURUREciKtN3a0R5objmzBX3OJgr8Annb3c8xsqplNITr9MtHdHy/0hEVERHKpQadU8q8dwV9nEz0pVkRERFImtQ2HiIjIyk6nVERERCTvOlCyeYdKGj0ZOABYAFzo7g8EdpHOAxcRkVKR9/TOM25empP3qvMO7qyk0SzakjR6M1Gs+TZEvwDPmtmT7l6XbQczarI/yX5wdV/erpkdnOhG1QOYO3tmsK7fgEHMnvNOsG5A/w2pu/OSYF3luBOonXRn1pqq0eOoe/iG8Fi7H0rdhIvDdfudmDi5tHbihGBd1fb7BdM8u+x7HIuuOjk4Vrejfs/8S44L1vU84bLEdQun3Bes6z5iLxZe/svsNcdeFKxpqvvstWeCdattPoYPZ7wUrFt78FbMf+nRYF3PrXZLlHD5xcvha7F7bblr4t/fpOmrSX8Oz8/8ImvNtoN6Uf/gtcGxuuxxBP/114J169rmvO/TgnV9bWjw9YXoNZ43bVL2mqGjE78eUvoaO9ASR5objrYkjQ4iulul6bbY2cBQ4PnCTVdERCS3UnoSol3S3HBA8qTRNYBTzawbsCowEgj/GfP/7d15vF3T/f/xV0JL5pAErdIi8hEiCYpEQgQNiaa0X2NapcpPa6y51BCkqqmh1FAVsyJUSbWiIYQkomKMGD7EXDVEImS4IdPvj7WP7Jx77tnr3px77rn3vJ+PRx659+zPXXvtvc/wOWuv/dkiIiJSFpWecERVGgXmmNmVwIPAu4SRjU/K2lMREZESW65TKk2nUKVRM+sKdHD3gWbWCfg3MLMJuykiIrLaKvXCjoao5ISjvpVGe5rZU8CXwCnu3nKOkoiISDNXsQlHAyqN/qIc/RIRESkX3S1WREREGt1ynVJpGdovL37NPmzIl6wV1dbiVm2j4l6YvVFmzOabAet0i2pv+ZrZ/VvermNUW8u+1T0q7ouNt8iMWRtY0n7dqPaWd9kgM2Zp/yFRba254y5xcTsMjIprvWxJVNyygXtlB+0wKKqtNSb+PTuozy60nXB7dlzP7Vj6z+x6KGw3hLWfHF88ZusBrJhwb3Zb2+4B666fHQe0qlkYFbdijbi3qu5LXsqIGMCKVq2j2ur8RMS2Wh/WeSLieFlv1pryz+y4rQfQdsZjxWN6D6T1ksXZbQHzn3ogM6bDDsOi2hJZXc2x0ugjwF+SsNeBI9x9mZkdSZhMuhQYpUqjIiLSyBq9eufJVy8syWfVJUe3U6XRIuqqNLob8Gt3n2JmNwLDk9vSHwdsR0hMppjZQ7lCYHV577Xi34Y26rEVPuvdzI5a942j4/725LLMuP36rUHNxFsz49rsfkhmxcEO/YZHV/xcMG1cZlz7/vtEV66c99zEzLjO2+zOosfuLBrTdtBB0W0tnJr9bbPdgB9lVmiFUKU1tr2sCpydt90jujpkbBXUzy8/OTOu4wmXMOe8IzPjupx7HQuvO6toTLsjR/HpRcdktrXOr6+i5pG/Zsa12e3HLP7HVZlxa//gGD6fnjH6AnTcfmhUtdSa8ddl923okSy6cWRmXNufjYyOW3DNGZlx7X/5O2pu+23xvv3kN9GvaY1wNH+6LLY86qo0eqi7z08SkA2AeYSS5lPdfQmwxMxmESqNPl3mPouIiEgBlZxwQOFKo/PN7NvAw8CnwAxgKPBZ6u/mA53K3VkREZFSqtBZDw1S6QlHwUqj7v4OsLmZ/Ry4FLgH6JAK6UBIRkRERJqtlnTztrjp2hXEzMaZWe5yigWE29Q/BexsZmsllUZ7okqjIiIiFaOSRzhqVRpNXATcZGZfAgsJV6l8ZGZXAJMJSdSZWRNGRUREKp3qcJRBoUqjyePTgFpFFNx9DDCmDF0TEREpi5Z0SqViEw4REZFq15ISjoot/FUGVbvhIiJSEo1eTOuYi+eV5LPqqlM616uvZtYGuA3oRrjy81B3/yQvZihwDmE/POPuRQv1VPQIR32rjSZ/0w2YCvTKmsfxvs8ouv4NrTevvfFOZj97bPZtXp31XmbcFt034o4p2XfiOXhga+a+8Hhm3Lp9dsmMW7fPLnz+9L8z2+r43T2ji2vNfT6j9DKwbt9BmUWYIBRiyiok1mm7Icye+WRmW9169Yvu26fPP5oZt07fwdH75MNXni0as0HPbZkzY0pmW116D8ws/ARJ8aeMQl0QinVFF5y6c3TxdR50WnSxsdj9u+CJ+7L7ttO+0cf/g1efLxrzjS36Rvet5o6LMuPaHPxrFt1yQWZc25+eHR1Xc9cfiq/zgFOjtyH2ORf7XJLya8IBjl8CL7j7+WZ2IHAW8FVVQjPrAIwGBrn7XDM71cy65iclaZV+lUqu2uhgd98NGAScAowiVBvNzeUYDmBmewITgPWaorMiIiKltGL5ipL8a4ABwIPJzw8Ce+Qt3wl4EbjUzB4HPiqWbECFj3BQv2qjEC6R3R14pqy9FBERaaaSmlb591T4CPg8+blQMc2uwGCgD+GK0clmNs3dX69rPZWecEDxaqMPEZKNGQDu/jCAmTVVX0VEREqmHPMs3f164Pr0Y2aWLqjZgZVf7HM+Aaa7+8dJ/ONAX8I0h4KaQ8JRrNpoj1S10cPK3TEREZHG1IQ3b5sKDAOmE24fkj9h8Dmgl5l1IdxapB8r51YW1BwSjlrMbBxwsrvPYmW1URERESmNa4CbzWwy8AWQu3P7icAsd7/fzM4AclcljHX3l4s1WOkJR3S10QJ/JyIi0qw1VekKd68BDijw+GWpn8cCY2PbrOiEo77VRlPLN23MfomIiJRDSyr8VemXxYqIiEgLoEqjIiIiDdPolUYPP+/jknxW3XDueo3e1ywVe0qlvlVGk4ksByaPP+Du52eto5SVRn3Wu5lx1n1j7p6WXWl0//6tWTj57sy4djvvz/z//LNoTIcdv8+iSbdnttV21xEsnPK37HUO3I/5Tz2QGddhh2HRFU4XPXZn8b4NOii64ufCqX/PjGs34EfR+3fBtHGZce3775NZ+bE+VTXnX3FKZlyH4y/m88tOzIzreOJlzDnvyMy4Ludex4KrTy/et6N/zycj86dL1dZ15Jjo59ziB67NjFt72FHRz7mPXp5eNGb9LbeP7tuCa8/MjGt/1IXRcbFVWmMqjcY+z2P327zRx2XGdT7tT9HPOSmdlnS32Eo+pRJdZdTMNiHMoO3v7v2AIWa2dZP0WkRERGqp2BEO6ldl9D1gL3fPpYJfA2rK2VkREZFSa0mTRis54YDIKqPuvhSYY2atgD8AzyY1OkRERJqtljTPstITjugqo2a2NnADoeLZ0eXtpoiIiBRT6QlHLUWqjI4DJrp78Xtsi4iINBNNWNq85Co54YiuMmpmPwR2Ab5mZkOTuDPc/cnydFVERKT0NIejDOpZZfRewmWzIiIiUoEqNuEQERGpdi1p0mjFVhptQOGvY4BDk9iL3T2rslNlbriIiDQXjV698+DT3i3JZ9UdozdWpdEicoW/crfE/TrwGrAbofDXFDO7kVD4awrwC6AvITF5GcgsJfnhK88UXb5Bz+14ddZ7mR3dovtGvDzrf5lxW3b/JtdPzH7u/Hz3VpmVKyFUr5z7fK2zTqtYt++g6Iqfc2ZMyYzr0nsgH7/0VGbcelvtkNm3XP+yqoh23mb3zKqwECrDzp6ZPW2nW69+zHlxamZcl60HRG/De6+9VDRmox5bZVbBhFAJM6viJ4Sqn59dfHxmXKdTroiuIrnwhnOLxrQ7/Dw+veiYzLbW+fVV0c/f2Oqrsc/NrOPfrVe/6Kq1sRVfSx23cMzZRWPaHXFB9P7Neo+D8D4X+5ybf+VpmXEdjh3NZ5f+qmhMp5P+mNmOtDyVXGm0WOGvKenCX+7+CdDH3ZcB3wAWl723IiIiJbZ8+YqS/KsElTzCAZGFvwDcfbmZHQuMBC5vov6KiIiUTKVOe2iISk84ogt/JY9faWbXAuPNbLK7TypnZ0VEREqpJV0WW8mnVAoys3Fm1j35dQGwzMx6mNk9yWNLgS9YWRBMREREmlglj3BEF/5y94/M7AUzm5b8zQPuPrmMfRURESm5ljTCUbEJRz0Lf+Hu5wPnl6FrIiIiZbF8xfKm7kLJNLtTKiIiItL8VOwIh4iISLVrSadUWkyl0eRvWgP/Au5z92szVlGZGy4iIs1Fo1fv3Pfo10ryWXXf1T1UabSI6EqjQK5c4SigM5HJxNuzXiu6/Dvde+Cz3s1sx7pvHF2RdNzTSzPj9vnumtQ88tfMuDa7/ZiFU/9eNKbdgB+x6LE7M9tqO+ggFk26PTtu1xHMf/L+zLgO/YYz/6kHsuN2GEbNxFuLxrTZ/ZDo6pALJ2cWmKXdzvuXfJ9kVX6sT1XN2Gqen19+cmZcxxMuYc4FR2XGdTn7Wj6/7MTibZ14WXRbNRNuyIxrM+RwFv/jqsy4tX9wTObzHMJzPasK7npb7UDNQzdl9+17h0VX31xwzRnZcb/8Xeb+hbCPa+76Q/G+HXBq9PN3wbRx2X3rv0901dqsarQQKtLOOe/IojFdzr0uev9Ky1HJCUexSqPz05VGAcxsP8KlsA9ShqxTRESksVXqWYiGqOSEA4pXGn0Y+BSYYWa9gIOB/YDsFFxERKQZWL685VylUukJR7FKo5unKo1+BGxImN/xHeBLM3vL3SeUs7MiIiJSWKUnHLWY2TjgZHefRVJp1N1PTy0/F/hAyYaIiDR3LekqlUpOOKIrjZa1VyIiImWyogUV/qrYhKO+lUZTy89rzH6JiIhI/VVswiEiIlLtdEpFREREGl1LSjhaTKVRM7scGADMT+L3dffPi6yiMjdcRESai0av+TT0sBkl+awaf1PvJq9PVckjHPWtNLotMMTd58au4H2fUXT5hta75JVGb30s+7lzyKBWLJzyt8y4dgP3y6zm2WGHYdHVN2MriM579uHMuM7b7sFnz2RfKNRpuyGZ/Wu38/7MmTEls60uvQcy/z//zIzrsOP3o7c1tsLlnBenFu/b1gP4fPr4zLY6bj80utLop787OjvujKv5+MxDM+PWu/DmzMqlHU+4hNnnHJ7ZVrfzb2DR42Mz49ruciA146/LjGsz9MjofTd75pPF+9arX3SVzthKrrEVRGOP68Lrzioa0+7IUdEVRGNfq7HPpejqthGVRmPXmdVWrr2WqiXdLbaSE47oSqPJPVQ2B64zs/WB6939xrL3WEREpIRa0imVSk44oHil0YcIZc1nAG2BKwhFwNYEHjWzp939xSbqt4iIiKRUesJRrNJoj1Sl0cOBK9x9MYCZPQL0AZRwiIhIs7VCpc2bTqFKo0APYKyZbQOsQajTcVOTdVJERKQEmuqUipm1AW4DuhEuxjjU3T/JizmZcB+z5cCF7l70ltitG6mvpZBVafQR4CfAme7+KnAr8CQwCbjZ3V8pV0dFRERamF8CL7j7LsAtwCqzmc2sM3A80A8YAvwxq8GKHeGob6VRd78YuLgMXRMRESmLJixtPgD4ffLzg8DZecsXAu8A7YEOhLMNRVVswiEiIlLtlpfhlEoyH/JXeQ9/BORqWc0HOhX40/8CLxOmMlyYtZ6KLfxVBlW74SIiUhKNXkxr8AH/Kcln1aN37VivvprZPcBF7j7dzDoBU9x969TyHxCSlL0I++HfwKnuPr2uNit2hKMBlUaHAucQNvwZd8+ssvPf12YWXf6tHr1KXvhr7BPZw2MH7tSaRZNuz4xru+sIFjxRdI4O7XfaN7rQUamKjUEoOBZbrClrW9vuOoK5Lzye2da6fXbJ3B8Q9klsMbTYAlZZhcm69B4YXWwstiBSqQt/fXbx8UVjOp1yBbPP+llmW91G3UjNxFsz49rsfgiL7786M27t4UdHF2D7ZOa0ojFde/WnZsIN2X0bcnh0Qa/5V56WGdfh2NHMG31cZlzn0/5EzW2/Ld63n/wm+vkbXWwu8rm04JozMuPa//J3fDKy+E28u44ck/l8g/Ccy2or115sUbrmpgmvUpkKDAOmA0OB/DfhuUCNu38JYGbzKDwK8pVKnzT6sLsPdvfdgEHAKcAoQqXR3DyO4WbWARgN7O3u/YC3zaxrk/RaRESkRFYsX1GSfw1wDbCVmU0GjgDOAzCzE81suLtPAaab2ZNm9gTg7l60tG3FjnBQj0qjwE6EmhuXmtmmwJj8y3dERESam6aaNOruNcABBR6/LPXzSGBkbJuVnHBA8UqjDwOfEiqNDgUGE4p9LQQmm9k0d3+9ifotIiIiKZWecBSrNLp5qtLoHcB0d/8YwMweB/oS5niIiIg0S7qXShOqo9Los0AvM+sCfEYoRPKXulsRERGpfCptXh5ZlUa/JJw+OcLdZ5vZGYTLcgDGuvvLZeqniIhIo5hy/6BGv/S2XCo24WhApdGxQPY1jCIiIlJ2lXxZrIiIiLQQqjQqIiLSMC3mdEc5VOwplfpUGgW2Bi5L/Xk/YB93n1BsHR+9XGcFVgDW33L76Aqipa40+unzj2bGrdN3MHNenFo0psvWA5j3bNFaLAB03naPzCqNECo1Zu03CPtu7vO1zojVsm7fQZnbuk7fwXz4yrOZbW3Qc9vobciqDAqhOujHLz2VGbfeVjtk9m+Dntsye+aTmW1169WPRbdckBnX9qdns/CGczPj2h1+HguuPTMzrv1RF1Jz9yVFY9rsfzILrj49u62jfx997GMrYX74yjOZcRv03C7qNR372ordbwvH5N/TqrZ2R1wQ3951ZxWNaXfkqMzXPYTXfvRz7ubzM+PaHnoONXeOzoxrc9BpUdsQW3k1tm/zrzglM67D8RdHHy8pvYpNOFhZaXQEQFLo6zVgN0Kl0SlmdiMw3N3vI9ThwMz2B/6blWyIiIhI+VRywlGfSqMAmFk7QtWzncvYTxEREclQyQkHFK80+hAh2ZiRiv85cJe7zy1/V0VERKQulZ5wFKs02iNVafSwZNEI4P/K1z0RERGJ0ewuizWzcWbWPfk1V2kUM+sErOXu7zdZ50RERKSgSh7hiK40mjzeA3irTH0TERGReqjYhKMBlUanAz8qQ9dERESknprdKRURERFpfqq50qiIiIiUiUY4REREpNEp4RAREZFGp4RDREREGp0SDhEREWl0SjhERESk0SnhEBERkUZXsYW/RESSu0IX5O5flrMv1UzHQUqhqhMOM/sWoVT6esDfgBfc/T8F4r4e86Iys1bAvoABM939n3XEdQK+Dbzp7gvylh1FKOneKu/PVrj7X1Jx6wGnAzXAZe4+J3l8pLuPTMWtAQxn5Z11LyXcf+ZMd/+oyLZc6u4n5T12gLvfZWbtgXOBbYCngVHp7TCzTYEtgElJH78LzAQudPfPUnG3AycW60cS1wrYG/iSUH32EqBzsg3v5sWNIFSibQd8Akxw9wfz2vs60BvoBHxKOFZf5sXsSd3HYUJe7NZAjbvPSj3Wz92fLLJNuwLL3H1yxrYPKbC+ju7+eWrdfYBn3P2VAn/f1d0/MbPNgb7AS+7+ctY6YpjZ9kAnd3+4wLI2hH3clnAcZrr7iryYzONAeN6slyxPWwFsmteejkPtZToOq8ZmHgdpPFVd+MvMHiB8eJ0NHAXc4u47FoibATwCjHH3mUXaux5oDzwBDADed/cT82L2A35DSPbuBpa7+6jU8ssICcKt+e27+3mpuAeBvwNfA44Bhrn722b2qLsPTsXdmPy4AdAFuJZw07ufuPvwVNwTyY+5D9gtgZcJH7A7JTGPuvtgMxsDvAncB+wO9Hf3Eam2pgBnAT8G3gXuBwYBQ9x971Tc24Q3sCuAm/LfCFNx1wNrAR0Ib3q3Ah8Av3D3PVNxVwCfEfb/cOCjZJs/c/ezk5i9gd8Bs4D5SZs9CcnLvam2/kZIlB7N74+7/ywVdw4whHAcngWOdvcVBY7D/oTn2uKk/4OAL4Bpecc/P+E8Kfk7cgmnmT3i7ruZ2c+AownPzYHAzXlJ6VXA28l++BXwONAPuMfd/5CKqyEk3Ce4+9xaB2Bl3L7AHwkJ6xXADwmJrLv76am4vYHzgdeBnYD/ABsBp7j7lFRMzHHoBkwAds/om46DjkNJjoM0nqoe4QDauPtEMzvL3T15wReyDbAXcG7ywvsrcEf+6ATQK5WwXG5mhTL6k4D+wHhgFMkIQW6hu59oZlsA4939qSJ9Xyv1gnsOGJd8S8i3ubsPTL7FzHT365O/OSov7krgcMILcQFwB3AQtb/h59rM3TTvZTPLv4fNMnefZGa/cfcjk8eeN7MD8uLeIrxZng+cbGZ/JeyXN3PfWBI93H3nZATjZXe/OtmGE/La6+vuuyQ/jzezh919DzObSkgqISRCA9PtJyNOE4F7U20dSHhD+r27v1pgH+QMc/d+STsXA1cDvywQdwohifsGMC35fykwldTxJ4yQdQYeJOz7ryexablj8nNgsLsvMLOvEUaU/pKK287djzGzx4Gd3X2hma0JPAmk32CfBP4BTDazuwiJdaG7Lp9J+FbYgfC83djdv0glqzmnATsly7oAfwL2BP7FyvsgRR0Hd59tZr8GtgVqfYNP0XHQcSjVcZBGUu2TRmvMbC9gDTPrT8i2a3H3ZYQPwhuAucCxwAQzOy4v9A0LpxMws/WB9wo0t8zdFyftLid8uOc7hHAn3GLWMLPeSTtPABcC4wjDoqsws4HJEOn3kt+7E1646W28HTgVGA2sDSx293fc/e1UWA8zOwlYambbJG1tT/g2kzYvGcl5wMwONbN1zOwnhbbJ3ee5+/HAboTRibMJIxRpX0uO0whgPTPraeF0WH7CvLaZ5d7sdgGWmNm6hOHknDUJp6HSFgPL8/q1DPgpefupkCQRgrD/OpnZadS+03ErwjDz68BId1+SjOjkJ3R7E0ZV1gTOA9529/PSo1tAh2S7PiK8SUP4tpt/HFYkcW8STjFBgedHsr13AzsQRpzuMbPnzOzveWGtCc/X+cn6VqQeT+uYWvYF4QPxM1bdl1HHIenbvwudLsin46DjQImOgzSOah/hOAq4GOhKyLgLZeKY2WhCpv0YcJG7P2VmrYFnCN8acvoBr5jZu8CGwBdm9gHhtMQ3k5gpZnYHsKGZXQtMz1vXscDJwDIzO9bz5h+kHA/cbGbfd/f33X1sktVfnhf3/4BRZvaCu7+TPHYJ4c0g3xvALwjDtN0KLP8+ITF4B+hjZm8m25+/344knLrpA+TmyUwBjsiL+9DMOgJL3f1jwrehqwus9xeEuSePEJK9x4A5Bdr7BTA2+Yb2OvAz4FBWjm5A+MbzTDLq8RnhW+LOyTavwt3fKNCXfGOBp8xsT3efa2aHExK//nlxNxNGefq4+5UAZnYPIZFNr3M5cGaSsP0NaFNgnVOTdWwOnGThVNJUap+GO5+wr14EXjCz6UAv4IxCG+LuCwn74YpkH/bIC7mD8Bx5h/Dt8cFkVDD/OXpnsk8mAbsAVyajUc+mYqKOg0XOVWLlcdjL3edEHIe+Og5A/HGInQtW3+NQsa8HKb1qn8NxhLuPSf1+vLvX+uAxsyNJnUIxs87uPs/MNnH3txqw3r2ArYFX3f3+vGXTCOczOwK3uftedbRxLCFJWgp8lZiY2RrJt/OicXW0d3ISdwIw290LJUOxbeXijnP38UXiTia8ccW2V4r1bkD4FtkB+ByY7u4f5sVETd5NYjcF3nX3pcnvrYB90+fAk8e7uvsnqd/N3b1QH5PlvYBDPHVePm95a8LozSLAvPAkuQ6E8/ddCZMGn0uSu3RMX3d/vq5+5MV2ZuVI1VBgrifzAfLitiZMHH7R3V/N3/YkZn3CcehIOA5P5X14Rc9VSmI3Ad7LOw77uPt9eXFdcolL8vvqHodWhG/MxY5De8Jx6Ebdx6GPu79QVz/yYjsRjkMrVv845L8eCh2HqLlgSewqxyF57IcRr4ce7v5akW2uz+uhhxc4FVrg9fCsu8+ua51SWlWZcJjZwcAPCN/WJxJetK2Brd19y1TcNwhvhrcQTnMArEGYXLp9gXZvzHtohbsfnhezPuEcrBFmfv/W3T9NLX/E3XdLfp7o7rvXsQ2xiUnJ4hrY1q3uPrRStiGWRU7elYYpMnJxrq86AHtGCQAACUZJREFUOfqrxMLMdgKuAXYF/u6rTkKMvWordr2Z7ZWgrSaPix25MLMpvupcsB7J41+9X9WzvZLFlXqd0niq9ZTKg4SrHLoSMvVWhCde/hB6P8Kpix5JHIRzm3Wd5hib/N+KMLnqm3XEjAVuJFzJcivhVEVO+ht1sTk2NR7mZXxi4VRKOeIa0laxORBl34bYkQuPnLwb214p45pinY0QdwsrRy4mm9kwD/OFdiWcq89Zw8x6u/sMd3/CzHJzldrntV1Xe4Mi4/LXG9Pe6rZVCXG5Ed78kYsxhA/nr1iYCzbFzOqcC1aP9koZV+p1SiOpyoQjGVGYBEwys28S9kMrQm2M/6Xi7gXuTV6oD0S0m05ExpvZQwXCVrj7NcnPz1u4PCxtKwv1KVoBW1qY75H7uxGpuNjEpJRxTbHOUsdtQR0jFwUcAqyfERPbXinjmmKdpY6Lvcoqdq5SbHuljGuKdZY6Ln0V20te91VssXPBYq+Ka0hcXf0rZVvSiKoy4cgxsxsIoxjtCZOR3kh+zy0/290vAA4xs0NY+a0t/8M/F58rFgVhdGO9Aqt91cIVG48Q6jzMNbMeAMn5ywNS67k29Xf5575iE5NSxjXFOksaV4+Ri6jJu7HtlTKuKdbZCHGxIxcDgXWAx3LHwd1vSx3b+rZXyrimWGfJ41IjF3skvxcaudiNMGr7XOo47EMBkSMhDYmrs3+lbEsaT1UnHISrKHoBfyYU47o7b/n9SfZ7A7CEMNN7NlBrUljiYFYmBosJdS3y9SR8A/x56rFcYjHY3SdF9j02MSllXFOsszHiYkYufkyYZ9MRuI26T6PFtlfquKZYZynjYkcufkw4pbnKcfDUxOh6tlfKuKZYZ6njYkcuCh6HAmLbK2VcqdcpjaQqJ43mmNkEdx9iZre7+wgze8zdB6WWjyRcTfJTD0ViNiE8QZ939/PraLMXoaDN6+7+XIHl+wP3ufuSxtgmKc7ir4yJnbxbnyttShLXFOtspG2IucqqPsehwVdtNSSuKdZZrm0osH9X6zg0Zlyp1ymNp9oLfz1jZqcC/zOzO6l9jfcwYH8P18Xj4RLYAwlXuNRiZscTJiDtBFybtJ3vu8DTZnaxmfUs0XZIvNzIRT9CVdW6xM4biW2vlHFNsc5Sx+W+Ma8SU2Dkoj7HIaa9UsY1xTrLsg0FrNZxaOS4Uq9TGklVn1Jx9zMsXJddQ7iWPf988wIPhWfSf7PEzObX0eQIQpngpcnQ5TTySua6++lmdiahVPpvLVwmex3wV416lEXsFS+x80aay9VClRan41AZcToOUjZVm3CY2fcJoxVdCSXI7/Ta12IvMrPNPFVx0kKRp1plf3M8KXaTJCa17jBroUjQEELZ7I0J92XpRrjBWYPrRki02G9qsfNBdLVQw+J0HCojTsdByqYq53CY2TGEEY3LgY8Jl8MeD9zlq9YT2IpQRngi4UZjGxGSgkPd/dkC7V4CfAeYTJhd/5a7n5osG+vuB5rZG8ny69x9aupvb3L3w0q/tZJmZh8Tbj7VijDz/pFkUcErj0rVXinjmmKdTbUNsSp5Gyo5Tseh4dsq9VetIxw/IdwtMFd69wUz+zfwEKm7C7r7SxZuArYP4Q6FzwLnu3tdp1QuICQaWwA3uvu/Ustyl8hu46veCTW3rsNWY3skXuw3tVK3p6uFGrYNsSp5Gyo5Tseh4dsq9VStIxyT3H3XAo/XOfs6st0p7j6wjmXvEE6fFKq+eGZD1ykiItIcVOsIR11Z1uqe15tr4W6MnqxjhbtPSJYtSh4XERGpOtWacGxn4UZf+bYs8Fh9zAX6Jv9ycgnHh+5+82q2LyIi0ixVa8LRuzEadffDzGxDwn5d4e7vphY/0xjrFBERaQ6qcg5HqZnZlsBV7j7YzF4FPgW+BfzK3e9p2t6JiIg0PV2LXBqjgdOSnz9w9/7AYMKltiIiIlVPCUdptHH36cnPnwG4+yxgjabrkoiISOWo1jkcAJjZNoQ7CK6dPLTC3Qvd4TVL29wP7r5v6vGlBWJFRESqTlUnHMBNwJ+A/ya/N3RCy/tmtqO7/yf3gJntCHywet0TERFpGao94fjA3ceUoJ3TgHFmNhF4A9gE2AMYXoK2RUREmr2qvkrFzP4MvA08lzyULtRV37baEhKM7xBuBjcud1t7ERGRalftIxxrA5b8y2lQwuHui4CxpeiUiIhIS1PVIxwAZtYD2ByYAbzv7nXeel5EREQapqovizWz44BrgFHA/wFXrGZ7Xy9Fv0RERFqaqk44gIOAIcA8d/8jsONqtve0mf3RzHqtftdERERajmqfw9EKSJ9C+WI129sG2As418y6EW5Hf4e7L1jNdkVERJq1ah/huAN4HNjMzMYD961OY+6+DBgP3EC4c+yxwITk1I2IiEjV0qRRs55AL8DdfcZqtjUa2Bd4DLjO3Z8ys9bAM+6+zer3VkREpHmq6lMqZmbARYTLYmea2cnu/s5qNPk6sG3uFIqZdXb3eWb2oxJ0V0REpNmq6oQDuAUYCUwDBhBKnQ+ubyNm9g2gI3AE8FjIY1gjaX97d3+rNN0VERFpnqo94Vjg7uOTn/9lZic1sJ1+hFvR9wCuTR5bDjy4mv0TERFpEap6DoeZ3QTMAh4BvgsMBS4DaEiJczMb5u4PlLKPIiIiLUG1j3AAbJb8A/gQODj5OTrhMLOz3f0C4BAzOyS1aIW7jyhNN0VERJqvak84RgLfBt5dzXkW/0j+z51Oqd5hIxERkQKq8pSKmbUn1ODoCrwFdAdmAwe7++cNbPMo4AZ3X2JmOwNbufufS9VnERGR5qxaC3/9Hrjb3fu7+wh33wG4F/hDQxozs5GEEum5e6n8F9jTzM4pRWdFRESau2pNOPq4+y3pB9x9DNCnge0NA/Z394VJW28BBwA/WK1eioiItBDVmnAsqePxpQ1sb0H+be3dfQkwv4HtiYiItCjVmnDMNbPt0w8kv89pYHuLzGyz9ANmtimr3hhORESkalXrVSqnAOPMbBLwJvAd4HvA8Aa2dzpwr5lNJExC3Yhw19hDV7unIiIiLUBVXqUCYGZtgL2BTYD3gXG5ORgNbK8zsA/wDeAd4J/urlMqIiIiVHHCISIiIuVTrXM4REREpIyUcIiIiEijU8IhIiIijU4Jh4iIiDQ6JRwiIiLS6P4/fg/N44v/b2QAAAAASUVORK5CYII="/>
+          <p:cNvSpPr>
+            <a:spLocks noChangeAspect="1" noChangeArrowheads="1"/>
+          </p:cNvSpPr>
           <p:nvPr/>
-        </p:nvPicPr>
-        <p:blipFill>
-          <a:blip r:embed="rId3">
-            <a:extLst>
-              <a:ext uri="{28A0092B-C50C-407E-A947-70E740481C1C}">
-                <a14:useLocalDpi xmlns:a14="http://schemas.microsoft.com/office/drawing/2010/main" val="0"/>
-              </a:ext>
-            </a:extLst>
-          </a:blip>
-          <a:srcRect/>
-          <a:stretch>
-            <a:fillRect/>
-          </a:stretch>
-        </p:blipFill>
+        </p:nvSpPr>
         <p:spPr bwMode="auto">
           <a:xfrm>
-            <a:off x="730928" y="3352800"/>
-            <a:ext cx="6200775" cy="2543175"/>
+            <a:off x="155575" y="-144463"/>
+            <a:ext cx="304800" cy="304801"/>
           </a:xfrm>
           <a:prstGeom prst="rect">
             <a:avLst/>
           </a:prstGeom>
           <a:noFill/>
-          <a:ln>
-            <a:noFill/>
-          </a:ln>
           <a:extLst>
             <a:ext uri="{909E8E84-426E-40DD-AFC4-6F175D3DCCD1}">
               <a14:hiddenFill xmlns:a14="http://schemas.microsoft.com/office/drawing/2010/main">
                 <a:solidFill>
-                  <a:schemeClr val="accent1"/>
+                  <a:srgbClr val="FFFFFF"/>
                 </a:solidFill>
               </a14:hiddenFill>
             </a:ext>
-            <a:ext uri="{91240B29-F687-4F45-9708-019B960494DF}">
-              <a14:hiddenLine xmlns:a14="http://schemas.microsoft.com/office/drawing/2010/main" w="9525">
-                <a:solidFill>
-                  <a:schemeClr val="tx1"/>
-                </a:solidFill>
-                <a:miter lim="800000"/>
-                <a:headEnd/>
-                <a:tailEnd/>
-              </a14:hiddenLine>
-            </a:ext>
           </a:extLst>
         </p:spPr>
+        <p:txBody>
+          <a:bodyPr vert="horz" wrap="square" lIns="91440" tIns="45720" rIns="91440" bIns="45720" numCol="1" anchor="t" anchorCtr="0" compatLnSpc="1">
+            <a:prstTxWarp prst="textNoShape">
+              <a:avLst/>
+            </a:prstTxWarp>
+          </a:bodyPr>
+          <a:lstStyle/>
+          <a:p>
+            <a:endParaRPr lang="en-US"/>
+          </a:p>
+        </p:txBody>
+      </p:sp>
+      <p:pic>
+        <p:nvPicPr>
+          <p:cNvPr id="8" name="图片 4"/>
+          <p:cNvPicPr>
+            <a:picLocks noChangeAspect="1"/>
+          </p:cNvPicPr>
+          <p:nvPr/>
+        </p:nvPicPr>
+        <p:blipFill>
+          <a:blip r:embed="rId2"/>
+          <a:stretch>
+            <a:fillRect/>
+          </a:stretch>
+        </p:blipFill>
+        <p:spPr>
+          <a:xfrm>
+            <a:off x="2362200" y="3352800"/>
+            <a:ext cx="3526897" cy="2971800"/>
+          </a:xfrm>
+          <a:prstGeom prst="rect">
+            <a:avLst/>
+          </a:prstGeom>
+        </p:spPr>
       </p:pic>
+      <p:sp>
+        <p:nvSpPr>
+          <p:cNvPr id="9" name="TextBox 8"/>
+          <p:cNvSpPr txBox="1"/>
+          <p:nvPr/>
+        </p:nvSpPr>
+        <p:spPr>
+          <a:xfrm>
+            <a:off x="2185309" y="2438400"/>
+            <a:ext cx="3880678" cy="369332"/>
+          </a:xfrm>
+          <a:prstGeom prst="rect">
+            <a:avLst/>
+          </a:prstGeom>
+          <a:solidFill>
+            <a:schemeClr val="accent6">
+              <a:lumMod val="20000"/>
+              <a:lumOff val="80000"/>
+            </a:schemeClr>
+          </a:solidFill>
+          <a:ln w="28575">
+            <a:solidFill>
+              <a:schemeClr val="accent6">
+                <a:lumMod val="50000"/>
+              </a:schemeClr>
+            </a:solidFill>
+          </a:ln>
+        </p:spPr>
+        <p:txBody>
+          <a:bodyPr wrap="square" rtlCol="0">
+            <a:spAutoFit/>
+          </a:bodyPr>
+          <a:lstStyle/>
+          <a:p>
+            <a:r>
+              <a:rPr kumimoji="1" lang="en-US" altLang="zh-CN" dirty="0" smtClean="0"/>
+              <a:t>Open-Date: the </a:t>
+            </a:r>
+            <a:r>
+              <a:rPr kumimoji="1" lang="en-US" altLang="zh-CN" dirty="0"/>
+              <a:t>most </a:t>
+            </a:r>
+            <a:r>
+              <a:rPr kumimoji="1" lang="en-US" altLang="zh-CN" dirty="0" smtClean="0"/>
+              <a:t>correlated one!</a:t>
+            </a:r>
+            <a:endParaRPr kumimoji="1" lang="en-US" dirty="0"/>
+          </a:p>
+        </p:txBody>
+      </p:sp>
+      <p:sp>
+        <p:nvSpPr>
+          <p:cNvPr id="7" name="Content Placeholder 6"/>
+          <p:cNvSpPr>
+            <a:spLocks noGrp="1"/>
+          </p:cNvSpPr>
+          <p:nvPr>
+            <p:ph idx="1"/>
+          </p:nvPr>
+        </p:nvSpPr>
+        <p:spPr>
+          <a:xfrm>
+            <a:off x="685800" y="1524000"/>
+            <a:ext cx="8229600" cy="1253685"/>
+          </a:xfrm>
+        </p:spPr>
+        <p:txBody>
+          <a:bodyPr/>
+          <a:lstStyle/>
+          <a:p>
+            <a:r>
+              <a:rPr lang="en-US" dirty="0" smtClean="0"/>
+              <a:t>Correlations</a:t>
+            </a:r>
+          </a:p>
+          <a:p>
+            <a:endParaRPr lang="en-US" dirty="0"/>
+          </a:p>
+          <a:p>
+            <a:endParaRPr lang="en-US" dirty="0"/>
+          </a:p>
+          <a:p>
+            <a:endParaRPr lang="en-US" dirty="0" smtClean="0"/>
+          </a:p>
+          <a:p>
+            <a:endParaRPr lang="en-US" dirty="0"/>
+          </a:p>
+          <a:p>
+            <a:endParaRPr lang="en-US" dirty="0"/>
+          </a:p>
+        </p:txBody>
+      </p:sp>
     </p:spTree>
     <p:extLst>
       <p:ext uri="{BB962C8B-B14F-4D97-AF65-F5344CB8AC3E}">
-        <p14:creationId xmlns:p14="http://schemas.microsoft.com/office/powerpoint/2010/main" val="299007785"/>
+        <p14:creationId xmlns:p14="http://schemas.microsoft.com/office/powerpoint/2010/main" val="3066392803"/>
       </p:ext>
     </p:extLst>
   </p:cSld>
   <p:clrMapOvr>
     <a:masterClrMapping/>
   </p:clrMapOvr>
-  <p:timing>
-    <p:tnLst>
-      <p:par>
-        <p:cTn id="1" dur="indefinite" restart="never" nodeType="tmRoot"/>
-      </p:par>
-    </p:tnLst>
-  </p:timing>
 </p:sld>
 </file>
 
@@ -8200,6 +8538,13 @@
   <p:clrMapOvr>
     <a:masterClrMapping/>
   </p:clrMapOvr>
+  <p:timing>
+    <p:tnLst>
+      <p:par>
+        <p:cTn id="1" dur="indefinite" restart="never" nodeType="tmRoot"/>
+      </p:par>
+    </p:tnLst>
+  </p:timing>
 </p:sld>
 </file>
 

--- a/doc/presentation/revenue-prediction.pptx
+++ b/doc/presentation/revenue-prediction.pptx
@@ -5,7 +5,7 @@
     <p:sldMasterId id="2147483648" r:id="rId1"/>
   </p:sldMasterIdLst>
   <p:notesMasterIdLst>
-    <p:notesMasterId r:id="rId23"/>
+    <p:notesMasterId r:id="rId24"/>
   </p:notesMasterIdLst>
   <p:sldIdLst>
     <p:sldId id="256" r:id="rId2"/>
@@ -20,15 +20,16 @@
     <p:sldId id="269" r:id="rId11"/>
     <p:sldId id="274" r:id="rId12"/>
     <p:sldId id="260" r:id="rId13"/>
-    <p:sldId id="270" r:id="rId14"/>
-    <p:sldId id="263" r:id="rId15"/>
-    <p:sldId id="264" r:id="rId16"/>
+    <p:sldId id="281" r:id="rId14"/>
+    <p:sldId id="264" r:id="rId15"/>
+    <p:sldId id="263" r:id="rId16"/>
     <p:sldId id="265" r:id="rId17"/>
     <p:sldId id="271" r:id="rId18"/>
     <p:sldId id="272" r:id="rId19"/>
     <p:sldId id="276" r:id="rId20"/>
     <p:sldId id="278" r:id="rId21"/>
     <p:sldId id="279" r:id="rId22"/>
+    <p:sldId id="282" r:id="rId23"/>
   </p:sldIdLst>
   <p:sldSz cx="9144000" cy="6858000" type="screen4x3"/>
   <p:notesSz cx="6858000" cy="9144000"/>
@@ -212,7 +213,7 @@
           <a:p>
             <a:fld id="{748AB8CE-FDAE-4CE5-A199-BD7C66646063}" type="datetimeFigureOut">
               <a:rPr lang="en-US" smtClean="0"/>
-              <a:t>5/3/2015</a:t>
+              <a:t>5/3/15</a:t>
             </a:fld>
             <a:endParaRPr lang="en-US"/>
           </a:p>
@@ -1029,7 +1030,7 @@
             <a:fld id="{1D8BD707-D9CF-40AE-B4C6-C98DA3205C09}" type="datetimeFigureOut">
               <a:rPr lang="en-US" smtClean="0"/>
               <a:pPr/>
-              <a:t>5/3/2015</a:t>
+              <a:t>5/3/15</a:t>
             </a:fld>
             <a:endParaRPr lang="en-US"/>
           </a:p>
@@ -1196,7 +1197,7 @@
             <a:fld id="{1D8BD707-D9CF-40AE-B4C6-C98DA3205C09}" type="datetimeFigureOut">
               <a:rPr lang="en-US" smtClean="0"/>
               <a:pPr/>
-              <a:t>5/3/2015</a:t>
+              <a:t>5/3/15</a:t>
             </a:fld>
             <a:endParaRPr lang="en-US"/>
           </a:p>
@@ -1373,7 +1374,7 @@
             <a:fld id="{1D8BD707-D9CF-40AE-B4C6-C98DA3205C09}" type="datetimeFigureOut">
               <a:rPr lang="en-US" smtClean="0"/>
               <a:pPr/>
-              <a:t>5/3/2015</a:t>
+              <a:t>5/3/15</a:t>
             </a:fld>
             <a:endParaRPr lang="en-US"/>
           </a:p>
@@ -1540,7 +1541,7 @@
             <a:fld id="{1D8BD707-D9CF-40AE-B4C6-C98DA3205C09}" type="datetimeFigureOut">
               <a:rPr lang="en-US" smtClean="0"/>
               <a:pPr/>
-              <a:t>5/3/2015</a:t>
+              <a:t>5/3/15</a:t>
             </a:fld>
             <a:endParaRPr lang="en-US"/>
           </a:p>
@@ -1783,7 +1784,7 @@
             <a:fld id="{1D8BD707-D9CF-40AE-B4C6-C98DA3205C09}" type="datetimeFigureOut">
               <a:rPr lang="en-US" smtClean="0"/>
               <a:pPr/>
-              <a:t>5/3/2015</a:t>
+              <a:t>5/3/15</a:t>
             </a:fld>
             <a:endParaRPr lang="en-US"/>
           </a:p>
@@ -2068,7 +2069,7 @@
             <a:fld id="{1D8BD707-D9CF-40AE-B4C6-C98DA3205C09}" type="datetimeFigureOut">
               <a:rPr lang="en-US" smtClean="0"/>
               <a:pPr/>
-              <a:t>5/3/2015</a:t>
+              <a:t>5/3/15</a:t>
             </a:fld>
             <a:endParaRPr lang="en-US"/>
           </a:p>
@@ -2487,7 +2488,7 @@
             <a:fld id="{1D8BD707-D9CF-40AE-B4C6-C98DA3205C09}" type="datetimeFigureOut">
               <a:rPr lang="en-US" smtClean="0"/>
               <a:pPr/>
-              <a:t>5/3/2015</a:t>
+              <a:t>5/3/15</a:t>
             </a:fld>
             <a:endParaRPr lang="en-US"/>
           </a:p>
@@ -2602,7 +2603,7 @@
             <a:fld id="{1D8BD707-D9CF-40AE-B4C6-C98DA3205C09}" type="datetimeFigureOut">
               <a:rPr lang="en-US" smtClean="0"/>
               <a:pPr/>
-              <a:t>5/3/2015</a:t>
+              <a:t>5/3/15</a:t>
             </a:fld>
             <a:endParaRPr lang="en-US"/>
           </a:p>
@@ -2694,7 +2695,7 @@
             <a:fld id="{1D8BD707-D9CF-40AE-B4C6-C98DA3205C09}" type="datetimeFigureOut">
               <a:rPr lang="en-US" smtClean="0"/>
               <a:pPr/>
-              <a:t>5/3/2015</a:t>
+              <a:t>5/3/15</a:t>
             </a:fld>
             <a:endParaRPr lang="en-US"/>
           </a:p>
@@ -2968,7 +2969,7 @@
             <a:fld id="{1D8BD707-D9CF-40AE-B4C6-C98DA3205C09}" type="datetimeFigureOut">
               <a:rPr lang="en-US" smtClean="0"/>
               <a:pPr/>
-              <a:t>5/3/2015</a:t>
+              <a:t>5/3/15</a:t>
             </a:fld>
             <a:endParaRPr lang="en-US"/>
           </a:p>
@@ -3218,7 +3219,7 @@
             <a:fld id="{1D8BD707-D9CF-40AE-B4C6-C98DA3205C09}" type="datetimeFigureOut">
               <a:rPr lang="en-US" smtClean="0"/>
               <a:pPr/>
-              <a:t>5/3/2015</a:t>
+              <a:t>5/3/15</a:t>
             </a:fld>
             <a:endParaRPr lang="en-US"/>
           </a:p>
@@ -3428,7 +3429,7 @@
             <a:fld id="{1D8BD707-D9CF-40AE-B4C6-C98DA3205C09}" type="datetimeFigureOut">
               <a:rPr lang="en-US" smtClean="0"/>
               <a:pPr/>
-              <a:t>5/3/2015</a:t>
+              <a:t>5/3/15</a:t>
             </a:fld>
             <a:endParaRPr lang="en-US"/>
           </a:p>
@@ -3890,7 +3891,7 @@
   <p:timing>
     <p:tnLst>
       <p:par>
-        <p:cTn id="1" dur="indefinite" restart="never" nodeType="tmRoot"/>
+        <p:cTn xmlns:p14="http://schemas.microsoft.com/office/powerpoint/2010/main" id="1" dur="indefinite" restart="never" nodeType="tmRoot"/>
       </p:par>
     </p:tnLst>
   </p:timing>
@@ -4012,14 +4013,14 @@
             <a:noFill/>
           </a:ln>
           <a:extLst>
-            <a:ext uri="{909E8E84-426E-40DD-AFC4-6F175D3DCCD1}">
+            <a:ext uri="{909E8E84-426E-40dd-AFC4-6F175D3DCCD1}">
               <a14:hiddenFill xmlns:a14="http://schemas.microsoft.com/office/drawing/2010/main">
                 <a:solidFill>
                   <a:schemeClr val="accent1"/>
                 </a:solidFill>
               </a14:hiddenFill>
             </a:ext>
-            <a:ext uri="{91240B29-F687-4F45-9708-019B960494DF}">
+            <a:ext uri="{91240B29-F687-4f45-9708-019B960494DF}">
               <a14:hiddenLine xmlns:a14="http://schemas.microsoft.com/office/drawing/2010/main" w="9525">
                 <a:solidFill>
                   <a:schemeClr val="tx1"/>
@@ -4045,7 +4046,7 @@
   <p:timing>
     <p:tnLst>
       <p:par>
-        <p:cTn id="1" dur="indefinite" restart="never" nodeType="tmRoot"/>
+        <p:cTn xmlns:p14="http://schemas.microsoft.com/office/powerpoint/2010/main" id="1" dur="indefinite" restart="never" nodeType="tmRoot"/>
       </p:par>
     </p:tnLst>
   </p:timing>
@@ -4092,8 +4093,8 @@
           </a:p>
         </p:txBody>
       </p:sp>
-      <mc:AlternateContent xmlns:mc="http://schemas.openxmlformats.org/markup-compatibility/2006" xmlns:a14="http://schemas.microsoft.com/office/drawing/2010/main">
-        <mc:Choice Requires="a14">
+      <mc:AlternateContent xmlns:mc="http://schemas.openxmlformats.org/markup-compatibility/2006">
+        <mc:Choice xmlns:a14="http://schemas.microsoft.com/office/drawing/2010/main" Requires="a14">
           <p:sp>
             <p:nvSpPr>
               <p:cNvPr id="3" name="Content Placeholder 2"/>
@@ -4104,7 +4105,12 @@
                 <p:ph idx="1"/>
               </p:nvPr>
             </p:nvSpPr>
-            <p:spPr/>
+            <p:spPr>
+              <a:xfrm>
+                <a:off x="533400" y="1600200"/>
+                <a:ext cx="8229600" cy="4525963"/>
+              </a:xfrm>
+            </p:spPr>
             <p:txBody>
               <a:bodyPr/>
               <a:lstStyle/>
@@ -4128,53 +4134,7 @@
               </a:p>
               <a:p>
                 <a:pPr lvl="5"/>
-                <a14:m>
-                  <m:oMath xmlns:m="http://schemas.openxmlformats.org/officeDocument/2006/math">
-                    <m:acc>
-                      <m:accPr>
-                        <m:chr m:val="̂"/>
-                        <m:ctrlPr>
-                          <a:rPr lang="en-US" b="0" i="1" dirty="0" smtClean="0">
-                            <a:latin typeface="Cambria Math"/>
-                          </a:rPr>
-                        </m:ctrlPr>
-                      </m:accPr>
-                      <m:e>
-                        <m:sSub>
-                          <m:sSubPr>
-                            <m:ctrlPr>
-                              <a:rPr lang="en-US" i="1" dirty="0">
-                                <a:latin typeface="Cambria Math"/>
-                              </a:rPr>
-                            </m:ctrlPr>
-                          </m:sSubPr>
-                          <m:e>
-                            <m:r>
-                              <a:rPr lang="en-US" i="1" dirty="0">
-                                <a:latin typeface="Cambria Math"/>
-                              </a:rPr>
-                              <m:t>𝑦</m:t>
-                            </m:r>
-                          </m:e>
-                          <m:sub>
-                            <m:r>
-                              <a:rPr lang="en-US" i="1" dirty="0">
-                                <a:latin typeface="Cambria Math"/>
-                              </a:rPr>
-                              <m:t>𝑖</m:t>
-                            </m:r>
-                          </m:sub>
-                        </m:sSub>
-                      </m:e>
-                    </m:acc>
-                    <m:r>
-                      <a:rPr lang="en-US" b="0" i="1" dirty="0" smtClean="0">
-                        <a:latin typeface="Cambria Math"/>
-                      </a:rPr>
-                      <m:t> </m:t>
-                    </m:r>
-                  </m:oMath>
-                </a14:m>
+                <a14:m/>
                 <a:r>
                   <a:rPr lang="en-US" dirty="0"/>
                   <a:t>the predicted revenue </a:t>
@@ -4183,41 +4143,7 @@
               </a:p>
               <a:p>
                 <a:pPr lvl="5"/>
-                <a14:m>
-                  <m:oMath xmlns:m="http://schemas.openxmlformats.org/officeDocument/2006/math">
-                    <m:sSub>
-                      <m:sSubPr>
-                        <m:ctrlPr>
-                          <a:rPr lang="en-US" b="0" i="1" smtClean="0">
-                            <a:latin typeface="Cambria Math"/>
-                          </a:rPr>
-                        </m:ctrlPr>
-                      </m:sSubPr>
-                      <m:e>
-                        <m:r>
-                          <a:rPr lang="en-US" b="0" i="1" smtClean="0">
-                            <a:latin typeface="Cambria Math"/>
-                          </a:rPr>
-                          <m:t>𝑦</m:t>
-                        </m:r>
-                      </m:e>
-                      <m:sub>
-                        <m:r>
-                          <a:rPr lang="en-US" b="0" i="1" smtClean="0">
-                            <a:latin typeface="Cambria Math"/>
-                          </a:rPr>
-                          <m:t>𝑖</m:t>
-                        </m:r>
-                      </m:sub>
-                    </m:sSub>
-                    <m:r>
-                      <a:rPr lang="en-US" b="0" i="1" smtClean="0">
-                        <a:latin typeface="Cambria Math"/>
-                      </a:rPr>
-                      <m:t> </m:t>
-                    </m:r>
-                  </m:oMath>
-                </a14:m>
+                <a14:m/>
                 <a:r>
                   <a:rPr lang="en-US" dirty="0" smtClean="0"/>
                   <a:t>is </a:t>
@@ -4239,7 +4165,7 @@
             </p:txBody>
           </p:sp>
         </mc:Choice>
-        <mc:Fallback xmlns="">
+        <mc:Fallback>
           <p:sp>
             <p:nvSpPr>
               <p:cNvPr id="3" name="Content Placeholder 2"/>
@@ -4251,10 +4177,14 @@
               </p:nvPr>
             </p:nvSpPr>
             <p:spPr>
+              <a:xfrm>
+                <a:off x="533400" y="1600200"/>
+                <a:ext cx="8229600" cy="4525963"/>
+              </a:xfrm>
               <a:blipFill rotWithShape="1">
                 <a:blip r:embed="rId2"/>
                 <a:stretch>
-                  <a:fillRect l="-1630" t="-1752"/>
+                  <a:fillRect/>
                 </a:stretch>
               </a:blipFill>
             </p:spPr>
@@ -4263,7 +4193,7 @@
               <a:lstStyle/>
               <a:p>
                 <a:r>
-                  <a:rPr lang="en-US">
+                  <a:rPr lang="zh-CN" altLang="en-US">
                     <a:noFill/>
                   </a:rPr>
                   <a:t> </a:t>
@@ -4307,14 +4237,14 @@
             <a:noFill/>
           </a:ln>
           <a:extLst>
-            <a:ext uri="{909E8E84-426E-40DD-AFC4-6F175D3DCCD1}">
+            <a:ext uri="{909E8E84-426E-40dd-AFC4-6F175D3DCCD1}">
               <a14:hiddenFill xmlns:a14="http://schemas.microsoft.com/office/drawing/2010/main">
                 <a:solidFill>
                   <a:schemeClr val="accent1"/>
                 </a:solidFill>
               </a14:hiddenFill>
             </a:ext>
-            <a:ext uri="{91240B29-F687-4F45-9708-019B960494DF}">
+            <a:ext uri="{91240B29-F687-4f45-9708-019B960494DF}">
               <a14:hiddenLine xmlns:a14="http://schemas.microsoft.com/office/drawing/2010/main" w="9525">
                 <a:solidFill>
                   <a:schemeClr val="tx1"/>
@@ -4340,7 +4270,7 @@
   <p:timing>
     <p:tnLst>
       <p:par>
-        <p:cTn id="1" dur="indefinite" restart="never" nodeType="tmRoot"/>
+        <p:cTn xmlns:p14="http://schemas.microsoft.com/office/powerpoint/2010/main" id="1" dur="indefinite" restart="never" nodeType="tmRoot"/>
       </p:par>
     </p:tnLst>
   </p:timing>
@@ -4374,14 +4304,21 @@
             <p:ph type="title"/>
           </p:nvPr>
         </p:nvSpPr>
-        <p:spPr/>
-        <p:txBody>
-          <a:bodyPr/>
+        <p:spPr>
+          <a:xfrm>
+            <a:off x="457200" y="274638"/>
+            <a:ext cx="8229600" cy="639762"/>
+          </a:xfrm>
+        </p:spPr>
+        <p:txBody>
+          <a:bodyPr>
+            <a:normAutofit fontScale="90000"/>
+          </a:bodyPr>
           <a:lstStyle/>
           <a:p>
             <a:r>
               <a:rPr lang="en-US" dirty="0" smtClean="0"/>
-              <a:t>Training</a:t>
+              <a:t>Model Selection</a:t>
             </a:r>
             <a:endParaRPr lang="en-US" dirty="0"/>
           </a:p>
@@ -4397,83 +4334,90 @@
             <p:ph idx="1"/>
           </p:nvPr>
         </p:nvSpPr>
-        <p:spPr/>
+        <p:spPr>
+          <a:xfrm>
+            <a:off x="457200" y="1143000"/>
+            <a:ext cx="8229600" cy="2438400"/>
+          </a:xfrm>
+        </p:spPr>
         <p:txBody>
           <a:bodyPr>
-            <a:normAutofit/>
+            <a:normAutofit fontScale="85000" lnSpcReduction="10000"/>
           </a:bodyPr>
           <a:lstStyle/>
           <a:p>
             <a:r>
+              <a:rPr lang="en-US" dirty="0" err="1" smtClean="0"/>
+              <a:t>Scikit</a:t>
+            </a:r>
+            <a:r>
               <a:rPr lang="en-US" dirty="0" smtClean="0"/>
-              <a:t>Train single model</a:t>
-            </a:r>
-          </a:p>
-          <a:p>
-            <a:pPr lvl="1"/>
-            <a:r>
-              <a:rPr lang="en-US" dirty="0" err="1" smtClean="0"/>
-              <a:t>NuSVR</a:t>
-            </a:r>
-            <a:endParaRPr lang="en-US" dirty="0" smtClean="0"/>
-          </a:p>
-          <a:p>
-            <a:pPr lvl="1"/>
+              <a:t>-Learn / Python</a:t>
+            </a:r>
+          </a:p>
+          <a:p>
             <a:r>
               <a:rPr lang="en-US" dirty="0" smtClean="0"/>
-              <a:t>K Nearest Neighbor</a:t>
-            </a:r>
-          </a:p>
-          <a:p>
-            <a:pPr lvl="1"/>
+              <a:t>Use all raw features except city name and type</a:t>
+            </a:r>
+          </a:p>
+          <a:p>
+            <a:r>
+              <a:rPr lang="en-US" dirty="0" smtClean="0"/>
+              <a:t>Train a single </a:t>
+            </a:r>
+            <a:r>
+              <a:rPr lang="en-US" dirty="0" smtClean="0"/>
+              <a:t>model</a:t>
+            </a:r>
+          </a:p>
+          <a:p>
             <a:r>
               <a:rPr lang="en-US" altLang="zh-CN" dirty="0" smtClean="0"/>
-              <a:t>Gradient Boosting </a:t>
-            </a:r>
-            <a:r>
-              <a:rPr lang="en-US" altLang="zh-CN" dirty="0" err="1" smtClean="0"/>
-              <a:t>Regressor</a:t>
-            </a:r>
-            <a:endParaRPr lang="en-US" altLang="zh-CN" dirty="0" smtClean="0"/>
-          </a:p>
-          <a:p>
+              <a:t>Parameters </a:t>
+            </a:r>
             <a:r>
               <a:rPr lang="en-US" altLang="zh-CN" dirty="0" smtClean="0"/>
-              <a:t>Parameters turned based on 5-folds cross validation</a:t>
+              <a:t>turned based on 5-folds cross </a:t>
+            </a:r>
+            <a:r>
+              <a:rPr lang="en-US" altLang="zh-CN" dirty="0" smtClean="0"/>
+              <a:t>validation</a:t>
+            </a:r>
+          </a:p>
+          <a:p>
+            <a:r>
+              <a:rPr lang="en-US" altLang="zh-CN" dirty="0" smtClean="0"/>
+              <a:t>Evaluated on Public Board</a:t>
             </a:r>
             <a:endParaRPr lang="en-US" altLang="zh-CN" dirty="0"/>
           </a:p>
-          <a:p>
-            <a:r>
-              <a:rPr lang="en-US" dirty="0" smtClean="0"/>
-              <a:t>Average the prediction results</a:t>
-            </a:r>
-          </a:p>
-          <a:p>
-            <a:r>
-              <a:rPr lang="en-US" dirty="0" smtClean="0"/>
-              <a:t>Python + </a:t>
-            </a:r>
-            <a:r>
-              <a:rPr lang="en-US" altLang="zh-CN" dirty="0" err="1"/>
-              <a:t>scikit</a:t>
-            </a:r>
-            <a:r>
-              <a:rPr lang="en-US" altLang="zh-CN" dirty="0"/>
-              <a:t>-</a:t>
-            </a:r>
-            <a:r>
-              <a:rPr lang="en-US" altLang="zh-CN" dirty="0" smtClean="0"/>
-              <a:t>learn </a:t>
-            </a:r>
-            <a:r>
-              <a:rPr lang="en-US" dirty="0" smtClean="0"/>
-              <a:t>library</a:t>
-            </a:r>
-            <a:endParaRPr lang="en-US" dirty="0"/>
-          </a:p>
-        </p:txBody>
-      </p:sp>
+        </p:txBody>
+      </p:sp>
+      <p:pic>
+        <p:nvPicPr>
+          <p:cNvPr id="4" name="图片 3"/>
+          <p:cNvPicPr>
+            <a:picLocks noChangeAspect="1"/>
+          </p:cNvPicPr>
+          <p:nvPr/>
+        </p:nvPicPr>
+        <p:blipFill>
+          <a:blip r:embed="rId2"/>
+          <a:stretch>
+            <a:fillRect/>
+          </a:stretch>
+        </p:blipFill>
+        <p:spPr>
+          <a:xfrm>
+            <a:off x="0" y="3657600"/>
+            <a:ext cx="9144000" cy="2809924"/>
+          </a:xfrm>
+          <a:prstGeom prst="rect">
+            <a:avLst/>
+          </a:prstGeom>
+        </p:spPr>
+      </p:pic>
     </p:spTree>
     <p:extLst>
       <p:ext uri="{BB962C8B-B14F-4D97-AF65-F5344CB8AC3E}">
@@ -4487,7 +4431,7 @@
   <p:timing>
     <p:tnLst>
       <p:par>
-        <p:cTn id="1" dur="indefinite" restart="never" nodeType="tmRoot"/>
+        <p:cTn xmlns:p14="http://schemas.microsoft.com/office/powerpoint/2010/main" id="1" dur="indefinite" restart="never" nodeType="tmRoot"/>
       </p:par>
     </p:tnLst>
   </p:timing>
@@ -4513,114 +4457,302 @@
       </p:grpSpPr>
       <p:sp>
         <p:nvSpPr>
-          <p:cNvPr id="2" name="Title 1"/>
+          <p:cNvPr id="2" name="标题 1"/>
           <p:cNvSpPr>
             <a:spLocks noGrp="1"/>
           </p:cNvSpPr>
           <p:nvPr>
             <p:ph type="title"/>
           </p:nvPr>
-        </p:nvSpPr>
-        <p:spPr/>
-        <p:txBody>
-          <a:bodyPr/>
-          <a:lstStyle/>
-          <a:p>
-            <a:r>
-              <a:rPr lang="en-US" dirty="0" smtClean="0"/>
-              <a:t>Visualize Validation</a:t>
-            </a:r>
-            <a:endParaRPr lang="en-US" dirty="0"/>
-          </a:p>
-        </p:txBody>
-      </p:sp>
-      <p:sp>
-        <p:nvSpPr>
-          <p:cNvPr id="4" name="TextBox 3"/>
-          <p:cNvSpPr txBox="1"/>
-          <p:nvPr/>
         </p:nvSpPr>
         <p:spPr>
           <a:xfrm>
-            <a:off x="76200" y="5949091"/>
-            <a:ext cx="8915400" cy="369332"/>
+            <a:off x="457200" y="274638"/>
+            <a:ext cx="8229600" cy="639762"/>
+          </a:xfrm>
+        </p:spPr>
+        <p:txBody>
+          <a:bodyPr>
+            <a:normAutofit fontScale="90000"/>
+          </a:bodyPr>
+          <a:lstStyle/>
+          <a:p>
+            <a:r>
+              <a:rPr kumimoji="1" lang="en-US" altLang="zh-CN" dirty="0" smtClean="0"/>
+              <a:t>Ensemble</a:t>
+            </a:r>
+            <a:endParaRPr kumimoji="1" lang="zh-CN" altLang="en-US" dirty="0"/>
+          </a:p>
+        </p:txBody>
+      </p:sp>
+      <p:sp>
+        <p:nvSpPr>
+          <p:cNvPr id="3" name="内容占位符 2"/>
+          <p:cNvSpPr>
+            <a:spLocks noGrp="1"/>
+          </p:cNvSpPr>
+          <p:nvPr>
+            <p:ph idx="1"/>
+          </p:nvPr>
+        </p:nvSpPr>
+        <p:spPr>
+          <a:xfrm>
+            <a:off x="457200" y="914400"/>
+            <a:ext cx="8229600" cy="2971800"/>
+          </a:xfrm>
+        </p:spPr>
+        <p:txBody>
+          <a:bodyPr/>
+          <a:lstStyle/>
+          <a:p>
+            <a:r>
+              <a:rPr kumimoji="1" lang="en-US" altLang="zh-CN" dirty="0" smtClean="0"/>
+              <a:t>Weighted average of 3 models</a:t>
+            </a:r>
+          </a:p>
+          <a:p>
+            <a:pPr marL="0" indent="0">
+              <a:buNone/>
+            </a:pPr>
+            <a:endParaRPr kumimoji="1" lang="en-US" altLang="zh-CN" dirty="0"/>
+          </a:p>
+        </p:txBody>
+      </p:sp>
+      <p:pic>
+        <p:nvPicPr>
+          <p:cNvPr id="4" name="图片 3"/>
+          <p:cNvPicPr>
+            <a:picLocks noChangeAspect="1"/>
+          </p:cNvPicPr>
+          <p:nvPr/>
+        </p:nvPicPr>
+        <p:blipFill rotWithShape="1">
+          <a:blip r:embed="rId2"/>
+          <a:srcRect t="23003" b="-1"/>
+          <a:stretch/>
+        </p:blipFill>
+        <p:spPr>
+          <a:xfrm>
+            <a:off x="762000" y="1600200"/>
+            <a:ext cx="6400800" cy="1615386"/>
           </a:xfrm>
           <a:prstGeom prst="rect">
             <a:avLst/>
           </a:prstGeom>
-          <a:noFill/>
         </p:spPr>
-        <p:txBody>
-          <a:bodyPr wrap="square" rtlCol="0">
-            <a:spAutoFit/>
-          </a:bodyPr>
-          <a:lstStyle/>
-          <a:p>
-            <a:pPr algn="ctr"/>
-            <a:r>
-              <a:rPr lang="en-US" dirty="0" smtClean="0"/>
-              <a:t>Example of prediction results: Ensemble Approach</a:t>
-            </a:r>
-            <a:endParaRPr lang="en-US" dirty="0"/>
-          </a:p>
-        </p:txBody>
-      </p:sp>
+      </p:pic>
       <p:pic>
         <p:nvPicPr>
-          <p:cNvPr id="1026" name="Picture 2"/>
+          <p:cNvPr id="5" name="图片 4" descr="models-eps-converted-to.pdf"/>
           <p:cNvPicPr>
-            <a:picLocks noChangeAspect="1" noChangeArrowheads="1"/>
+            <a:picLocks noChangeAspect="1"/>
           </p:cNvPicPr>
           <p:nvPr/>
         </p:nvPicPr>
-        <p:blipFill rotWithShape="1">
-          <a:blip r:embed="rId2">
+        <p:blipFill>
+          <a:blip r:embed="rId3">
             <a:extLst>
               <a:ext uri="{28A0092B-C50C-407E-A947-70E740481C1C}">
                 <a14:useLocalDpi xmlns:a14="http://schemas.microsoft.com/office/drawing/2010/main" val="0"/>
               </a:ext>
             </a:extLst>
           </a:blip>
-          <a:srcRect b="10233"/>
-          <a:stretch/>
+          <a:stretch>
+            <a:fillRect/>
+          </a:stretch>
         </p:blipFill>
-        <p:spPr bwMode="auto">
+        <p:spPr>
           <a:xfrm>
-            <a:off x="990600" y="1397891"/>
-            <a:ext cx="7162800" cy="4416983"/>
+            <a:off x="304800" y="3581400"/>
+            <a:ext cx="8331200" cy="3124200"/>
           </a:xfrm>
           <a:prstGeom prst="rect">
             <a:avLst/>
           </a:prstGeom>
-          <a:noFill/>
-          <a:ln>
-            <a:noFill/>
-          </a:ln>
-          <a:extLst>
-            <a:ext uri="{909E8E84-426E-40DD-AFC4-6F175D3DCCD1}">
-              <a14:hiddenFill xmlns:a14="http://schemas.microsoft.com/office/drawing/2010/main">
-                <a:solidFill>
-                  <a:schemeClr val="accent1"/>
-                </a:solidFill>
-              </a14:hiddenFill>
-            </a:ext>
-            <a:ext uri="{91240B29-F687-4F45-9708-019B960494DF}">
-              <a14:hiddenLine xmlns:a14="http://schemas.microsoft.com/office/drawing/2010/main" w="9525">
+        </p:spPr>
+      </p:pic>
+      <p:sp>
+        <p:nvSpPr>
+          <p:cNvPr id="7" name="内容占位符 2"/>
+          <p:cNvSpPr txBox="1">
+            <a:spLocks/>
+          </p:cNvSpPr>
+          <p:nvPr/>
+        </p:nvSpPr>
+        <p:spPr>
+          <a:xfrm>
+            <a:off x="470568" y="3048000"/>
+            <a:ext cx="8229600" cy="838200"/>
+          </a:xfrm>
+          <a:prstGeom prst="rect">
+            <a:avLst/>
+          </a:prstGeom>
+        </p:spPr>
+        <p:txBody>
+          <a:bodyPr vert="horz" lIns="91440" tIns="45720" rIns="91440" bIns="45720" rtlCol="0">
+            <a:normAutofit/>
+          </a:bodyPr>
+          <a:lstStyle>
+            <a:lvl1pPr marL="342900" indent="-342900" algn="l" defTabSz="914400" rtl="0" eaLnBrk="1" latinLnBrk="0" hangingPunct="1">
+              <a:spcBef>
+                <a:spcPct val="20000"/>
+              </a:spcBef>
+              <a:buFont typeface="Arial" pitchFamily="34" charset="0"/>
+              <a:buChar char="•"/>
+              <a:defRPr sz="3200" kern="1200">
                 <a:solidFill>
                   <a:schemeClr val="tx1"/>
                 </a:solidFill>
-                <a:miter lim="800000"/>
-                <a:headEnd/>
-                <a:tailEnd/>
-              </a14:hiddenLine>
-            </a:ext>
-          </a:extLst>
-        </p:spPr>
-      </p:pic>
+                <a:latin typeface="+mn-lt"/>
+                <a:ea typeface="+mn-ea"/>
+                <a:cs typeface="+mn-cs"/>
+              </a:defRPr>
+            </a:lvl1pPr>
+            <a:lvl2pPr marL="742950" indent="-285750" algn="l" defTabSz="914400" rtl="0" eaLnBrk="1" latinLnBrk="0" hangingPunct="1">
+              <a:spcBef>
+                <a:spcPct val="20000"/>
+              </a:spcBef>
+              <a:buFont typeface="Arial" pitchFamily="34" charset="0"/>
+              <a:buChar char="–"/>
+              <a:defRPr sz="2800" kern="1200">
+                <a:solidFill>
+                  <a:schemeClr val="tx1"/>
+                </a:solidFill>
+                <a:latin typeface="+mn-lt"/>
+                <a:ea typeface="+mn-ea"/>
+                <a:cs typeface="+mn-cs"/>
+              </a:defRPr>
+            </a:lvl2pPr>
+            <a:lvl3pPr marL="1143000" indent="-228600" algn="l" defTabSz="914400" rtl="0" eaLnBrk="1" latinLnBrk="0" hangingPunct="1">
+              <a:spcBef>
+                <a:spcPct val="20000"/>
+              </a:spcBef>
+              <a:buFont typeface="Arial" pitchFamily="34" charset="0"/>
+              <a:buChar char="•"/>
+              <a:defRPr sz="2400" kern="1200">
+                <a:solidFill>
+                  <a:schemeClr val="tx1"/>
+                </a:solidFill>
+                <a:latin typeface="+mn-lt"/>
+                <a:ea typeface="+mn-ea"/>
+                <a:cs typeface="+mn-cs"/>
+              </a:defRPr>
+            </a:lvl3pPr>
+            <a:lvl4pPr marL="1600200" indent="-228600" algn="l" defTabSz="914400" rtl="0" eaLnBrk="1" latinLnBrk="0" hangingPunct="1">
+              <a:spcBef>
+                <a:spcPct val="20000"/>
+              </a:spcBef>
+              <a:buFont typeface="Arial" pitchFamily="34" charset="0"/>
+              <a:buChar char="–"/>
+              <a:defRPr sz="2000" kern="1200">
+                <a:solidFill>
+                  <a:schemeClr val="tx1"/>
+                </a:solidFill>
+                <a:latin typeface="+mn-lt"/>
+                <a:ea typeface="+mn-ea"/>
+                <a:cs typeface="+mn-cs"/>
+              </a:defRPr>
+            </a:lvl4pPr>
+            <a:lvl5pPr marL="2057400" indent="-228600" algn="l" defTabSz="914400" rtl="0" eaLnBrk="1" latinLnBrk="0" hangingPunct="1">
+              <a:spcBef>
+                <a:spcPct val="20000"/>
+              </a:spcBef>
+              <a:buFont typeface="Arial" pitchFamily="34" charset="0"/>
+              <a:buChar char="»"/>
+              <a:defRPr sz="2000" kern="1200">
+                <a:solidFill>
+                  <a:schemeClr val="tx1"/>
+                </a:solidFill>
+                <a:latin typeface="+mn-lt"/>
+                <a:ea typeface="+mn-ea"/>
+                <a:cs typeface="+mn-cs"/>
+              </a:defRPr>
+            </a:lvl5pPr>
+            <a:lvl6pPr marL="2514600" indent="-228600" algn="l" defTabSz="914400" rtl="0" eaLnBrk="1" latinLnBrk="0" hangingPunct="1">
+              <a:spcBef>
+                <a:spcPct val="20000"/>
+              </a:spcBef>
+              <a:buFont typeface="Arial" pitchFamily="34" charset="0"/>
+              <a:buChar char="•"/>
+              <a:defRPr sz="2000" kern="1200">
+                <a:solidFill>
+                  <a:schemeClr val="tx1"/>
+                </a:solidFill>
+                <a:latin typeface="+mn-lt"/>
+                <a:ea typeface="+mn-ea"/>
+                <a:cs typeface="+mn-cs"/>
+              </a:defRPr>
+            </a:lvl6pPr>
+            <a:lvl7pPr marL="2971800" indent="-228600" algn="l" defTabSz="914400" rtl="0" eaLnBrk="1" latinLnBrk="0" hangingPunct="1">
+              <a:spcBef>
+                <a:spcPct val="20000"/>
+              </a:spcBef>
+              <a:buFont typeface="Arial" pitchFamily="34" charset="0"/>
+              <a:buChar char="•"/>
+              <a:defRPr sz="2000" kern="1200">
+                <a:solidFill>
+                  <a:schemeClr val="tx1"/>
+                </a:solidFill>
+                <a:latin typeface="+mn-lt"/>
+                <a:ea typeface="+mn-ea"/>
+                <a:cs typeface="+mn-cs"/>
+              </a:defRPr>
+            </a:lvl7pPr>
+            <a:lvl8pPr marL="3429000" indent="-228600" algn="l" defTabSz="914400" rtl="0" eaLnBrk="1" latinLnBrk="0" hangingPunct="1">
+              <a:spcBef>
+                <a:spcPct val="20000"/>
+              </a:spcBef>
+              <a:buFont typeface="Arial" pitchFamily="34" charset="0"/>
+              <a:buChar char="•"/>
+              <a:defRPr sz="2000" kern="1200">
+                <a:solidFill>
+                  <a:schemeClr val="tx1"/>
+                </a:solidFill>
+                <a:latin typeface="+mn-lt"/>
+                <a:ea typeface="+mn-ea"/>
+                <a:cs typeface="+mn-cs"/>
+              </a:defRPr>
+            </a:lvl8pPr>
+            <a:lvl9pPr marL="3886200" indent="-228600" algn="l" defTabSz="914400" rtl="0" eaLnBrk="1" latinLnBrk="0" hangingPunct="1">
+              <a:spcBef>
+                <a:spcPct val="20000"/>
+              </a:spcBef>
+              <a:buFont typeface="Arial" pitchFamily="34" charset="0"/>
+              <a:buChar char="•"/>
+              <a:defRPr sz="2000" kern="1200">
+                <a:solidFill>
+                  <a:schemeClr val="tx1"/>
+                </a:solidFill>
+                <a:latin typeface="+mn-lt"/>
+                <a:ea typeface="+mn-ea"/>
+                <a:cs typeface="+mn-cs"/>
+              </a:defRPr>
+            </a:lvl9pPr>
+          </a:lstStyle>
+          <a:p>
+            <a:pPr marL="342900" lvl="1" indent="-342900">
+              <a:buFont typeface="Arial" pitchFamily="34" charset="0"/>
+              <a:buChar char="•"/>
+            </a:pPr>
+            <a:r>
+              <a:rPr kumimoji="1" lang="en-US" altLang="zh-CN" dirty="0" smtClean="0"/>
+              <a:t>Outperform all single models on PB (</a:t>
+            </a:r>
+            <a:r>
+              <a:rPr kumimoji="1" lang="en-US" altLang="zh-CN" dirty="0"/>
+              <a:t>Ranked </a:t>
+            </a:r>
+            <a:r>
+              <a:rPr kumimoji="1" lang="en-US" altLang="zh-CN" dirty="0" smtClean="0"/>
+              <a:t>132)</a:t>
+            </a:r>
+          </a:p>
+        </p:txBody>
+      </p:sp>
     </p:spTree>
     <p:extLst>
       <p:ext uri="{BB962C8B-B14F-4D97-AF65-F5344CB8AC3E}">
-        <p14:creationId xmlns:p14="http://schemas.microsoft.com/office/powerpoint/2010/main" val="954433865"/>
+        <p14:creationId xmlns:p14="http://schemas.microsoft.com/office/powerpoint/2010/main" val="65439614"/>
       </p:ext>
     </p:extLst>
   </p:cSld>
@@ -4630,9 +4762,228 @@
   <p:timing>
     <p:tnLst>
       <p:par>
-        <p:cTn id="1" dur="indefinite" restart="never" nodeType="tmRoot"/>
+        <p:cTn xmlns:p14="http://schemas.microsoft.com/office/powerpoint/2010/main" id="1" dur="indefinite" restart="never" nodeType="tmRoot">
+          <p:childTnLst>
+            <p:seq concurrent="1" nextAc="seek">
+              <p:cTn id="2" dur="indefinite" nodeType="mainSeq">
+                <p:childTnLst>
+                  <p:par>
+                    <p:cTn id="3" fill="hold">
+                      <p:stCondLst>
+                        <p:cond delay="indefinite"/>
+                      </p:stCondLst>
+                      <p:childTnLst>
+                        <p:par>
+                          <p:cTn id="4" fill="hold">
+                            <p:stCondLst>
+                              <p:cond delay="0"/>
+                            </p:stCondLst>
+                            <p:childTnLst>
+                              <p:par>
+                                <p:cTn id="5" presetID="1" presetClass="entr" presetSubtype="0" fill="hold" grpId="0" nodeType="clickEffect">
+                                  <p:stCondLst>
+                                    <p:cond delay="0"/>
+                                  </p:stCondLst>
+                                  <p:childTnLst>
+                                    <p:set>
+                                      <p:cBhvr>
+                                        <p:cTn id="6" dur="1" fill="hold">
+                                          <p:stCondLst>
+                                            <p:cond delay="0"/>
+                                          </p:stCondLst>
+                                        </p:cTn>
+                                        <p:tgtEl>
+                                          <p:spTgt spid="3">
+                                            <p:txEl>
+                                              <p:pRg st="0" end="0"/>
+                                            </p:txEl>
+                                          </p:spTgt>
+                                        </p:tgtEl>
+                                        <p:attrNameLst>
+                                          <p:attrName>style.visibility</p:attrName>
+                                        </p:attrNameLst>
+                                      </p:cBhvr>
+                                      <p:to>
+                                        <p:strVal val="visible"/>
+                                      </p:to>
+                                    </p:set>
+                                  </p:childTnLst>
+                                </p:cTn>
+                              </p:par>
+                            </p:childTnLst>
+                          </p:cTn>
+                        </p:par>
+                      </p:childTnLst>
+                    </p:cTn>
+                  </p:par>
+                  <p:par>
+                    <p:cTn id="7" fill="hold">
+                      <p:stCondLst>
+                        <p:cond delay="indefinite"/>
+                      </p:stCondLst>
+                      <p:childTnLst>
+                        <p:par>
+                          <p:cTn id="8" fill="hold">
+                            <p:stCondLst>
+                              <p:cond delay="0"/>
+                            </p:stCondLst>
+                            <p:childTnLst>
+                              <p:par>
+                                <p:cTn id="9" presetID="1" presetClass="entr" presetSubtype="0" fill="hold" nodeType="clickEffect">
+                                  <p:stCondLst>
+                                    <p:cond delay="0"/>
+                                  </p:stCondLst>
+                                  <p:childTnLst>
+                                    <p:set>
+                                      <p:cBhvr>
+                                        <p:cTn id="10" dur="1" fill="hold">
+                                          <p:stCondLst>
+                                            <p:cond delay="0"/>
+                                          </p:stCondLst>
+                                        </p:cTn>
+                                        <p:tgtEl>
+                                          <p:spTgt spid="4"/>
+                                        </p:tgtEl>
+                                        <p:attrNameLst>
+                                          <p:attrName>style.visibility</p:attrName>
+                                        </p:attrNameLst>
+                                      </p:cBhvr>
+                                      <p:to>
+                                        <p:strVal val="visible"/>
+                                      </p:to>
+                                    </p:set>
+                                  </p:childTnLst>
+                                </p:cTn>
+                              </p:par>
+                            </p:childTnLst>
+                          </p:cTn>
+                        </p:par>
+                      </p:childTnLst>
+                    </p:cTn>
+                  </p:par>
+                  <p:par>
+                    <p:cTn id="11" fill="hold">
+                      <p:stCondLst>
+                        <p:cond delay="indefinite"/>
+                      </p:stCondLst>
+                      <p:childTnLst>
+                        <p:par>
+                          <p:cTn id="12" fill="hold">
+                            <p:stCondLst>
+                              <p:cond delay="0"/>
+                            </p:stCondLst>
+                            <p:childTnLst>
+                              <p:par>
+                                <p:cTn id="13" presetID="1" presetClass="entr" presetSubtype="0" fill="hold" grpId="0" nodeType="clickEffect">
+                                  <p:stCondLst>
+                                    <p:cond delay="0"/>
+                                  </p:stCondLst>
+                                  <p:childTnLst>
+                                    <p:set>
+                                      <p:cBhvr>
+                                        <p:cTn id="14" dur="1" fill="hold">
+                                          <p:stCondLst>
+                                            <p:cond delay="0"/>
+                                          </p:stCondLst>
+                                        </p:cTn>
+                                        <p:tgtEl>
+                                          <p:spTgt spid="7"/>
+                                        </p:tgtEl>
+                                        <p:attrNameLst>
+                                          <p:attrName>style.visibility</p:attrName>
+                                        </p:attrNameLst>
+                                      </p:cBhvr>
+                                      <p:to>
+                                        <p:strVal val="visible"/>
+                                      </p:to>
+                                    </p:set>
+                                  </p:childTnLst>
+                                </p:cTn>
+                              </p:par>
+                            </p:childTnLst>
+                          </p:cTn>
+                        </p:par>
+                      </p:childTnLst>
+                    </p:cTn>
+                  </p:par>
+                  <p:par>
+                    <p:cTn id="15" fill="hold">
+                      <p:stCondLst>
+                        <p:cond delay="indefinite"/>
+                      </p:stCondLst>
+                      <p:childTnLst>
+                        <p:par>
+                          <p:cTn id="16" fill="hold">
+                            <p:stCondLst>
+                              <p:cond delay="0"/>
+                            </p:stCondLst>
+                            <p:childTnLst>
+                              <p:par>
+                                <p:cTn id="17" presetID="22" presetClass="entr" presetSubtype="4" fill="hold" nodeType="clickEffect">
+                                  <p:stCondLst>
+                                    <p:cond delay="0"/>
+                                  </p:stCondLst>
+                                  <p:childTnLst>
+                                    <p:set>
+                                      <p:cBhvr>
+                                        <p:cTn id="18" dur="1" fill="hold">
+                                          <p:stCondLst>
+                                            <p:cond delay="0"/>
+                                          </p:stCondLst>
+                                        </p:cTn>
+                                        <p:tgtEl>
+                                          <p:spTgt spid="5"/>
+                                        </p:tgtEl>
+                                        <p:attrNameLst>
+                                          <p:attrName>style.visibility</p:attrName>
+                                        </p:attrNameLst>
+                                      </p:cBhvr>
+                                      <p:to>
+                                        <p:strVal val="visible"/>
+                                      </p:to>
+                                    </p:set>
+                                    <p:animEffect transition="in" filter="wipe(down)">
+                                      <p:cBhvr>
+                                        <p:cTn id="19" dur="1000"/>
+                                        <p:tgtEl>
+                                          <p:spTgt spid="5"/>
+                                        </p:tgtEl>
+                                      </p:cBhvr>
+                                    </p:animEffect>
+                                  </p:childTnLst>
+                                </p:cTn>
+                              </p:par>
+                            </p:childTnLst>
+                          </p:cTn>
+                        </p:par>
+                      </p:childTnLst>
+                    </p:cTn>
+                  </p:par>
+                </p:childTnLst>
+              </p:cTn>
+              <p:prevCondLst>
+                <p:cond evt="onPrev" delay="0">
+                  <p:tgtEl>
+                    <p:sldTgt/>
+                  </p:tgtEl>
+                </p:cond>
+              </p:prevCondLst>
+              <p:nextCondLst>
+                <p:cond evt="onNext" delay="0">
+                  <p:tgtEl>
+                    <p:sldTgt/>
+                  </p:tgtEl>
+                </p:cond>
+              </p:nextCondLst>
+            </p:seq>
+          </p:childTnLst>
+        </p:cTn>
       </p:par>
     </p:tnLst>
+    <p:bldLst>
+      <p:bldP spid="3" grpId="0" build="p"/>
+      <p:bldP spid="7" grpId="0"/>
+    </p:bldLst>
   </p:timing>
 </p:sld>
 </file>
@@ -4664,21 +5015,14 @@
             <p:ph type="title"/>
           </p:nvPr>
         </p:nvSpPr>
-        <p:spPr>
-          <a:xfrm>
-            <a:off x="457200" y="274638"/>
-            <a:ext cx="8229600" cy="411162"/>
-          </a:xfrm>
-        </p:spPr>
-        <p:txBody>
-          <a:bodyPr>
-            <a:normAutofit fontScale="90000"/>
-          </a:bodyPr>
+        <p:spPr/>
+        <p:txBody>
+          <a:bodyPr/>
           <a:lstStyle/>
           <a:p>
             <a:r>
               <a:rPr kumimoji="1" lang="en-US" altLang="zh-CN" dirty="0" smtClean="0"/>
-              <a:t>Issues</a:t>
+              <a:t>Results on Public Board</a:t>
             </a:r>
             <a:endParaRPr kumimoji="1" lang="zh-CN" altLang="en-US" dirty="0"/>
           </a:p>
@@ -4694,25 +5038,26 @@
             <p:ph idx="1"/>
           </p:nvPr>
         </p:nvSpPr>
-        <p:spPr>
-          <a:xfrm>
-            <a:off x="533400" y="838200"/>
-            <a:ext cx="8229600" cy="4525963"/>
-          </a:xfrm>
-        </p:spPr>
+        <p:spPr/>
         <p:txBody>
           <a:bodyPr/>
           <a:lstStyle/>
           <a:p>
             <a:r>
               <a:rPr kumimoji="1" lang="en-US" altLang="zh-CN" dirty="0" smtClean="0"/>
-              <a:t>Overfitting (training set is too small)</a:t>
-            </a:r>
-          </a:p>
-          <a:p>
+              <a:t>Ranked 132 </a:t>
+            </a:r>
             <a:r>
               <a:rPr kumimoji="1" lang="en-US" altLang="zh-CN" dirty="0" smtClean="0"/>
-              <a:t>Cross validation can not estimate the performance on test set</a:t>
+              <a:t>/ </a:t>
+            </a:r>
+            <a:r>
+              <a:rPr kumimoji="1" lang="en-US" altLang="zh-CN" dirty="0" smtClean="0"/>
+              <a:t>2500+ </a:t>
+            </a:r>
+            <a:r>
+              <a:rPr kumimoji="1" lang="en-US" altLang="zh-CN" dirty="0" smtClean="0"/>
+              <a:t>teams</a:t>
             </a:r>
             <a:endParaRPr kumimoji="1" lang="zh-CN" altLang="en-US" dirty="0"/>
           </a:p>
@@ -4720,7 +5065,7 @@
       </p:sp>
       <p:pic>
         <p:nvPicPr>
-          <p:cNvPr id="4" name="图片 3"/>
+          <p:cNvPr id="9" name="图片 8" descr="pb.eps"/>
           <p:cNvPicPr>
             <a:picLocks noChangeAspect="1"/>
           </p:cNvPicPr>
@@ -4740,159 +5085,18 @@
         </p:blipFill>
         <p:spPr>
           <a:xfrm>
-            <a:off x="1600200" y="2487928"/>
-            <a:ext cx="5826762" cy="4370072"/>
+            <a:off x="228600" y="2209800"/>
+            <a:ext cx="8768197" cy="4384099"/>
           </a:xfrm>
           <a:prstGeom prst="rect">
             <a:avLst/>
           </a:prstGeom>
         </p:spPr>
       </p:pic>
-      <p:sp>
-        <p:nvSpPr>
-          <p:cNvPr id="5" name="线形标注 1 4"/>
-          <p:cNvSpPr/>
-          <p:nvPr/>
-        </p:nvSpPr>
-        <p:spPr>
-          <a:xfrm>
-            <a:off x="3657600" y="4724400"/>
-            <a:ext cx="1295400" cy="457200"/>
-          </a:xfrm>
-          <a:prstGeom prst="borderCallout1">
-            <a:avLst>
-              <a:gd name="adj1" fmla="val 18750"/>
-              <a:gd name="adj2" fmla="val -8333"/>
-              <a:gd name="adj3" fmla="val 217365"/>
-              <a:gd name="adj4" fmla="val -37333"/>
-            </a:avLst>
-          </a:prstGeom>
-        </p:spPr>
-        <p:style>
-          <a:lnRef idx="2">
-            <a:schemeClr val="accent2"/>
-          </a:lnRef>
-          <a:fillRef idx="1">
-            <a:schemeClr val="lt1"/>
-          </a:fillRef>
-          <a:effectRef idx="0">
-            <a:schemeClr val="accent2"/>
-          </a:effectRef>
-          <a:fontRef idx="minor">
-            <a:schemeClr val="dk1"/>
-          </a:fontRef>
-        </p:style>
-        <p:txBody>
-          <a:bodyPr rtlCol="0" anchor="ctr"/>
-          <a:lstStyle/>
-          <a:p>
-            <a:pPr algn="ctr"/>
-            <a:r>
-              <a:rPr kumimoji="1" lang="en-US" altLang="zh-CN" dirty="0" smtClean="0"/>
-              <a:t>Rank 115</a:t>
-            </a:r>
-            <a:endParaRPr kumimoji="1" lang="zh-CN" altLang="en-US" dirty="0"/>
-          </a:p>
-        </p:txBody>
-      </p:sp>
-      <p:sp>
-        <p:nvSpPr>
-          <p:cNvPr id="6" name="线形标注 1 5"/>
-          <p:cNvSpPr/>
-          <p:nvPr/>
-        </p:nvSpPr>
-        <p:spPr>
-          <a:xfrm flipH="1">
-            <a:off x="2667000" y="3581400"/>
-            <a:ext cx="1295400" cy="457200"/>
-          </a:xfrm>
-          <a:prstGeom prst="borderCallout1">
-            <a:avLst>
-              <a:gd name="adj1" fmla="val 18750"/>
-              <a:gd name="adj2" fmla="val -8333"/>
-              <a:gd name="adj3" fmla="val -49049"/>
-              <a:gd name="adj4" fmla="val -43335"/>
-            </a:avLst>
-          </a:prstGeom>
-        </p:spPr>
-        <p:style>
-          <a:lnRef idx="2">
-            <a:schemeClr val="accent2"/>
-          </a:lnRef>
-          <a:fillRef idx="1">
-            <a:schemeClr val="lt1"/>
-          </a:fillRef>
-          <a:effectRef idx="0">
-            <a:schemeClr val="accent2"/>
-          </a:effectRef>
-          <a:fontRef idx="minor">
-            <a:schemeClr val="dk1"/>
-          </a:fontRef>
-        </p:style>
-        <p:txBody>
-          <a:bodyPr rtlCol="0" anchor="ctr"/>
-          <a:lstStyle/>
-          <a:p>
-            <a:pPr algn="ctr"/>
-            <a:r>
-              <a:rPr kumimoji="1" lang="en-US" altLang="zh-CN" dirty="0" smtClean="0"/>
-              <a:t>Rank 1890</a:t>
-            </a:r>
-            <a:endParaRPr kumimoji="1" lang="zh-CN" altLang="en-US" dirty="0"/>
-          </a:p>
-        </p:txBody>
-      </p:sp>
-      <p:sp>
-        <p:nvSpPr>
-          <p:cNvPr id="7" name="线形标注 1 6"/>
-          <p:cNvSpPr/>
-          <p:nvPr/>
-        </p:nvSpPr>
-        <p:spPr>
-          <a:xfrm>
-            <a:off x="5715000" y="4343400"/>
-            <a:ext cx="1295400" cy="457200"/>
-          </a:xfrm>
-          <a:prstGeom prst="borderCallout1">
-            <a:avLst>
-              <a:gd name="adj1" fmla="val 18750"/>
-              <a:gd name="adj2" fmla="val -8333"/>
-              <a:gd name="adj3" fmla="val 135174"/>
-              <a:gd name="adj4" fmla="val -25329"/>
-            </a:avLst>
-          </a:prstGeom>
-        </p:spPr>
-        <p:style>
-          <a:lnRef idx="2">
-            <a:schemeClr val="accent2"/>
-          </a:lnRef>
-          <a:fillRef idx="1">
-            <a:schemeClr val="lt1"/>
-          </a:fillRef>
-          <a:effectRef idx="0">
-            <a:schemeClr val="accent2"/>
-          </a:effectRef>
-          <a:fontRef idx="minor">
-            <a:schemeClr val="dk1"/>
-          </a:fontRef>
-        </p:style>
-        <p:txBody>
-          <a:bodyPr rtlCol="0" anchor="ctr"/>
-          <a:lstStyle/>
-          <a:p>
-            <a:pPr algn="ctr"/>
-            <a:r>
-              <a:rPr kumimoji="1" lang="en-US" altLang="zh-CN" dirty="0" smtClean="0"/>
-              <a:t>Rank 866</a:t>
-            </a:r>
-            <a:endParaRPr kumimoji="1" lang="zh-CN" altLang="en-US" dirty="0"/>
-          </a:p>
-        </p:txBody>
-      </p:sp>
     </p:spTree>
     <p:extLst>
       <p:ext uri="{BB962C8B-B14F-4D97-AF65-F5344CB8AC3E}">
-        <p14:creationId xmlns:p14="http://schemas.microsoft.com/office/powerpoint/2010/main" val="4262006165"/>
+        <p14:creationId xmlns:p14="http://schemas.microsoft.com/office/powerpoint/2010/main" val="4030098551"/>
       </p:ext>
     </p:extLst>
   </p:cSld>
@@ -4902,7 +5106,7 @@
   <p:timing>
     <p:tnLst>
       <p:par>
-        <p:cTn id="1" dur="indefinite" restart="never" nodeType="tmRoot"/>
+        <p:cTn xmlns:p14="http://schemas.microsoft.com/office/powerpoint/2010/main" id="1" dur="indefinite" restart="never" nodeType="tmRoot"/>
       </p:par>
     </p:tnLst>
   </p:timing>
@@ -4936,37 +5140,55 @@
             <p:ph type="title"/>
           </p:nvPr>
         </p:nvSpPr>
-        <p:spPr/>
+        <p:spPr>
+          <a:xfrm>
+            <a:off x="457200" y="274638"/>
+            <a:ext cx="8229600" cy="411162"/>
+          </a:xfrm>
+        </p:spPr>
+        <p:txBody>
+          <a:bodyPr>
+            <a:normAutofit fontScale="90000"/>
+          </a:bodyPr>
+          <a:lstStyle/>
+          <a:p>
+            <a:r>
+              <a:rPr kumimoji="1" lang="en-US" altLang="zh-CN" dirty="0" smtClean="0"/>
+              <a:t>Issues</a:t>
+            </a:r>
+            <a:endParaRPr kumimoji="1" lang="zh-CN" altLang="en-US" dirty="0"/>
+          </a:p>
+        </p:txBody>
+      </p:sp>
+      <p:sp>
+        <p:nvSpPr>
+          <p:cNvPr id="3" name="内容占位符 2"/>
+          <p:cNvSpPr>
+            <a:spLocks noGrp="1"/>
+          </p:cNvSpPr>
+          <p:nvPr>
+            <p:ph idx="1"/>
+          </p:nvPr>
+        </p:nvSpPr>
+        <p:spPr>
+          <a:xfrm>
+            <a:off x="533400" y="838200"/>
+            <a:ext cx="8229600" cy="4525963"/>
+          </a:xfrm>
+        </p:spPr>
         <p:txBody>
           <a:bodyPr/>
           <a:lstStyle/>
           <a:p>
             <a:r>
               <a:rPr kumimoji="1" lang="en-US" altLang="zh-CN" dirty="0" smtClean="0"/>
-              <a:t>Results on Public Board</a:t>
-            </a:r>
-            <a:endParaRPr kumimoji="1" lang="zh-CN" altLang="en-US" dirty="0"/>
-          </a:p>
-        </p:txBody>
-      </p:sp>
-      <p:sp>
-        <p:nvSpPr>
-          <p:cNvPr id="3" name="内容占位符 2"/>
-          <p:cNvSpPr>
-            <a:spLocks noGrp="1"/>
-          </p:cNvSpPr>
-          <p:nvPr>
-            <p:ph idx="1"/>
-          </p:nvPr>
-        </p:nvSpPr>
-        <p:spPr/>
-        <p:txBody>
-          <a:bodyPr/>
-          <a:lstStyle/>
+              <a:t>Overfitting (training set is too small)</a:t>
+            </a:r>
+          </a:p>
           <a:p>
             <a:r>
               <a:rPr kumimoji="1" lang="en-US" altLang="zh-CN" dirty="0" smtClean="0"/>
-              <a:t>Rank 1xx / 22xx teams</a:t>
+              <a:t>Cross validation can not estimate the performance on test set</a:t>
             </a:r>
             <a:endParaRPr kumimoji="1" lang="zh-CN" altLang="en-US" dirty="0"/>
           </a:p>
@@ -4974,7 +5196,7 @@
       </p:sp>
       <p:pic>
         <p:nvPicPr>
-          <p:cNvPr id="4" name="图片 3"/>
+          <p:cNvPr id="8" name="图片 7" descr="cv_pb_scores-eps-converted-to.pdf"/>
           <p:cNvPicPr>
             <a:picLocks noChangeAspect="1"/>
           </p:cNvPicPr>
@@ -4994,65 +5216,18 @@
         </p:blipFill>
         <p:spPr>
           <a:xfrm>
-            <a:off x="1295400" y="2057400"/>
-            <a:ext cx="6400800" cy="4800600"/>
+            <a:off x="152400" y="2514600"/>
+            <a:ext cx="8656428" cy="4328214"/>
           </a:xfrm>
           <a:prstGeom prst="rect">
             <a:avLst/>
           </a:prstGeom>
         </p:spPr>
       </p:pic>
-      <p:sp>
-        <p:nvSpPr>
-          <p:cNvPr id="5" name="线形标注 1 4"/>
-          <p:cNvSpPr/>
-          <p:nvPr/>
-        </p:nvSpPr>
-        <p:spPr>
-          <a:xfrm>
-            <a:off x="3048000" y="3962400"/>
-            <a:ext cx="1905000" cy="609600"/>
-          </a:xfrm>
-          <a:prstGeom prst="borderCallout1">
-            <a:avLst>
-              <a:gd name="adj1" fmla="val 18750"/>
-              <a:gd name="adj2" fmla="val -8333"/>
-              <a:gd name="adj3" fmla="val 280426"/>
-              <a:gd name="adj4" fmla="val -40374"/>
-            </a:avLst>
-          </a:prstGeom>
-        </p:spPr>
-        <p:style>
-          <a:lnRef idx="2">
-            <a:schemeClr val="accent2"/>
-          </a:lnRef>
-          <a:fillRef idx="1">
-            <a:schemeClr val="lt1"/>
-          </a:fillRef>
-          <a:effectRef idx="0">
-            <a:schemeClr val="accent2"/>
-          </a:effectRef>
-          <a:fontRef idx="minor">
-            <a:schemeClr val="dk1"/>
-          </a:fontRef>
-        </p:style>
-        <p:txBody>
-          <a:bodyPr rtlCol="0" anchor="ctr"/>
-          <a:lstStyle/>
-          <a:p>
-            <a:pPr algn="ctr"/>
-            <a:r>
-              <a:rPr kumimoji="1" lang="en-US" altLang="zh-CN" dirty="0" smtClean="0"/>
-              <a:t>We are here</a:t>
-            </a:r>
-            <a:endParaRPr kumimoji="1" lang="zh-CN" altLang="en-US" dirty="0"/>
-          </a:p>
-        </p:txBody>
-      </p:sp>
     </p:spTree>
     <p:extLst>
       <p:ext uri="{BB962C8B-B14F-4D97-AF65-F5344CB8AC3E}">
-        <p14:creationId xmlns:p14="http://schemas.microsoft.com/office/powerpoint/2010/main" val="4030098551"/>
+        <p14:creationId xmlns:p14="http://schemas.microsoft.com/office/powerpoint/2010/main" val="4262006165"/>
       </p:ext>
     </p:extLst>
   </p:cSld>
@@ -5062,7 +5237,7 @@
   <p:timing>
     <p:tnLst>
       <p:par>
-        <p:cTn id="1" dur="indefinite" restart="never" nodeType="tmRoot"/>
+        <p:cTn xmlns:p14="http://schemas.microsoft.com/office/powerpoint/2010/main" id="1" dur="indefinite" restart="never" nodeType="tmRoot"/>
       </p:par>
     </p:tnLst>
   </p:timing>
@@ -5126,7 +5301,19 @@
           <a:p>
             <a:r>
               <a:rPr kumimoji="1" lang="en-US" altLang="zh-CN" dirty="0" smtClean="0"/>
-              <a:t>TODO</a:t>
+              <a:t>Performance of a single model is limited</a:t>
+            </a:r>
+          </a:p>
+          <a:p>
+            <a:r>
+              <a:rPr kumimoji="1" lang="en-US" altLang="zh-CN" dirty="0" smtClean="0"/>
+              <a:t>Ensemble is a powerful technique to improve the performance with existing trained models</a:t>
+            </a:r>
+          </a:p>
+          <a:p>
+            <a:r>
+              <a:rPr kumimoji="1" lang="en-US" altLang="zh-CN" dirty="0" smtClean="0"/>
+              <a:t>Overfitting is an issue when training set is small </a:t>
             </a:r>
             <a:endParaRPr kumimoji="1" lang="zh-CN" altLang="en-US" dirty="0"/>
           </a:p>
@@ -5145,7 +5332,7 @@
   <p:timing>
     <p:tnLst>
       <p:par>
-        <p:cTn id="1" dur="indefinite" restart="never" nodeType="tmRoot"/>
+        <p:cTn xmlns:p14="http://schemas.microsoft.com/office/powerpoint/2010/main" id="1" dur="indefinite" restart="never" nodeType="tmRoot"/>
       </p:par>
     </p:tnLst>
   </p:timing>
@@ -5169,25 +5356,6 @@
           <a:chExt cx="0" cy="0"/>
         </a:xfrm>
       </p:grpSpPr>
-      <p:sp>
-        <p:nvSpPr>
-          <p:cNvPr id="2" name="Title 1"/>
-          <p:cNvSpPr>
-            <a:spLocks noGrp="1"/>
-          </p:cNvSpPr>
-          <p:nvPr>
-            <p:ph type="title"/>
-          </p:nvPr>
-        </p:nvSpPr>
-        <p:spPr/>
-        <p:txBody>
-          <a:bodyPr/>
-          <a:lstStyle/>
-          <a:p>
-            <a:endParaRPr lang="en-US"/>
-          </a:p>
-        </p:txBody>
-      </p:sp>
       <p:sp>
         <p:nvSpPr>
           <p:cNvPr id="3" name="Content Placeholder 2"/>
@@ -5323,7 +5491,7 @@
   <p:timing>
     <p:tnLst>
       <p:par>
-        <p:cTn id="1" dur="indefinite" restart="never" nodeType="tmRoot"/>
+        <p:cTn xmlns:p14="http://schemas.microsoft.com/office/powerpoint/2010/main" id="1" dur="indefinite" restart="never" nodeType="tmRoot"/>
       </p:par>
     </p:tnLst>
   </p:timing>
@@ -5943,7 +6111,7 @@
   <p:timing>
     <p:tnLst>
       <p:par>
-        <p:cTn id="1" dur="indefinite" restart="never" nodeType="tmRoot"/>
+        <p:cTn xmlns:p14="http://schemas.microsoft.com/office/powerpoint/2010/main" id="1" dur="indefinite" restart="never" nodeType="tmRoot"/>
       </p:par>
     </p:tnLst>
   </p:timing>
@@ -6026,14 +6194,14 @@
             <a:noFill/>
           </a:ln>
           <a:extLst>
-            <a:ext uri="{909E8E84-426E-40DD-AFC4-6F175D3DCCD1}">
+            <a:ext uri="{909E8E84-426E-40dd-AFC4-6F175D3DCCD1}">
               <a14:hiddenFill xmlns:a14="http://schemas.microsoft.com/office/drawing/2010/main">
                 <a:solidFill>
                   <a:schemeClr val="accent1"/>
                 </a:solidFill>
               </a14:hiddenFill>
             </a:ext>
-            <a:ext uri="{91240B29-F687-4F45-9708-019B960494DF}">
+            <a:ext uri="{91240B29-F687-4f45-9708-019B960494DF}">
               <a14:hiddenLine xmlns:a14="http://schemas.microsoft.com/office/drawing/2010/main" w="9525">
                 <a:solidFill>
                   <a:schemeClr val="tx1"/>
@@ -6059,7 +6227,7 @@
   <p:timing>
     <p:tnLst>
       <p:par>
-        <p:cTn id="1" dur="indefinite" restart="never" nodeType="tmRoot"/>
+        <p:cTn xmlns:p14="http://schemas.microsoft.com/office/powerpoint/2010/main" id="1" dur="indefinite" restart="never" nodeType="tmRoot"/>
       </p:par>
     </p:tnLst>
   </p:timing>
@@ -6122,6 +6290,17 @@
           <a:lstStyle/>
           <a:p>
             <a:r>
+              <a:rPr lang="en-US" altLang="zh-CN" dirty="0"/>
+              <a:t>Restaurant Revenue </a:t>
+            </a:r>
+            <a:r>
+              <a:rPr lang="en-US" altLang="zh-CN" dirty="0" smtClean="0"/>
+              <a:t>Prediction</a:t>
+            </a:r>
+          </a:p>
+          <a:p>
+            <a:pPr lvl="1"/>
+            <a:r>
               <a:rPr lang="en-US" dirty="0" smtClean="0"/>
               <a:t>A </a:t>
             </a:r>
@@ -6138,8 +6317,25 @@
             <a:pPr lvl="1"/>
             <a:r>
               <a:rPr lang="en-US" dirty="0" smtClean="0"/>
-              <a:t>2340 Teams, 2499 Players, 27735 entries</a:t>
-            </a:r>
+              <a:t>2340 </a:t>
+            </a:r>
+            <a:r>
+              <a:rPr lang="en-US" dirty="0" smtClean="0"/>
+              <a:t>Teams, </a:t>
+            </a:r>
+            <a:r>
+              <a:rPr lang="en-US" dirty="0" smtClean="0"/>
+              <a:t>2557 </a:t>
+            </a:r>
+            <a:r>
+              <a:rPr lang="en-US" dirty="0" smtClean="0"/>
+              <a:t>Players, </a:t>
+            </a:r>
+            <a:r>
+              <a:rPr lang="en-US" dirty="0" smtClean="0"/>
+              <a:t>34388 entries</a:t>
+            </a:r>
+            <a:endParaRPr lang="en-US" dirty="0" smtClean="0"/>
           </a:p>
           <a:p>
             <a:r>
@@ -6211,14 +6407,14 @@
               <a:noFill/>
             </a:ln>
             <a:extLst>
-              <a:ext uri="{909E8E84-426E-40DD-AFC4-6F175D3DCCD1}">
+              <a:ext uri="{909E8E84-426E-40dd-AFC4-6F175D3DCCD1}">
                 <a14:hiddenFill xmlns:a14="http://schemas.microsoft.com/office/drawing/2010/main">
                   <a:solidFill>
                     <a:schemeClr val="accent1"/>
                   </a:solidFill>
                 </a14:hiddenFill>
               </a:ext>
-              <a:ext uri="{91240B29-F687-4F45-9708-019B960494DF}">
+              <a:ext uri="{91240B29-F687-4f45-9708-019B960494DF}">
                 <a14:hiddenLine xmlns:a14="http://schemas.microsoft.com/office/drawing/2010/main" w="9525">
                   <a:solidFill>
                     <a:schemeClr val="tx1"/>
@@ -6269,7 +6465,7 @@
   <p:timing>
     <p:tnLst>
       <p:par>
-        <p:cTn id="1" dur="indefinite" restart="never" nodeType="tmRoot"/>
+        <p:cTn xmlns:p14="http://schemas.microsoft.com/office/powerpoint/2010/main" id="1" dur="indefinite" restart="never" nodeType="tmRoot"/>
       </p:par>
     </p:tnLst>
   </p:timing>
@@ -6352,14 +6548,14 @@
             <a:noFill/>
           </a:ln>
           <a:extLst>
-            <a:ext uri="{909E8E84-426E-40DD-AFC4-6F175D3DCCD1}">
+            <a:ext uri="{909E8E84-426E-40dd-AFC4-6F175D3DCCD1}">
               <a14:hiddenFill xmlns:a14="http://schemas.microsoft.com/office/drawing/2010/main">
                 <a:solidFill>
                   <a:schemeClr val="accent1"/>
                 </a:solidFill>
               </a14:hiddenFill>
             </a:ext>
-            <a:ext uri="{91240B29-F687-4F45-9708-019B960494DF}">
+            <a:ext uri="{91240B29-F687-4f45-9708-019B960494DF}">
               <a14:hiddenLine xmlns:a14="http://schemas.microsoft.com/office/drawing/2010/main" w="9525">
                 <a:solidFill>
                   <a:schemeClr val="tx1"/>
@@ -6385,7 +6581,7 @@
   <p:timing>
     <p:tnLst>
       <p:par>
-        <p:cTn id="1" dur="indefinite" restart="never" nodeType="tmRoot"/>
+        <p:cTn xmlns:p14="http://schemas.microsoft.com/office/powerpoint/2010/main" id="1" dur="indefinite" restart="never" nodeType="tmRoot"/>
       </p:par>
     </p:tnLst>
   </p:timing>
@@ -6489,14 +6685,14 @@
             <a:noFill/>
           </a:ln>
           <a:extLst>
-            <a:ext uri="{909E8E84-426E-40DD-AFC4-6F175D3DCCD1}">
+            <a:ext uri="{909E8E84-426E-40dd-AFC4-6F175D3DCCD1}">
               <a14:hiddenFill xmlns:a14="http://schemas.microsoft.com/office/drawing/2010/main">
                 <a:solidFill>
                   <a:schemeClr val="accent1"/>
                 </a:solidFill>
               </a14:hiddenFill>
             </a:ext>
-            <a:ext uri="{91240B29-F687-4F45-9708-019B960494DF}">
+            <a:ext uri="{91240B29-F687-4f45-9708-019B960494DF}">
               <a14:hiddenLine xmlns:a14="http://schemas.microsoft.com/office/drawing/2010/main" w="9525">
                 <a:solidFill>
                   <a:schemeClr val="tx1"/>
@@ -6519,6 +6715,149 @@
   <p:clrMapOvr>
     <a:masterClrMapping/>
   </p:clrMapOvr>
+</p:sld>
+</file>
+
+<file path=ppt/slides/slide22.xml><?xml version="1.0" encoding="utf-8"?>
+<p:sld xmlns:a="http://schemas.openxmlformats.org/drawingml/2006/main" xmlns:r="http://schemas.openxmlformats.org/officeDocument/2006/relationships" xmlns:p="http://schemas.openxmlformats.org/presentationml/2006/main">
+  <p:cSld>
+    <p:spTree>
+      <p:nvGrpSpPr>
+        <p:cNvPr id="1" name=""/>
+        <p:cNvGrpSpPr/>
+        <p:nvPr/>
+      </p:nvGrpSpPr>
+      <p:grpSpPr>
+        <a:xfrm>
+          <a:off x="0" y="0"/>
+          <a:ext cx="0" cy="0"/>
+          <a:chOff x="0" y="0"/>
+          <a:chExt cx="0" cy="0"/>
+        </a:xfrm>
+      </p:grpSpPr>
+      <p:sp>
+        <p:nvSpPr>
+          <p:cNvPr id="2" name="Title 1"/>
+          <p:cNvSpPr>
+            <a:spLocks noGrp="1"/>
+          </p:cNvSpPr>
+          <p:nvPr>
+            <p:ph type="title"/>
+          </p:nvPr>
+        </p:nvSpPr>
+        <p:spPr/>
+        <p:txBody>
+          <a:bodyPr/>
+          <a:lstStyle/>
+          <a:p>
+            <a:r>
+              <a:rPr lang="en-US" dirty="0" smtClean="0"/>
+              <a:t>Visualize Validation</a:t>
+            </a:r>
+            <a:endParaRPr lang="en-US" dirty="0"/>
+          </a:p>
+        </p:txBody>
+      </p:sp>
+      <p:sp>
+        <p:nvSpPr>
+          <p:cNvPr id="4" name="TextBox 3"/>
+          <p:cNvSpPr txBox="1"/>
+          <p:nvPr/>
+        </p:nvSpPr>
+        <p:spPr>
+          <a:xfrm>
+            <a:off x="76200" y="5949091"/>
+            <a:ext cx="8915400" cy="369332"/>
+          </a:xfrm>
+          <a:prstGeom prst="rect">
+            <a:avLst/>
+          </a:prstGeom>
+          <a:noFill/>
+        </p:spPr>
+        <p:txBody>
+          <a:bodyPr wrap="square" rtlCol="0">
+            <a:spAutoFit/>
+          </a:bodyPr>
+          <a:lstStyle/>
+          <a:p>
+            <a:pPr algn="ctr"/>
+            <a:r>
+              <a:rPr lang="en-US" dirty="0" smtClean="0"/>
+              <a:t>Example of prediction results: Ensemble Approach</a:t>
+            </a:r>
+            <a:endParaRPr lang="en-US" dirty="0"/>
+          </a:p>
+        </p:txBody>
+      </p:sp>
+      <p:pic>
+        <p:nvPicPr>
+          <p:cNvPr id="1026" name="Picture 2"/>
+          <p:cNvPicPr>
+            <a:picLocks noChangeAspect="1" noChangeArrowheads="1"/>
+          </p:cNvPicPr>
+          <p:nvPr/>
+        </p:nvPicPr>
+        <p:blipFill rotWithShape="1">
+          <a:blip r:embed="rId2">
+            <a:extLst>
+              <a:ext uri="{28A0092B-C50C-407E-A947-70E740481C1C}">
+                <a14:useLocalDpi xmlns:a14="http://schemas.microsoft.com/office/drawing/2010/main" val="0"/>
+              </a:ext>
+            </a:extLst>
+          </a:blip>
+          <a:srcRect b="10233"/>
+          <a:stretch/>
+        </p:blipFill>
+        <p:spPr bwMode="auto">
+          <a:xfrm>
+            <a:off x="990600" y="1397891"/>
+            <a:ext cx="7162800" cy="4416983"/>
+          </a:xfrm>
+          <a:prstGeom prst="rect">
+            <a:avLst/>
+          </a:prstGeom>
+          <a:noFill/>
+          <a:ln>
+            <a:noFill/>
+          </a:ln>
+          <a:extLst>
+            <a:ext uri="{909E8E84-426E-40dd-AFC4-6F175D3DCCD1}">
+              <a14:hiddenFill xmlns:a14="http://schemas.microsoft.com/office/drawing/2010/main">
+                <a:solidFill>
+                  <a:schemeClr val="accent1"/>
+                </a:solidFill>
+              </a14:hiddenFill>
+            </a:ext>
+            <a:ext uri="{91240B29-F687-4f45-9708-019B960494DF}">
+              <a14:hiddenLine xmlns:a14="http://schemas.microsoft.com/office/drawing/2010/main" w="9525">
+                <a:solidFill>
+                  <a:schemeClr val="tx1"/>
+                </a:solidFill>
+                <a:miter lim="800000"/>
+                <a:headEnd/>
+                <a:tailEnd/>
+              </a14:hiddenLine>
+            </a:ext>
+          </a:extLst>
+        </p:spPr>
+      </p:pic>
+    </p:spTree>
+    <p:extLst>
+      <p:ext uri="{BB962C8B-B14F-4D97-AF65-F5344CB8AC3E}">
+        <p14:creationId xmlns:p14="http://schemas.microsoft.com/office/powerpoint/2010/main" val="2482150079"/>
+      </p:ext>
+    </p:extLst>
+  </p:cSld>
+  <p:clrMapOvr>
+    <a:masterClrMapping/>
+  </p:clrMapOvr>
+  <p:timing>
+    <p:tnLst>
+      <p:par>
+        <p:cTn xmlns:p14="http://schemas.microsoft.com/office/powerpoint/2010/main" id="1" dur="indefinite" restart="never" nodeType="tmRoot"/>
+      </p:par>
+    </p:tnLst>
+  </p:timing>
 </p:sld>
 </file>
 
@@ -6827,14 +7166,14 @@
             <a:noFill/>
           </a:ln>
           <a:extLst>
-            <a:ext uri="{909E8E84-426E-40DD-AFC4-6F175D3DCCD1}">
+            <a:ext uri="{909E8E84-426E-40dd-AFC4-6F175D3DCCD1}">
               <a14:hiddenFill xmlns:a14="http://schemas.microsoft.com/office/drawing/2010/main">
                 <a:solidFill>
                   <a:schemeClr val="accent1"/>
                 </a:solidFill>
               </a14:hiddenFill>
             </a:ext>
-            <a:ext uri="{91240B29-F687-4F45-9708-019B960494DF}">
+            <a:ext uri="{91240B29-F687-4f45-9708-019B960494DF}">
               <a14:hiddenLine xmlns:a14="http://schemas.microsoft.com/office/drawing/2010/main" w="9525">
                 <a:solidFill>
                   <a:schemeClr val="tx1"/>
@@ -6860,7 +7199,7 @@
   <p:timing>
     <p:tnLst>
       <p:par>
-        <p:cTn id="1" dur="indefinite" restart="never" nodeType="tmRoot"/>
+        <p:cTn xmlns:p14="http://schemas.microsoft.com/office/powerpoint/2010/main" id="1" dur="indefinite" restart="never" nodeType="tmRoot"/>
       </p:par>
     </p:tnLst>
   </p:timing>
@@ -6901,7 +7240,7 @@
           <a:p>
             <a:r>
               <a:rPr lang="en-US" dirty="0" smtClean="0"/>
-              <a:t>Dataset</a:t>
+              <a:t>Dataset (Cont.)</a:t>
             </a:r>
             <a:endParaRPr lang="en-US" dirty="0"/>
           </a:p>
@@ -7003,14 +7342,14 @@
                 <a:noFill/>
               </a:ln>
               <a:extLst>
-                <a:ext uri="{909E8E84-426E-40DD-AFC4-6F175D3DCCD1}">
+                <a:ext uri="{909E8E84-426E-40dd-AFC4-6F175D3DCCD1}">
                   <a14:hiddenFill xmlns:a14="http://schemas.microsoft.com/office/drawing/2010/main">
                     <a:solidFill>
                       <a:schemeClr val="accent1"/>
                     </a:solidFill>
                   </a14:hiddenFill>
                 </a:ext>
-                <a:ext uri="{91240B29-F687-4F45-9708-019B960494DF}">
+                <a:ext uri="{91240B29-F687-4f45-9708-019B960494DF}">
                   <a14:hiddenLine xmlns:a14="http://schemas.microsoft.com/office/drawing/2010/main" w="9525">
                     <a:solidFill>
                       <a:schemeClr val="tx1"/>
@@ -7393,7 +7732,7 @@
   <p:timing>
     <p:tnLst>
       <p:par>
-        <p:cTn id="1" dur="indefinite" restart="never" nodeType="tmRoot"/>
+        <p:cTn xmlns:p14="http://schemas.microsoft.com/office/powerpoint/2010/main" id="1" dur="indefinite" restart="never" nodeType="tmRoot"/>
       </p:par>
     </p:tnLst>
   </p:timing>
@@ -7647,7 +7986,7 @@
   <p:timing>
     <p:tnLst>
       <p:par>
-        <p:cTn id="1" dur="indefinite" restart="never" nodeType="tmRoot"/>
+        <p:cTn xmlns:p14="http://schemas.microsoft.com/office/powerpoint/2010/main" id="1" dur="indefinite" restart="never" nodeType="tmRoot"/>
       </p:par>
     </p:tnLst>
   </p:timing>
@@ -7742,7 +8081,11 @@
             <a:pPr lvl="1"/>
             <a:r>
               <a:rPr lang="en-US" dirty="0" smtClean="0"/>
-              <a:t>Convert to numerical data, assign distinct value</a:t>
+              <a:t>Convert to numerical data, assign distinct </a:t>
+            </a:r>
+            <a:r>
+              <a:rPr lang="en-US" dirty="0" smtClean="0"/>
+              <a:t>values</a:t>
             </a:r>
             <a:endParaRPr lang="en-US" dirty="0"/>
           </a:p>
@@ -7758,6 +8101,71 @@
               <a:rPr lang="en-US" dirty="0" smtClean="0"/>
               <a:t>Standardize: zero mean, unit variance</a:t>
             </a:r>
+          </a:p>
+        </p:txBody>
+      </p:sp>
+      <p:sp>
+        <p:nvSpPr>
+          <p:cNvPr id="4" name="文本框 3"/>
+          <p:cNvSpPr txBox="1"/>
+          <p:nvPr/>
+        </p:nvSpPr>
+        <p:spPr>
+          <a:xfrm>
+            <a:off x="5181600" y="4154269"/>
+            <a:ext cx="2971800" cy="646331"/>
+          </a:xfrm>
+          <a:prstGeom prst="rect">
+            <a:avLst/>
+          </a:prstGeom>
+          <a:noFill/>
+        </p:spPr>
+        <p:txBody>
+          <a:bodyPr wrap="square" rtlCol="0">
+            <a:spAutoFit/>
+          </a:bodyPr>
+          <a:lstStyle/>
+          <a:p>
+            <a:r>
+              <a:rPr kumimoji="1" lang="en-US" altLang="zh-CN" b="1" dirty="0" smtClean="0">
+                <a:solidFill>
+                  <a:srgbClr val="FF0000"/>
+                </a:solidFill>
+              </a:rPr>
+              <a:t>~~~~~~~~~~~~~~~~~~~~~~~</a:t>
+            </a:r>
+          </a:p>
+          <a:p>
+            <a:pPr algn="ctr"/>
+            <a:r>
+              <a:rPr kumimoji="1" lang="en-US" altLang="zh-CN" b="1" dirty="0" smtClean="0">
+                <a:solidFill>
+                  <a:srgbClr val="FF0000"/>
+                </a:solidFill>
+              </a:rPr>
+              <a:t>This </a:t>
+            </a:r>
+            <a:r>
+              <a:rPr kumimoji="1" lang="en-US" altLang="zh-CN" b="1" dirty="0">
+                <a:solidFill>
+                  <a:srgbClr val="FF0000"/>
+                </a:solidFill>
+              </a:rPr>
+              <a:t>is </a:t>
+            </a:r>
+            <a:r>
+              <a:rPr kumimoji="1" lang="en-US" altLang="zh-CN" b="1" dirty="0" smtClean="0">
+                <a:solidFill>
+                  <a:srgbClr val="FF0000"/>
+                </a:solidFill>
+              </a:rPr>
+              <a:t>improper…</a:t>
+            </a:r>
+            <a:endParaRPr kumimoji="1" lang="zh-CN" altLang="en-US" b="1" dirty="0">
+              <a:solidFill>
+                <a:srgbClr val="FF0000"/>
+              </a:solidFill>
+            </a:endParaRPr>
           </a:p>
         </p:txBody>
       </p:sp>
@@ -7774,7 +8182,7 @@
   <p:timing>
     <p:tnLst>
       <p:par>
-        <p:cTn id="1" dur="indefinite" restart="never" nodeType="tmRoot"/>
+        <p:cTn xmlns:p14="http://schemas.microsoft.com/office/powerpoint/2010/main" id="1" dur="indefinite" restart="never" nodeType="tmRoot"/>
       </p:par>
     </p:tnLst>
   </p:timing>
@@ -7885,14 +8293,14 @@
             <a:noFill/>
           </a:ln>
           <a:extLst>
-            <a:ext uri="{909E8E84-426E-40DD-AFC4-6F175D3DCCD1}">
+            <a:ext uri="{909E8E84-426E-40dd-AFC4-6F175D3DCCD1}">
               <a14:hiddenFill xmlns:a14="http://schemas.microsoft.com/office/drawing/2010/main">
                 <a:solidFill>
                   <a:schemeClr val="accent1"/>
                 </a:solidFill>
               </a14:hiddenFill>
             </a:ext>
-            <a:ext uri="{91240B29-F687-4F45-9708-019B960494DF}">
+            <a:ext uri="{91240B29-F687-4f45-9708-019B960494DF}">
               <a14:hiddenLine xmlns:a14="http://schemas.microsoft.com/office/drawing/2010/main" w="9525">
                 <a:solidFill>
                   <a:schemeClr val="tx1"/>
@@ -7948,7 +8356,7 @@
   <p:timing>
     <p:tnLst>
       <p:par>
-        <p:cTn id="1" dur="indefinite" restart="never" nodeType="tmRoot"/>
+        <p:cTn xmlns:p14="http://schemas.microsoft.com/office/powerpoint/2010/main" id="1" dur="indefinite" restart="never" nodeType="tmRoot"/>
       </p:par>
     </p:tnLst>
   </p:timing>
@@ -8013,7 +8421,7 @@
           </a:prstGeom>
           <a:noFill/>
           <a:extLst>
-            <a:ext uri="{909E8E84-426E-40DD-AFC4-6F175D3DCCD1}">
+            <a:ext uri="{909E8E84-426E-40dd-AFC4-6F175D3DCCD1}">
               <a14:hiddenFill xmlns:a14="http://schemas.microsoft.com/office/drawing/2010/main">
                 <a:solidFill>
                   <a:srgbClr val="FFFFFF"/>
@@ -8050,8 +8458,8 @@
         </p:blipFill>
         <p:spPr>
           <a:xfrm>
-            <a:off x="2362200" y="3352800"/>
-            <a:ext cx="3526897" cy="2971800"/>
+            <a:off x="1729167" y="2789510"/>
+            <a:ext cx="4647569" cy="3916090"/>
           </a:xfrm>
           <a:prstGeom prst="rect">
             <a:avLst/>
@@ -8066,7 +8474,7 @@
         </p:nvSpPr>
         <p:spPr>
           <a:xfrm>
-            <a:off x="2185309" y="2438400"/>
+            <a:off x="1981200" y="2209800"/>
             <a:ext cx="3880678" cy="369332"/>
           </a:xfrm>
           <a:prstGeom prst="rect">
@@ -8132,21 +8540,45 @@
               <a:rPr lang="en-US" dirty="0" smtClean="0"/>
               <a:t>Correlations</a:t>
             </a:r>
-          </a:p>
-          <a:p>
-            <a:endParaRPr lang="en-US" dirty="0"/>
-          </a:p>
-          <a:p>
-            <a:endParaRPr lang="en-US" dirty="0"/>
-          </a:p>
-          <a:p>
             <a:endParaRPr lang="en-US" dirty="0" smtClean="0"/>
           </a:p>
-          <a:p>
-            <a:endParaRPr lang="en-US" dirty="0"/>
-          </a:p>
-          <a:p>
-            <a:endParaRPr lang="en-US" dirty="0"/>
+        </p:txBody>
+      </p:sp>
+      <p:sp>
+        <p:nvSpPr>
+          <p:cNvPr id="10" name="文本框 9"/>
+          <p:cNvSpPr txBox="1"/>
+          <p:nvPr/>
+        </p:nvSpPr>
+        <p:spPr>
+          <a:xfrm>
+            <a:off x="5181600" y="4154269"/>
+            <a:ext cx="3657600" cy="369332"/>
+          </a:xfrm>
+          <a:prstGeom prst="rect">
+            <a:avLst/>
+          </a:prstGeom>
+          <a:noFill/>
+        </p:spPr>
+        <p:txBody>
+          <a:bodyPr wrap="square" rtlCol="0">
+            <a:spAutoFit/>
+          </a:bodyPr>
+          <a:lstStyle/>
+          <a:p>
+            <a:r>
+              <a:rPr kumimoji="1" lang="en-US" altLang="zh-CN" b="1" dirty="0" smtClean="0">
+                <a:solidFill>
+                  <a:srgbClr val="FF0000"/>
+                </a:solidFill>
+              </a:rPr>
+              <a:t>Replace the figure, with large dots</a:t>
+            </a:r>
+            <a:endParaRPr kumimoji="1" lang="zh-CN" altLang="en-US" b="1" dirty="0">
+              <a:solidFill>
+                <a:srgbClr val="FF0000"/>
+              </a:solidFill>
+            </a:endParaRPr>
           </a:p>
         </p:txBody>
       </p:sp>
@@ -8160,6 +8592,13 @@
   <p:clrMapOvr>
     <a:masterClrMapping/>
   </p:clrMapOvr>
+  <p:timing>
+    <p:tnLst>
+      <p:par>
+        <p:cTn xmlns:p14="http://schemas.microsoft.com/office/powerpoint/2010/main" id="1" dur="indefinite" restart="never" nodeType="tmRoot"/>
+      </p:par>
+    </p:tnLst>
+  </p:timing>
 </p:sld>
 </file>
 
@@ -8227,25 +8666,6 @@
           </a:p>
         </p:txBody>
       </p:sp>
-      <p:sp>
-        <p:nvSpPr>
-          <p:cNvPr id="3" name="Content Placeholder 2"/>
-          <p:cNvSpPr>
-            <a:spLocks noGrp="1"/>
-          </p:cNvSpPr>
-          <p:nvPr>
-            <p:ph idx="1"/>
-          </p:nvPr>
-        </p:nvSpPr>
-        <p:spPr/>
-        <p:txBody>
-          <a:bodyPr/>
-          <a:lstStyle/>
-          <a:p>
-            <a:endParaRPr lang="en-US" dirty="0"/>
-          </a:p>
-        </p:txBody>
-      </p:sp>
       <p:pic>
         <p:nvPicPr>
           <p:cNvPr id="1026" name="Picture 2"/>
@@ -8254,7 +8674,7 @@
           </p:cNvPicPr>
           <p:nvPr/>
         </p:nvPicPr>
-        <p:blipFill>
+        <p:blipFill rotWithShape="1">
           <a:blip r:embed="rId2">
             <a:extLst>
               <a:ext uri="{28A0092B-C50C-407E-A947-70E740481C1C}">
@@ -8262,32 +8682,36 @@
               </a:ext>
             </a:extLst>
           </a:blip>
-          <a:srcRect/>
-          <a:stretch>
-            <a:fillRect/>
-          </a:stretch>
+          <a:srcRect r="19056"/>
+          <a:stretch/>
         </p:blipFill>
         <p:spPr bwMode="auto">
           <a:xfrm>
-            <a:off x="304800" y="1524000"/>
-            <a:ext cx="4953000" cy="2705100"/>
+            <a:off x="228600" y="1524000"/>
+            <a:ext cx="4009189" cy="2705100"/>
           </a:xfrm>
           <a:prstGeom prst="rect">
             <a:avLst/>
           </a:prstGeom>
-          <a:noFill/>
           <a:ln>
             <a:noFill/>
           </a:ln>
+          <a:effectLst>
+            <a:outerShdw blurRad="292100" dist="139700" dir="2700000" algn="tl" rotWithShape="0">
+              <a:srgbClr val="333333">
+                <a:alpha val="65000"/>
+              </a:srgbClr>
+            </a:outerShdw>
+          </a:effectLst>
           <a:extLst>
-            <a:ext uri="{909E8E84-426E-40DD-AFC4-6F175D3DCCD1}">
+            <a:ext uri="{909E8E84-426E-40dd-AFC4-6F175D3DCCD1}">
               <a14:hiddenFill xmlns:a14="http://schemas.microsoft.com/office/drawing/2010/main">
                 <a:solidFill>
                   <a:schemeClr val="accent1"/>
                 </a:solidFill>
               </a14:hiddenFill>
             </a:ext>
-            <a:ext uri="{91240B29-F687-4F45-9708-019B960494DF}">
+            <a:ext uri="{91240B29-F687-4f45-9708-019B960494DF}">
               <a14:hiddenLine xmlns:a14="http://schemas.microsoft.com/office/drawing/2010/main" w="9525">
                 <a:solidFill>
                   <a:schemeClr val="tx1"/>
@@ -8323,25 +8747,31 @@
         </p:blipFill>
         <p:spPr bwMode="auto">
           <a:xfrm>
-            <a:off x="4465250" y="1555376"/>
+            <a:off x="4343400" y="1524000"/>
             <a:ext cx="4649143" cy="4486275"/>
           </a:xfrm>
           <a:prstGeom prst="rect">
             <a:avLst/>
           </a:prstGeom>
-          <a:noFill/>
           <a:ln>
             <a:noFill/>
           </a:ln>
+          <a:effectLst>
+            <a:outerShdw blurRad="292100" dist="139700" dir="2700000" algn="tl" rotWithShape="0">
+              <a:srgbClr val="333333">
+                <a:alpha val="65000"/>
+              </a:srgbClr>
+            </a:outerShdw>
+          </a:effectLst>
           <a:extLst>
-            <a:ext uri="{909E8E84-426E-40DD-AFC4-6F175D3DCCD1}">
+            <a:ext uri="{909E8E84-426E-40dd-AFC4-6F175D3DCCD1}">
               <a14:hiddenFill xmlns:a14="http://schemas.microsoft.com/office/drawing/2010/main">
                 <a:solidFill>
                   <a:schemeClr val="accent1"/>
                 </a:solidFill>
               </a14:hiddenFill>
             </a:ext>
-            <a:ext uri="{91240B29-F687-4F45-9708-019B960494DF}">
+            <a:ext uri="{91240B29-F687-4f45-9708-019B960494DF}">
               <a14:hiddenLine xmlns:a14="http://schemas.microsoft.com/office/drawing/2010/main" w="9525">
                 <a:solidFill>
                   <a:schemeClr val="tx1"/>
@@ -8410,7 +8840,7 @@
         </p:nvSpPr>
         <p:spPr>
           <a:xfrm>
-            <a:off x="609600" y="5335745"/>
+            <a:off x="457200" y="5335745"/>
             <a:ext cx="3126369" cy="646331"/>
           </a:xfrm>
           <a:prstGeom prst="rect">
@@ -8498,7 +8928,7 @@
         </p:nvCxnSpPr>
         <p:spPr>
           <a:xfrm flipV="1">
-            <a:off x="3735969" y="5658910"/>
+            <a:off x="3583569" y="5658910"/>
             <a:ext cx="729281" cy="1"/>
           </a:xfrm>
           <a:prstGeom prst="straightConnector1">
@@ -8541,7 +8971,7 @@
   <p:timing>
     <p:tnLst>
       <p:par>
-        <p:cTn id="1" dur="indefinite" restart="never" nodeType="tmRoot"/>
+        <p:cTn xmlns:p14="http://schemas.microsoft.com/office/powerpoint/2010/main" id="1" dur="indefinite" restart="never" nodeType="tmRoot"/>
       </p:par>
     </p:tnLst>
   </p:timing>

--- a/doc/presentation/revenue-prediction.pptx
+++ b/doc/presentation/revenue-prediction.pptx
@@ -7,6 +7,9 @@
   <p:notesMasterIdLst>
     <p:notesMasterId r:id="rId23"/>
   </p:notesMasterIdLst>
+  <p:handoutMasterIdLst>
+    <p:handoutMasterId r:id="rId24"/>
+  </p:handoutMasterIdLst>
   <p:sldIdLst>
     <p:sldId id="256" r:id="rId2"/>
     <p:sldId id="257" r:id="rId3"/>
@@ -31,7 +34,7 @@
     <p:sldId id="279" r:id="rId22"/>
   </p:sldIdLst>
   <p:sldSz cx="9144000" cy="6858000" type="screen4x3"/>
-  <p:notesSz cx="6858000" cy="9144000"/>
+  <p:notesSz cx="6881813" cy="9296400"/>
   <p:defaultTextStyle>
     <a:defPPr>
       <a:defRPr lang="en-US"/>
@@ -130,6 +133,171 @@
 </p:presentation>
 </file>
 
+<file path=ppt/handoutMasters/handoutMaster1.xml><?xml version="1.0" encoding="utf-8"?>
+<p:handoutMaster xmlns:a="http://schemas.openxmlformats.org/drawingml/2006/main" xmlns:r="http://schemas.openxmlformats.org/officeDocument/2006/relationships" xmlns:p="http://schemas.openxmlformats.org/presentationml/2006/main">
+  <p:cSld>
+    <p:bg>
+      <p:bgRef idx="1001">
+        <a:schemeClr val="bg1"/>
+      </p:bgRef>
+    </p:bg>
+    <p:spTree>
+      <p:nvGrpSpPr>
+        <p:cNvPr id="1" name=""/>
+        <p:cNvGrpSpPr/>
+        <p:nvPr/>
+      </p:nvGrpSpPr>
+      <p:grpSpPr>
+        <a:xfrm>
+          <a:off x="0" y="0"/>
+          <a:ext cx="0" cy="0"/>
+          <a:chOff x="0" y="0"/>
+          <a:chExt cx="0" cy="0"/>
+        </a:xfrm>
+      </p:grpSpPr>
+      <p:sp>
+        <p:nvSpPr>
+          <p:cNvPr id="2" name="Header Placeholder 1"/>
+          <p:cNvSpPr>
+            <a:spLocks noGrp="1"/>
+          </p:cNvSpPr>
+          <p:nvPr>
+            <p:ph type="hdr" sz="quarter"/>
+          </p:nvPr>
+        </p:nvSpPr>
+        <p:spPr>
+          <a:xfrm>
+            <a:off x="0" y="0"/>
+            <a:ext cx="2982119" cy="464820"/>
+          </a:xfrm>
+          <a:prstGeom prst="rect">
+            <a:avLst/>
+          </a:prstGeom>
+        </p:spPr>
+        <p:txBody>
+          <a:bodyPr vert="horz" lIns="92446" tIns="46223" rIns="92446" bIns="46223" rtlCol="0"/>
+          <a:lstStyle>
+            <a:lvl1pPr algn="l">
+              <a:defRPr sz="1200"/>
+            </a:lvl1pPr>
+          </a:lstStyle>
+          <a:p>
+            <a:endParaRPr lang="en-US"/>
+          </a:p>
+        </p:txBody>
+      </p:sp>
+      <p:sp>
+        <p:nvSpPr>
+          <p:cNvPr id="3" name="Date Placeholder 2"/>
+          <p:cNvSpPr>
+            <a:spLocks noGrp="1"/>
+          </p:cNvSpPr>
+          <p:nvPr>
+            <p:ph type="dt" sz="quarter" idx="1"/>
+          </p:nvPr>
+        </p:nvSpPr>
+        <p:spPr>
+          <a:xfrm>
+            <a:off x="3898102" y="0"/>
+            <a:ext cx="2982119" cy="464820"/>
+          </a:xfrm>
+          <a:prstGeom prst="rect">
+            <a:avLst/>
+          </a:prstGeom>
+        </p:spPr>
+        <p:txBody>
+          <a:bodyPr vert="horz" lIns="92446" tIns="46223" rIns="92446" bIns="46223" rtlCol="0"/>
+          <a:lstStyle>
+            <a:lvl1pPr algn="r">
+              <a:defRPr sz="1200"/>
+            </a:lvl1pPr>
+          </a:lstStyle>
+          <a:p>
+            <a:fld id="{24DBA0CC-D572-485B-9433-5B3FC7EA8E0C}" type="datetimeFigureOut">
+              <a:rPr lang="en-US" smtClean="0"/>
+              <a:t>5/3/2015</a:t>
+            </a:fld>
+            <a:endParaRPr lang="en-US"/>
+          </a:p>
+        </p:txBody>
+      </p:sp>
+      <p:sp>
+        <p:nvSpPr>
+          <p:cNvPr id="4" name="Footer Placeholder 3"/>
+          <p:cNvSpPr>
+            <a:spLocks noGrp="1"/>
+          </p:cNvSpPr>
+          <p:nvPr>
+            <p:ph type="ftr" sz="quarter" idx="2"/>
+          </p:nvPr>
+        </p:nvSpPr>
+        <p:spPr>
+          <a:xfrm>
+            <a:off x="0" y="8829967"/>
+            <a:ext cx="2982119" cy="464820"/>
+          </a:xfrm>
+          <a:prstGeom prst="rect">
+            <a:avLst/>
+          </a:prstGeom>
+        </p:spPr>
+        <p:txBody>
+          <a:bodyPr vert="horz" lIns="92446" tIns="46223" rIns="92446" bIns="46223" rtlCol="0" anchor="b"/>
+          <a:lstStyle>
+            <a:lvl1pPr algn="l">
+              <a:defRPr sz="1200"/>
+            </a:lvl1pPr>
+          </a:lstStyle>
+          <a:p>
+            <a:endParaRPr lang="en-US"/>
+          </a:p>
+        </p:txBody>
+      </p:sp>
+      <p:sp>
+        <p:nvSpPr>
+          <p:cNvPr id="5" name="Slide Number Placeholder 4"/>
+          <p:cNvSpPr>
+            <a:spLocks noGrp="1"/>
+          </p:cNvSpPr>
+          <p:nvPr>
+            <p:ph type="sldNum" sz="quarter" idx="3"/>
+          </p:nvPr>
+        </p:nvSpPr>
+        <p:spPr>
+          <a:xfrm>
+            <a:off x="3898102" y="8829967"/>
+            <a:ext cx="2982119" cy="464820"/>
+          </a:xfrm>
+          <a:prstGeom prst="rect">
+            <a:avLst/>
+          </a:prstGeom>
+        </p:spPr>
+        <p:txBody>
+          <a:bodyPr vert="horz" lIns="92446" tIns="46223" rIns="92446" bIns="46223" rtlCol="0" anchor="b"/>
+          <a:lstStyle>
+            <a:lvl1pPr algn="r">
+              <a:defRPr sz="1200"/>
+            </a:lvl1pPr>
+          </a:lstStyle>
+          <a:p>
+            <a:fld id="{3331297A-9765-459C-835A-8C74F7B53047}" type="slidenum">
+              <a:rPr lang="en-US" smtClean="0"/>
+              <a:t>‹#›</a:t>
+            </a:fld>
+            <a:endParaRPr lang="en-US"/>
+          </a:p>
+        </p:txBody>
+      </p:sp>
+    </p:spTree>
+    <p:extLst>
+      <p:ext uri="{BB962C8B-B14F-4D97-AF65-F5344CB8AC3E}">
+        <p14:creationId xmlns:p14="http://schemas.microsoft.com/office/powerpoint/2010/main" val="4243058561"/>
+      </p:ext>
+    </p:extLst>
+  </p:cSld>
+  <p:clrMap bg1="lt1" tx1="dk1" bg2="lt2" tx2="dk2" accent1="accent1" accent2="accent2" accent3="accent3" accent4="accent4" accent5="accent5" accent6="accent6" hlink="hlink" folHlink="folHlink"/>
+</p:handoutMaster>
+</file>
+
 <file path=ppt/notesMasters/notesMaster1.xml><?xml version="1.0" encoding="utf-8"?>
 <p:notesMaster xmlns:a="http://schemas.openxmlformats.org/drawingml/2006/main" xmlns:r="http://schemas.openxmlformats.org/officeDocument/2006/relationships" xmlns:p="http://schemas.openxmlformats.org/presentationml/2006/main">
   <p:cSld>
@@ -165,14 +333,14 @@
         <p:spPr>
           <a:xfrm>
             <a:off x="0" y="0"/>
-            <a:ext cx="2971800" cy="457200"/>
+            <a:ext cx="2982119" cy="464820"/>
           </a:xfrm>
           <a:prstGeom prst="rect">
             <a:avLst/>
           </a:prstGeom>
         </p:spPr>
         <p:txBody>
-          <a:bodyPr vert="horz" lIns="91440" tIns="45720" rIns="91440" bIns="45720" rtlCol="0"/>
+          <a:bodyPr vert="horz" lIns="92446" tIns="46223" rIns="92446" bIns="46223" rtlCol="0"/>
           <a:lstStyle>
             <a:lvl1pPr algn="l">
               <a:defRPr sz="1200"/>
@@ -195,15 +363,15 @@
         </p:nvSpPr>
         <p:spPr>
           <a:xfrm>
-            <a:off x="3884613" y="0"/>
-            <a:ext cx="2971800" cy="457200"/>
+            <a:off x="3898102" y="0"/>
+            <a:ext cx="2982119" cy="464820"/>
           </a:xfrm>
           <a:prstGeom prst="rect">
             <a:avLst/>
           </a:prstGeom>
         </p:spPr>
         <p:txBody>
-          <a:bodyPr vert="horz" lIns="91440" tIns="45720" rIns="91440" bIns="45720" rtlCol="0"/>
+          <a:bodyPr vert="horz" lIns="92446" tIns="46223" rIns="92446" bIns="46223" rtlCol="0"/>
           <a:lstStyle>
             <a:lvl1pPr algn="r">
               <a:defRPr sz="1200"/>
@@ -230,8 +398,8 @@
         </p:nvSpPr>
         <p:spPr>
           <a:xfrm>
-            <a:off x="1143000" y="685800"/>
-            <a:ext cx="4572000" cy="3429000"/>
+            <a:off x="1117600" y="696913"/>
+            <a:ext cx="4648200" cy="3486150"/>
           </a:xfrm>
           <a:prstGeom prst="rect">
             <a:avLst/>
@@ -244,7 +412,7 @@
           </a:ln>
         </p:spPr>
         <p:txBody>
-          <a:bodyPr vert="horz" lIns="91440" tIns="45720" rIns="91440" bIns="45720" rtlCol="0" anchor="ctr"/>
+          <a:bodyPr vert="horz" lIns="92446" tIns="46223" rIns="92446" bIns="46223" rtlCol="0" anchor="ctr"/>
           <a:lstStyle/>
           <a:p>
             <a:endParaRPr lang="en-US"/>
@@ -263,15 +431,15 @@
         </p:nvSpPr>
         <p:spPr>
           <a:xfrm>
-            <a:off x="685800" y="4343400"/>
-            <a:ext cx="5486400" cy="4114800"/>
+            <a:off x="688182" y="4415790"/>
+            <a:ext cx="5505450" cy="4183380"/>
           </a:xfrm>
           <a:prstGeom prst="rect">
             <a:avLst/>
           </a:prstGeom>
         </p:spPr>
         <p:txBody>
-          <a:bodyPr vert="horz" lIns="91440" tIns="45720" rIns="91440" bIns="45720" rtlCol="0"/>
+          <a:bodyPr vert="horz" lIns="92446" tIns="46223" rIns="92446" bIns="46223" rtlCol="0"/>
           <a:lstStyle/>
           <a:p>
             <a:pPr lvl="0"/>
@@ -323,15 +491,15 @@
         </p:nvSpPr>
         <p:spPr>
           <a:xfrm>
-            <a:off x="0" y="8685213"/>
-            <a:ext cx="2971800" cy="457200"/>
+            <a:off x="0" y="8829967"/>
+            <a:ext cx="2982119" cy="464820"/>
           </a:xfrm>
           <a:prstGeom prst="rect">
             <a:avLst/>
           </a:prstGeom>
         </p:spPr>
         <p:txBody>
-          <a:bodyPr vert="horz" lIns="91440" tIns="45720" rIns="91440" bIns="45720" rtlCol="0" anchor="b"/>
+          <a:bodyPr vert="horz" lIns="92446" tIns="46223" rIns="92446" bIns="46223" rtlCol="0" anchor="b"/>
           <a:lstStyle>
             <a:lvl1pPr algn="l">
               <a:defRPr sz="1200"/>
@@ -354,15 +522,15 @@
         </p:nvSpPr>
         <p:spPr>
           <a:xfrm>
-            <a:off x="3884613" y="8685213"/>
-            <a:ext cx="2971800" cy="457200"/>
+            <a:off x="3898102" y="8829967"/>
+            <a:ext cx="2982119" cy="464820"/>
           </a:xfrm>
           <a:prstGeom prst="rect">
             <a:avLst/>
           </a:prstGeom>
         </p:spPr>
         <p:txBody>
-          <a:bodyPr vert="horz" lIns="91440" tIns="45720" rIns="91440" bIns="45720" rtlCol="0" anchor="b"/>
+          <a:bodyPr vert="horz" lIns="92446" tIns="46223" rIns="92446" bIns="46223" rtlCol="0" anchor="b"/>
           <a:lstStyle>
             <a:lvl1pPr algn="r">
               <a:defRPr sz="1200"/>
@@ -524,11 +692,7 @@
           <a:bodyPr/>
           <a:lstStyle/>
           <a:p>
-            <a:r>
-              <a:rPr lang="en-US" dirty="0" smtClean="0"/>
-              <a:t>What does missing value mean?</a:t>
-            </a:r>
-            <a:endParaRPr lang="en-US" dirty="0"/>
+            <a:endParaRPr lang="en-US"/>
           </a:p>
         </p:txBody>
       </p:sp>
@@ -549,7 +713,7 @@
           <a:p>
             <a:fld id="{E0542D34-12F8-4BA5-8DE9-FE2BC539FB18}" type="slidenum">
               <a:rPr lang="en-US" smtClean="0"/>
-              <a:t>5</a:t>
+              <a:t>1</a:t>
             </a:fld>
             <a:endParaRPr lang="en-US"/>
           </a:p>
@@ -558,7 +722,870 @@
     </p:spTree>
     <p:extLst>
       <p:ext uri="{BB962C8B-B14F-4D97-AF65-F5344CB8AC3E}">
-        <p14:creationId xmlns:p14="http://schemas.microsoft.com/office/powerpoint/2010/main" val="1995193630"/>
+        <p14:creationId xmlns:p14="http://schemas.microsoft.com/office/powerpoint/2010/main" val="164100769"/>
+      </p:ext>
+    </p:extLst>
+  </p:cSld>
+  <p:clrMapOvr>
+    <a:masterClrMapping/>
+  </p:clrMapOvr>
+</p:notes>
+</file>
+
+<file path=ppt/notesSlides/notesSlide10.xml><?xml version="1.0" encoding="utf-8"?>
+<p:notes xmlns:a="http://schemas.openxmlformats.org/drawingml/2006/main" xmlns:r="http://schemas.openxmlformats.org/officeDocument/2006/relationships" xmlns:p="http://schemas.openxmlformats.org/presentationml/2006/main">
+  <p:cSld>
+    <p:spTree>
+      <p:nvGrpSpPr>
+        <p:cNvPr id="1" name=""/>
+        <p:cNvGrpSpPr/>
+        <p:nvPr/>
+      </p:nvGrpSpPr>
+      <p:grpSpPr>
+        <a:xfrm>
+          <a:off x="0" y="0"/>
+          <a:ext cx="0" cy="0"/>
+          <a:chOff x="0" y="0"/>
+          <a:chExt cx="0" cy="0"/>
+        </a:xfrm>
+      </p:grpSpPr>
+      <p:sp>
+        <p:nvSpPr>
+          <p:cNvPr id="2" name="Slide Image Placeholder 1"/>
+          <p:cNvSpPr>
+            <a:spLocks noGrp="1" noRot="1" noChangeAspect="1"/>
+          </p:cNvSpPr>
+          <p:nvPr>
+            <p:ph type="sldImg"/>
+          </p:nvPr>
+        </p:nvSpPr>
+        <p:spPr/>
+      </p:sp>
+      <p:sp>
+        <p:nvSpPr>
+          <p:cNvPr id="3" name="Notes Placeholder 2"/>
+          <p:cNvSpPr>
+            <a:spLocks noGrp="1"/>
+          </p:cNvSpPr>
+          <p:nvPr>
+            <p:ph type="body" idx="1"/>
+          </p:nvPr>
+        </p:nvSpPr>
+        <p:spPr/>
+        <p:txBody>
+          <a:bodyPr/>
+          <a:lstStyle/>
+          <a:p>
+            <a:r>
+              <a:rPr lang="en-US" dirty="0" smtClean="0"/>
+              <a:t>Evaluates the worth of an attribute by repeatedly sampling an instance and considering the value of the given attribute for the nearest instance of the same and different class.</a:t>
+            </a:r>
+          </a:p>
+          <a:p>
+            <a:r>
+              <a:rPr lang="en-US" dirty="0" err="1" smtClean="0"/>
+              <a:t>CfsSubsetEval</a:t>
+            </a:r>
+            <a:r>
+              <a:rPr lang="en-US" dirty="0" smtClean="0"/>
+              <a:t> :</a:t>
+            </a:r>
+          </a:p>
+          <a:p>
+            <a:endParaRPr lang="en-US" dirty="0" smtClean="0"/>
+          </a:p>
+          <a:p>
+            <a:r>
+              <a:rPr lang="en-US" smtClean="0"/>
+              <a:t>Evaluates the worth of a subset of attributes by considering the individual predictive ability of each feature along with the degree of redundancy between them</a:t>
+            </a:r>
+            <a:endParaRPr lang="en-US" dirty="0"/>
+          </a:p>
+        </p:txBody>
+      </p:sp>
+      <p:sp>
+        <p:nvSpPr>
+          <p:cNvPr id="4" name="Slide Number Placeholder 3"/>
+          <p:cNvSpPr>
+            <a:spLocks noGrp="1"/>
+          </p:cNvSpPr>
+          <p:nvPr>
+            <p:ph type="sldNum" sz="quarter" idx="10"/>
+          </p:nvPr>
+        </p:nvSpPr>
+        <p:spPr/>
+        <p:txBody>
+          <a:bodyPr/>
+          <a:lstStyle/>
+          <a:p>
+            <a:fld id="{E0542D34-12F8-4BA5-8DE9-FE2BC539FB18}" type="slidenum">
+              <a:rPr lang="en-US" smtClean="0"/>
+              <a:t>10</a:t>
+            </a:fld>
+            <a:endParaRPr lang="en-US"/>
+          </a:p>
+        </p:txBody>
+      </p:sp>
+    </p:spTree>
+    <p:extLst>
+      <p:ext uri="{BB962C8B-B14F-4D97-AF65-F5344CB8AC3E}">
+        <p14:creationId xmlns:p14="http://schemas.microsoft.com/office/powerpoint/2010/main" val="884163538"/>
+      </p:ext>
+    </p:extLst>
+  </p:cSld>
+  <p:clrMapOvr>
+    <a:masterClrMapping/>
+  </p:clrMapOvr>
+</p:notes>
+</file>
+
+<file path=ppt/notesSlides/notesSlide11.xml><?xml version="1.0" encoding="utf-8"?>
+<p:notes xmlns:a="http://schemas.openxmlformats.org/drawingml/2006/main" xmlns:r="http://schemas.openxmlformats.org/officeDocument/2006/relationships" xmlns:p="http://schemas.openxmlformats.org/presentationml/2006/main">
+  <p:cSld>
+    <p:spTree>
+      <p:nvGrpSpPr>
+        <p:cNvPr id="1" name=""/>
+        <p:cNvGrpSpPr/>
+        <p:nvPr/>
+      </p:nvGrpSpPr>
+      <p:grpSpPr>
+        <a:xfrm>
+          <a:off x="0" y="0"/>
+          <a:ext cx="0" cy="0"/>
+          <a:chOff x="0" y="0"/>
+          <a:chExt cx="0" cy="0"/>
+        </a:xfrm>
+      </p:grpSpPr>
+      <p:sp>
+        <p:nvSpPr>
+          <p:cNvPr id="2" name="Slide Image Placeholder 1"/>
+          <p:cNvSpPr>
+            <a:spLocks noGrp="1" noRot="1" noChangeAspect="1"/>
+          </p:cNvSpPr>
+          <p:nvPr>
+            <p:ph type="sldImg"/>
+          </p:nvPr>
+        </p:nvSpPr>
+        <p:spPr/>
+      </p:sp>
+      <p:sp>
+        <p:nvSpPr>
+          <p:cNvPr id="3" name="Notes Placeholder 2"/>
+          <p:cNvSpPr>
+            <a:spLocks noGrp="1"/>
+          </p:cNvSpPr>
+          <p:nvPr>
+            <p:ph type="body" idx="1"/>
+          </p:nvPr>
+        </p:nvSpPr>
+        <p:spPr/>
+        <p:txBody>
+          <a:bodyPr/>
+          <a:lstStyle/>
+          <a:p>
+            <a:endParaRPr lang="en-US"/>
+          </a:p>
+        </p:txBody>
+      </p:sp>
+      <p:sp>
+        <p:nvSpPr>
+          <p:cNvPr id="4" name="Slide Number Placeholder 3"/>
+          <p:cNvSpPr>
+            <a:spLocks noGrp="1"/>
+          </p:cNvSpPr>
+          <p:nvPr>
+            <p:ph type="sldNum" sz="quarter" idx="10"/>
+          </p:nvPr>
+        </p:nvSpPr>
+        <p:spPr/>
+        <p:txBody>
+          <a:bodyPr/>
+          <a:lstStyle/>
+          <a:p>
+            <a:fld id="{E0542D34-12F8-4BA5-8DE9-FE2BC539FB18}" type="slidenum">
+              <a:rPr lang="en-US" smtClean="0"/>
+              <a:t>11</a:t>
+            </a:fld>
+            <a:endParaRPr lang="en-US"/>
+          </a:p>
+        </p:txBody>
+      </p:sp>
+    </p:spTree>
+    <p:extLst>
+      <p:ext uri="{BB962C8B-B14F-4D97-AF65-F5344CB8AC3E}">
+        <p14:creationId xmlns:p14="http://schemas.microsoft.com/office/powerpoint/2010/main" val="3325342532"/>
+      </p:ext>
+    </p:extLst>
+  </p:cSld>
+  <p:clrMapOvr>
+    <a:masterClrMapping/>
+  </p:clrMapOvr>
+</p:notes>
+</file>
+
+<file path=ppt/notesSlides/notesSlide12.xml><?xml version="1.0" encoding="utf-8"?>
+<p:notes xmlns:a="http://schemas.openxmlformats.org/drawingml/2006/main" xmlns:r="http://schemas.openxmlformats.org/officeDocument/2006/relationships" xmlns:p="http://schemas.openxmlformats.org/presentationml/2006/main">
+  <p:cSld>
+    <p:spTree>
+      <p:nvGrpSpPr>
+        <p:cNvPr id="1" name=""/>
+        <p:cNvGrpSpPr/>
+        <p:nvPr/>
+      </p:nvGrpSpPr>
+      <p:grpSpPr>
+        <a:xfrm>
+          <a:off x="0" y="0"/>
+          <a:ext cx="0" cy="0"/>
+          <a:chOff x="0" y="0"/>
+          <a:chExt cx="0" cy="0"/>
+        </a:xfrm>
+      </p:grpSpPr>
+      <p:sp>
+        <p:nvSpPr>
+          <p:cNvPr id="2" name="Slide Image Placeholder 1"/>
+          <p:cNvSpPr>
+            <a:spLocks noGrp="1" noRot="1" noChangeAspect="1"/>
+          </p:cNvSpPr>
+          <p:nvPr>
+            <p:ph type="sldImg"/>
+          </p:nvPr>
+        </p:nvSpPr>
+        <p:spPr/>
+      </p:sp>
+      <p:sp>
+        <p:nvSpPr>
+          <p:cNvPr id="3" name="Notes Placeholder 2"/>
+          <p:cNvSpPr>
+            <a:spLocks noGrp="1"/>
+          </p:cNvSpPr>
+          <p:nvPr>
+            <p:ph type="body" idx="1"/>
+          </p:nvPr>
+        </p:nvSpPr>
+        <p:spPr/>
+        <p:txBody>
+          <a:bodyPr/>
+          <a:lstStyle/>
+          <a:p>
+            <a:endParaRPr lang="en-US"/>
+          </a:p>
+        </p:txBody>
+      </p:sp>
+      <p:sp>
+        <p:nvSpPr>
+          <p:cNvPr id="4" name="Slide Number Placeholder 3"/>
+          <p:cNvSpPr>
+            <a:spLocks noGrp="1"/>
+          </p:cNvSpPr>
+          <p:nvPr>
+            <p:ph type="sldNum" sz="quarter" idx="10"/>
+          </p:nvPr>
+        </p:nvSpPr>
+        <p:spPr/>
+        <p:txBody>
+          <a:bodyPr/>
+          <a:lstStyle/>
+          <a:p>
+            <a:fld id="{E0542D34-12F8-4BA5-8DE9-FE2BC539FB18}" type="slidenum">
+              <a:rPr lang="en-US" smtClean="0"/>
+              <a:t>12</a:t>
+            </a:fld>
+            <a:endParaRPr lang="en-US"/>
+          </a:p>
+        </p:txBody>
+      </p:sp>
+    </p:spTree>
+    <p:extLst>
+      <p:ext uri="{BB962C8B-B14F-4D97-AF65-F5344CB8AC3E}">
+        <p14:creationId xmlns:p14="http://schemas.microsoft.com/office/powerpoint/2010/main" val="251336932"/>
+      </p:ext>
+    </p:extLst>
+  </p:cSld>
+  <p:clrMapOvr>
+    <a:masterClrMapping/>
+  </p:clrMapOvr>
+</p:notes>
+</file>
+
+<file path=ppt/notesSlides/notesSlide13.xml><?xml version="1.0" encoding="utf-8"?>
+<p:notes xmlns:a="http://schemas.openxmlformats.org/drawingml/2006/main" xmlns:r="http://schemas.openxmlformats.org/officeDocument/2006/relationships" xmlns:p="http://schemas.openxmlformats.org/presentationml/2006/main">
+  <p:cSld>
+    <p:spTree>
+      <p:nvGrpSpPr>
+        <p:cNvPr id="1" name=""/>
+        <p:cNvGrpSpPr/>
+        <p:nvPr/>
+      </p:nvGrpSpPr>
+      <p:grpSpPr>
+        <a:xfrm>
+          <a:off x="0" y="0"/>
+          <a:ext cx="0" cy="0"/>
+          <a:chOff x="0" y="0"/>
+          <a:chExt cx="0" cy="0"/>
+        </a:xfrm>
+      </p:grpSpPr>
+      <p:sp>
+        <p:nvSpPr>
+          <p:cNvPr id="2" name="Slide Image Placeholder 1"/>
+          <p:cNvSpPr>
+            <a:spLocks noGrp="1" noRot="1" noChangeAspect="1"/>
+          </p:cNvSpPr>
+          <p:nvPr>
+            <p:ph type="sldImg"/>
+          </p:nvPr>
+        </p:nvSpPr>
+        <p:spPr/>
+      </p:sp>
+      <p:sp>
+        <p:nvSpPr>
+          <p:cNvPr id="3" name="Notes Placeholder 2"/>
+          <p:cNvSpPr>
+            <a:spLocks noGrp="1"/>
+          </p:cNvSpPr>
+          <p:nvPr>
+            <p:ph type="body" idx="1"/>
+          </p:nvPr>
+        </p:nvSpPr>
+        <p:spPr/>
+        <p:txBody>
+          <a:bodyPr/>
+          <a:lstStyle/>
+          <a:p>
+            <a:endParaRPr lang="en-US"/>
+          </a:p>
+        </p:txBody>
+      </p:sp>
+      <p:sp>
+        <p:nvSpPr>
+          <p:cNvPr id="4" name="Slide Number Placeholder 3"/>
+          <p:cNvSpPr>
+            <a:spLocks noGrp="1"/>
+          </p:cNvSpPr>
+          <p:nvPr>
+            <p:ph type="sldNum" sz="quarter" idx="10"/>
+          </p:nvPr>
+        </p:nvSpPr>
+        <p:spPr/>
+        <p:txBody>
+          <a:bodyPr/>
+          <a:lstStyle/>
+          <a:p>
+            <a:fld id="{E0542D34-12F8-4BA5-8DE9-FE2BC539FB18}" type="slidenum">
+              <a:rPr lang="en-US" smtClean="0"/>
+              <a:t>13</a:t>
+            </a:fld>
+            <a:endParaRPr lang="en-US"/>
+          </a:p>
+        </p:txBody>
+      </p:sp>
+    </p:spTree>
+    <p:extLst>
+      <p:ext uri="{BB962C8B-B14F-4D97-AF65-F5344CB8AC3E}">
+        <p14:creationId xmlns:p14="http://schemas.microsoft.com/office/powerpoint/2010/main" val="1954341099"/>
+      </p:ext>
+    </p:extLst>
+  </p:cSld>
+  <p:clrMapOvr>
+    <a:masterClrMapping/>
+  </p:clrMapOvr>
+</p:notes>
+</file>
+
+<file path=ppt/notesSlides/notesSlide14.xml><?xml version="1.0" encoding="utf-8"?>
+<p:notes xmlns:a="http://schemas.openxmlformats.org/drawingml/2006/main" xmlns:r="http://schemas.openxmlformats.org/officeDocument/2006/relationships" xmlns:p="http://schemas.openxmlformats.org/presentationml/2006/main">
+  <p:cSld>
+    <p:spTree>
+      <p:nvGrpSpPr>
+        <p:cNvPr id="1" name=""/>
+        <p:cNvGrpSpPr/>
+        <p:nvPr/>
+      </p:nvGrpSpPr>
+      <p:grpSpPr>
+        <a:xfrm>
+          <a:off x="0" y="0"/>
+          <a:ext cx="0" cy="0"/>
+          <a:chOff x="0" y="0"/>
+          <a:chExt cx="0" cy="0"/>
+        </a:xfrm>
+      </p:grpSpPr>
+      <p:sp>
+        <p:nvSpPr>
+          <p:cNvPr id="2" name="Slide Image Placeholder 1"/>
+          <p:cNvSpPr>
+            <a:spLocks noGrp="1" noRot="1" noChangeAspect="1"/>
+          </p:cNvSpPr>
+          <p:nvPr>
+            <p:ph type="sldImg"/>
+          </p:nvPr>
+        </p:nvSpPr>
+        <p:spPr/>
+      </p:sp>
+      <p:sp>
+        <p:nvSpPr>
+          <p:cNvPr id="3" name="Notes Placeholder 2"/>
+          <p:cNvSpPr>
+            <a:spLocks noGrp="1"/>
+          </p:cNvSpPr>
+          <p:nvPr>
+            <p:ph type="body" idx="1"/>
+          </p:nvPr>
+        </p:nvSpPr>
+        <p:spPr/>
+        <p:txBody>
+          <a:bodyPr/>
+          <a:lstStyle/>
+          <a:p>
+            <a:endParaRPr lang="en-US"/>
+          </a:p>
+        </p:txBody>
+      </p:sp>
+      <p:sp>
+        <p:nvSpPr>
+          <p:cNvPr id="4" name="Slide Number Placeholder 3"/>
+          <p:cNvSpPr>
+            <a:spLocks noGrp="1"/>
+          </p:cNvSpPr>
+          <p:nvPr>
+            <p:ph type="sldNum" sz="quarter" idx="10"/>
+          </p:nvPr>
+        </p:nvSpPr>
+        <p:spPr/>
+        <p:txBody>
+          <a:bodyPr/>
+          <a:lstStyle/>
+          <a:p>
+            <a:fld id="{E0542D34-12F8-4BA5-8DE9-FE2BC539FB18}" type="slidenum">
+              <a:rPr lang="en-US" smtClean="0"/>
+              <a:t>14</a:t>
+            </a:fld>
+            <a:endParaRPr lang="en-US"/>
+          </a:p>
+        </p:txBody>
+      </p:sp>
+    </p:spTree>
+    <p:extLst>
+      <p:ext uri="{BB962C8B-B14F-4D97-AF65-F5344CB8AC3E}">
+        <p14:creationId xmlns:p14="http://schemas.microsoft.com/office/powerpoint/2010/main" val="91674819"/>
+      </p:ext>
+    </p:extLst>
+  </p:cSld>
+  <p:clrMapOvr>
+    <a:masterClrMapping/>
+  </p:clrMapOvr>
+</p:notes>
+</file>
+
+<file path=ppt/notesSlides/notesSlide15.xml><?xml version="1.0" encoding="utf-8"?>
+<p:notes xmlns:a="http://schemas.openxmlformats.org/drawingml/2006/main" xmlns:r="http://schemas.openxmlformats.org/officeDocument/2006/relationships" xmlns:p="http://schemas.openxmlformats.org/presentationml/2006/main">
+  <p:cSld>
+    <p:spTree>
+      <p:nvGrpSpPr>
+        <p:cNvPr id="1" name=""/>
+        <p:cNvGrpSpPr/>
+        <p:nvPr/>
+      </p:nvGrpSpPr>
+      <p:grpSpPr>
+        <a:xfrm>
+          <a:off x="0" y="0"/>
+          <a:ext cx="0" cy="0"/>
+          <a:chOff x="0" y="0"/>
+          <a:chExt cx="0" cy="0"/>
+        </a:xfrm>
+      </p:grpSpPr>
+      <p:sp>
+        <p:nvSpPr>
+          <p:cNvPr id="2" name="Slide Image Placeholder 1"/>
+          <p:cNvSpPr>
+            <a:spLocks noGrp="1" noRot="1" noChangeAspect="1"/>
+          </p:cNvSpPr>
+          <p:nvPr>
+            <p:ph type="sldImg"/>
+          </p:nvPr>
+        </p:nvSpPr>
+        <p:spPr/>
+      </p:sp>
+      <p:sp>
+        <p:nvSpPr>
+          <p:cNvPr id="3" name="Notes Placeholder 2"/>
+          <p:cNvSpPr>
+            <a:spLocks noGrp="1"/>
+          </p:cNvSpPr>
+          <p:nvPr>
+            <p:ph type="body" idx="1"/>
+          </p:nvPr>
+        </p:nvSpPr>
+        <p:spPr/>
+        <p:txBody>
+          <a:bodyPr/>
+          <a:lstStyle/>
+          <a:p>
+            <a:endParaRPr lang="en-US"/>
+          </a:p>
+        </p:txBody>
+      </p:sp>
+      <p:sp>
+        <p:nvSpPr>
+          <p:cNvPr id="4" name="Slide Number Placeholder 3"/>
+          <p:cNvSpPr>
+            <a:spLocks noGrp="1"/>
+          </p:cNvSpPr>
+          <p:nvPr>
+            <p:ph type="sldNum" sz="quarter" idx="10"/>
+          </p:nvPr>
+        </p:nvSpPr>
+        <p:spPr/>
+        <p:txBody>
+          <a:bodyPr/>
+          <a:lstStyle/>
+          <a:p>
+            <a:fld id="{E0542D34-12F8-4BA5-8DE9-FE2BC539FB18}" type="slidenum">
+              <a:rPr lang="en-US" smtClean="0"/>
+              <a:t>15</a:t>
+            </a:fld>
+            <a:endParaRPr lang="en-US"/>
+          </a:p>
+        </p:txBody>
+      </p:sp>
+    </p:spTree>
+    <p:extLst>
+      <p:ext uri="{BB962C8B-B14F-4D97-AF65-F5344CB8AC3E}">
+        <p14:creationId xmlns:p14="http://schemas.microsoft.com/office/powerpoint/2010/main" val="3227666480"/>
+      </p:ext>
+    </p:extLst>
+  </p:cSld>
+  <p:clrMapOvr>
+    <a:masterClrMapping/>
+  </p:clrMapOvr>
+</p:notes>
+</file>
+
+<file path=ppt/notesSlides/notesSlide16.xml><?xml version="1.0" encoding="utf-8"?>
+<p:notes xmlns:a="http://schemas.openxmlformats.org/drawingml/2006/main" xmlns:r="http://schemas.openxmlformats.org/officeDocument/2006/relationships" xmlns:p="http://schemas.openxmlformats.org/presentationml/2006/main">
+  <p:cSld>
+    <p:spTree>
+      <p:nvGrpSpPr>
+        <p:cNvPr id="1" name=""/>
+        <p:cNvGrpSpPr/>
+        <p:nvPr/>
+      </p:nvGrpSpPr>
+      <p:grpSpPr>
+        <a:xfrm>
+          <a:off x="0" y="0"/>
+          <a:ext cx="0" cy="0"/>
+          <a:chOff x="0" y="0"/>
+          <a:chExt cx="0" cy="0"/>
+        </a:xfrm>
+      </p:grpSpPr>
+      <p:sp>
+        <p:nvSpPr>
+          <p:cNvPr id="2" name="Slide Image Placeholder 1"/>
+          <p:cNvSpPr>
+            <a:spLocks noGrp="1" noRot="1" noChangeAspect="1"/>
+          </p:cNvSpPr>
+          <p:nvPr>
+            <p:ph type="sldImg"/>
+          </p:nvPr>
+        </p:nvSpPr>
+        <p:spPr/>
+      </p:sp>
+      <p:sp>
+        <p:nvSpPr>
+          <p:cNvPr id="3" name="Notes Placeholder 2"/>
+          <p:cNvSpPr>
+            <a:spLocks noGrp="1"/>
+          </p:cNvSpPr>
+          <p:nvPr>
+            <p:ph type="body" idx="1"/>
+          </p:nvPr>
+        </p:nvSpPr>
+        <p:spPr/>
+        <p:txBody>
+          <a:bodyPr/>
+          <a:lstStyle/>
+          <a:p>
+            <a:endParaRPr lang="en-US"/>
+          </a:p>
+        </p:txBody>
+      </p:sp>
+      <p:sp>
+        <p:nvSpPr>
+          <p:cNvPr id="4" name="Slide Number Placeholder 3"/>
+          <p:cNvSpPr>
+            <a:spLocks noGrp="1"/>
+          </p:cNvSpPr>
+          <p:nvPr>
+            <p:ph type="sldNum" sz="quarter" idx="10"/>
+          </p:nvPr>
+        </p:nvSpPr>
+        <p:spPr/>
+        <p:txBody>
+          <a:bodyPr/>
+          <a:lstStyle/>
+          <a:p>
+            <a:fld id="{E0542D34-12F8-4BA5-8DE9-FE2BC539FB18}" type="slidenum">
+              <a:rPr lang="en-US" smtClean="0"/>
+              <a:t>16</a:t>
+            </a:fld>
+            <a:endParaRPr lang="en-US"/>
+          </a:p>
+        </p:txBody>
+      </p:sp>
+    </p:spTree>
+    <p:extLst>
+      <p:ext uri="{BB962C8B-B14F-4D97-AF65-F5344CB8AC3E}">
+        <p14:creationId xmlns:p14="http://schemas.microsoft.com/office/powerpoint/2010/main" val="2714867823"/>
+      </p:ext>
+    </p:extLst>
+  </p:cSld>
+  <p:clrMapOvr>
+    <a:masterClrMapping/>
+  </p:clrMapOvr>
+</p:notes>
+</file>
+
+<file path=ppt/notesSlides/notesSlide17.xml><?xml version="1.0" encoding="utf-8"?>
+<p:notes xmlns:a="http://schemas.openxmlformats.org/drawingml/2006/main" xmlns:r="http://schemas.openxmlformats.org/officeDocument/2006/relationships" xmlns:p="http://schemas.openxmlformats.org/presentationml/2006/main">
+  <p:cSld>
+    <p:spTree>
+      <p:nvGrpSpPr>
+        <p:cNvPr id="1" name=""/>
+        <p:cNvGrpSpPr/>
+        <p:nvPr/>
+      </p:nvGrpSpPr>
+      <p:grpSpPr>
+        <a:xfrm>
+          <a:off x="0" y="0"/>
+          <a:ext cx="0" cy="0"/>
+          <a:chOff x="0" y="0"/>
+          <a:chExt cx="0" cy="0"/>
+        </a:xfrm>
+      </p:grpSpPr>
+      <p:sp>
+        <p:nvSpPr>
+          <p:cNvPr id="2" name="Slide Image Placeholder 1"/>
+          <p:cNvSpPr>
+            <a:spLocks noGrp="1" noRot="1" noChangeAspect="1"/>
+          </p:cNvSpPr>
+          <p:nvPr>
+            <p:ph type="sldImg"/>
+          </p:nvPr>
+        </p:nvSpPr>
+        <p:spPr/>
+      </p:sp>
+      <p:sp>
+        <p:nvSpPr>
+          <p:cNvPr id="3" name="Notes Placeholder 2"/>
+          <p:cNvSpPr>
+            <a:spLocks noGrp="1"/>
+          </p:cNvSpPr>
+          <p:nvPr>
+            <p:ph type="body" idx="1"/>
+          </p:nvPr>
+        </p:nvSpPr>
+        <p:spPr/>
+        <p:txBody>
+          <a:bodyPr/>
+          <a:lstStyle/>
+          <a:p>
+            <a:endParaRPr lang="en-US" dirty="0"/>
+          </a:p>
+        </p:txBody>
+      </p:sp>
+      <p:sp>
+        <p:nvSpPr>
+          <p:cNvPr id="4" name="Slide Number Placeholder 3"/>
+          <p:cNvSpPr>
+            <a:spLocks noGrp="1"/>
+          </p:cNvSpPr>
+          <p:nvPr>
+            <p:ph type="sldNum" sz="quarter" idx="10"/>
+          </p:nvPr>
+        </p:nvSpPr>
+        <p:spPr/>
+        <p:txBody>
+          <a:bodyPr/>
+          <a:lstStyle/>
+          <a:p>
+            <a:fld id="{E0542D34-12F8-4BA5-8DE9-FE2BC539FB18}" type="slidenum">
+              <a:rPr lang="en-US" smtClean="0"/>
+              <a:t>17</a:t>
+            </a:fld>
+            <a:endParaRPr lang="en-US"/>
+          </a:p>
+        </p:txBody>
+      </p:sp>
+    </p:spTree>
+    <p:extLst>
+      <p:ext uri="{BB962C8B-B14F-4D97-AF65-F5344CB8AC3E}">
+        <p14:creationId xmlns:p14="http://schemas.microsoft.com/office/powerpoint/2010/main" val="2506387212"/>
+      </p:ext>
+    </p:extLst>
+  </p:cSld>
+  <p:clrMapOvr>
+    <a:masterClrMapping/>
+  </p:clrMapOvr>
+</p:notes>
+</file>
+
+<file path=ppt/notesSlides/notesSlide18.xml><?xml version="1.0" encoding="utf-8"?>
+<p:notes xmlns:a="http://schemas.openxmlformats.org/drawingml/2006/main" xmlns:r="http://schemas.openxmlformats.org/officeDocument/2006/relationships" xmlns:p="http://schemas.openxmlformats.org/presentationml/2006/main">
+  <p:cSld>
+    <p:spTree>
+      <p:nvGrpSpPr>
+        <p:cNvPr id="1" name=""/>
+        <p:cNvGrpSpPr/>
+        <p:nvPr/>
+      </p:nvGrpSpPr>
+      <p:grpSpPr>
+        <a:xfrm>
+          <a:off x="0" y="0"/>
+          <a:ext cx="0" cy="0"/>
+          <a:chOff x="0" y="0"/>
+          <a:chExt cx="0" cy="0"/>
+        </a:xfrm>
+      </p:grpSpPr>
+      <p:sp>
+        <p:nvSpPr>
+          <p:cNvPr id="2" name="Slide Image Placeholder 1"/>
+          <p:cNvSpPr>
+            <a:spLocks noGrp="1" noRot="1" noChangeAspect="1"/>
+          </p:cNvSpPr>
+          <p:nvPr>
+            <p:ph type="sldImg"/>
+          </p:nvPr>
+        </p:nvSpPr>
+        <p:spPr/>
+      </p:sp>
+      <p:sp>
+        <p:nvSpPr>
+          <p:cNvPr id="3" name="Notes Placeholder 2"/>
+          <p:cNvSpPr>
+            <a:spLocks noGrp="1"/>
+          </p:cNvSpPr>
+          <p:nvPr>
+            <p:ph type="body" idx="1"/>
+          </p:nvPr>
+        </p:nvSpPr>
+        <p:spPr/>
+        <p:txBody>
+          <a:bodyPr/>
+          <a:lstStyle/>
+          <a:p>
+            <a:endParaRPr lang="en-US"/>
+          </a:p>
+        </p:txBody>
+      </p:sp>
+      <p:sp>
+        <p:nvSpPr>
+          <p:cNvPr id="4" name="Slide Number Placeholder 3"/>
+          <p:cNvSpPr>
+            <a:spLocks noGrp="1"/>
+          </p:cNvSpPr>
+          <p:nvPr>
+            <p:ph type="sldNum" sz="quarter" idx="10"/>
+          </p:nvPr>
+        </p:nvSpPr>
+        <p:spPr/>
+        <p:txBody>
+          <a:bodyPr/>
+          <a:lstStyle/>
+          <a:p>
+            <a:fld id="{E0542D34-12F8-4BA5-8DE9-FE2BC539FB18}" type="slidenum">
+              <a:rPr lang="en-US" smtClean="0"/>
+              <a:t>18</a:t>
+            </a:fld>
+            <a:endParaRPr lang="en-US"/>
+          </a:p>
+        </p:txBody>
+      </p:sp>
+    </p:spTree>
+    <p:extLst>
+      <p:ext uri="{BB962C8B-B14F-4D97-AF65-F5344CB8AC3E}">
+        <p14:creationId xmlns:p14="http://schemas.microsoft.com/office/powerpoint/2010/main" val="2220771125"/>
+      </p:ext>
+    </p:extLst>
+  </p:cSld>
+  <p:clrMapOvr>
+    <a:masterClrMapping/>
+  </p:clrMapOvr>
+</p:notes>
+</file>
+
+<file path=ppt/notesSlides/notesSlide19.xml><?xml version="1.0" encoding="utf-8"?>
+<p:notes xmlns:a="http://schemas.openxmlformats.org/drawingml/2006/main" xmlns:r="http://schemas.openxmlformats.org/officeDocument/2006/relationships" xmlns:p="http://schemas.openxmlformats.org/presentationml/2006/main">
+  <p:cSld>
+    <p:spTree>
+      <p:nvGrpSpPr>
+        <p:cNvPr id="1" name=""/>
+        <p:cNvGrpSpPr/>
+        <p:nvPr/>
+      </p:nvGrpSpPr>
+      <p:grpSpPr>
+        <a:xfrm>
+          <a:off x="0" y="0"/>
+          <a:ext cx="0" cy="0"/>
+          <a:chOff x="0" y="0"/>
+          <a:chExt cx="0" cy="0"/>
+        </a:xfrm>
+      </p:grpSpPr>
+      <p:sp>
+        <p:nvSpPr>
+          <p:cNvPr id="2" name="Slide Image Placeholder 1"/>
+          <p:cNvSpPr>
+            <a:spLocks noGrp="1" noRot="1" noChangeAspect="1"/>
+          </p:cNvSpPr>
+          <p:nvPr>
+            <p:ph type="sldImg"/>
+          </p:nvPr>
+        </p:nvSpPr>
+        <p:spPr/>
+      </p:sp>
+      <p:sp>
+        <p:nvSpPr>
+          <p:cNvPr id="3" name="Notes Placeholder 2"/>
+          <p:cNvSpPr>
+            <a:spLocks noGrp="1"/>
+          </p:cNvSpPr>
+          <p:nvPr>
+            <p:ph type="body" idx="1"/>
+          </p:nvPr>
+        </p:nvSpPr>
+        <p:spPr/>
+        <p:txBody>
+          <a:bodyPr/>
+          <a:lstStyle/>
+          <a:p>
+            <a:endParaRPr lang="en-US"/>
+          </a:p>
+        </p:txBody>
+      </p:sp>
+      <p:sp>
+        <p:nvSpPr>
+          <p:cNvPr id="4" name="Slide Number Placeholder 3"/>
+          <p:cNvSpPr>
+            <a:spLocks noGrp="1"/>
+          </p:cNvSpPr>
+          <p:nvPr>
+            <p:ph type="sldNum" sz="quarter" idx="10"/>
+          </p:nvPr>
+        </p:nvSpPr>
+        <p:spPr/>
+        <p:txBody>
+          <a:bodyPr/>
+          <a:lstStyle/>
+          <a:p>
+            <a:fld id="{E0542D34-12F8-4BA5-8DE9-FE2BC539FB18}" type="slidenum">
+              <a:rPr lang="en-US" smtClean="0"/>
+              <a:t>19</a:t>
+            </a:fld>
+            <a:endParaRPr lang="en-US"/>
+          </a:p>
+        </p:txBody>
+      </p:sp>
+    </p:spTree>
+    <p:extLst>
+      <p:ext uri="{BB962C8B-B14F-4D97-AF65-F5344CB8AC3E}">
+        <p14:creationId xmlns:p14="http://schemas.microsoft.com/office/powerpoint/2010/main" val="742635000"/>
       </p:ext>
     </p:extLst>
   </p:cSld>
@@ -612,11 +1639,7 @@
           <a:bodyPr/>
           <a:lstStyle/>
           <a:p>
-            <a:r>
-              <a:rPr lang="en-US" baseline="0" dirty="0" smtClean="0"/>
-              <a:t>Feature scaling: measuring distance between records</a:t>
-            </a:r>
-            <a:endParaRPr lang="en-US" dirty="0"/>
+            <a:endParaRPr lang="en-US"/>
           </a:p>
         </p:txBody>
       </p:sp>
@@ -637,7 +1660,7 @@
           <a:p>
             <a:fld id="{E0542D34-12F8-4BA5-8DE9-FE2BC539FB18}" type="slidenum">
               <a:rPr lang="en-US" smtClean="0"/>
-              <a:t>6</a:t>
+              <a:t>2</a:t>
             </a:fld>
             <a:endParaRPr lang="en-US"/>
           </a:p>
@@ -646,7 +1669,175 @@
     </p:spTree>
     <p:extLst>
       <p:ext uri="{BB962C8B-B14F-4D97-AF65-F5344CB8AC3E}">
-        <p14:creationId xmlns:p14="http://schemas.microsoft.com/office/powerpoint/2010/main" val="3717274036"/>
+        <p14:creationId xmlns:p14="http://schemas.microsoft.com/office/powerpoint/2010/main" val="3233917028"/>
+      </p:ext>
+    </p:extLst>
+  </p:cSld>
+  <p:clrMapOvr>
+    <a:masterClrMapping/>
+  </p:clrMapOvr>
+</p:notes>
+</file>
+
+<file path=ppt/notesSlides/notesSlide20.xml><?xml version="1.0" encoding="utf-8"?>
+<p:notes xmlns:a="http://schemas.openxmlformats.org/drawingml/2006/main" xmlns:r="http://schemas.openxmlformats.org/officeDocument/2006/relationships" xmlns:p="http://schemas.openxmlformats.org/presentationml/2006/main">
+  <p:cSld>
+    <p:spTree>
+      <p:nvGrpSpPr>
+        <p:cNvPr id="1" name=""/>
+        <p:cNvGrpSpPr/>
+        <p:nvPr/>
+      </p:nvGrpSpPr>
+      <p:grpSpPr>
+        <a:xfrm>
+          <a:off x="0" y="0"/>
+          <a:ext cx="0" cy="0"/>
+          <a:chOff x="0" y="0"/>
+          <a:chExt cx="0" cy="0"/>
+        </a:xfrm>
+      </p:grpSpPr>
+      <p:sp>
+        <p:nvSpPr>
+          <p:cNvPr id="2" name="Slide Image Placeholder 1"/>
+          <p:cNvSpPr>
+            <a:spLocks noGrp="1" noRot="1" noChangeAspect="1"/>
+          </p:cNvSpPr>
+          <p:nvPr>
+            <p:ph type="sldImg"/>
+          </p:nvPr>
+        </p:nvSpPr>
+        <p:spPr/>
+      </p:sp>
+      <p:sp>
+        <p:nvSpPr>
+          <p:cNvPr id="3" name="Notes Placeholder 2"/>
+          <p:cNvSpPr>
+            <a:spLocks noGrp="1"/>
+          </p:cNvSpPr>
+          <p:nvPr>
+            <p:ph type="body" idx="1"/>
+          </p:nvPr>
+        </p:nvSpPr>
+        <p:spPr/>
+        <p:txBody>
+          <a:bodyPr/>
+          <a:lstStyle/>
+          <a:p>
+            <a:endParaRPr lang="en-US"/>
+          </a:p>
+        </p:txBody>
+      </p:sp>
+      <p:sp>
+        <p:nvSpPr>
+          <p:cNvPr id="4" name="Slide Number Placeholder 3"/>
+          <p:cNvSpPr>
+            <a:spLocks noGrp="1"/>
+          </p:cNvSpPr>
+          <p:nvPr>
+            <p:ph type="sldNum" sz="quarter" idx="10"/>
+          </p:nvPr>
+        </p:nvSpPr>
+        <p:spPr/>
+        <p:txBody>
+          <a:bodyPr/>
+          <a:lstStyle/>
+          <a:p>
+            <a:fld id="{E0542D34-12F8-4BA5-8DE9-FE2BC539FB18}" type="slidenum">
+              <a:rPr lang="en-US" smtClean="0"/>
+              <a:t>20</a:t>
+            </a:fld>
+            <a:endParaRPr lang="en-US"/>
+          </a:p>
+        </p:txBody>
+      </p:sp>
+    </p:spTree>
+    <p:extLst>
+      <p:ext uri="{BB962C8B-B14F-4D97-AF65-F5344CB8AC3E}">
+        <p14:creationId xmlns:p14="http://schemas.microsoft.com/office/powerpoint/2010/main" val="4109241791"/>
+      </p:ext>
+    </p:extLst>
+  </p:cSld>
+  <p:clrMapOvr>
+    <a:masterClrMapping/>
+  </p:clrMapOvr>
+</p:notes>
+</file>
+
+<file path=ppt/notesSlides/notesSlide21.xml><?xml version="1.0" encoding="utf-8"?>
+<p:notes xmlns:a="http://schemas.openxmlformats.org/drawingml/2006/main" xmlns:r="http://schemas.openxmlformats.org/officeDocument/2006/relationships" xmlns:p="http://schemas.openxmlformats.org/presentationml/2006/main">
+  <p:cSld>
+    <p:spTree>
+      <p:nvGrpSpPr>
+        <p:cNvPr id="1" name=""/>
+        <p:cNvGrpSpPr/>
+        <p:nvPr/>
+      </p:nvGrpSpPr>
+      <p:grpSpPr>
+        <a:xfrm>
+          <a:off x="0" y="0"/>
+          <a:ext cx="0" cy="0"/>
+          <a:chOff x="0" y="0"/>
+          <a:chExt cx="0" cy="0"/>
+        </a:xfrm>
+      </p:grpSpPr>
+      <p:sp>
+        <p:nvSpPr>
+          <p:cNvPr id="2" name="Slide Image Placeholder 1"/>
+          <p:cNvSpPr>
+            <a:spLocks noGrp="1" noRot="1" noChangeAspect="1"/>
+          </p:cNvSpPr>
+          <p:nvPr>
+            <p:ph type="sldImg"/>
+          </p:nvPr>
+        </p:nvSpPr>
+        <p:spPr/>
+      </p:sp>
+      <p:sp>
+        <p:nvSpPr>
+          <p:cNvPr id="3" name="Notes Placeholder 2"/>
+          <p:cNvSpPr>
+            <a:spLocks noGrp="1"/>
+          </p:cNvSpPr>
+          <p:nvPr>
+            <p:ph type="body" idx="1"/>
+          </p:nvPr>
+        </p:nvSpPr>
+        <p:spPr/>
+        <p:txBody>
+          <a:bodyPr/>
+          <a:lstStyle/>
+          <a:p>
+            <a:endParaRPr lang="en-US"/>
+          </a:p>
+        </p:txBody>
+      </p:sp>
+      <p:sp>
+        <p:nvSpPr>
+          <p:cNvPr id="4" name="Slide Number Placeholder 3"/>
+          <p:cNvSpPr>
+            <a:spLocks noGrp="1"/>
+          </p:cNvSpPr>
+          <p:nvPr>
+            <p:ph type="sldNum" sz="quarter" idx="10"/>
+          </p:nvPr>
+        </p:nvSpPr>
+        <p:spPr/>
+        <p:txBody>
+          <a:bodyPr/>
+          <a:lstStyle/>
+          <a:p>
+            <a:fld id="{E0542D34-12F8-4BA5-8DE9-FE2BC539FB18}" type="slidenum">
+              <a:rPr lang="en-US" smtClean="0"/>
+              <a:t>21</a:t>
+            </a:fld>
+            <a:endParaRPr lang="en-US"/>
+          </a:p>
+        </p:txBody>
+      </p:sp>
+    </p:spTree>
+    <p:extLst>
+      <p:ext uri="{BB962C8B-B14F-4D97-AF65-F5344CB8AC3E}">
+        <p14:creationId xmlns:p14="http://schemas.microsoft.com/office/powerpoint/2010/main" val="391879488"/>
       </p:ext>
     </p:extLst>
   </p:cSld>
@@ -701,27 +1892,16 @@
           <a:lstStyle/>
           <a:p>
             <a:r>
-              <a:rPr lang="en-US" dirty="0" smtClean="0"/>
-              <a:t>Evaluates the worth of an attribute by repeatedly sampling an instance and considering the value of the given attribute for the nearest instance of the same and different class.</a:t>
-            </a:r>
-          </a:p>
-          <a:p>
-            <a:r>
-              <a:rPr lang="en-US" dirty="0" err="1" smtClean="0"/>
-              <a:t>CfsSubsetEval</a:t>
-            </a:r>
-            <a:r>
-              <a:rPr lang="en-US" dirty="0" smtClean="0"/>
-              <a:t> :</a:t>
-            </a:r>
-          </a:p>
-          <a:p>
-            <a:endParaRPr lang="en-US" dirty="0" smtClean="0"/>
-          </a:p>
-          <a:p>
-            <a:r>
-              <a:rPr lang="en-US" smtClean="0"/>
-              <a:t>Evaluates the worth of a subset of attributes by considering the individual predictive ability of each feature along with the degree of redundancy between them</a:t>
+              <a:rPr lang="en-US" sz="1200" b="0" i="0" kern="1200" smtClean="0">
+                <a:solidFill>
+                  <a:schemeClr val="tx1"/>
+                </a:solidFill>
+                <a:effectLst/>
+                <a:latin typeface="+mn-lt"/>
+                <a:ea typeface="+mn-ea"/>
+                <a:cs typeface="+mn-cs"/>
+              </a:rPr>
+              <a:t> quick serve restaurant</a:t>
             </a:r>
             <a:endParaRPr lang="en-US" dirty="0"/>
           </a:p>
@@ -744,7 +1924,7 @@
           <a:p>
             <a:fld id="{E0542D34-12F8-4BA5-8DE9-FE2BC539FB18}" type="slidenum">
               <a:rPr lang="en-US" smtClean="0"/>
-              <a:t>10</a:t>
+              <a:t>3</a:t>
             </a:fld>
             <a:endParaRPr lang="en-US"/>
           </a:p>
@@ -753,7 +1933,7 @@
     </p:spTree>
     <p:extLst>
       <p:ext uri="{BB962C8B-B14F-4D97-AF65-F5344CB8AC3E}">
-        <p14:creationId xmlns:p14="http://schemas.microsoft.com/office/powerpoint/2010/main" val="884163538"/>
+        <p14:creationId xmlns:p14="http://schemas.microsoft.com/office/powerpoint/2010/main" val="1816320090"/>
       </p:ext>
     </p:extLst>
   </p:cSld>
@@ -807,7 +1987,7 @@
           <a:bodyPr/>
           <a:lstStyle/>
           <a:p>
-            <a:endParaRPr lang="en-US" dirty="0"/>
+            <a:endParaRPr lang="en-US"/>
           </a:p>
         </p:txBody>
       </p:sp>
@@ -828,7 +2008,7 @@
           <a:p>
             <a:fld id="{E0542D34-12F8-4BA5-8DE9-FE2BC539FB18}" type="slidenum">
               <a:rPr lang="en-US" smtClean="0"/>
-              <a:t>17</a:t>
+              <a:t>4</a:t>
             </a:fld>
             <a:endParaRPr lang="en-US"/>
           </a:p>
@@ -837,7 +2017,435 @@
     </p:spTree>
     <p:extLst>
       <p:ext uri="{BB962C8B-B14F-4D97-AF65-F5344CB8AC3E}">
-        <p14:creationId xmlns:p14="http://schemas.microsoft.com/office/powerpoint/2010/main" val="2506387212"/>
+        <p14:creationId xmlns:p14="http://schemas.microsoft.com/office/powerpoint/2010/main" val="1217149149"/>
+      </p:ext>
+    </p:extLst>
+  </p:cSld>
+  <p:clrMapOvr>
+    <a:masterClrMapping/>
+  </p:clrMapOvr>
+</p:notes>
+</file>
+
+<file path=ppt/notesSlides/notesSlide5.xml><?xml version="1.0" encoding="utf-8"?>
+<p:notes xmlns:a="http://schemas.openxmlformats.org/drawingml/2006/main" xmlns:r="http://schemas.openxmlformats.org/officeDocument/2006/relationships" xmlns:p="http://schemas.openxmlformats.org/presentationml/2006/main">
+  <p:cSld>
+    <p:spTree>
+      <p:nvGrpSpPr>
+        <p:cNvPr id="1" name=""/>
+        <p:cNvGrpSpPr/>
+        <p:nvPr/>
+      </p:nvGrpSpPr>
+      <p:grpSpPr>
+        <a:xfrm>
+          <a:off x="0" y="0"/>
+          <a:ext cx="0" cy="0"/>
+          <a:chOff x="0" y="0"/>
+          <a:chExt cx="0" cy="0"/>
+        </a:xfrm>
+      </p:grpSpPr>
+      <p:sp>
+        <p:nvSpPr>
+          <p:cNvPr id="2" name="Slide Image Placeholder 1"/>
+          <p:cNvSpPr>
+            <a:spLocks noGrp="1" noRot="1" noChangeAspect="1"/>
+          </p:cNvSpPr>
+          <p:nvPr>
+            <p:ph type="sldImg"/>
+          </p:nvPr>
+        </p:nvSpPr>
+        <p:spPr/>
+      </p:sp>
+      <p:sp>
+        <p:nvSpPr>
+          <p:cNvPr id="3" name="Notes Placeholder 2"/>
+          <p:cNvSpPr>
+            <a:spLocks noGrp="1"/>
+          </p:cNvSpPr>
+          <p:nvPr>
+            <p:ph type="body" idx="1"/>
+          </p:nvPr>
+        </p:nvSpPr>
+        <p:spPr/>
+        <p:txBody>
+          <a:bodyPr/>
+          <a:lstStyle/>
+          <a:p>
+            <a:r>
+              <a:rPr lang="en-US" dirty="0" smtClean="0"/>
+              <a:t>What does missing value mean?</a:t>
+            </a:r>
+            <a:endParaRPr lang="en-US" dirty="0"/>
+          </a:p>
+        </p:txBody>
+      </p:sp>
+      <p:sp>
+        <p:nvSpPr>
+          <p:cNvPr id="4" name="Slide Number Placeholder 3"/>
+          <p:cNvSpPr>
+            <a:spLocks noGrp="1"/>
+          </p:cNvSpPr>
+          <p:nvPr>
+            <p:ph type="sldNum" sz="quarter" idx="10"/>
+          </p:nvPr>
+        </p:nvSpPr>
+        <p:spPr/>
+        <p:txBody>
+          <a:bodyPr/>
+          <a:lstStyle/>
+          <a:p>
+            <a:fld id="{E0542D34-12F8-4BA5-8DE9-FE2BC539FB18}" type="slidenum">
+              <a:rPr lang="en-US" smtClean="0"/>
+              <a:t>5</a:t>
+            </a:fld>
+            <a:endParaRPr lang="en-US"/>
+          </a:p>
+        </p:txBody>
+      </p:sp>
+    </p:spTree>
+    <p:extLst>
+      <p:ext uri="{BB962C8B-B14F-4D97-AF65-F5344CB8AC3E}">
+        <p14:creationId xmlns:p14="http://schemas.microsoft.com/office/powerpoint/2010/main" val="1995193630"/>
+      </p:ext>
+    </p:extLst>
+  </p:cSld>
+  <p:clrMapOvr>
+    <a:masterClrMapping/>
+  </p:clrMapOvr>
+</p:notes>
+</file>
+
+<file path=ppt/notesSlides/notesSlide6.xml><?xml version="1.0" encoding="utf-8"?>
+<p:notes xmlns:a="http://schemas.openxmlformats.org/drawingml/2006/main" xmlns:r="http://schemas.openxmlformats.org/officeDocument/2006/relationships" xmlns:p="http://schemas.openxmlformats.org/presentationml/2006/main">
+  <p:cSld>
+    <p:spTree>
+      <p:nvGrpSpPr>
+        <p:cNvPr id="1" name=""/>
+        <p:cNvGrpSpPr/>
+        <p:nvPr/>
+      </p:nvGrpSpPr>
+      <p:grpSpPr>
+        <a:xfrm>
+          <a:off x="0" y="0"/>
+          <a:ext cx="0" cy="0"/>
+          <a:chOff x="0" y="0"/>
+          <a:chExt cx="0" cy="0"/>
+        </a:xfrm>
+      </p:grpSpPr>
+      <p:sp>
+        <p:nvSpPr>
+          <p:cNvPr id="2" name="Slide Image Placeholder 1"/>
+          <p:cNvSpPr>
+            <a:spLocks noGrp="1" noRot="1" noChangeAspect="1"/>
+          </p:cNvSpPr>
+          <p:nvPr>
+            <p:ph type="sldImg"/>
+          </p:nvPr>
+        </p:nvSpPr>
+        <p:spPr/>
+      </p:sp>
+      <p:sp>
+        <p:nvSpPr>
+          <p:cNvPr id="3" name="Notes Placeholder 2"/>
+          <p:cNvSpPr>
+            <a:spLocks noGrp="1"/>
+          </p:cNvSpPr>
+          <p:nvPr>
+            <p:ph type="body" idx="1"/>
+          </p:nvPr>
+        </p:nvSpPr>
+        <p:spPr/>
+        <p:txBody>
+          <a:bodyPr/>
+          <a:lstStyle/>
+          <a:p>
+            <a:r>
+              <a:rPr lang="en-US" baseline="0" dirty="0" smtClean="0"/>
+              <a:t>Feature scaling: measuring distance between records</a:t>
+            </a:r>
+            <a:endParaRPr lang="en-US" dirty="0"/>
+          </a:p>
+        </p:txBody>
+      </p:sp>
+      <p:sp>
+        <p:nvSpPr>
+          <p:cNvPr id="4" name="Slide Number Placeholder 3"/>
+          <p:cNvSpPr>
+            <a:spLocks noGrp="1"/>
+          </p:cNvSpPr>
+          <p:nvPr>
+            <p:ph type="sldNum" sz="quarter" idx="10"/>
+          </p:nvPr>
+        </p:nvSpPr>
+        <p:spPr/>
+        <p:txBody>
+          <a:bodyPr/>
+          <a:lstStyle/>
+          <a:p>
+            <a:fld id="{E0542D34-12F8-4BA5-8DE9-FE2BC539FB18}" type="slidenum">
+              <a:rPr lang="en-US" smtClean="0"/>
+              <a:t>6</a:t>
+            </a:fld>
+            <a:endParaRPr lang="en-US"/>
+          </a:p>
+        </p:txBody>
+      </p:sp>
+    </p:spTree>
+    <p:extLst>
+      <p:ext uri="{BB962C8B-B14F-4D97-AF65-F5344CB8AC3E}">
+        <p14:creationId xmlns:p14="http://schemas.microsoft.com/office/powerpoint/2010/main" val="3717274036"/>
+      </p:ext>
+    </p:extLst>
+  </p:cSld>
+  <p:clrMapOvr>
+    <a:masterClrMapping/>
+  </p:clrMapOvr>
+</p:notes>
+</file>
+
+<file path=ppt/notesSlides/notesSlide7.xml><?xml version="1.0" encoding="utf-8"?>
+<p:notes xmlns:a="http://schemas.openxmlformats.org/drawingml/2006/main" xmlns:r="http://schemas.openxmlformats.org/officeDocument/2006/relationships" xmlns:p="http://schemas.openxmlformats.org/presentationml/2006/main">
+  <p:cSld>
+    <p:spTree>
+      <p:nvGrpSpPr>
+        <p:cNvPr id="1" name=""/>
+        <p:cNvGrpSpPr/>
+        <p:nvPr/>
+      </p:nvGrpSpPr>
+      <p:grpSpPr>
+        <a:xfrm>
+          <a:off x="0" y="0"/>
+          <a:ext cx="0" cy="0"/>
+          <a:chOff x="0" y="0"/>
+          <a:chExt cx="0" cy="0"/>
+        </a:xfrm>
+      </p:grpSpPr>
+      <p:sp>
+        <p:nvSpPr>
+          <p:cNvPr id="2" name="Slide Image Placeholder 1"/>
+          <p:cNvSpPr>
+            <a:spLocks noGrp="1" noRot="1" noChangeAspect="1"/>
+          </p:cNvSpPr>
+          <p:nvPr>
+            <p:ph type="sldImg"/>
+          </p:nvPr>
+        </p:nvSpPr>
+        <p:spPr/>
+      </p:sp>
+      <p:sp>
+        <p:nvSpPr>
+          <p:cNvPr id="3" name="Notes Placeholder 2"/>
+          <p:cNvSpPr>
+            <a:spLocks noGrp="1"/>
+          </p:cNvSpPr>
+          <p:nvPr>
+            <p:ph type="body" idx="1"/>
+          </p:nvPr>
+        </p:nvSpPr>
+        <p:spPr/>
+        <p:txBody>
+          <a:bodyPr/>
+          <a:lstStyle/>
+          <a:p>
+            <a:endParaRPr lang="en-US"/>
+          </a:p>
+        </p:txBody>
+      </p:sp>
+      <p:sp>
+        <p:nvSpPr>
+          <p:cNvPr id="4" name="Slide Number Placeholder 3"/>
+          <p:cNvSpPr>
+            <a:spLocks noGrp="1"/>
+          </p:cNvSpPr>
+          <p:nvPr>
+            <p:ph type="sldNum" sz="quarter" idx="10"/>
+          </p:nvPr>
+        </p:nvSpPr>
+        <p:spPr/>
+        <p:txBody>
+          <a:bodyPr/>
+          <a:lstStyle/>
+          <a:p>
+            <a:fld id="{E0542D34-12F8-4BA5-8DE9-FE2BC539FB18}" type="slidenum">
+              <a:rPr lang="en-US" smtClean="0"/>
+              <a:t>7</a:t>
+            </a:fld>
+            <a:endParaRPr lang="en-US"/>
+          </a:p>
+        </p:txBody>
+      </p:sp>
+    </p:spTree>
+    <p:extLst>
+      <p:ext uri="{BB962C8B-B14F-4D97-AF65-F5344CB8AC3E}">
+        <p14:creationId xmlns:p14="http://schemas.microsoft.com/office/powerpoint/2010/main" val="2700616881"/>
+      </p:ext>
+    </p:extLst>
+  </p:cSld>
+  <p:clrMapOvr>
+    <a:masterClrMapping/>
+  </p:clrMapOvr>
+</p:notes>
+</file>
+
+<file path=ppt/notesSlides/notesSlide8.xml><?xml version="1.0" encoding="utf-8"?>
+<p:notes xmlns:a="http://schemas.openxmlformats.org/drawingml/2006/main" xmlns:r="http://schemas.openxmlformats.org/officeDocument/2006/relationships" xmlns:p="http://schemas.openxmlformats.org/presentationml/2006/main">
+  <p:cSld>
+    <p:spTree>
+      <p:nvGrpSpPr>
+        <p:cNvPr id="1" name=""/>
+        <p:cNvGrpSpPr/>
+        <p:nvPr/>
+      </p:nvGrpSpPr>
+      <p:grpSpPr>
+        <a:xfrm>
+          <a:off x="0" y="0"/>
+          <a:ext cx="0" cy="0"/>
+          <a:chOff x="0" y="0"/>
+          <a:chExt cx="0" cy="0"/>
+        </a:xfrm>
+      </p:grpSpPr>
+      <p:sp>
+        <p:nvSpPr>
+          <p:cNvPr id="2" name="Slide Image Placeholder 1"/>
+          <p:cNvSpPr>
+            <a:spLocks noGrp="1" noRot="1" noChangeAspect="1"/>
+          </p:cNvSpPr>
+          <p:nvPr>
+            <p:ph type="sldImg"/>
+          </p:nvPr>
+        </p:nvSpPr>
+        <p:spPr/>
+      </p:sp>
+      <p:sp>
+        <p:nvSpPr>
+          <p:cNvPr id="3" name="Notes Placeholder 2"/>
+          <p:cNvSpPr>
+            <a:spLocks noGrp="1"/>
+          </p:cNvSpPr>
+          <p:nvPr>
+            <p:ph type="body" idx="1"/>
+          </p:nvPr>
+        </p:nvSpPr>
+        <p:spPr/>
+        <p:txBody>
+          <a:bodyPr/>
+          <a:lstStyle/>
+          <a:p>
+            <a:endParaRPr lang="en-US"/>
+          </a:p>
+        </p:txBody>
+      </p:sp>
+      <p:sp>
+        <p:nvSpPr>
+          <p:cNvPr id="4" name="Slide Number Placeholder 3"/>
+          <p:cNvSpPr>
+            <a:spLocks noGrp="1"/>
+          </p:cNvSpPr>
+          <p:nvPr>
+            <p:ph type="sldNum" sz="quarter" idx="10"/>
+          </p:nvPr>
+        </p:nvSpPr>
+        <p:spPr/>
+        <p:txBody>
+          <a:bodyPr/>
+          <a:lstStyle/>
+          <a:p>
+            <a:fld id="{E0542D34-12F8-4BA5-8DE9-FE2BC539FB18}" type="slidenum">
+              <a:rPr lang="en-US" smtClean="0"/>
+              <a:t>8</a:t>
+            </a:fld>
+            <a:endParaRPr lang="en-US"/>
+          </a:p>
+        </p:txBody>
+      </p:sp>
+    </p:spTree>
+    <p:extLst>
+      <p:ext uri="{BB962C8B-B14F-4D97-AF65-F5344CB8AC3E}">
+        <p14:creationId xmlns:p14="http://schemas.microsoft.com/office/powerpoint/2010/main" val="776252640"/>
+      </p:ext>
+    </p:extLst>
+  </p:cSld>
+  <p:clrMapOvr>
+    <a:masterClrMapping/>
+  </p:clrMapOvr>
+</p:notes>
+</file>
+
+<file path=ppt/notesSlides/notesSlide9.xml><?xml version="1.0" encoding="utf-8"?>
+<p:notes xmlns:a="http://schemas.openxmlformats.org/drawingml/2006/main" xmlns:r="http://schemas.openxmlformats.org/officeDocument/2006/relationships" xmlns:p="http://schemas.openxmlformats.org/presentationml/2006/main">
+  <p:cSld>
+    <p:spTree>
+      <p:nvGrpSpPr>
+        <p:cNvPr id="1" name=""/>
+        <p:cNvGrpSpPr/>
+        <p:nvPr/>
+      </p:nvGrpSpPr>
+      <p:grpSpPr>
+        <a:xfrm>
+          <a:off x="0" y="0"/>
+          <a:ext cx="0" cy="0"/>
+          <a:chOff x="0" y="0"/>
+          <a:chExt cx="0" cy="0"/>
+        </a:xfrm>
+      </p:grpSpPr>
+      <p:sp>
+        <p:nvSpPr>
+          <p:cNvPr id="2" name="Slide Image Placeholder 1"/>
+          <p:cNvSpPr>
+            <a:spLocks noGrp="1" noRot="1" noChangeAspect="1"/>
+          </p:cNvSpPr>
+          <p:nvPr>
+            <p:ph type="sldImg"/>
+          </p:nvPr>
+        </p:nvSpPr>
+        <p:spPr/>
+      </p:sp>
+      <p:sp>
+        <p:nvSpPr>
+          <p:cNvPr id="3" name="Notes Placeholder 2"/>
+          <p:cNvSpPr>
+            <a:spLocks noGrp="1"/>
+          </p:cNvSpPr>
+          <p:nvPr>
+            <p:ph type="body" idx="1"/>
+          </p:nvPr>
+        </p:nvSpPr>
+        <p:spPr/>
+        <p:txBody>
+          <a:bodyPr/>
+          <a:lstStyle/>
+          <a:p>
+            <a:endParaRPr lang="en-US"/>
+          </a:p>
+        </p:txBody>
+      </p:sp>
+      <p:sp>
+        <p:nvSpPr>
+          <p:cNvPr id="4" name="Slide Number Placeholder 3"/>
+          <p:cNvSpPr>
+            <a:spLocks noGrp="1"/>
+          </p:cNvSpPr>
+          <p:nvPr>
+            <p:ph type="sldNum" sz="quarter" idx="10"/>
+          </p:nvPr>
+        </p:nvSpPr>
+        <p:spPr/>
+        <p:txBody>
+          <a:bodyPr/>
+          <a:lstStyle/>
+          <a:p>
+            <a:fld id="{E0542D34-12F8-4BA5-8DE9-FE2BC539FB18}" type="slidenum">
+              <a:rPr lang="en-US" smtClean="0"/>
+              <a:t>9</a:t>
+            </a:fld>
+            <a:endParaRPr lang="en-US"/>
+          </a:p>
+        </p:txBody>
+      </p:sp>
+    </p:spTree>
+    <p:extLst>
+      <p:ext uri="{BB962C8B-B14F-4D97-AF65-F5344CB8AC3E}">
+        <p14:creationId xmlns:p14="http://schemas.microsoft.com/office/powerpoint/2010/main" val="109025184"/>
       </p:ext>
     </p:extLst>
   </p:cSld>
@@ -4252,7 +5860,7 @@
             </p:nvSpPr>
             <p:spPr>
               <a:blipFill rotWithShape="1">
-                <a:blip r:embed="rId2"/>
+                <a:blip r:embed="rId3"/>
                 <a:stretch>
                   <a:fillRect l="-1630" t="-1752"/>
                 </a:stretch>
@@ -4282,7 +5890,7 @@
           <p:nvPr/>
         </p:nvPicPr>
         <p:blipFill>
-          <a:blip r:embed="rId3">
+          <a:blip r:embed="rId4">
             <a:extLst>
               <a:ext uri="{28A0092B-C50C-407E-A947-70E740481C1C}">
                 <a14:useLocalDpi xmlns:a14="http://schemas.microsoft.com/office/drawing/2010/main" val="0"/>
@@ -4574,7 +6182,7 @@
           <p:nvPr/>
         </p:nvPicPr>
         <p:blipFill rotWithShape="1">
-          <a:blip r:embed="rId2">
+          <a:blip r:embed="rId3">
             <a:extLst>
               <a:ext uri="{28A0092B-C50C-407E-A947-70E740481C1C}">
                 <a14:useLocalDpi xmlns:a14="http://schemas.microsoft.com/office/drawing/2010/main" val="0"/>
@@ -4727,7 +6335,7 @@
           <p:nvPr/>
         </p:nvPicPr>
         <p:blipFill>
-          <a:blip r:embed="rId2">
+          <a:blip r:embed="rId3">
             <a:extLst>
               <a:ext uri="{28A0092B-C50C-407E-A947-70E740481C1C}">
                 <a14:useLocalDpi xmlns:a14="http://schemas.microsoft.com/office/drawing/2010/main" val="0"/>
@@ -4981,7 +6589,7 @@
           <p:nvPr/>
         </p:nvPicPr>
         <p:blipFill>
-          <a:blip r:embed="rId2">
+          <a:blip r:embed="rId3">
             <a:extLst>
               <a:ext uri="{28A0092B-C50C-407E-A947-70E740481C1C}">
                 <a14:useLocalDpi xmlns:a14="http://schemas.microsoft.com/office/drawing/2010/main" val="0"/>
@@ -6001,7 +7609,7 @@
           </p:nvPr>
         </p:nvPicPr>
         <p:blipFill>
-          <a:blip r:embed="rId2">
+          <a:blip r:embed="rId3">
             <a:extLst>
               <a:ext uri="{28A0092B-C50C-407E-A947-70E740481C1C}">
                 <a14:useLocalDpi xmlns:a14="http://schemas.microsoft.com/office/drawing/2010/main" val="0"/>
@@ -6186,7 +7794,7 @@
             <p:nvPr/>
           </p:nvPicPr>
           <p:blipFill>
-            <a:blip r:embed="rId2">
+            <a:blip r:embed="rId3">
               <a:extLst>
                 <a:ext uri="{28A0092B-C50C-407E-A947-70E740481C1C}">
                   <a14:useLocalDpi xmlns:a14="http://schemas.microsoft.com/office/drawing/2010/main" val="0"/>
@@ -6240,7 +7848,7 @@
             <p:nvPr/>
           </p:nvPicPr>
           <p:blipFill>
-            <a:blip r:embed="rId3"/>
+            <a:blip r:embed="rId4"/>
             <a:stretch>
               <a:fillRect/>
             </a:stretch>
@@ -6327,7 +7935,7 @@
           </p:nvPr>
         </p:nvPicPr>
         <p:blipFill>
-          <a:blip r:embed="rId2">
+          <a:blip r:embed="rId3">
             <a:extLst>
               <a:ext uri="{28A0092B-C50C-407E-A947-70E740481C1C}">
                 <a14:useLocalDpi xmlns:a14="http://schemas.microsoft.com/office/drawing/2010/main" val="0"/>
@@ -6464,7 +8072,7 @@
           <p:nvPr/>
         </p:nvPicPr>
         <p:blipFill>
-          <a:blip r:embed="rId2">
+          <a:blip r:embed="rId3">
             <a:extLst>
               <a:ext uri="{28A0092B-C50C-407E-A947-70E740481C1C}">
                 <a14:useLocalDpi xmlns:a14="http://schemas.microsoft.com/office/drawing/2010/main" val="0"/>
@@ -6802,7 +8410,7 @@
           <p:nvPr/>
         </p:nvPicPr>
         <p:blipFill>
-          <a:blip r:embed="rId2">
+          <a:blip r:embed="rId3">
             <a:extLst>
               <a:ext uri="{28A0092B-C50C-407E-A947-70E740481C1C}">
                 <a14:useLocalDpi xmlns:a14="http://schemas.microsoft.com/office/drawing/2010/main" val="0"/>
@@ -6978,7 +8586,7 @@
               <p:nvPr/>
             </p:nvPicPr>
             <p:blipFill>
-              <a:blip r:embed="rId2">
+              <a:blip r:embed="rId3">
                 <a:extLst>
                   <a:ext uri="{28A0092B-C50C-407E-A947-70E740481C1C}">
                     <a14:useLocalDpi xmlns:a14="http://schemas.microsoft.com/office/drawing/2010/main" val="0"/>
@@ -7860,7 +9468,7 @@
           <p:nvPr/>
         </p:nvPicPr>
         <p:blipFill>
-          <a:blip r:embed="rId2">
+          <a:blip r:embed="rId3">
             <a:extLst>
               <a:ext uri="{28A0092B-C50C-407E-A947-70E740481C1C}">
                 <a14:useLocalDpi xmlns:a14="http://schemas.microsoft.com/office/drawing/2010/main" val="0"/>
@@ -7914,7 +9522,7 @@
           <p:nvPr/>
         </p:nvPicPr>
         <p:blipFill>
-          <a:blip r:embed="rId3">
+          <a:blip r:embed="rId4">
             <a:extLst>
               <a:ext uri="{28A0092B-C50C-407E-A947-70E740481C1C}">
                 <a14:useLocalDpi xmlns:a14="http://schemas.microsoft.com/office/drawing/2010/main" val="0"/>
@@ -8043,7 +9651,7 @@
           <p:nvPr/>
         </p:nvPicPr>
         <p:blipFill>
-          <a:blip r:embed="rId2"/>
+          <a:blip r:embed="rId3"/>
           <a:stretch>
             <a:fillRect/>
           </a:stretch>
@@ -8255,7 +9863,7 @@
           <p:nvPr/>
         </p:nvPicPr>
         <p:blipFill>
-          <a:blip r:embed="rId2">
+          <a:blip r:embed="rId3">
             <a:extLst>
               <a:ext uri="{28A0092B-C50C-407E-A947-70E740481C1C}">
                 <a14:useLocalDpi xmlns:a14="http://schemas.microsoft.com/office/drawing/2010/main" val="0"/>
@@ -8309,7 +9917,7 @@
           <p:nvPr/>
         </p:nvPicPr>
         <p:blipFill>
-          <a:blip r:embed="rId3">
+          <a:blip r:embed="rId4">
             <a:extLst>
               <a:ext uri="{28A0092B-C50C-407E-A947-70E740481C1C}">
                 <a14:useLocalDpi xmlns:a14="http://schemas.microsoft.com/office/drawing/2010/main" val="0"/>
@@ -9114,4 +10722,289 @@
   <a:objectDefaults/>
   <a:extraClrSchemeLst/>
 </a:theme>
+</file>
+
+<file path=ppt/theme/theme3.xml><?xml version="1.0" encoding="utf-8"?>
+<a:theme xmlns:a="http://schemas.openxmlformats.org/drawingml/2006/main" name="Office Theme">
+  <a:themeElements>
+    <a:clrScheme name="Office">
+      <a:dk1>
+        <a:sysClr val="windowText" lastClr="000000"/>
+      </a:dk1>
+      <a:lt1>
+        <a:sysClr val="window" lastClr="FFFFFF"/>
+      </a:lt1>
+      <a:dk2>
+        <a:srgbClr val="1F497D"/>
+      </a:dk2>
+      <a:lt2>
+        <a:srgbClr val="EEECE1"/>
+      </a:lt2>
+      <a:accent1>
+        <a:srgbClr val="4F81BD"/>
+      </a:accent1>
+      <a:accent2>
+        <a:srgbClr val="C0504D"/>
+      </a:accent2>
+      <a:accent3>
+        <a:srgbClr val="9BBB59"/>
+      </a:accent3>
+      <a:accent4>
+        <a:srgbClr val="8064A2"/>
+      </a:accent4>
+      <a:accent5>
+        <a:srgbClr val="4BACC6"/>
+      </a:accent5>
+      <a:accent6>
+        <a:srgbClr val="F79646"/>
+      </a:accent6>
+      <a:hlink>
+        <a:srgbClr val="0000FF"/>
+      </a:hlink>
+      <a:folHlink>
+        <a:srgbClr val="800080"/>
+      </a:folHlink>
+    </a:clrScheme>
+    <a:fontScheme name="Office">
+      <a:majorFont>
+        <a:latin typeface="Calibri"/>
+        <a:ea typeface=""/>
+        <a:cs typeface=""/>
+        <a:font script="Jpan" typeface="ＭＳ Ｐゴシック"/>
+        <a:font script="Hang" typeface="맑은 고딕"/>
+        <a:font script="Hans" typeface="宋体"/>
+        <a:font script="Hant" typeface="新細明體"/>
+        <a:font script="Arab" typeface="Times New Roman"/>
+        <a:font script="Hebr" typeface="Times New Roman"/>
+        <a:font script="Thai" typeface="Angsana New"/>
+        <a:font script="Ethi" typeface="Nyala"/>
+        <a:font script="Beng" typeface="Vrinda"/>
+        <a:font script="Gujr" typeface="Shruti"/>
+        <a:font script="Khmr" typeface="MoolBoran"/>
+        <a:font script="Knda" typeface="Tunga"/>
+        <a:font script="Guru" typeface="Raavi"/>
+        <a:font script="Cans" typeface="Euphemia"/>
+        <a:font script="Cher" typeface="Plantagenet Cherokee"/>
+        <a:font script="Yiii" typeface="Microsoft Yi Baiti"/>
+        <a:font script="Tibt" typeface="Microsoft Himalaya"/>
+        <a:font script="Thaa" typeface="MV Boli"/>
+        <a:font script="Deva" typeface="Mangal"/>
+        <a:font script="Telu" typeface="Gautami"/>
+        <a:font script="Taml" typeface="Latha"/>
+        <a:font script="Syrc" typeface="Estrangelo Edessa"/>
+        <a:font script="Orya" typeface="Kalinga"/>
+        <a:font script="Mlym" typeface="Kartika"/>
+        <a:font script="Laoo" typeface="DokChampa"/>
+        <a:font script="Sinh" typeface="Iskoola Pota"/>
+        <a:font script="Mong" typeface="Mongolian Baiti"/>
+        <a:font script="Viet" typeface="Times New Roman"/>
+        <a:font script="Uigh" typeface="Microsoft Uighur"/>
+        <a:font script="Geor" typeface="Sylfaen"/>
+      </a:majorFont>
+      <a:minorFont>
+        <a:latin typeface="Calibri"/>
+        <a:ea typeface=""/>
+        <a:cs typeface=""/>
+        <a:font script="Jpan" typeface="ＭＳ Ｐゴシック"/>
+        <a:font script="Hang" typeface="맑은 고딕"/>
+        <a:font script="Hans" typeface="宋体"/>
+        <a:font script="Hant" typeface="新細明體"/>
+        <a:font script="Arab" typeface="Arial"/>
+        <a:font script="Hebr" typeface="Arial"/>
+        <a:font script="Thai" typeface="Cordia New"/>
+        <a:font script="Ethi" typeface="Nyala"/>
+        <a:font script="Beng" typeface="Vrinda"/>
+        <a:font script="Gujr" typeface="Shruti"/>
+        <a:font script="Khmr" typeface="DaunPenh"/>
+        <a:font script="Knda" typeface="Tunga"/>
+        <a:font script="Guru" typeface="Raavi"/>
+        <a:font script="Cans" typeface="Euphemia"/>
+        <a:font script="Cher" typeface="Plantagenet Cherokee"/>
+        <a:font script="Yiii" typeface="Microsoft Yi Baiti"/>
+        <a:font script="Tibt" typeface="Microsoft Himalaya"/>
+        <a:font script="Thaa" typeface="MV Boli"/>
+        <a:font script="Deva" typeface="Mangal"/>
+        <a:font script="Telu" typeface="Gautami"/>
+        <a:font script="Taml" typeface="Latha"/>
+        <a:font script="Syrc" typeface="Estrangelo Edessa"/>
+        <a:font script="Orya" typeface="Kalinga"/>
+        <a:font script="Mlym" typeface="Kartika"/>
+        <a:font script="Laoo" typeface="DokChampa"/>
+        <a:font script="Sinh" typeface="Iskoola Pota"/>
+        <a:font script="Mong" typeface="Mongolian Baiti"/>
+        <a:font script="Viet" typeface="Arial"/>
+        <a:font script="Uigh" typeface="Microsoft Uighur"/>
+        <a:font script="Geor" typeface="Sylfaen"/>
+      </a:minorFont>
+    </a:fontScheme>
+    <a:fmtScheme name="Office">
+      <a:fillStyleLst>
+        <a:solidFill>
+          <a:schemeClr val="phClr"/>
+        </a:solidFill>
+        <a:gradFill rotWithShape="1">
+          <a:gsLst>
+            <a:gs pos="0">
+              <a:schemeClr val="phClr">
+                <a:tint val="50000"/>
+                <a:satMod val="300000"/>
+              </a:schemeClr>
+            </a:gs>
+            <a:gs pos="35000">
+              <a:schemeClr val="phClr">
+                <a:tint val="37000"/>
+                <a:satMod val="300000"/>
+              </a:schemeClr>
+            </a:gs>
+            <a:gs pos="100000">
+              <a:schemeClr val="phClr">
+                <a:tint val="15000"/>
+                <a:satMod val="350000"/>
+              </a:schemeClr>
+            </a:gs>
+          </a:gsLst>
+          <a:lin ang="16200000" scaled="1"/>
+        </a:gradFill>
+        <a:gradFill rotWithShape="1">
+          <a:gsLst>
+            <a:gs pos="0">
+              <a:schemeClr val="phClr">
+                <a:shade val="51000"/>
+                <a:satMod val="130000"/>
+              </a:schemeClr>
+            </a:gs>
+            <a:gs pos="80000">
+              <a:schemeClr val="phClr">
+                <a:shade val="93000"/>
+                <a:satMod val="130000"/>
+              </a:schemeClr>
+            </a:gs>
+            <a:gs pos="100000">
+              <a:schemeClr val="phClr">
+                <a:shade val="94000"/>
+                <a:satMod val="135000"/>
+              </a:schemeClr>
+            </a:gs>
+          </a:gsLst>
+          <a:lin ang="16200000" scaled="0"/>
+        </a:gradFill>
+      </a:fillStyleLst>
+      <a:lnStyleLst>
+        <a:ln w="9525" cap="flat" cmpd="sng" algn="ctr">
+          <a:solidFill>
+            <a:schemeClr val="phClr">
+              <a:shade val="95000"/>
+              <a:satMod val="105000"/>
+            </a:schemeClr>
+          </a:solidFill>
+          <a:prstDash val="solid"/>
+        </a:ln>
+        <a:ln w="25400" cap="flat" cmpd="sng" algn="ctr">
+          <a:solidFill>
+            <a:schemeClr val="phClr"/>
+          </a:solidFill>
+          <a:prstDash val="solid"/>
+        </a:ln>
+        <a:ln w="38100" cap="flat" cmpd="sng" algn="ctr">
+          <a:solidFill>
+            <a:schemeClr val="phClr"/>
+          </a:solidFill>
+          <a:prstDash val="solid"/>
+        </a:ln>
+      </a:lnStyleLst>
+      <a:effectStyleLst>
+        <a:effectStyle>
+          <a:effectLst>
+            <a:outerShdw blurRad="40000" dist="20000" dir="5400000" rotWithShape="0">
+              <a:srgbClr val="000000">
+                <a:alpha val="38000"/>
+              </a:srgbClr>
+            </a:outerShdw>
+          </a:effectLst>
+        </a:effectStyle>
+        <a:effectStyle>
+          <a:effectLst>
+            <a:outerShdw blurRad="40000" dist="23000" dir="5400000" rotWithShape="0">
+              <a:srgbClr val="000000">
+                <a:alpha val="35000"/>
+              </a:srgbClr>
+            </a:outerShdw>
+          </a:effectLst>
+        </a:effectStyle>
+        <a:effectStyle>
+          <a:effectLst>
+            <a:outerShdw blurRad="40000" dist="23000" dir="5400000" rotWithShape="0">
+              <a:srgbClr val="000000">
+                <a:alpha val="35000"/>
+              </a:srgbClr>
+            </a:outerShdw>
+          </a:effectLst>
+          <a:scene3d>
+            <a:camera prst="orthographicFront">
+              <a:rot lat="0" lon="0" rev="0"/>
+            </a:camera>
+            <a:lightRig rig="threePt" dir="t">
+              <a:rot lat="0" lon="0" rev="1200000"/>
+            </a:lightRig>
+          </a:scene3d>
+          <a:sp3d>
+            <a:bevelT w="63500" h="25400"/>
+          </a:sp3d>
+        </a:effectStyle>
+      </a:effectStyleLst>
+      <a:bgFillStyleLst>
+        <a:solidFill>
+          <a:schemeClr val="phClr"/>
+        </a:solidFill>
+        <a:gradFill rotWithShape="1">
+          <a:gsLst>
+            <a:gs pos="0">
+              <a:schemeClr val="phClr">
+                <a:tint val="40000"/>
+                <a:satMod val="350000"/>
+              </a:schemeClr>
+            </a:gs>
+            <a:gs pos="40000">
+              <a:schemeClr val="phClr">
+                <a:tint val="45000"/>
+                <a:shade val="99000"/>
+                <a:satMod val="350000"/>
+              </a:schemeClr>
+            </a:gs>
+            <a:gs pos="100000">
+              <a:schemeClr val="phClr">
+                <a:shade val="20000"/>
+                <a:satMod val="255000"/>
+              </a:schemeClr>
+            </a:gs>
+          </a:gsLst>
+          <a:path path="circle">
+            <a:fillToRect l="50000" t="-80000" r="50000" b="180000"/>
+          </a:path>
+        </a:gradFill>
+        <a:gradFill rotWithShape="1">
+          <a:gsLst>
+            <a:gs pos="0">
+              <a:schemeClr val="phClr">
+                <a:tint val="80000"/>
+                <a:satMod val="300000"/>
+              </a:schemeClr>
+            </a:gs>
+            <a:gs pos="100000">
+              <a:schemeClr val="phClr">
+                <a:shade val="30000"/>
+                <a:satMod val="200000"/>
+              </a:schemeClr>
+            </a:gs>
+          </a:gsLst>
+          <a:path path="circle">
+            <a:fillToRect l="50000" t="50000" r="50000" b="50000"/>
+          </a:path>
+        </a:gradFill>
+      </a:bgFillStyleLst>
+    </a:fmtScheme>
+  </a:themeElements>
+  <a:objectDefaults/>
+  <a:extraClrSchemeLst/>
+</a:theme>
 </file>
--- a/doc/presentation/revenue-prediction.pptx
+++ b/doc/presentation/revenue-prediction.pptx
@@ -6284,13 +6284,8 @@
             </a:r>
             <a:r>
               <a:rPr lang="en-US" dirty="0" smtClean="0"/>
-              <a:t> </a:t>
-            </a:r>
-            <a:r>
-              <a:rPr lang="en-US" dirty="0" smtClean="0"/>
-              <a:t>Competition (2340 Teams participated)</a:t>
-            </a:r>
-            <a:endParaRPr lang="en-US" dirty="0" smtClean="0"/>
+              <a:t> Competition (2340 Teams participated)</a:t>
+            </a:r>
           </a:p>
           <a:p>
             <a:r>
@@ -8059,11 +8054,7 @@
             <a:pPr lvl="1"/>
             <a:r>
               <a:rPr lang="en-US" dirty="0" smtClean="0"/>
-              <a:t>Convert to numerical data, assign distinct </a:t>
-            </a:r>
-            <a:r>
-              <a:rPr lang="en-US" dirty="0" smtClean="0"/>
-              <a:t>values to each distinct string</a:t>
+              <a:t>Convert to numerical data, assign distinct values to each distinct string</a:t>
             </a:r>
             <a:endParaRPr lang="en-US" dirty="0"/>
           </a:p>
@@ -8355,30 +8346,6 @@
           </a:p>
         </p:txBody>
       </p:sp>
-      <p:pic>
-        <p:nvPicPr>
-          <p:cNvPr id="8" name="图片 4"/>
-          <p:cNvPicPr>
-            <a:picLocks noChangeAspect="1"/>
-          </p:cNvPicPr>
-          <p:nvPr/>
-        </p:nvPicPr>
-        <p:blipFill>
-          <a:blip r:embed="rId2"/>
-          <a:stretch>
-            <a:fillRect/>
-          </a:stretch>
-        </p:blipFill>
-        <p:spPr>
-          <a:xfrm>
-            <a:off x="1729167" y="2789510"/>
-            <a:ext cx="4647569" cy="3916090"/>
-          </a:xfrm>
-          <a:prstGeom prst="rect">
-            <a:avLst/>
-          </a:prstGeom>
-        </p:spPr>
-      </p:pic>
       <p:sp>
         <p:nvSpPr>
           <p:cNvPr id="9" name="TextBox 8"/>
@@ -8387,7 +8354,7 @@
         </p:nvSpPr>
         <p:spPr>
           <a:xfrm>
-            <a:off x="1981200" y="2209800"/>
+            <a:off x="3657600" y="1524000"/>
             <a:ext cx="3880678" cy="369332"/>
           </a:xfrm>
           <a:prstGeom prst="rect">
@@ -8456,44 +8423,60 @@
           </a:p>
         </p:txBody>
       </p:sp>
-      <p:sp>
-        <p:nvSpPr>
-          <p:cNvPr id="10" name="文本框 9"/>
-          <p:cNvSpPr txBox="1"/>
+      <p:pic>
+        <p:nvPicPr>
+          <p:cNvPr id="1027" name="Picture 3"/>
+          <p:cNvPicPr>
+            <a:picLocks noChangeAspect="1" noChangeArrowheads="1"/>
+          </p:cNvPicPr>
           <p:nvPr/>
-        </p:nvSpPr>
-        <p:spPr>
+        </p:nvPicPr>
+        <p:blipFill>
+          <a:blip r:embed="rId2">
+            <a:extLst>
+              <a:ext uri="{28A0092B-C50C-407E-A947-70E740481C1C}">
+                <a14:useLocalDpi xmlns:a14="http://schemas.microsoft.com/office/drawing/2010/main" val="0"/>
+              </a:ext>
+            </a:extLst>
+          </a:blip>
+          <a:srcRect/>
+          <a:stretch>
+            <a:fillRect/>
+          </a:stretch>
+        </p:blipFill>
+        <p:spPr bwMode="auto">
           <a:xfrm>
-            <a:off x="5181600" y="4154269"/>
-            <a:ext cx="3657600" cy="369332"/>
+            <a:off x="2590800" y="2209800"/>
+            <a:ext cx="4638675" cy="4275142"/>
           </a:xfrm>
           <a:prstGeom prst="rect">
             <a:avLst/>
           </a:prstGeom>
           <a:noFill/>
+          <a:ln>
+            <a:noFill/>
+          </a:ln>
+          <a:extLst>
+            <a:ext uri="{909E8E84-426E-40DD-AFC4-6F175D3DCCD1}">
+              <a14:hiddenFill xmlns:a14="http://schemas.microsoft.com/office/drawing/2010/main">
+                <a:solidFill>
+                  <a:schemeClr val="accent1"/>
+                </a:solidFill>
+              </a14:hiddenFill>
+            </a:ext>
+            <a:ext uri="{91240B29-F687-4F45-9708-019B960494DF}">
+              <a14:hiddenLine xmlns:a14="http://schemas.microsoft.com/office/drawing/2010/main" w="9525">
+                <a:solidFill>
+                  <a:schemeClr val="tx1"/>
+                </a:solidFill>
+                <a:miter lim="800000"/>
+                <a:headEnd/>
+                <a:tailEnd/>
+              </a14:hiddenLine>
+            </a:ext>
+          </a:extLst>
         </p:spPr>
-        <p:txBody>
-          <a:bodyPr wrap="square" rtlCol="0">
-            <a:spAutoFit/>
-          </a:bodyPr>
-          <a:lstStyle/>
-          <a:p>
-            <a:r>
-              <a:rPr kumimoji="1" lang="en-US" altLang="zh-CN" b="1" dirty="0" smtClean="0">
-                <a:solidFill>
-                  <a:srgbClr val="FF0000"/>
-                </a:solidFill>
-              </a:rPr>
-              <a:t>Replace the figure, with large dots</a:t>
-            </a:r>
-            <a:endParaRPr kumimoji="1" lang="zh-CN" altLang="en-US" b="1" dirty="0">
-              <a:solidFill>
-                <a:srgbClr val="FF0000"/>
-              </a:solidFill>
-            </a:endParaRPr>
-          </a:p>
-        </p:txBody>
-      </p:sp>
+      </p:pic>
     </p:spTree>
     <p:extLst>
       <p:ext uri="{BB962C8B-B14F-4D97-AF65-F5344CB8AC3E}">

--- a/doc/presentation/revenue-prediction.pptx
+++ b/doc/presentation/revenue-prediction.pptx
@@ -15,8 +15,8 @@
     <p:sldId id="259" r:id="rId6"/>
     <p:sldId id="261" r:id="rId7"/>
     <p:sldId id="267" r:id="rId8"/>
-    <p:sldId id="280" r:id="rId9"/>
-    <p:sldId id="275" r:id="rId10"/>
+    <p:sldId id="275" r:id="rId9"/>
+    <p:sldId id="280" r:id="rId10"/>
     <p:sldId id="269" r:id="rId11"/>
     <p:sldId id="274" r:id="rId12"/>
     <p:sldId id="260" r:id="rId13"/>
@@ -3888,6 +3888,14 @@
   <p:clrMapOvr>
     <a:masterClrMapping/>
   </p:clrMapOvr>
+  <mc:AlternateContent xmlns:mc="http://schemas.openxmlformats.org/markup-compatibility/2006">
+    <mc:Choice xmlns:p14="http://schemas.microsoft.com/office/powerpoint/2010/main" Requires="p14">
+      <p:transition spd="slow" p14:dur="2000" advTm="9775"/>
+    </mc:Choice>
+    <mc:Fallback>
+      <p:transition spd="slow" advTm="9775"/>
+    </mc:Fallback>
+  </mc:AlternateContent>
   <p:timing>
     <p:tnLst>
       <p:par>
@@ -3955,8 +3963,13 @@
           <a:p>
             <a:r>
               <a:rPr lang="en-US" dirty="0" smtClean="0"/>
-              <a:t>Feature Rank</a:t>
-            </a:r>
+              <a:t>Feature </a:t>
+            </a:r>
+            <a:r>
+              <a:rPr lang="en-US" dirty="0" smtClean="0"/>
+              <a:t>Ranking</a:t>
+            </a:r>
+            <a:endParaRPr lang="en-US" dirty="0" smtClean="0"/>
           </a:p>
           <a:p>
             <a:pPr lvl="1"/>
@@ -4043,6 +4056,14 @@
   <p:clrMapOvr>
     <a:masterClrMapping/>
   </p:clrMapOvr>
+  <mc:AlternateContent xmlns:mc="http://schemas.openxmlformats.org/markup-compatibility/2006">
+    <mc:Choice xmlns:p14="http://schemas.microsoft.com/office/powerpoint/2010/main" Requires="p14">
+      <p:transition spd="slow" p14:dur="2000" advTm="39884"/>
+    </mc:Choice>
+    <mc:Fallback>
+      <p:transition spd="slow" advTm="39884"/>
+    </mc:Fallback>
+  </mc:AlternateContent>
   <p:timing>
     <p:tnLst>
       <p:par>
@@ -4093,114 +4114,85 @@
           </a:p>
         </p:txBody>
       </p:sp>
-      <mc:AlternateContent xmlns:mc="http://schemas.openxmlformats.org/markup-compatibility/2006" xmlns:a14="http://schemas.microsoft.com/office/drawing/2010/main">
-        <mc:Choice Requires="a14">
-          <p:sp>
-            <p:nvSpPr>
-              <p:cNvPr id="3" name="Content Placeholder 2"/>
-              <p:cNvSpPr>
-                <a:spLocks noGrp="1"/>
-              </p:cNvSpPr>
-              <p:nvPr>
-                <p:ph idx="1"/>
-              </p:nvPr>
-            </p:nvSpPr>
-            <p:spPr>
-              <a:xfrm>
-                <a:off x="533400" y="1600200"/>
-                <a:ext cx="8229600" cy="4525963"/>
-              </a:xfrm>
-            </p:spPr>
-            <p:txBody>
-              <a:bodyPr/>
-              <a:lstStyle/>
-              <a:p>
-                <a:r>
-                  <a:rPr lang="en-US" dirty="0" smtClean="0"/>
-                  <a:t>Root Mean Squared Error (RMSE)</a:t>
-                </a:r>
-              </a:p>
-              <a:p>
-                <a:pPr lvl="1"/>
-                <a:endParaRPr lang="en-US" dirty="0" smtClean="0"/>
-              </a:p>
-              <a:p>
-                <a:pPr lvl="1"/>
-                <a:endParaRPr lang="en-US" dirty="0"/>
-              </a:p>
-              <a:p>
-                <a:pPr lvl="1"/>
-                <a:endParaRPr lang="en-US" dirty="0" smtClean="0"/>
-              </a:p>
-              <a:p>
-                <a:pPr lvl="5"/>
-                <a:r>
-                  <a:rPr lang="en-US" dirty="0"/>
-                  <a:t>the predicted revenue </a:t>
-                </a:r>
-                <a:endParaRPr lang="en-US" dirty="0" smtClean="0"/>
-              </a:p>
-              <a:p>
-                <a:pPr lvl="5"/>
-                <a:r>
-                  <a:rPr lang="en-US" dirty="0" smtClean="0"/>
-                  <a:t>is </a:t>
-                </a:r>
-                <a:r>
-                  <a:rPr lang="en-US" dirty="0"/>
-                  <a:t>the ground truth.</a:t>
-                </a:r>
-                <a:endParaRPr lang="en-US" dirty="0" smtClean="0"/>
-              </a:p>
-              <a:p>
-                <a:pPr lvl="1"/>
-                <a:r>
-                  <a:rPr lang="en-US" dirty="0" smtClean="0"/>
-                  <a:t>RMSE punish large errors</a:t>
-                </a:r>
-                <a:endParaRPr lang="en-US" dirty="0"/>
-              </a:p>
-            </p:txBody>
-          </p:sp>
-        </mc:Choice>
-        <mc:Fallback xmlns="">
-          <p:sp>
-            <p:nvSpPr>
-              <p:cNvPr id="3" name="Content Placeholder 2"/>
-              <p:cNvSpPr>
-                <a:spLocks noGrp="1" noRot="1" noChangeAspect="1" noMove="1" noResize="1" noEditPoints="1" noAdjustHandles="1" noChangeArrowheads="1" noChangeShapeType="1" noTextEdit="1"/>
-              </p:cNvSpPr>
-              <p:nvPr>
-                <p:ph idx="1"/>
-              </p:nvPr>
-            </p:nvSpPr>
-            <p:spPr>
-              <a:xfrm>
-                <a:off x="533400" y="1600200"/>
-                <a:ext cx="8229600" cy="4525963"/>
-              </a:xfrm>
-              <a:blipFill rotWithShape="1">
-                <a:blip r:embed="rId2"/>
-                <a:stretch>
-                  <a:fillRect/>
-                </a:stretch>
-              </a:blipFill>
-            </p:spPr>
-            <p:txBody>
-              <a:bodyPr/>
-              <a:lstStyle/>
-              <a:p>
-                <a:r>
-                  <a:rPr lang="zh-CN" altLang="en-US">
-                    <a:noFill/>
-                  </a:rPr>
-                  <a:t> </a:t>
-                </a:r>
-              </a:p>
-            </p:txBody>
-          </p:sp>
-        </mc:Fallback>
-      </mc:AlternateContent>
+      <p:sp>
+        <p:nvSpPr>
+          <p:cNvPr id="3" name="Content Placeholder 2"/>
+          <p:cNvSpPr>
+            <a:spLocks noGrp="1"/>
+          </p:cNvSpPr>
+          <p:nvPr>
+            <p:ph idx="1"/>
+          </p:nvPr>
+        </p:nvSpPr>
+        <p:spPr>
+          <a:xfrm>
+            <a:off x="533400" y="1600200"/>
+            <a:ext cx="8229600" cy="4525963"/>
+          </a:xfrm>
+        </p:spPr>
+        <p:txBody>
+          <a:bodyPr/>
+          <a:lstStyle/>
+          <a:p>
+            <a:r>
+              <a:rPr lang="en-US" dirty="0" smtClean="0"/>
+              <a:t>Root Mean Squared Error (RMSE)</a:t>
+            </a:r>
+          </a:p>
+          <a:p>
+            <a:pPr lvl="1"/>
+            <a:endParaRPr lang="en-US" dirty="0" smtClean="0"/>
+          </a:p>
+          <a:p>
+            <a:pPr lvl="1"/>
+            <a:endParaRPr lang="en-US" dirty="0"/>
+          </a:p>
+          <a:p>
+            <a:pPr lvl="1"/>
+            <a:endParaRPr lang="en-US" dirty="0" smtClean="0"/>
+          </a:p>
+          <a:p>
+            <a:pPr lvl="5"/>
+            <a:r>
+              <a:rPr lang="en-US" dirty="0" smtClean="0"/>
+              <a:t>   is  the </a:t>
+            </a:r>
+            <a:r>
+              <a:rPr lang="en-US" dirty="0"/>
+              <a:t>predicted revenue </a:t>
+            </a:r>
+            <a:endParaRPr lang="en-US" dirty="0" smtClean="0"/>
+          </a:p>
+          <a:p>
+            <a:pPr lvl="5"/>
+            <a:r>
+              <a:rPr lang="en-US" dirty="0" smtClean="0"/>
+              <a:t>    is </a:t>
+            </a:r>
+            <a:r>
+              <a:rPr lang="en-US" dirty="0"/>
+              <a:t>the ground truth.</a:t>
+            </a:r>
+            <a:endParaRPr lang="en-US" dirty="0" smtClean="0"/>
+          </a:p>
+          <a:p>
+            <a:pPr lvl="1"/>
+            <a:r>
+              <a:rPr lang="en-US" dirty="0" smtClean="0"/>
+              <a:t>RMSE </a:t>
+            </a:r>
+            <a:r>
+              <a:rPr lang="en-US" dirty="0" smtClean="0"/>
+              <a:t>punishes </a:t>
+            </a:r>
+            <a:r>
+              <a:rPr lang="en-US" dirty="0" smtClean="0"/>
+              <a:t>large errors</a:t>
+            </a:r>
+            <a:endParaRPr lang="en-US" dirty="0"/>
+          </a:p>
+        </p:txBody>
+      </p:sp>
       <p:pic>
         <p:nvPicPr>
           <p:cNvPr id="1026" name="Picture 2"/>
@@ -4210,7 +4202,7 @@
           <p:nvPr/>
         </p:nvPicPr>
         <p:blipFill>
-          <a:blip r:embed="rId3">
+          <a:blip r:embed="rId2">
             <a:extLst>
               <a:ext uri="{28A0092B-C50C-407E-A947-70E740481C1C}">
                 <a14:useLocalDpi xmlns:a14="http://schemas.microsoft.com/office/drawing/2010/main" val="0"/>
@@ -4255,6 +4247,114 @@
           </a:extLst>
         </p:spPr>
       </p:pic>
+      <p:pic>
+        <p:nvPicPr>
+          <p:cNvPr id="4" name="Picture 2"/>
+          <p:cNvPicPr>
+            <a:picLocks noChangeAspect="1" noChangeArrowheads="1"/>
+          </p:cNvPicPr>
+          <p:nvPr/>
+        </p:nvPicPr>
+        <p:blipFill>
+          <a:blip r:embed="rId3">
+            <a:extLst>
+              <a:ext uri="{28A0092B-C50C-407E-A947-70E740481C1C}">
+                <a14:useLocalDpi xmlns:a14="http://schemas.microsoft.com/office/drawing/2010/main" val="0"/>
+              </a:ext>
+            </a:extLst>
+          </a:blip>
+          <a:srcRect/>
+          <a:stretch>
+            <a:fillRect/>
+          </a:stretch>
+        </p:blipFill>
+        <p:spPr bwMode="auto">
+          <a:xfrm>
+            <a:off x="3049517" y="3810000"/>
+            <a:ext cx="238125" cy="219075"/>
+          </a:xfrm>
+          <a:prstGeom prst="rect">
+            <a:avLst/>
+          </a:prstGeom>
+          <a:noFill/>
+          <a:ln>
+            <a:noFill/>
+          </a:ln>
+          <a:extLst>
+            <a:ext uri="{909E8E84-426E-40DD-AFC4-6F175D3DCCD1}">
+              <a14:hiddenFill xmlns:a14="http://schemas.microsoft.com/office/drawing/2010/main">
+                <a:solidFill>
+                  <a:schemeClr val="accent1"/>
+                </a:solidFill>
+              </a14:hiddenFill>
+            </a:ext>
+            <a:ext uri="{91240B29-F687-4F45-9708-019B960494DF}">
+              <a14:hiddenLine xmlns:a14="http://schemas.microsoft.com/office/drawing/2010/main" w="9525">
+                <a:solidFill>
+                  <a:schemeClr val="tx1"/>
+                </a:solidFill>
+                <a:miter lim="800000"/>
+                <a:headEnd/>
+                <a:tailEnd/>
+              </a14:hiddenLine>
+            </a:ext>
+          </a:extLst>
+        </p:spPr>
+      </p:pic>
+      <p:pic>
+        <p:nvPicPr>
+          <p:cNvPr id="1027" name="Picture 3"/>
+          <p:cNvPicPr>
+            <a:picLocks noChangeAspect="1" noChangeArrowheads="1"/>
+          </p:cNvPicPr>
+          <p:nvPr/>
+        </p:nvPicPr>
+        <p:blipFill>
+          <a:blip r:embed="rId4">
+            <a:extLst>
+              <a:ext uri="{28A0092B-C50C-407E-A947-70E740481C1C}">
+                <a14:useLocalDpi xmlns:a14="http://schemas.microsoft.com/office/drawing/2010/main" val="0"/>
+              </a:ext>
+            </a:extLst>
+          </a:blip>
+          <a:srcRect/>
+          <a:stretch>
+            <a:fillRect/>
+          </a:stretch>
+        </p:blipFill>
+        <p:spPr bwMode="auto">
+          <a:xfrm>
+            <a:off x="3049517" y="4124325"/>
+            <a:ext cx="257175" cy="295275"/>
+          </a:xfrm>
+          <a:prstGeom prst="rect">
+            <a:avLst/>
+          </a:prstGeom>
+          <a:noFill/>
+          <a:ln>
+            <a:noFill/>
+          </a:ln>
+          <a:extLst>
+            <a:ext uri="{909E8E84-426E-40DD-AFC4-6F175D3DCCD1}">
+              <a14:hiddenFill xmlns:a14="http://schemas.microsoft.com/office/drawing/2010/main">
+                <a:solidFill>
+                  <a:schemeClr val="accent1"/>
+                </a:solidFill>
+              </a14:hiddenFill>
+            </a:ext>
+            <a:ext uri="{91240B29-F687-4F45-9708-019B960494DF}">
+              <a14:hiddenLine xmlns:a14="http://schemas.microsoft.com/office/drawing/2010/main" w="9525">
+                <a:solidFill>
+                  <a:schemeClr val="tx1"/>
+                </a:solidFill>
+                <a:miter lim="800000"/>
+                <a:headEnd/>
+                <a:tailEnd/>
+              </a14:hiddenLine>
+            </a:ext>
+          </a:extLst>
+        </p:spPr>
+      </p:pic>
     </p:spTree>
     <p:extLst>
       <p:ext uri="{BB962C8B-B14F-4D97-AF65-F5344CB8AC3E}">
@@ -4265,6 +4365,14 @@
   <p:clrMapOvr>
     <a:masterClrMapping/>
   </p:clrMapOvr>
+  <mc:AlternateContent xmlns:mc="http://schemas.openxmlformats.org/markup-compatibility/2006">
+    <mc:Choice xmlns:p14="http://schemas.microsoft.com/office/powerpoint/2010/main" Requires="p14">
+      <p:transition spd="slow" p14:dur="2000" advTm="26732"/>
+    </mc:Choice>
+    <mc:Fallback>
+      <p:transition spd="slow" advTm="26732"/>
+    </mc:Fallback>
+  </mc:AlternateContent>
   <p:timing>
     <p:tnLst>
       <p:par>
@@ -4414,6 +4522,14 @@
   <p:clrMapOvr>
     <a:masterClrMapping/>
   </p:clrMapOvr>
+  <mc:AlternateContent xmlns:mc="http://schemas.openxmlformats.org/markup-compatibility/2006">
+    <mc:Choice xmlns:p14="http://schemas.microsoft.com/office/powerpoint/2010/main" Requires="p14">
+      <p:transition spd="slow" p14:dur="2000" advTm="68874"/>
+    </mc:Choice>
+    <mc:Fallback>
+      <p:transition spd="slow" advTm="68874"/>
+    </mc:Fallback>
+  </mc:AlternateContent>
   <p:timing>
     <p:tnLst>
       <p:par>
@@ -4513,7 +4629,7 @@
           <p:nvPr/>
         </p:nvPicPr>
         <p:blipFill rotWithShape="1">
-          <a:blip r:embed="rId2"/>
+          <a:blip r:embed="rId3"/>
           <a:srcRect t="23003" b="-1"/>
           <a:stretch/>
         </p:blipFill>
@@ -4536,7 +4652,7 @@
           <p:nvPr/>
         </p:nvPicPr>
         <p:blipFill>
-          <a:blip r:embed="rId3">
+          <a:blip r:embed="rId4">
             <a:extLst>
               <a:ext uri="{28A0092B-C50C-407E-A947-70E740481C1C}">
                 <a14:useLocalDpi xmlns:a14="http://schemas.microsoft.com/office/drawing/2010/main" val="0"/>
@@ -4736,6 +4852,9 @@
         </p:txBody>
       </p:sp>
     </p:spTree>
+    <p:custDataLst>
+      <p:tags r:id="rId1"/>
+    </p:custDataLst>
     <p:extLst>
       <p:ext uri="{BB962C8B-B14F-4D97-AF65-F5344CB8AC3E}">
         <p14:creationId xmlns:p14="http://schemas.microsoft.com/office/powerpoint/2010/main" val="65439614"/>
@@ -4745,6 +4864,14 @@
   <p:clrMapOvr>
     <a:masterClrMapping/>
   </p:clrMapOvr>
+  <mc:AlternateContent xmlns:mc="http://schemas.openxmlformats.org/markup-compatibility/2006">
+    <mc:Choice xmlns:p14="http://schemas.microsoft.com/office/powerpoint/2010/main" Requires="p14">
+      <p:transition spd="slow" p14:dur="2000" advTm="77819"/>
+    </mc:Choice>
+    <mc:Fallback>
+      <p:transition spd="slow" advTm="77819"/>
+    </mc:Fallback>
+  </mc:AlternateContent>
   <p:timing>
     <p:tnLst>
       <p:par>
@@ -5077,6 +5204,14 @@
   <p:clrMapOvr>
     <a:masterClrMapping/>
   </p:clrMapOvr>
+  <mc:AlternateContent xmlns:mc="http://schemas.openxmlformats.org/markup-compatibility/2006">
+    <mc:Choice xmlns:p14="http://schemas.microsoft.com/office/powerpoint/2010/main" Requires="p14">
+      <p:transition spd="slow" p14:dur="2000" advTm="48603"/>
+    </mc:Choice>
+    <mc:Fallback>
+      <p:transition spd="slow" advTm="48603"/>
+    </mc:Fallback>
+  </mc:AlternateContent>
   <p:timing>
     <p:tnLst>
       <p:par>
@@ -5208,6 +5343,14 @@
   <p:clrMapOvr>
     <a:masterClrMapping/>
   </p:clrMapOvr>
+  <mc:AlternateContent xmlns:mc="http://schemas.openxmlformats.org/markup-compatibility/2006">
+    <mc:Choice xmlns:p14="http://schemas.microsoft.com/office/powerpoint/2010/main" Requires="p14">
+      <p:transition spd="slow" p14:dur="2000" advTm="48160"/>
+    </mc:Choice>
+    <mc:Fallback>
+      <p:transition spd="slow" advTm="48160"/>
+    </mc:Fallback>
+  </mc:AlternateContent>
   <p:timing>
     <p:tnLst>
       <p:par>
@@ -5303,6 +5446,14 @@
   <p:clrMapOvr>
     <a:masterClrMapping/>
   </p:clrMapOvr>
+  <mc:AlternateContent xmlns:mc="http://schemas.openxmlformats.org/markup-compatibility/2006">
+    <mc:Choice xmlns:p14="http://schemas.microsoft.com/office/powerpoint/2010/main" Requires="p14">
+      <p:transition spd="slow" p14:dur="2000" advTm="181100"/>
+    </mc:Choice>
+    <mc:Fallback>
+      <p:transition spd="slow" advTm="181100"/>
+    </mc:Fallback>
+  </mc:AlternateContent>
   <p:timing>
     <p:tnLst>
       <p:par>
@@ -6428,6 +6579,14 @@
   <p:clrMapOvr>
     <a:masterClrMapping/>
   </p:clrMapOvr>
+  <mc:AlternateContent xmlns:mc="http://schemas.openxmlformats.org/markup-compatibility/2006">
+    <mc:Choice xmlns:p14="http://schemas.microsoft.com/office/powerpoint/2010/main" Requires="p14">
+      <p:transition spd="slow" p14:dur="2000" advTm="23176"/>
+    </mc:Choice>
+    <mc:Fallback>
+      <p:transition spd="slow" advTm="23176"/>
+    </mc:Fallback>
+  </mc:AlternateContent>
   <p:timing>
     <p:tnLst>
       <p:par>
@@ -7174,6 +7333,14 @@
   <p:clrMapOvr>
     <a:masterClrMapping/>
   </p:clrMapOvr>
+  <mc:AlternateContent xmlns:mc="http://schemas.openxmlformats.org/markup-compatibility/2006">
+    <mc:Choice xmlns:p14="http://schemas.microsoft.com/office/powerpoint/2010/main" Requires="p14">
+      <p:transition spd="slow" p14:dur="2000" advTm="67819"/>
+    </mc:Choice>
+    <mc:Fallback>
+      <p:transition spd="slow" advTm="67819"/>
+    </mc:Fallback>
+  </mc:AlternateContent>
   <p:timing>
     <p:tnLst>
       <p:par>
@@ -7221,35 +7388,6 @@
               <a:t>Dataset (Cont.)</a:t>
             </a:r>
             <a:endParaRPr lang="en-US" dirty="0"/>
-          </a:p>
-        </p:txBody>
-      </p:sp>
-      <p:sp>
-        <p:nvSpPr>
-          <p:cNvPr id="3" name="Content Placeholder 2"/>
-          <p:cNvSpPr>
-            <a:spLocks noGrp="1"/>
-          </p:cNvSpPr>
-          <p:nvPr>
-            <p:ph idx="1"/>
-          </p:nvPr>
-        </p:nvSpPr>
-        <p:spPr>
-          <a:xfrm>
-            <a:off x="457200" y="1600200"/>
-            <a:ext cx="8229600" cy="5029200"/>
-          </a:xfrm>
-        </p:spPr>
-        <p:txBody>
-          <a:bodyPr>
-            <a:normAutofit/>
-          </a:bodyPr>
-          <a:lstStyle/>
-          <a:p>
-            <a:pPr marL="457200" lvl="1" indent="0">
-              <a:buNone/>
-            </a:pPr>
-            <a:endParaRPr lang="en-US" dirty="0" smtClean="0"/>
           </a:p>
         </p:txBody>
       </p:sp>
@@ -7702,6 +7840,14 @@
   <p:clrMapOvr>
     <a:masterClrMapping/>
   </p:clrMapOvr>
+  <mc:AlternateContent xmlns:mc="http://schemas.openxmlformats.org/markup-compatibility/2006">
+    <mc:Choice xmlns:p14="http://schemas.microsoft.com/office/powerpoint/2010/main" Requires="p14">
+      <p:transition spd="slow" p14:dur="2000" advTm="22451"/>
+    </mc:Choice>
+    <mc:Fallback>
+      <p:transition spd="slow" advTm="22451"/>
+    </mc:Fallback>
+  </mc:AlternateContent>
   <p:timing>
     <p:tnLst>
       <p:par>
@@ -7956,6 +8102,14 @@
   <p:clrMapOvr>
     <a:masterClrMapping/>
   </p:clrMapOvr>
+  <mc:AlternateContent xmlns:mc="http://schemas.openxmlformats.org/markup-compatibility/2006">
+    <mc:Choice xmlns:p14="http://schemas.microsoft.com/office/powerpoint/2010/main" Requires="p14">
+      <p:transition spd="slow" p14:dur="2000" advTm="22272"/>
+    </mc:Choice>
+    <mc:Fallback>
+      <p:transition spd="slow" advTm="22272"/>
+    </mc:Fallback>
+  </mc:AlternateContent>
   <p:timing>
     <p:tnLst>
       <p:par>
@@ -8042,26 +8196,12 @@
           </a:p>
           <a:p>
             <a:r>
-              <a:rPr lang="en-US" dirty="0"/>
-              <a:t>Categorical </a:t>
-            </a:r>
-            <a:r>
               <a:rPr lang="en-US" dirty="0" smtClean="0"/>
-              <a:t>data</a:t>
-            </a:r>
-          </a:p>
-          <a:p>
-            <a:pPr lvl="1"/>
+              <a:t>Feature </a:t>
+            </a:r>
             <a:r>
               <a:rPr lang="en-US" dirty="0" smtClean="0"/>
-              <a:t>Convert to numerical data, assign distinct values to each distinct string</a:t>
-            </a:r>
-            <a:endParaRPr lang="en-US" dirty="0"/>
-          </a:p>
-          <a:p>
-            <a:r>
-              <a:rPr lang="en-US" dirty="0" smtClean="0"/>
-              <a:t>Feature Scaling</a:t>
+              <a:t>Scaling</a:t>
             </a:r>
           </a:p>
           <a:p>
@@ -8083,6 +8223,14 @@
   <p:clrMapOvr>
     <a:masterClrMapping/>
   </p:clrMapOvr>
+  <mc:AlternateContent xmlns:mc="http://schemas.openxmlformats.org/markup-compatibility/2006">
+    <mc:Choice xmlns:p14="http://schemas.microsoft.com/office/powerpoint/2010/main" Requires="p14">
+      <p:transition spd="slow" p14:dur="2000" advTm="23371"/>
+    </mc:Choice>
+    <mc:Fallback>
+      <p:transition spd="slow" advTm="23371"/>
+    </mc:Fallback>
+  </mc:AlternateContent>
   <p:timing>
     <p:tnLst>
       <p:par>
@@ -8163,90 +8311,203 @@
           </a:p>
         </p:txBody>
       </p:sp>
-      <p:pic>
-        <p:nvPicPr>
-          <p:cNvPr id="3074" name="Picture 2"/>
-          <p:cNvPicPr>
-            <a:picLocks noChangeAspect="1" noChangeArrowheads="1"/>
-          </p:cNvPicPr>
+      <p:grpSp>
+        <p:nvGrpSpPr>
+          <p:cNvPr id="5" name="Group 4"/>
+          <p:cNvGrpSpPr/>
           <p:nvPr/>
-        </p:nvPicPr>
-        <p:blipFill>
-          <a:blip r:embed="rId2">
+        </p:nvGrpSpPr>
+        <p:grpSpPr>
+          <a:xfrm>
+            <a:off x="5862" y="1981200"/>
+            <a:ext cx="4800600" cy="4314538"/>
+            <a:chOff x="5862" y="2331218"/>
+            <a:chExt cx="4800600" cy="4314538"/>
+          </a:xfrm>
+        </p:grpSpPr>
+        <p:pic>
+          <p:nvPicPr>
+            <p:cNvPr id="3074" name="Picture 2"/>
+            <p:cNvPicPr>
+              <a:picLocks noChangeAspect="1" noChangeArrowheads="1"/>
+            </p:cNvPicPr>
+            <p:nvPr/>
+          </p:nvPicPr>
+          <p:blipFill rotWithShape="1">
+            <a:blip r:embed="rId2">
+              <a:extLst>
+                <a:ext uri="{28A0092B-C50C-407E-A947-70E740481C1C}">
+                  <a14:useLocalDpi xmlns:a14="http://schemas.microsoft.com/office/drawing/2010/main" val="0"/>
+                </a:ext>
+              </a:extLst>
+            </a:blip>
+            <a:srcRect t="7548"/>
+            <a:stretch/>
+          </p:blipFill>
+          <p:spPr bwMode="auto">
+            <a:xfrm>
+              <a:off x="5862" y="2331218"/>
+              <a:ext cx="4800600" cy="4088296"/>
+            </a:xfrm>
+            <a:prstGeom prst="rect">
+              <a:avLst/>
+            </a:prstGeom>
+            <a:noFill/>
+            <a:ln>
+              <a:noFill/>
+            </a:ln>
             <a:extLst>
-              <a:ext uri="{28A0092B-C50C-407E-A947-70E740481C1C}">
-                <a14:useLocalDpi xmlns:a14="http://schemas.microsoft.com/office/drawing/2010/main" val="0"/>
+              <a:ext uri="{909E8E84-426E-40DD-AFC4-6F175D3DCCD1}">
+                <a14:hiddenFill xmlns:a14="http://schemas.microsoft.com/office/drawing/2010/main">
+                  <a:solidFill>
+                    <a:schemeClr val="accent1"/>
+                  </a:solidFill>
+                </a14:hiddenFill>
+              </a:ext>
+              <a:ext uri="{91240B29-F687-4F45-9708-019B960494DF}">
+                <a14:hiddenLine xmlns:a14="http://schemas.microsoft.com/office/drawing/2010/main" w="9525">
+                  <a:solidFill>
+                    <a:schemeClr val="tx1"/>
+                  </a:solidFill>
+                  <a:miter lim="800000"/>
+                  <a:headEnd/>
+                  <a:tailEnd/>
+                </a14:hiddenLine>
               </a:ext>
             </a:extLst>
-          </a:blip>
-          <a:srcRect/>
-          <a:stretch>
-            <a:fillRect/>
-          </a:stretch>
-        </p:blipFill>
-        <p:spPr bwMode="auto">
+          </p:spPr>
+        </p:pic>
+        <p:sp>
+          <p:nvSpPr>
+            <p:cNvPr id="4" name="TextBox 3"/>
+            <p:cNvSpPr txBox="1"/>
+            <p:nvPr/>
+          </p:nvSpPr>
+          <p:spPr>
+            <a:xfrm>
+              <a:off x="1263162" y="6276424"/>
+              <a:ext cx="2286000" cy="369332"/>
+            </a:xfrm>
+            <a:prstGeom prst="rect">
+              <a:avLst/>
+            </a:prstGeom>
+            <a:solidFill>
+              <a:schemeClr val="accent6">
+                <a:lumMod val="20000"/>
+                <a:lumOff val="80000"/>
+              </a:schemeClr>
+            </a:solidFill>
+            <a:ln w="28575">
+              <a:solidFill>
+                <a:schemeClr val="accent6">
+                  <a:lumMod val="50000"/>
+                </a:schemeClr>
+              </a:solidFill>
+            </a:ln>
+          </p:spPr>
+          <p:txBody>
+            <a:bodyPr wrap="square" rtlCol="0">
+              <a:spAutoFit/>
+            </a:bodyPr>
+            <a:lstStyle/>
+            <a:p>
+              <a:pPr algn="ctr"/>
+              <a:r>
+                <a:rPr lang="en-US" dirty="0" smtClean="0"/>
+                <a:t>Training Data</a:t>
+              </a:r>
+              <a:endParaRPr lang="en-US" dirty="0"/>
+            </a:p>
+          </p:txBody>
+        </p:sp>
+      </p:grpSp>
+      <p:grpSp>
+        <p:nvGrpSpPr>
+          <p:cNvPr id="6" name="Group 5"/>
+          <p:cNvGrpSpPr/>
+          <p:nvPr/>
+        </p:nvGrpSpPr>
+        <p:grpSpPr>
           <a:xfrm>
-            <a:off x="185321" y="1997456"/>
-            <a:ext cx="4800600" cy="4422058"/>
+            <a:off x="4770455" y="1981200"/>
+            <a:ext cx="4315845" cy="4320791"/>
+            <a:chOff x="4770455" y="2331218"/>
+            <a:chExt cx="4315845" cy="4320791"/>
           </a:xfrm>
-          <a:prstGeom prst="rect">
-            <a:avLst/>
-          </a:prstGeom>
-          <a:noFill/>
-          <a:ln>
-            <a:noFill/>
-          </a:ln>
-          <a:extLst>
-            <a:ext uri="{909E8E84-426E-40DD-AFC4-6F175D3DCCD1}">
-              <a14:hiddenFill xmlns:a14="http://schemas.microsoft.com/office/drawing/2010/main">
-                <a:solidFill>
-                  <a:schemeClr val="accent1"/>
-                </a:solidFill>
-              </a14:hiddenFill>
-            </a:ext>
-            <a:ext uri="{91240B29-F687-4F45-9708-019B960494DF}">
-              <a14:hiddenLine xmlns:a14="http://schemas.microsoft.com/office/drawing/2010/main" w="9525">
-                <a:solidFill>
-                  <a:schemeClr val="tx1"/>
-                </a:solidFill>
-                <a:miter lim="800000"/>
-                <a:headEnd/>
-                <a:tailEnd/>
-              </a14:hiddenLine>
-            </a:ext>
-          </a:extLst>
-        </p:spPr>
-      </p:pic>
-      <p:pic>
-        <p:nvPicPr>
-          <p:cNvPr id="7" name="Content Placeholder 5"/>
-          <p:cNvPicPr>
-            <a:picLocks noChangeAspect="1"/>
-          </p:cNvPicPr>
-          <p:nvPr/>
-        </p:nvPicPr>
-        <p:blipFill>
-          <a:blip r:embed="rId3">
-            <a:extLst>
-              <a:ext uri="{28A0092B-C50C-407E-A947-70E740481C1C}">
-                <a14:useLocalDpi xmlns:a14="http://schemas.microsoft.com/office/drawing/2010/main" val="0"/>
-              </a:ext>
-            </a:extLst>
-          </a:blip>
-          <a:stretch>
-            <a:fillRect/>
-          </a:stretch>
-        </p:blipFill>
-        <p:spPr>
-          <a:xfrm>
-            <a:off x="4724400" y="2194424"/>
-            <a:ext cx="4315845" cy="4028123"/>
-          </a:xfrm>
-          <a:prstGeom prst="rect">
-            <a:avLst/>
-          </a:prstGeom>
-        </p:spPr>
-      </p:pic>
+        </p:grpSpPr>
+        <p:pic>
+          <p:nvPicPr>
+            <p:cNvPr id="7" name="Content Placeholder 5"/>
+            <p:cNvPicPr>
+              <a:picLocks noChangeAspect="1"/>
+            </p:cNvPicPr>
+            <p:nvPr/>
+          </p:nvPicPr>
+          <p:blipFill rotWithShape="1">
+            <a:blip r:embed="rId3">
+              <a:extLst>
+                <a:ext uri="{28A0092B-C50C-407E-A947-70E740481C1C}">
+                  <a14:useLocalDpi xmlns:a14="http://schemas.microsoft.com/office/drawing/2010/main" val="0"/>
+                </a:ext>
+              </a:extLst>
+            </a:blip>
+            <a:srcRect t="3396"/>
+            <a:stretch/>
+          </p:blipFill>
+          <p:spPr>
+            <a:xfrm>
+              <a:off x="4770455" y="2331218"/>
+              <a:ext cx="4315845" cy="3891329"/>
+            </a:xfrm>
+            <a:prstGeom prst="rect">
+              <a:avLst/>
+            </a:prstGeom>
+          </p:spPr>
+        </p:pic>
+        <p:sp>
+          <p:nvSpPr>
+            <p:cNvPr id="8" name="TextBox 7"/>
+            <p:cNvSpPr txBox="1"/>
+            <p:nvPr/>
+          </p:nvSpPr>
+          <p:spPr>
+            <a:xfrm>
+              <a:off x="5785377" y="6282677"/>
+              <a:ext cx="2286000" cy="369332"/>
+            </a:xfrm>
+            <a:prstGeom prst="rect">
+              <a:avLst/>
+            </a:prstGeom>
+            <a:solidFill>
+              <a:schemeClr val="accent6">
+                <a:lumMod val="20000"/>
+                <a:lumOff val="80000"/>
+              </a:schemeClr>
+            </a:solidFill>
+            <a:ln w="28575">
+              <a:solidFill>
+                <a:schemeClr val="accent6">
+                  <a:lumMod val="50000"/>
+                </a:schemeClr>
+              </a:solidFill>
+            </a:ln>
+          </p:spPr>
+          <p:txBody>
+            <a:bodyPr wrap="square" rtlCol="0">
+              <a:spAutoFit/>
+            </a:bodyPr>
+            <a:lstStyle/>
+            <a:p>
+              <a:pPr algn="ctr"/>
+              <a:r>
+                <a:rPr lang="en-US" dirty="0" smtClean="0"/>
+                <a:t>Testing Data</a:t>
+              </a:r>
+              <a:endParaRPr lang="en-US" dirty="0"/>
+            </a:p>
+          </p:txBody>
+        </p:sp>
+      </p:grpSp>
     </p:spTree>
     <p:extLst>
       <p:ext uri="{BB962C8B-B14F-4D97-AF65-F5344CB8AC3E}">
@@ -8257,6 +8518,14 @@
   <p:clrMapOvr>
     <a:masterClrMapping/>
   </p:clrMapOvr>
+  <mc:AlternateContent xmlns:mc="http://schemas.openxmlformats.org/markup-compatibility/2006">
+    <mc:Choice xmlns:p14="http://schemas.microsoft.com/office/powerpoint/2010/main" Requires="p14">
+      <p:transition spd="slow" p14:dur="2000" advTm="67397"/>
+    </mc:Choice>
+    <mc:Fallback>
+      <p:transition spd="slow" advTm="67397"/>
+    </mc:Fallback>
+  </mc:AlternateContent>
   <p:timing>
     <p:tnLst>
       <p:par>
@@ -8268,236 +8537,6 @@
 </file>
 
 <file path=ppt/slides/slide8.xml><?xml version="1.0" encoding="utf-8"?>
-<p:sld xmlns:a="http://schemas.openxmlformats.org/drawingml/2006/main" xmlns:r="http://schemas.openxmlformats.org/officeDocument/2006/relationships" xmlns:p="http://schemas.openxmlformats.org/presentationml/2006/main">
-  <p:cSld>
-    <p:spTree>
-      <p:nvGrpSpPr>
-        <p:cNvPr id="1" name=""/>
-        <p:cNvGrpSpPr/>
-        <p:nvPr/>
-      </p:nvGrpSpPr>
-      <p:grpSpPr>
-        <a:xfrm>
-          <a:off x="0" y="0"/>
-          <a:ext cx="0" cy="0"/>
-          <a:chOff x="0" y="0"/>
-          <a:chExt cx="0" cy="0"/>
-        </a:xfrm>
-      </p:grpSpPr>
-      <p:sp>
-        <p:nvSpPr>
-          <p:cNvPr id="2" name="Title 1"/>
-          <p:cNvSpPr>
-            <a:spLocks noGrp="1"/>
-          </p:cNvSpPr>
-          <p:nvPr>
-            <p:ph type="title"/>
-          </p:nvPr>
-        </p:nvSpPr>
-        <p:spPr/>
-        <p:txBody>
-          <a:bodyPr/>
-          <a:lstStyle/>
-          <a:p>
-            <a:r>
-              <a:rPr kumimoji="1" lang="en-US" altLang="zh-CN" dirty="0"/>
-              <a:t>Exploring the Data</a:t>
-            </a:r>
-            <a:endParaRPr lang="en-US" dirty="0"/>
-          </a:p>
-        </p:txBody>
-      </p:sp>
-      <p:sp>
-        <p:nvSpPr>
-          <p:cNvPr id="4" name="AutoShape 2" descr="data:image/png;base64,iVBORw0KGgoAAAANSUhEUgAAAhwAAAH4CAYAAAABwzR1AAAABHNCSVQICAgIfAhkiAAAAAlwSFlzAAALEgAACxIB0t1+/AAAIABJREFUeJzs3Xl4FeX5xvFvEkFCWMUdFZXAA4qIC4qAuNaK1Wr9YV26oFVr1WpdWnfrUm2tdavWre61i4p1qftuBRTFFVF4IKhorSsqS0jYkt8fM7HHmJx3Es8yJ9yf68rVJPPwzjsnsefJOzP3lDU2NiIiIiKST+XFnoCIiIh0fGo4REREJO/UcIiIiEjeqeEQERGRvFPDISIiInmnhkNERETyTg2HFISZVZjZCWY21cxeMbM3zOwCM+ucx33uaGavJ6j7tZl9N/78HDP7UY72f7CZ3ZeLsQrJzHYzs7lm9ryZdWnnGNeZ2Za5nlsb57CRmd35Df59TzN7MmHt/WY2PlfjtZWZDTezq/MxtkiuqOGQQrka2BbY2d23AIYDBlxf1FlFdgY6Abj7We5+a5HnU2wHAH92923dvb6dY+wKlOVwTu3Rj+h3rL16E/2eJtEYf+RqvLbaFFgvT2OL5MQqxZ6AdHxmthFwELC2uy8CcPfFZvYzYLu4pidwJbA50f9xPwSc5u4rzGwJcE+87QfAsxlfHwTUAZcBfYAK4HJ3v6nZHAbG41cB6wKvAvsDhwFbARea2QpgH+B1d7/YzLYHLgS6AkuBM9z9ETM7GPgesAIYEG/7sbu/0cLhr2NmD8X7nAsc7u4fxcf7R2AIUbPzBPAr4CJgkbufaWZrA/8FdnH3p8zsB8B33X1/MzsUOJLoj4Z5wM/d3eMVo98DY+LX4hXgWHdfaGbvADcBuwAbALe7+8nNXqdfAXsDdWbWw91PNrPTgX3jfb0DHOXuH5jZiHhfqwLrAI+5+2Fmdn58vH+N/+q/ELjC3f8Z7+Pp+Gd0V7Ofbas/SzPrFs+9GmgAXgKOcPdGM3sAuNrd7884jgqiZnZdM3vI3cea2Ujggvh3oAE4290fiF/nv8T7BHjA3X8d76/SzF4Gtnb3hozx1wVuiY97LrBmxrafAD8FOgOrARe4+zXNxwMObqkuy3xo6ecOLAbOBXqY2Q3ufigiKaQVDimELYE3mpqNJu7+kbvfE395OfCJu29G9H/GmwO/jLd1Av7l7oPc/aXMr4FpwJ3AKe6+NbAj8Esz27bZHA4DbnL3kURvWhsBe7j7lcCLwK/iuTQCjWbWB5hA9Ga9OTCe6A10w3i8MURv8psBk4mahZYMBI6Ox3idqMkAuBR4MZ7zlsAawAnAXcDucc3uwIdEqwUQNQITzGwH4MfA9u6+JfCH+N8BnAIsc/et3H0Y8AHRmyzxsVW5+xhgJHCMmfXLnKy7/wH4F3BJ3Gz8mKgp2iZemXqI/61KHQuc6e4jiP7C/q6ZbeHupxM1Sj9w9xf4+l//mZ8n/Vl+D+iWsToG0c8Qd/9OZrMRf28FcCgwJ242egM3Aj90963i1/JqM1sfODyu2wrYHhhgZt2JGoI6d98ys9mIXQk86+5D4tdhEICZVRH9ro2NfzYHEDVcZI5H1MS2VtfSfHq09nN39/eAM4GJajYkzbTCIYWwgnBzuzvRmyDuvtTMrgGOI/oLGmBis/qmrwcCGwM3mn25et4FGAbMzKg/Gdgt/gveiP4C79bKXMqITv/UuPvUeE5vmtlkojfBRuAld/9vXP8y0QpASx5z97fiz28EXog/3xMYHv/FClBJ9Ff3RcB6ZrZG/JqcBxxsZmcTNTkHA2cTNU3PZhxz7/hNdU+gp5l9K/5+Z+CjjPncGx/Pf83sY6K/rOe2Mvcv5wm8GO+rIp4rRE3Yd8zsVGAw0Ztoa69pNkl+lo8A55vZU8BjwGUZr2trMk/pbEe0GnFvxtgNwGZETdSDZrYB8DhRw7MwbjpbswtRg4i7z2m6NsPda81sT2AvM6uO517VfD7uvihLXUvzWWBm36H1n3uxT1+JBKnhkEKYCgw2s26Zqxxm1he4FhhH1JBk/p9mBV/9/fzK6kjG1xXAF/Ffvk3jrgnMJz5dE7strr0deABYn+z/J93StqY5LSNa+g/VQ/SmllmzLP68HBjn7h7PuSfQGJ8iuI/ojX5b4EfAqcB+RH9RLzazcuBWdz8l/rdlwLru/nm87Vh3fyTeVkX0pt0kc96NWebdpJxoqf/aeLzORNciAEwiOmXzMHAHsE0r4zXy1Yaz+YXCwZ+luy+J35h3JLrm5nEzO6bpNE0CFcCMeDWmaex1iFbVlsen/XaNx37BzPYhWh1qTfNjWh6PuR7wHHANUSN1J9HP8iuy1bn7i63MJ9vPPeHLIFI8OqUieefu7wN/I/rLtTuAmfUArgI+jS9MfAQ4Ot62KtG57ceSDA/Ux9c3EP9VOJ3oNEWm3YBz3X1C/PW2RG9CEL1ZNL0JlhG9mUyJhrPh8bibEi1vP03b/prcKV62h+jc+4Px548Q/4UcH+99xMcP3A2cBExz92XAk8DviN6UAB4FDozP9TeN+0TGuMeYWae4+bge+G0b5tuk6RgfAQ5v+rkBvwFuNbNeRNe+nBKfilqP6K/vll7TT4hOk2Fm/YGhreyztZ/lVvH1Pje5+6PxG+4jRKdxsllOfDEw0c9zQHxdDma2BTCb6BqPC4hODd1LtKr2BtG1Ocszjqe5h4l+R5vmuVP8/a2Aj939fHd/DNgrrilrNt7WrdSVZ5lPtp975rGKpJIaDimUo4A3iZaDXyF6A5hOdB4bovPga1p0G+s0YAZwfryt+dX/X37t7kuJzscfZmavEb0RnOHuzzWrPQ2428ymEt0x8zTRGyREb/YXxdcrNMbjziNaVbjCzKYRNUwHu3sNLV+T0NIdCo3xsdwYH9d6xE1GfLxV8fdfiz+azuE/SXTKp6nheoToosT74rk9SnSq6bH4mA8gusYBoobgHaKVhzfiOZzYwtxCmo7neuB+YIqZTSe6nmO8u39B1AS9HL+mpxCteDS9pvcAt5vZrkSnhXaLj/UC4N8t7Cfbz/JZoosoK8zszXh/3YmvhzGzB+LTE81NB1aY2RR3/wT4P+APZvYq0QWfP3T3d4mupxkWz28q8BbwD6LrUF6O99m72dhHA5uY2Zvxa/RK/P1Hgf+YmccXh64PfBy/Ll+OR3RqraW6/q3NJ/BzfxYYZGZJV3xECq5Mj6cXERGRfNMKh4iIiOSdGg4RERHJOzUcIiIikndqOERERCTv1HCIiIhI3qnhEBERkbxTwyEiIiJ5p4ZDRERE8k4Nh4iIiOSdGg4RERHJOzUcIiIikndqOERERCTv1HCIiIhI3qnhEBERkbxTwyEiIiJ5p4ZDRERE8k4Nh4iIiOSdGg4RERHJOzUcIiIikndqOERERCTv1HCIiIhI3qnhEBERkbxTwyEiIiJ5p4ZDRERE8m6VYk+giBqLPQERESlpZcWeQCnRCoeIiIjknRoOERERyTs1HCIiIpJ3ajhEREQk79RwiIiISN6p4RAREZG8U8MhIiIieaeGQ0RERPJuZQ7+YnrNB1m3D6lep0AzERER6djKGhvTG7hpZpsCvwe6At2AB4F7gL3c/Tdm9j1girtn7xxalt4DFxGRUqCk0TZI7QqHmfUC/gF8z93nmFk5MAH4wN1/E5cdC7wJtKfh0AqHiIhIgaR2hcPMxgPD3P34jO9VASOBnwC3An8DZgHXAwPc/SQzqwBeAbZ296VZdtGohkNERL4BrXC0QWpXOIB1gLczv+HutWa2LP78QTN7FTgC+C/wspmdAuwOPBloNkRERFLvgU6Wk1WB7yzzojdHab5LZS6wfuY3zGwjYAzNrr9w90XAv4FvAwcTrXiIiIhISqR5heN+4DQzu9rd3zKzTsDFwGPA4LimAaiIP78OOAVYzd2nF3y2IiIiOVbWKf8LE/E1klcBQ4ElwGHuPidj+w+AE4AVwI3ufk179pPaFQ53XwiMB64zs6eA54BXgRn8b4XjWeAvZtbL3V8A+hNd1yEiIlLyylcpy8lHwD5AZ3cfSfSH+8XNtv8B2AUYBZxoZj3bcyxpXuHA3V8mOsjmno63nwmcCV92aLVEd7aIiIhIMqOAhwHc/Xkz27rZ9mlAL6KzCmW0M1Yi1Q1HUvG1HXcRLfUsKvZ8REREcqGsU0FORPQAFmR8vcLMyt29If76DeAloj/q/+nuC5oPkESHaDjc/W1gi7b+uwoagjVTx2wXrBn+zHNt3bWIiEhQgtMhubAA6J6526Zmw8yGAnsA/YDFwF/NbJy739nWnQQbjpbSPt39bDPbHPhuWxM/zWxj4EKgbzz5OuAkd3+zrZP/pgZX9w3WqJkQEZEObjKwFzDBzEYQnUJpMp/ofXqJuzeY2cdEp1faLGvD0Vrap5kd4e7XAq/FpYkSP82sK3Av0RWwz8ffGw5cCezUngP4JmbUvJ91++DqvlrhEBGRoinEXSrA3cC3zGxy/PUhZnYg0M3drzOza4FJZrYUqAFubs9OsiaNZkn7XEp0kckRtCHx08z2B7Zz9+Na2d/NwGrxx55EF4SOijf/3d0vj2v+4e6PmNnuwP7ufoiZvQVMIbpTZTpRU5PtwpZGNRwiIvIN5L0beHLDoTkJ/tr5nWmpD/5qMe3T3ZdlfP0g0e2qPyJaDdknXglpKfFzQyDz3t57zOwpM5tpZn2Jrnx9wt1HA6OBDd19RPz5QWY2JK5p6QfQFzjD3bclOvWzT/DoRUREpCBCDUeLaZ9mtj0tvOknSPx8D9goo34fd98J+Jz/nd7x+H8HARPjuuVEqxebNBsvs2N7193fij9/FrDAsYmIiKRaWaeynHykQajhuB/YPb7Qkzjt8xJg02Z1zRM/DwfWaCHx815gVzPbtukbZlYNrMf/Gpim/51BtLLRtN+RwGygHlg3rtkyY+y+ZrZW/PkootMqIiIiJatAwV8FkbXhaCXt85WMWNM2JX66ey3RlbDHmdnTZjYJuAE4zt3fzRzT3R8A3jazZ+P9TnD3V4hWTY43s8eIGo+mOSwB/mRmU4D33f3+tr4YIiIiaVJWUZaTjzTI+ePp4+s3JgG7FTKEy8w+cPe2PE9eF42KiMg3kfd38meGbJGTN+kx018peteR0+CvIid+5rZzEhERKbLylKxO5EJOG472Jn7maN/rhqu+qmvjwmDNmjfclGisd2fPCNZsMGBwsEZERKRJWbkajpwzs4uArYC1iVJN3wI+dvf987XPfgMG5aQG1EyIiIhkk5qGw91/CV+GjZm7n5bvfc6dPTPr9n4DBgVrmuq0wiEiIrlWVlGQh7cVRGoajmbKzKwHUVJptbs3mtnvgReBo4lumR1EdMHO/u7+kZn9jug22grgkvY8WEZERCRNOtI1HKltneLH304kygGpIEouvYfo4tDJcWDY7cBpccT5hu6+PbAzcLqZ9SzS1EVERKSZtK5wNLmO6MFw5cBj7r7MzACejLc/B+wN/AfYKs4Kgei4+vHVJ96JiIiUlI500WhqVzgA3H0yUYjYoUQBYU22jv+3KVF0JvBUvOqxCzCB6KJTERGRklVeUZaTjzRIa8ORmanxN2Atd8+8KvNgM3saGAuc7+73AYvM7Bmi6zwaipADIiIiIq1I3SkVd7+l2bdWITq1kukUd5/V7N+dmNeJiYiIFFhaYslzIXUNRyYzu5kol2OvfIy/pLwyWLOAXonGWlSW7BrV6TUfBGuGVLcloV1ERDqqsvK0nohou5w/S6WErLQHLiIiOZH35YeXdhqVk/eqrZ6aXPSlklSvcLTGzHYE7gDeIGocKoG/ufuf4u2XAjPd/dps48yaMzfrfgb278frsz8MzmezAWvzZs1/g3WbVK+rFQ4REUmsI92lUpINB1GT8bi7HwRgZp0BN7PbgFuBAUThYCIiIiUrLXeY5EKpNhxlfHUpqwewAlgLOIvo7pWO81MSEREpcaXacADsHAd9NQDLgJ+7+xsAZja2qDMTERHJAZ1SSYcn3f3AYk9CREQkXzrSXSod50hEREQktUp1haOR8G2tuu1VRERKmk6pFJm7/xv4d5bt5xRwOiIiInmhu1Q6iKrl84M1tcvDaaQAtSuS1SU1/5LjgjU9T7gsp/sUERHJFyWNioiItE/elx/e/N4uOXmv2uTuJ4q+VFJyKxytpYwCk4DLifI4lgA/dvePs431vk/Luq++NpQpM8KrICMG92Sqfx6sG269EyeNaoVDREQ60l0qJddw0HLK6CzgUGC8u08zs58CJwN6gqyIiJQsXTRaXC2ljC4H9nT39+PvdQLqCj0xERERaVkpNhzQcsro+wBmNhI4Gti+iPMTERH5xrTCUXwtpoya2f7AacAe7j6v8NMSERHJHTUcKWRmPwR+CuzonuAKThERESmYUmw4vpYyamYVwB+BucBdZgbwb3c/u+CzExERyRHdpVJELaWMuvsKoE9xZiQiIpIfShrtIJaXdw7W9Oy0KMFIPelekaSuNw2NybrVVfv3T1S3+Om/Z93edceDEo0jIiKSTyWXNJol+OtJ4M9x2WzgsHjlozWldeAiIpI2eV9+eOvgPXPyXrXxzfcXfamkFFc4Wgv+2hk4xd0nmdlNwF7APdkGmjt7ZtYd9RswiBk172etARhc3ZeZNe8F6wZVr8+02R8F64YOWIv6e68I1nXZ+xitcIiIdGC6hqO4Wgv+Gu/uC+MGZG3gi2JMTkREpJSYWTlwFTCU6NEgh7n7nIztw4GLid57PwR+6O5L2rqfUmw4oOXgr4Vm1g94jKjZyP6gFBERkZQrUA7HPkBndx9pZtsSNRf7AJhZGdHlCv/n7m+Z2aFAP6IzC21Sqg1Hi8Ff7j4XGBi/IJcABxd6YiIiIrlSoIZjFPAwgLs/b2ZbZ2wbCMwDTjCzIcAD7t7mZgOgw5wcMrN7zaw6/nIR0VNjRUREJLsewIKMr1fEp1kAVgdGAlcAuwK7mNlO7dlJKa5wfC34K3YBcLOZLQVqgcMKOisREZEcK9BFowuA7hlfl7t7Q/z5PKDG3R3AzB4GtgaeautOSq7haCn4K/7+c8Dows9IREQkPwp0SmUy0Z2dE8xsBF+9BvItoJuZ9Y8vJN0euL49Oym5hkNERERy6m7gW2Y2Of76EDM7EOjm7tfF10X+Pb6AdLK7P9SenazUDUd9WdeC77O8rCFcBDTMT3ZXb/miBcGa2okTgjVV2++XaH8iIlI4hTil4u6NwJHNvj0rY/tTwLbfdD8dJmnU3f8Ubz+I6DbZkYGhSuvARUQkbfJ+vuM/x3w/J+9V611xh5JG26GlpFE3s78A/YGfJB3Ia97Nut2qN8h50uj0mg+CdUOq12HxX34TrOv64zOpv/+arDVd9vyZVjhERKToSvG22NaSRnsB5wPHUYCuU0REJN/Kysty8pEGpbjCAV9PGv0FcDlwAlBfzImJiIjkip6lUnxfSRqNc96rgauBLsAmZnaJu59QrAmKiIjI/5Rqw/EV7j4VGAIQP0/lNjUbIiJS6tJyOiQXSrHhaC1ptElZYLuIiEhJ0CmVImotaTRj+ztEue8iIiIlrSOtcHSc1klERERSq+RWOHKpgYpgTSW1icbqQl2iuvKEZ3vKe/dJVLds9b5Zt3cBGlatSjRW7fVnBmuqDgvng4iISG50pBWODpM0SvTwmfv5Xxzr1e5+R5ahSuvARUQkbfLeDXx8+sE5ea9a8/ybi965lOIKR0tJo7OAVYGL3f2SpAOFUkQHV/flnZpZWWsANqwemLjuzZr/Bus2qV6X+vuuCtZ12esoFk65L2tN9xF7sfCFB4Njdd9mD61wiIhI3pRiw9Fa0uimQD8z2xuYDRzn7ouKMD8REZGcKCsr+sJEzpRiwwFfTxr9ObA28Jq7v2JmpwFnAb8q4hxFRES+Ed0WW3xfSRoFMLOe7j4//vIeoqhzERERSYGO0zrBI3HEOcAuwIvFnIyIiMg3pYe3FVdrSaNHAleY2TLgA+CnBZ2ViIhIrumUSvG0ljTq7q8Aows/IxEREQkpuYYjl1avfy9Q0ZfPG1YLjrMhMG/F6onqVilblmBm0LhKp0R1nT4L32bb6cO3E41VVj04Ud2n058L1qw+ZLtEY4mISOvScjokF0ou+CuHVtoDFxGRnMh7N/D5+Ufm5L2q9+lXF71zKbkVjixJo3cA1wG9gArgx+7+VraxPpk+Jeu+1hgygldmfRqc0xYDV+cl/yxYt5Wtxqw5c4N1A/v3o+6h64J1lWMPp/7Ba7PWdNnjCOr/dWVwrC7fPZrFT/89WNd1x4O0wiEiIm1Wcg0HrSeN7gLc6u53xk3JICBrwyEiIpJqHeiUSik2HK0ljW4OPGNmjwHvAL8o/NRERERypyMFf5XqkexsZk+Z2RPArcAxwHrAZ+7+LeBd4ORiTlBERET+pxRXOKDlpNF5wL/iL+8Dzi/4rERERHKoI92lUqorHC2ZBHwn/nwHYHoR5yIiIvLNlZXn5iMFSnGFo7Wk0ROB683sSOAL4KCCzkpERERaVXINR5ak0XeB3Qo/IxERkfzoSKdUSq7hyKVFXfpk3b4G0KV8SaKxulbUJapb2tg5Ud2ymW8GayrHwrK35mSt6QI0LqlPtM+y98MZIQDd3nktXDRkO+rvuixY1mXf4xLtU0RkpdSB7lJR0qiIiEj75H35YcFlJ+TkvarHcZcUfamk5FY4siSNjgLWjss2Ap5tCgdrzds1s7Pua6PqAcyoeT84p8HVfRPXTa/5IFg3pHodFlx6fLCux/GXsvBPJ2Wt6f7zC6mbcHFwrMr9TqTub78L1/3gVOrvvyZY12XPn2mFQ0TkGyorK3qfkDMl13DQctKoA5u7+wIz6wU8BYTfsUVERNKsA51SKcWGo6Wk0RVEaaMA5wKXu/tHhZ6YiIhILumi0eLb2cyeAhqAZcDP3X2xma0J7IxizUVERFKlVBuOryWNxsYBf3N3XRAqIiKlLyWhXbnQcY4ksgvwULEnISIikhPlZbn5SIFSbDhaSxoFMPRIehERkdQpuVMqrSWNxtuGFHg6IiIieVNWgFMqZlYOXAUMBZYAh7n711IlzezPwDx3P7U9+ym5hiOXVpSFD3+VsmWJxupcljCRtKw2UV2n9dZLVFe++fBgTVlVt0RjlVVWJqqjsSFZWbceierq7vhD1u2V3/9VonFERDqcwpwO2Qfo7O4jzWxb4OL4e18ysyOAIcDT7d1JySWNZgn+mgRcQ3TXyiyiDi3bwZXWgYuISNrkvRuove6MnLxXVR1+XqtzNbOLgefd/Y746/+4+3oZ20cChwLPAINWphWOloK/ZgH7Ame7+8Nm9leiR9Xfn22gmjlvZ91Rdf+NmD3nneCEBvTfkDlzwpeO9O+/MW/NqQnWbdy/OnE6aO3ECVlrqrbfj/oHrw2O1WWPIxIng9bfd1W4bq+jqHv0xmBd5W4/0QqHiEgrygoT/NUDWJDx9QozK3f3BjNbB/g18D1g/2+yk1JsOFoK/loOPAn0MbMyoDuwtAhzExERyZ3CRJsvIHrfbFLu7k3nzscBqwMPEj0+pKuZzXD3v7R1J6XYcEALwV9Ab+BPwBnAF7RyYamIiIh8xWRgL2CCmY0ApjVtcPcrgCsAzGw80SmVNjcbULoNx9eCv8zsY2C0u88ws6OILnr5eVFmJyIikguFOaVyN/AtM5scf32ImR0IdHP365rVtvuaklJtOFoyD1gYf/4BMLKIcxEREfnmCnBKJb7B4shm357VQt0t32Q/pdhwtBb8dRhwm5ktJ7qP+PCCzkpERERaVXINR2vBX+4+GRhd+BmJiIjkR4HuUimIkms4REREVhod6OFtK3XDsaKxIlhTlvD6mDKSpW8ua+ycqK5h4YJwEVBeH04ubVwwP6f7bKxdlKiubHmylNaG+eH5fX7B0cGa3qdcmWh/IiJSeB0pafRZoqTReuBV4BdKGhURkTzK+xWddX//XU7eqyoPOrXoj4wtxRWO1pJGlwE/cvcpZvYb4CCiRqRVXvNu1h1Z9QbBNFKIEkmTJoiG9tm039obzwrWVf3kHOoeuzlrTeW3DqbutguDY1UecBKLbzk3WNd1/K8Tj5c04bT2ujOy1lQdfp5WOERkpVSIh7cVSikeSWtJoz3dfUr8vWfRBaQiIiKpUYorHPD1pNFjgDPMbIy7P0OUmFZVzAmKiIh8Y4V5WmxBlGrD0VLS6Bzgj2b2a2Ai0bUcIiIipUunVFLpO8AP3H1XoA/waJHnIyIiIrFSXOFoLWl0NvCEmS0mWgF5uLDTEhERybHCPC22IEqu4ciSNHo/cH/hZyQiIpInHShptOMciYiIiKRWya1w5FJjgsyWxEmjCQPUGginmwKwYkWyuiRpno3JUlAbly7N3T6Bxhxe7FTeuVOiuk/OOCRYs8Z5N33T6YiIFEYHumg0tUmjrSWKuvuf4u2XAjPd/dr468OBnxJlcpzn7g8EdpHOAxcRkVKR9wss6u+5PCfvVV32ObboF4OkeYWjpURRN7PbgFuBAcCMeNvaRFkcWxE1JpPM7DF3z/on+8ya97JOYFD1+syZ81Zwov37b8zbNbODdRtVD2BGzfvBusHVfYPpmxAlcNY9dF3Wmsqxh1P3jwuCY1UeeEryff71/PB4Pzw9OLem+SVJGp1/yXHBsXqecJlWOESkY+lAKxxpPpKWEkVXAGsBZxE1HU3btwEmu/syd18A1ABDCzhXERERySLNKxzw9UTRn7v7GwBmNjajrjuQ+cjRhUDPgs1SREQkH3RbbMF8LVG0FQuImo4m3YHP8zMlERGRAulAt8WmveFIaipwvpmtCnQBBgPTizslERERaZLm1qm1RNHmNbj7h8DlRM9QeQI4LXTBqIiISOqVleXmIwVSu8LRWqJoxvZzmn19PXB9vuclIiJSMLpLRURERCS51AZ/FcBKe+AiIpIT+Q/+evj63AR/7X5Y0c+rpPaUSpN2JI5WALcD17n7I9nGrpnzdtZ9V/ffKFjTVPfWnJpg3cb9q3l11ifBumED16D+rsuCdV32PY66R2/MWlO520+onTghOFbV9vtR/68rw/v87tHUPX5LsK5y1/HMmzYpWNdn6OiglkONAAAgAElEQVRE4WUfzHw1ONY6g4ZRO+nOYF3V6HHB1w2i105EpKhScv1FLqS+4aBtiaP9gb8AfYE/F2e6IiIi0lwpNByhxNGxGdurgEOBkynAUpeIiEhedaCLRkuh4YCEiaPuPi3+XlEmKSIiklM6pVJwSRNHRUREJIVKpeEQERFZ+SjavKASJ44m+J6IiEjJaNQplcJpa+Jo/L1D8jopERERaZPUNxz5VN/YJVhT0bg80VjljQ2J6rpXLExQtQaNS+oTjdfQtUewpuKLcPYHACtWJCorq6tNVNf14zkJqkbDF/OCVav+85rwUKdfw+JHHwyWVY0eR93UF4J1lbv9hHmvTw7W9dlsVHhuIiLt0YHuUlHSqIiISPvk/XxH3dP/yMl7VeWOBxb93ExqVzjakTB6PLB//M8fdPdzQ/uYXvNB1u1Dqtfh7ZrZwbluVD2Ad2pmBes2rB7InDlvBev699+Yun9cEKyrPPCUYLJm1ehx1N93VXCsLnsdRf3dl4frvnds4vGSJpKGjrXywFP47PyfBcda7fRr+OTX4XTQNc69MfF4WuEQEcmN1DYctC1hdGPgIGAbd280s0lmdre7v16kuYuIiHxjumi0MNqSMPou8G13b1p66gTUFWieIiIi+dGBruFIc8MByRNGlwOfmVkZ8AfgZXcPP01NRERkJWdm5cBVwFBgCXCYu8/J2H4g8AtgOfA6cFTGH/iJpb3hSJwwamZdgBuB+cBReZ2ViIhIIRTmlMo+QGd3H2lm2wIXx9/DzCqB3wBD3L3ezP4O7Anc19adpL3hSCRe2bgXeMLdLyz2fERERHKiMEmjo4CHAdz9eTPbOmNbPbCduzdlNaxCOy9ZSHPD0ZaE0X2AMUCnjFMtp7r7lHxNTkREJN8KdNFoD2BBxtcrzKzc3RviUyefAJjZMUCVuz/enp2ktuFoS8Kou99NdNusiIiItM0CoHvG1+Xu/mWaZXyNx4VANfB/7d1JahuOtMh1d7mCimSFFcnqyhoSpIMuT5aW2li/OFldwhRUyhP+ejWErz3q3Ltnsl126pSobnltshXBLgs+SlT3+QVHZ93e+5QrE40jIvIVhblLZTKwFzDBzEYA05ptv5bo1Mr32nOxaJPUJo22I/jraGB8XHuRu08I7CKdBy4iIqUi7+c7Fk35V07eq7qN+G6rc42vg2y6SwXgEGAroBvwYvzxTMY/+aO739PWOaR5haMtwV+rAz8DhhE1Jm8CoYYjUdLoW3PCd9du3L86cdLorDlzg3UD+/ej7o4/BOsqv/8rFj9ze9aarmP2T5wgmjTdtO7OS8J1406g7sm/het2/gF1f/td9pofnMqiq04OjtXtqN8z7zdHBOv6nHktH582Pli35m9voXbyXcG6qlH7aoVDREpWvGpxZLNvZ76pJVyazy7NiSKh4K9bm7a7+6fA5u6+AliHaOlHRESktJWV5eYjBdK8wgEJg78A3L3BzH4OnA38sdATFRERybVGJY0WTOLgLwB3/5OZXQs8ZGYT3f3p/E1NREREkuoQrZNF/hl/uZwomjXB7RsiIiIp1oFOqaS54Ugc/OXuDrxmZs8R3d7znLtPzPP8RERE8qusPDcfKZDaUyptCf6Kvz4XODff8xIREZG2S23DISIisrIrULR5QazUDUfPhs8CFeuwnGTJlUvokqjulY/WD9YM7A8N626UaLzlXXuFa9baINFYy6o3D9ZUAnUDtk5W1yd8rJXAio03CdYt2mn/YE03oNPYfYN1AF32PShRHUmSXIHle/4oWPP5q08Fa3oP2ynR/kRkJZGS0yG50GGSRuPvlQMPAPdkfr8V6TxwEREpFXlffljw8mM5ea/qseW3ir5UkuYVjsRJoxnOA3qRsJl4b9YbWbevP3DTxMmgXvNusM6qN+D2ZxuCdfuPLKd20p3BuqrR41jw4iNZa3ps/W0WPRtOoO02ch8WTH0oWNdj+Fg+e+2ZYN1qm49JXLfouXuzz227vflwxsvBsdYevGXw9YDoNUlaVzsxGFhL1fb78cn07A8mXmPICK1wiEibNea/pymYNDccoaTRsZnbzWxcvP1hCtB1ioiI5JuCvwonUdKomQ0BDgTGETUjIiIikiJpbziSJo3+COgLPAlsCCw1s7fd/dF8Tk5ERCSvtMKRLu7+5aNEzews4AM1GyIiUuo60m2xaW6dEieNioiISLqldoWjrUmjoe+LiIiUGl00KiIiIvnXgU6prNQNR6cVS3I2VtJ7peuXJqtbliBBFKChIvwjbFylc6KxVnRKlpbaUJEsfZWEoXLLV60K1ixZpWuisZat2i3ZPjtVJqprTHisdav2DO9zlWT7/Px3RwVrep96VaKxRETSosMkjZrZH4FRwMK4fh93X5BlF+k8cBERKRV5X36YN/3ZnLxX9RkysuhLJWle4Whr0uiWwG7uHnpAypdC6ZVrD94ycdLozJr3gnWDqtfnlqfDvzvjdyzji5cfD9b12nJXvnjliew1W+zCwhceDI7VfZs9Eidhfjr9uWDd6kO247NXW70E50urDdsheKy9ttyVubNnBsfqN2AQ816fHKzrs9mo5CmoCVNa353dPPT2qzYYMDiYRgpxIqlWOEQkpqTRwkicNBo/Q2UAcJ2ZrQXc4O43FXa6IiIiuaWLRgsnUdIo0BW4HLiE6JieMrMX3f31Qk9YREREvi7tDUfSpNHFwOXuXg9gZk8CmwNqOEREpHTpLpXUMeA2M9sCqABGAzcXdUYiIiLfUGOq8znbJs1Hkjhp1N1nEF1IOgV4Grgl/p6IiIikQGpXONqaNOruFwEX5XteIiIihdKRnqWS2oZDRERkZdeR7lJJbfBXAay0By4iIjmR9+WHD2e+kpP3qrUHbVH0pZLUrnC0I2l0LPBrol+Al9z96NA+/jNretbt6w0cgte8G55r9QaJg7/++kz4d+eHY8pY/MztwbquY/Zn4ZT7stZ0H7EXtRMnBMeq2n6/xCFX8196NFjXc6vdEoeXhY6165j9E4dmLXz+/mBd9233ZNFz9wbrum23N4v/fVuwrusOBwTD0FYfsh0Lpj4UHKvH8LGJg78+O/9nwbrVTr8mWCMi6dWRgr/SvFbTlDS6k7vvDOwAnGhmq5vZQ8BecQ1m1h24EPiOu48A3jGz1Ys1cRERkVxoLCvPyUcapGMWLQsljd6asX0kUebGJWb2DPCRu39awLmKiIhIFqk9pRJLmjS6OrATUdhXLTDRzJ5z99mFnrCIiEiu6C6VwkmaNPopMNXdPwaIVzmGAWo4RESkZHWkazjS3nAk9QowxMz6APOBEcCfizslERERaZLmhqMtSaMfm9mpwCPx92939zfzOTkREZF8S8sFn7mQ2oajHUmjtwPhe0lFRERKREc6pdJxWicRERFJLSWNioiItE/elx/m1nhO3qv6VVvRl0pSe0qlLUmjZjYMuDTjn48A9nb3rJGYc2fPzDqHfgMGMWvO3OBcB/bvlzhp9O4XVgTrvrdNBbWT7wrWVY3al4UvPJi1pvs2ewTTSCFKJE2aIDrv9cnBuj6bjeKz154J1q22+ZhEaakfzHw1ONY6g4bxxStPBOt6bbFL4hTUpMmlH705NWvNWpsM57NXWz1D+KXVhu2QOEH0iwuPCdb1OukK5l90bLCu5y8vD9aISOEV4pSKmZUDVwFDgSXAYe4+J2P7XsCZwHLgRne/vj37SW3Dwf+SRg8CMLPOgJvZbUShXwOAGQDu/ipRDgdmth/wn1CzISIiIgDsA3R295Fmti1wcfw9zKwTcAmwNbAYmGxm/2qKoWiLNF/D0ZakUQDMrAo4G/hFYaYoIiKSPwWKNh8FPAzg7s8TNRdNBgM17j7f3ZcBk4Ax7TmWNK9wQPKk0SaHAne4+2cFnKOIiEheFOgulR7AgoyvV5hZubs3xNvmZ2xbCPRsz07S3nAkTRptchDwf/majIiISAe0AOie8XVTswFRs5G5rTvweXt2kvaGIzEz6wms6u7vF3suIiIiuVCgZ6lMJnoC+wQzGwFMy9g2ExhgZr2JnlU2BvhDe3aS5oYjcdJobCDwdv6mIyIiUliNjQVpOO4GvmVmTbcgHmJmBwLd3P06MzuBKMm7HLjB3T9oz05S23C0I2l0KrBvvuclIiJSKI0FuLfD3RuBI5t9e1bG9vuBcEZAQGobjkLovKI+WJO0u0z6S7F4SbK6xPn5jQ3BkvJl4eMEKF++NFFdpyWLEtVVLE+63yXBms7LapPtc1l4LIBVliQbL+lrssqKcN0qyxYn22enTonqGpYtS1S3bFGy/S7444lZt/f4xcWJxhERaUlqk0bbEvwVf30icCDRHS2/dfd7ArtI54GLiEipyPv5jllz3s3Je9XA/hsoaTSLxMFfZtYLOBboD3QDXgVCDUcwvXKdQcPwmneDE7XqDZhRE75WdXB1X/42Mfy784Pty1j0bHD6dBu5TzAJs/u2e1I7cUJwrKrt90ucqrngxUeCdT22/nbi5NLaSXdmn9vocYnTTUPJqxClry567t5gXbft9k6c+BqaX5/NRrFg6kPBsXoMH5s4QTRpIumnZx8WrFv97Ou1wiGSQh3p4W1pbjhCwV9jM7bXAnOJmo3ucZ2IiIikRJobDmhb8Nd/gDeBCuC3BZ2liIhIHmiFo3CSBn+NBdYGNiRa9XjEzJ6N71wREREpSWo40uczoM7dlwKY2Re0M3pVREREci/NDUfi4C93n2RmU81sCtHpl4nuHn7+uIiISIoVKPirIFLbcLQj+OtsoifFioiIdAgd6ZRKmh9PLyIiIh1Ealc4CmHeKmtl3b4OUFGW7A7bVcvqEtVttvbHCarWouH5Vhd3/mfkPnR6vyZYVvFJsufZVcx8OVy07Z50mvliuG7rb7PK4vnhOqDxjcB+R4+j6u3smSkAbDaK8teeDddtswe8OiVct93elL87K1w3CrrOCOx3s1F08gSv7/CxrLr1iHAd0GnXPRPVVY3ZKVHdKltsE6xJmksiIrnRkVY4OlLS6MnAAUSP2b3Q3R8I7CKdBy4iIqUi793A6zUf5eS9arPqtYreuaR5haMtSaObEcWab0P0C/CsmT3p7lmXHabXZH/g3ZDqdaiZE34AbXX/jXhrTnilYeP+1Uyb/VGwbuiAtVhw6fHBuh7HX0r9XZdlremy73HBmqa6xbecG6zrOv7X1P31/GBd5Q9PT5xwuuja07LWdDvit9T/68rgWF2+ezS1150R3ufh57Ho6lODdd2O/B11/7ggWFd54CnU3ZH9ac2V3/9V4tet7sm/het2/kHiZNik4y1+5vasNV3H7K8VDhFptzQ3HG1JGh0EPJ1xW+xsYCjwfMFmKyIikmO6S6VwkiaNvg6cambdgFWBkcC1hZ6siIhILjV0oGs40t5wJEoadfeZZvYn4GHgXaKVjU/zPTkRERFJpkPcFmtmqwPd3X00cCSwPjC9uLMSERH5Zhopy8lHGqR5haMtSaOfmtlgM3sBWAr80t11F4qIiJQ0XcNRAO1IGv1Z3iclIiIi7ZLahkNERGRll5bTIbmwUjcclQnSQZc1dk401tLGVRPV1S6vTFRXVlGRqK5xcW24pqEh0Vjl3XskqmOtvsnGW7Y0UV1Zp07BmoZeqyfbZ6/eieoqeiV7mPCKBQsS1bHamsGSsp7J5sbS+kRlqyz6PFFdWW2yxNey+vDvUnntF4nGWvink4I13X9+YaKxRFZmHemUSskljQKTgMuJMjmWAD9294/N7HDgp8By4DwljYqISJ7lvRt40T/PyXvV1ta76J1LmhuOHYAjmiWNzgI+B8a7+zQz+ylgwIXAY8BWRI3JJGDrpiCwVjTOmfNW1jn0778xM2rCzyEZXN2XmTXvBesGVa/PczPCfzFvN7gHCy//ZbCu+7EXBdMrK394OnV3XhIcq3LcCYkTSeseuzk83rcOTpxwWXvjWVlrqn5yTjAFE6IkzLoJF4f3ud+JiRNEQymoECWh1j1+S/axdh1P/X1XBcfqstdR1D18Q3huux9K3RO3hut2+VHy/T56Y/axdvtJsKapTiscspLI+5v4VP8iJ2/Sw61X0RuONJ9SaSlpdDmwp7s3dQGdgDqiSPPJ7r4MWGZmNURJowmeMiYiIpJOHemUSpobDmg5afR9ADMbCRwNbA/sDmSeqF4IJDtJLyIiklLJrsArDWlvOFpMGjWz/YHTgD3cfZ6ZLQC6Z5R0Jzr1IiIiIimQ9obja8zsh0QXh+7o7k1NxQvA+Wa2KtAFGIySRkVEpMTplEphfC1p1MwqgD8Cc4G7zAyip8SeY2aXAxOJ4tpPC1wwKiIiknrK4SiAlpJG3X0F0KeV+uuB6wswNREREWmj1DYcIiIiK7uOdEoltTkcBbDSHriIiORE3ruBSW/W5uS9avQmVUXvXFK9wtHWtNH436wBTAaGhK7jSBL85TXvhudZvQGz57wTrBvQf0Omzf4oWDd0wFrU3RYORao84KRgqFOXvY6i/v5rgmN12fNnyQOiEgZOJQ3rqr/78uz7/N6xfP7qU8Gxeg/bKXEwVdJjrb3+zGBd1WG/YeHz92et6b7tnokD0xY9e0+wrtvIfVg45b5gXfcRe7HouXvD4223d7Cu23Z7s+DFR4Jj9dj628EwN4gC3WqvOyNcd/h5wRoRSb/yYk8goBF43N13cvedgR2AXwI3EWVy7ATcBZwMYGbfBh4Fwg+2EBERSbmGxtx8pEGqVzhoW9ooRCseuwAvFWyGIiIieaK7VAoradoo7v54/P0iTVVERERaUgoNR6K00cJPS0REJL860l0qpdBwfE0raaMiIiIdSke6kTTtDUfStNF/u/vZzf6diIiItIOZVQJ/BdYgeiDqeHf/tFnN8cD+8ZcPuvu52cZMdcPR1rTRjJqN8zkvERGRQmgo3kWjRwKvufu58SUMZwDHNW00s42Bg4Bt3L3RzCaZ2d3u/nprA6b9tlgREZGVVmNjWU4+2mEU8HD8+cPArs22vwt8292bzihk3jHaIiWNioiItE/elx8en7YkJ+9Vuw5dtdW5mtmhZKxexD4iuit0ppmVA3Pdff0W/m0Z8Aegyt2PzDaH1J5SaWvKaFvPJQG879Oybu9rQ3l11ifBuQ4buEbiutdmfxys23zAmix84cFgXfdt9mDx03/PWtN1x4P4dPpzwbFWH7Jd8PWA6DVJegyfvfZMsG61zccwb9qkrDV9ho5mRs37WWsABlf3ZdacucG6gf37BVNmIUqanff65GBdn81GBRNprXqDxKm1SV+3pOmrSY8hNF7vYTsl/l36+I0XgnVrbroNtZPvCtZVjdqXL15+PFjXa8vmf4CJlL5CrAm4+w3ADZnfM7N/At3jL7sDXzT/d2bWBbgRmA8cFdpPmk+pJE4ZNbONiM4lbefuI4DdzGyzYk1cREQkFxopy8lHO0wG9og/Hwt85S+heGXjXuBVdz8y49RKq1K7wkHbUkbfA3Zvy7kkERERadXVwC1mNpHobMJB8OWdKTVABTAG6GRmY+N/c6q7T2ltwDQ3HJAwZdTdlwPzMs4lvezuNcWatIiISC4U6zko7l4HfL+F71+a8WVlW8ZMe8OROGW0reeSRERE0k5Jo0XUUspoxrmkJ9w9/Fx3ERERKag0NxyJU0aBV2njuSQREZG060jJFaltONqRMtqmc0kiIiJpV8Sk0ZxL822xIiIi0kGkNmm0HcFfRwPj49qL3H1CYBfpPHARESkVeV9+uO+l5Tl5r9prq1WKvlSS2lMq/C/4q+ne387ALOBQoqfWTTOznxIFf/0W+BkwjKgxeRMINRzBVMqB/ftRM+ft4ESr+2/EOzWzgnUbVg9kanSda1bDrTeLrj41WNftyN9R/68rs9Z0+e7RwZq21tU9cWuwrnKXH7Fwyn3Buu4j9mLxX36Ttabrj8+k7qHrwvscezh1fz0/XPfD01l809nBuq6HnE3dnZeExxt3AnUTLs5es9+J1N0Wvp658oCTqHv4hnDd7odSO+nOYF3V6HHUPX5LeLxdxwfrKncdz+J/3xYcq+sOB7DgjycG63r84mIWXHp8uO74SxO/dvNfejRrTc+tdguOI5ImHekulTSfUskW/NWUwd0JqItvjR0WX+OxDlBf0JmKiIjkQUNjbj7SIM0rHJAw+AuiC0rN7OfA2UR3soiIiEhKpL3hSBz8BeDufzKza4GHzGyiuz9duKmKiIjkVkovs2yXNJ9SaVEc/HU0UfDXO/H3LH6yHUSnXZYQXVQqIiJSsor48LacS/MKR9Lgr6fd/Rwze83Mnov/zYPuPrHQExYREZGWpbbhaGvwl7ufC5xbgKmJiIgURFou+MyF1DYcIiIiK7uOdA3HSt1wdF8WysTox4rGikRj1VGVqG7mh72CNcMNlm+7S7L9brBJ1u1dgKXrbBwcpwuwoP/wRHXz1t8iWLcesLxLt2AdQP3QMVm3dwU+rt4+OE4/YNGw8OtWCdQO3z1Y1xVYutGQRON9unn28dYH5m+ebG5Lpr0artsdlk56KlhXNXocy15PMN6u41k67ZVgzfKXnw+OxQ4H0LD92HAdULH1yER1SwcMC9ZUAg0VnYJ1C5+/P1jTfds9k0xLRNqgwySNxv+mHHgAuMfdrw3sIp0HLiIipSLvV2Pe8VxuTqp8f7vyol85muYVjsRJo0BTrOF5QC8SNhMfzMz+l986g4bhNe8Gx7HqDZhR836wbnB1X279d3hqP9qhjC9efjxY12vLXfn81ex/5fYethMLpj4UHKvH8LF8/MYLwbo1N92G/8yaHqxbb+CQ4Nya5vfZq//OWrPasB2YO3tmcKx+AwbxyfTwA4LXGDIicV0ouRKi9Mr3Zr2RtWb9gZvy4YyXgmOtPXgrvrjwmGBdr5Ou4PMLjg7W9T7lysRpnvMvOS5rTc8TLks8VtLf39qJwUBgqrbfL/HPIcl/D1rhkFLS0IGSRtPccGRLGm16d+8E1AGY2TiiVY+HKUDXKSIiIsmlueGAhEmjZjYEOBAYB5xVrMmKiIjkUkqvemiXtDcciZJGzewkoC/wJLAhsNTM3nb38DqsiIhISqnhKKI4afSnREmjnwO4+8kZ288CPlCzISIikh5pbjiSJo3+293PLvjsRERE8kzBXwXQ1qTRjJpz8jkvERGRQmnsQHeplNzD20RERKT0pHaFoxDKG5YFa8rKkq1nldGQrC5hs9pYnizhtLEsXJckfbEtyhuTPYi3oTx3+21IcJzRPpO+bsl67bKGhMeaYH5JflYAZaskq0t8NVl5wmOtSLjfRIMl/EVPWJf0v4ckv3ONCf97mHfO4cGaPmddl2gskfbqSBeNdpikUTP7IzAKWBjX7+PuC7LsIp0HLiIipSLv5ztufjo371UH71j8fKo0r3C0NWl0S2A3d/8s6Q4+enNq1u1rbTKcWXPmBscZ2L8fM2veC9YNql6fvz4T/t354Ziy5Cmdrz2TtWa1zcckTn1MmjT6X38tWLeubc68aZOCdX2Gjk6UNPp2zezgWBtVDwj+TCH6uSY91qQpraEk1H4DBgWTbSFKtw0lfkKU+vn5744K1vU+9SoW/PHEYF2PX1wcrOvxi4uTJ42+8kSwrtcWu1A76c5gXdXocYnHC/3O9Rk6mgUvPhIcq8fW39YKh0iOpfkajmxJo9Pi73UC6sysDBgAXGdmk8zskMJOVUREJPcaG3PzkQZpXuGAhEmjQBXRaZZLiI7pKTN70d1fL860RUREvrm0NAu5kPaGI2nSaDlwubvXx9ufBDYH1HCIiIikQNobjq9pKWkUMOA2M9sCqABGAzcXZ4YiIiK5oeCvwkiaNPq0u59jZrcCU4hOvdzi7jMKPF8REZGc0imVAmhr0qi7XwRcVICpiYiIFERDsoinkpDmu1RERESkg0ht8FcBrLQHLiIiOZH3MK1rHsnNe9XPvq3gr1a1I2l0LPBrol+Al9z96NA+QgFW69rmiQO9ZtS8H6wbXN2Xf0wKr48dOLqchVPuC9Z1H7FXMJiqx/CxLHru3uBY3bbbOxjABVEI14czXgrWrT14K+a/9GiwrudWu7HwhQez1nTfZo/EoVlJjyFpsFrSn0PoNVl78FbBkDaIg9ouPCZY1+ukKxLXfX5B8D8Fep9yZTDUq8fxlybe58Ln7w/Wdd92T+qeuDVYV7nLjxIHsCUJwqudfFdwrKpR+/Lp2YcF61Y/+3oFhEledaQ1gTSfUmlKGt3J3XcGdgB+CdxElMexE3AXcLKZdQMuBL7j7iOAd8xs9WJNXERERL4qtSscZE8abVpO6ATUASOJMjcuMbONgevd/dNCTlZERCTXinVbrJlVAn8F1iB6Rtn4lt5X4xysB4B73P3abGOmueGA5EmjuwM7EYV91QITzew5dw8/gENERCSlcnedZZsv4TgSeM3dz43DNs8AWnrQ03lALxJcF5n2hiNp0uinwFR3/zje/gwwDFDDISIi0najgN/Hnz8MnNm8wMzGEV1P+TAJOpq0Nxxf00rS6CvAEDPrA8wHRgB/LtIURUREcqIQF42a2aF8ffXiI2BB/PlCoGezfzMEOBAYB5yVZD9pbjjamjR6KtD03Onb3f3NQk5WREQk1woR/OXuNwA3ZH7PzP4JdI+/7A580eyf/QjoCzwJbAgsNbO33b3V2xNT23C0I2n0duD2AkxNRESko5sM7AFMBcYCX7nn3N1PbvrczM4CPsjWbECKGw4REZGVXRFzOK4GbjGziUSZVwcBmNnxQI27h0OKmlHSqIiISPvkPb3zkntz8yZ9wt5lShptTVuSRoF1gMsy/vkIYO/Q8s77Pi3rHPra0MRJo0nr7pyyIlg3bkRF4sTMedMmZa3pM3Q0816fHByrz2aj+OjNqcG6tTYZHnzdIHrtQnNrml+SdMiP33ghONaam27Dp9OfC9atPmS7xHWfTJ8SrFtjyIjga7fWJsMTH0P9XZcF67rsexx1/7ggWONL8bMAACAASURBVFd54CksvunsYF3XQ86m/r6rsu9zr6OovTF8bVjVT85J/LuUNI32vVlvBOvWH7hpsG79gZsm/pku/stvgnVdf3xm4tc3aZ1IR5XahoP/JY02LeN0BmYBhxIFkEwzs58CJ7v7iUQ5HJjZfsB/Qs2GiIhI2nWkkxBpbjjakjQKgJlVAWcThYGJiIiUtMacRY0W/YxKqhsOSJ402uRQ4A53/6zgMxUREZFWpb3hSJQ0mrHpIOD/CjU5ERGRfCrWs1TyIe0Nx9e0kjSKmfUEVs043SIiIlLSOtI1HGl/PH1rSaPdiJJGn4oDRwAGAm8XdooiIiKSRGpXONqRNDoV2LcAUxMRESmIhg50TiW1DYeIiMjKriOdUklt0mhbgr/c/WMzO5HoyXUNwG/d/Z7ALtJ54CIiUiryfq/pb29fkZP3qtP2ryj6fbFpXuFIHPxlZucCxwL9ia7veBUINRyJUglfnfVJcKLDBq6RuO712R8G6zYbsDaLrj0tWNftiN8G0wu7HnI29XdfHhyry/eOpf5fV4brvns0i567Nzy37fZOPN7iW87NWtN1/K9Z/PTfg2N13fGgxPusv/eKcN3exyRP/Xzyb1lrKnf+AXWP3Rwcq/JbB7Po2eCvLt1G7sPC5+8P1nXfdk9qJ98VrKsatW+wrmrUvol/9nW3XRisqzzgJBb+6aRgXfefX5g4VbXu0Ruz1+z2k8RjJX19F77wYLhumz0S/xxCycB9NhsVHEc6jpSuCbRLmhuOtgR/1RI9sr4b0WN0w/nhIiIiKdfQgTqONDcckDz4qwz4D/AmUAH8tjjTFRERyZ3GhmLPIHfS3nAkCv4ys+8CawMbEjUfj5jZs/GdKyIiIlJkaW84vqaV4K/PgDp3XxrXfAH0LNIURUREciKtN3a0R5objmzBX3OJgr8Annb3c8xsqplNITr9MtHdHy/0hEVERHKpQadU8q8dwV9nEz0pVkRERFImtQ2HiIjIyk6nVERERCTvOlCyeYdKGj0ZOABYAFzo7g8EdpHOAxcRkVKR9/TOM25empP3qvMO7qyk0SzakjR6M1Gs+TZEvwDPmtmT7l6XbQczarI/yX5wdV/erpkdnOhG1QOYO3tmsK7fgEHMnvNOsG5A/w2pu/OSYF3luBOonXRn1pqq0eOoe/iG8Fi7H0rdhIvDdfudmDi5tHbihGBd1fb7BdM8u+x7HIuuOjk4Vrejfs/8S44L1vU84bLEdQun3Bes6z5iLxZe/svsNcdeFKxpqvvstWeCdattPoYPZ7wUrFt78FbMf+nRYF3PrXZLlHD5xcvha7F7bblr4t/fpOmrSX8Oz8/8ImvNtoN6Uf/gtcGxuuxxBP/114J169rmvO/TgnV9bWjw9YXoNZ43bVL2mqGjE78eUvoaO9ASR5objrYkjQ4iulul6bbY2cBQ4PnCTVdERCS3UnoSol3S3HBA8qTRNYBTzawbsCowEgj/GfP/7d15vF3T/f/xV0JL5pAErdIi8hEiCYpEQgQNiaa0X2NapcpPa6y51BCkqqmh1FAVsyJUSbWiIYQkomKMGD7EXDVEImS4IdPvj7WP7Jx77tnr3px77rn3vJ+PRx659+zPXXvtvc/wOWuv/dkiIiJSFpWecERVGgXmmNmVwIPAu4SRjU/K2lMREZESW65TKk2nUKVRM+sKdHD3gWbWCfg3MLMJuykiIrLaKvXCjoao5ISjvpVGe5rZU8CXwCnu3nKOkoiISDNXsQlHAyqN/qIc/RIRESkX3S1WREREGt1ynVJpGdovL37NPmzIl6wV1dbiVm2j4l6YvVFmzOabAet0i2pv+ZrZ/VvermNUW8u+1T0q7ouNt8iMWRtY0n7dqPaWd9kgM2Zp/yFRba254y5xcTsMjIprvWxJVNyygXtlB+0wKKqtNSb+PTuozy60nXB7dlzP7Vj6z+x6KGw3hLWfHF88ZusBrJhwb3Zb2+4B666fHQe0qlkYFbdijbi3qu5LXsqIGMCKVq2j2ur8RMS2Wh/WeSLieFlv1pryz+y4rQfQdsZjxWN6D6T1ksXZbQHzn3ogM6bDDsOi2hJZXc2x0ugjwF+SsNeBI9x9mZkdSZhMuhQYpUqjIiLSyBq9eufJVy8syWfVJUe3U6XRIuqqNLob8Gt3n2JmNwLDk9vSHwdsR0hMppjZQ7lCYHV577Xi34Y26rEVPuvdzI5a942j4/725LLMuP36rUHNxFsz49rsfkhmxcEO/YZHV/xcMG1cZlz7/vtEV66c99zEzLjO2+zOosfuLBrTdtBB0W0tnJr9bbPdgB9lVmiFUKU1tr2sCpydt90jujpkbBXUzy8/OTOu4wmXMOe8IzPjupx7HQuvO6toTLsjR/HpRcdktrXOr6+i5pG/Zsa12e3HLP7HVZlxa//gGD6fnjH6AnTcfmhUtdSa8ddl923okSy6cWRmXNufjYyOW3DNGZlx7X/5O2pu+23xvv3kN9GvaY1wNH+6LLY86qo0eqi7z08SkA2AeYSS5lPdfQmwxMxmESqNPl3mPouIiEgBlZxwQOFKo/PN7NvAw8CnwAxgKPBZ6u/mA53K3VkREZFSqtBZDw1S6QlHwUqj7v4OsLmZ/Ry4FLgH6JAK6UBIRkRERJqtlnTztrjp2hXEzMaZWe5yigWE29Q/BexsZmsllUZ7okqjIiIiFaOSRzhqVRpNXATcZGZfAgsJV6l8ZGZXAJMJSdSZWRNGRUREKp3qcJRBoUqjyePTgFpFFNx9DDCmDF0TEREpi5Z0SqViEw4REZFq15ISjoot/FUGVbvhIiJSEo1eTOuYi+eV5LPqqlM616uvZtYGuA3oRrjy81B3/yQvZihwDmE/POPuRQv1VPQIR32rjSZ/0w2YCvTKmsfxvs8ouv4NrTevvfFOZj97bPZtXp31XmbcFt034o4p2XfiOXhga+a+8Hhm3Lp9dsmMW7fPLnz+9L8z2+r43T2ji2vNfT6j9DKwbt9BmUWYIBRiyiok1mm7Icye+WRmW9169Yvu26fPP5oZt07fwdH75MNXni0as0HPbZkzY0pmW116D8ws/ARJ8aeMQl0QinVFF5y6c3TxdR50WnSxsdj9u+CJ+7L7ttO+0cf/g1efLxrzjS36Rvet5o6LMuPaHPxrFt1yQWZc25+eHR1Xc9cfiq/zgFOjtyH2ORf7XJLya8IBjl8CL7j7+WZ2IHAW8FVVQjPrAIwGBrn7XDM71cy65iclaZV+lUqu2uhgd98NGAScAowiVBvNzeUYDmBmewITgPWaorMiIiKltGL5ipL8a4ABwIPJzw8Ce+Qt3wl4EbjUzB4HPiqWbECFj3BQv2qjEC6R3R14pqy9FBERaaaSmlb591T4CPg8+blQMc2uwGCgD+GK0clmNs3dX69rPZWecEDxaqMPEZKNGQDu/jCAmTVVX0VEREqmHPMs3f164Pr0Y2aWLqjZgZVf7HM+Aaa7+8dJ/ONAX8I0h4KaQ8JRrNpoj1S10cPK3TEREZHG1IQ3b5sKDAOmE24fkj9h8Dmgl5l1IdxapB8r51YW1BwSjlrMbBxwsrvPYmW1URERESmNa4CbzWwy8AWQu3P7icAsd7/fzM4AclcljHX3l4s1WOkJR3S10QJ/JyIi0qw1VekKd68BDijw+GWpn8cCY2PbrOiEo77VRlPLN23MfomIiJRDSyr8VemXxYqIiEgLoEqjIiIiDdPolUYPP+/jknxW3XDueo3e1ywVe0qlvlVGk4ksByaPP+Du52eto5SVRn3Wu5lx1n1j7p6WXWl0//6tWTj57sy4djvvz/z//LNoTIcdv8+iSbdnttV21xEsnPK37HUO3I/5Tz2QGddhh2HRFU4XPXZn8b4NOii64ufCqX/PjGs34EfR+3fBtHGZce3775NZ+bE+VTXnX3FKZlyH4y/m88tOzIzreOJlzDnvyMy4Ludex4KrTy/et6N/zycj86dL1dZ15Jjo59ziB67NjFt72FHRz7mPXp5eNGb9LbeP7tuCa8/MjGt/1IXRcbFVWmMqjcY+z2P327zRx2XGdT7tT9HPOSmdlnS32Eo+pRJdZdTMNiHMoO3v7v2AIWa2dZP0WkRERGqp2BEO6ldl9D1gL3fPpYJfA2rK2VkREZFSa0mTRis54YDIKqPuvhSYY2atgD8AzyY1OkRERJqtljTPstITjugqo2a2NnADoeLZ0eXtpoiIiBRT6QlHLUWqjI4DJrp78Xtsi4iINBNNWNq85Co54YiuMmpmPwR2Ab5mZkOTuDPc/cnydFVERKT0NIejDOpZZfRewmWzIiIiUoEqNuEQERGpdi1p0mjFVhptQOGvY4BDk9iL3T2rslNlbriIiDQXjV698+DT3i3JZ9UdozdWpdEicoW/crfE/TrwGrAbofDXFDO7kVD4awrwC6AvITF5GcgsJfnhK88UXb5Bz+14ddZ7mR3dovtGvDzrf5lxW3b/JtdPzH7u/Hz3VpmVKyFUr5z7fK2zTqtYt++g6Iqfc2ZMyYzr0nsgH7/0VGbcelvtkNm3XP+yqoh23mb3zKqwECrDzp6ZPW2nW69+zHlxamZcl60HRG/De6+9VDRmox5bZVbBhFAJM6viJ4Sqn59dfHxmXKdTroiuIrnwhnOLxrQ7/Dw+veiYzLbW+fVV0c/f2Oqrsc/NrOPfrVe/6Kq1sRVfSx23cMzZRWPaHXFB9P7Neo+D8D4X+5ybf+VpmXEdjh3NZ5f+qmhMp5P+mNmOtDyVXGm0WOGvKenCX+7+CdDH3ZcB3wAWl723IiIiJbZ8+YqS/KsElTzCAZGFvwDcfbmZHQuMBC5vov6KiIiUTKVOe2iISk84ogt/JY9faWbXAuPNbLK7TypnZ0VEREqpJV0WW8mnVAoys3Fm1j35dQGwzMx6mNk9yWNLgS9YWRBMREREmlglj3BEF/5y94/M7AUzm5b8zQPuPrmMfRURESm5ljTCUbEJRz0Lf+Hu5wPnl6FrIiIiZbF8xfKm7kLJNLtTKiIiItL8VOwIh4iISLVrSadUWkyl0eRvWgP/Au5z92szVlGZGy4iIs1Fo1fv3Pfo10ryWXXf1T1UabSI6EqjQK5c4SigM5HJxNuzXiu6/Dvde+Cz3s1sx7pvHF2RdNzTSzPj9vnumtQ88tfMuDa7/ZiFU/9eNKbdgB+x6LE7M9tqO+ggFk26PTtu1xHMf/L+zLgO/YYz/6kHsuN2GEbNxFuLxrTZ/ZDo6pALJ2cWmKXdzvuXfJ9kVX6sT1XN2Gqen19+cmZcxxMuYc4FR2XGdTn7Wj6/7MTibZ14WXRbNRNuyIxrM+RwFv/jqsy4tX9wTObzHMJzPasK7npb7UDNQzdl9+17h0VX31xwzRnZcb/8Xeb+hbCPa+76Q/G+HXBq9PN3wbRx2X3rv0901dqsarQQKtLOOe/IojFdzr0uev9Ky1HJCUexSqPz05VGAcxsP8KlsA9ShqxTRESksVXqWYiGqOSEA4pXGn0Y+BSYYWa9gIOB/YDsFFxERKQZWL685VylUukJR7FKo5unKo1+BGxImN/xHeBLM3vL3SeUs7MiIiJSWKUnHLWY2TjgZHefRVJp1N1PTy0/F/hAyYaIiDR3LekqlUpOOKIrjZa1VyIiImWyogUV/qrYhKO+lUZTy89rzH6JiIhI/VVswiEiIlLtdEpFREREGl1LSjhaTKVRM7scGADMT+L3dffPi6yiMjdcRESai0av+TT0sBkl+awaf1PvJq9PVckjHPWtNLotMMTd58au4H2fUXT5hta75JVGb30s+7lzyKBWLJzyt8y4dgP3y6zm2WGHYdHVN2MriM579uHMuM7b7sFnz2RfKNRpuyGZ/Wu38/7MmTEls60uvQcy/z//zIzrsOP3o7c1tsLlnBenFu/b1gP4fPr4zLY6bj80utLop787OjvujKv5+MxDM+PWu/DmzMqlHU+4hNnnHJ7ZVrfzb2DR42Mz49ruciA146/LjGsz9MjofTd75pPF+9arX3SVzthKrrEVRGOP68Lrzioa0+7IUdEVRGNfq7HPpejqthGVRmPXmdVWrr2WqiXdLbaSE47oSqPJPVQ2B64zs/WB6939xrL3WEREpIRa0imVSk44oHil0YcIZc1nAG2BKwhFwNYEHjWzp939xSbqt4iIiKRUesJRrNJoj1Sl0cOBK9x9MYCZPQL0AZRwiIhIs7VCpc2bTqFKo0APYKyZbQOsQajTcVOTdVJERKQEmuqUipm1AW4DuhEuxjjU3T/JizmZcB+z5cCF7l70ltitG6mvpZBVafQR4CfAme7+KnAr8CQwCbjZ3V8pV0dFRERamF8CL7j7LsAtwCqzmc2sM3A80A8YAvwxq8GKHeGob6VRd78YuLgMXRMRESmLJixtPgD4ffLzg8DZecsXAu8A7YEOhLMNRVVswiEiIlLtlpfhlEoyH/JXeQ9/BORqWc0HOhX40/8CLxOmMlyYtZ6KLfxVBlW74SIiUhKNXkxr8AH/Kcln1aN37VivvprZPcBF7j7dzDoBU9x969TyHxCSlL0I++HfwKnuPr2uNit2hKMBlUaHAucQNvwZd8+ssvPf12YWXf6tHr1KXvhr7BPZw2MH7tSaRZNuz4xru+sIFjxRdI4O7XfaN7rQUamKjUEoOBZbrClrW9vuOoK5Lzye2da6fXbJ3B8Q9klsMbTYAlZZhcm69B4YXWwstiBSqQt/fXbx8UVjOp1yBbPP+llmW91G3UjNxFsz49rsfgiL7786M27t4UdHF2D7ZOa0ojFde/WnZsIN2X0bcnh0Qa/5V56WGdfh2NHMG31cZlzn0/5EzW2/Ld63n/wm+vkbXWwu8rm04JozMuPa//J3fDKy+E28u44ck/l8g/Ccy2or115sUbrmpgmvUpkKDAOmA0OB/DfhuUCNu38JYGbzKDwK8pVKnzT6sLsPdvfdgEHAKcAoQqXR3DyO4WbWARgN7O3u/YC3zaxrk/RaRESkRFYsX1GSfw1wDbCVmU0GjgDOAzCzE81suLtPAaab2ZNm9gTg7l60tG3FjnBQj0qjwE6EmhuXmtmmwJj8y3dERESam6aaNOruNcABBR6/LPXzSGBkbJuVnHBA8UqjDwOfEiqNDgUGE4p9LQQmm9k0d3+9ifotIiIiKZWecBSrNLp5qtLoHcB0d/8YwMweB/oS5niIiIg0S7qXShOqo9Los0AvM+sCfEYoRPKXulsRERGpfCptXh5ZlUa/JJw+OcLdZ5vZGYTLcgDGuvvLZeqniIhIo5hy/6BGv/S2XCo24WhApdGxQPY1jCIiIlJ2lXxZrIiIiLQQqjQqIiLSMC3mdEc5VOwplfpUGgW2Bi5L/Xk/YB93n1BsHR+9XGcFVgDW33L76Aqipa40+unzj2bGrdN3MHNenFo0psvWA5j3bNFaLAB03naPzCqNECo1Zu03CPtu7vO1zojVsm7fQZnbuk7fwXz4yrOZbW3Qc9vobciqDAqhOujHLz2VGbfeVjtk9m+Dntsye+aTmW1169WPRbdckBnX9qdns/CGczPj2h1+HguuPTMzrv1RF1Jz9yVFY9rsfzILrj49u62jfx997GMrYX74yjOZcRv03C7qNR372ordbwvH5N/TqrZ2R1wQ3951ZxWNaXfkqMzXPYTXfvRz7ubzM+PaHnoONXeOzoxrc9BpUdsQW3k1tm/zrzglM67D8RdHHy8pvYpNOFhZaXQEQFLo6zVgN0Kl0SlmdiMw3N3vI9ThwMz2B/6blWyIiIhI+VRywlGfSqMAmFk7QtWzncvYTxEREclQyQkHFK80+hAh2ZiRiv85cJe7zy1/V0VERKQulZ5wFKs02iNVafSwZNEI4P/K1z0RERGJ0ewuizWzcWbWPfk1V2kUM+sErOXu7zdZ50RERKSgSh7hiK40mjzeA3irTH0TERGReqjYhKMBlUanAz8qQ9dERESknprdKRURERFpfqq50qiIiIiUiUY4REREpNEp4RAREZFGp4RDREREGp0SDhEREWl0SjhERESk0SnhEBERkUZXsYW/RESSu0IX5O5flrMv1UzHQUqhqhMOM/sWoVT6esDfgBfc/T8F4r4e86Iys1bAvoABM939n3XEdQK+Dbzp7gvylh1FKOneKu/PVrj7X1Jx6wGnAzXAZe4+J3l8pLuPTMWtAQxn5Z11LyXcf+ZMd/+oyLZc6u4n5T12gLvfZWbtgXOBbYCngVHp7TCzTYEtgElJH78LzAQudPfPUnG3AycW60cS1wrYG/iSUH32EqBzsg3v5sWNIFSibQd8Akxw9wfz2vs60BvoBHxKOFZf5sXsSd3HYUJe7NZAjbvPSj3Wz92fLLJNuwLL3H1yxrYPKbC+ju7+eWrdfYBn3P2VAn/f1d0/MbPNgb7AS+7+ctY6YpjZ9kAnd3+4wLI2hH3clnAcZrr7iryYzONAeN6slyxPWwFsmteejkPtZToOq8ZmHgdpPFVd+MvMHiB8eJ0NHAXc4u47FoibATwCjHH3mUXaux5oDzwBDADed/cT82L2A35DSPbuBpa7+6jU8ssICcKt+e27+3mpuAeBvwNfA44Bhrn722b2qLsPTsXdmPy4AdAFuJZw07ufuPvwVNwTyY+5D9gtgZcJH7A7JTGPuvtgMxsDvAncB+wO9Hf3Eam2pgBnAT8G3gXuBwYBQ9x971Tc24Q3sCuAm/LfCFNx1wNrAR0Ib3q3Ah8Av3D3PVNxVwCfEfb/cOCjZJs/c/ezk5i9gd8Bs4D5SZs9CcnLvam2/kZIlB7N74+7/ywVdw4whHAcngWOdvcVBY7D/oTn2uKk/4OAL4Bpecc/P+E8Kfk7cgmnmT3i7ruZ2c+AownPzYHAzXlJ6VXA28l++BXwONAPuMfd/5CKqyEk3Ce4+9xaB2Bl3L7AHwkJ6xXADwmJrLv76am4vYHzgdeBnYD/ABsBp7j7lFRMzHHoBkwAds/om46DjkNJjoM0nqoe4QDauPtEMzvL3T15wReyDbAXcG7ywvsrcEf+6ATQK5WwXG5mhTL6k4D+wHhgFMkIQW6hu59oZlsA4939qSJ9Xyv1gnsOGJd8S8i3ubsPTL7FzHT365O/OSov7krgcMILcQFwB3AQtb/h59rM3TTvZTPLv4fNMnefZGa/cfcjk8eeN7MD8uLeIrxZng+cbGZ/JeyXN3PfWBI93H3nZATjZXe/OtmGE/La6+vuuyQ/jzezh919DzObSkgqISRCA9PtJyNOE4F7U20dSHhD+r27v1pgH+QMc/d+STsXA1cDvywQdwohifsGMC35fykwldTxJ4yQdQYeJOz7ryexablj8nNgsLsvMLOvEUaU/pKK287djzGzx4Gd3X2hma0JPAmk32CfBP4BTDazuwiJdaG7Lp9J+FbYgfC83djdv0glqzmnATsly7oAfwL2BP7FyvsgRR0Hd59tZr8GtgVqfYNP0XHQcSjVcZBGUu2TRmvMbC9gDTPrT8i2a3H3ZYQPwhuAucCxwAQzOy4v9A0LpxMws/WB9wo0t8zdFyftLid8uOc7hHAn3GLWMLPeSTtPABcC4wjDoqsws4HJEOn3kt+7E1646W28HTgVGA2sDSx293fc/e1UWA8zOwlYambbJG1tT/g2kzYvGcl5wMwONbN1zOwnhbbJ3ee5+/HAboTRibMJIxRpX0uO0whgPTPraeF0WH7CvLaZ5d7sdgGWmNm6hOHknDUJp6HSFgPL8/q1DPgpefupkCQRgrD/OpnZadS+03ErwjDz68BId1+SjOjkJ3R7E0ZV1gTOA9529/PSo1tAh2S7PiK8SUP4tpt/HFYkcW8STjFBgedHsr13AzsQRpzuMbPnzOzveWGtCc/X+cn6VqQeT+uYWvYF4QPxM1bdl1HHIenbvwudLsin46DjQImOgzSOah/hOAq4GOhKyLgLZeKY2WhCpv0YcJG7P2VmrYFnCN8acvoBr5jZu8CGwBdm9gHhtMQ3k5gpZnYHsKGZXQtMz1vXscDJwDIzO9bz5h+kHA/cbGbfd/f33X1sktVfnhf3/4BRZvaCu7+TPHYJ4c0g3xvALwjDtN0KLP8+ITF4B+hjZm8m25+/344knLrpA+TmyUwBjsiL+9DMOgJL3f1jwrehqwus9xeEuSePEJK9x4A5Bdr7BTA2+Yb2OvAz4FBWjm5A+MbzTDLq8RnhW+LOyTavwt3fKNCXfGOBp8xsT3efa2aHExK//nlxNxNGefq4+5UAZnYPIZFNr3M5cGaSsP0NaFNgnVOTdWwOnGThVNJUap+GO5+wr14EXjCz6UAv4IxCG+LuCwn74YpkH/bIC7mD8Bx5h/Dt8cFkVDD/OXpnsk8mAbsAVyajUc+mYqKOg0XOVWLlcdjL3edEHIe+Og5A/HGInQtW3+NQsa8HKb1qn8NxhLuPSf1+vLvX+uAxsyNJnUIxs87uPs/MNnH3txqw3r2ArYFX3f3+vGXTCOczOwK3uftedbRxLCFJWgp8lZiY2RrJt/OicXW0d3ISdwIw290LJUOxbeXijnP38UXiTia8ccW2V4r1bkD4FtkB+ByY7u4f5sVETd5NYjcF3nX3pcnvrYB90+fAk8e7uvsnqd/N3b1QH5PlvYBDPHVePm95a8LozSLAvPAkuQ6E8/ddCZMGn0uSu3RMX3d/vq5+5MV2ZuVI1VBgrifzAfLitiZMHH7R3V/N3/YkZn3CcehIOA5P5X14Rc9VSmI3Ad7LOw77uPt9eXFdcolL8vvqHodWhG/MxY5De8Jx6Ebdx6GPu79QVz/yYjsRjkMrVv845L8eCh2HqLlgSewqxyF57IcRr4ce7v5akW2uz+uhhxc4FVrg9fCsu8+ua51SWlWZcJjZwcAPCN/WJxJetK2Brd19y1TcNwhvhrcQTnMArEGYXLp9gXZvzHtohbsfnhezPuEcrBFmfv/W3T9NLX/E3XdLfp7o7rvXsQ2xiUnJ4hrY1q3uPrRStiGWRU7elYYpMnJxrq86AHtGCQAACUZJREFUOfqrxMLMdgKuAXYF/u6rTkKMvWordr2Z7ZWgrSaPix25MLMpvupcsB7J41+9X9WzvZLFlXqd0niq9ZTKg4SrHLoSMvVWhCde/hB6P8Kpix5JHIRzm3Wd5hib/N+KMLnqm3XEjAVuJFzJcivhVEVO+ht1sTk2NR7mZXxi4VRKOeIa0laxORBl34bYkQuPnLwb214p45pinY0QdwsrRy4mm9kwD/OFdiWcq89Zw8x6u/sMd3/CzHJzldrntV1Xe4Mi4/LXG9Pe6rZVCXG5Ed78kYsxhA/nr1iYCzbFzOqcC1aP9koZV+p1SiOpyoQjGVGYBEwys28S9kMrQm2M/6Xi7gXuTV6oD0S0m05ExpvZQwXCVrj7NcnPz1u4PCxtKwv1KVoBW1qY75H7uxGpuNjEpJRxTbHOUsdtQR0jFwUcAqyfERPbXinjmmKdpY6Lvcoqdq5SbHuljGuKdZY6Ln0V20te91VssXPBYq+Ka0hcXf0rZVvSiKoy4cgxsxsIoxjtCZOR3kh+zy0/290vAA4xs0NY+a0t/8M/F58rFgVhdGO9Aqt91cIVG48Q6jzMNbMeAMn5ywNS67k29Xf5575iE5NSxjXFOksaV4+Ri6jJu7HtlTKuKdbZCHGxIxcDgXWAx3LHwd1vSx3b+rZXyrimWGfJ41IjF3skvxcaudiNMGr7XOo47EMBkSMhDYmrs3+lbEsaT1UnHISrKHoBfyYU47o7b/n9SfZ7A7CEMNN7NlBrUljiYFYmBosJdS3y9SR8A/x56rFcYjHY3SdF9j02MSllXFOsszHiYkYufkyYZ9MRuI26T6PFtlfquKZYZynjYkcufkw4pbnKcfDUxOh6tlfKuKZYZ6njYkcuCh6HAmLbK2VcqdcpjaQqJ43mmNkEdx9iZre7+wgze8zdB6WWjyRcTfJTD0ViNiE8QZ939/PraLMXoaDN6+7+XIHl+wP3ufuSxtgmKc7ir4yJnbxbnyttShLXFOtspG2IucqqPsehwVdtNSSuKdZZrm0osH9X6zg0Zlyp1ymNp9oLfz1jZqcC/zOzO6l9jfcwYH8P18Xj4RLYAwlXuNRiZscTJiDtBFybtJ3vu8DTZnaxmfUs0XZIvNzIRT9CVdW6xM4biW2vlHFNsc5Sx+W+Ma8SU2Dkoj7HIaa9UsY1xTrLsg0FrNZxaOS4Uq9TGklVn1Jx9zMsXJddQ7iWPf988wIPhWfSf7PEzObX0eQIQpngpcnQ5TTySua6++lmdiahVPpvLVwmex3wV416lEXsFS+x80aay9VClRan41AZcToOUjZVm3CY2fcJoxVdCSXI7/Ta12IvMrPNPFVx0kKRp1plf3M8KXaTJCa17jBroUjQEELZ7I0J92XpRrjBWYPrRki02G9qsfNBdLVQw+J0HCojTsdByqYq53CY2TGEEY3LgY8Jl8MeD9zlq9YT2IpQRngi4UZjGxGSgkPd/dkC7V4CfAeYTJhd/5a7n5osG+vuB5rZG8ny69x9aupvb3L3w0q/tZJmZh8Tbj7VijDz/pFkUcErj0rVXinjmmKdTbUNsSp5Gyo5Tseh4dsq9VetIxw/IdwtMFd69wUz+zfwEKm7C7r7SxZuArYP4Q6FzwLnu3tdp1QuICQaWwA3uvu/Ustyl8hu46veCTW3rsNWY3skXuw3tVK3p6uFGrYNsSp5Gyo5Tseh4dsq9VStIxyT3H3XAo/XOfs6st0p7j6wjmXvEE6fFKq+eGZD1ykiItIcVOsIR11Z1uqe15tr4W6MnqxjhbtPSJYtSh4XERGpOtWacGxn4UZf+bYs8Fh9zAX6Jv9ycgnHh+5+82q2LyIi0ixVa8LRuzEadffDzGxDwn5d4e7vphY/0xjrFBERaQ6qcg5HqZnZlsBV7j7YzF4FPgW+BfzK3e9p2t6JiIg0PV2LXBqjgdOSnz9w9/7AYMKltiIiIlVPCUdptHH36cnPnwG4+yxgjabrkoiISOWo1jkcAJjZNoQ7CK6dPLTC3Qvd4TVL29wP7r5v6vGlBWJFRESqTlUnHMBNwJ+A/ya/N3RCy/tmtqO7/yf3gJntCHywet0TERFpGao94fjA3ceUoJ3TgHFmNhF4A9gE2AMYXoK2RUREmr2qvkrFzP4MvA08lzyULtRV37baEhKM7xBuBjcud1t7ERGRalftIxxrA5b8y2lQwuHui4CxpeiUiIhIS1PVIxwAZtYD2ByYAbzv7nXeel5EREQapqovizWz44BrgFHA/wFXrGZ7Xy9Fv0RERFqaqk44gIOAIcA8d/8jsONqtve0mf3RzHqtftdERERajmqfw9EKSJ9C+WI129sG2As418y6EW5Hf4e7L1jNdkVERJq1ah/huAN4HNjMzMYD961OY+6+DBgP3EC4c+yxwITk1I2IiEjV0qRRs55AL8DdfcZqtjUa2Bd4DLjO3Z8ys9bAM+6+zer3VkREpHmq6lMqZmbARYTLYmea2cnu/s5qNPk6sG3uFIqZdXb3eWb2oxJ0V0REpNmq6oQDuAUYCUwDBhBKnQ+ubyNm9g2gI3AE8FjIY1gjaX97d3+rNN0VERFpnqo94Vjg7uOTn/9lZic1sJ1+hFvR9wCuTR5bDjy4mv0TERFpEap6DoeZ3QTMAh4BvgsMBS4DaEiJczMb5u4PlLKPIiIiLUG1j3AAbJb8A/gQODj5OTrhMLOz3f0C4BAzOyS1aIW7jyhNN0VERJqvak84RgLfBt5dzXkW/0j+z51Oqd5hIxERkQKq8pSKmbUn1ODoCrwFdAdmAwe7++cNbPMo4AZ3X2JmOwNbufufS9VnERGR5qxaC3/9Hrjb3fu7+wh33wG4F/hDQxozs5GEEum5e6n8F9jTzM4pRWdFRESau2pNOPq4+y3pB9x9DNCnge0NA/Z394VJW28BBwA/WK1eioiItBDVmnAsqePxpQ1sb0H+be3dfQkwv4HtiYiItCjVmnDMNbPt0w8kv89pYHuLzGyz9ANmtimr3hhORESkalXrVSqnAOPMbBLwJvAd4HvA8Aa2dzpwr5lNJExC3Yhw19hDV7unIiIiLUBVXqUCYGZtgL2BTYD3gXG5ORgNbK8zsA/wDeAd4J/urlMqIiIiVHHCISIiIuVTrXM4REREpIyUcIiIiEijU8IhIiIijU4Jh4iIiDQ6JRwiIiLS6P4/fg/N44v/b2QAAAAASUVORK5CYII="/>
-          <p:cNvSpPr>
-            <a:spLocks noChangeAspect="1" noChangeArrowheads="1"/>
-          </p:cNvSpPr>
-          <p:nvPr/>
-        </p:nvSpPr>
-        <p:spPr bwMode="auto">
-          <a:xfrm>
-            <a:off x="155575" y="-144463"/>
-            <a:ext cx="304800" cy="304801"/>
-          </a:xfrm>
-          <a:prstGeom prst="rect">
-            <a:avLst/>
-          </a:prstGeom>
-          <a:noFill/>
-          <a:extLst>
-            <a:ext uri="{909E8E84-426E-40DD-AFC4-6F175D3DCCD1}">
-              <a14:hiddenFill xmlns:a14="http://schemas.microsoft.com/office/drawing/2010/main">
-                <a:solidFill>
-                  <a:srgbClr val="FFFFFF"/>
-                </a:solidFill>
-              </a14:hiddenFill>
-            </a:ext>
-          </a:extLst>
-        </p:spPr>
-        <p:txBody>
-          <a:bodyPr vert="horz" wrap="square" lIns="91440" tIns="45720" rIns="91440" bIns="45720" numCol="1" anchor="t" anchorCtr="0" compatLnSpc="1">
-            <a:prstTxWarp prst="textNoShape">
-              <a:avLst/>
-            </a:prstTxWarp>
-          </a:bodyPr>
-          <a:lstStyle/>
-          <a:p>
-            <a:endParaRPr lang="en-US"/>
-          </a:p>
-        </p:txBody>
-      </p:sp>
-      <p:sp>
-        <p:nvSpPr>
-          <p:cNvPr id="9" name="TextBox 8"/>
-          <p:cNvSpPr txBox="1"/>
-          <p:nvPr/>
-        </p:nvSpPr>
-        <p:spPr>
-          <a:xfrm>
-            <a:off x="3657600" y="1524000"/>
-            <a:ext cx="3880678" cy="369332"/>
-          </a:xfrm>
-          <a:prstGeom prst="rect">
-            <a:avLst/>
-          </a:prstGeom>
-          <a:solidFill>
-            <a:schemeClr val="accent6">
-              <a:lumMod val="20000"/>
-              <a:lumOff val="80000"/>
-            </a:schemeClr>
-          </a:solidFill>
-          <a:ln w="28575">
-            <a:solidFill>
-              <a:schemeClr val="accent6">
-                <a:lumMod val="50000"/>
-              </a:schemeClr>
-            </a:solidFill>
-          </a:ln>
-        </p:spPr>
-        <p:txBody>
-          <a:bodyPr wrap="square" rtlCol="0">
-            <a:spAutoFit/>
-          </a:bodyPr>
-          <a:lstStyle/>
-          <a:p>
-            <a:r>
-              <a:rPr kumimoji="1" lang="en-US" altLang="zh-CN" dirty="0" smtClean="0"/>
-              <a:t>Open-Date: the </a:t>
-            </a:r>
-            <a:r>
-              <a:rPr kumimoji="1" lang="en-US" altLang="zh-CN" dirty="0"/>
-              <a:t>most </a:t>
-            </a:r>
-            <a:r>
-              <a:rPr kumimoji="1" lang="en-US" altLang="zh-CN" dirty="0" smtClean="0"/>
-              <a:t>correlated one!</a:t>
-            </a:r>
-            <a:endParaRPr kumimoji="1" lang="en-US" dirty="0"/>
-          </a:p>
-        </p:txBody>
-      </p:sp>
-      <p:sp>
-        <p:nvSpPr>
-          <p:cNvPr id="7" name="Content Placeholder 6"/>
-          <p:cNvSpPr>
-            <a:spLocks noGrp="1"/>
-          </p:cNvSpPr>
-          <p:nvPr>
-            <p:ph idx="1"/>
-          </p:nvPr>
-        </p:nvSpPr>
-        <p:spPr>
-          <a:xfrm>
-            <a:off x="685800" y="1524000"/>
-            <a:ext cx="8229600" cy="1253685"/>
-          </a:xfrm>
-        </p:spPr>
-        <p:txBody>
-          <a:bodyPr/>
-          <a:lstStyle/>
-          <a:p>
-            <a:r>
-              <a:rPr lang="en-US" dirty="0" smtClean="0"/>
-              <a:t>Correlations</a:t>
-            </a:r>
-          </a:p>
-        </p:txBody>
-      </p:sp>
-      <p:pic>
-        <p:nvPicPr>
-          <p:cNvPr id="1027" name="Picture 3"/>
-          <p:cNvPicPr>
-            <a:picLocks noChangeAspect="1" noChangeArrowheads="1"/>
-          </p:cNvPicPr>
-          <p:nvPr/>
-        </p:nvPicPr>
-        <p:blipFill>
-          <a:blip r:embed="rId2">
-            <a:extLst>
-              <a:ext uri="{28A0092B-C50C-407E-A947-70E740481C1C}">
-                <a14:useLocalDpi xmlns:a14="http://schemas.microsoft.com/office/drawing/2010/main" val="0"/>
-              </a:ext>
-            </a:extLst>
-          </a:blip>
-          <a:srcRect/>
-          <a:stretch>
-            <a:fillRect/>
-          </a:stretch>
-        </p:blipFill>
-        <p:spPr bwMode="auto">
-          <a:xfrm>
-            <a:off x="2590800" y="2209800"/>
-            <a:ext cx="4638675" cy="4275142"/>
-          </a:xfrm>
-          <a:prstGeom prst="rect">
-            <a:avLst/>
-          </a:prstGeom>
-          <a:noFill/>
-          <a:ln>
-            <a:noFill/>
-          </a:ln>
-          <a:extLst>
-            <a:ext uri="{909E8E84-426E-40DD-AFC4-6F175D3DCCD1}">
-              <a14:hiddenFill xmlns:a14="http://schemas.microsoft.com/office/drawing/2010/main">
-                <a:solidFill>
-                  <a:schemeClr val="accent1"/>
-                </a:solidFill>
-              </a14:hiddenFill>
-            </a:ext>
-            <a:ext uri="{91240B29-F687-4F45-9708-019B960494DF}">
-              <a14:hiddenLine xmlns:a14="http://schemas.microsoft.com/office/drawing/2010/main" w="9525">
-                <a:solidFill>
-                  <a:schemeClr val="tx1"/>
-                </a:solidFill>
-                <a:miter lim="800000"/>
-                <a:headEnd/>
-                <a:tailEnd/>
-              </a14:hiddenLine>
-            </a:ext>
-          </a:extLst>
-        </p:spPr>
-      </p:pic>
-    </p:spTree>
-    <p:extLst>
-      <p:ext uri="{BB962C8B-B14F-4D97-AF65-F5344CB8AC3E}">
-        <p14:creationId xmlns:p14="http://schemas.microsoft.com/office/powerpoint/2010/main" val="3066392803"/>
-      </p:ext>
-    </p:extLst>
-  </p:cSld>
-  <p:clrMapOvr>
-    <a:masterClrMapping/>
-  </p:clrMapOvr>
-  <p:timing>
-    <p:tnLst>
-      <p:par>
-        <p:cTn id="1" dur="indefinite" restart="never" nodeType="tmRoot"/>
-      </p:par>
-    </p:tnLst>
-  </p:timing>
-</p:sld>
-</file>
-
-<file path=ppt/slides/slide9.xml><?xml version="1.0" encoding="utf-8"?>
 <p:sld xmlns:a="http://schemas.openxmlformats.org/drawingml/2006/main" xmlns:r="http://schemas.openxmlformats.org/officeDocument/2006/relationships" xmlns:p="http://schemas.openxmlformats.org/presentationml/2006/main">
   <p:cSld>
     <p:spTree>
@@ -8863,6 +8902,14 @@
   <p:clrMapOvr>
     <a:masterClrMapping/>
   </p:clrMapOvr>
+  <mc:AlternateContent xmlns:mc="http://schemas.openxmlformats.org/markup-compatibility/2006">
+    <mc:Choice xmlns:p14="http://schemas.microsoft.com/office/powerpoint/2010/main" Requires="p14">
+      <p:transition spd="slow" p14:dur="2000" advTm="22522"/>
+    </mc:Choice>
+    <mc:Fallback>
+      <p:transition spd="slow" advTm="22522"/>
+    </mc:Fallback>
+  </mc:AlternateContent>
   <p:timing>
     <p:tnLst>
       <p:par>
@@ -8871,6 +8918,250 @@
     </p:tnLst>
   </p:timing>
 </p:sld>
+</file>
+
+<file path=ppt/slides/slide9.xml><?xml version="1.0" encoding="utf-8"?>
+<p:sld xmlns:a="http://schemas.openxmlformats.org/drawingml/2006/main" xmlns:r="http://schemas.openxmlformats.org/officeDocument/2006/relationships" xmlns:p="http://schemas.openxmlformats.org/presentationml/2006/main">
+  <p:cSld>
+    <p:spTree>
+      <p:nvGrpSpPr>
+        <p:cNvPr id="1" name=""/>
+        <p:cNvGrpSpPr/>
+        <p:nvPr/>
+      </p:nvGrpSpPr>
+      <p:grpSpPr>
+        <a:xfrm>
+          <a:off x="0" y="0"/>
+          <a:ext cx="0" cy="0"/>
+          <a:chOff x="0" y="0"/>
+          <a:chExt cx="0" cy="0"/>
+        </a:xfrm>
+      </p:grpSpPr>
+      <p:sp>
+        <p:nvSpPr>
+          <p:cNvPr id="2" name="Title 1"/>
+          <p:cNvSpPr>
+            <a:spLocks noGrp="1"/>
+          </p:cNvSpPr>
+          <p:nvPr>
+            <p:ph type="title"/>
+          </p:nvPr>
+        </p:nvSpPr>
+        <p:spPr/>
+        <p:txBody>
+          <a:bodyPr/>
+          <a:lstStyle/>
+          <a:p>
+            <a:r>
+              <a:rPr kumimoji="1" lang="en-US" altLang="zh-CN" dirty="0"/>
+              <a:t>Exploring the Data</a:t>
+            </a:r>
+            <a:endParaRPr lang="en-US" dirty="0"/>
+          </a:p>
+        </p:txBody>
+      </p:sp>
+      <p:sp>
+        <p:nvSpPr>
+          <p:cNvPr id="4" name="AutoShape 2" descr="data:image/png;base64,iVBORw0KGgoAAAANSUhEUgAAAhwAAAH4CAYAAAABwzR1AAAABHNCSVQICAgIfAhkiAAAAAlwSFlzAAALEgAACxIB0t1+/AAAIABJREFUeJzs3Xl4FeX5xvFvEkFCWMUdFZXAA4qIC4qAuNaK1Wr9YV26oFVr1WpdWnfrUm2tdavWre61i4p1qftuBRTFFVF4IKhorSsqS0jYkt8fM7HHmJx3Es8yJ9yf68rVJPPwzjsnsefJOzP3lDU2NiIiIiKST+XFnoCIiIh0fGo4REREJO/UcIiIiEjeqeEQERGRvFPDISIiInmnhkNERETyTg2HFISZVZjZCWY21cxeMbM3zOwCM+ucx33uaGavJ6j7tZl9N/78HDP7UY72f7CZ3ZeLsQrJzHYzs7lm9ryZdWnnGNeZ2Za5nlsb57CRmd35Df59TzN7MmHt/WY2PlfjtZWZDTezq/MxtkiuqOGQQrka2BbY2d23AIYDBlxf1FlFdgY6Abj7We5+a5HnU2wHAH92923dvb6dY+wKlOVwTu3Rj+h3rL16E/2eJtEYf+RqvLbaFFgvT2OL5MQqxZ6AdHxmthFwELC2uy8CcPfFZvYzYLu4pidwJbA50f9xPwSc5u4rzGwJcE+87QfAsxlfHwTUAZcBfYAK4HJ3v6nZHAbG41cB6wKvAvsDhwFbARea2QpgH+B1d7/YzLYHLgS6AkuBM9z9ETM7GPgesAIYEG/7sbu/0cLhr2NmD8X7nAsc7u4fxcf7R2AIUbPzBPAr4CJgkbufaWZrA/8FdnH3p8zsB8B33X1/MzsUOJLoj4Z5wM/d3eMVo98DY+LX4hXgWHdfaGbvADcBuwAbALe7+8nNXqdfAXsDdWbWw91PNrPTgX3jfb0DHOXuH5jZiHhfqwLrAI+5+2Fmdn58vH+N/+q/ELjC3f8Z7+Pp+Gd0V7Ofbas/SzPrFs+9GmgAXgKOcPdGM3sAuNrd7884jgqiZnZdM3vI3cea2Ujggvh3oAE4290fiF/nv8T7BHjA3X8d76/SzF4Gtnb3hozx1wVuiY97LrBmxrafAD8FOgOrARe4+zXNxwMObqkuy3xo6ecOLAbOBXqY2Q3ufigiKaQVDimELYE3mpqNJu7+kbvfE395OfCJu29G9H/GmwO/jLd1Av7l7oPc/aXMr4FpwJ3AKe6+NbAj8Esz27bZHA4DbnL3kURvWhsBe7j7lcCLwK/iuTQCjWbWB5hA9Ga9OTCe6A10w3i8MURv8psBk4mahZYMBI6Ox3idqMkAuBR4MZ7zlsAawAnAXcDucc3uwIdEqwUQNQITzGwH4MfA9u6+JfCH+N8BnAIsc/et3H0Y8AHRmyzxsVW5+xhgJHCMmfXLnKy7/wH4F3BJ3Gz8mKgp2iZemXqI/61KHQuc6e4jiP7C/q6ZbeHupxM1Sj9w9xf4+l//mZ8n/Vl+D+iWsToG0c8Qd/9OZrMRf28FcCgwJ242egM3Aj90963i1/JqM1sfODyu2wrYHhhgZt2JGoI6d98ys9mIXQk86+5D4tdhEICZVRH9ro2NfzYHEDVcZI5H1MS2VtfSfHq09nN39/eAM4GJajYkzbTCIYWwgnBzuzvRmyDuvtTMrgGOI/oLGmBis/qmrwcCGwM3mn25et4FGAbMzKg/Gdgt/gveiP4C79bKXMqITv/UuPvUeE5vmtlkojfBRuAld/9vXP8y0QpASx5z97fiz28EXog/3xMYHv/FClBJ9Ff3RcB6ZrZG/JqcBxxsZmcTNTkHA2cTNU3PZhxz7/hNdU+gp5l9K/5+Z+CjjPncGx/Pf83sY6K/rOe2Mvcv5wm8GO+rIp4rRE3Yd8zsVGAw0Ztoa69pNkl+lo8A55vZU8BjwGUZr2trMk/pbEe0GnFvxtgNwGZETdSDZrYB8DhRw7MwbjpbswtRg4i7z2m6NsPda81sT2AvM6uO517VfD7uvihLXUvzWWBm36H1n3uxT1+JBKnhkEKYCgw2s26Zqxxm1he4FhhH1JBk/p9mBV/9/fzK6kjG1xXAF/Ffvk3jrgnMJz5dE7strr0deABYn+z/J93StqY5LSNa+g/VQ/SmllmzLP68HBjn7h7PuSfQGJ8iuI/ojX5b4EfAqcB+RH9RLzazcuBWdz8l/rdlwLru/nm87Vh3fyTeVkX0pt0kc96NWebdpJxoqf/aeLzORNciAEwiOmXzMHAHsE0r4zXy1Yaz+YXCwZ+luy+J35h3JLrm5nEzO6bpNE0CFcCMeDWmaex1iFbVlsen/XaNx37BzPYhWh1qTfNjWh6PuR7wHHANUSN1J9HP8iuy1bn7i63MJ9vPPeHLIFI8OqUieefu7wN/I/rLtTuAmfUArgI+jS9MfAQ4Ot62KtG57ceSDA/Ux9c3EP9VOJ3oNEWm3YBz3X1C/PW2RG9CEL1ZNL0JlhG9mUyJhrPh8bibEi1vP03b/prcKV62h+jc+4Px548Q/4UcH+99xMcP3A2cBExz92XAk8DviN6UAB4FDozP9TeN+0TGuMeYWae4+bge+G0b5tuk6RgfAQ5v+rkBvwFuNbNeRNe+nBKfilqP6K/vll7TT4hOk2Fm/YGhreyztZ/lVvH1Pje5+6PxG+4jRKdxsllOfDEw0c9zQHxdDma2BTCb6BqPC4hODd1LtKr2BtG1Ocszjqe5h4l+R5vmuVP8/a2Aj939fHd/DNgrrilrNt7WrdSVZ5lPtp975rGKpJIaDimUo4A3iZaDXyF6A5hOdB4bovPga1p0G+s0YAZwfryt+dX/X37t7kuJzscfZmavEb0RnOHuzzWrPQ2428ymEt0x8zTRGyREb/YXxdcrNMbjziNaVbjCzKYRNUwHu3sNLV+T0NIdCo3xsdwYH9d6xE1GfLxV8fdfiz+azuE/SXTKp6nheoToosT74rk9SnSq6bH4mA8gusYBoobgHaKVhzfiOZzYwtxCmo7neuB+YIqZTSe6nmO8u39B1AS9HL+mpxCteDS9pvcAt5vZrkSnhXaLj/UC4N8t7Cfbz/JZoosoK8zszXh/3YmvhzGzB+LTE81NB1aY2RR3/wT4P+APZvYq0QWfP3T3d4mupxkWz28q8BbwD6LrUF6O99m72dhHA5uY2Zvxa/RK/P1Hgf+YmccXh64PfBy/Ll+OR3RqraW6/q3NJ/BzfxYYZGZJV3xECq5Mj6cXERGRfNMKh4iIiOSdGg4RERHJOzUcIiIikndqOERERCTv1HCIiIhI3qnhEBERkbxTwyEiIiJ5p4ZDRERE8k4Nh4iIiOSdGg4RERHJOzUcIiIikndqOERERCTv1HCIiIhI3qnhEBERkbxTwyEiIiJ5p4ZDRERE8k4Nh4iIiOSdGg4RERHJOzUcIiIikndqOERERCTv1HCIiIhI3qnhEBERkbxTwyEiIiJ5p4ZDRERE8m6VYk+giBqLPQERESlpZcWeQCnRCoeIiIjknRoOERERyTs1HCIiIpJ3ajhEREQk79RwiIiISN6p4RAREZG8U8MhIiIieaeGQ0RERPJuZQ7+YnrNB1m3D6lep0AzERER6djKGhvTG7hpZpsCvwe6At2AB4F7gL3c/Tdm9j1girtn7xxalt4DFxGRUqCk0TZI7QqHmfUC/gF8z93nmFk5MAH4wN1/E5cdC7wJtKfh0AqHiIhIgaR2hcPMxgPD3P34jO9VASOBnwC3An8DZgHXAwPc/SQzqwBeAbZ296VZdtGohkNERL4BrXC0QWpXOIB1gLczv+HutWa2LP78QTN7FTgC+C/wspmdAuwOPBloNkRERFLvgU6Wk1WB7yzzojdHab5LZS6wfuY3zGwjYAzNrr9w90XAv4FvAwcTrXiIiIhISqR5heN+4DQzu9rd3zKzTsDFwGPA4LimAaiIP78OOAVYzd2nF3y2IiIiOVbWKf8LE/E1klcBQ4ElwGHuPidj+w+AE4AVwI3ufk179pPaFQ53XwiMB64zs6eA54BXgRn8b4XjWeAvZtbL3V8A+hNd1yEiIlLyylcpy8lHwD5AZ3cfSfSH+8XNtv8B2AUYBZxoZj3bcyxpXuHA3V8mOsjmno63nwmcCV92aLVEd7aIiIhIMqOAhwHc/Xkz27rZ9mlAL6KzCmW0M1Yi1Q1HUvG1HXcRLfUsKvZ8REREcqGsU0FORPQAFmR8vcLMyt29If76DeAloj/q/+nuC5oPkESHaDjc/W1gi7b+uwoagjVTx2wXrBn+zHNt3bWIiEhQgtMhubAA6J6526Zmw8yGAnsA/YDFwF/NbJy739nWnQQbjpbSPt39bDPbHPhuWxM/zWxj4EKgbzz5OuAkd3+zrZP/pgZX9w3WqJkQEZEObjKwFzDBzEYQnUJpMp/ofXqJuzeY2cdEp1faLGvD0Vrap5kd4e7XAq/FpYkSP82sK3Av0RWwz8ffGw5cCezUngP4JmbUvJ91++DqvlrhEBGRoinEXSrA3cC3zGxy/PUhZnYg0M3drzOza4FJZrYUqAFubs9OsiaNZkn7XEp0kckRtCHx08z2B7Zz9+Na2d/NwGrxx55EF4SOijf/3d0vj2v+4e6PmNnuwP7ufoiZvQVMIbpTZTpRU5PtwpZGNRwiIvIN5L0beHLDoTkJ/tr5nWmpD/5qMe3T3ZdlfP0g0e2qPyJaDdknXglpKfFzQyDz3t57zOwpM5tpZn2Jrnx9wt1HA6OBDd19RPz5QWY2JK5p6QfQFzjD3bclOvWzT/DoRUREpCBCDUeLaZ9mtj0tvOknSPx8D9goo34fd98J+Jz/nd7x+H8HARPjuuVEqxebNBsvs2N7193fij9/FrDAsYmIiKRaWaeynHykQajhuB/YPb7Qkzjt8xJg02Z1zRM/DwfWaCHx815gVzPbtukbZlYNrMf/Gpim/51BtLLRtN+RwGygHlg3rtkyY+y+ZrZW/PkootMqIiIiJatAwV8FkbXhaCXt85WMWNM2JX66ey3RlbDHmdnTZjYJuAE4zt3fzRzT3R8A3jazZ+P9TnD3V4hWTY43s8eIGo+mOSwB/mRmU4D33f3+tr4YIiIiaVJWUZaTjzTI+ePp4+s3JgG7FTKEy8w+cPe2PE9eF42KiMg3kfd38meGbJGTN+kx018peteR0+CvIid+5rZzEhERKbLylKxO5EJOG472Jn7maN/rhqu+qmvjwmDNmjfclGisd2fPCNZsMGBwsEZERKRJWbkajpwzs4uArYC1iVJN3wI+dvf987XPfgMG5aQG1EyIiIhkk5qGw91/CV+GjZm7n5bvfc6dPTPr9n4DBgVrmuq0wiEiIrlWVlGQh7cVRGoajmbKzKwHUVJptbs3mtnvgReBo4lumR1EdMHO/u7+kZn9jug22grgkvY8WEZERCRNOtI1HKltneLH304kygGpIEouvYfo4tDJcWDY7cBpccT5hu6+PbAzcLqZ9SzS1EVERKSZtK5wNLmO6MFw5cBj7r7MzACejLc/B+wN/AfYKs4Kgei4+vHVJ96JiIiUlI500WhqVzgA3H0yUYjYoUQBYU22jv+3KVF0JvBUvOqxCzCB6KJTERGRklVeUZaTjzRIa8ORmanxN2Atd8+8KvNgM3saGAuc7+73AYvM7Bmi6zwaipADIiIiIq1I3SkVd7+l2bdWITq1kukUd5/V7N+dmNeJiYiIFFhaYslzIXUNRyYzu5kol2OvfIy/pLwyWLOAXonGWlSW7BrV6TUfBGuGVLcloV1ERDqqsvK0nohou5w/S6WErLQHLiIiOZH35YeXdhqVk/eqrZ6aXPSlklSvcLTGzHYE7gDeIGocKoG/ufuf4u2XAjPd/dps48yaMzfrfgb278frsz8MzmezAWvzZs1/g3WbVK+rFQ4REUmsI92lUpINB1GT8bi7HwRgZp0BN7PbgFuBAUThYCIiIiUrLXeY5EKpNhxlfHUpqwewAlgLOIvo7pWO81MSEREpcaXacADsHAd9NQDLgJ+7+xsAZja2qDMTERHJAZ1SSYcn3f3AYk9CREQkXzrSXSod50hEREQktUp1haOR8G2tuu1VRERKmk6pFJm7/xv4d5bt5xRwOiIiInmhu1Q6iKrl84M1tcvDaaQAtSuS1SU1/5LjgjU9T7gsp/sUERHJFyWNioiItE/elx/e/N4uOXmv2uTuJ4q+VFJyKxytpYwCk4DLifI4lgA/dvePs431vk/Luq++NpQpM8KrICMG92Sqfx6sG269EyeNaoVDREQ60l0qJddw0HLK6CzgUGC8u08zs58CJwN6gqyIiJQsXTRaXC2ljC4H9nT39+PvdQLqCj0xERERaVkpNhzQcsro+wBmNhI4Gti+iPMTERH5xrTCUXwtpoya2f7AacAe7j6v8NMSERHJHTUcKWRmPwR+CuzonuAKThERESmYUmw4vpYyamYVwB+BucBdZgbwb3c/u+CzExERyRHdpVJELaWMuvsKoE9xZiQiIpIfShrtIJaXdw7W9Oy0KMFIPelekaSuNw2NybrVVfv3T1S3+Om/Z93edceDEo0jIiKSTyWXNJol+OtJ4M9x2WzgsHjlozWldeAiIpI2eV9+eOvgPXPyXrXxzfcXfamkFFc4Wgv+2hk4xd0nmdlNwF7APdkGmjt7ZtYd9RswiBk172etARhc3ZeZNe8F6wZVr8+02R8F64YOWIv6e68I1nXZ+xitcIiIdGC6hqO4Wgv+Gu/uC+MGZG3gi2JMTkREpJSYWTlwFTCU6NEgh7n7nIztw4GLid57PwR+6O5L2rqfUmw4oOXgr4Vm1g94jKjZyP6gFBERkZQrUA7HPkBndx9pZtsSNRf7AJhZGdHlCv/n7m+Z2aFAP6IzC21Sqg1Hi8Ff7j4XGBi/IJcABxd6YiIiIrlSoIZjFPAwgLs/b2ZbZ2wbCMwDTjCzIcAD7t7mZgOgw5wcMrN7zaw6/nIR0VNjRUREJLsewIKMr1fEp1kAVgdGAlcAuwK7mNlO7dlJKa5wfC34K3YBcLOZLQVqgcMKOisREZEcK9BFowuA7hlfl7t7Q/z5PKDG3R3AzB4GtgaeautOSq7haCn4K/7+c8Dows9IREQkPwp0SmUy0Z2dE8xsBF+9BvItoJuZ9Y8vJN0euL49Oym5hkNERERy6m7gW2Y2Of76EDM7EOjm7tfF10X+Pb6AdLK7P9SenazUDUd9WdeC77O8rCFcBDTMT3ZXb/miBcGa2okTgjVV2++XaH8iIlI4hTil4u6NwJHNvj0rY/tTwLbfdD8dJmnU3f8Ubz+I6DbZkYGhSuvARUQkbfJ+vuM/x3w/J+9V611xh5JG26GlpFE3s78A/YGfJB3Ia97Nut2qN8h50uj0mg+CdUOq12HxX34TrOv64zOpv/+arDVd9vyZVjhERKToSvG22NaSRnsB5wPHUYCuU0REJN/Kysty8pEGpbjCAV9PGv0FcDlwAlBfzImJiIjkip6lUnxfSRqNc96rgauBLsAmZnaJu59QrAmKiIjI/5Rqw/EV7j4VGAIQP0/lNjUbIiJS6tJyOiQXSrHhaC1ptElZYLuIiEhJ0CmVImotaTRj+ztEue8iIiIlrSOtcHSc1klERERSq+RWOHKpgYpgTSW1icbqQl2iuvKEZ3vKe/dJVLds9b5Zt3cBGlatSjRW7fVnBmuqDgvng4iISG50pBWODpM0SvTwmfv5Xxzr1e5+R5ahSuvARUQkbfLeDXx8+sE5ea9a8/ybi965lOIKR0tJo7OAVYGL3f2SpAOFUkQHV/flnZpZWWsANqwemLjuzZr/Bus2qV6X+vuuCtZ12esoFk65L2tN9xF7sfCFB4Njdd9mD61wiIhI3pRiw9Fa0uimQD8z2xuYDRzn7ouKMD8REZGcKCsr+sJEzpRiwwFfTxr9ObA28Jq7v2JmpwFnAb8q4hxFRES+Ed0WW3xfSRoFMLOe7j4//vIeoqhzERERSYGO0zrBI3HEOcAuwIvFnIyIiMg3pYe3FVdrSaNHAleY2TLgA+CnBZ2ViIhIrumUSvG0ljTq7q8Aows/IxEREQkpuYYjl1avfy9Q0ZfPG1YLjrMhMG/F6onqVilblmBm0LhKp0R1nT4L32bb6cO3E41VVj04Ud2n058L1qw+ZLtEY4mISOvScjokF0ou+CuHVtoDFxGRnMh7N/D5+Ufm5L2q9+lXF71zKbkVjixJo3cA1wG9gArgx+7+VraxPpk+Jeu+1hgygldmfRqc0xYDV+cl/yxYt5Wtxqw5c4N1A/v3o+6h64J1lWMPp/7Ba7PWdNnjCOr/dWVwrC7fPZrFT/89WNd1x4O0wiEiIm1Wcg0HrSeN7gLc6u53xk3JICBrwyEiIpJqHeiUSik2HK0ljW4OPGNmjwHvAL8o/NRERERypyMFf5XqkexsZk+Z2RPArcAxwHrAZ+7+LeBd4ORiTlBERET+pxRXOKDlpNF5wL/iL+8Dzi/4rERERHKoI92lUqorHC2ZBHwn/nwHYHoR5yIiIvLNlZXn5iMFSnGFo7Wk0ROB683sSOAL4KCCzkpERERaVXINR5ak0XeB3Qo/IxERkfzoSKdUSq7hyKVFXfpk3b4G0KV8SaKxulbUJapb2tg5Ud2ymW8GayrHwrK35mSt6QI0LqlPtM+y98MZIQDd3nktXDRkO+rvuixY1mXf4xLtU0RkpdSB7lJR0qiIiEj75H35YcFlJ+TkvarHcZcUfamk5FY4siSNjgLWjss2Ap5tCgdrzds1s7Pua6PqAcyoeT84p8HVfRPXTa/5IFg3pHodFlx6fLCux/GXsvBPJ2Wt6f7zC6mbcHFwrMr9TqTub78L1/3gVOrvvyZY12XPn2mFQ0TkGyorK3qfkDMl13DQctKoA5u7+wIz6wU8BYTfsUVERNKsA51SKcWGo6Wk0RVEaaMA5wKXu/tHhZ6YiIhILumi0eLb2cyeAhqAZcDP3X2xma0J7IxizUVERFKlVBuOryWNxsYBf3N3XRAqIiKlLyWhXbnQcY4ksgvwULEnISIikhPlZbn5SIFSbDhaSxoFMPRIehERkdQpuVMqrSWNxtuGFHg6IiIieVNWgFMqZlYOXAUMBZYAh7n711IlzezPwDx3P7U9+ym5hiOXVpSFD3+VsmWJxupcljCRtKw2UV2n9dZLVFe++fBgTVlVt0RjlVVWJqqjsSFZWbceierq7vhD1u2V3/9VonFERDqcwpwO2Qfo7O4jzWxb4OL4e18ysyOAIcDT7d1JySWNZgn+mgRcQ3TXyiyiDi3bwZXWgYuISNrkvRuove6MnLxXVR1+XqtzNbOLgefd/Y746/+4+3oZ20cChwLPAINWphWOloK/ZgH7Ame7+8Nm9leiR9Xfn22gmjlvZ91Rdf+NmD3nneCEBvTfkDlzwpeO9O+/MW/NqQnWbdy/OnE6aO3ECVlrqrbfj/oHrw2O1WWPIxIng9bfd1W4bq+jqHv0xmBd5W4/0QqHiEgrygoT/NUDWJDx9QozK3f3BjNbB/g18D1g/2+yk1JsOFoK/loOPAn0MbMyoDuwtAhzExERyZ3CRJsvIHrfbFLu7k3nzscBqwMPEj0+pKuZzXD3v7R1J6XYcEALwV9Ab+BPwBnAF7RyYamIiIh8xWRgL2CCmY0ApjVtcPcrgCsAzGw80SmVNjcbULoNx9eCv8zsY2C0u88ws6OILnr5eVFmJyIikguFOaVyN/AtM5scf32ImR0IdHP365rVtvuaklJtOFoyD1gYf/4BMLKIcxEREfnmCnBKJb7B4shm357VQt0t32Q/pdhwtBb8dRhwm5ktJ7qP+PCCzkpERERaVXINR2vBX+4+GRhd+BmJiIjkR4HuUimIkms4REREVhod6OFtK3XDsaKxIlhTlvD6mDKSpW8ua+ycqK5h4YJwEVBeH04ubVwwP6f7bKxdlKiubHmylNaG+eH5fX7B0cGa3qdcmWh/IiJSeB0pafRZoqTReuBV4BdKGhURkTzK+xWddX//XU7eqyoPOrXoj4wtxRWO1pJGlwE/cvcpZvYb4CCiRqRVXvNu1h1Z9QbBNFKIEkmTJoiG9tm039obzwrWVf3kHOoeuzlrTeW3DqbutguDY1UecBKLbzk3WNd1/K8Tj5c04bT2ujOy1lQdfp5WOERkpVSIh7cVSikeSWtJoz3dfUr8vWfRBaQiIiKpUYorHPD1pNFjgDPMbIy7P0OUmFZVzAmKiIh8Y4V5WmxBlGrD0VLS6Bzgj2b2a2Ai0bUcIiIipUunVFLpO8AP3H1XoA/waJHnIyIiIrFSXOFoLWl0NvCEmS0mWgF5uLDTEhERybHCPC22IEqu4ciSNHo/cH/hZyQiIpInHShptOMciYiIiKRWya1w5FJjgsyWxEmjCQPUGginmwKwYkWyuiRpno3JUlAbly7N3T6Bxhxe7FTeuVOiuk/OOCRYs8Z5N33T6YiIFEYHumg0tUmjrSWKuvuf4u2XAjPd/dr468OBnxJlcpzn7g8EdpHOAxcRkVKR9wss6u+5PCfvVV32ObboF4OkeYWjpURRN7PbgFuBAcCMeNvaRFkcWxE1JpPM7DF3z/on+8ya97JOYFD1+syZ81Zwov37b8zbNbODdRtVD2BGzfvBusHVfYPpmxAlcNY9dF3Wmsqxh1P3jwuCY1UeeEryff71/PB4Pzw9OLem+SVJGp1/yXHBsXqecJlWOESkY+lAKxxpPpKWEkVXAGsBZxE1HU3btwEmu/syd18A1ABDCzhXERERySLNKxzw9UTRn7v7GwBmNjajrjuQ+cjRhUDPgs1SREQkH3RbbMF8LVG0FQuImo4m3YHP8zMlERGRAulAt8WmveFIaipwvpmtCnQBBgPTizslERERaZLm1qm1RNHmNbj7h8DlRM9QeQI4LXTBqIiISOqVleXmIwVSu8LRWqJoxvZzmn19PXB9vuclIiJSMLpLRURERCS51AZ/FcBKe+AiIpIT+Q/+evj63AR/7X5Y0c+rpPaUSpN2JI5WALcD17n7I9nGrpnzdtZ9V/ffKFjTVPfWnJpg3cb9q3l11ifBumED16D+rsuCdV32PY66R2/MWlO520+onTghOFbV9vtR/68rw/v87tHUPX5LsK5y1/HMmzYpWNdn6OiglkONAAAgAElEQVRE4WUfzHw1ONY6g4ZRO+nOYF3V6HHB1w2i105EpKhScv1FLqS+4aBtiaP9gb8AfYE/F2e6IiIi0lwpNByhxNGxGdurgEOBkynAUpeIiEhedaCLRkuh4YCEiaPuPi3+XlEmKSIiklM6pVJwSRNHRUREJIVKpeEQERFZ+SjavKASJ44m+J6IiEjJaNQplcJpa+Jo/L1D8jopERERaZPUNxz5VN/YJVhT0bg80VjljQ2J6rpXLExQtQaNS+oTjdfQtUewpuKLcPYHACtWJCorq6tNVNf14zkJqkbDF/OCVav+85rwUKdfw+JHHwyWVY0eR93UF4J1lbv9hHmvTw7W9dlsVHhuIiLt0YHuUlHSqIiISPvk/XxH3dP/yMl7VeWOBxb93ExqVzjakTB6PLB//M8fdPdzQ/uYXvNB1u1Dqtfh7ZrZwbluVD2Ad2pmBes2rB7InDlvBev699+Yun9cEKyrPPCUYLJm1ehx1N93VXCsLnsdRf3dl4frvnds4vGSJpKGjrXywFP47PyfBcda7fRr+OTX4XTQNc69MfF4WuEQEcmN1DYctC1hdGPgIGAbd280s0lmdre7v16kuYuIiHxjumi0MNqSMPou8G13b1p66gTUFWieIiIi+dGBruFIc8MByRNGlwOfmVkZ8AfgZXcPP01NRERkJWdm5cBVwFBgCXCYu8/J2H4g8AtgOfA6cFTGH/iJpb3hSJwwamZdgBuB+cBReZ2ViIhIIRTmlMo+QGd3H2lm2wIXx9/DzCqB3wBD3L3ezP4O7Anc19adpL3hSCRe2bgXeMLdLyz2fERERHKiMEmjo4CHAdz9eTPbOmNbPbCduzdlNaxCOy9ZSHPD0ZaE0X2AMUCnjFMtp7r7lHxNTkREJN8KdNFoD2BBxtcrzKzc3RviUyefAJjZMUCVuz/enp2ktuFoS8Kou99NdNusiIiItM0CoHvG1+Xu/mWaZXyNx4VANfB/7d1JahuOtMh1d7mCimSFFcnqyhoSpIMuT5aW2li/OFldwhRUyhP+ejWErz3q3Ltnsl126pSobnltshXBLgs+SlT3+QVHZ93e+5QrE40jIvIVhblLZTKwFzDBzEYA05ptv5bo1Mr32nOxaJPUJo22I/jraGB8XHuRu08I7CKdBy4iIqUi7+c7Fk35V07eq7qN+G6rc42vg2y6SwXgEGAroBvwYvzxTMY/+aO739PWOaR5haMtwV+rAz8DhhE1Jm8CoYYjUdLoW3PCd9du3L86cdLorDlzg3UD+/ej7o4/BOsqv/8rFj9ze9aarmP2T5wgmjTdtO7OS8J1406g7sm/het2/gF1f/td9pofnMqiq04OjtXtqN8z7zdHBOv6nHktH582Pli35m9voXbyXcG6qlH7aoVDREpWvGpxZLNvZ76pJVyazy7NiSKh4K9bm7a7+6fA5u6+AliHaOlHRESktJWV5eYjBdK8wgEJg78A3L3BzH4OnA38sdATFRERybVGJY0WTOLgLwB3/5OZXQs8ZGYT3f3p/E1NREREkuoQrZNF/hl/uZwomjXB7RsiIiIp1oFOqaS54Ugc/OXuDrxmZs8R3d7znLtPzPP8RERE8qusPDcfKZDaUyptCf6Kvz4XODff8xIREZG2S23DISIisrIrULR5QazUDUfPhs8CFeuwnGTJlUvokqjulY/WD9YM7A8N626UaLzlXXuFa9baINFYy6o3D9ZUAnUDtk5W1yd8rJXAio03CdYt2mn/YE03oNPYfYN1AF32PShRHUmSXIHle/4oWPP5q08Fa3oP2ynR/kRkJZGS0yG50GGSRuPvlQMPAPdkfr8V6TxwEREpFXlffljw8mM5ea/qseW3ir5UkuYVjsRJoxnOA3qRsJl4b9YbWbevP3DTxMmgXvNusM6qN+D2ZxuCdfuPLKd20p3BuqrR41jw4iNZa3ps/W0WPRtOoO02ch8WTH0oWNdj+Fg+e+2ZYN1qm49JXLfouXuzz227vflwxsvBsdYevGXw9YDoNUlaVzsxGFhL1fb78cn07A8mXmPICK1wiEibNea/pymYNDccoaTRsZnbzWxcvP1hCtB1ioiI5JuCvwonUdKomQ0BDgTGETUjIiIikiJpbziSJo3+COgLPAlsCCw1s7fd/dF8Tk5ERCSvtMKRLu7+5aNEzews4AM1GyIiUuo60m2xaW6dEieNioiISLqldoWjrUmjoe+LiIiUGl00KiIiIvnXgU6prNQNR6cVS3I2VtJ7peuXJqtbliBBFKChIvwjbFylc6KxVnRKlpbaUJEsfZWEoXLLV60K1ixZpWuisZat2i3ZPjtVJqprTHisdav2DO9zlWT7/Px3RwVrep96VaKxRETSosMkjZrZH4FRwMK4fh93X5BlF+k8cBERKRV5X36YN/3ZnLxX9RkysuhLJWle4Whr0uiWwG7uHnpAypdC6ZVrD94ycdLozJr3gnWDqtfnlqfDvzvjdyzji5cfD9b12nJXvnjliew1W+zCwhceDI7VfZs9Eidhfjr9uWDd6kO247NXW70E50urDdsheKy9ttyVubNnBsfqN2AQ816fHKzrs9mo5CmoCVNa353dPPT2qzYYMDiYRgpxIqlWOEQkpqTRwkicNBo/Q2UAcJ2ZrQXc4O43FXa6IiIiuaWLRgsnUdIo0BW4HLiE6JieMrMX3f31Qk9YREREvi7tDUfSpNHFwOXuXg9gZk8CmwNqOEREpHTpLpXUMeA2M9sCqABGAzcXdUYiIiLfUGOq8znbJs1Hkjhp1N1nEF1IOgV4Grgl/p6IiIikQGpXONqaNOruFwEX5XteIiIihdKRnqWS2oZDRERkZdeR7lJJbfBXAay0By4iIjmR9+WHD2e+kpP3qrUHbVH0pZLUrnC0I2l0LPBrol+Al9z96NA+/jNretbt6w0cgte8G55r9QaJg7/++kz4d+eHY8pY/MztwbquY/Zn4ZT7stZ0H7EXtRMnBMeq2n6/xCFX8196NFjXc6vdEoeXhY6165j9E4dmLXz+/mBd9233ZNFz9wbrum23N4v/fVuwrusOBwTD0FYfsh0Lpj4UHKvH8LGJg78+O/9nwbrVTr8mWCMi6dWRgr/SvFbTlDS6k7vvDOwAnGhmq5vZQ8BecQ1m1h24EPiOu48A3jGz1Ys1cRERkVxoLCvPyUcapGMWLQsljd6asX0kUebGJWb2DPCRu39awLmKiIhIFqk9pRJLmjS6OrATUdhXLTDRzJ5z99mFnrCIiEiu6C6VwkmaNPopMNXdPwaIVzmGAWo4RESkZHWkazjS3nAk9QowxMz6APOBEcCfizslERERaZLmhqMtSaMfm9mpwCPx92939zfzOTkREZF8S8sFn7mQ2oajHUmjtwPhe0lFRERKREc6pdJxWicRERFJLSWNioiItE/elx/m1nhO3qv6VVvRl0pSe0qlLUmjZjYMuDTjn48A9nb3rJGYc2fPzDqHfgMGMWvO3OBcB/bvlzhp9O4XVgTrvrdNBbWT7wrWVY3al4UvPJi1pvs2ewTTSCFKJE2aIDrv9cnBuj6bjeKz154J1q22+ZhEaakfzHw1ONY6g4bxxStPBOt6bbFL4hTUpMmlH705NWvNWpsM57NXWz1D+KXVhu2QOEH0iwuPCdb1OukK5l90bLCu5y8vD9aISOEV4pSKmZUDVwFDgSXAYe4+J2P7XsCZwHLgRne/vj37SW3Dwf+SRg8CMLPOgJvZbUShXwOAGQDu/ipRDgdmth/wn1CzISIiIgDsA3R295Fmti1wcfw9zKwTcAmwNbAYmGxm/2qKoWiLNF/D0ZakUQDMrAo4G/hFYaYoIiKSPwWKNh8FPAzg7s8TNRdNBgM17j7f3ZcBk4Ax7TmWNK9wQPKk0SaHAne4+2cFnKOIiEheFOgulR7AgoyvV5hZubs3xNvmZ2xbCPRsz07S3nAkTRptchDwf/majIiISAe0AOie8XVTswFRs5G5rTvweXt2kvaGIzEz6wms6u7vF3suIiIiuVCgZ6lMJnoC+wQzGwFMy9g2ExhgZr2JnlU2BvhDe3aS5oYjcdJobCDwdv6mIyIiUliNjQVpOO4GvmVmTbcgHmJmBwLd3P06MzuBKMm7HLjB3T9oz05S23C0I2l0KrBvvuclIiJSKI0FuLfD3RuBI5t9e1bG9vuBcEZAQGobjkLovKI+WJO0u0z6S7F4SbK6xPn5jQ3BkvJl4eMEKF++NFFdpyWLEtVVLE+63yXBms7LapPtc1l4LIBVliQbL+lrssqKcN0qyxYn22enTonqGpYtS1S3bFGy/S7444lZt/f4xcWJxhERaUlqk0bbEvwVf30icCDRHS2/dfd7ArtI54GLiEipyPv5jllz3s3Je9XA/hsoaTSLxMFfZtYLOBboD3QDXgVCDUcwvXKdQcPwmneDE7XqDZhRE75WdXB1X/42Mfy784Pty1j0bHD6dBu5TzAJs/u2e1I7cUJwrKrt90ucqrngxUeCdT22/nbi5NLaSXdmn9vocYnTTUPJqxClry567t5gXbft9k6c+BqaX5/NRrFg6kPBsXoMH5s4QTRpIumnZx8WrFv97Ou1wiGSQh3p4W1pbjhCwV9jM7bXAnOJmo3ucZ2IiIikRJobDmhb8Nd/gDeBCuC3BZ2liIhIHmiFo3CSBn+NBdYGNiRa9XjEzJ6N71wREREpSWo40uczoM7dlwKY2Re0M3pVREREci/NDUfi4C93n2RmU81sCtHpl4nuHn7+uIiISIoVKPirIFLbcLQj+OtsoifFioiIdAgd6ZRKmh9PLyIiIh1Ealc4CmHeKmtl3b4OUFGW7A7bVcvqEtVttvbHCarWouH5Vhd3/mfkPnR6vyZYVvFJsufZVcx8OVy07Z50mvliuG7rb7PK4vnhOqDxjcB+R4+j6u3smSkAbDaK8teeDddtswe8OiVct93elL87K1w3CrrOCOx3s1F08gSv7/CxrLr1iHAd0GnXPRPVVY3ZKVHdKltsE6xJmksiIrnRkVY4OlLS6MnAAUSP2b3Q3R8I7CKdBy4iIqUi793A6zUf5eS9arPqtYreuaR5haMtSaObEcWab0P0C/CsmT3p7lmXHabXZH/g3ZDqdaiZE34AbXX/jXhrTnilYeP+1Uyb/VGwbuiAtVhw6fHBuh7HX0r9XZdlremy73HBmqa6xbecG6zrOv7X1P31/GBd5Q9PT5xwuuja07LWdDvit9T/68rgWF2+ezS1150R3ufh57Ho6lODdd2O/B11/7ggWFd54CnU3ZH9ac2V3/9V4tet7sm/het2/kHiZNik4y1+5vasNV3H7K8VDhFptzQ3HG1JGh0EPJ1xW+xsYCjwfMFmKyIikmO6S6VwkiaNvg6cambdgFWBkcC1hZ6siIhILjV0oGs40t5wJEoadfeZZvYn4GHgXaKVjU/zPTkRERFJpkPcFmtmqwPd3X00cCSwPjC9uLMSERH5Zhopy8lHGqR5haMtSaOfmtlgM3sBWAr80t11F4qIiJQ0XcNRAO1IGv1Z3iclIiIi7ZLahkNERGRll5bTIbmwUjcclQnSQZc1dk401tLGVRPV1S6vTFRXVlGRqK5xcW24pqEh0Vjl3XskqmOtvsnGW7Y0UV1Zp07BmoZeqyfbZ6/eieoqeiV7mPCKBQsS1bHamsGSsp7J5sbS+kRlqyz6PFFdWW2yxNey+vDvUnntF4nGWvink4I13X9+YaKxRFZmHemUSskljQKTgMuJMjmWAD9294/N7HDgp8By4DwljYqISJ7lvRt40T/PyXvV1ta76J1LmhuOHYAjmiWNzgI+B8a7+zQz+ylgwIXAY8BWRI3JJGDrpiCwVjTOmfNW1jn0778xM2rCzyEZXN2XmTXvBesGVa/PczPCfzFvN7gHCy//ZbCu+7EXBdMrK394OnV3XhIcq3LcCYkTSeseuzk83rcOTpxwWXvjWVlrqn5yTjAFE6IkzLoJF4f3ud+JiRNEQymoECWh1j1+S/axdh1P/X1XBcfqstdR1D18Q3huux9K3RO3hut2+VHy/T56Y/axdvtJsKapTiscspLI+5v4VP8iJ2/Sw61X0RuONJ9SaSlpdDmwp7s3dQGdgDqiSPPJ7r4MWGZmNURJowmeMiYiIpJOHemUSpobDmg5afR9ADMbCRwNbA/sDmSeqF4IJDtJLyIiklLJrsArDWlvOFpMGjWz/YHTgD3cfZ6ZLQC6Z5R0Jzr1IiIiIimQ9obja8zsh0QXh+7o7k1NxQvA+Wa2KtAFGIySRkVEpMTplEphfC1p1MwqgD8Cc4G7zAyip8SeY2aXAxOJ4tpPC1wwKiIiknrK4SiAlpJG3X0F0KeV+uuB6wswNREREWmj1DYcIiIiK7uOdEoltTkcBbDSHriIiORE3ruBSW/W5uS9avQmVUXvXFK9wtHWtNH436wBTAaGhK7jSBL85TXvhudZvQGz57wTrBvQf0Omzf4oWDd0wFrU3RYORao84KRgqFOXvY6i/v5rgmN12fNnyQOiEgZOJQ3rqr/78uz7/N6xfP7qU8Gxeg/bKXEwVdJjrb3+zGBd1WG/YeHz92et6b7tnokD0xY9e0+wrtvIfVg45b5gXfcRe7HouXvD4223d7Cu23Z7s+DFR4Jj9dj628EwN4gC3WqvOyNcd/h5wRoRSb/yYk8goBF43N13cvedgR2AXwI3EWVy7ATcBZwMYGbfBh4Fwg+2EBERSbmGxtx8pEGqVzhoW9ooRCseuwAvFWyGIiIieaK7VAoradoo7v54/P0iTVVERERaUgoNR6K00cJPS0REJL860l0qpdBwfE0raaMiIiIdSke6kTTtDUfStNF/u/vZzf6diIiItIOZVQJ/BdYgeiDqeHf/tFnN8cD+8ZcPuvu52cZMdcPR1rTRjJqN8zkvERGRQmgo3kWjRwKvufu58SUMZwDHNW00s42Bg4Bt3L3RzCaZ2d3u/nprA6b9tlgREZGVVmNjWU4+2mEU8HD8+cPArs22vwt8292bzihk3jHaIiWNioiItE/elx8en7YkJ+9Vuw5dtdW5mtmhZKxexD4iuit0ppmVA3Pdff0W/m0Z8Aegyt2PzDaH1J5SaWvKaFvPJQG879Oybu9rQ3l11ifBuQ4buEbiutdmfxys23zAmix84cFgXfdt9mDx03/PWtN1x4P4dPpzwbFWH7Jd8PWA6DVJegyfvfZMsG61zccwb9qkrDV9ho5mRs37WWsABlf3ZdacucG6gf37BVNmIUqanff65GBdn81GBRNprXqDxKm1SV+3pOmrSY8hNF7vYTsl/l36+I0XgnVrbroNtZPvCtZVjdqXL15+PFjXa8vmf4CJlL5CrAm4+w3ADZnfM7N/At3jL7sDXzT/d2bWBbgRmA8cFdpPmk+pJE4ZNbONiM4lbefuI4DdzGyzYk1cREQkFxopy8lHO0wG9og/Hwt85S+heGXjXuBVdz8y49RKq1K7wkHbUkbfA3Zvy7kkERERadXVwC1mNpHobMJB8OWdKTVABTAG6GRmY+N/c6q7T2ltwDQ3HJAwZdTdlwPzMs4lvezuNcWatIiISC4U6zko7l4HfL+F71+a8WVlW8ZMe8OROGW0reeSRERE0k5Jo0XUUspoxrmkJ9w9/Fx3ERERKag0NxyJU0aBV2njuSQREZG060jJFaltONqRMtqmc0kiIiJpV8Sk0ZxL822xIiIi0kGkNmm0HcFfRwPj49qL3H1CYBfpPHARESkVeV9+uO+l5Tl5r9prq1WKvlSS2lMq/C/4q+ne387ALOBQoqfWTTOznxIFf/0W+BkwjKgxeRMINRzBVMqB/ftRM+ft4ESr+2/EOzWzgnUbVg9kanSda1bDrTeLrj41WNftyN9R/68rs9Z0+e7RwZq21tU9cWuwrnKXH7Fwyn3Buu4j9mLxX36Ttabrj8+k7qHrwvscezh1fz0/XPfD01l809nBuq6HnE3dnZeExxt3AnUTLs5es9+J1N0Wvp658oCTqHv4hnDd7odSO+nOYF3V6HHUPX5LeLxdxwfrKncdz+J/3xYcq+sOB7DgjycG63r84mIWXHp8uO74SxO/dvNfejRrTc+tdguOI5ImHekulTSfUskW/NWUwd0JqItvjR0WX+OxDlBf0JmKiIjkQUNjbj7SIM0rHJAw+AuiC0rN7OfA2UR3soiIiEhKpL3hSBz8BeDufzKza4GHzGyiuz9duKmKiIjkVkovs2yXNJ9SaVEc/HU0UfDXO/H3LH6yHUSnXZYQXVQqIiJSsor48LacS/MKR9Lgr6fd/Rwze83Mnov/zYPuPrHQExYREZGWpbbhaGvwl7ufC5xbgKmJiIgURFou+MyF1DYcIiIiK7uOdA3HSt1wdF8WysTox4rGikRj1VGVqG7mh72CNcMNlm+7S7L9brBJ1u1dgKXrbBwcpwuwoP/wRHXz1t8iWLcesLxLt2AdQP3QMVm3dwU+rt4+OE4/YNGw8OtWCdQO3z1Y1xVYutGQRON9unn28dYH5m+ebG5Lpr0artsdlk56KlhXNXocy15PMN6u41k67ZVgzfKXnw+OxQ4H0LD92HAdULH1yER1SwcMC9ZUAg0VnYJ1C5+/P1jTfds9k0xLRNqgwySNxv+mHHgAuMfdrw3sIp0HLiIipSLvV2Pe8VxuTqp8f7vyol85muYVjsRJo0BTrOF5QC8SNhMfzMz+l986g4bhNe8Gx7HqDZhR836wbnB1X279d3hqP9qhjC9efjxY12vLXfn81ex/5fYethMLpj4UHKvH8LF8/MYLwbo1N92G/8yaHqxbb+CQ4Nya5vfZq//OWrPasB2YO3tmcKx+AwbxyfTwA4LXGDIicV0ouRKi9Mr3Zr2RtWb9gZvy4YyXgmOtPXgrvrjwmGBdr5Ou4PMLjg7W9T7lysRpnvMvOS5rTc8TLks8VtLf39qJwUBgqrbfL/HPIcl/D1rhkFLS0IGSRtPccGRLGm16d+8E1AGY2TiiVY+HKUDXKSIiIsmlueGAhEmjZjYEOBAYB5xVrMmKiIjkUkqvemiXtDcciZJGzewkoC/wJLAhsNTM3nb38DqsiIhISqnhKKI4afSnREmjnwO4+8kZ288CPlCzISIikh5pbjiSJo3+293PLvjsRERE8kzBXwXQ1qTRjJpz8jkvERGRQmnsQHeplNzD20RERKT0pHaFoxDKG5YFa8rKkq1nldGQrC5hs9pYnizhtLEsXJckfbEtyhuTPYi3oTx3+21IcJzRPpO+bsl67bKGhMeaYH5JflYAZaskq0t8NVl5wmOtSLjfRIMl/EVPWJf0v4ckv3ONCf97mHfO4cGaPmddl2gskfbqSBeNdpikUTP7IzAKWBjX7+PuC7LsIp0HLiIipSLv5ztufjo371UH71j8fKo0r3C0NWl0S2A3d/8s6Q4+enNq1u1rbTKcWXPmBscZ2L8fM2veC9YNql6fvz4T/t354Ziy5Cmdrz2TtWa1zcckTn1MmjT6X38tWLeubc68aZOCdX2Gjk6UNPp2zezgWBtVDwj+TCH6uSY91qQpraEk1H4DBgWTbSFKtw0lfkKU+vn5744K1vU+9SoW/PHEYF2PX1wcrOvxi4uTJ42+8kSwrtcWu1A76c5gXdXocYnHC/3O9Rk6mgUvPhIcq8fW39YKh0iOpfkajmxJo9Pi73UC6sysDBgAXGdmk8zskMJOVUREJPcaG3PzkQZpXuGAhEmjQBXRaZZLiI7pKTN70d1fL860RUREvrm0NAu5kPaGI2nSaDlwubvXx9ufBDYH1HCIiIikQNobjq9pKWkUMOA2M9sCqABGAzcXZ4YiIiK5oeCvwkiaNPq0u59jZrcCU4hOvdzi7jMKPF8REZGc0imVAmhr0qi7XwRcVICpiYiIFERDsoinkpDmu1RERESkg0ht8FcBrLQHLiIiOZH3MK1rHsnNe9XPvq3gr1a1I2l0LPBrol+Al9z96NA+QgFW69rmiQO9ZtS8H6wbXN2Xf0wKr48dOLqchVPuC9Z1H7FXMJiqx/CxLHru3uBY3bbbOxjABVEI14czXgrWrT14K+a/9GiwrudWu7HwhQez1nTfZo/EoVlJjyFpsFrSn0PoNVl78FbBkDaIg9ouPCZY1+ukKxLXfX5B8D8Fep9yZTDUq8fxlybe58Ln7w/Wdd92T+qeuDVYV7nLjxIHsCUJwqudfFdwrKpR+/Lp2YcF61Y/+3oFhEledaQ1gTSfUmlKGt3J3XcGdgB+CdxElMexE3AXcLKZdQMuBL7j7iOAd8xs9WJNXERERL4qtSscZE8abVpO6ATUASOJMjcuMbONgevd/dNCTlZERCTXinVbrJlVAn8F1iB6Rtn4lt5X4xysB4B73P3abGOmueGA5EmjuwM7EYV91QITzew5dw8/gENERCSlcnedZZsv4TgSeM3dz43DNs8AWnrQ03lALxJcF5n2hiNp0uinwFR3/zje/gwwDFDDISIi0najgN/Hnz8MnNm8wMzGEV1P+TAJOpq0Nxxf00rS6CvAEDPrA8wHRgB/LtIURUREcqIQF42a2aF8ffXiI2BB/PlCoGezfzMEOBAYB5yVZD9pbjjamjR6KtD03Onb3f3NQk5WREQk1woR/OXuNwA3ZH7PzP4JdI+/7A580eyf/QjoCzwJbAgsNbO33b3V2xNT23C0I2n0duD2AkxNRESko5sM7AFMBcYCX7nn3N1PbvrczM4CPsjWbECKGw4REZGVXRFzOK4GbjGziUSZVwcBmNnxQI27h0OKmlHSqIiISPvkPb3zkntz8yZ9wt5lShptTVuSRoF1gMsy/vkIYO/Q8s77Pi3rHPra0MRJo0nr7pyyIlg3bkRF4sTMedMmZa3pM3Q0816fHByrz2aj+OjNqcG6tTYZHnzdIHrtQnNrml+SdMiP33ghONaam27Dp9OfC9atPmS7xHWfTJ8SrFtjyIjga7fWJsMTH0P9XZcF67rsexx1/7ggWONL8bMAACAASURBVFd54CksvunsYF3XQ86m/r6rsu9zr6OovTF8bVjVT85J/LuUNI32vVlvBOvWH7hpsG79gZsm/pku/stvgnVdf3xm4tc3aZ1IR5XahoP/JY02LeN0BmYBhxIFkEwzs58CJ7v7iUQ5HJjZfsB/Qs2GiIhI2nWkkxBpbjjakjQKgJlVAWcThYGJiIiUtMacRY0W/YxKqhsOSJ402uRQ4A53/6zgMxUREZFWpb3hSJQ0mrHpIOD/CjU5ERGRfCrWs1TyIe0Nx9e0kjSKmfUEVs043SIiIlLSOtI1HGl/PH1rSaPdiJJGn4oDRwAGAm8XdooiIiKSRGpXONqRNDoV2LcAUxMRESmIhg50TiW1DYeIiMjKriOdUklt0mhbgr/c/WMzO5HoyXUNwG/d/Z7ALtJ54CIiUiryfq/pb29fkZP3qtP2ryj6fbFpXuFIHPxlZucCxwL9ia7veBUINRyJUglfnfVJcKLDBq6RuO712R8G6zYbsDaLrj0tWNftiN8G0wu7HnI29XdfHhyry/eOpf5fV4brvns0i567Nzy37fZOPN7iW87NWtN1/K9Z/PTfg2N13fGgxPusv/eKcN3exyRP/Xzyb1lrKnf+AXWP3Rwcq/JbB7Po2eCvLt1G7sPC5+8P1nXfdk9qJ98VrKsatW+wrmrUvol/9nW3XRisqzzgJBb+6aRgXfefX5g4VbXu0Ruz1+z2k8RjJX19F77wYLhumz0S/xxCycB9NhsVHEc6jpSuCbRLmhuOtgR/1RI9sr4b0WN0w/nhIiIiKdfQgTqONDcckDz4qwz4D/AmUAH8tjjTFRERyZ3GhmLPIHfS3nAkCv4ys+8CawMbEjUfj5jZs/GdKyIiIlJkaW84vqaV4K/PgDp3XxrXfAH0LNIURUREciKtN3a0R5objmzBX3OJgr8Annb3c8xsqplNITr9MtHdHy/0hEVERHKpQadU8q8dwV9nEz0pVkRERFImtQ2HiIjIyk6nVERERCTvOlCyeYdKGj0ZOABYAFzo7g8EdpHOAxcRkVKR9/TOM25empP3qvMO7qyk0SzakjR6M1Gs+TZEvwDPmtmT7l6XbQczarI/yX5wdV/erpkdnOhG1QOYO3tmsK7fgEHMnvNOsG5A/w2pu/OSYF3luBOonXRn1pqq0eOoe/iG8Fi7H0rdhIvDdfudmDi5tHbihGBd1fb7BdM8u+x7HIuuOjk4Vrejfs/8S44L1vU84bLEdQun3Bes6z5iLxZe/svsNcdeFKxpqvvstWeCdattPoYPZ7wUrFt78FbMf+nRYF3PrXZLlHD5xcvha7F7bblr4t/fpOmrSX8Oz8/8ImvNtoN6Uf/gtcGxuuxxBP/114J169rmvO/TgnV9bWjw9YXoNZ43bVL2mqGjE78eUvoaO9ASR5objrYkjQ4iulul6bbY2cBQ4PnCTVdERCS3UnoSol3S3HBA8qTRNYBTzawbsCowEgj/GfP/7d15vF3T/f/xV0JL5pAErdIi8hEiCYpEQgQNiaa0X2NapcpPa6y51BCkqqmh1FAVsyJUSbWiIYQkomKMGD7EXDVEImS4IdPvj7WP7Jx77tnr3px77rn3vJ+PRx659+zPXXvtvc/wOWuv/dkiIiJSFpWecERVGgXmmNmVwIPAu4SRjU/K2lMREZESW65TKk2nUKVRM+sKdHD3gWbWCfg3MLMJuykiIrLaKvXCjoao5ISjvpVGe5rZU8CXwCnu3nKOkoiISDNXsQlHAyqN/qIc/RIRESkX3S1WREREGt1ynVJpGdovL37NPmzIl6wV1dbiVm2j4l6YvVFmzOabAet0i2pv+ZrZ/VvermNUW8u+1T0q7ouNt8iMWRtY0n7dqPaWd9kgM2Zp/yFRba254y5xcTsMjIprvWxJVNyygXtlB+0wKKqtNSb+PTuozy60nXB7dlzP7Vj6z+x6KGw3hLWfHF88ZusBrJhwb3Zb2+4B666fHQe0qlkYFbdijbi3qu5LXsqIGMCKVq2j2ur8RMS2Wh/WeSLieFlv1pryz+y4rQfQdsZjxWN6D6T1ksXZbQHzn3ogM6bDDsOi2hJZXc2x0ugjwF+SsNeBI9x9mZkdSZhMuhQYpUqjIiLSyBq9eufJVy8syWfVJUe3U6XRIuqqNLob8Gt3n2JmNwLDk9vSHwdsR0hMppjZQ7lCYHV577Xi34Y26rEVPuvdzI5a942j4/725LLMuP36rUHNxFsz49rsfkhmxcEO/YZHV/xcMG1cZlz7/vtEV66c99zEzLjO2+zOosfuLBrTdtBB0W0tnJr9bbPdgB9lVmiFUKU1tr2sCpydt90jujpkbBXUzy8/OTOu4wmXMOe8IzPjupx7HQuvO6toTLsjR/HpRcdktrXOr6+i5pG/Zsa12e3HLP7HVZlxa//gGD6fnjH6AnTcfmhUtdSa8ddl923okSy6cWRmXNufjYyOW3DNGZlx7X/5O2pu+23xvv3kN9GvaY1wNH+6LLY86qo0eqi7z08SkA2AeYSS5lPdfQmwxMxmESqNPl3mPouIiEgBlZxwQOFKo/PN7NvAw8CnwAxgKPBZ6u/mA53K3VkREZFSqtBZDw1S6QlHwUqj7v4OsLmZ/Ry4FLgH6JAK6UBIRkRERJqtlnTztrjp2hXEzMaZWe5yigWE29Q/BexsZmsllUZ7okqjIiIiFaOSRzhqVRpNXATcZGZfAgsJV6l8ZGZXAJMJSdSZWRNGRUREKp3qcJRBoUqjyePTgFpFFNx9DDCmDF0TEREpi5Z0SqViEw4REZFq15ISjoot/FUGVbvhIiJSEo1eTOuYi+eV5LPqqlM616uvZtYGuA3oRrjy81B3/yQvZihwDmE/POPuRQv1VPQIR32rjSZ/0w2YCvTKmsfxvs8ouv4NrTevvfFOZj97bPZtXp31XmbcFt034o4p2XfiOXhga+a+8Hhm3Lp9dsmMW7fPLnz+9L8z2+r43T2ji2vNfT6j9DKwbt9BmUWYIBRiyiok1mm7Icye+WRmW9169Yvu26fPP5oZt07fwdH75MNXni0as0HPbZkzY0pmW116D8ws/ARJ8aeMQl0QinVFF5y6c3TxdR50WnSxsdj9u+CJ+7L7ttO+0cf/g1efLxrzjS36Rvet5o6LMuPaHPxrFt1yQWZc25+eHR1Xc9cfiq/zgFOjtyH2ORf7XJLya8IBjl8CL7j7+WZ2IHAW8FVVQjPrAIwGBrn7XDM71cy65iclaZV+lUqu2uhgd98NGAScAowiVBvNzeUYDmBmewITgPWaorMiIiKltGL5ipL8a4ABwIPJzw8Ce+Qt3wl4EbjUzB4HPiqWbECFj3BQv2qjEC6R3R14pqy9FBERaaaSmlb591T4CPg8+blQMc2uwGCgD+GK0clmNs3dX69rPZWecEDxaqMPEZKNGQDu/jCAmTVVX0VEREqmHPMs3f164Pr0Y2aWLqjZgZVf7HM+Aaa7+8dJ/ONAX8I0h4KaQ8JRrNpoj1S10cPK3TEREZHG1IQ3b5sKDAOmE24fkj9h8Dmgl5l1IdxapB8r51YW1BwSjlrMbBxwsrvPYmW1URERESmNa4CbzWwy8AWQu3P7icAsd7/fzM4AclcljHX3l4s1WOkJR3S10QJ/JyIi0qw1VekKd68BDijw+GWpn8cCY2PbrOiEo77VRlPLN23MfomIiJRDSyr8VemXxYqIiEgLoEqjIiIiDdPolUYPP+/jknxW3XDueo3e1ywVe0qlvlVGk4ksByaPP+Du52eto5SVRn3Wu5lx1n1j7p6WXWl0//6tWTj57sy4djvvz/z//LNoTIcdv8+iSbdnttV21xEsnPK37HUO3I/5Tz2QGddhh2HRFU4XPXZn8b4NOii64ufCqX/PjGs34EfR+3fBtHGZce3775NZ+bE+VTXnX3FKZlyH4y/m88tOzIzreOJlzDnvyMy4Ludex4KrTy/et6N/zycj86dL1dZ15Jjo59ziB67NjFt72FHRz7mPXp5eNGb9LbeP7tuCa8/MjGt/1IXRcbFVWmMqjcY+z2P327zRx2XGdT7tT9HPOSmdlnS32Eo+pRJdZdTMNiHMoO3v7v2AIWa2dZP0WkRERGqp2BEO6ldl9D1gL3fPpYJfA2rK2VkREZFSa0mTRis54YDIKqPuvhSYY2atgD8AzyY1OkRERJqtljTPstITjugqo2a2NnADoeLZ0eXtpoiIiBRT6QlHLUWqjI4DJrp78Xtsi4iINBNNWNq85Co54YiuMmpmPwR2Ab5mZkOTuDPc/cnydFVERKT0NIejDOpZZfRewmWzIiIiUoEqNuEQERGpdi1p0mjFVhptQOGvY4BDk9iL3T2rslNlbriIiDQXjV698+DT3i3JZ9UdozdWpdEicoW/crfE/TrwGrAbofDXFDO7kVD4awrwC6AvITF5GcgsJfnhK88UXb5Bz+14ddZ7mR3dovtGvDzrf5lxW3b/JtdPzH7u/Hz3VpmVKyFUr5z7fK2zTqtYt++g6Iqfc2ZMyYzr0nsgH7/0VGbcelvtkNm3XP+yqoh23mb3zKqwECrDzp6ZPW2nW69+zHlxamZcl60HRG/De6+9VDRmox5bZVbBhFAJM6viJ4Sqn59dfHxmXKdTroiuIrnwhnOLxrQ7/Dw+veiYzLbW+fVV0c/f2Oqrsc/NrOPfrVe/6Kq1sRVfSx23cMzZRWPaHXFB9P7Neo+D8D4X+5ybf+VpmXEdjh3NZ5f+qmhMp5P+mNmOtDyVXGm0WOGvKenCX+7+CdDH3ZcB3wAWl723IiIiJbZ8+YqS/KsElTzCAZGFvwDcfbmZHQuMBC5vov6KiIiUTKVOe2iISk84ogt/JY9faWbXAuPNbLK7TypnZ0VEREqpJV0WW8mnVAoys3Fm1j35dQGwzMx6mNk9yWNLgS9YWRBMREREmlglj3BEF/5y94/M7AUzm5b8zQPuPrmMfRURESm5ljTCUbEJRz0Lf+Hu5wPnl6FrIiIiZbF8xfKm7kLJNLtTKiIiItL8VOwIh4iISLVrSadUWkyl0eRvWgP/Au5z92szVlGZGy4iIs1Fo1fv3Pfo10ryWXXf1T1UabSI6EqjQK5c4SigM5HJxNuzXiu6/Dvde+Cz3s1sx7pvHF2RdNzTSzPj9vnumtQ88tfMuDa7/ZiFU/9eNKbdgB+x6LE7M9tqO+ggFk26PTtu1xHMf/L+zLgO/YYz/6kHsuN2GEbNxFuLxrTZ/ZDo6pALJ2cWmKXdzvuXfJ9kVX6sT1XN2Gqen19+cmZcxxMuYc4FR2XGdTn7Wj6/7MTibZ14WXRbNRNuyIxrM+RwFv/jqsy4tX9wTObzHMJzPasK7npb7UDNQzdl9+17h0VX31xwzRnZcb/8Xeb+hbCPa+76Q/G+HXBq9PN3wbRx2X3rv0901dqsarQQKtLOOe/IojFdzr0uev9Ky1HJCUexSqPz05VGAcxsP8KlsA9ShqxTRESksVXqWYiGqOSEA4pXGn0Y+BSYYWa9gIOB/YDsFFxERKQZWL685VylUukJR7FKo5unKo1+BGxImN/xHeBLM3vL3SeUs7MiIiJSWKUnHLWY2TjgZHefRVJp1N1PTy0/F/hAyYaIiDR3LekqlUpOOKIrjZa1VyIiImWyogUV/qrYhKO+lUZTy89rzH6JiIhI/VVswiEiIlLtdEpFREREGl1LSjhaTKVRM7scGADMT+L3dffPi6yiMjdcRESai0av+TT0sBkl+awaf1PvJq9PVckjHPWtNLotMMTd58au4H2fUXT5hta75JVGb30s+7lzyKBWLJzyt8y4dgP3y6zm2WGHYdHVN2MriM579uHMuM7b7sFnz2RfKNRpuyGZ/Wu38/7MmTEls60uvQcy/z//zIzrsOP3o7c1tsLlnBenFu/b1gP4fPr4zLY6bj80utLop787OjvujKv5+MxDM+PWu/DmzMqlHU+4hNnnHJ7ZVrfzb2DR42Mz49ruciA146/LjGsz9MjofTd75pPF+9arX3SVzthKrrEVRGOP68Lrzioa0+7IUdEVRGNfq7HPpejqthGVRmPXmdVWrr2WqiXdLbaSE47oSqPJPVQ2B64zs/WB6939xrL3WEREpIRa0imVSk44oHil0YcIZc1nAG2BKwhFwNYEHjWzp939xSbqt4iIiKRUesJRrNJoj1Sl0cOBK9x9MYCZPQL0AZRwiIhIs7VCpc2bTqFKo0APYKyZbQOsQajTcVOTdVJERKQEmuqUipm1AW4DuhEuxjjU3T/JizmZcB+z5cCF7l70ltitG6mvpZBVafQR4CfAme7+KnAr8CQwCbjZ3V8pV0dFRERamF8CL7j7LsAtwCqzmc2sM3A80A8YAvwxq8GKHeGob6VRd78YuLgMXRMRESmLJixtPgD4ffLzg8DZecsXAu8A7YEOhLMNRVVswiEiIlLtlpfhlEoyH/JXeQ9/BORqWc0HOhX40/8CLxOmMlyYtZ6KLfxVBlW74SIiUhKNXkxr8AH/Kcln1aN37VivvprZPcBF7j7dzDoBU9x969TyHxCSlL0I++HfwKnuPr2uNit2hKMBlUaHAucQNvwZd8+ssvPf12YWXf6tHr1KXvhr7BPZw2MH7tSaRZNuz4xru+sIFjxRdI4O7XfaN7rQUamKjUEoOBZbrClrW9vuOoK5Lzye2da6fXbJ3B8Q9klsMbTYAlZZhcm69B4YXWwstiBSqQt/fXbx8UVjOp1yBbPP+llmW91G3UjNxFsz49rsfgiL7786M27t4UdHF2D7ZOa0ojFde/WnZsIN2X0bcnh0Qa/5V56WGdfh2NHMG31cZlzn0/5EzW2/Ld63n/wm+vkbXWwu8rm04JozMuPa//J3fDKy+E28u44ck/l8g/Ccy2or115sUbrmpgmvUpkKDAOmA0OB/DfhuUCNu38JYGbzKDwK8pVKnzT6sLsPdvfdgEHAKcAoQqXR3DyO4WbWARgN7O3u/YC3zaxrk/RaRESkRFYsX1GSfw1wDbCVmU0GjgDOAzCzE81suLtPAaab2ZNm9gTg7l60tG3FjnBQj0qjwE6EmhuXmtmmwJj8y3dERESam6aaNOruNcABBR6/LPXzSGBkbJuVnHBA8UqjDwOfEiqNDgUGE4p9LQQmm9k0d3+9ifotIiIiKZWecBSrNLp5qtLoHcB0d/8YwMweB/oS5niIiIg0S7qXShOqo9Los0AvM+sCfEYoRPKXulsRERGpfCptXh5ZlUa/JJw+OcLdZ5vZGYTLcgDGuvvLZeqniIhIo5hy/6BGv/S2XCo24WhApdGxQPY1jCIiIlJ2lXxZrIiIiLQQqjQqIiLSMC3mdEc5VOwplfpUGgW2Bi5L/Xk/YB93n1BsHR+9XGcFVgDW33L76Aqipa40+unzj2bGrdN3MHNenFo0psvWA5j3bNFaLAB03naPzCqNECo1Zu03CPtu7vO1zojVsm7fQZnbuk7fwXz4yrOZbW3Qc9vobciqDAqhOujHLz2VGbfeVjtk9m+Dntsye+aTmW1169WPRbdckBnX9qdns/CGczPj2h1+HguuPTMzrv1RF1Jz9yVFY9rsfzILrj49u62jfx997GMrYX74yjOZcRv03C7qNR372ordbwvH5N/TqrZ2R1wQ3951ZxWNaXfkqMzXPYTXfvRz7ubzM+PaHnoONXeOzoxrc9BpUdsQW3k1tm/zrzglM67D8RdHHy8pvYpNOFhZaXQEQFLo6zVgN0Kl0SlmdiMw3N3vI9ThwMz2B/6blWyIiIhI+VRywlGfSqMAmFk7QtWzncvYTxEREclQyQkHFK80+hAh2ZiRiv85cJe7zy1/V0VERKQulZ5wFKs02iNVafSwZNEI4P/K1z0RERGJ0ewuizWzcWbWPfk1V2kUM+sErOXu7zdZ50RERKSgSh7hiK40mjzeA3irTH0TERGReqjYhKMBlUanAz8qQ9dERESknprdKRURERFpfqq50qiIiIiUiUY4REREpNEp4RAREZFGp4RDREREGp0SDhEREWl0SjhERESk0SnhEBERkUZXsYW/RESSu0IX5O5flrMv1UzHQUqhqhMOM/sWoVT6esDfgBfc/T8F4r4e86Iys1bAvoABM939n3XEdQK+Dbzp7gvylh1FKOneKu/PVrj7X1Jx6wGnAzXAZe4+J3l8pLuPTMWtAQxn5Z11LyXcf+ZMd/+oyLZc6u4n5T12gLvfZWbtgXOBbYCngVHp7TCzTYEtgElJH78LzAQudPfPUnG3AycW60cS1wrYG/iSUH32EqBzsg3v5sWNIFSibQd8Akxw9wfz2vs60BvoBHxKOFZf5sXsSd3HYUJe7NZAjbvPSj3Wz92fLLJNuwLL3H1yxrYPKbC+ju7+eWrdfYBn3P2VAn/f1d0/MbPNgb7AS+7+ctY6YpjZ9kAnd3+4wLI2hH3clnAcZrr7iryYzONAeN6slyxPWwFsmteejkPtZToOq8ZmHgdpPFVd+MvMHiB8eJ0NHAXc4u47FoibATwCjHH3mUXaux5oDzwBDADed/cT82L2A35DSPbuBpa7+6jU8ssICcKt+e27+3mpuAeBvwNfA44Bhrn722b2qLsPTsXdmPy4AdAFuJZw07ufuPvwVNwTyY+5D9gtgZcJH7A7JTGPuvtgMxsDvAncB+wO9Hf3Eam2pgBnAT8G3gXuBwYBQ9x971Tc24Q3sCuAm/LfCFNx1wNrAR0Ib3q3Ah8Av3D3PVNxVwCfEfb/cOCjZJs/c/ezk5i9gd8Bs4D5SZs9CcnLvam2/kZIlB7N74+7/ywVdw4whHAcngWOdvcVBY7D/oTn2uKk/4OAL4Bpecc/P+E8Kfk7cgmnmT3i7ruZ2c+AownPzYHAzXlJ6VXA28l++BXwONAPuMfd/5CKqyEk3Ce4+9xaB2Bl3L7AHwkJ6xXADwmJrLv76am4vYHzgdeBnYD/ABsBp7j7lFRMzHHoBkwAds/om46DjkNJjoM0nqoe4QDauPtEMzvL3T15wReyDbAXcG7ywvsrcEf+6ATQK5WwXG5mhTL6k4D+wHhgFMkIQW6hu59oZlsA4939qSJ9Xyv1gnsOGJd8S8i3ubsPTL7FzHT365O/OSov7krgcMILcQFwB3AQtb/h59rM3TTvZTPLv4fNMnefZGa/cfcjk8eeN7MD8uLeIrxZng+cbGZ/JeyXN3PfWBI93H3nZATjZXe/OtmGE/La6+vuuyQ/jzezh919DzObSkgqISRCA9PtJyNOE4F7U20dSHhD+r27v1pgH+QMc/d+STsXA1cDvywQdwohifsGMC35fykwldTxJ4yQdQYeJOz7ryexablj8nNgsLsvMLOvEUaU/pKK287djzGzx4Gd3X2hma0JPAmk32CfBP4BTDazuwiJdaG7Lp9J+FbYgfC83djdv0glqzmnATsly7oAfwL2BP7FyvsgRR0Hd59tZr8GtgVqfYNP0XHQcSjVcZBGUu2TRmvMbC9gDTPrT8i2a3H3ZYQPwhuAucCxwAQzOy4v9A0LpxMws/WB9wo0t8zdFyftLid8uOc7hHAn3GLWMLPeSTtPABcC4wjDoqsws4HJEOn3kt+7E1646W28HTgVGA2sDSx293fc/e1UWA8zOwlYambbJG1tT/g2kzYvGcl5wMwONbN1zOwnhbbJ3ee5+/HAboTRibMJIxRpX0uO0whgPTPraeF0WH7CvLaZ5d7sdgGWmNm6hOHknDUJp6HSFgPL8/q1DPgpefupkCQRgrD/OpnZadS+03ErwjDz68BId1+SjOjkJ3R7E0ZV1gTOA9529/PSo1tAh2S7PiK8SUP4tpt/HFYkcW8STjFBgedHsr13AzsQRpzuMbPnzOzveWGtCc/X+cn6VqQeT+uYWvYF4QPxM1bdl1HHIenbvwudLsin46DjQImOgzSOah/hOAq4GOhKyLgLZeKY2WhCpv0YcJG7P2VmrYFnCN8acvoBr5jZu8CGwBdm9gHhtMQ3k5gpZnYHsKGZXQtMz1vXscDJwDIzO9bz5h+kHA/cbGbfd/f33X1sktVfnhf3/4BRZvaCu7+TPHYJ4c0g3xvALwjDtN0KLP8+ITF4B+hjZm8m25+/344knLrpA+TmyUwBjsiL+9DMOgJL3f1jwrehqwus9xeEuSePEJK9x4A5Bdr7BTA2+Yb2OvAz4FBWjm5A+MbzTDLq8RnhW+LOyTavwt3fKNCXfGOBp8xsT3efa2aHExK//nlxNxNGefq4+5UAZnYPIZFNr3M5cGaSsP0NaFNgnVOTdWwOnGThVNJUap+GO5+wr14EXjCz6UAv4IxCG+LuCwn74YpkH/bIC7mD8Bx5h/Dt8cFkVDD/OXpnsk8mAbsAVyajUc+mYqKOg0XOVWLlcdjL3edEHIe+Og5A/HGInQtW3+NQsa8HKb1qn8NxhLuPSf1+vLvX+uAxsyNJnUIxs87uPs/MNnH3txqw3r2ArYFX3f3+vGXTCOczOwK3uftedbRxLCFJWgp8lZiY2RrJt/OicXW0d3ISdwIw290LJUOxbeXijnP38UXiTia8ccW2V4r1bkD4FtkB+ByY7u4f5sVETd5NYjcF3nX3pcnvrYB90+fAk8e7uvsnqd/N3b1QH5PlvYBDPHVePm95a8LozSLAvPAkuQ6E8/ddCZMGn0uSu3RMX3d/vq5+5MV2ZuVI1VBgrifzAfLitiZMHH7R3V/N3/YkZn3CcehIOA5P5X14Rc9VSmI3Ad7LOw77uPt9eXFdcolL8vvqHodWhG/MxY5De8Jx6Ebdx6GPu79QVz/yYjsRjkMrVv845L8eCh2HqLlgSewqxyF57IcRr4ce7v5akW2uz+uhhxc4FVrg9fCsu8+ua51SWlWZcJjZwcAPCN/WJxJetK2Brd19y1TcNwhvhrcQTnMArEGYXLp9gXZvzHtohbsfnhezPuEcrBFmfv/W3T9NLX/E3XdLfp7o7rvXsQ2xiUnJ4hrY1q3uPrRStiGWRU7elYYpMnJxrq86AHtGCQAACUZJREFUOfqrxMLMdgKuAXYF/u6rTkKMvWordr2Z7ZWgrSaPix25MLMpvupcsB7J41+9X9WzvZLFlXqd0niq9ZTKg4SrHLoSMvVWhCde/hB6P8Kpix5JHIRzm3Wd5hib/N+KMLnqm3XEjAVuJFzJcivhVEVO+ht1sTk2NR7mZXxi4VRKOeIa0laxORBl34bYkQuPnLwb214p45pinY0QdwsrRy4mm9kwD/OFdiWcq89Zw8x6u/sMd3/CzHJzldrntV1Xe4Mi4/LXG9Pe6rZVCXG5Ed78kYsxhA/nr1iYCzbFzOqcC1aP9koZV+p1SiOpyoQjGVGYBEwys28S9kMrQm2M/6Xi7gXuTV6oD0S0m05ExpvZQwXCVrj7NcnPz1u4PCxtKwv1KVoBW1qY75H7uxGpuNjEpJRxTbHOUsdtQR0jFwUcAqyfERPbXinjmmKdpY6Lvcoqdq5SbHuljGuKdZY6Ln0V20te91VssXPBYq+Ka0hcXf0rZVvSiKoy4cgxsxsIoxjtCZOR3kh+zy0/290vAA4xs0NY+a0t/8M/F58rFgVhdGO9Aqt91cIVG48Q6jzMNbMeAMn5ywNS67k29Xf5575iE5NSxjXFOksaV4+Ri6jJu7HtlTKuKdbZCHGxIxcDgXWAx3LHwd1vSx3b+rZXyrimWGfJ41IjF3skvxcaudiNMGr7XOo47EMBkSMhDYmrs3+lbEsaT1UnHISrKHoBfyYU47o7b/n9SfZ7A7CEMNN7NlBrUljiYFYmBosJdS3y9SR8A/x56rFcYjHY3SdF9j02MSllXFOsszHiYkYufkyYZ9MRuI26T6PFtlfquKZYZynjYkcufkw4pbnKcfDUxOh6tlfKuKZYZ6njYkcuCh6HAmLbK2VcqdcpjaQqJ43mmNkEdx9iZre7+wgze8zdB6WWjyRcTfJTD0ViNiE8QZ939/PraLMXoaDN6+7+XIHl+wP3ufuSxtgmKc7ir4yJnbxbnyttShLXFOtspG2IucqqPsehwVdtNSSuKdZZrm0osH9X6zg0Zlyp1ymNp9oLfz1jZqcC/zOzO6l9jfcwYH8P18Xj4RLYAwlXuNRiZscTJiDtBFybtJ3vu8DTZnaxmfUs0XZIvNzIRT9CVdW6xM4biW2vlHFNsc5Sx+W+Ma8SU2Dkoj7HIaa9UsY1xTrLsg0FrNZxaOS4Uq9TGklVn1Jx9zMsXJddQ7iWPf988wIPhWfSf7PEzObX0eQIQpngpcnQ5TTySua6++lmdiahVPpvLVwmex3wV416lEXsFS+x80aay9VClRan41AZcToOUjZVm3CY2fcJoxVdCSXI7/Ta12IvMrPNPFVx0kKRp1plf3M8KXaTJCa17jBroUjQEELZ7I0J92XpRrjBWYPrRki02G9qsfNBdLVQw+J0HCojTsdByqYq53CY2TGEEY3LgY8Jl8MeD9zlq9YT2IpQRngi4UZjGxGSgkPd/dkC7V4CfAeYTJhd/5a7n5osG+vuB5rZG8ny69x9aupvb3L3w0q/tZJmZh8Tbj7VijDz/pFkUcErj0rVXinjmmKdTbUNsSp5Gyo5Tseh4dsq9VetIxw/IdwtMFd69wUz+zfwEKm7C7r7SxZuArYP4Q6FzwLnu3tdp1QuICQaWwA3uvu/Ustyl8hu46veCTW3rsNWY3skXuw3tVK3p6uFGrYNsSp5Gyo5Tseh4dsq9VStIxyT3H3XAo/XOfs6st0p7j6wjmXvEE6fFKq+eGZD1ykiItIcVOsIR11Z1uqe15tr4W6MnqxjhbtPSJYtSh4XERGpOtWacGxn4UZf+bYs8Fh9zAX6Jv9ycgnHh+5+82q2LyIi0ixVa8LRuzEadffDzGxDwn5d4e7vphY/0xjrFBERaQ6qcg5HqZnZlsBV7j7YzF4FPgW+BfzK3e9p2t6JiIg0PV2LXBqjgdOSnz9w9/7AYMKltiIiIlVPCUdptHH36cnPnwG4+yxgjabrkoiISOWo1jkcAJjZNoQ7CK6dPLTC3Qvd4TVL29wP7r5v6vGlBWJFRESqTlUnHMBNwJ+A/ya/N3RCy/tmtqO7/yf3gJntCHywet0TERFpGao94fjA3ceUoJ3TgHFmNhF4A9gE2AMYXoK2RUREmr2qvkrFzP4MvA08lzyULtRV37baEhKM7xBuBjcud1t7ERGRalftIxxrA5b8y2lQwuHui4CxpeiUiIhIS1PVIxwAZtYD2ByYAbzv7nXeel5EREQapqovizWz44BrgFHA/wFXrGZ7Xy9Fv0RERFqaqk44gIOAIcA8d/8jsONqtve0mf3RzHqtftdERERajmqfw9EKSJ9C+WI129sG2As418y6EW5Hf4e7L1jNdkVERJq1ah/huAN4HNjMzMYD961OY+6+DBgP3EC4c+yxwITk1I2IiEjV0qRRs55AL8DdfcZqtjUa2Bd4DLjO3Z8ys9bAM+6+zer3VkREpHmq6lMqZmbARYTLYmea2cnu/s5qNPk6sG3uFIqZdXb3eWb2oxJ0V0REpNmq6oQDuAUYCUwDBhBKnQ+ubyNm9g2gI3AE8FjIY1gjaX97d3+rNN0VERFpnqo94Vjg7uOTn/9lZic1sJ1+hFvR9wCuTR5bDjy4mv0TERFpEap6DoeZ3QTMAh4BvgsMBS4DaEiJczMb5u4PlLKPIiIiLUG1j3AAbJb8A/gQODj5OTrhMLOz3f0C4BAzOyS1aIW7jyhNN0VERJqvak84RgLfBt5dzXkW/0j+z51Oqd5hIxERkQKq8pSKmbUn1ODoCrwFdAdmAwe7++cNbPMo4AZ3X2JmOwNbufufS9VnERGR5qxaC3/9Hrjb3fu7+wh33wG4F/hDQxozs5GEEum5e6n8F9jTzM4pRWdFRESau2pNOPq4+y3pB9x9DNCnge0NA/Z394VJW28BBwA/WK1eioiItBDVmnAsqePxpQ1sb0H+be3dfQkwv4HtiYiItCjVmnDMNbPt0w8kv89pYHuLzGyz9ANmtimr3hhORESkalXrVSqnAOPMbBLwJvAd4HvA8Aa2dzpwr5lNJExC3Yhw19hDV7unIiIiLUBVXqUCYGZtgL2BTYD3gXG5ORgNbK8zsA/wDeAd4J/urlMqIiIiVHHCISIiIuVTrXM4REREpIyUcIiIiEijU8IhIiIijU4Jh4iIiDQ6JRwiIiLS6P4/fg/N44v/b2QAAAAASUVORK5CYII="/>
+          <p:cNvSpPr>
+            <a:spLocks noChangeAspect="1" noChangeArrowheads="1"/>
+          </p:cNvSpPr>
+          <p:nvPr/>
+        </p:nvSpPr>
+        <p:spPr bwMode="auto">
+          <a:xfrm>
+            <a:off x="155575" y="-144463"/>
+            <a:ext cx="304800" cy="304801"/>
+          </a:xfrm>
+          <a:prstGeom prst="rect">
+            <a:avLst/>
+          </a:prstGeom>
+          <a:noFill/>
+          <a:extLst>
+            <a:ext uri="{909E8E84-426E-40DD-AFC4-6F175D3DCCD1}">
+              <a14:hiddenFill xmlns:a14="http://schemas.microsoft.com/office/drawing/2010/main">
+                <a:solidFill>
+                  <a:srgbClr val="FFFFFF"/>
+                </a:solidFill>
+              </a14:hiddenFill>
+            </a:ext>
+          </a:extLst>
+        </p:spPr>
+        <p:txBody>
+          <a:bodyPr vert="horz" wrap="square" lIns="91440" tIns="45720" rIns="91440" bIns="45720" numCol="1" anchor="t" anchorCtr="0" compatLnSpc="1">
+            <a:prstTxWarp prst="textNoShape">
+              <a:avLst/>
+            </a:prstTxWarp>
+          </a:bodyPr>
+          <a:lstStyle/>
+          <a:p>
+            <a:endParaRPr lang="en-US"/>
+          </a:p>
+        </p:txBody>
+      </p:sp>
+      <p:sp>
+        <p:nvSpPr>
+          <p:cNvPr id="9" name="TextBox 8"/>
+          <p:cNvSpPr txBox="1"/>
+          <p:nvPr/>
+        </p:nvSpPr>
+        <p:spPr>
+          <a:xfrm>
+            <a:off x="3657600" y="1524000"/>
+            <a:ext cx="3880678" cy="369332"/>
+          </a:xfrm>
+          <a:prstGeom prst="rect">
+            <a:avLst/>
+          </a:prstGeom>
+          <a:solidFill>
+            <a:schemeClr val="accent6">
+              <a:lumMod val="20000"/>
+              <a:lumOff val="80000"/>
+            </a:schemeClr>
+          </a:solidFill>
+          <a:ln w="28575">
+            <a:solidFill>
+              <a:schemeClr val="accent6">
+                <a:lumMod val="50000"/>
+              </a:schemeClr>
+            </a:solidFill>
+          </a:ln>
+        </p:spPr>
+        <p:txBody>
+          <a:bodyPr wrap="square" rtlCol="0">
+            <a:spAutoFit/>
+          </a:bodyPr>
+          <a:lstStyle/>
+          <a:p>
+            <a:r>
+              <a:rPr kumimoji="1" lang="en-US" altLang="zh-CN" dirty="0" smtClean="0"/>
+              <a:t>Open-Date: the </a:t>
+            </a:r>
+            <a:r>
+              <a:rPr kumimoji="1" lang="en-US" altLang="zh-CN" dirty="0"/>
+              <a:t>most </a:t>
+            </a:r>
+            <a:r>
+              <a:rPr kumimoji="1" lang="en-US" altLang="zh-CN" dirty="0" smtClean="0"/>
+              <a:t>correlated one!</a:t>
+            </a:r>
+            <a:endParaRPr kumimoji="1" lang="en-US" dirty="0"/>
+          </a:p>
+        </p:txBody>
+      </p:sp>
+      <p:sp>
+        <p:nvSpPr>
+          <p:cNvPr id="7" name="Content Placeholder 6"/>
+          <p:cNvSpPr>
+            <a:spLocks noGrp="1"/>
+          </p:cNvSpPr>
+          <p:nvPr>
+            <p:ph idx="1"/>
+          </p:nvPr>
+        </p:nvSpPr>
+        <p:spPr>
+          <a:xfrm>
+            <a:off x="685800" y="1524000"/>
+            <a:ext cx="8229600" cy="1253685"/>
+          </a:xfrm>
+        </p:spPr>
+        <p:txBody>
+          <a:bodyPr/>
+          <a:lstStyle/>
+          <a:p>
+            <a:r>
+              <a:rPr lang="en-US" dirty="0" smtClean="0"/>
+              <a:t>Correlations</a:t>
+            </a:r>
+          </a:p>
+        </p:txBody>
+      </p:sp>
+      <p:pic>
+        <p:nvPicPr>
+          <p:cNvPr id="1027" name="Picture 3"/>
+          <p:cNvPicPr>
+            <a:picLocks noChangeAspect="1" noChangeArrowheads="1"/>
+          </p:cNvPicPr>
+          <p:nvPr/>
+        </p:nvPicPr>
+        <p:blipFill>
+          <a:blip r:embed="rId2">
+            <a:extLst>
+              <a:ext uri="{28A0092B-C50C-407E-A947-70E740481C1C}">
+                <a14:useLocalDpi xmlns:a14="http://schemas.microsoft.com/office/drawing/2010/main" val="0"/>
+              </a:ext>
+            </a:extLst>
+          </a:blip>
+          <a:srcRect/>
+          <a:stretch>
+            <a:fillRect/>
+          </a:stretch>
+        </p:blipFill>
+        <p:spPr bwMode="auto">
+          <a:xfrm>
+            <a:off x="2590800" y="2209800"/>
+            <a:ext cx="4638675" cy="4275142"/>
+          </a:xfrm>
+          <a:prstGeom prst="rect">
+            <a:avLst/>
+          </a:prstGeom>
+          <a:noFill/>
+          <a:ln>
+            <a:noFill/>
+          </a:ln>
+          <a:extLst>
+            <a:ext uri="{909E8E84-426E-40DD-AFC4-6F175D3DCCD1}">
+              <a14:hiddenFill xmlns:a14="http://schemas.microsoft.com/office/drawing/2010/main">
+                <a:solidFill>
+                  <a:schemeClr val="accent1"/>
+                </a:solidFill>
+              </a14:hiddenFill>
+            </a:ext>
+            <a:ext uri="{91240B29-F687-4F45-9708-019B960494DF}">
+              <a14:hiddenLine xmlns:a14="http://schemas.microsoft.com/office/drawing/2010/main" w="9525">
+                <a:solidFill>
+                  <a:schemeClr val="tx1"/>
+                </a:solidFill>
+                <a:miter lim="800000"/>
+                <a:headEnd/>
+                <a:tailEnd/>
+              </a14:hiddenLine>
+            </a:ext>
+          </a:extLst>
+        </p:spPr>
+      </p:pic>
+    </p:spTree>
+    <p:extLst>
+      <p:ext uri="{BB962C8B-B14F-4D97-AF65-F5344CB8AC3E}">
+        <p14:creationId xmlns:p14="http://schemas.microsoft.com/office/powerpoint/2010/main" val="3066392803"/>
+      </p:ext>
+    </p:extLst>
+  </p:cSld>
+  <p:clrMapOvr>
+    <a:masterClrMapping/>
+  </p:clrMapOvr>
+  <mc:AlternateContent xmlns:mc="http://schemas.openxmlformats.org/markup-compatibility/2006">
+    <mc:Choice xmlns:p14="http://schemas.microsoft.com/office/powerpoint/2010/main" Requires="p14">
+      <p:transition spd="slow" p14:dur="2000" advTm="20881"/>
+    </mc:Choice>
+    <mc:Fallback>
+      <p:transition spd="slow" advTm="20881"/>
+    </mc:Fallback>
+  </mc:AlternateContent>
+  <p:timing>
+    <p:tnLst>
+      <p:par>
+        <p:cTn id="1" dur="indefinite" restart="never" nodeType="tmRoot"/>
+      </p:par>
+    </p:tnLst>
+  </p:timing>
+</p:sld>
+</file>
+
+<file path=ppt/tags/tag1.xml><?xml version="1.0" encoding="utf-8"?>
+<p:tagLst xmlns:a="http://schemas.openxmlformats.org/drawingml/2006/main" xmlns:r="http://schemas.openxmlformats.org/officeDocument/2006/relationships" xmlns:p="http://schemas.openxmlformats.org/presentationml/2006/main">
+  <p:tag name="TIMING" val="|23.6|4.1|8.3|8.9"/>
+</p:tagLst>
 </file>
 
 <file path=ppt/theme/theme1.xml><?xml version="1.0" encoding="utf-8"?>

--- a/doc/presentation/revenue-prediction.pptx
+++ b/doc/presentation/revenue-prediction.pptx
@@ -3888,11 +3888,11 @@
   <p:clrMapOvr>
     <a:masterClrMapping/>
   </p:clrMapOvr>
-  <mc:AlternateContent xmlns:mc="http://schemas.openxmlformats.org/markup-compatibility/2006">
-    <mc:Choice xmlns:p14="http://schemas.microsoft.com/office/powerpoint/2010/main" Requires="p14">
+  <mc:AlternateContent xmlns:mc="http://schemas.openxmlformats.org/markup-compatibility/2006" xmlns:p14="http://schemas.microsoft.com/office/powerpoint/2010/main">
+    <mc:Choice Requires="p14">
       <p:transition spd="slow" p14:dur="2000" advTm="9775"/>
     </mc:Choice>
-    <mc:Fallback>
+    <mc:Fallback xmlns="">
       <p:transition spd="slow" advTm="9775"/>
     </mc:Fallback>
   </mc:AlternateContent>
@@ -3963,13 +3963,8 @@
           <a:p>
             <a:r>
               <a:rPr lang="en-US" dirty="0" smtClean="0"/>
-              <a:t>Feature </a:t>
-            </a:r>
-            <a:r>
-              <a:rPr lang="en-US" dirty="0" smtClean="0"/>
-              <a:t>Ranking</a:t>
-            </a:r>
-            <a:endParaRPr lang="en-US" dirty="0" smtClean="0"/>
+              <a:t>Feature Ranking</a:t>
+            </a:r>
           </a:p>
           <a:p>
             <a:pPr lvl="1"/>
@@ -4056,11 +4051,11 @@
   <p:clrMapOvr>
     <a:masterClrMapping/>
   </p:clrMapOvr>
-  <mc:AlternateContent xmlns:mc="http://schemas.openxmlformats.org/markup-compatibility/2006">
-    <mc:Choice xmlns:p14="http://schemas.microsoft.com/office/powerpoint/2010/main" Requires="p14">
+  <mc:AlternateContent xmlns:mc="http://schemas.openxmlformats.org/markup-compatibility/2006" xmlns:p14="http://schemas.microsoft.com/office/powerpoint/2010/main">
+    <mc:Choice Requires="p14">
       <p:transition spd="slow" p14:dur="2000" advTm="39884"/>
     </mc:Choice>
-    <mc:Fallback>
+    <mc:Fallback xmlns="">
       <p:transition spd="slow" advTm="39884"/>
     </mc:Fallback>
   </mc:AlternateContent>
@@ -4179,15 +4174,7 @@
             <a:pPr lvl="1"/>
             <a:r>
               <a:rPr lang="en-US" dirty="0" smtClean="0"/>
-              <a:t>RMSE </a:t>
-            </a:r>
-            <a:r>
-              <a:rPr lang="en-US" dirty="0" smtClean="0"/>
-              <a:t>punishes </a:t>
-            </a:r>
-            <a:r>
-              <a:rPr lang="en-US" dirty="0" smtClean="0"/>
-              <a:t>large errors</a:t>
+              <a:t>RMSE punishes large errors</a:t>
             </a:r>
             <a:endParaRPr lang="en-US" dirty="0"/>
           </a:p>
@@ -4365,11 +4352,11 @@
   <p:clrMapOvr>
     <a:masterClrMapping/>
   </p:clrMapOvr>
-  <mc:AlternateContent xmlns:mc="http://schemas.openxmlformats.org/markup-compatibility/2006">
-    <mc:Choice xmlns:p14="http://schemas.microsoft.com/office/powerpoint/2010/main" Requires="p14">
+  <mc:AlternateContent xmlns:mc="http://schemas.openxmlformats.org/markup-compatibility/2006" xmlns:p14="http://schemas.microsoft.com/office/powerpoint/2010/main">
+    <mc:Choice Requires="p14">
       <p:transition spd="slow" p14:dur="2000" advTm="26732"/>
     </mc:Choice>
-    <mc:Fallback>
+    <mc:Fallback xmlns="">
       <p:transition spd="slow" advTm="26732"/>
     </mc:Fallback>
   </mc:AlternateContent>
@@ -4476,7 +4463,15 @@
           <a:p>
             <a:r>
               <a:rPr lang="en-US" altLang="zh-CN" dirty="0" smtClean="0"/>
-              <a:t>Parameters turned based on 5-folds cross validation</a:t>
+              <a:t>Parameters turned based on 5-folds </a:t>
+            </a:r>
+            <a:r>
+              <a:rPr lang="en-US" altLang="zh-CN" dirty="0" smtClean="0">
+                <a:solidFill>
+                  <a:srgbClr val="FF0000"/>
+                </a:solidFill>
+              </a:rPr>
+              <a:t>cross validation</a:t>
             </a:r>
           </a:p>
           <a:p>
@@ -4522,11 +4517,11 @@
   <p:clrMapOvr>
     <a:masterClrMapping/>
   </p:clrMapOvr>
-  <mc:AlternateContent xmlns:mc="http://schemas.openxmlformats.org/markup-compatibility/2006">
-    <mc:Choice xmlns:p14="http://schemas.microsoft.com/office/powerpoint/2010/main" Requires="p14">
+  <mc:AlternateContent xmlns:mc="http://schemas.openxmlformats.org/markup-compatibility/2006" xmlns:p14="http://schemas.microsoft.com/office/powerpoint/2010/main">
+    <mc:Choice Requires="p14">
       <p:transition spd="slow" p14:dur="2000" advTm="68874"/>
     </mc:Choice>
-    <mc:Fallback>
+    <mc:Fallback xmlns="">
       <p:transition spd="slow" advTm="68874"/>
     </mc:Fallback>
   </mc:AlternateContent>
@@ -4841,12 +4836,24 @@
               <a:t>Outperform all single models on PB (</a:t>
             </a:r>
             <a:r>
-              <a:rPr kumimoji="1" lang="en-US" altLang="zh-CN" dirty="0"/>
+              <a:rPr kumimoji="1" lang="en-US" altLang="zh-CN" dirty="0">
+                <a:solidFill>
+                  <a:srgbClr val="FF0000"/>
+                </a:solidFill>
+              </a:rPr>
               <a:t>Ranked </a:t>
             </a:r>
             <a:r>
+              <a:rPr kumimoji="1" lang="en-US" altLang="zh-CN" dirty="0" smtClean="0">
+                <a:solidFill>
+                  <a:srgbClr val="FF0000"/>
+                </a:solidFill>
+              </a:rPr>
+              <a:t>132</a:t>
+            </a:r>
+            <a:r>
               <a:rPr kumimoji="1" lang="en-US" altLang="zh-CN" dirty="0" smtClean="0"/>
-              <a:t>132)</a:t>
+              <a:t>)</a:t>
             </a:r>
           </a:p>
         </p:txBody>
@@ -4864,11 +4871,11 @@
   <p:clrMapOvr>
     <a:masterClrMapping/>
   </p:clrMapOvr>
-  <mc:AlternateContent xmlns:mc="http://schemas.openxmlformats.org/markup-compatibility/2006">
-    <mc:Choice xmlns:p14="http://schemas.microsoft.com/office/powerpoint/2010/main" Requires="p14">
+  <mc:AlternateContent xmlns:mc="http://schemas.openxmlformats.org/markup-compatibility/2006" xmlns:p14="http://schemas.microsoft.com/office/powerpoint/2010/main">
+    <mc:Choice Requires="p14">
       <p:transition spd="slow" p14:dur="2000" advTm="77819"/>
     </mc:Choice>
-    <mc:Fallback>
+    <mc:Fallback xmlns="">
       <p:transition spd="slow" advTm="77819"/>
     </mc:Fallback>
   </mc:AlternateContent>
@@ -5204,11 +5211,11 @@
   <p:clrMapOvr>
     <a:masterClrMapping/>
   </p:clrMapOvr>
-  <mc:AlternateContent xmlns:mc="http://schemas.openxmlformats.org/markup-compatibility/2006">
-    <mc:Choice xmlns:p14="http://schemas.microsoft.com/office/powerpoint/2010/main" Requires="p14">
+  <mc:AlternateContent xmlns:mc="http://schemas.openxmlformats.org/markup-compatibility/2006" xmlns:p14="http://schemas.microsoft.com/office/powerpoint/2010/main">
+    <mc:Choice Requires="p14">
       <p:transition spd="slow" p14:dur="2000" advTm="48603"/>
     </mc:Choice>
-    <mc:Fallback>
+    <mc:Fallback xmlns="">
       <p:transition spd="slow" advTm="48603"/>
     </mc:Fallback>
   </mc:AlternateContent>
@@ -5343,11 +5350,11 @@
   <p:clrMapOvr>
     <a:masterClrMapping/>
   </p:clrMapOvr>
-  <mc:AlternateContent xmlns:mc="http://schemas.openxmlformats.org/markup-compatibility/2006">
-    <mc:Choice xmlns:p14="http://schemas.microsoft.com/office/powerpoint/2010/main" Requires="p14">
+  <mc:AlternateContent xmlns:mc="http://schemas.openxmlformats.org/markup-compatibility/2006" xmlns:p14="http://schemas.microsoft.com/office/powerpoint/2010/main">
+    <mc:Choice Requires="p14">
       <p:transition spd="slow" p14:dur="2000" advTm="48160"/>
     </mc:Choice>
-    <mc:Fallback>
+    <mc:Fallback xmlns="">
       <p:transition spd="slow" advTm="48160"/>
     </mc:Fallback>
   </mc:AlternateContent>
@@ -5446,11 +5453,11 @@
   <p:clrMapOvr>
     <a:masterClrMapping/>
   </p:clrMapOvr>
-  <mc:AlternateContent xmlns:mc="http://schemas.openxmlformats.org/markup-compatibility/2006">
-    <mc:Choice xmlns:p14="http://schemas.microsoft.com/office/powerpoint/2010/main" Requires="p14">
+  <mc:AlternateContent xmlns:mc="http://schemas.openxmlformats.org/markup-compatibility/2006" xmlns:p14="http://schemas.microsoft.com/office/powerpoint/2010/main">
+    <mc:Choice Requires="p14">
       <p:transition spd="slow" p14:dur="2000" advTm="181100"/>
     </mc:Choice>
-    <mc:Fallback>
+    <mc:Fallback xmlns="">
       <p:transition spd="slow" advTm="181100"/>
     </mc:Fallback>
   </mc:AlternateContent>
@@ -6579,11 +6586,11 @@
   <p:clrMapOvr>
     <a:masterClrMapping/>
   </p:clrMapOvr>
-  <mc:AlternateContent xmlns:mc="http://schemas.openxmlformats.org/markup-compatibility/2006">
-    <mc:Choice xmlns:p14="http://schemas.microsoft.com/office/powerpoint/2010/main" Requires="p14">
+  <mc:AlternateContent xmlns:mc="http://schemas.openxmlformats.org/markup-compatibility/2006" xmlns:p14="http://schemas.microsoft.com/office/powerpoint/2010/main">
+    <mc:Choice Requires="p14">
       <p:transition spd="slow" p14:dur="2000" advTm="23176"/>
     </mc:Choice>
-    <mc:Fallback>
+    <mc:Fallback xmlns="">
       <p:transition spd="slow" advTm="23176"/>
     </mc:Fallback>
   </mc:AlternateContent>
@@ -7333,11 +7340,11 @@
   <p:clrMapOvr>
     <a:masterClrMapping/>
   </p:clrMapOvr>
-  <mc:AlternateContent xmlns:mc="http://schemas.openxmlformats.org/markup-compatibility/2006">
-    <mc:Choice xmlns:p14="http://schemas.microsoft.com/office/powerpoint/2010/main" Requires="p14">
+  <mc:AlternateContent xmlns:mc="http://schemas.openxmlformats.org/markup-compatibility/2006" xmlns:p14="http://schemas.microsoft.com/office/powerpoint/2010/main">
+    <mc:Choice Requires="p14">
       <p:transition spd="slow" p14:dur="2000" advTm="67819"/>
     </mc:Choice>
-    <mc:Fallback>
+    <mc:Fallback xmlns="">
       <p:transition spd="slow" advTm="67819"/>
     </mc:Fallback>
   </mc:AlternateContent>
@@ -7840,11 +7847,11 @@
   <p:clrMapOvr>
     <a:masterClrMapping/>
   </p:clrMapOvr>
-  <mc:AlternateContent xmlns:mc="http://schemas.openxmlformats.org/markup-compatibility/2006">
-    <mc:Choice xmlns:p14="http://schemas.microsoft.com/office/powerpoint/2010/main" Requires="p14">
+  <mc:AlternateContent xmlns:mc="http://schemas.openxmlformats.org/markup-compatibility/2006" xmlns:p14="http://schemas.microsoft.com/office/powerpoint/2010/main">
+    <mc:Choice Requires="p14">
       <p:transition spd="slow" p14:dur="2000" advTm="22451"/>
     </mc:Choice>
-    <mc:Fallback>
+    <mc:Fallback xmlns="">
       <p:transition spd="slow" advTm="22451"/>
     </mc:Fallback>
   </mc:AlternateContent>
@@ -8102,11 +8109,11 @@
   <p:clrMapOvr>
     <a:masterClrMapping/>
   </p:clrMapOvr>
-  <mc:AlternateContent xmlns:mc="http://schemas.openxmlformats.org/markup-compatibility/2006">
-    <mc:Choice xmlns:p14="http://schemas.microsoft.com/office/powerpoint/2010/main" Requires="p14">
+  <mc:AlternateContent xmlns:mc="http://schemas.openxmlformats.org/markup-compatibility/2006" xmlns:p14="http://schemas.microsoft.com/office/powerpoint/2010/main">
+    <mc:Choice Requires="p14">
       <p:transition spd="slow" p14:dur="2000" advTm="22272"/>
     </mc:Choice>
-    <mc:Fallback>
+    <mc:Fallback xmlns="">
       <p:transition spd="slow" advTm="22272"/>
     </mc:Fallback>
   </mc:AlternateContent>
@@ -8197,11 +8204,7 @@
           <a:p>
             <a:r>
               <a:rPr lang="en-US" dirty="0" smtClean="0"/>
-              <a:t>Feature </a:t>
-            </a:r>
-            <a:r>
-              <a:rPr lang="en-US" dirty="0" smtClean="0"/>
-              <a:t>Scaling</a:t>
+              <a:t>Feature Scaling</a:t>
             </a:r>
           </a:p>
           <a:p>
@@ -8223,11 +8226,11 @@
   <p:clrMapOvr>
     <a:masterClrMapping/>
   </p:clrMapOvr>
-  <mc:AlternateContent xmlns:mc="http://schemas.openxmlformats.org/markup-compatibility/2006">
-    <mc:Choice xmlns:p14="http://schemas.microsoft.com/office/powerpoint/2010/main" Requires="p14">
+  <mc:AlternateContent xmlns:mc="http://schemas.openxmlformats.org/markup-compatibility/2006" xmlns:p14="http://schemas.microsoft.com/office/powerpoint/2010/main">
+    <mc:Choice Requires="p14">
       <p:transition spd="slow" p14:dur="2000" advTm="23371"/>
     </mc:Choice>
-    <mc:Fallback>
+    <mc:Fallback xmlns="">
       <p:transition spd="slow" advTm="23371"/>
     </mc:Fallback>
   </mc:AlternateContent>
@@ -8518,11 +8521,11 @@
   <p:clrMapOvr>
     <a:masterClrMapping/>
   </p:clrMapOvr>
-  <mc:AlternateContent xmlns:mc="http://schemas.openxmlformats.org/markup-compatibility/2006">
-    <mc:Choice xmlns:p14="http://schemas.microsoft.com/office/powerpoint/2010/main" Requires="p14">
+  <mc:AlternateContent xmlns:mc="http://schemas.openxmlformats.org/markup-compatibility/2006" xmlns:p14="http://schemas.microsoft.com/office/powerpoint/2010/main">
+    <mc:Choice Requires="p14">
       <p:transition spd="slow" p14:dur="2000" advTm="67397"/>
     </mc:Choice>
-    <mc:Fallback>
+    <mc:Fallback xmlns="">
       <p:transition spd="slow" advTm="67397"/>
     </mc:Fallback>
   </mc:AlternateContent>
@@ -8902,11 +8905,11 @@
   <p:clrMapOvr>
     <a:masterClrMapping/>
   </p:clrMapOvr>
-  <mc:AlternateContent xmlns:mc="http://schemas.openxmlformats.org/markup-compatibility/2006">
-    <mc:Choice xmlns:p14="http://schemas.microsoft.com/office/powerpoint/2010/main" Requires="p14">
+  <mc:AlternateContent xmlns:mc="http://schemas.openxmlformats.org/markup-compatibility/2006" xmlns:p14="http://schemas.microsoft.com/office/powerpoint/2010/main">
+    <mc:Choice Requires="p14">
       <p:transition spd="slow" p14:dur="2000" advTm="22522"/>
     </mc:Choice>
-    <mc:Fallback>
+    <mc:Fallback xmlns="">
       <p:transition spd="slow" advTm="22522"/>
     </mc:Fallback>
   </mc:AlternateContent>
@@ -9140,11 +9143,11 @@
   <p:clrMapOvr>
     <a:masterClrMapping/>
   </p:clrMapOvr>
-  <mc:AlternateContent xmlns:mc="http://schemas.openxmlformats.org/markup-compatibility/2006">
-    <mc:Choice xmlns:p14="http://schemas.microsoft.com/office/powerpoint/2010/main" Requires="p14">
+  <mc:AlternateContent xmlns:mc="http://schemas.openxmlformats.org/markup-compatibility/2006" xmlns:p14="http://schemas.microsoft.com/office/powerpoint/2010/main">
+    <mc:Choice Requires="p14">
       <p:transition spd="slow" p14:dur="2000" advTm="20881"/>
     </mc:Choice>
-    <mc:Fallback>
+    <mc:Fallback xmlns="">
       <p:transition spd="slow" advTm="20881"/>
     </mc:Fallback>
   </mc:AlternateContent>

--- a/doc/presentation/revenue-prediction.pptx
+++ b/doc/presentation/revenue-prediction.pptx
@@ -21,8 +21,8 @@
     <p:sldId id="274" r:id="rId12"/>
     <p:sldId id="260" r:id="rId13"/>
     <p:sldId id="281" r:id="rId14"/>
-    <p:sldId id="264" r:id="rId15"/>
-    <p:sldId id="263" r:id="rId16"/>
+    <p:sldId id="263" r:id="rId15"/>
+    <p:sldId id="264" r:id="rId16"/>
     <p:sldId id="265" r:id="rId17"/>
     <p:sldId id="271" r:id="rId18"/>
     <p:sldId id="272" r:id="rId19"/>
@@ -213,7 +213,7 @@
           <a:p>
             <a:fld id="{748AB8CE-FDAE-4CE5-A199-BD7C66646063}" type="datetimeFigureOut">
               <a:rPr lang="en-US" smtClean="0"/>
-              <a:t>5/4/2015</a:t>
+              <a:t>5/4/15</a:t>
             </a:fld>
             <a:endParaRPr lang="en-US"/>
           </a:p>
@@ -1030,7 +1030,7 @@
             <a:fld id="{1D8BD707-D9CF-40AE-B4C6-C98DA3205C09}" type="datetimeFigureOut">
               <a:rPr lang="en-US" smtClean="0"/>
               <a:pPr/>
-              <a:t>5/4/2015</a:t>
+              <a:t>5/4/15</a:t>
             </a:fld>
             <a:endParaRPr lang="en-US"/>
           </a:p>
@@ -1197,7 +1197,7 @@
             <a:fld id="{1D8BD707-D9CF-40AE-B4C6-C98DA3205C09}" type="datetimeFigureOut">
               <a:rPr lang="en-US" smtClean="0"/>
               <a:pPr/>
-              <a:t>5/4/2015</a:t>
+              <a:t>5/4/15</a:t>
             </a:fld>
             <a:endParaRPr lang="en-US"/>
           </a:p>
@@ -1374,7 +1374,7 @@
             <a:fld id="{1D8BD707-D9CF-40AE-B4C6-C98DA3205C09}" type="datetimeFigureOut">
               <a:rPr lang="en-US" smtClean="0"/>
               <a:pPr/>
-              <a:t>5/4/2015</a:t>
+              <a:t>5/4/15</a:t>
             </a:fld>
             <a:endParaRPr lang="en-US"/>
           </a:p>
@@ -1541,7 +1541,7 @@
             <a:fld id="{1D8BD707-D9CF-40AE-B4C6-C98DA3205C09}" type="datetimeFigureOut">
               <a:rPr lang="en-US" smtClean="0"/>
               <a:pPr/>
-              <a:t>5/4/2015</a:t>
+              <a:t>5/4/15</a:t>
             </a:fld>
             <a:endParaRPr lang="en-US"/>
           </a:p>
@@ -1784,7 +1784,7 @@
             <a:fld id="{1D8BD707-D9CF-40AE-B4C6-C98DA3205C09}" type="datetimeFigureOut">
               <a:rPr lang="en-US" smtClean="0"/>
               <a:pPr/>
-              <a:t>5/4/2015</a:t>
+              <a:t>5/4/15</a:t>
             </a:fld>
             <a:endParaRPr lang="en-US"/>
           </a:p>
@@ -2069,7 +2069,7 @@
             <a:fld id="{1D8BD707-D9CF-40AE-B4C6-C98DA3205C09}" type="datetimeFigureOut">
               <a:rPr lang="en-US" smtClean="0"/>
               <a:pPr/>
-              <a:t>5/4/2015</a:t>
+              <a:t>5/4/15</a:t>
             </a:fld>
             <a:endParaRPr lang="en-US"/>
           </a:p>
@@ -2488,7 +2488,7 @@
             <a:fld id="{1D8BD707-D9CF-40AE-B4C6-C98DA3205C09}" type="datetimeFigureOut">
               <a:rPr lang="en-US" smtClean="0"/>
               <a:pPr/>
-              <a:t>5/4/2015</a:t>
+              <a:t>5/4/15</a:t>
             </a:fld>
             <a:endParaRPr lang="en-US"/>
           </a:p>
@@ -2603,7 +2603,7 @@
             <a:fld id="{1D8BD707-D9CF-40AE-B4C6-C98DA3205C09}" type="datetimeFigureOut">
               <a:rPr lang="en-US" smtClean="0"/>
               <a:pPr/>
-              <a:t>5/4/2015</a:t>
+              <a:t>5/4/15</a:t>
             </a:fld>
             <a:endParaRPr lang="en-US"/>
           </a:p>
@@ -2695,7 +2695,7 @@
             <a:fld id="{1D8BD707-D9CF-40AE-B4C6-C98DA3205C09}" type="datetimeFigureOut">
               <a:rPr lang="en-US" smtClean="0"/>
               <a:pPr/>
-              <a:t>5/4/2015</a:t>
+              <a:t>5/4/15</a:t>
             </a:fld>
             <a:endParaRPr lang="en-US"/>
           </a:p>
@@ -2969,7 +2969,7 @@
             <a:fld id="{1D8BD707-D9CF-40AE-B4C6-C98DA3205C09}" type="datetimeFigureOut">
               <a:rPr lang="en-US" smtClean="0"/>
               <a:pPr/>
-              <a:t>5/4/2015</a:t>
+              <a:t>5/4/15</a:t>
             </a:fld>
             <a:endParaRPr lang="en-US"/>
           </a:p>
@@ -3219,7 +3219,7 @@
             <a:fld id="{1D8BD707-D9CF-40AE-B4C6-C98DA3205C09}" type="datetimeFigureOut">
               <a:rPr lang="en-US" smtClean="0"/>
               <a:pPr/>
-              <a:t>5/4/2015</a:t>
+              <a:t>5/4/15</a:t>
             </a:fld>
             <a:endParaRPr lang="en-US"/>
           </a:p>
@@ -3429,7 +3429,7 @@
             <a:fld id="{1D8BD707-D9CF-40AE-B4C6-C98DA3205C09}" type="datetimeFigureOut">
               <a:rPr lang="en-US" smtClean="0"/>
               <a:pPr/>
-              <a:t>5/4/2015</a:t>
+              <a:t>5/4/15</a:t>
             </a:fld>
             <a:endParaRPr lang="en-US"/>
           </a:p>
@@ -3899,7 +3899,7 @@
   <p:timing>
     <p:tnLst>
       <p:par>
-        <p:cTn id="1" dur="indefinite" restart="never" nodeType="tmRoot"/>
+        <p:cTn xmlns:p14="http://schemas.microsoft.com/office/powerpoint/2010/main" id="1" dur="indefinite" restart="never" nodeType="tmRoot"/>
       </p:par>
     </p:tnLst>
   </p:timing>
@@ -4021,14 +4021,14 @@
             <a:noFill/>
           </a:ln>
           <a:extLst>
-            <a:ext uri="{909E8E84-426E-40DD-AFC4-6F175D3DCCD1}">
+            <a:ext uri="{909E8E84-426E-40dd-AFC4-6F175D3DCCD1}">
               <a14:hiddenFill xmlns:a14="http://schemas.microsoft.com/office/drawing/2010/main">
                 <a:solidFill>
                   <a:schemeClr val="accent1"/>
                 </a:solidFill>
               </a14:hiddenFill>
             </a:ext>
-            <a:ext uri="{91240B29-F687-4F45-9708-019B960494DF}">
+            <a:ext uri="{91240B29-F687-4f45-9708-019B960494DF}">
               <a14:hiddenLine xmlns:a14="http://schemas.microsoft.com/office/drawing/2010/main" w="9525">
                 <a:solidFill>
                   <a:schemeClr val="tx1"/>
@@ -4062,7 +4062,7 @@
   <p:timing>
     <p:tnLst>
       <p:par>
-        <p:cTn id="1" dur="indefinite" restart="never" nodeType="tmRoot"/>
+        <p:cTn xmlns:p14="http://schemas.microsoft.com/office/powerpoint/2010/main" id="1" dur="indefinite" restart="never" nodeType="tmRoot"/>
       </p:par>
     </p:tnLst>
   </p:timing>
@@ -4214,14 +4214,14 @@
             <a:noFill/>
           </a:ln>
           <a:extLst>
-            <a:ext uri="{909E8E84-426E-40DD-AFC4-6F175D3DCCD1}">
+            <a:ext uri="{909E8E84-426E-40dd-AFC4-6F175D3DCCD1}">
               <a14:hiddenFill xmlns:a14="http://schemas.microsoft.com/office/drawing/2010/main">
                 <a:solidFill>
                   <a:schemeClr val="accent1"/>
                 </a:solidFill>
               </a14:hiddenFill>
             </a:ext>
-            <a:ext uri="{91240B29-F687-4F45-9708-019B960494DF}">
+            <a:ext uri="{91240B29-F687-4f45-9708-019B960494DF}">
               <a14:hiddenLine xmlns:a14="http://schemas.microsoft.com/office/drawing/2010/main" w="9525">
                 <a:solidFill>
                   <a:schemeClr val="tx1"/>
@@ -4268,14 +4268,14 @@
             <a:noFill/>
           </a:ln>
           <a:extLst>
-            <a:ext uri="{909E8E84-426E-40DD-AFC4-6F175D3DCCD1}">
+            <a:ext uri="{909E8E84-426E-40dd-AFC4-6F175D3DCCD1}">
               <a14:hiddenFill xmlns:a14="http://schemas.microsoft.com/office/drawing/2010/main">
                 <a:solidFill>
                   <a:schemeClr val="accent1"/>
                 </a:solidFill>
               </a14:hiddenFill>
             </a:ext>
-            <a:ext uri="{91240B29-F687-4F45-9708-019B960494DF}">
+            <a:ext uri="{91240B29-F687-4f45-9708-019B960494DF}">
               <a14:hiddenLine xmlns:a14="http://schemas.microsoft.com/office/drawing/2010/main" w="9525">
                 <a:solidFill>
                   <a:schemeClr val="tx1"/>
@@ -4322,14 +4322,14 @@
             <a:noFill/>
           </a:ln>
           <a:extLst>
-            <a:ext uri="{909E8E84-426E-40DD-AFC4-6F175D3DCCD1}">
+            <a:ext uri="{909E8E84-426E-40dd-AFC4-6F175D3DCCD1}">
               <a14:hiddenFill xmlns:a14="http://schemas.microsoft.com/office/drawing/2010/main">
                 <a:solidFill>
                   <a:schemeClr val="accent1"/>
                 </a:solidFill>
               </a14:hiddenFill>
             </a:ext>
-            <a:ext uri="{91240B29-F687-4F45-9708-019B960494DF}">
+            <a:ext uri="{91240B29-F687-4f45-9708-019B960494DF}">
               <a14:hiddenLine xmlns:a14="http://schemas.microsoft.com/office/drawing/2010/main" w="9525">
                 <a:solidFill>
                   <a:schemeClr val="tx1"/>
@@ -4363,7 +4363,7 @@
   <p:timing>
     <p:tnLst>
       <p:par>
-        <p:cTn id="1" dur="indefinite" restart="never" nodeType="tmRoot"/>
+        <p:cTn xmlns:p14="http://schemas.microsoft.com/office/powerpoint/2010/main" id="1" dur="indefinite" restart="never" nodeType="tmRoot"/>
       </p:par>
     </p:tnLst>
   </p:timing>
@@ -4528,7 +4528,7 @@
   <p:timing>
     <p:tnLst>
       <p:par>
-        <p:cTn id="1" dur="indefinite" restart="never" nodeType="tmRoot"/>
+        <p:cTn xmlns:p14="http://schemas.microsoft.com/office/powerpoint/2010/main" id="1" dur="indefinite" restart="never" nodeType="tmRoot"/>
       </p:par>
     </p:tnLst>
   </p:timing>
@@ -4882,7 +4882,7 @@
   <p:timing>
     <p:tnLst>
       <p:par>
-        <p:cTn id="1" dur="indefinite" restart="never" nodeType="tmRoot">
+        <p:cTn xmlns:p14="http://schemas.microsoft.com/office/powerpoint/2010/main" id="1" dur="indefinite" restart="never" nodeType="tmRoot">
           <p:childTnLst>
             <p:seq concurrent="1" nextAc="seek">
               <p:cTn id="2" dur="indefinite" nodeType="mainSeq">
@@ -5135,127 +5135,6 @@
             <p:ph type="title"/>
           </p:nvPr>
         </p:nvSpPr>
-        <p:spPr/>
-        <p:txBody>
-          <a:bodyPr/>
-          <a:lstStyle/>
-          <a:p>
-            <a:r>
-              <a:rPr kumimoji="1" lang="en-US" altLang="zh-CN" dirty="0" smtClean="0"/>
-              <a:t>Results on Public Board</a:t>
-            </a:r>
-            <a:endParaRPr kumimoji="1" lang="zh-CN" altLang="en-US" dirty="0"/>
-          </a:p>
-        </p:txBody>
-      </p:sp>
-      <p:sp>
-        <p:nvSpPr>
-          <p:cNvPr id="3" name="内容占位符 2"/>
-          <p:cNvSpPr>
-            <a:spLocks noGrp="1"/>
-          </p:cNvSpPr>
-          <p:nvPr>
-            <p:ph idx="1"/>
-          </p:nvPr>
-        </p:nvSpPr>
-        <p:spPr/>
-        <p:txBody>
-          <a:bodyPr/>
-          <a:lstStyle/>
-          <a:p>
-            <a:r>
-              <a:rPr kumimoji="1" lang="en-US" altLang="zh-CN" dirty="0" smtClean="0"/>
-              <a:t>Ranked 132 / 2500+ teams</a:t>
-            </a:r>
-            <a:endParaRPr kumimoji="1" lang="zh-CN" altLang="en-US" dirty="0"/>
-          </a:p>
-        </p:txBody>
-      </p:sp>
-      <p:pic>
-        <p:nvPicPr>
-          <p:cNvPr id="9" name="图片 8" descr="pb.eps"/>
-          <p:cNvPicPr>
-            <a:picLocks noChangeAspect="1"/>
-          </p:cNvPicPr>
-          <p:nvPr/>
-        </p:nvPicPr>
-        <p:blipFill>
-          <a:blip r:embed="rId2">
-            <a:extLst>
-              <a:ext uri="{28A0092B-C50C-407E-A947-70E740481C1C}">
-                <a14:useLocalDpi xmlns:a14="http://schemas.microsoft.com/office/drawing/2010/main" val="0"/>
-              </a:ext>
-            </a:extLst>
-          </a:blip>
-          <a:stretch>
-            <a:fillRect/>
-          </a:stretch>
-        </p:blipFill>
-        <p:spPr>
-          <a:xfrm>
-            <a:off x="228600" y="2209800"/>
-            <a:ext cx="8768197" cy="4384099"/>
-          </a:xfrm>
-          <a:prstGeom prst="rect">
-            <a:avLst/>
-          </a:prstGeom>
-        </p:spPr>
-      </p:pic>
-    </p:spTree>
-    <p:extLst>
-      <p:ext uri="{BB962C8B-B14F-4D97-AF65-F5344CB8AC3E}">
-        <p14:creationId xmlns:p14="http://schemas.microsoft.com/office/powerpoint/2010/main" val="4030098551"/>
-      </p:ext>
-    </p:extLst>
-  </p:cSld>
-  <p:clrMapOvr>
-    <a:masterClrMapping/>
-  </p:clrMapOvr>
-  <mc:AlternateContent xmlns:mc="http://schemas.openxmlformats.org/markup-compatibility/2006" xmlns:p14="http://schemas.microsoft.com/office/powerpoint/2010/main">
-    <mc:Choice Requires="p14">
-      <p:transition spd="slow" p14:dur="2000" advTm="48603"/>
-    </mc:Choice>
-    <mc:Fallback xmlns="">
-      <p:transition spd="slow" advTm="48603"/>
-    </mc:Fallback>
-  </mc:AlternateContent>
-  <p:timing>
-    <p:tnLst>
-      <p:par>
-        <p:cTn id="1" dur="indefinite" restart="never" nodeType="tmRoot"/>
-      </p:par>
-    </p:tnLst>
-  </p:timing>
-</p:sld>
-</file>
-
-<file path=ppt/slides/slide15.xml><?xml version="1.0" encoding="utf-8"?>
-<p:sld xmlns:a="http://schemas.openxmlformats.org/drawingml/2006/main" xmlns:r="http://schemas.openxmlformats.org/officeDocument/2006/relationships" xmlns:p="http://schemas.openxmlformats.org/presentationml/2006/main">
-  <p:cSld>
-    <p:spTree>
-      <p:nvGrpSpPr>
-        <p:cNvPr id="1" name=""/>
-        <p:cNvGrpSpPr/>
-        <p:nvPr/>
-      </p:nvGrpSpPr>
-      <p:grpSpPr>
-        <a:xfrm>
-          <a:off x="0" y="0"/>
-          <a:ext cx="0" cy="0"/>
-          <a:chOff x="0" y="0"/>
-          <a:chExt cx="0" cy="0"/>
-        </a:xfrm>
-      </p:grpSpPr>
-      <p:sp>
-        <p:nvSpPr>
-          <p:cNvPr id="2" name="标题 1"/>
-          <p:cNvSpPr>
-            <a:spLocks noGrp="1"/>
-          </p:cNvSpPr>
-          <p:nvPr>
-            <p:ph type="title"/>
-          </p:nvPr>
-        </p:nvSpPr>
         <p:spPr>
           <a:xfrm>
             <a:off x="457200" y="274638"/>
@@ -5361,7 +5240,160 @@
   <p:timing>
     <p:tnLst>
       <p:par>
-        <p:cTn id="1" dur="indefinite" restart="never" nodeType="tmRoot"/>
+        <p:cTn xmlns:p14="http://schemas.microsoft.com/office/powerpoint/2010/main" id="1" dur="indefinite" restart="never" nodeType="tmRoot"/>
+      </p:par>
+    </p:tnLst>
+  </p:timing>
+</p:sld>
+</file>
+
+<file path=ppt/slides/slide15.xml><?xml version="1.0" encoding="utf-8"?>
+<p:sld xmlns:a="http://schemas.openxmlformats.org/drawingml/2006/main" xmlns:r="http://schemas.openxmlformats.org/officeDocument/2006/relationships" xmlns:p="http://schemas.openxmlformats.org/presentationml/2006/main">
+  <p:cSld>
+    <p:spTree>
+      <p:nvGrpSpPr>
+        <p:cNvPr id="1" name=""/>
+        <p:cNvGrpSpPr/>
+        <p:nvPr/>
+      </p:nvGrpSpPr>
+      <p:grpSpPr>
+        <a:xfrm>
+          <a:off x="0" y="0"/>
+          <a:ext cx="0" cy="0"/>
+          <a:chOff x="0" y="0"/>
+          <a:chExt cx="0" cy="0"/>
+        </a:xfrm>
+      </p:grpSpPr>
+      <p:sp>
+        <p:nvSpPr>
+          <p:cNvPr id="2" name="标题 1"/>
+          <p:cNvSpPr>
+            <a:spLocks noGrp="1"/>
+          </p:cNvSpPr>
+          <p:nvPr>
+            <p:ph type="title"/>
+          </p:nvPr>
+        </p:nvSpPr>
+        <p:spPr/>
+        <p:txBody>
+          <a:bodyPr/>
+          <a:lstStyle/>
+          <a:p>
+            <a:r>
+              <a:rPr kumimoji="1" lang="en-US" altLang="zh-CN" dirty="0" smtClean="0"/>
+              <a:t>Results on </a:t>
+            </a:r>
+            <a:r>
+              <a:rPr kumimoji="1" lang="en-US" altLang="zh-CN" dirty="0" smtClean="0"/>
+              <a:t>Final</a:t>
+            </a:r>
+            <a:r>
+              <a:rPr kumimoji="1" lang="zh-CN" altLang="en-US" dirty="0" smtClean="0"/>
+              <a:t> </a:t>
+            </a:r>
+            <a:r>
+              <a:rPr kumimoji="1" lang="en-US" altLang="zh-CN" dirty="0" smtClean="0"/>
+              <a:t>Board</a:t>
+            </a:r>
+            <a:endParaRPr kumimoji="1" lang="zh-CN" altLang="en-US" dirty="0"/>
+          </a:p>
+        </p:txBody>
+      </p:sp>
+      <p:sp>
+        <p:nvSpPr>
+          <p:cNvPr id="3" name="内容占位符 2"/>
+          <p:cNvSpPr>
+            <a:spLocks noGrp="1"/>
+          </p:cNvSpPr>
+          <p:nvPr>
+            <p:ph idx="1"/>
+          </p:nvPr>
+        </p:nvSpPr>
+        <p:spPr/>
+        <p:txBody>
+          <a:bodyPr/>
+          <a:lstStyle/>
+          <a:p>
+            <a:r>
+              <a:rPr kumimoji="1" lang="en-US" altLang="zh-CN" dirty="0" smtClean="0"/>
+              <a:t>Ranked </a:t>
+            </a:r>
+            <a:r>
+              <a:rPr kumimoji="1" lang="en-US" altLang="zh-CN" dirty="0" smtClean="0"/>
+              <a:t>82 </a:t>
+            </a:r>
+            <a:r>
+              <a:rPr kumimoji="1" lang="en-US" altLang="zh-CN" dirty="0" smtClean="0"/>
+              <a:t>/ </a:t>
+            </a:r>
+            <a:r>
+              <a:rPr kumimoji="1" lang="en-US" altLang="zh-CN" dirty="0" smtClean="0"/>
+              <a:t>2340</a:t>
+            </a:r>
+            <a:r>
+              <a:rPr kumimoji="1" lang="zh-CN" altLang="en-US" dirty="0" smtClean="0"/>
+              <a:t> </a:t>
+            </a:r>
+            <a:r>
+              <a:rPr kumimoji="1" lang="en-US" altLang="zh-CN" dirty="0" smtClean="0"/>
+              <a:t>Players</a:t>
+            </a:r>
+            <a:endParaRPr kumimoji="1" lang="zh-CN" altLang="en-US" dirty="0"/>
+          </a:p>
+        </p:txBody>
+      </p:sp>
+      <p:pic>
+        <p:nvPicPr>
+          <p:cNvPr id="6" name="图片 5" descr="pb.eps"/>
+          <p:cNvPicPr>
+            <a:picLocks noChangeAspect="1"/>
+          </p:cNvPicPr>
+          <p:nvPr/>
+        </p:nvPicPr>
+        <p:blipFill>
+          <a:blip r:embed="rId2">
+            <a:extLst>
+              <a:ext uri="{28A0092B-C50C-407E-A947-70E740481C1C}">
+                <a14:useLocalDpi xmlns:a14="http://schemas.microsoft.com/office/drawing/2010/main" val="0"/>
+              </a:ext>
+            </a:extLst>
+          </a:blip>
+          <a:stretch>
+            <a:fillRect/>
+          </a:stretch>
+        </p:blipFill>
+        <p:spPr>
+          <a:xfrm>
+            <a:off x="457200" y="2438400"/>
+            <a:ext cx="8229600" cy="4114800"/>
+          </a:xfrm>
+          <a:prstGeom prst="rect">
+            <a:avLst/>
+          </a:prstGeom>
+        </p:spPr>
+      </p:pic>
+    </p:spTree>
+    <p:extLst>
+      <p:ext uri="{BB962C8B-B14F-4D97-AF65-F5344CB8AC3E}">
+        <p14:creationId xmlns:p14="http://schemas.microsoft.com/office/powerpoint/2010/main" val="4030098551"/>
+      </p:ext>
+    </p:extLst>
+  </p:cSld>
+  <p:clrMapOvr>
+    <a:masterClrMapping/>
+  </p:clrMapOvr>
+  <mc:AlternateContent xmlns:mc="http://schemas.openxmlformats.org/markup-compatibility/2006" xmlns:p14="http://schemas.microsoft.com/office/powerpoint/2010/main">
+    <mc:Choice Requires="p14">
+      <p:transition spd="slow" p14:dur="2000" advTm="48603"/>
+    </mc:Choice>
+    <mc:Fallback xmlns="">
+      <p:transition spd="slow" advTm="48603"/>
+    </mc:Fallback>
+  </mc:AlternateContent>
+  <p:timing>
+    <p:tnLst>
+      <p:par>
+        <p:cTn xmlns:p14="http://schemas.microsoft.com/office/powerpoint/2010/main" id="1" dur="indefinite" restart="never" nodeType="tmRoot"/>
       </p:par>
     </p:tnLst>
   </p:timing>
@@ -5395,9 +5427,16 @@
             <p:ph type="title"/>
           </p:nvPr>
         </p:nvSpPr>
-        <p:spPr/>
-        <p:txBody>
-          <a:bodyPr/>
+        <p:spPr>
+          <a:xfrm>
+            <a:off x="457200" y="76200"/>
+            <a:ext cx="8229600" cy="563562"/>
+          </a:xfrm>
+        </p:spPr>
+        <p:txBody>
+          <a:bodyPr>
+            <a:normAutofit fontScale="90000"/>
+          </a:bodyPr>
           <a:lstStyle/>
           <a:p>
             <a:r>
@@ -5418,31 +5457,108 @@
             <p:ph idx="1"/>
           </p:nvPr>
         </p:nvSpPr>
-        <p:spPr/>
-        <p:txBody>
-          <a:bodyPr/>
-          <a:lstStyle/>
-          <a:p>
-            <a:r>
-              <a:rPr kumimoji="1" lang="en-US" altLang="zh-CN" dirty="0" smtClean="0"/>
+        <p:spPr>
+          <a:xfrm>
+            <a:off x="457200" y="762000"/>
+            <a:ext cx="8229600" cy="4525963"/>
+          </a:xfrm>
+        </p:spPr>
+        <p:txBody>
+          <a:bodyPr>
+            <a:normAutofit/>
+          </a:bodyPr>
+          <a:lstStyle/>
+          <a:p>
+            <a:r>
+              <a:rPr kumimoji="1" lang="en-US" altLang="zh-CN" sz="2800" dirty="0" smtClean="0"/>
               <a:t>Performance of a single model is limited</a:t>
             </a:r>
           </a:p>
           <a:p>
             <a:r>
-              <a:rPr kumimoji="1" lang="en-US" altLang="zh-CN" dirty="0" smtClean="0"/>
+              <a:rPr kumimoji="1" lang="en-US" altLang="zh-CN" sz="2800" dirty="0" smtClean="0"/>
               <a:t>Ensemble is a powerful technique to improve the performance with existing trained models</a:t>
             </a:r>
           </a:p>
           <a:p>
             <a:r>
-              <a:rPr kumimoji="1" lang="en-US" altLang="zh-CN" dirty="0" smtClean="0"/>
+              <a:rPr kumimoji="1" lang="en-US" altLang="zh-CN" sz="2800" dirty="0" smtClean="0"/>
               <a:t>Overfitting is an issue when training set is small </a:t>
             </a:r>
-            <a:endParaRPr kumimoji="1" lang="zh-CN" altLang="en-US" dirty="0"/>
-          </a:p>
-        </p:txBody>
-      </p:sp>
+            <a:endParaRPr kumimoji="1" lang="zh-CN" altLang="en-US" sz="2800" dirty="0"/>
+          </a:p>
+        </p:txBody>
+      </p:sp>
+      <p:grpSp>
+        <p:nvGrpSpPr>
+          <p:cNvPr id="8" name="组 7"/>
+          <p:cNvGrpSpPr/>
+          <p:nvPr/>
+        </p:nvGrpSpPr>
+        <p:grpSpPr>
+          <a:xfrm>
+            <a:off x="533400" y="2908195"/>
+            <a:ext cx="8077200" cy="3797405"/>
+            <a:chOff x="533400" y="2908195"/>
+            <a:chExt cx="8077200" cy="3797405"/>
+          </a:xfrm>
+        </p:grpSpPr>
+        <p:sp>
+          <p:nvSpPr>
+            <p:cNvPr id="5" name="文本框 4"/>
+            <p:cNvSpPr txBox="1"/>
+            <p:nvPr/>
+          </p:nvSpPr>
+          <p:spPr>
+            <a:xfrm>
+              <a:off x="533400" y="6324600"/>
+              <a:ext cx="8077200" cy="381000"/>
+            </a:xfrm>
+            <a:prstGeom prst="rect">
+              <a:avLst/>
+            </a:prstGeom>
+            <a:noFill/>
+          </p:spPr>
+          <p:txBody>
+            <a:bodyPr wrap="square" rtlCol="0">
+              <a:spAutoFit/>
+            </a:bodyPr>
+            <a:lstStyle/>
+            <a:p>
+              <a:pPr algn="ctr"/>
+              <a:r>
+                <a:rPr kumimoji="1" lang="en-US" altLang="zh-CN" dirty="0" smtClean="0"/>
+                <a:t>Top 5 Players on the Final Board</a:t>
+              </a:r>
+              <a:endParaRPr kumimoji="1" lang="zh-CN" altLang="en-US" dirty="0"/>
+            </a:p>
+          </p:txBody>
+        </p:sp>
+        <p:pic>
+          <p:nvPicPr>
+            <p:cNvPr id="7" name="图片 6"/>
+            <p:cNvPicPr>
+              <a:picLocks noChangeAspect="1"/>
+            </p:cNvPicPr>
+            <p:nvPr/>
+          </p:nvPicPr>
+          <p:blipFill>
+            <a:blip r:embed="rId2"/>
+            <a:stretch>
+              <a:fillRect/>
+            </a:stretch>
+          </p:blipFill>
+          <p:spPr>
+            <a:xfrm>
+              <a:off x="838200" y="2908195"/>
+              <a:ext cx="7315200" cy="3340205"/>
+            </a:xfrm>
+            <a:prstGeom prst="rect">
+              <a:avLst/>
+            </a:prstGeom>
+          </p:spPr>
+        </p:pic>
+      </p:grpSp>
     </p:spTree>
     <p:extLst>
       <p:ext uri="{BB962C8B-B14F-4D97-AF65-F5344CB8AC3E}">
@@ -5464,7 +5580,7 @@
   <p:timing>
     <p:tnLst>
       <p:par>
-        <p:cTn id="1" dur="indefinite" restart="never" nodeType="tmRoot"/>
+        <p:cTn xmlns:p14="http://schemas.microsoft.com/office/powerpoint/2010/main" id="1" dur="indefinite" restart="never" nodeType="tmRoot"/>
       </p:par>
     </p:tnLst>
   </p:timing>
@@ -5623,7 +5739,7 @@
   <p:timing>
     <p:tnLst>
       <p:par>
-        <p:cTn id="1" dur="indefinite" restart="never" nodeType="tmRoot"/>
+        <p:cTn xmlns:p14="http://schemas.microsoft.com/office/powerpoint/2010/main" id="1" dur="indefinite" restart="never" nodeType="tmRoot"/>
       </p:par>
     </p:tnLst>
   </p:timing>
@@ -6243,7 +6359,7 @@
   <p:timing>
     <p:tnLst>
       <p:par>
-        <p:cTn id="1" dur="indefinite" restart="never" nodeType="tmRoot"/>
+        <p:cTn xmlns:p14="http://schemas.microsoft.com/office/powerpoint/2010/main" id="1" dur="indefinite" restart="never" nodeType="tmRoot"/>
       </p:par>
     </p:tnLst>
   </p:timing>
@@ -6326,14 +6442,14 @@
             <a:noFill/>
           </a:ln>
           <a:extLst>
-            <a:ext uri="{909E8E84-426E-40DD-AFC4-6F175D3DCCD1}">
+            <a:ext uri="{909E8E84-426E-40dd-AFC4-6F175D3DCCD1}">
               <a14:hiddenFill xmlns:a14="http://schemas.microsoft.com/office/drawing/2010/main">
                 <a:solidFill>
                   <a:schemeClr val="accent1"/>
                 </a:solidFill>
               </a14:hiddenFill>
             </a:ext>
-            <a:ext uri="{91240B29-F687-4F45-9708-019B960494DF}">
+            <a:ext uri="{91240B29-F687-4f45-9708-019B960494DF}">
               <a14:hiddenLine xmlns:a14="http://schemas.microsoft.com/office/drawing/2010/main" w="9525">
                 <a:solidFill>
                   <a:schemeClr val="tx1"/>
@@ -6359,7 +6475,7 @@
   <p:timing>
     <p:tnLst>
       <p:par>
-        <p:cTn id="1" dur="indefinite" restart="never" nodeType="tmRoot"/>
+        <p:cTn xmlns:p14="http://schemas.microsoft.com/office/powerpoint/2010/main" id="1" dur="indefinite" restart="never" nodeType="tmRoot"/>
       </p:par>
     </p:tnLst>
   </p:timing>
@@ -6531,14 +6647,14 @@
               <a:noFill/>
             </a:ln>
             <a:extLst>
-              <a:ext uri="{909E8E84-426E-40DD-AFC4-6F175D3DCCD1}">
+              <a:ext uri="{909E8E84-426E-40dd-AFC4-6F175D3DCCD1}">
                 <a14:hiddenFill xmlns:a14="http://schemas.microsoft.com/office/drawing/2010/main">
                   <a:solidFill>
                     <a:schemeClr val="accent1"/>
                   </a:solidFill>
                 </a14:hiddenFill>
               </a:ext>
-              <a:ext uri="{91240B29-F687-4F45-9708-019B960494DF}">
+              <a:ext uri="{91240B29-F687-4f45-9708-019B960494DF}">
                 <a14:hiddenLine xmlns:a14="http://schemas.microsoft.com/office/drawing/2010/main" w="9525">
                   <a:solidFill>
                     <a:schemeClr val="tx1"/>
@@ -6597,7 +6713,7 @@
   <p:timing>
     <p:tnLst>
       <p:par>
-        <p:cTn id="1" dur="indefinite" restart="never" nodeType="tmRoot"/>
+        <p:cTn xmlns:p14="http://schemas.microsoft.com/office/powerpoint/2010/main" id="1" dur="indefinite" restart="never" nodeType="tmRoot"/>
       </p:par>
     </p:tnLst>
   </p:timing>
@@ -6680,14 +6796,14 @@
             <a:noFill/>
           </a:ln>
           <a:extLst>
-            <a:ext uri="{909E8E84-426E-40DD-AFC4-6F175D3DCCD1}">
+            <a:ext uri="{909E8E84-426E-40dd-AFC4-6F175D3DCCD1}">
               <a14:hiddenFill xmlns:a14="http://schemas.microsoft.com/office/drawing/2010/main">
                 <a:solidFill>
                   <a:schemeClr val="accent1"/>
                 </a:solidFill>
               </a14:hiddenFill>
             </a:ext>
-            <a:ext uri="{91240B29-F687-4F45-9708-019B960494DF}">
+            <a:ext uri="{91240B29-F687-4f45-9708-019B960494DF}">
               <a14:hiddenLine xmlns:a14="http://schemas.microsoft.com/office/drawing/2010/main" w="9525">
                 <a:solidFill>
                   <a:schemeClr val="tx1"/>
@@ -6713,7 +6829,7 @@
   <p:timing>
     <p:tnLst>
       <p:par>
-        <p:cTn id="1" dur="indefinite" restart="never" nodeType="tmRoot"/>
+        <p:cTn xmlns:p14="http://schemas.microsoft.com/office/powerpoint/2010/main" id="1" dur="indefinite" restart="never" nodeType="tmRoot"/>
       </p:par>
     </p:tnLst>
   </p:timing>
@@ -6817,14 +6933,14 @@
             <a:noFill/>
           </a:ln>
           <a:extLst>
-            <a:ext uri="{909E8E84-426E-40DD-AFC4-6F175D3DCCD1}">
+            <a:ext uri="{909E8E84-426E-40dd-AFC4-6F175D3DCCD1}">
               <a14:hiddenFill xmlns:a14="http://schemas.microsoft.com/office/drawing/2010/main">
                 <a:solidFill>
                   <a:schemeClr val="accent1"/>
                 </a:solidFill>
               </a14:hiddenFill>
             </a:ext>
-            <a:ext uri="{91240B29-F687-4F45-9708-019B960494DF}">
+            <a:ext uri="{91240B29-F687-4f45-9708-019B960494DF}">
               <a14:hiddenLine xmlns:a14="http://schemas.microsoft.com/office/drawing/2010/main" w="9525">
                 <a:solidFill>
                   <a:schemeClr val="tx1"/>
@@ -6953,14 +7069,14 @@
             <a:noFill/>
           </a:ln>
           <a:extLst>
-            <a:ext uri="{909E8E84-426E-40DD-AFC4-6F175D3DCCD1}">
+            <a:ext uri="{909E8E84-426E-40dd-AFC4-6F175D3DCCD1}">
               <a14:hiddenFill xmlns:a14="http://schemas.microsoft.com/office/drawing/2010/main">
                 <a:solidFill>
                   <a:schemeClr val="accent1"/>
                 </a:solidFill>
               </a14:hiddenFill>
             </a:ext>
-            <a:ext uri="{91240B29-F687-4F45-9708-019B960494DF}">
+            <a:ext uri="{91240B29-F687-4f45-9708-019B960494DF}">
               <a14:hiddenLine xmlns:a14="http://schemas.microsoft.com/office/drawing/2010/main" w="9525">
                 <a:solidFill>
                   <a:schemeClr val="tx1"/>
@@ -6986,7 +7102,7 @@
   <p:timing>
     <p:tnLst>
       <p:par>
-        <p:cTn id="1" dur="indefinite" restart="never" nodeType="tmRoot"/>
+        <p:cTn xmlns:p14="http://schemas.microsoft.com/office/powerpoint/2010/main" id="1" dur="indefinite" restart="never" nodeType="tmRoot"/>
       </p:par>
     </p:tnLst>
   </p:timing>
@@ -7310,14 +7426,14 @@
             <a:noFill/>
           </a:ln>
           <a:extLst>
-            <a:ext uri="{909E8E84-426E-40DD-AFC4-6F175D3DCCD1}">
+            <a:ext uri="{909E8E84-426E-40dd-AFC4-6F175D3DCCD1}">
               <a14:hiddenFill xmlns:a14="http://schemas.microsoft.com/office/drawing/2010/main">
                 <a:solidFill>
                   <a:schemeClr val="accent1"/>
                 </a:solidFill>
               </a14:hiddenFill>
             </a:ext>
-            <a:ext uri="{91240B29-F687-4F45-9708-019B960494DF}">
+            <a:ext uri="{91240B29-F687-4f45-9708-019B960494DF}">
               <a14:hiddenLine xmlns:a14="http://schemas.microsoft.com/office/drawing/2010/main" w="9525">
                 <a:solidFill>
                   <a:schemeClr val="tx1"/>
@@ -7351,7 +7467,7 @@
   <p:timing>
     <p:tnLst>
       <p:par>
-        <p:cTn id="1" dur="indefinite" restart="never" nodeType="tmRoot"/>
+        <p:cTn xmlns:p14="http://schemas.microsoft.com/office/powerpoint/2010/main" id="1" dur="indefinite" restart="never" nodeType="tmRoot"/>
       </p:par>
     </p:tnLst>
   </p:timing>
@@ -7460,14 +7576,14 @@
                 <a:noFill/>
               </a:ln>
               <a:extLst>
-                <a:ext uri="{909E8E84-426E-40DD-AFC4-6F175D3DCCD1}">
+                <a:ext uri="{909E8E84-426E-40dd-AFC4-6F175D3DCCD1}">
                   <a14:hiddenFill xmlns:a14="http://schemas.microsoft.com/office/drawing/2010/main">
                     <a:solidFill>
                       <a:schemeClr val="accent1"/>
                     </a:solidFill>
                   </a14:hiddenFill>
                 </a:ext>
-                <a:ext uri="{91240B29-F687-4F45-9708-019B960494DF}">
+                <a:ext uri="{91240B29-F687-4f45-9708-019B960494DF}">
                   <a14:hiddenLine xmlns:a14="http://schemas.microsoft.com/office/drawing/2010/main" w="9525">
                     <a:solidFill>
                       <a:schemeClr val="tx1"/>
@@ -7858,7 +7974,7 @@
   <p:timing>
     <p:tnLst>
       <p:par>
-        <p:cTn id="1" dur="indefinite" restart="never" nodeType="tmRoot"/>
+        <p:cTn xmlns:p14="http://schemas.microsoft.com/office/powerpoint/2010/main" id="1" dur="indefinite" restart="never" nodeType="tmRoot"/>
       </p:par>
     </p:tnLst>
   </p:timing>
@@ -8120,7 +8236,7 @@
   <p:timing>
     <p:tnLst>
       <p:par>
-        <p:cTn id="1" dur="indefinite" restart="never" nodeType="tmRoot"/>
+        <p:cTn xmlns:p14="http://schemas.microsoft.com/office/powerpoint/2010/main" id="1" dur="indefinite" restart="never" nodeType="tmRoot"/>
       </p:par>
     </p:tnLst>
   </p:timing>
@@ -8237,7 +8353,7 @@
   <p:timing>
     <p:tnLst>
       <p:par>
-        <p:cTn id="1" dur="indefinite" restart="never" nodeType="tmRoot"/>
+        <p:cTn xmlns:p14="http://schemas.microsoft.com/office/powerpoint/2010/main" id="1" dur="indefinite" restart="never" nodeType="tmRoot"/>
       </p:par>
     </p:tnLst>
   </p:timing>
@@ -8360,14 +8476,14 @@
               <a:noFill/>
             </a:ln>
             <a:extLst>
-              <a:ext uri="{909E8E84-426E-40DD-AFC4-6F175D3DCCD1}">
+              <a:ext uri="{909E8E84-426E-40dd-AFC4-6F175D3DCCD1}">
                 <a14:hiddenFill xmlns:a14="http://schemas.microsoft.com/office/drawing/2010/main">
                   <a:solidFill>
                     <a:schemeClr val="accent1"/>
                   </a:solidFill>
                 </a14:hiddenFill>
               </a:ext>
-              <a:ext uri="{91240B29-F687-4F45-9708-019B960494DF}">
+              <a:ext uri="{91240B29-F687-4f45-9708-019B960494DF}">
                 <a14:hiddenLine xmlns:a14="http://schemas.microsoft.com/office/drawing/2010/main" w="9525">
                   <a:solidFill>
                     <a:schemeClr val="tx1"/>
@@ -8532,7 +8648,7 @@
   <p:timing>
     <p:tnLst>
       <p:par>
-        <p:cTn id="1" dur="indefinite" restart="never" nodeType="tmRoot"/>
+        <p:cTn xmlns:p14="http://schemas.microsoft.com/office/powerpoint/2010/main" id="1" dur="indefinite" restart="never" nodeType="tmRoot"/>
       </p:par>
     </p:tnLst>
   </p:timing>
@@ -8641,14 +8757,14 @@
             </a:outerShdw>
           </a:effectLst>
           <a:extLst>
-            <a:ext uri="{909E8E84-426E-40DD-AFC4-6F175D3DCCD1}">
+            <a:ext uri="{909E8E84-426E-40dd-AFC4-6F175D3DCCD1}">
               <a14:hiddenFill xmlns:a14="http://schemas.microsoft.com/office/drawing/2010/main">
                 <a:solidFill>
                   <a:schemeClr val="accent1"/>
                 </a:solidFill>
               </a14:hiddenFill>
             </a:ext>
-            <a:ext uri="{91240B29-F687-4F45-9708-019B960494DF}">
+            <a:ext uri="{91240B29-F687-4f45-9708-019B960494DF}">
               <a14:hiddenLine xmlns:a14="http://schemas.microsoft.com/office/drawing/2010/main" w="9525">
                 <a:solidFill>
                   <a:schemeClr val="tx1"/>
@@ -8701,14 +8817,14 @@
             </a:outerShdw>
           </a:effectLst>
           <a:extLst>
-            <a:ext uri="{909E8E84-426E-40DD-AFC4-6F175D3DCCD1}">
+            <a:ext uri="{909E8E84-426E-40dd-AFC4-6F175D3DCCD1}">
               <a14:hiddenFill xmlns:a14="http://schemas.microsoft.com/office/drawing/2010/main">
                 <a:solidFill>
                   <a:schemeClr val="accent1"/>
                 </a:solidFill>
               </a14:hiddenFill>
             </a:ext>
-            <a:ext uri="{91240B29-F687-4F45-9708-019B960494DF}">
+            <a:ext uri="{91240B29-F687-4f45-9708-019B960494DF}">
               <a14:hiddenLine xmlns:a14="http://schemas.microsoft.com/office/drawing/2010/main" w="9525">
                 <a:solidFill>
                   <a:schemeClr val="tx1"/>
@@ -8916,7 +9032,7 @@
   <p:timing>
     <p:tnLst>
       <p:par>
-        <p:cTn id="1" dur="indefinite" restart="never" nodeType="tmRoot"/>
+        <p:cTn xmlns:p14="http://schemas.microsoft.com/office/powerpoint/2010/main" id="1" dur="indefinite" restart="never" nodeType="tmRoot"/>
       </p:par>
     </p:tnLst>
   </p:timing>
@@ -8981,7 +9097,7 @@
           </a:prstGeom>
           <a:noFill/>
           <a:extLst>
-            <a:ext uri="{909E8E84-426E-40DD-AFC4-6F175D3DCCD1}">
+            <a:ext uri="{909E8E84-426E-40dd-AFC4-6F175D3DCCD1}">
               <a14:hiddenFill xmlns:a14="http://schemas.microsoft.com/office/drawing/2010/main">
                 <a:solidFill>
                   <a:srgbClr val="FFFFFF"/>
@@ -9113,14 +9229,14 @@
             <a:noFill/>
           </a:ln>
           <a:extLst>
-            <a:ext uri="{909E8E84-426E-40DD-AFC4-6F175D3DCCD1}">
+            <a:ext uri="{909E8E84-426E-40dd-AFC4-6F175D3DCCD1}">
               <a14:hiddenFill xmlns:a14="http://schemas.microsoft.com/office/drawing/2010/main">
                 <a:solidFill>
                   <a:schemeClr val="accent1"/>
                 </a:solidFill>
               </a14:hiddenFill>
             </a:ext>
-            <a:ext uri="{91240B29-F687-4F45-9708-019B960494DF}">
+            <a:ext uri="{91240B29-F687-4f45-9708-019B960494DF}">
               <a14:hiddenLine xmlns:a14="http://schemas.microsoft.com/office/drawing/2010/main" w="9525">
                 <a:solidFill>
                   <a:schemeClr val="tx1"/>
@@ -9154,7 +9270,7 @@
   <p:timing>
     <p:tnLst>
       <p:par>
-        <p:cTn id="1" dur="indefinite" restart="never" nodeType="tmRoot"/>
+        <p:cTn xmlns:p14="http://schemas.microsoft.com/office/powerpoint/2010/main" id="1" dur="indefinite" restart="never" nodeType="tmRoot"/>
       </p:par>
     </p:tnLst>
   </p:timing>
